--- a/Presentation/Project4_presentation_draft.pptx
+++ b/Presentation/Project4_presentation_draft.pptx
@@ -256,7 +256,7 @@
           <a:p>
             <a:fld id="{BE668B7C-E4CD-4872-B084-44133F808FCE}" type="datetimeFigureOut">
               <a:rPr lang="en-US" smtClean="0"/>
-              <a:t>1/18/2024</a:t>
+              <a:t>1/22/24</a:t>
             </a:fld>
             <a:endParaRPr lang="en-US" dirty="0"/>
           </a:p>
@@ -433,7 +433,7 @@
           <a:p>
             <a:fld id="{6733D5BD-E30B-48AB-B24F-3878C333D518}" type="datetimeFigureOut">
               <a:rPr lang="en-US" smtClean="0"/>
-              <a:t>1/18/2024</a:t>
+              <a:t>1/22/24</a:t>
             </a:fld>
             <a:endParaRPr lang="en-US" dirty="0"/>
           </a:p>
@@ -1475,6 +1475,42 @@
         <p:txBody>
           <a:bodyPr/>
           <a:lstStyle/>
+          <a:p>
+            <a:r>
+              <a:rPr lang="en-US" dirty="0"/>
+              <a:t>For the data cleaning, we started with rounding the ages present in decimals to the nearest age. These affected only ages between 0 and 2. </a:t>
+            </a:r>
+          </a:p>
+          <a:p>
+            <a:r>
+              <a:rPr lang="en-US" dirty="0"/>
+              <a:t>The gender ’Other’ was dropped as we only had one row of data for this gender.</a:t>
+            </a:r>
+          </a:p>
+          <a:p>
+            <a:r>
+              <a:rPr lang="en-US" dirty="0"/>
+              <a:t>Also, we decided to drop the column </a:t>
+            </a:r>
+            <a:r>
+              <a:rPr lang="en-US" dirty="0" err="1"/>
+              <a:t>smoking_status</a:t>
+            </a:r>
+            <a:r>
+              <a:rPr lang="en-US" dirty="0"/>
+              <a:t> for the second part of the analysis as we had too many rows where status showed ’Unknown’. According to the notes on Kaggle, ’Unknown’ means that </a:t>
+            </a:r>
+            <a:r>
+              <a:rPr lang="en-GB" b="0" i="0" dirty="0">
+                <a:solidFill>
+                  <a:srgbClr val="3C4043"/>
+                </a:solidFill>
+                <a:effectLst/>
+                <a:latin typeface="Inter"/>
+              </a:rPr>
+              <a:t>the information is unavailable for this patient.</a:t>
+            </a:r>
+          </a:p>
           <a:p>
             <a:endParaRPr lang="en-US" dirty="0"/>
           </a:p>
@@ -17085,8 +17121,8 @@
         </p:nvSpPr>
         <p:spPr>
           <a:xfrm>
-            <a:off x="1448655" y="936933"/>
-            <a:ext cx="7086600" cy="584775"/>
+            <a:off x="2614613" y="351141"/>
+            <a:ext cx="5920641" cy="584775"/>
           </a:xfrm>
           <a:prstGeom prst="rect">
             <a:avLst/>
@@ -17126,8 +17162,8 @@
         </p:nvSpPr>
         <p:spPr>
           <a:xfrm>
-            <a:off x="1528411" y="1737123"/>
-            <a:ext cx="6886575" cy="2246769"/>
+            <a:off x="2285999" y="982079"/>
+            <a:ext cx="7415213" cy="3785652"/>
           </a:xfrm>
           <a:prstGeom prst="rect">
             <a:avLst/>
@@ -17140,48 +17176,90 @@
           </a:bodyPr>
           <a:lstStyle/>
           <a:p>
-            <a:pPr marL="342900" indent="-342900">
-              <a:buAutoNum type="arabicPeriod"/>
-            </a:pPr>
-            <a:r>
-              <a:rPr lang="en-US" sz="2800" dirty="0"/>
-              <a:t>Introduction</a:t>
-            </a:r>
-          </a:p>
-          <a:p>
-            <a:pPr marL="342900" indent="-342900">
-              <a:buAutoNum type="arabicPeriod"/>
-            </a:pPr>
-            <a:r>
-              <a:rPr lang="en-US" sz="2800" dirty="0"/>
-              <a:t>Data Cleaning – SQL</a:t>
-            </a:r>
-          </a:p>
-          <a:p>
-            <a:pPr marL="342900" indent="-342900">
-              <a:buAutoNum type="arabicPeriod"/>
-            </a:pPr>
-            <a:r>
-              <a:rPr lang="en-US" sz="2800" dirty="0"/>
-              <a:t>Visualization – Python Matplotlib &amp; Pandas </a:t>
-            </a:r>
-          </a:p>
-          <a:p>
-            <a:pPr marL="342900" indent="-342900">
-              <a:buAutoNum type="arabicPeriod"/>
-            </a:pPr>
-            <a:r>
-              <a:rPr lang="en-US" sz="2800" dirty="0"/>
-              <a:t>Supervised Machine Learning Models </a:t>
-            </a:r>
-          </a:p>
-          <a:p>
-            <a:pPr marL="342900" indent="-342900">
-              <a:buAutoNum type="arabicPeriod"/>
-            </a:pPr>
-            <a:r>
-              <a:rPr lang="en-US" sz="2800" dirty="0"/>
-              <a:t>Result &amp; Conclusion</a:t>
+            <a:r>
+              <a:rPr lang="en-US" sz="2000" dirty="0"/>
+              <a:t>- rounded age present as decimals</a:t>
+            </a:r>
+          </a:p>
+          <a:p>
+            <a:r>
+              <a:rPr lang="en-US" sz="2000" dirty="0"/>
+              <a:t>- dropped gender ’other’ (1 row) </a:t>
+            </a:r>
+          </a:p>
+          <a:p>
+            <a:r>
+              <a:rPr lang="en-US" sz="2000" dirty="0"/>
+              <a:t>- dropped </a:t>
+            </a:r>
+            <a:r>
+              <a:rPr lang="en-US" sz="2000" dirty="0" err="1"/>
+              <a:t>smoking_status</a:t>
+            </a:r>
+            <a:r>
+              <a:rPr lang="en-US" sz="2000" dirty="0"/>
+              <a:t> column ( too many ‘unknown’)</a:t>
+            </a:r>
+          </a:p>
+          <a:p>
+            <a:endParaRPr lang="en-US" sz="2000" dirty="0"/>
+          </a:p>
+          <a:p>
+            <a:pPr algn="ctr"/>
+            <a:r>
+              <a:rPr lang="en-US" sz="2000" b="1" dirty="0">
+                <a:solidFill>
+                  <a:srgbClr val="009193"/>
+                </a:solidFill>
+              </a:rPr>
+              <a:t>Stats on dataset:</a:t>
+            </a:r>
+          </a:p>
+          <a:p>
+            <a:r>
+              <a:rPr lang="en-US" sz="2000" dirty="0"/>
+              <a:t>- total 5109 rows of data post cleaning</a:t>
+            </a:r>
+          </a:p>
+          <a:p>
+            <a:r>
+              <a:rPr lang="en-US" sz="2000" dirty="0"/>
+              <a:t>- average age 43 years across cohort</a:t>
+            </a:r>
+          </a:p>
+          <a:p>
+            <a:r>
+              <a:rPr lang="en-US" sz="2000" dirty="0"/>
+              <a:t>- 2994 female &amp; 2115 male data rows</a:t>
+            </a:r>
+          </a:p>
+          <a:p>
+            <a:r>
+              <a:rPr lang="en-US" sz="2000" dirty="0"/>
+              <a:t>- 4400 employed, 22 never employed, 687 children</a:t>
+            </a:r>
+          </a:p>
+          <a:p>
+            <a:r>
+              <a:rPr lang="en-US" sz="2000" dirty="0"/>
+              <a:t>- 2596 Urban &amp; 2513 Rural dwellers</a:t>
+            </a:r>
+          </a:p>
+          <a:p>
+            <a:r>
+              <a:rPr lang="en-US" sz="2000" dirty="0"/>
+              <a:t>- avg glucose level 106.14 mg/dL </a:t>
+            </a:r>
+            <a:r>
+              <a:rPr lang="en-US" sz="2000"/>
+              <a:t>(optimal 70-100 mg/dL)</a:t>
+            </a:r>
+            <a:endParaRPr lang="en-US" sz="2000" dirty="0"/>
+          </a:p>
+          <a:p>
+            <a:r>
+              <a:rPr lang="en-US" sz="2000" dirty="0"/>
+              <a:t>- 4860 never had stroke, 249 had stroke</a:t>
             </a:r>
           </a:p>
         </p:txBody>
@@ -19861,24 +19939,6 @@
 </file>
 
 <file path=customXml/item1.xml><?xml version="1.0" encoding="utf-8"?>
-<?mso-contentType ?>
-<FormTemplates xmlns="http://schemas.microsoft.com/sharepoint/v3/contenttype/forms">
-  <Display>DocumentLibraryForm</Display>
-  <Edit>DocumentLibraryForm</Edit>
-  <New>DocumentLibraryForm</New>
-</FormTemplates>
-</file>
-
-<file path=customXml/item2.xml><?xml version="1.0" encoding="utf-8"?>
-<p:properties xmlns:p="http://schemas.microsoft.com/office/2006/metadata/properties" xmlns:xsi="http://www.w3.org/2001/XMLSchema-instance" xmlns:pc="http://schemas.microsoft.com/office/infopath/2007/PartnerControls">
-  <documentManagement>
-    <Status xmlns="71af3243-3dd4-4a8d-8c0d-dd76da1f02a5">Not started</Status>
-    <MediaServiceKeyPoints xmlns="71af3243-3dd4-4a8d-8c0d-dd76da1f02a5" xsi:nil="true"/>
-  </documentManagement>
-</p:properties>
-</file>
-
-<file path=customXml/item3.xml><?xml version="1.0" encoding="utf-8"?>
 <ct:contentTypeSchema xmlns:ct="http://schemas.microsoft.com/office/2006/metadata/contentType" xmlns:ma="http://schemas.microsoft.com/office/2006/metadata/properties/metaAttributes" ct:_="" ma:_="" ma:contentTypeName="Document" ma:contentTypeID="0x01010079F111ED35F8CC479449609E8A0923A6" ma:contentTypeVersion="12" ma:contentTypeDescription="Create a new document." ma:contentTypeScope="" ma:versionID="426e97fa315356fffbdcd9876fe988c2">
   <xsd:schema xmlns:xsd="http://www.w3.org/2001/XMLSchema" xmlns:xs="http://www.w3.org/2001/XMLSchema" xmlns:p="http://schemas.microsoft.com/office/2006/metadata/properties" xmlns:ns2="71af3243-3dd4-4a8d-8c0d-dd76da1f02a5" xmlns:ns3="16c05727-aa75-4e4a-9b5f-8a80a1165891" targetNamespace="http://schemas.microsoft.com/office/2006/metadata/properties" ma:root="true" ma:fieldsID="14b8f0def80e6d70ce3def20c90759ae" ns2:_="" ns3:_="">
     <xsd:import namespace="71af3243-3dd4-4a8d-8c0d-dd76da1f02a5"/>
@@ -20099,25 +20159,25 @@
 </ct:contentTypeSchema>
 </file>
 
-<file path=customXml/itemProps1.xml><?xml version="1.0" encoding="utf-8"?>
-<ds:datastoreItem xmlns:ds="http://schemas.openxmlformats.org/officeDocument/2006/customXml" ds:itemID="{D9EAC644-7B36-4B02-AE6A-271637DE6193}">
-  <ds:schemaRefs>
-    <ds:schemaRef ds:uri="http://schemas.microsoft.com/sharepoint/v3/contenttype/forms"/>
-  </ds:schemaRefs>
-</ds:datastoreItem>
+<file path=customXml/item2.xml><?xml version="1.0" encoding="utf-8"?>
+<p:properties xmlns:p="http://schemas.microsoft.com/office/2006/metadata/properties" xmlns:xsi="http://www.w3.org/2001/XMLSchema-instance" xmlns:pc="http://schemas.microsoft.com/office/infopath/2007/PartnerControls">
+  <documentManagement>
+    <Status xmlns="71af3243-3dd4-4a8d-8c0d-dd76da1f02a5">Not started</Status>
+    <MediaServiceKeyPoints xmlns="71af3243-3dd4-4a8d-8c0d-dd76da1f02a5" xsi:nil="true"/>
+  </documentManagement>
+</p:properties>
 </file>
 
-<file path=customXml/itemProps2.xml><?xml version="1.0" encoding="utf-8"?>
-<ds:datastoreItem xmlns:ds="http://schemas.openxmlformats.org/officeDocument/2006/customXml" ds:itemID="{581AEECB-7CBF-41B6-B304-895A4D5BDF0F}">
-  <ds:schemaRefs>
-    <ds:schemaRef ds:uri="http://schemas.microsoft.com/office/2006/metadata/properties"/>
-    <ds:schemaRef ds:uri="http://schemas.microsoft.com/office/infopath/2007/PartnerControls"/>
-    <ds:schemaRef ds:uri="71af3243-3dd4-4a8d-8c0d-dd76da1f02a5"/>
-  </ds:schemaRefs>
-</ds:datastoreItem>
+<file path=customXml/item3.xml><?xml version="1.0" encoding="utf-8"?>
+<?mso-contentType ?>
+<FormTemplates xmlns="http://schemas.microsoft.com/sharepoint/v3/contenttype/forms">
+  <Display>DocumentLibraryForm</Display>
+  <Edit>DocumentLibraryForm</Edit>
+  <New>DocumentLibraryForm</New>
+</FormTemplates>
 </file>
 
-<file path=customXml/itemProps3.xml><?xml version="1.0" encoding="utf-8"?>
+<file path=customXml/itemProps1.xml><?xml version="1.0" encoding="utf-8"?>
 <ds:datastoreItem xmlns:ds="http://schemas.openxmlformats.org/officeDocument/2006/customXml" ds:itemID="{5D82FBE3-5E95-4B7A-88C0-B7BB58A96823}">
   <ds:schemaRefs>
     <ds:schemaRef ds:uri="http://schemas.microsoft.com/office/2006/metadata/contentType"/>
@@ -20134,4 +20194,22 @@
     <ds:schemaRef ds:uri="http://schemas.microsoft.com/internal/obd"/>
   </ds:schemaRefs>
 </ds:datastoreItem>
+</file>
+
+<file path=customXml/itemProps2.xml><?xml version="1.0" encoding="utf-8"?>
+<ds:datastoreItem xmlns:ds="http://schemas.openxmlformats.org/officeDocument/2006/customXml" ds:itemID="{581AEECB-7CBF-41B6-B304-895A4D5BDF0F}">
+  <ds:schemaRefs>
+    <ds:schemaRef ds:uri="http://schemas.microsoft.com/office/2006/metadata/properties"/>
+    <ds:schemaRef ds:uri="http://schemas.microsoft.com/office/infopath/2007/PartnerControls"/>
+    <ds:schemaRef ds:uri="71af3243-3dd4-4a8d-8c0d-dd76da1f02a5"/>
+  </ds:schemaRefs>
+</ds:datastoreItem>
+</file>
+
+<file path=customXml/itemProps3.xml><?xml version="1.0" encoding="utf-8"?>
+<ds:datastoreItem xmlns:ds="http://schemas.openxmlformats.org/officeDocument/2006/customXml" ds:itemID="{D9EAC644-7B36-4B02-AE6A-271637DE6193}">
+  <ds:schemaRefs>
+    <ds:schemaRef ds:uri="http://schemas.microsoft.com/sharepoint/v3/contenttype/forms"/>
+  </ds:schemaRefs>
+</ds:datastoreItem>
 </file>
--- a/Presentation/Project4_presentation_draft.pptx
+++ b/Presentation/Project4_presentation_draft.pptx
@@ -5,10 +5,10 @@
     <p:sldMasterId id="2147483686" r:id="rId4"/>
   </p:sldMasterIdLst>
   <p:notesMasterIdLst>
-    <p:notesMasterId r:id="rId18"/>
+    <p:notesMasterId r:id="rId19"/>
   </p:notesMasterIdLst>
   <p:handoutMasterIdLst>
-    <p:handoutMasterId r:id="rId19"/>
+    <p:handoutMasterId r:id="rId20"/>
   </p:handoutMasterIdLst>
   <p:sldIdLst>
     <p:sldId id="285" r:id="rId5"/>
@@ -17,13 +17,14 @@
     <p:sldId id="274" r:id="rId8"/>
     <p:sldId id="282" r:id="rId9"/>
     <p:sldId id="289" r:id="rId10"/>
-    <p:sldId id="290" r:id="rId11"/>
-    <p:sldId id="291" r:id="rId12"/>
-    <p:sldId id="288" r:id="rId13"/>
-    <p:sldId id="284" r:id="rId14"/>
-    <p:sldId id="277" r:id="rId15"/>
-    <p:sldId id="286" r:id="rId16"/>
-    <p:sldId id="276" r:id="rId17"/>
+    <p:sldId id="292" r:id="rId11"/>
+    <p:sldId id="294" r:id="rId12"/>
+    <p:sldId id="293" r:id="rId13"/>
+    <p:sldId id="291" r:id="rId14"/>
+    <p:sldId id="284" r:id="rId15"/>
+    <p:sldId id="277" r:id="rId16"/>
+    <p:sldId id="286" r:id="rId17"/>
+    <p:sldId id="276" r:id="rId18"/>
   </p:sldIdLst>
   <p:sldSz cx="10058400" cy="7772400"/>
   <p:notesSz cx="6858000" cy="9144000"/>
@@ -816,6 +817,283 @@
         <p:cNvPr id="1" name="">
           <a:extLst>
             <a:ext uri="{FF2B5EF4-FFF2-40B4-BE49-F238E27FC236}">
+              <a16:creationId xmlns:a16="http://schemas.microsoft.com/office/drawing/2014/main" id="{CA3EBFDD-0351-78E9-82BC-12C0725E4A5E}"/>
+            </a:ext>
+          </a:extLst>
+        </p:cNvPr>
+        <p:cNvGrpSpPr/>
+        <p:nvPr/>
+      </p:nvGrpSpPr>
+      <p:grpSpPr>
+        <a:xfrm>
+          <a:off x="0" y="0"/>
+          <a:ext cx="0" cy="0"/>
+          <a:chOff x="0" y="0"/>
+          <a:chExt cx="0" cy="0"/>
+        </a:xfrm>
+      </p:grpSpPr>
+      <p:sp>
+        <p:nvSpPr>
+          <p:cNvPr id="2" name="Slide Image Placeholder 1">
+            <a:extLst>
+              <a:ext uri="{FF2B5EF4-FFF2-40B4-BE49-F238E27FC236}">
+                <a16:creationId xmlns:a16="http://schemas.microsoft.com/office/drawing/2014/main" id="{7B5EBF6D-BC8C-0A94-BCA8-579D6A0BCDAF}"/>
+              </a:ext>
+            </a:extLst>
+          </p:cNvPr>
+          <p:cNvSpPr>
+            <a:spLocks noGrp="1" noRot="1" noChangeAspect="1"/>
+          </p:cNvSpPr>
+          <p:nvPr>
+            <p:ph type="sldImg"/>
+          </p:nvPr>
+        </p:nvSpPr>
+        <p:spPr/>
+      </p:sp>
+      <p:sp>
+        <p:nvSpPr>
+          <p:cNvPr id="3" name="Notes Placeholder 2">
+            <a:extLst>
+              <a:ext uri="{FF2B5EF4-FFF2-40B4-BE49-F238E27FC236}">
+                <a16:creationId xmlns:a16="http://schemas.microsoft.com/office/drawing/2014/main" id="{765B0262-FE92-D6FE-72EB-4714FAF4BEC5}"/>
+              </a:ext>
+            </a:extLst>
+          </p:cNvPr>
+          <p:cNvSpPr>
+            <a:spLocks noGrp="1"/>
+          </p:cNvSpPr>
+          <p:nvPr>
+            <p:ph type="body" idx="1"/>
+          </p:nvPr>
+        </p:nvSpPr>
+        <p:spPr/>
+        <p:txBody>
+          <a:bodyPr/>
+          <a:lstStyle/>
+          <a:p>
+            <a:pPr algn="l"/>
+            <a:r>
+              <a:rPr lang="en-US" b="0" i="0" dirty="0">
+                <a:solidFill>
+                  <a:srgbClr val="374151"/>
+                </a:solidFill>
+                <a:effectLst/>
+                <a:latin typeface="Söhne"/>
+              </a:rPr>
+              <a:t>Let’s take a further look at the relationship between age and the other two notable features, blood glucose and </a:t>
+            </a:r>
+            <a:r>
+              <a:rPr lang="en-US" b="0" i="0" dirty="0" err="1">
+                <a:solidFill>
+                  <a:srgbClr val="374151"/>
+                </a:solidFill>
+                <a:effectLst/>
+                <a:latin typeface="Söhne"/>
+              </a:rPr>
+              <a:t>bmi</a:t>
+            </a:r>
+            <a:r>
+              <a:rPr lang="en-US" b="0" i="0" dirty="0">
+                <a:solidFill>
+                  <a:srgbClr val="374151"/>
+                </a:solidFill>
+                <a:effectLst/>
+                <a:latin typeface="Söhne"/>
+              </a:rPr>
+              <a:t>, and how this data is spread.</a:t>
+            </a:r>
+          </a:p>
+          <a:p>
+            <a:pPr algn="l"/>
+            <a:endParaRPr lang="en-US" b="0" i="0" dirty="0">
+              <a:solidFill>
+                <a:srgbClr val="374151"/>
+              </a:solidFill>
+              <a:effectLst/>
+              <a:latin typeface="Söhne"/>
+            </a:endParaRPr>
+          </a:p>
+          <a:p>
+            <a:pPr algn="l"/>
+            <a:r>
+              <a:rPr lang="en-US" b="0" i="0" dirty="0">
+                <a:solidFill>
+                  <a:srgbClr val="000000"/>
+                </a:solidFill>
+                <a:effectLst/>
+                <a:latin typeface="Helvetica Neue"/>
+              </a:rPr>
+              <a:t>Individuals with a stroke, on average, have a slightly higher mean BMI compared to those without a stroke.</a:t>
+            </a:r>
+          </a:p>
+          <a:p>
+            <a:pPr algn="l"/>
+            <a:r>
+              <a:rPr lang="en-US" b="0" i="0" dirty="0">
+                <a:solidFill>
+                  <a:srgbClr val="000000"/>
+                </a:solidFill>
+                <a:effectLst/>
+                <a:latin typeface="Helvetica Neue"/>
+              </a:rPr>
+              <a:t>The distribution of BMI is narrower among individuals with a stroke, as indicated by the lower standard deviation, suggesting less variability in BMI within this group.</a:t>
+            </a:r>
+          </a:p>
+          <a:p>
+            <a:pPr algn="l"/>
+            <a:endParaRPr lang="en-US" b="0" i="0" dirty="0">
+              <a:solidFill>
+                <a:srgbClr val="374151"/>
+              </a:solidFill>
+              <a:effectLst/>
+              <a:latin typeface="Söhne"/>
+            </a:endParaRPr>
+          </a:p>
+          <a:p>
+            <a:pPr algn="l"/>
+            <a:r>
+              <a:rPr lang="en-US" b="0" i="0" dirty="0">
+                <a:solidFill>
+                  <a:srgbClr val="374151"/>
+                </a:solidFill>
+                <a:effectLst/>
+                <a:latin typeface="Söhne"/>
+              </a:rPr>
+              <a:t>For BMI we can see the data is far more clustered, with the exception of extreme </a:t>
+            </a:r>
+            <a:r>
+              <a:rPr lang="en-US" b="0" i="0" dirty="0" err="1">
+                <a:solidFill>
+                  <a:srgbClr val="374151"/>
+                </a:solidFill>
+                <a:effectLst/>
+                <a:latin typeface="Söhne"/>
+              </a:rPr>
+              <a:t>bmis</a:t>
+            </a:r>
+            <a:r>
+              <a:rPr lang="en-US" b="0" i="0" dirty="0">
+                <a:solidFill>
+                  <a:srgbClr val="374151"/>
+                </a:solidFill>
+                <a:effectLst/>
+                <a:latin typeface="Söhne"/>
+              </a:rPr>
+              <a:t>. There appears to be a negative correlation between age and </a:t>
+            </a:r>
+            <a:r>
+              <a:rPr lang="en-US" b="0" i="0" dirty="0" err="1">
+                <a:solidFill>
+                  <a:srgbClr val="374151"/>
+                </a:solidFill>
+                <a:effectLst/>
+                <a:latin typeface="Söhne"/>
+              </a:rPr>
+              <a:t>bmi</a:t>
+            </a:r>
+            <a:r>
+              <a:rPr lang="en-US" b="0" i="0" dirty="0">
+                <a:solidFill>
+                  <a:srgbClr val="374151"/>
+                </a:solidFill>
+                <a:effectLst/>
+                <a:latin typeface="Söhne"/>
+              </a:rPr>
+              <a:t> (the older you get the lower your </a:t>
+            </a:r>
+            <a:r>
+              <a:rPr lang="en-US" b="0" i="0" dirty="0" err="1">
+                <a:solidFill>
+                  <a:srgbClr val="374151"/>
+                </a:solidFill>
+                <a:effectLst/>
+                <a:latin typeface="Söhne"/>
+              </a:rPr>
+              <a:t>bmi</a:t>
+            </a:r>
+            <a:r>
+              <a:rPr lang="en-US" b="0" i="0" dirty="0">
+                <a:solidFill>
+                  <a:srgbClr val="374151"/>
+                </a:solidFill>
+                <a:effectLst/>
+                <a:latin typeface="Söhne"/>
+              </a:rPr>
+              <a:t>. The incidence of stroke in those of an overweight and obese </a:t>
+            </a:r>
+            <a:r>
+              <a:rPr lang="en-US" b="0" i="0" dirty="0" err="1">
+                <a:solidFill>
+                  <a:srgbClr val="374151"/>
+                </a:solidFill>
+                <a:effectLst/>
+                <a:latin typeface="Söhne"/>
+              </a:rPr>
+              <a:t>bmi</a:t>
+            </a:r>
+            <a:r>
+              <a:rPr lang="en-US" b="0" i="0" dirty="0">
+                <a:solidFill>
+                  <a:srgbClr val="374151"/>
+                </a:solidFill>
+                <a:effectLst/>
+                <a:latin typeface="Söhne"/>
+              </a:rPr>
+              <a:t> seems to increase the older you get. </a:t>
+            </a:r>
+          </a:p>
+        </p:txBody>
+      </p:sp>
+      <p:sp>
+        <p:nvSpPr>
+          <p:cNvPr id="4" name="Slide Number Placeholder 3">
+            <a:extLst>
+              <a:ext uri="{FF2B5EF4-FFF2-40B4-BE49-F238E27FC236}">
+                <a16:creationId xmlns:a16="http://schemas.microsoft.com/office/drawing/2014/main" id="{AD6697E5-F211-F48E-A66C-8FBCE248F9F9}"/>
+              </a:ext>
+            </a:extLst>
+          </p:cNvPr>
+          <p:cNvSpPr>
+            <a:spLocks noGrp="1"/>
+          </p:cNvSpPr>
+          <p:nvPr>
+            <p:ph type="sldNum" sz="quarter" idx="5"/>
+          </p:nvPr>
+        </p:nvSpPr>
+        <p:spPr/>
+        <p:txBody>
+          <a:bodyPr/>
+          <a:lstStyle/>
+          <a:p>
+            <a:fld id="{2481A707-0A4C-444E-BBAC-8F56E4534DF7}" type="slidenum">
+              <a:rPr lang="en-US" smtClean="0"/>
+              <a:t>10</a:t>
+            </a:fld>
+            <a:endParaRPr lang="en-US" dirty="0"/>
+          </a:p>
+        </p:txBody>
+      </p:sp>
+    </p:spTree>
+    <p:extLst>
+      <p:ext uri="{BB962C8B-B14F-4D97-AF65-F5344CB8AC3E}">
+        <p14:creationId xmlns:p14="http://schemas.microsoft.com/office/powerpoint/2010/main" val="2386124854"/>
+      </p:ext>
+    </p:extLst>
+  </p:cSld>
+  <p:clrMapOvr>
+    <a:masterClrMapping/>
+  </p:clrMapOvr>
+</p:notes>
+</file>
+
+<file path=ppt/notesSlides/notesSlide11.xml><?xml version="1.0" encoding="utf-8"?>
+<p:notes xmlns:a="http://schemas.openxmlformats.org/drawingml/2006/main" xmlns:r="http://schemas.openxmlformats.org/officeDocument/2006/relationships" xmlns:p="http://schemas.openxmlformats.org/presentationml/2006/main">
+  <p:cSld>
+    <p:spTree>
+      <p:nvGrpSpPr>
+        <p:cNvPr id="1" name="">
+          <a:extLst>
+            <a:ext uri="{FF2B5EF4-FFF2-40B4-BE49-F238E27FC236}">
               <a16:creationId xmlns:a16="http://schemas.microsoft.com/office/drawing/2014/main" id="{22297792-71FF-431E-DC59-7D78E2105884}"/>
             </a:ext>
           </a:extLst>
@@ -897,7 +1175,7 @@
           <a:p>
             <a:fld id="{2481A707-0A4C-444E-BBAC-8F56E4534DF7}" type="slidenum">
               <a:rPr lang="en-US" smtClean="0"/>
-              <a:t>10</a:t>
+              <a:t>11</a:t>
             </a:fld>
             <a:endParaRPr lang="en-US" dirty="0"/>
           </a:p>
@@ -916,7 +1194,7 @@
 </p:notes>
 </file>
 
-<file path=ppt/notesSlides/notesSlide11.xml><?xml version="1.0" encoding="utf-8"?>
+<file path=ppt/notesSlides/notesSlide12.xml><?xml version="1.0" encoding="utf-8"?>
 <p:notes xmlns:a="http://schemas.openxmlformats.org/drawingml/2006/main" xmlns:r="http://schemas.openxmlformats.org/officeDocument/2006/relationships" xmlns:p="http://schemas.openxmlformats.org/presentationml/2006/main">
   <p:cSld>
     <p:spTree>
@@ -1005,7 +1283,7 @@
           <a:p>
             <a:fld id="{2481A707-0A4C-444E-BBAC-8F56E4534DF7}" type="slidenum">
               <a:rPr lang="en-US" smtClean="0"/>
-              <a:t>11</a:t>
+              <a:t>12</a:t>
             </a:fld>
             <a:endParaRPr lang="en-US" dirty="0"/>
           </a:p>
@@ -1024,7 +1302,7 @@
 </p:notes>
 </file>
 
-<file path=ppt/notesSlides/notesSlide12.xml><?xml version="1.0" encoding="utf-8"?>
+<file path=ppt/notesSlides/notesSlide13.xml><?xml version="1.0" encoding="utf-8"?>
 <p:notes xmlns:a="http://schemas.openxmlformats.org/drawingml/2006/main" xmlns:r="http://schemas.openxmlformats.org/officeDocument/2006/relationships" xmlns:p="http://schemas.openxmlformats.org/presentationml/2006/main">
   <p:cSld>
     <p:spTree>
@@ -1113,7 +1391,7 @@
           <a:p>
             <a:fld id="{2481A707-0A4C-444E-BBAC-8F56E4534DF7}" type="slidenum">
               <a:rPr lang="en-US" smtClean="0"/>
-              <a:t>12</a:t>
+              <a:t>13</a:t>
             </a:fld>
             <a:endParaRPr lang="en-US" dirty="0"/>
           </a:p>
@@ -1132,7 +1410,7 @@
 </p:notes>
 </file>
 
-<file path=ppt/notesSlides/notesSlide13.xml><?xml version="1.0" encoding="utf-8"?>
+<file path=ppt/notesSlides/notesSlide14.xml><?xml version="1.0" encoding="utf-8"?>
 <p:notes xmlns:a="http://schemas.openxmlformats.org/drawingml/2006/main" xmlns:r="http://schemas.openxmlformats.org/officeDocument/2006/relationships" xmlns:p="http://schemas.openxmlformats.org/presentationml/2006/main">
   <p:cSld>
     <p:spTree>
@@ -1197,7 +1475,7 @@
           <a:p>
             <a:fld id="{2481A707-0A4C-444E-BBAC-8F56E4534DF7}" type="slidenum">
               <a:rPr lang="en-US" smtClean="0"/>
-              <a:t>13</a:t>
+              <a:t>14</a:t>
             </a:fld>
             <a:endParaRPr lang="en-US" dirty="0"/>
           </a:p>
@@ -2060,7 +2338,7 @@
         <p:cNvPr id="1" name="">
           <a:extLst>
             <a:ext uri="{FF2B5EF4-FFF2-40B4-BE49-F238E27FC236}">
-              <a16:creationId xmlns:a16="http://schemas.microsoft.com/office/drawing/2014/main" id="{CA3EBFDD-0351-78E9-82BC-12C0725E4A5E}"/>
+              <a16:creationId xmlns:a16="http://schemas.microsoft.com/office/drawing/2014/main" id="{05F413CB-DD0A-F4D0-C497-25A3D838C863}"/>
             </a:ext>
           </a:extLst>
         </p:cNvPr>
@@ -2080,7 +2358,7 @@
           <p:cNvPr id="2" name="Slide Image Placeholder 1">
             <a:extLst>
               <a:ext uri="{FF2B5EF4-FFF2-40B4-BE49-F238E27FC236}">
-                <a16:creationId xmlns:a16="http://schemas.microsoft.com/office/drawing/2014/main" id="{7B5EBF6D-BC8C-0A94-BCA8-579D6A0BCDAF}"/>
+                <a16:creationId xmlns:a16="http://schemas.microsoft.com/office/drawing/2014/main" id="{E8128277-EDC4-06DD-44CD-BA25F60E09A8}"/>
               </a:ext>
             </a:extLst>
           </p:cNvPr>
@@ -2098,7 +2376,7 @@
           <p:cNvPr id="3" name="Notes Placeholder 2">
             <a:extLst>
               <a:ext uri="{FF2B5EF4-FFF2-40B4-BE49-F238E27FC236}">
-                <a16:creationId xmlns:a16="http://schemas.microsoft.com/office/drawing/2014/main" id="{765B0262-FE92-D6FE-72EB-4714FAF4BEC5}"/>
+                <a16:creationId xmlns:a16="http://schemas.microsoft.com/office/drawing/2014/main" id="{A8B35E28-20B0-34C8-65CB-93E7B570B084}"/>
               </a:ext>
             </a:extLst>
           </p:cNvPr>
@@ -2114,7 +2392,9 @@
           <a:bodyPr/>
           <a:lstStyle/>
           <a:p>
-            <a:pPr algn="l"/>
+            <a:br>
+              <a:rPr lang="en-US" dirty="0"/>
+            </a:br>
             <a:r>
               <a:rPr lang="en-US" b="0" i="0" dirty="0">
                 <a:solidFill>
@@ -2123,7 +2403,7 @@
                 <a:effectLst/>
                 <a:latin typeface="Söhne"/>
               </a:rPr>
-              <a:t>Individuals with a stroke tend to be older, with a mean age of 67.73 years, compared to those without a stroke, who have a mean age of 41.99 years. The age distribution for those with a stroke has a higher mean, median, and interquartile range, indicating that strokes are more prevalent among older individuals. The age range for both groups spans from 1 to 82 years. These statistics provide insights into the age distribution within each group and can be valuable for understanding the demographic characteristics associated with strokes.</a:t>
+              <a:t>In our analysis, we observed key correlations among age, average glucose level, BMI, and stroke risk. Age is positively correlated with both average glucose level (0.24) and BMI (0.32), indicating higher levels with increasing age. A positive correlation (0.25) between age and stroke risk suggests a link between age and a higher likelihood of stroke. Additionally, a modest positive correlation (0.13) between average glucose level and stroke risk hints at a potential association. These findings offer valuable insights into the interplay of these factors but remind us that correlation doesn't imply causation.</a:t>
             </a:r>
           </a:p>
           <a:p>
@@ -2144,50 +2424,9 @@
                 <a:effectLst/>
                 <a:latin typeface="Söhne"/>
               </a:rPr>
-              <a:t>Age emerges as a crucial predictor, with an imbalanced dataset emphasizing its significance. Incorporating age into machine learning models can enhance predictive accuracy, offering insights for targeted interventions and personalized medicine.</a:t>
-            </a:r>
-          </a:p>
-          <a:p>
-            <a:endParaRPr lang="en-US" b="0" i="0" dirty="0">
-              <a:solidFill>
-                <a:srgbClr val="374151"/>
-              </a:solidFill>
-              <a:effectLst/>
-              <a:latin typeface="Söhne"/>
-            </a:endParaRPr>
-          </a:p>
-          <a:p>
-            <a:r>
-              <a:rPr lang="en-US" b="0" i="0" dirty="0">
-                <a:solidFill>
-                  <a:srgbClr val="374151"/>
-                </a:solidFill>
-                <a:effectLst/>
-                <a:latin typeface="Söhne"/>
-              </a:rPr>
-              <a:t>The older you get the more likely you are to have a stroke. But the data is highly skewed with only about 1 in 20 people actually experiencing a stroke (which you will see later on, influenced our model choice and optimization). </a:t>
-            </a:r>
-          </a:p>
-          <a:p>
-            <a:endParaRPr lang="en-US" b="0" i="0" dirty="0">
-              <a:solidFill>
-                <a:srgbClr val="374151"/>
-              </a:solidFill>
-              <a:effectLst/>
-              <a:latin typeface="Söhne"/>
-            </a:endParaRPr>
-          </a:p>
-          <a:p>
+              <a:t>Overall it appears that age is a strong influential factor in stroke. So let’s explore this further</a:t>
+            </a:r>
             <a:endParaRPr lang="en-US" dirty="0"/>
-          </a:p>
-          <a:p>
-            <a:endParaRPr lang="en-US" dirty="0"/>
-          </a:p>
-          <a:p>
-            <a:r>
-              <a:rPr lang="en-US" dirty="0"/>
-              <a:t>Distribution of strokes was slightly more weighted to females</a:t>
-            </a:r>
           </a:p>
         </p:txBody>
       </p:sp>
@@ -2196,7 +2435,7 @@
           <p:cNvPr id="4" name="Slide Number Placeholder 3">
             <a:extLst>
               <a:ext uri="{FF2B5EF4-FFF2-40B4-BE49-F238E27FC236}">
-                <a16:creationId xmlns:a16="http://schemas.microsoft.com/office/drawing/2014/main" id="{AD6697E5-F211-F48E-A66C-8FBCE248F9F9}"/>
+                <a16:creationId xmlns:a16="http://schemas.microsoft.com/office/drawing/2014/main" id="{3D8D2931-4993-87CE-8A0E-E5BF72D1444A}"/>
               </a:ext>
             </a:extLst>
           </p:cNvPr>
@@ -2223,7 +2462,7 @@
     </p:spTree>
     <p:extLst>
       <p:ext uri="{BB962C8B-B14F-4D97-AF65-F5344CB8AC3E}">
-        <p14:creationId xmlns:p14="http://schemas.microsoft.com/office/powerpoint/2010/main" val="3734232007"/>
+        <p14:creationId xmlns:p14="http://schemas.microsoft.com/office/powerpoint/2010/main" val="4066354087"/>
       </p:ext>
     </p:extLst>
   </p:cSld>
@@ -2241,7 +2480,7 @@
         <p:cNvPr id="1" name="">
           <a:extLst>
             <a:ext uri="{FF2B5EF4-FFF2-40B4-BE49-F238E27FC236}">
-              <a16:creationId xmlns:a16="http://schemas.microsoft.com/office/drawing/2014/main" id="{CA3EBFDD-0351-78E9-82BC-12C0725E4A5E}"/>
+              <a16:creationId xmlns:a16="http://schemas.microsoft.com/office/drawing/2014/main" id="{0D9A1D84-BCDD-21E0-C2E3-503B87D9D5D3}"/>
             </a:ext>
           </a:extLst>
         </p:cNvPr>
@@ -2261,7 +2500,7 @@
           <p:cNvPr id="2" name="Slide Image Placeholder 1">
             <a:extLst>
               <a:ext uri="{FF2B5EF4-FFF2-40B4-BE49-F238E27FC236}">
-                <a16:creationId xmlns:a16="http://schemas.microsoft.com/office/drawing/2014/main" id="{7B5EBF6D-BC8C-0A94-BCA8-579D6A0BCDAF}"/>
+                <a16:creationId xmlns:a16="http://schemas.microsoft.com/office/drawing/2014/main" id="{9600404D-EA4D-A6E2-EBCE-0834719F8676}"/>
               </a:ext>
             </a:extLst>
           </p:cNvPr>
@@ -2279,7 +2518,7 @@
           <p:cNvPr id="3" name="Notes Placeholder 2">
             <a:extLst>
               <a:ext uri="{FF2B5EF4-FFF2-40B4-BE49-F238E27FC236}">
-                <a16:creationId xmlns:a16="http://schemas.microsoft.com/office/drawing/2014/main" id="{765B0262-FE92-D6FE-72EB-4714FAF4BEC5}"/>
+                <a16:creationId xmlns:a16="http://schemas.microsoft.com/office/drawing/2014/main" id="{31DC5AD4-B9D9-B5D6-1E6F-43BF88E223B3}"/>
               </a:ext>
             </a:extLst>
           </p:cNvPr>
@@ -2295,7 +2534,9 @@
           <a:bodyPr/>
           <a:lstStyle/>
           <a:p>
-            <a:pPr algn="l"/>
+            <a:br>
+              <a:rPr lang="en-US" dirty="0"/>
+            </a:br>
             <a:r>
               <a:rPr lang="en-US" b="0" i="0" dirty="0">
                 <a:solidFill>
@@ -2304,18 +2545,19 @@
                 <a:effectLst/>
                 <a:latin typeface="Söhne"/>
               </a:rPr>
-              <a:t>Let’s take a further look at the relationship between age and the other two notable features, blood glucose and </a:t>
-            </a:r>
-            <a:r>
-              <a:rPr lang="en-US" b="0" i="0" dirty="0" err="1">
-                <a:solidFill>
-                  <a:srgbClr val="374151"/>
-                </a:solidFill>
-                <a:effectLst/>
-                <a:latin typeface="Söhne"/>
-              </a:rPr>
-              <a:t>bmi</a:t>
-            </a:r>
+              <a:t>In our analysis, we observed key correlations among age, average glucose level, BMI, and stroke risk. Age is positively correlated with both average glucose level (0.24) and BMI (0.32), indicating higher levels with increasing age. A positive correlation (0.25) between age and stroke risk suggests a link between age and a higher likelihood of stroke. Additionally, a modest positive correlation (0.13) between average glucose level and stroke risk hints at a potential association. These findings offer valuable insights into the interplay of these factors but remind us that correlation doesn't imply causation.</a:t>
+            </a:r>
+          </a:p>
+          <a:p>
+            <a:endParaRPr lang="en-US" b="0" i="0" dirty="0">
+              <a:solidFill>
+                <a:srgbClr val="374151"/>
+              </a:solidFill>
+              <a:effectLst/>
+              <a:latin typeface="Söhne"/>
+            </a:endParaRPr>
+          </a:p>
+          <a:p>
             <a:r>
               <a:rPr lang="en-US" b="0" i="0" dirty="0">
                 <a:solidFill>
@@ -2324,147 +2566,9 @@
                 <a:effectLst/>
                 <a:latin typeface="Söhne"/>
               </a:rPr>
-              <a:t>, and how this data is spread.</a:t>
-            </a:r>
-          </a:p>
-          <a:p>
-            <a:pPr algn="l"/>
-            <a:endParaRPr lang="en-US" b="0" i="0" dirty="0">
-              <a:solidFill>
-                <a:srgbClr val="374151"/>
-              </a:solidFill>
-              <a:effectLst/>
-              <a:latin typeface="Söhne"/>
-            </a:endParaRPr>
-          </a:p>
-          <a:p>
-            <a:pPr algn="l"/>
-            <a:r>
-              <a:rPr lang="en-US" b="0" i="0" dirty="0">
-                <a:solidFill>
-                  <a:srgbClr val="000000"/>
-                </a:solidFill>
-                <a:effectLst/>
-                <a:latin typeface="Helvetica Neue"/>
-              </a:rPr>
-              <a:t>Individuals with a stroke, on average, have a slightly higher mean BMI compared to those without a stroke.</a:t>
-            </a:r>
-          </a:p>
-          <a:p>
-            <a:pPr algn="l"/>
-            <a:r>
-              <a:rPr lang="en-US" b="0" i="0" dirty="0">
-                <a:solidFill>
-                  <a:srgbClr val="000000"/>
-                </a:solidFill>
-                <a:effectLst/>
-                <a:latin typeface="Helvetica Neue"/>
-              </a:rPr>
-              <a:t>The distribution of BMI is narrower among individuals with a stroke, as indicated by the lower standard deviation, suggesting less variability in BMI within this group.</a:t>
-            </a:r>
-          </a:p>
-          <a:p>
-            <a:pPr algn="l"/>
-            <a:endParaRPr lang="en-US" b="0" i="0" dirty="0">
-              <a:solidFill>
-                <a:srgbClr val="374151"/>
-              </a:solidFill>
-              <a:effectLst/>
-              <a:latin typeface="Söhne"/>
-            </a:endParaRPr>
-          </a:p>
-          <a:p>
-            <a:pPr algn="l"/>
-            <a:r>
-              <a:rPr lang="en-US" b="0" i="0" dirty="0">
-                <a:solidFill>
-                  <a:srgbClr val="374151"/>
-                </a:solidFill>
-                <a:effectLst/>
-                <a:latin typeface="Söhne"/>
-              </a:rPr>
-              <a:t>For BMI we can see the data is far more clustered, with the exception of extreme </a:t>
-            </a:r>
-            <a:r>
-              <a:rPr lang="en-US" b="0" i="0" dirty="0" err="1">
-                <a:solidFill>
-                  <a:srgbClr val="374151"/>
-                </a:solidFill>
-                <a:effectLst/>
-                <a:latin typeface="Söhne"/>
-              </a:rPr>
-              <a:t>bmis</a:t>
-            </a:r>
-            <a:r>
-              <a:rPr lang="en-US" b="0" i="0" dirty="0">
-                <a:solidFill>
-                  <a:srgbClr val="374151"/>
-                </a:solidFill>
-                <a:effectLst/>
-                <a:latin typeface="Söhne"/>
-              </a:rPr>
-              <a:t>. There appears to be a negative correlation between age and </a:t>
-            </a:r>
-            <a:r>
-              <a:rPr lang="en-US" b="0" i="0" dirty="0" err="1">
-                <a:solidFill>
-                  <a:srgbClr val="374151"/>
-                </a:solidFill>
-                <a:effectLst/>
-                <a:latin typeface="Söhne"/>
-              </a:rPr>
-              <a:t>bmi</a:t>
-            </a:r>
-            <a:r>
-              <a:rPr lang="en-US" b="0" i="0" dirty="0">
-                <a:solidFill>
-                  <a:srgbClr val="374151"/>
-                </a:solidFill>
-                <a:effectLst/>
-                <a:latin typeface="Söhne"/>
-              </a:rPr>
-              <a:t> (the older you get the lower your </a:t>
-            </a:r>
-            <a:r>
-              <a:rPr lang="en-US" b="0" i="0" dirty="0" err="1">
-                <a:solidFill>
-                  <a:srgbClr val="374151"/>
-                </a:solidFill>
-                <a:effectLst/>
-                <a:latin typeface="Söhne"/>
-              </a:rPr>
-              <a:t>bmi</a:t>
-            </a:r>
-            <a:r>
-              <a:rPr lang="en-US" b="0" i="0" dirty="0">
-                <a:solidFill>
-                  <a:srgbClr val="374151"/>
-                </a:solidFill>
-                <a:effectLst/>
-                <a:latin typeface="Söhne"/>
-              </a:rPr>
-              <a:t>. The incidence of stroke in those of an overweight and obese </a:t>
-            </a:r>
-            <a:r>
-              <a:rPr lang="en-US" b="0" i="0" dirty="0" err="1">
-                <a:solidFill>
-                  <a:srgbClr val="374151"/>
-                </a:solidFill>
-                <a:effectLst/>
-                <a:latin typeface="Söhne"/>
-              </a:rPr>
-              <a:t>bmi</a:t>
-            </a:r>
-            <a:r>
-              <a:rPr lang="en-US" b="0" i="0" dirty="0">
-                <a:solidFill>
-                  <a:srgbClr val="374151"/>
-                </a:solidFill>
-                <a:effectLst/>
-                <a:latin typeface="Söhne"/>
-              </a:rPr>
-              <a:t> seems to increase the older you get. </a:t>
-            </a:r>
+              <a:t>Overall it appears that age is a strong influential factor in stroke. So let’s explore this further</a:t>
+            </a:r>
+            <a:endParaRPr lang="en-US" dirty="0"/>
           </a:p>
         </p:txBody>
       </p:sp>
@@ -2473,7 +2577,7 @@
           <p:cNvPr id="4" name="Slide Number Placeholder 3">
             <a:extLst>
               <a:ext uri="{FF2B5EF4-FFF2-40B4-BE49-F238E27FC236}">
-                <a16:creationId xmlns:a16="http://schemas.microsoft.com/office/drawing/2014/main" id="{AD6697E5-F211-F48E-A66C-8FBCE248F9F9}"/>
+                <a16:creationId xmlns:a16="http://schemas.microsoft.com/office/drawing/2014/main" id="{A8A56D33-D6B4-5F0F-78CE-BD23695A555C}"/>
               </a:ext>
             </a:extLst>
           </p:cNvPr>
@@ -2500,7 +2604,7 @@
     </p:spTree>
     <p:extLst>
       <p:ext uri="{BB962C8B-B14F-4D97-AF65-F5344CB8AC3E}">
-        <p14:creationId xmlns:p14="http://schemas.microsoft.com/office/powerpoint/2010/main" val="2386124854"/>
+        <p14:creationId xmlns:p14="http://schemas.microsoft.com/office/powerpoint/2010/main" val="3978006694"/>
       </p:ext>
     </p:extLst>
   </p:cSld>
@@ -2518,7 +2622,7 @@
         <p:cNvPr id="1" name="">
           <a:extLst>
             <a:ext uri="{FF2B5EF4-FFF2-40B4-BE49-F238E27FC236}">
-              <a16:creationId xmlns:a16="http://schemas.microsoft.com/office/drawing/2014/main" id="{CA3EBFDD-0351-78E9-82BC-12C0725E4A5E}"/>
+              <a16:creationId xmlns:a16="http://schemas.microsoft.com/office/drawing/2014/main" id="{39AFBB6F-C918-9767-7AE9-907236F5CF95}"/>
             </a:ext>
           </a:extLst>
         </p:cNvPr>
@@ -2538,7 +2642,7 @@
           <p:cNvPr id="2" name="Slide Image Placeholder 1">
             <a:extLst>
               <a:ext uri="{FF2B5EF4-FFF2-40B4-BE49-F238E27FC236}">
-                <a16:creationId xmlns:a16="http://schemas.microsoft.com/office/drawing/2014/main" id="{7B5EBF6D-BC8C-0A94-BCA8-579D6A0BCDAF}"/>
+                <a16:creationId xmlns:a16="http://schemas.microsoft.com/office/drawing/2014/main" id="{420CAE82-375A-BD92-165A-0FB9C18CC8DF}"/>
               </a:ext>
             </a:extLst>
           </p:cNvPr>
@@ -2556,7 +2660,7 @@
           <p:cNvPr id="3" name="Notes Placeholder 2">
             <a:extLst>
               <a:ext uri="{FF2B5EF4-FFF2-40B4-BE49-F238E27FC236}">
-                <a16:creationId xmlns:a16="http://schemas.microsoft.com/office/drawing/2014/main" id="{765B0262-FE92-D6FE-72EB-4714FAF4BEC5}"/>
+                <a16:creationId xmlns:a16="http://schemas.microsoft.com/office/drawing/2014/main" id="{E1B58FAB-2A2C-75A3-66A1-B7CA4A77BE97}"/>
               </a:ext>
             </a:extLst>
           </p:cNvPr>
@@ -2572,33 +2676,9 @@
           <a:bodyPr/>
           <a:lstStyle/>
           <a:p>
-            <a:pPr algn="l"/>
-            <a:endParaRPr lang="en-US" b="0" i="0" dirty="0">
-              <a:solidFill>
-                <a:srgbClr val="000000"/>
-              </a:solidFill>
-              <a:effectLst/>
-              <a:latin typeface="Helvetica Neue"/>
-            </a:endParaRPr>
-          </a:p>
-          <a:p>
-            <a:pPr marL="0" marR="0" lvl="0" indent="0" algn="l" defTabSz="914400" rtl="0" eaLnBrk="1" fontAlgn="auto" latinLnBrk="0" hangingPunct="1">
-              <a:lnSpc>
-                <a:spcPct val="100000"/>
-              </a:lnSpc>
-              <a:spcBef>
-                <a:spcPts val="0"/>
-              </a:spcBef>
-              <a:spcAft>
-                <a:spcPts val="0"/>
-              </a:spcAft>
-              <a:buClrTx/>
-              <a:buSzTx/>
-              <a:buFontTx/>
-              <a:buNone/>
-              <a:tabLst/>
-              <a:defRPr/>
-            </a:pPr>
+            <a:br>
+              <a:rPr lang="en-US" dirty="0"/>
+            </a:br>
             <a:r>
               <a:rPr lang="en-US" b="0" i="0" dirty="0">
                 <a:solidFill>
@@ -2607,47 +2687,19 @@
                 <a:effectLst/>
                 <a:latin typeface="Söhne"/>
               </a:rPr>
-              <a:t>For the Blood sugar you can see the data is far more variable, but there is a positive relationship between age and blood sugar. The pink dots show those patients who had a stroke and you can see the data is quite spread out towards the extremes of blood sugar. So this may suggest that blood sugar control becomes more important the older you get in terms of managing stroke risk.</a:t>
-            </a:r>
-          </a:p>
-          <a:p>
-            <a:pPr marL="0" marR="0" lvl="0" indent="0" algn="l" defTabSz="914400" rtl="0" eaLnBrk="1" fontAlgn="auto" latinLnBrk="0" hangingPunct="1">
-              <a:lnSpc>
-                <a:spcPct val="100000"/>
-              </a:lnSpc>
-              <a:spcBef>
-                <a:spcPts val="0"/>
-              </a:spcBef>
-              <a:spcAft>
-                <a:spcPts val="0"/>
-              </a:spcAft>
-              <a:buClrTx/>
-              <a:buSzTx/>
-              <a:buFontTx/>
-              <a:buNone/>
-              <a:tabLst/>
-              <a:defRPr/>
-            </a:pPr>
-            <a:endParaRPr lang="en-US" dirty="0"/>
-          </a:p>
-          <a:p>
-            <a:pPr marL="0" marR="0" lvl="0" indent="0" algn="l" defTabSz="914400" rtl="0" eaLnBrk="1" fontAlgn="auto" latinLnBrk="0" hangingPunct="1">
-              <a:lnSpc>
-                <a:spcPct val="100000"/>
-              </a:lnSpc>
-              <a:spcBef>
-                <a:spcPts val="0"/>
-              </a:spcBef>
-              <a:spcAft>
-                <a:spcPts val="0"/>
-              </a:spcAft>
-              <a:buClrTx/>
-              <a:buSzTx/>
-              <a:buFontTx/>
-              <a:buNone/>
-              <a:tabLst/>
-              <a:defRPr/>
-            </a:pPr>
+              <a:t>In our analysis, we observed key correlations among age, average glucose level, BMI, and stroke risk. Age is positively correlated with both average glucose level (0.24) and BMI (0.32), indicating higher levels with increasing age. A positive correlation (0.25) between age and stroke risk suggests a link between age and a higher likelihood of stroke. Additionally, a modest positive correlation (0.13) between average glucose level and stroke risk hints at a potential association. These findings offer valuable insights into the interplay of these factors but remind us that correlation doesn't imply causation.</a:t>
+            </a:r>
+          </a:p>
+          <a:p>
+            <a:endParaRPr lang="en-US" b="0" i="0" dirty="0">
+              <a:solidFill>
+                <a:srgbClr val="374151"/>
+              </a:solidFill>
+              <a:effectLst/>
+              <a:latin typeface="Söhne"/>
+            </a:endParaRPr>
+          </a:p>
+          <a:p>
             <a:r>
               <a:rPr lang="en-US" b="0" i="0" dirty="0">
                 <a:solidFill>
@@ -2656,34 +2708,8 @@
                 <a:effectLst/>
                 <a:latin typeface="Söhne"/>
               </a:rPr>
-              <a:t>As briefly mentioned, there are anomalous results. These </a:t>
-            </a:r>
-            <a:r>
-              <a:rPr lang="en-US" b="0" i="0" dirty="0" err="1">
-                <a:solidFill>
-                  <a:srgbClr val="374151"/>
-                </a:solidFill>
-                <a:effectLst/>
-                <a:latin typeface="Söhne"/>
-              </a:rPr>
-              <a:t>visualisations</a:t>
-            </a:r>
-            <a:r>
-              <a:rPr lang="en-US" b="0" i="0" dirty="0">
-                <a:solidFill>
-                  <a:srgbClr val="374151"/>
-                </a:solidFill>
-                <a:effectLst/>
-                <a:latin typeface="Söhne"/>
-              </a:rPr>
-              <a:t> are key to highlight issues such as this as most models will require normally distributed data in order to ‘learn’ effectively and make accurate predictions.</a:t>
-            </a:r>
-            <a:endParaRPr lang="en-US" dirty="0"/>
-          </a:p>
-          <a:p>
-            <a:endParaRPr lang="en-US" dirty="0"/>
-          </a:p>
-          <a:p>
+              <a:t>Overall it appears that age is a strong influential factor in stroke. So let’s explore this further</a:t>
+            </a:r>
             <a:endParaRPr lang="en-US" dirty="0"/>
           </a:p>
         </p:txBody>
@@ -2693,7 +2719,7 @@
           <p:cNvPr id="4" name="Slide Number Placeholder 3">
             <a:extLst>
               <a:ext uri="{FF2B5EF4-FFF2-40B4-BE49-F238E27FC236}">
-                <a16:creationId xmlns:a16="http://schemas.microsoft.com/office/drawing/2014/main" id="{AD6697E5-F211-F48E-A66C-8FBCE248F9F9}"/>
+                <a16:creationId xmlns:a16="http://schemas.microsoft.com/office/drawing/2014/main" id="{6105FA96-965B-442F-E9EC-340219A5B940}"/>
               </a:ext>
             </a:extLst>
           </p:cNvPr>
@@ -2720,7 +2746,7 @@
     </p:spTree>
     <p:extLst>
       <p:ext uri="{BB962C8B-B14F-4D97-AF65-F5344CB8AC3E}">
-        <p14:creationId xmlns:p14="http://schemas.microsoft.com/office/powerpoint/2010/main" val="3010706932"/>
+        <p14:creationId xmlns:p14="http://schemas.microsoft.com/office/powerpoint/2010/main" val="1537292688"/>
       </p:ext>
     </p:extLst>
   </p:cSld>
@@ -9590,6 +9616,341 @@
 </file>
 
 <file path=ppt/slides/slide10.xml><?xml version="1.0" encoding="utf-8"?>
+<p:sld xmlns:a="http://schemas.openxmlformats.org/drawingml/2006/main" xmlns:r="http://schemas.openxmlformats.org/officeDocument/2006/relationships" xmlns:p="http://schemas.openxmlformats.org/presentationml/2006/main" show="0">
+  <p:cSld>
+    <p:bg>
+      <p:bgPr>
+        <a:solidFill>
+          <a:schemeClr val="bg1"/>
+        </a:solidFill>
+        <a:effectLst/>
+      </p:bgPr>
+    </p:bg>
+    <p:spTree>
+      <p:nvGrpSpPr>
+        <p:cNvPr id="1" name="">
+          <a:extLst>
+            <a:ext uri="{FF2B5EF4-FFF2-40B4-BE49-F238E27FC236}">
+              <a16:creationId xmlns:a16="http://schemas.microsoft.com/office/drawing/2014/main" id="{43721567-CC8A-A7F3-20FA-1E041D14A7EC}"/>
+            </a:ext>
+          </a:extLst>
+        </p:cNvPr>
+        <p:cNvGrpSpPr/>
+        <p:nvPr/>
+      </p:nvGrpSpPr>
+      <p:grpSpPr>
+        <a:xfrm>
+          <a:off x="0" y="0"/>
+          <a:ext cx="0" cy="0"/>
+          <a:chOff x="0" y="0"/>
+          <a:chExt cx="0" cy="0"/>
+        </a:xfrm>
+      </p:grpSpPr>
+      <p:sp useBgFill="1">
+        <p:nvSpPr>
+          <p:cNvPr id="66" name="Rectangle 65">
+            <a:extLst>
+              <a:ext uri="{FF2B5EF4-FFF2-40B4-BE49-F238E27FC236}">
+                <a16:creationId xmlns:a16="http://schemas.microsoft.com/office/drawing/2014/main" id="{70155189-D96C-4527-B0EC-654B946BE615}"/>
+              </a:ext>
+              <a:ext uri="{C183D7F6-B498-43B3-948B-1728B52AA6E4}">
+                <adec:decorative xmlns:adec="http://schemas.microsoft.com/office/drawing/2017/decorative" val="1"/>
+              </a:ext>
+            </a:extLst>
+          </p:cNvPr>
+          <p:cNvSpPr>
+            <a:spLocks noGrp="1" noRot="1" noChangeAspect="1" noMove="1" noResize="1" noEditPoints="1" noAdjustHandles="1" noChangeArrowheads="1" noChangeShapeType="1" noTextEdit="1"/>
+          </p:cNvSpPr>
+          <p:nvPr>
+            <p:extLst>
+              <p:ext uri="{386F3935-93C4-4BCD-93E2-E3B085C9AB24}">
+                <p16:designElem xmlns:p16="http://schemas.microsoft.com/office/powerpoint/2015/main" val="1"/>
+              </p:ext>
+            </p:extLst>
+          </p:nvPr>
+        </p:nvSpPr>
+        <p:spPr>
+          <a:xfrm>
+            <a:off x="0" y="0"/>
+            <a:ext cx="10055884" cy="7772400"/>
+          </a:xfrm>
+          <a:prstGeom prst="rect">
+            <a:avLst/>
+          </a:prstGeom>
+          <a:ln>
+            <a:noFill/>
+          </a:ln>
+        </p:spPr>
+        <p:style>
+          <a:lnRef idx="2">
+            <a:schemeClr val="accent1">
+              <a:shade val="50000"/>
+            </a:schemeClr>
+          </a:lnRef>
+          <a:fillRef idx="1">
+            <a:schemeClr val="accent1"/>
+          </a:fillRef>
+          <a:effectRef idx="0">
+            <a:schemeClr val="accent1"/>
+          </a:effectRef>
+          <a:fontRef idx="minor">
+            <a:schemeClr val="lt1"/>
+          </a:fontRef>
+        </p:style>
+        <p:txBody>
+          <a:bodyPr rtlCol="0" anchor="ctr"/>
+          <a:lstStyle/>
+          <a:p>
+            <a:pPr algn="ctr"/>
+            <a:endParaRPr lang="en-US"/>
+          </a:p>
+        </p:txBody>
+      </p:sp>
+      <p:sp>
+        <p:nvSpPr>
+          <p:cNvPr id="6" name="TextBox 5">
+            <a:extLst>
+              <a:ext uri="{FF2B5EF4-FFF2-40B4-BE49-F238E27FC236}">
+                <a16:creationId xmlns:a16="http://schemas.microsoft.com/office/drawing/2014/main" id="{0DB93961-CCF8-D4BD-0645-0D3FAC1563EC}"/>
+              </a:ext>
+            </a:extLst>
+          </p:cNvPr>
+          <p:cNvSpPr txBox="1"/>
+          <p:nvPr/>
+        </p:nvSpPr>
+        <p:spPr>
+          <a:xfrm>
+            <a:off x="3412743" y="669915"/>
+            <a:ext cx="3138158" cy="584775"/>
+          </a:xfrm>
+          <a:prstGeom prst="rect">
+            <a:avLst/>
+          </a:prstGeom>
+          <a:noFill/>
+        </p:spPr>
+        <p:txBody>
+          <a:bodyPr wrap="square" rtlCol="0">
+            <a:spAutoFit/>
+          </a:bodyPr>
+          <a:lstStyle/>
+          <a:p>
+            <a:pPr algn="ctr"/>
+            <a:r>
+              <a:rPr lang="en-US" sz="3200" b="1" dirty="0">
+                <a:solidFill>
+                  <a:schemeClr val="tx2"/>
+                </a:solidFill>
+                <a:latin typeface="+mj-lt"/>
+              </a:rPr>
+              <a:t>Age vs BMI</a:t>
+            </a:r>
+          </a:p>
+        </p:txBody>
+      </p:sp>
+      <p:pic>
+        <p:nvPicPr>
+          <p:cNvPr id="2" name="Picture 1" descr="A graph of scatter plot&#10;&#10;Description automatically generated">
+            <a:extLst>
+              <a:ext uri="{FF2B5EF4-FFF2-40B4-BE49-F238E27FC236}">
+                <a16:creationId xmlns:a16="http://schemas.microsoft.com/office/drawing/2014/main" id="{A1A5E7CF-927D-0D5F-C9E1-FB35F9C99DC8}"/>
+              </a:ext>
+            </a:extLst>
+          </p:cNvPr>
+          <p:cNvPicPr>
+            <a:picLocks noChangeAspect="1"/>
+          </p:cNvPicPr>
+          <p:nvPr/>
+        </p:nvPicPr>
+        <p:blipFill rotWithShape="1">
+          <a:blip r:embed="rId3"/>
+          <a:srcRect l="6460" t="7208" r="8675" b="3153"/>
+          <a:stretch/>
+        </p:blipFill>
+        <p:spPr>
+          <a:xfrm>
+            <a:off x="481092" y="1720150"/>
+            <a:ext cx="9001461" cy="5704747"/>
+          </a:xfrm>
+          <a:prstGeom prst="rect">
+            <a:avLst/>
+          </a:prstGeom>
+        </p:spPr>
+      </p:pic>
+      <p:pic>
+        <p:nvPicPr>
+          <p:cNvPr id="4" name="Picture 3">
+            <a:extLst>
+              <a:ext uri="{FF2B5EF4-FFF2-40B4-BE49-F238E27FC236}">
+                <a16:creationId xmlns:a16="http://schemas.microsoft.com/office/drawing/2014/main" id="{7927984C-AD90-6B0B-3BE9-3A05AF46D4EC}"/>
+              </a:ext>
+            </a:extLst>
+          </p:cNvPr>
+          <p:cNvPicPr>
+            <a:picLocks noChangeAspect="1"/>
+          </p:cNvPicPr>
+          <p:nvPr/>
+        </p:nvPicPr>
+        <p:blipFill>
+          <a:blip r:embed="rId4"/>
+          <a:stretch>
+            <a:fillRect/>
+          </a:stretch>
+        </p:blipFill>
+        <p:spPr>
+          <a:xfrm>
+            <a:off x="1527720" y="4040260"/>
+            <a:ext cx="6347791" cy="3569716"/>
+          </a:xfrm>
+          <a:prstGeom prst="rect">
+            <a:avLst/>
+          </a:prstGeom>
+        </p:spPr>
+      </p:pic>
+      <p:pic>
+        <p:nvPicPr>
+          <p:cNvPr id="7" name="Picture 6">
+            <a:extLst>
+              <a:ext uri="{FF2B5EF4-FFF2-40B4-BE49-F238E27FC236}">
+                <a16:creationId xmlns:a16="http://schemas.microsoft.com/office/drawing/2014/main" id="{5BAC7763-7DB8-B682-089E-4C5E422A2DD4}"/>
+              </a:ext>
+            </a:extLst>
+          </p:cNvPr>
+          <p:cNvPicPr>
+            <a:picLocks noChangeAspect="1"/>
+          </p:cNvPicPr>
+          <p:nvPr/>
+        </p:nvPicPr>
+        <p:blipFill rotWithShape="1">
+          <a:blip r:embed="rId5"/>
+          <a:srcRect l="1500" t="3705" r="6310"/>
+          <a:stretch/>
+        </p:blipFill>
+        <p:spPr>
+          <a:xfrm>
+            <a:off x="2182889" y="508561"/>
+            <a:ext cx="5187528" cy="4063962"/>
+          </a:xfrm>
+          <a:prstGeom prst="rect">
+            <a:avLst/>
+          </a:prstGeom>
+        </p:spPr>
+      </p:pic>
+    </p:spTree>
+    <p:extLst>
+      <p:ext uri="{BB962C8B-B14F-4D97-AF65-F5344CB8AC3E}">
+        <p14:creationId xmlns:p14="http://schemas.microsoft.com/office/powerpoint/2010/main" val="3903460589"/>
+      </p:ext>
+    </p:extLst>
+  </p:cSld>
+  <p:clrMapOvr>
+    <a:masterClrMapping/>
+  </p:clrMapOvr>
+  <p:timing>
+    <p:tnLst>
+      <p:par>
+        <p:cTn id="1" dur="indefinite" restart="never" nodeType="tmRoot">
+          <p:childTnLst>
+            <p:seq concurrent="1" nextAc="seek">
+              <p:cTn id="2" dur="indefinite" nodeType="mainSeq">
+                <p:childTnLst>
+                  <p:par>
+                    <p:cTn id="3" fill="hold">
+                      <p:stCondLst>
+                        <p:cond delay="indefinite"/>
+                      </p:stCondLst>
+                      <p:childTnLst>
+                        <p:par>
+                          <p:cTn id="4" fill="hold">
+                            <p:stCondLst>
+                              <p:cond delay="0"/>
+                            </p:stCondLst>
+                            <p:childTnLst>
+                              <p:par>
+                                <p:cTn id="5" presetID="1" presetClass="entr" presetSubtype="0" fill="hold" nodeType="clickEffect">
+                                  <p:stCondLst>
+                                    <p:cond delay="0"/>
+                                  </p:stCondLst>
+                                  <p:childTnLst>
+                                    <p:set>
+                                      <p:cBhvr>
+                                        <p:cTn id="6" dur="1" fill="hold">
+                                          <p:stCondLst>
+                                            <p:cond delay="0"/>
+                                          </p:stCondLst>
+                                        </p:cTn>
+                                        <p:tgtEl>
+                                          <p:spTgt spid="7"/>
+                                        </p:tgtEl>
+                                        <p:attrNameLst>
+                                          <p:attrName>style.visibility</p:attrName>
+                                        </p:attrNameLst>
+                                      </p:cBhvr>
+                                      <p:to>
+                                        <p:strVal val="visible"/>
+                                      </p:to>
+                                    </p:set>
+                                  </p:childTnLst>
+                                </p:cTn>
+                              </p:par>
+                              <p:par>
+                                <p:cTn id="7" presetID="1" presetClass="entr" presetSubtype="0" fill="hold" nodeType="withEffect">
+                                  <p:stCondLst>
+                                    <p:cond delay="0"/>
+                                  </p:stCondLst>
+                                  <p:childTnLst>
+                                    <p:set>
+                                      <p:cBhvr>
+                                        <p:cTn id="8" dur="1" fill="hold">
+                                          <p:stCondLst>
+                                            <p:cond delay="0"/>
+                                          </p:stCondLst>
+                                        </p:cTn>
+                                        <p:tgtEl>
+                                          <p:spTgt spid="4"/>
+                                        </p:tgtEl>
+                                        <p:attrNameLst>
+                                          <p:attrName>style.visibility</p:attrName>
+                                        </p:attrNameLst>
+                                      </p:cBhvr>
+                                      <p:to>
+                                        <p:strVal val="visible"/>
+                                      </p:to>
+                                    </p:set>
+                                  </p:childTnLst>
+                                </p:cTn>
+                              </p:par>
+                            </p:childTnLst>
+                          </p:cTn>
+                        </p:par>
+                      </p:childTnLst>
+                    </p:cTn>
+                  </p:par>
+                </p:childTnLst>
+              </p:cTn>
+              <p:prevCondLst>
+                <p:cond evt="onPrev" delay="0">
+                  <p:tgtEl>
+                    <p:sldTgt/>
+                  </p:tgtEl>
+                </p:cond>
+              </p:prevCondLst>
+              <p:nextCondLst>
+                <p:cond evt="onNext" delay="0">
+                  <p:tgtEl>
+                    <p:sldTgt/>
+                  </p:tgtEl>
+                </p:cond>
+              </p:nextCondLst>
+            </p:seq>
+          </p:childTnLst>
+        </p:cTn>
+      </p:par>
+    </p:tnLst>
+  </p:timing>
+</p:sld>
+</file>
+
+<file path=ppt/slides/slide11.xml><?xml version="1.0" encoding="utf-8"?>
 <p:sld xmlns:a="http://schemas.openxmlformats.org/drawingml/2006/main" xmlns:r="http://schemas.openxmlformats.org/officeDocument/2006/relationships" xmlns:p="http://schemas.openxmlformats.org/presentationml/2006/main">
   <p:cSld>
     <p:bg>
@@ -10331,7 +10692,7 @@
 </p:sld>
 </file>
 
-<file path=ppt/slides/slide11.xml><?xml version="1.0" encoding="utf-8"?>
+<file path=ppt/slides/slide12.xml><?xml version="1.0" encoding="utf-8"?>
 <p:sld xmlns:a="http://schemas.openxmlformats.org/drawingml/2006/main" xmlns:r="http://schemas.openxmlformats.org/officeDocument/2006/relationships" xmlns:p="http://schemas.openxmlformats.org/presentationml/2006/main">
   <p:cSld>
     <p:bg>
@@ -10922,7 +11283,7 @@
 </p:sld>
 </file>
 
-<file path=ppt/slides/slide12.xml><?xml version="1.0" encoding="utf-8"?>
+<file path=ppt/slides/slide13.xml><?xml version="1.0" encoding="utf-8"?>
 <p:sld xmlns:a="http://schemas.openxmlformats.org/drawingml/2006/main" xmlns:r="http://schemas.openxmlformats.org/officeDocument/2006/relationships" xmlns:p="http://schemas.openxmlformats.org/presentationml/2006/main">
   <p:cSld>
     <p:bg>
@@ -11664,7 +12025,7 @@
 </p:sld>
 </file>
 
-<file path=ppt/slides/slide13.xml><?xml version="1.0" encoding="utf-8"?>
+<file path=ppt/slides/slide14.xml><?xml version="1.0" encoding="utf-8"?>
 <p:sld xmlns:a="http://schemas.openxmlformats.org/drawingml/2006/main" xmlns:r="http://schemas.openxmlformats.org/officeDocument/2006/relationships" xmlns:p="http://schemas.openxmlformats.org/presentationml/2006/main">
   <p:cSld>
     <p:bg>
@@ -17026,13 +17387,13 @@
         </p:nvPicPr>
         <p:blipFill>
           <a:blip r:embed="rId3"/>
-          <a:srcRect t="3172" b="3172"/>
+          <a:srcRect t="6891" b="6891"/>
           <a:stretch/>
         </p:blipFill>
         <p:spPr>
           <a:xfrm>
-            <a:off x="0" y="4700588"/>
-            <a:ext cx="10058400" cy="3071812"/>
+            <a:off x="0" y="4944532"/>
+            <a:ext cx="10058400" cy="2827867"/>
           </a:xfrm>
           <a:prstGeom prst="rect">
             <a:avLst/>
@@ -17163,7 +17524,7 @@
         <p:spPr>
           <a:xfrm>
             <a:off x="2285999" y="982079"/>
-            <a:ext cx="7415213" cy="3785652"/>
+            <a:ext cx="7415213" cy="3970318"/>
           </a:xfrm>
           <a:prstGeom prst="rect">
             <a:avLst/>
@@ -17177,37 +17538,37 @@
           <a:lstStyle/>
           <a:p>
             <a:r>
-              <a:rPr lang="en-US" sz="2000" dirty="0"/>
+              <a:rPr lang="en-US" sz="2100" dirty="0"/>
               <a:t>- rounded age present as decimals</a:t>
             </a:r>
           </a:p>
           <a:p>
             <a:r>
-              <a:rPr lang="en-US" sz="2000" dirty="0"/>
+              <a:rPr lang="en-US" sz="2100" dirty="0"/>
               <a:t>- dropped gender ’other’ (1 row) </a:t>
             </a:r>
           </a:p>
           <a:p>
             <a:r>
-              <a:rPr lang="en-US" sz="2000" dirty="0"/>
+              <a:rPr lang="en-US" sz="2100" dirty="0"/>
               <a:t>- dropped </a:t>
             </a:r>
             <a:r>
-              <a:rPr lang="en-US" sz="2000" dirty="0" err="1"/>
+              <a:rPr lang="en-US" sz="2100" dirty="0" err="1"/>
               <a:t>smoking_status</a:t>
             </a:r>
             <a:r>
-              <a:rPr lang="en-US" sz="2000" dirty="0"/>
+              <a:rPr lang="en-US" sz="2100" dirty="0"/>
               <a:t> column ( too many ‘unknown’)</a:t>
             </a:r>
           </a:p>
           <a:p>
-            <a:endParaRPr lang="en-US" sz="2000" dirty="0"/>
+            <a:endParaRPr lang="en-US" sz="2100" dirty="0"/>
           </a:p>
           <a:p>
             <a:pPr algn="ctr"/>
             <a:r>
-              <a:rPr lang="en-US" sz="2000" b="1" dirty="0">
+              <a:rPr lang="en-US" sz="2100" b="1" dirty="0">
                 <a:solidFill>
                   <a:srgbClr val="009193"/>
                 </a:solidFill>
@@ -17217,48 +17578,43 @@
           </a:p>
           <a:p>
             <a:r>
-              <a:rPr lang="en-US" sz="2000" dirty="0"/>
+              <a:rPr lang="en-US" sz="2100" dirty="0"/>
               <a:t>- total 5109 rows of data post cleaning</a:t>
             </a:r>
           </a:p>
           <a:p>
             <a:r>
-              <a:rPr lang="en-US" sz="2000" dirty="0"/>
+              <a:rPr lang="en-US" sz="2100" dirty="0"/>
               <a:t>- average age 43 years across cohort</a:t>
             </a:r>
           </a:p>
           <a:p>
             <a:r>
-              <a:rPr lang="en-US" sz="2000" dirty="0"/>
+              <a:rPr lang="en-US" sz="2100" dirty="0"/>
               <a:t>- 2994 female &amp; 2115 male data rows</a:t>
             </a:r>
           </a:p>
           <a:p>
             <a:r>
-              <a:rPr lang="en-US" sz="2000" dirty="0"/>
+              <a:rPr lang="en-US" sz="2100" dirty="0"/>
               <a:t>- 4400 employed, 22 never employed, 687 children</a:t>
             </a:r>
           </a:p>
           <a:p>
             <a:r>
-              <a:rPr lang="en-US" sz="2000" dirty="0"/>
+              <a:rPr lang="en-US" sz="2100" dirty="0"/>
               <a:t>- 2596 Urban &amp; 2513 Rural dwellers</a:t>
             </a:r>
           </a:p>
           <a:p>
             <a:r>
-              <a:rPr lang="en-US" sz="2000" dirty="0"/>
-              <a:t>- avg glucose level 106.14 mg/dL </a:t>
-            </a:r>
-            <a:r>
-              <a:rPr lang="en-US" sz="2000"/>
-              <a:t>(optimal 70-100 mg/dL)</a:t>
-            </a:r>
-            <a:endParaRPr lang="en-US" sz="2000" dirty="0"/>
-          </a:p>
-          <a:p>
-            <a:r>
-              <a:rPr lang="en-US" sz="2000" dirty="0"/>
+              <a:rPr lang="en-US" sz="2100" dirty="0"/>
+              <a:t>- avg glucose level 106.14 mg/dL (optimal 70-100 mg/dL)</a:t>
+            </a:r>
+          </a:p>
+          <a:p>
+            <a:r>
+              <a:rPr lang="en-US" sz="2100" dirty="0"/>
               <a:t>- 4860 never had stroke, 249 had stroke</a:t>
             </a:r>
           </a:p>
@@ -18330,7 +18686,7 @@
         <p:cNvPr id="1" name="">
           <a:extLst>
             <a:ext uri="{FF2B5EF4-FFF2-40B4-BE49-F238E27FC236}">
-              <a16:creationId xmlns:a16="http://schemas.microsoft.com/office/drawing/2014/main" id="{43721567-CC8A-A7F3-20FA-1E041D14A7EC}"/>
+              <a16:creationId xmlns:a16="http://schemas.microsoft.com/office/drawing/2014/main" id="{70E4827D-FA93-1341-12C6-77721C36F92A}"/>
             </a:ext>
           </a:extLst>
         </p:cNvPr>
@@ -18345,12 +18701,12 @@
           <a:chExt cx="0" cy="0"/>
         </a:xfrm>
       </p:grpSpPr>
-      <p:sp useBgFill="1">
+      <p:sp>
         <p:nvSpPr>
-          <p:cNvPr id="66" name="Rectangle 65">
+          <p:cNvPr id="27" name="Rectangle 26">
             <a:extLst>
               <a:ext uri="{FF2B5EF4-FFF2-40B4-BE49-F238E27FC236}">
-                <a16:creationId xmlns:a16="http://schemas.microsoft.com/office/drawing/2014/main" id="{70155189-D96C-4527-B0EC-654B946BE615}"/>
+                <a16:creationId xmlns:a16="http://schemas.microsoft.com/office/drawing/2014/main" id="{DE2787E3-913E-2363-C94D-1D76F979980A}"/>
               </a:ext>
               <a:ext uri="{C183D7F6-B498-43B3-948B-1728B52AA6E4}">
                 <adec:decorative xmlns:adec="http://schemas.microsoft.com/office/drawing/2017/decorative" val="1"/>
@@ -18360,6 +18716,585 @@
           <p:cNvSpPr>
             <a:spLocks noGrp="1" noRot="1" noChangeAspect="1" noMove="1" noResize="1" noEditPoints="1" noAdjustHandles="1" noChangeArrowheads="1" noChangeShapeType="1" noTextEdit="1"/>
           </p:cNvSpPr>
+          <p:nvPr>
+            <p:extLst>
+              <p:ext uri="{386F3935-93C4-4BCD-93E2-E3B085C9AB24}">
+                <p16:designElem xmlns:p16="http://schemas.microsoft.com/office/powerpoint/2015/main" val="1"/>
+              </p:ext>
+            </p:extLst>
+          </p:nvPr>
+        </p:nvSpPr>
+        <p:spPr>
+          <a:xfrm>
+            <a:off x="0" y="0"/>
+            <a:ext cx="10058400" cy="7772400"/>
+          </a:xfrm>
+          <a:prstGeom prst="rect">
+            <a:avLst/>
+          </a:prstGeom>
+          <a:solidFill>
+            <a:schemeClr val="bg1"/>
+          </a:solidFill>
+          <a:ln>
+            <a:noFill/>
+          </a:ln>
+        </p:spPr>
+        <p:style>
+          <a:lnRef idx="2">
+            <a:schemeClr val="accent1">
+              <a:shade val="50000"/>
+            </a:schemeClr>
+          </a:lnRef>
+          <a:fillRef idx="1">
+            <a:schemeClr val="accent1"/>
+          </a:fillRef>
+          <a:effectRef idx="0">
+            <a:schemeClr val="accent1"/>
+          </a:effectRef>
+          <a:fontRef idx="minor">
+            <a:schemeClr val="lt1"/>
+          </a:fontRef>
+        </p:style>
+        <p:txBody>
+          <a:bodyPr rtlCol="0" anchor="ctr"/>
+          <a:lstStyle/>
+          <a:p>
+            <a:pPr algn="ctr"/>
+            <a:endParaRPr lang="en-US" dirty="0"/>
+          </a:p>
+        </p:txBody>
+      </p:sp>
+      <p:grpSp>
+        <p:nvGrpSpPr>
+          <p:cNvPr id="29" name="Group 28">
+            <a:extLst>
+              <a:ext uri="{FF2B5EF4-FFF2-40B4-BE49-F238E27FC236}">
+                <a16:creationId xmlns:a16="http://schemas.microsoft.com/office/drawing/2014/main" id="{1DE4C16E-0B4D-1171-1AF0-D8934765E7D3}"/>
+              </a:ext>
+              <a:ext uri="{C183D7F6-B498-43B3-948B-1728B52AA6E4}">
+                <adec:decorative xmlns:adec="http://schemas.microsoft.com/office/drawing/2017/decorative" val="1"/>
+              </a:ext>
+            </a:extLst>
+          </p:cNvPr>
+          <p:cNvGrpSpPr>
+            <a:grpSpLocks noGrp="1" noUngrp="1" noRot="1" noChangeAspect="1" noMove="1" noResize="1"/>
+          </p:cNvGrpSpPr>
+          <p:nvPr>
+            <p:extLst>
+              <p:ext uri="{386F3935-93C4-4BCD-93E2-E3B085C9AB24}">
+                <p16:designElem xmlns:p16="http://schemas.microsoft.com/office/powerpoint/2015/main" val="1"/>
+              </p:ext>
+            </p:extLst>
+          </p:nvPr>
+        </p:nvGrpSpPr>
+        <p:grpSpPr>
+          <a:xfrm flipH="1">
+            <a:off x="9045825" y="2672"/>
+            <a:ext cx="1548239" cy="2001476"/>
+            <a:chOff x="-648769" y="2358"/>
+            <a:chExt cx="1876653" cy="1766008"/>
+          </a:xfrm>
+        </p:grpSpPr>
+        <p:sp>
+          <p:nvSpPr>
+            <p:cNvPr id="30" name="Freeform: Shape 29">
+              <a:extLst>
+                <a:ext uri="{FF2B5EF4-FFF2-40B4-BE49-F238E27FC236}">
+                  <a16:creationId xmlns:a16="http://schemas.microsoft.com/office/drawing/2014/main" id="{B1219E35-B86C-7398-CFCB-3057BEEB9EE1}"/>
+                </a:ext>
+                <a:ext uri="{C183D7F6-B498-43B3-948B-1728B52AA6E4}">
+                  <adec:decorative xmlns:adec="http://schemas.microsoft.com/office/drawing/2017/decorative" val="1"/>
+                </a:ext>
+              </a:extLst>
+            </p:cNvPr>
+            <p:cNvSpPr/>
+            <p:nvPr>
+              <p:extLst>
+                <p:ext uri="{386F3935-93C4-4BCD-93E2-E3B085C9AB24}">
+                  <p16:designElem xmlns:p16="http://schemas.microsoft.com/office/powerpoint/2015/main" val="1"/>
+                </p:ext>
+              </p:extLst>
+            </p:nvPr>
+          </p:nvSpPr>
+          <p:spPr>
+            <a:xfrm rot="2700000">
+              <a:off x="-415188" y="-231223"/>
+              <a:ext cx="1409491" cy="1876653"/>
+            </a:xfrm>
+            <a:custGeom>
+              <a:avLst/>
+              <a:gdLst>
+                <a:gd name="connsiteX0" fmla="*/ 0 w 1409491"/>
+                <a:gd name="connsiteY0" fmla="*/ 643075 h 1876653"/>
+                <a:gd name="connsiteX1" fmla="*/ 643075 w 1409491"/>
+                <a:gd name="connsiteY1" fmla="*/ 0 h 1876653"/>
+                <a:gd name="connsiteX2" fmla="*/ 1409491 w 1409491"/>
+                <a:gd name="connsiteY2" fmla="*/ 0 h 1876653"/>
+                <a:gd name="connsiteX3" fmla="*/ 1409491 w 1409491"/>
+                <a:gd name="connsiteY3" fmla="*/ 1876653 h 1876653"/>
+                <a:gd name="connsiteX4" fmla="*/ 1233578 w 1409491"/>
+                <a:gd name="connsiteY4" fmla="*/ 1876653 h 1876653"/>
+              </a:gdLst>
+              <a:ahLst/>
+              <a:cxnLst>
+                <a:cxn ang="0">
+                  <a:pos x="connsiteX0" y="connsiteY0"/>
+                </a:cxn>
+                <a:cxn ang="0">
+                  <a:pos x="connsiteX1" y="connsiteY1"/>
+                </a:cxn>
+                <a:cxn ang="0">
+                  <a:pos x="connsiteX2" y="connsiteY2"/>
+                </a:cxn>
+                <a:cxn ang="0">
+                  <a:pos x="connsiteX3" y="connsiteY3"/>
+                </a:cxn>
+                <a:cxn ang="0">
+                  <a:pos x="connsiteX4" y="connsiteY4"/>
+                </a:cxn>
+              </a:cxnLst>
+              <a:rect l="l" t="t" r="r" b="b"/>
+              <a:pathLst>
+                <a:path w="1409491" h="1876653">
+                  <a:moveTo>
+                    <a:pt x="0" y="643075"/>
+                  </a:moveTo>
+                  <a:lnTo>
+                    <a:pt x="643075" y="0"/>
+                  </a:lnTo>
+                  <a:lnTo>
+                    <a:pt x="1409491" y="0"/>
+                  </a:lnTo>
+                  <a:lnTo>
+                    <a:pt x="1409491" y="1876653"/>
+                  </a:lnTo>
+                  <a:lnTo>
+                    <a:pt x="1233578" y="1876653"/>
+                  </a:lnTo>
+                  <a:close/>
+                </a:path>
+              </a:pathLst>
+            </a:custGeom>
+            <a:solidFill>
+              <a:schemeClr val="accent1">
+                <a:alpha val="30000"/>
+              </a:schemeClr>
+            </a:solidFill>
+            <a:ln>
+              <a:noFill/>
+            </a:ln>
+          </p:spPr>
+          <p:style>
+            <a:lnRef idx="2">
+              <a:schemeClr val="accent1">
+                <a:shade val="50000"/>
+              </a:schemeClr>
+            </a:lnRef>
+            <a:fillRef idx="1">
+              <a:schemeClr val="accent1"/>
+            </a:fillRef>
+            <a:effectRef idx="0">
+              <a:schemeClr val="accent1"/>
+            </a:effectRef>
+            <a:fontRef idx="minor">
+              <a:schemeClr val="lt1"/>
+            </a:fontRef>
+          </p:style>
+          <p:txBody>
+            <a:bodyPr rtlCol="0" anchor="ctr"/>
+            <a:lstStyle/>
+            <a:p>
+              <a:pPr algn="ctr"/>
+              <a:endParaRPr lang="en-US"/>
+            </a:p>
+          </p:txBody>
+        </p:sp>
+        <p:sp>
+          <p:nvSpPr>
+            <p:cNvPr id="31" name="Rectangle 30">
+              <a:extLst>
+                <a:ext uri="{FF2B5EF4-FFF2-40B4-BE49-F238E27FC236}">
+                  <a16:creationId xmlns:a16="http://schemas.microsoft.com/office/drawing/2014/main" id="{FB3469AA-404B-091F-684D-2479FFABF035}"/>
+                </a:ext>
+                <a:ext uri="{C183D7F6-B498-43B3-948B-1728B52AA6E4}">
+                  <adec:decorative xmlns:adec="http://schemas.microsoft.com/office/drawing/2017/decorative" val="1"/>
+                </a:ext>
+              </a:extLst>
+            </p:cNvPr>
+            <p:cNvSpPr/>
+            <p:nvPr>
+              <p:extLst>
+                <p:ext uri="{386F3935-93C4-4BCD-93E2-E3B085C9AB24}">
+                  <p16:designElem xmlns:p16="http://schemas.microsoft.com/office/powerpoint/2015/main" val="1"/>
+                </p:ext>
+              </p:extLst>
+            </p:nvPr>
+          </p:nvSpPr>
+          <p:spPr>
+            <a:xfrm rot="2700000">
+              <a:off x="301285" y="1282788"/>
+              <a:ext cx="485578" cy="485578"/>
+            </a:xfrm>
+            <a:prstGeom prst="rect">
+              <a:avLst/>
+            </a:prstGeom>
+            <a:solidFill>
+              <a:schemeClr val="accent1">
+                <a:alpha val="30000"/>
+              </a:schemeClr>
+            </a:solidFill>
+            <a:ln>
+              <a:noFill/>
+            </a:ln>
+          </p:spPr>
+          <p:style>
+            <a:lnRef idx="2">
+              <a:schemeClr val="accent1">
+                <a:shade val="50000"/>
+              </a:schemeClr>
+            </a:lnRef>
+            <a:fillRef idx="1">
+              <a:schemeClr val="accent1"/>
+            </a:fillRef>
+            <a:effectRef idx="0">
+              <a:schemeClr val="accent1"/>
+            </a:effectRef>
+            <a:fontRef idx="minor">
+              <a:schemeClr val="lt1"/>
+            </a:fontRef>
+          </p:style>
+          <p:txBody>
+            <a:bodyPr rtlCol="0" anchor="ctr"/>
+            <a:lstStyle/>
+            <a:p>
+              <a:pPr algn="ctr"/>
+              <a:endParaRPr lang="en-US"/>
+            </a:p>
+          </p:txBody>
+        </p:sp>
+      </p:grpSp>
+      <p:sp>
+        <p:nvSpPr>
+          <p:cNvPr id="33" name="Rectangle 32">
+            <a:extLst>
+              <a:ext uri="{FF2B5EF4-FFF2-40B4-BE49-F238E27FC236}">
+                <a16:creationId xmlns:a16="http://schemas.microsoft.com/office/drawing/2014/main" id="{B7073EDB-4528-B259-D07A-6FF38339B31A}"/>
+              </a:ext>
+              <a:ext uri="{C183D7F6-B498-43B3-948B-1728B52AA6E4}">
+                <adec:decorative xmlns:adec="http://schemas.microsoft.com/office/drawing/2017/decorative" val="1"/>
+              </a:ext>
+            </a:extLst>
+          </p:cNvPr>
+          <p:cNvSpPr>
+            <a:spLocks noGrp="1" noRot="1" noChangeAspect="1" noMove="1" noResize="1" noEditPoints="1" noAdjustHandles="1" noChangeArrowheads="1" noChangeShapeType="1" noTextEdit="1"/>
+          </p:cNvSpPr>
+          <p:nvPr>
+            <p:extLst>
+              <p:ext uri="{386F3935-93C4-4BCD-93E2-E3B085C9AB24}">
+                <p16:designElem xmlns:p16="http://schemas.microsoft.com/office/powerpoint/2015/main" val="1"/>
+              </p:ext>
+            </p:extLst>
+          </p:nvPr>
+        </p:nvSpPr>
+        <p:spPr>
+          <a:xfrm rot="2700000">
+            <a:off x="2158692" y="6937649"/>
+            <a:ext cx="731417" cy="532429"/>
+          </a:xfrm>
+          <a:prstGeom prst="rect">
+            <a:avLst/>
+          </a:prstGeom>
+          <a:solidFill>
+            <a:schemeClr val="accent4">
+              <a:alpha val="30000"/>
+            </a:schemeClr>
+          </a:solidFill>
+          <a:ln>
+            <a:noFill/>
+          </a:ln>
+        </p:spPr>
+        <p:style>
+          <a:lnRef idx="2">
+            <a:schemeClr val="accent1">
+              <a:shade val="50000"/>
+            </a:schemeClr>
+          </a:lnRef>
+          <a:fillRef idx="1">
+            <a:schemeClr val="accent1"/>
+          </a:fillRef>
+          <a:effectRef idx="0">
+            <a:schemeClr val="accent1"/>
+          </a:effectRef>
+          <a:fontRef idx="minor">
+            <a:schemeClr val="lt1"/>
+          </a:fontRef>
+        </p:style>
+        <p:txBody>
+          <a:bodyPr rtlCol="0" anchor="ctr"/>
+          <a:lstStyle/>
+          <a:p>
+            <a:pPr algn="ctr"/>
+            <a:endParaRPr lang="en-US"/>
+          </a:p>
+        </p:txBody>
+      </p:sp>
+      <p:sp>
+        <p:nvSpPr>
+          <p:cNvPr id="35" name="Isosceles Triangle 34">
+            <a:extLst>
+              <a:ext uri="{FF2B5EF4-FFF2-40B4-BE49-F238E27FC236}">
+                <a16:creationId xmlns:a16="http://schemas.microsoft.com/office/drawing/2014/main" id="{C111DA31-D09F-8393-520F-73770EA179FA}"/>
+              </a:ext>
+              <a:ext uri="{C183D7F6-B498-43B3-948B-1728B52AA6E4}">
+                <adec:decorative xmlns:adec="http://schemas.microsoft.com/office/drawing/2017/decorative" val="1"/>
+              </a:ext>
+            </a:extLst>
+          </p:cNvPr>
+          <p:cNvSpPr>
+            <a:spLocks noGrp="1" noRot="1" noChangeAspect="1" noMove="1" noResize="1" noEditPoints="1" noAdjustHandles="1" noChangeArrowheads="1" noChangeShapeType="1" noTextEdit="1"/>
+          </p:cNvSpPr>
+          <p:nvPr>
+            <p:extLst>
+              <p:ext uri="{386F3935-93C4-4BCD-93E2-E3B085C9AB24}">
+                <p16:designElem xmlns:p16="http://schemas.microsoft.com/office/powerpoint/2015/main" val="1"/>
+              </p:ext>
+            </p:extLst>
+          </p:nvPr>
+        </p:nvSpPr>
+        <p:spPr>
+          <a:xfrm>
+            <a:off x="1108334" y="6483922"/>
+            <a:ext cx="1866121" cy="1288476"/>
+          </a:xfrm>
+          <a:prstGeom prst="triangle">
+            <a:avLst>
+              <a:gd name="adj" fmla="val 50000"/>
+            </a:avLst>
+          </a:prstGeom>
+          <a:solidFill>
+            <a:schemeClr val="accent4">
+              <a:alpha val="30000"/>
+            </a:schemeClr>
+          </a:solidFill>
+          <a:ln>
+            <a:noFill/>
+          </a:ln>
+        </p:spPr>
+        <p:style>
+          <a:lnRef idx="2">
+            <a:schemeClr val="accent1">
+              <a:shade val="50000"/>
+            </a:schemeClr>
+          </a:lnRef>
+          <a:fillRef idx="1">
+            <a:schemeClr val="accent1"/>
+          </a:fillRef>
+          <a:effectRef idx="0">
+            <a:schemeClr val="accent1"/>
+          </a:effectRef>
+          <a:fontRef idx="minor">
+            <a:schemeClr val="lt1"/>
+          </a:fontRef>
+        </p:style>
+        <p:txBody>
+          <a:bodyPr rtlCol="0" anchor="ctr"/>
+          <a:lstStyle/>
+          <a:p>
+            <a:pPr algn="ctr"/>
+            <a:endParaRPr lang="en-US"/>
+          </a:p>
+        </p:txBody>
+      </p:sp>
+      <p:pic>
+        <p:nvPicPr>
+          <p:cNvPr id="2" name="Picture 1">
+            <a:extLst>
+              <a:ext uri="{FF2B5EF4-FFF2-40B4-BE49-F238E27FC236}">
+                <a16:creationId xmlns:a16="http://schemas.microsoft.com/office/drawing/2014/main" id="{B0D09405-DF54-A9DA-B577-B5C163B12EEA}"/>
+              </a:ext>
+            </a:extLst>
+          </p:cNvPr>
+          <p:cNvPicPr>
+            <a:picLocks noChangeAspect="1"/>
+          </p:cNvPicPr>
+          <p:nvPr/>
+        </p:nvPicPr>
+        <p:blipFill rotWithShape="1">
+          <a:blip r:embed="rId3"/>
+          <a:srcRect l="5285" t="6529" r="8020" b="3086"/>
+          <a:stretch/>
+        </p:blipFill>
+        <p:spPr>
+          <a:xfrm>
+            <a:off x="1298513" y="1521708"/>
+            <a:ext cx="7311232" cy="5678629"/>
+          </a:xfrm>
+          <a:prstGeom prst="rect">
+            <a:avLst/>
+          </a:prstGeom>
+        </p:spPr>
+      </p:pic>
+      <p:sp>
+        <p:nvSpPr>
+          <p:cNvPr id="3" name="TextBox 2">
+            <a:extLst>
+              <a:ext uri="{FF2B5EF4-FFF2-40B4-BE49-F238E27FC236}">
+                <a16:creationId xmlns:a16="http://schemas.microsoft.com/office/drawing/2014/main" id="{A07A71D1-DF9D-B94A-43FB-DF518BF0E32E}"/>
+              </a:ext>
+            </a:extLst>
+          </p:cNvPr>
+          <p:cNvSpPr txBox="1"/>
+          <p:nvPr/>
+        </p:nvSpPr>
+        <p:spPr>
+          <a:xfrm>
+            <a:off x="1448655" y="936933"/>
+            <a:ext cx="7086600" cy="584775"/>
+          </a:xfrm>
+          <a:prstGeom prst="rect">
+            <a:avLst/>
+          </a:prstGeom>
+          <a:noFill/>
+        </p:spPr>
+        <p:txBody>
+          <a:bodyPr wrap="square" rtlCol="0">
+            <a:spAutoFit/>
+          </a:bodyPr>
+          <a:lstStyle/>
+          <a:p>
+            <a:pPr algn="ctr"/>
+            <a:r>
+              <a:rPr lang="en-US" sz="3200" b="1" dirty="0">
+                <a:solidFill>
+                  <a:schemeClr val="tx2"/>
+                </a:solidFill>
+                <a:latin typeface="+mj-lt"/>
+              </a:rPr>
+              <a:t>Age Distribution</a:t>
+            </a:r>
+          </a:p>
+        </p:txBody>
+      </p:sp>
+    </p:spTree>
+    <p:extLst>
+      <p:ext uri="{BB962C8B-B14F-4D97-AF65-F5344CB8AC3E}">
+        <p14:creationId xmlns:p14="http://schemas.microsoft.com/office/powerpoint/2010/main" val="1540799061"/>
+      </p:ext>
+    </p:extLst>
+  </p:cSld>
+  <p:clrMapOvr>
+    <a:masterClrMapping/>
+  </p:clrMapOvr>
+</p:sld>
+</file>
+
+<file path=ppt/slides/slide8.xml><?xml version="1.0" encoding="utf-8"?>
+<p:sld xmlns:a="http://schemas.openxmlformats.org/drawingml/2006/main" xmlns:r="http://schemas.openxmlformats.org/officeDocument/2006/relationships" xmlns:p="http://schemas.openxmlformats.org/presentationml/2006/main">
+  <p:cSld>
+    <p:bg>
+      <p:bgPr>
+        <a:solidFill>
+          <a:schemeClr val="bg1"/>
+        </a:solidFill>
+        <a:effectLst/>
+      </p:bgPr>
+    </p:bg>
+    <p:spTree>
+      <p:nvGrpSpPr>
+        <p:cNvPr id="1" name="">
+          <a:extLst>
+            <a:ext uri="{FF2B5EF4-FFF2-40B4-BE49-F238E27FC236}">
+              <a16:creationId xmlns:a16="http://schemas.microsoft.com/office/drawing/2014/main" id="{8C10D4AF-D2B4-5A43-3193-64BE0EC66DAF}"/>
+            </a:ext>
+          </a:extLst>
+        </p:cNvPr>
+        <p:cNvGrpSpPr/>
+        <p:nvPr/>
+      </p:nvGrpSpPr>
+      <p:grpSpPr>
+        <a:xfrm>
+          <a:off x="0" y="0"/>
+          <a:ext cx="0" cy="0"/>
+          <a:chOff x="0" y="0"/>
+          <a:chExt cx="0" cy="0"/>
+        </a:xfrm>
+      </p:grpSpPr>
+      <p:sp>
+        <p:nvSpPr>
+          <p:cNvPr id="27" name="Rectangle 26">
+            <a:extLst>
+              <a:ext uri="{FF2B5EF4-FFF2-40B4-BE49-F238E27FC236}">
+                <a16:creationId xmlns:a16="http://schemas.microsoft.com/office/drawing/2014/main" id="{3876AB3A-66F7-DD52-0EFD-1441D7B21AA1}"/>
+              </a:ext>
+              <a:ext uri="{C183D7F6-B498-43B3-948B-1728B52AA6E4}">
+                <adec:decorative xmlns:adec="http://schemas.microsoft.com/office/drawing/2017/decorative" val="1"/>
+              </a:ext>
+            </a:extLst>
+          </p:cNvPr>
+          <p:cNvSpPr>
+            <a:spLocks noGrp="1" noRot="1" noChangeAspect="1" noMove="1" noResize="1" noEditPoints="1" noAdjustHandles="1" noChangeArrowheads="1" noChangeShapeType="1" noTextEdit="1"/>
+          </p:cNvSpPr>
+          <p:nvPr>
+            <p:extLst>
+              <p:ext uri="{386F3935-93C4-4BCD-93E2-E3B085C9AB24}">
+                <p16:designElem xmlns:p16="http://schemas.microsoft.com/office/powerpoint/2015/main" val="1"/>
+              </p:ext>
+            </p:extLst>
+          </p:nvPr>
+        </p:nvSpPr>
+        <p:spPr>
+          <a:xfrm>
+            <a:off x="0" y="0"/>
+            <a:ext cx="10058400" cy="7772400"/>
+          </a:xfrm>
+          <a:prstGeom prst="rect">
+            <a:avLst/>
+          </a:prstGeom>
+          <a:solidFill>
+            <a:schemeClr val="bg1"/>
+          </a:solidFill>
+          <a:ln>
+            <a:noFill/>
+          </a:ln>
+        </p:spPr>
+        <p:style>
+          <a:lnRef idx="2">
+            <a:schemeClr val="accent1">
+              <a:shade val="50000"/>
+            </a:schemeClr>
+          </a:lnRef>
+          <a:fillRef idx="1">
+            <a:schemeClr val="accent1"/>
+          </a:fillRef>
+          <a:effectRef idx="0">
+            <a:schemeClr val="accent1"/>
+          </a:effectRef>
+          <a:fontRef idx="minor">
+            <a:schemeClr val="lt1"/>
+          </a:fontRef>
+        </p:style>
+        <p:txBody>
+          <a:bodyPr rtlCol="0" anchor="ctr"/>
+          <a:lstStyle/>
+          <a:p>
+            <a:pPr algn="ctr"/>
+            <a:endParaRPr lang="en-US" dirty="0"/>
+          </a:p>
+        </p:txBody>
+      </p:sp>
+      <p:sp useBgFill="1">
+        <p:nvSpPr>
+          <p:cNvPr id="4" name="Rectangle 3">
+            <a:extLst>
+              <a:ext uri="{FF2B5EF4-FFF2-40B4-BE49-F238E27FC236}">
+                <a16:creationId xmlns:a16="http://schemas.microsoft.com/office/drawing/2014/main" id="{BA072E84-FD9C-903F-254B-786D2344CE93}"/>
+              </a:ext>
+              <a:ext uri="{C183D7F6-B498-43B3-948B-1728B52AA6E4}">
+                <adec:decorative xmlns:adec="http://schemas.microsoft.com/office/drawing/2017/decorative" val="1"/>
+              </a:ext>
+            </a:extLst>
+          </p:cNvPr>
+          <p:cNvSpPr/>
           <p:nvPr>
             <p:extLst>
               <p:ext uri="{386F3935-93C4-4BCD-93E2-E3B085C9AB24}">
@@ -18405,126 +19340,221 @@
           </a:p>
         </p:txBody>
       </p:sp>
-      <p:pic>
-        <p:nvPicPr>
-          <p:cNvPr id="5" name="Picture 4">
+      <p:grpSp>
+        <p:nvGrpSpPr>
+          <p:cNvPr id="29" name="Group 28">
             <a:extLst>
               <a:ext uri="{FF2B5EF4-FFF2-40B4-BE49-F238E27FC236}">
-                <a16:creationId xmlns:a16="http://schemas.microsoft.com/office/drawing/2014/main" id="{8A088EC9-0CC1-C6B7-D481-62E4480F1211}"/>
+                <a16:creationId xmlns:a16="http://schemas.microsoft.com/office/drawing/2014/main" id="{2BC39B7A-F362-2A32-AE7A-8E22BA70B802}"/>
+              </a:ext>
+              <a:ext uri="{C183D7F6-B498-43B3-948B-1728B52AA6E4}">
+                <adec:decorative xmlns:adec="http://schemas.microsoft.com/office/drawing/2017/decorative" val="1"/>
               </a:ext>
             </a:extLst>
           </p:cNvPr>
-          <p:cNvPicPr>
-            <a:picLocks noChangeAspect="1"/>
-          </p:cNvPicPr>
-          <p:nvPr/>
-        </p:nvPicPr>
-        <p:blipFill rotWithShape="1">
-          <a:blip r:embed="rId3"/>
-          <a:srcRect l="5285" t="6529" r="8020" b="3086"/>
-          <a:stretch/>
-        </p:blipFill>
-        <p:spPr>
-          <a:xfrm>
-            <a:off x="1298513" y="1521708"/>
-            <a:ext cx="7311232" cy="5678629"/>
+          <p:cNvGrpSpPr>
+            <a:grpSpLocks noGrp="1" noUngrp="1" noRot="1" noChangeAspect="1" noMove="1" noResize="1"/>
+          </p:cNvGrpSpPr>
+          <p:nvPr>
+            <p:extLst>
+              <p:ext uri="{386F3935-93C4-4BCD-93E2-E3B085C9AB24}">
+                <p16:designElem xmlns:p16="http://schemas.microsoft.com/office/powerpoint/2015/main" val="1"/>
+              </p:ext>
+            </p:extLst>
+          </p:nvPr>
+        </p:nvGrpSpPr>
+        <p:grpSpPr>
+          <a:xfrm flipH="1">
+            <a:off x="9045825" y="2672"/>
+            <a:ext cx="1548239" cy="2001476"/>
+            <a:chOff x="-648769" y="2358"/>
+            <a:chExt cx="1876653" cy="1766008"/>
           </a:xfrm>
-          <a:prstGeom prst="rect">
-            <a:avLst/>
-          </a:prstGeom>
-        </p:spPr>
-      </p:pic>
+        </p:grpSpPr>
+        <p:sp>
+          <p:nvSpPr>
+            <p:cNvPr id="30" name="Freeform: Shape 29">
+              <a:extLst>
+                <a:ext uri="{FF2B5EF4-FFF2-40B4-BE49-F238E27FC236}">
+                  <a16:creationId xmlns:a16="http://schemas.microsoft.com/office/drawing/2014/main" id="{217EBE0F-0125-9C1A-A341-8FB323A34866}"/>
+                </a:ext>
+                <a:ext uri="{C183D7F6-B498-43B3-948B-1728B52AA6E4}">
+                  <adec:decorative xmlns:adec="http://schemas.microsoft.com/office/drawing/2017/decorative" val="1"/>
+                </a:ext>
+              </a:extLst>
+            </p:cNvPr>
+            <p:cNvSpPr/>
+            <p:nvPr>
+              <p:extLst>
+                <p:ext uri="{386F3935-93C4-4BCD-93E2-E3B085C9AB24}">
+                  <p16:designElem xmlns:p16="http://schemas.microsoft.com/office/powerpoint/2015/main" val="1"/>
+                </p:ext>
+              </p:extLst>
+            </p:nvPr>
+          </p:nvSpPr>
+          <p:spPr>
+            <a:xfrm rot="2700000">
+              <a:off x="-415188" y="-231223"/>
+              <a:ext cx="1409491" cy="1876653"/>
+            </a:xfrm>
+            <a:custGeom>
+              <a:avLst/>
+              <a:gdLst>
+                <a:gd name="connsiteX0" fmla="*/ 0 w 1409491"/>
+                <a:gd name="connsiteY0" fmla="*/ 643075 h 1876653"/>
+                <a:gd name="connsiteX1" fmla="*/ 643075 w 1409491"/>
+                <a:gd name="connsiteY1" fmla="*/ 0 h 1876653"/>
+                <a:gd name="connsiteX2" fmla="*/ 1409491 w 1409491"/>
+                <a:gd name="connsiteY2" fmla="*/ 0 h 1876653"/>
+                <a:gd name="connsiteX3" fmla="*/ 1409491 w 1409491"/>
+                <a:gd name="connsiteY3" fmla="*/ 1876653 h 1876653"/>
+                <a:gd name="connsiteX4" fmla="*/ 1233578 w 1409491"/>
+                <a:gd name="connsiteY4" fmla="*/ 1876653 h 1876653"/>
+              </a:gdLst>
+              <a:ahLst/>
+              <a:cxnLst>
+                <a:cxn ang="0">
+                  <a:pos x="connsiteX0" y="connsiteY0"/>
+                </a:cxn>
+                <a:cxn ang="0">
+                  <a:pos x="connsiteX1" y="connsiteY1"/>
+                </a:cxn>
+                <a:cxn ang="0">
+                  <a:pos x="connsiteX2" y="connsiteY2"/>
+                </a:cxn>
+                <a:cxn ang="0">
+                  <a:pos x="connsiteX3" y="connsiteY3"/>
+                </a:cxn>
+                <a:cxn ang="0">
+                  <a:pos x="connsiteX4" y="connsiteY4"/>
+                </a:cxn>
+              </a:cxnLst>
+              <a:rect l="l" t="t" r="r" b="b"/>
+              <a:pathLst>
+                <a:path w="1409491" h="1876653">
+                  <a:moveTo>
+                    <a:pt x="0" y="643075"/>
+                  </a:moveTo>
+                  <a:lnTo>
+                    <a:pt x="643075" y="0"/>
+                  </a:lnTo>
+                  <a:lnTo>
+                    <a:pt x="1409491" y="0"/>
+                  </a:lnTo>
+                  <a:lnTo>
+                    <a:pt x="1409491" y="1876653"/>
+                  </a:lnTo>
+                  <a:lnTo>
+                    <a:pt x="1233578" y="1876653"/>
+                  </a:lnTo>
+                  <a:close/>
+                </a:path>
+              </a:pathLst>
+            </a:custGeom>
+            <a:solidFill>
+              <a:schemeClr val="accent1">
+                <a:alpha val="30000"/>
+              </a:schemeClr>
+            </a:solidFill>
+            <a:ln>
+              <a:noFill/>
+            </a:ln>
+          </p:spPr>
+          <p:style>
+            <a:lnRef idx="2">
+              <a:schemeClr val="accent1">
+                <a:shade val="50000"/>
+              </a:schemeClr>
+            </a:lnRef>
+            <a:fillRef idx="1">
+              <a:schemeClr val="accent1"/>
+            </a:fillRef>
+            <a:effectRef idx="0">
+              <a:schemeClr val="accent1"/>
+            </a:effectRef>
+            <a:fontRef idx="minor">
+              <a:schemeClr val="lt1"/>
+            </a:fontRef>
+          </p:style>
+          <p:txBody>
+            <a:bodyPr rtlCol="0" anchor="ctr"/>
+            <a:lstStyle/>
+            <a:p>
+              <a:pPr algn="ctr"/>
+              <a:endParaRPr lang="en-US"/>
+            </a:p>
+          </p:txBody>
+        </p:sp>
+        <p:sp>
+          <p:nvSpPr>
+            <p:cNvPr id="31" name="Rectangle 30">
+              <a:extLst>
+                <a:ext uri="{FF2B5EF4-FFF2-40B4-BE49-F238E27FC236}">
+                  <a16:creationId xmlns:a16="http://schemas.microsoft.com/office/drawing/2014/main" id="{494A396C-C4D8-3A39-535F-8E8B176C30EF}"/>
+                </a:ext>
+                <a:ext uri="{C183D7F6-B498-43B3-948B-1728B52AA6E4}">
+                  <adec:decorative xmlns:adec="http://schemas.microsoft.com/office/drawing/2017/decorative" val="1"/>
+                </a:ext>
+              </a:extLst>
+            </p:cNvPr>
+            <p:cNvSpPr/>
+            <p:nvPr>
+              <p:extLst>
+                <p:ext uri="{386F3935-93C4-4BCD-93E2-E3B085C9AB24}">
+                  <p16:designElem xmlns:p16="http://schemas.microsoft.com/office/powerpoint/2015/main" val="1"/>
+                </p:ext>
+              </p:extLst>
+            </p:nvPr>
+          </p:nvSpPr>
+          <p:spPr>
+            <a:xfrm rot="2700000">
+              <a:off x="301285" y="1282788"/>
+              <a:ext cx="485578" cy="485578"/>
+            </a:xfrm>
+            <a:prstGeom prst="rect">
+              <a:avLst/>
+            </a:prstGeom>
+            <a:solidFill>
+              <a:schemeClr val="accent1">
+                <a:alpha val="30000"/>
+              </a:schemeClr>
+            </a:solidFill>
+            <a:ln>
+              <a:noFill/>
+            </a:ln>
+          </p:spPr>
+          <p:style>
+            <a:lnRef idx="2">
+              <a:schemeClr val="accent1">
+                <a:shade val="50000"/>
+              </a:schemeClr>
+            </a:lnRef>
+            <a:fillRef idx="1">
+              <a:schemeClr val="accent1"/>
+            </a:fillRef>
+            <a:effectRef idx="0">
+              <a:schemeClr val="accent1"/>
+            </a:effectRef>
+            <a:fontRef idx="minor">
+              <a:schemeClr val="lt1"/>
+            </a:fontRef>
+          </p:style>
+          <p:txBody>
+            <a:bodyPr rtlCol="0" anchor="ctr"/>
+            <a:lstStyle/>
+            <a:p>
+              <a:pPr algn="ctr"/>
+              <a:endParaRPr lang="en-US"/>
+            </a:p>
+          </p:txBody>
+        </p:sp>
+      </p:grpSp>
       <p:sp>
         <p:nvSpPr>
-          <p:cNvPr id="6" name="TextBox 5">
+          <p:cNvPr id="33" name="Rectangle 32">
             <a:extLst>
               <a:ext uri="{FF2B5EF4-FFF2-40B4-BE49-F238E27FC236}">
-                <a16:creationId xmlns:a16="http://schemas.microsoft.com/office/drawing/2014/main" id="{0DB93961-CCF8-D4BD-0645-0D3FAC1563EC}"/>
-              </a:ext>
-            </a:extLst>
-          </p:cNvPr>
-          <p:cNvSpPr txBox="1"/>
-          <p:nvPr/>
-        </p:nvSpPr>
-        <p:spPr>
-          <a:xfrm>
-            <a:off x="1448655" y="936933"/>
-            <a:ext cx="7086600" cy="584775"/>
-          </a:xfrm>
-          <a:prstGeom prst="rect">
-            <a:avLst/>
-          </a:prstGeom>
-          <a:noFill/>
-        </p:spPr>
-        <p:txBody>
-          <a:bodyPr wrap="square" rtlCol="0">
-            <a:spAutoFit/>
-          </a:bodyPr>
-          <a:lstStyle/>
-          <a:p>
-            <a:pPr algn="ctr"/>
-            <a:r>
-              <a:rPr lang="en-US" sz="3200" b="1" dirty="0">
-                <a:solidFill>
-                  <a:schemeClr val="tx2"/>
-                </a:solidFill>
-                <a:latin typeface="+mj-lt"/>
-              </a:rPr>
-              <a:t>Age Distribution</a:t>
-            </a:r>
-          </a:p>
-        </p:txBody>
-      </p:sp>
-    </p:spTree>
-    <p:extLst>
-      <p:ext uri="{BB962C8B-B14F-4D97-AF65-F5344CB8AC3E}">
-        <p14:creationId xmlns:p14="http://schemas.microsoft.com/office/powerpoint/2010/main" val="1292348472"/>
-      </p:ext>
-    </p:extLst>
-  </p:cSld>
-  <p:clrMapOvr>
-    <a:masterClrMapping/>
-  </p:clrMapOvr>
-</p:sld>
-</file>
-
-<file path=ppt/slides/slide8.xml><?xml version="1.0" encoding="utf-8"?>
-<p:sld xmlns:a="http://schemas.openxmlformats.org/drawingml/2006/main" xmlns:r="http://schemas.openxmlformats.org/officeDocument/2006/relationships" xmlns:p="http://schemas.openxmlformats.org/presentationml/2006/main">
-  <p:cSld>
-    <p:bg>
-      <p:bgPr>
-        <a:solidFill>
-          <a:schemeClr val="bg1"/>
-        </a:solidFill>
-        <a:effectLst/>
-      </p:bgPr>
-    </p:bg>
-    <p:spTree>
-      <p:nvGrpSpPr>
-        <p:cNvPr id="1" name="">
-          <a:extLst>
-            <a:ext uri="{FF2B5EF4-FFF2-40B4-BE49-F238E27FC236}">
-              <a16:creationId xmlns:a16="http://schemas.microsoft.com/office/drawing/2014/main" id="{43721567-CC8A-A7F3-20FA-1E041D14A7EC}"/>
-            </a:ext>
-          </a:extLst>
-        </p:cNvPr>
-        <p:cNvGrpSpPr/>
-        <p:nvPr/>
-      </p:nvGrpSpPr>
-      <p:grpSpPr>
-        <a:xfrm>
-          <a:off x="0" y="0"/>
-          <a:ext cx="0" cy="0"/>
-          <a:chOff x="0" y="0"/>
-          <a:chExt cx="0" cy="0"/>
-        </a:xfrm>
-      </p:grpSpPr>
-      <p:sp useBgFill="1">
-        <p:nvSpPr>
-          <p:cNvPr id="66" name="Rectangle 65">
-            <a:extLst>
-              <a:ext uri="{FF2B5EF4-FFF2-40B4-BE49-F238E27FC236}">
-                <a16:creationId xmlns:a16="http://schemas.microsoft.com/office/drawing/2014/main" id="{70155189-D96C-4527-B0EC-654B946BE615}"/>
+                <a16:creationId xmlns:a16="http://schemas.microsoft.com/office/drawing/2014/main" id="{C7079BC6-D1A9-77C1-1DFF-7458C9145A54}"/>
               </a:ext>
               <a:ext uri="{C183D7F6-B498-43B3-948B-1728B52AA6E4}">
                 <adec:decorative xmlns:adec="http://schemas.microsoft.com/office/drawing/2017/decorative" val="1"/>
@@ -18543,13 +19573,18 @@
           </p:nvPr>
         </p:nvSpPr>
         <p:spPr>
-          <a:xfrm>
-            <a:off x="0" y="0"/>
-            <a:ext cx="10055884" cy="7772400"/>
+          <a:xfrm rot="2700000">
+            <a:off x="2158692" y="6937649"/>
+            <a:ext cx="731417" cy="532429"/>
           </a:xfrm>
           <a:prstGeom prst="rect">
             <a:avLst/>
           </a:prstGeom>
+          <a:solidFill>
+            <a:schemeClr val="accent4">
+              <a:alpha val="30000"/>
+            </a:schemeClr>
+          </a:solidFill>
           <a:ln>
             <a:noFill/>
           </a:ln>
@@ -18581,10 +19616,77 @@
       </p:sp>
       <p:sp>
         <p:nvSpPr>
-          <p:cNvPr id="6" name="TextBox 5">
+          <p:cNvPr id="35" name="Isosceles Triangle 34">
             <a:extLst>
               <a:ext uri="{FF2B5EF4-FFF2-40B4-BE49-F238E27FC236}">
-                <a16:creationId xmlns:a16="http://schemas.microsoft.com/office/drawing/2014/main" id="{0DB93961-CCF8-D4BD-0645-0D3FAC1563EC}"/>
+                <a16:creationId xmlns:a16="http://schemas.microsoft.com/office/drawing/2014/main" id="{86E863FB-6F14-C999-2015-4803D694F098}"/>
+              </a:ext>
+              <a:ext uri="{C183D7F6-B498-43B3-948B-1728B52AA6E4}">
+                <adec:decorative xmlns:adec="http://schemas.microsoft.com/office/drawing/2017/decorative" val="1"/>
+              </a:ext>
+            </a:extLst>
+          </p:cNvPr>
+          <p:cNvSpPr>
+            <a:spLocks noGrp="1" noRot="1" noChangeAspect="1" noMove="1" noResize="1" noEditPoints="1" noAdjustHandles="1" noChangeArrowheads="1" noChangeShapeType="1" noTextEdit="1"/>
+          </p:cNvSpPr>
+          <p:nvPr>
+            <p:extLst>
+              <p:ext uri="{386F3935-93C4-4BCD-93E2-E3B085C9AB24}">
+                <p16:designElem xmlns:p16="http://schemas.microsoft.com/office/powerpoint/2015/main" val="1"/>
+              </p:ext>
+            </p:extLst>
+          </p:nvPr>
+        </p:nvSpPr>
+        <p:spPr>
+          <a:xfrm>
+            <a:off x="1108334" y="6483922"/>
+            <a:ext cx="1866121" cy="1288476"/>
+          </a:xfrm>
+          <a:prstGeom prst="triangle">
+            <a:avLst>
+              <a:gd name="adj" fmla="val 50000"/>
+            </a:avLst>
+          </a:prstGeom>
+          <a:solidFill>
+            <a:schemeClr val="accent4">
+              <a:alpha val="30000"/>
+            </a:schemeClr>
+          </a:solidFill>
+          <a:ln>
+            <a:noFill/>
+          </a:ln>
+        </p:spPr>
+        <p:style>
+          <a:lnRef idx="2">
+            <a:schemeClr val="accent1">
+              <a:shade val="50000"/>
+            </a:schemeClr>
+          </a:lnRef>
+          <a:fillRef idx="1">
+            <a:schemeClr val="accent1"/>
+          </a:fillRef>
+          <a:effectRef idx="0">
+            <a:schemeClr val="accent1"/>
+          </a:effectRef>
+          <a:fontRef idx="minor">
+            <a:schemeClr val="lt1"/>
+          </a:fontRef>
+        </p:style>
+        <p:txBody>
+          <a:bodyPr rtlCol="0" anchor="ctr"/>
+          <a:lstStyle/>
+          <a:p>
+            <a:pPr algn="ctr"/>
+            <a:endParaRPr lang="en-US"/>
+          </a:p>
+        </p:txBody>
+      </p:sp>
+      <p:sp>
+        <p:nvSpPr>
+          <p:cNvPr id="5" name="TextBox 4">
+            <a:extLst>
+              <a:ext uri="{FF2B5EF4-FFF2-40B4-BE49-F238E27FC236}">
+                <a16:creationId xmlns:a16="http://schemas.microsoft.com/office/drawing/2014/main" id="{01ACD746-3C8B-368F-61C6-296C97DF35E5}"/>
               </a:ext>
             </a:extLst>
           </p:cNvPr>
@@ -18593,8 +19695,8 @@
         </p:nvSpPr>
         <p:spPr>
           <a:xfrm>
-            <a:off x="1484642" y="162424"/>
-            <a:ext cx="7086600" cy="584775"/>
+            <a:off x="3412743" y="669915"/>
+            <a:ext cx="3138158" cy="584775"/>
           </a:xfrm>
           <a:prstGeom prst="rect">
             <a:avLst/>
@@ -18622,10 +19724,10 @@
       </p:sp>
       <p:pic>
         <p:nvPicPr>
-          <p:cNvPr id="2" name="Picture 1" descr="A graph of scatter plot&#10;&#10;Description automatically generated">
+          <p:cNvPr id="6" name="Picture 5" descr="A graph of scatter plot&#10;&#10;Description automatically generated">
             <a:extLst>
               <a:ext uri="{FF2B5EF4-FFF2-40B4-BE49-F238E27FC236}">
-                <a16:creationId xmlns:a16="http://schemas.microsoft.com/office/drawing/2014/main" id="{A1A5E7CF-927D-0D5F-C9E1-FB35F9C99DC8}"/>
+                <a16:creationId xmlns:a16="http://schemas.microsoft.com/office/drawing/2014/main" id="{CD3A66E3-6703-FB43-50A9-2272F442AD79}"/>
               </a:ext>
             </a:extLst>
           </p:cNvPr>
@@ -18641,8 +19743,8 @@
         </p:blipFill>
         <p:spPr>
           <a:xfrm>
-            <a:off x="210272" y="1007250"/>
-            <a:ext cx="9618679" cy="6095914"/>
+            <a:off x="481092" y="1720150"/>
+            <a:ext cx="9001461" cy="5704747"/>
           </a:xfrm>
           <a:prstGeom prst="rect">
             <a:avLst/>
@@ -18651,10 +19753,10 @@
       </p:pic>
       <p:pic>
         <p:nvPicPr>
-          <p:cNvPr id="4" name="Picture 3">
+          <p:cNvPr id="7" name="Picture 6">
             <a:extLst>
               <a:ext uri="{FF2B5EF4-FFF2-40B4-BE49-F238E27FC236}">
-                <a16:creationId xmlns:a16="http://schemas.microsoft.com/office/drawing/2014/main" id="{7927984C-AD90-6B0B-3BE9-3A05AF46D4EC}"/>
+                <a16:creationId xmlns:a16="http://schemas.microsoft.com/office/drawing/2014/main" id="{04D5EFC4-2CCC-C0CC-8969-BFF26379F320}"/>
               </a:ext>
             </a:extLst>
           </p:cNvPr>
@@ -18681,10 +19783,10 @@
       </p:pic>
       <p:pic>
         <p:nvPicPr>
-          <p:cNvPr id="7" name="Picture 6">
+          <p:cNvPr id="8" name="Picture 7">
             <a:extLst>
               <a:ext uri="{FF2B5EF4-FFF2-40B4-BE49-F238E27FC236}">
-                <a16:creationId xmlns:a16="http://schemas.microsoft.com/office/drawing/2014/main" id="{5BAC7763-7DB8-B682-089E-4C5E422A2DD4}"/>
+                <a16:creationId xmlns:a16="http://schemas.microsoft.com/office/drawing/2014/main" id="{1FAE35A6-5D7F-2BB8-EEB9-5E877F29EE0F}"/>
               </a:ext>
             </a:extLst>
           </p:cNvPr>
@@ -18700,7 +19802,7 @@
         </p:blipFill>
         <p:spPr>
           <a:xfrm>
-            <a:off x="1928819" y="162424"/>
+            <a:off x="2182889" y="508561"/>
             <a:ext cx="5187528" cy="4063962"/>
           </a:xfrm>
           <a:prstGeom prst="rect">
@@ -18711,7 +19813,7 @@
     </p:spTree>
     <p:extLst>
       <p:ext uri="{BB962C8B-B14F-4D97-AF65-F5344CB8AC3E}">
-        <p14:creationId xmlns:p14="http://schemas.microsoft.com/office/powerpoint/2010/main" val="3903460589"/>
+        <p14:creationId xmlns:p14="http://schemas.microsoft.com/office/powerpoint/2010/main" val="1913162091"/>
       </p:ext>
     </p:extLst>
   </p:cSld>
@@ -18752,7 +19854,7 @@
                                           </p:stCondLst>
                                         </p:cTn>
                                         <p:tgtEl>
-                                          <p:spTgt spid="7"/>
+                                          <p:spTgt spid="8"/>
                                         </p:tgtEl>
                                         <p:attrNameLst>
                                           <p:attrName>style.visibility</p:attrName>
@@ -18779,7 +19881,7 @@
                                           </p:stCondLst>
                                         </p:cTn>
                                         <p:tgtEl>
-                                          <p:spTgt spid="4"/>
+                                          <p:spTgt spid="7"/>
                                         </p:tgtEl>
                                         <p:attrNameLst>
                                           <p:attrName>style.visibility</p:attrName>
@@ -18839,7 +19941,7 @@
         <p:cNvPr id="1" name="">
           <a:extLst>
             <a:ext uri="{FF2B5EF4-FFF2-40B4-BE49-F238E27FC236}">
-              <a16:creationId xmlns:a16="http://schemas.microsoft.com/office/drawing/2014/main" id="{43721567-CC8A-A7F3-20FA-1E041D14A7EC}"/>
+              <a16:creationId xmlns:a16="http://schemas.microsoft.com/office/drawing/2014/main" id="{597FC33D-E98D-55D5-AB02-9FAE4EED86D1}"/>
             </a:ext>
           </a:extLst>
         </p:cNvPr>
@@ -18854,12 +19956,12 @@
           <a:chExt cx="0" cy="0"/>
         </a:xfrm>
       </p:grpSpPr>
-      <p:sp useBgFill="1">
+      <p:sp>
         <p:nvSpPr>
-          <p:cNvPr id="66" name="Rectangle 65">
+          <p:cNvPr id="27" name="Rectangle 26">
             <a:extLst>
               <a:ext uri="{FF2B5EF4-FFF2-40B4-BE49-F238E27FC236}">
-                <a16:creationId xmlns:a16="http://schemas.microsoft.com/office/drawing/2014/main" id="{70155189-D96C-4527-B0EC-654B946BE615}"/>
+                <a16:creationId xmlns:a16="http://schemas.microsoft.com/office/drawing/2014/main" id="{D46594EA-21FE-36D8-A04C-1207E04E2DE2}"/>
               </a:ext>
               <a:ext uri="{C183D7F6-B498-43B3-948B-1728B52AA6E4}">
                 <adec:decorative xmlns:adec="http://schemas.microsoft.com/office/drawing/2017/decorative" val="1"/>
@@ -18880,11 +19982,14 @@
         <p:spPr>
           <a:xfrm>
             <a:off x="0" y="0"/>
-            <a:ext cx="10055884" cy="7772400"/>
+            <a:ext cx="10058400" cy="7772400"/>
           </a:xfrm>
           <a:prstGeom prst="rect">
             <a:avLst/>
           </a:prstGeom>
+          <a:solidFill>
+            <a:schemeClr val="bg1"/>
+          </a:solidFill>
           <a:ln>
             <a:noFill/>
           </a:ln>
@@ -18910,16 +20015,357 @@
           <a:lstStyle/>
           <a:p>
             <a:pPr algn="ctr"/>
+            <a:endParaRPr lang="en-US" dirty="0"/>
+          </a:p>
+        </p:txBody>
+      </p:sp>
+      <p:grpSp>
+        <p:nvGrpSpPr>
+          <p:cNvPr id="29" name="Group 28">
+            <a:extLst>
+              <a:ext uri="{FF2B5EF4-FFF2-40B4-BE49-F238E27FC236}">
+                <a16:creationId xmlns:a16="http://schemas.microsoft.com/office/drawing/2014/main" id="{6F67F534-9A71-ED9B-447B-9627E8562D35}"/>
+              </a:ext>
+              <a:ext uri="{C183D7F6-B498-43B3-948B-1728B52AA6E4}">
+                <adec:decorative xmlns:adec="http://schemas.microsoft.com/office/drawing/2017/decorative" val="1"/>
+              </a:ext>
+            </a:extLst>
+          </p:cNvPr>
+          <p:cNvGrpSpPr>
+            <a:grpSpLocks noGrp="1" noUngrp="1" noRot="1" noChangeAspect="1" noMove="1" noResize="1"/>
+          </p:cNvGrpSpPr>
+          <p:nvPr>
+            <p:extLst>
+              <p:ext uri="{386F3935-93C4-4BCD-93E2-E3B085C9AB24}">
+                <p16:designElem xmlns:p16="http://schemas.microsoft.com/office/powerpoint/2015/main" val="1"/>
+              </p:ext>
+            </p:extLst>
+          </p:nvPr>
+        </p:nvGrpSpPr>
+        <p:grpSpPr>
+          <a:xfrm flipH="1">
+            <a:off x="9045825" y="2672"/>
+            <a:ext cx="1548239" cy="2001476"/>
+            <a:chOff x="-648769" y="2358"/>
+            <a:chExt cx="1876653" cy="1766008"/>
+          </a:xfrm>
+        </p:grpSpPr>
+        <p:sp>
+          <p:nvSpPr>
+            <p:cNvPr id="30" name="Freeform: Shape 29">
+              <a:extLst>
+                <a:ext uri="{FF2B5EF4-FFF2-40B4-BE49-F238E27FC236}">
+                  <a16:creationId xmlns:a16="http://schemas.microsoft.com/office/drawing/2014/main" id="{30D5B909-9292-92EB-9974-DD4339EC94B6}"/>
+                </a:ext>
+                <a:ext uri="{C183D7F6-B498-43B3-948B-1728B52AA6E4}">
+                  <adec:decorative xmlns:adec="http://schemas.microsoft.com/office/drawing/2017/decorative" val="1"/>
+                </a:ext>
+              </a:extLst>
+            </p:cNvPr>
+            <p:cNvSpPr/>
+            <p:nvPr>
+              <p:extLst>
+                <p:ext uri="{386F3935-93C4-4BCD-93E2-E3B085C9AB24}">
+                  <p16:designElem xmlns:p16="http://schemas.microsoft.com/office/powerpoint/2015/main" val="1"/>
+                </p:ext>
+              </p:extLst>
+            </p:nvPr>
+          </p:nvSpPr>
+          <p:spPr>
+            <a:xfrm rot="2700000">
+              <a:off x="-415188" y="-231223"/>
+              <a:ext cx="1409491" cy="1876653"/>
+            </a:xfrm>
+            <a:custGeom>
+              <a:avLst/>
+              <a:gdLst>
+                <a:gd name="connsiteX0" fmla="*/ 0 w 1409491"/>
+                <a:gd name="connsiteY0" fmla="*/ 643075 h 1876653"/>
+                <a:gd name="connsiteX1" fmla="*/ 643075 w 1409491"/>
+                <a:gd name="connsiteY1" fmla="*/ 0 h 1876653"/>
+                <a:gd name="connsiteX2" fmla="*/ 1409491 w 1409491"/>
+                <a:gd name="connsiteY2" fmla="*/ 0 h 1876653"/>
+                <a:gd name="connsiteX3" fmla="*/ 1409491 w 1409491"/>
+                <a:gd name="connsiteY3" fmla="*/ 1876653 h 1876653"/>
+                <a:gd name="connsiteX4" fmla="*/ 1233578 w 1409491"/>
+                <a:gd name="connsiteY4" fmla="*/ 1876653 h 1876653"/>
+              </a:gdLst>
+              <a:ahLst/>
+              <a:cxnLst>
+                <a:cxn ang="0">
+                  <a:pos x="connsiteX0" y="connsiteY0"/>
+                </a:cxn>
+                <a:cxn ang="0">
+                  <a:pos x="connsiteX1" y="connsiteY1"/>
+                </a:cxn>
+                <a:cxn ang="0">
+                  <a:pos x="connsiteX2" y="connsiteY2"/>
+                </a:cxn>
+                <a:cxn ang="0">
+                  <a:pos x="connsiteX3" y="connsiteY3"/>
+                </a:cxn>
+                <a:cxn ang="0">
+                  <a:pos x="connsiteX4" y="connsiteY4"/>
+                </a:cxn>
+              </a:cxnLst>
+              <a:rect l="l" t="t" r="r" b="b"/>
+              <a:pathLst>
+                <a:path w="1409491" h="1876653">
+                  <a:moveTo>
+                    <a:pt x="0" y="643075"/>
+                  </a:moveTo>
+                  <a:lnTo>
+                    <a:pt x="643075" y="0"/>
+                  </a:lnTo>
+                  <a:lnTo>
+                    <a:pt x="1409491" y="0"/>
+                  </a:lnTo>
+                  <a:lnTo>
+                    <a:pt x="1409491" y="1876653"/>
+                  </a:lnTo>
+                  <a:lnTo>
+                    <a:pt x="1233578" y="1876653"/>
+                  </a:lnTo>
+                  <a:close/>
+                </a:path>
+              </a:pathLst>
+            </a:custGeom>
+            <a:solidFill>
+              <a:schemeClr val="accent1">
+                <a:alpha val="30000"/>
+              </a:schemeClr>
+            </a:solidFill>
+            <a:ln>
+              <a:noFill/>
+            </a:ln>
+          </p:spPr>
+          <p:style>
+            <a:lnRef idx="2">
+              <a:schemeClr val="accent1">
+                <a:shade val="50000"/>
+              </a:schemeClr>
+            </a:lnRef>
+            <a:fillRef idx="1">
+              <a:schemeClr val="accent1"/>
+            </a:fillRef>
+            <a:effectRef idx="0">
+              <a:schemeClr val="accent1"/>
+            </a:effectRef>
+            <a:fontRef idx="minor">
+              <a:schemeClr val="lt1"/>
+            </a:fontRef>
+          </p:style>
+          <p:txBody>
+            <a:bodyPr rtlCol="0" anchor="ctr"/>
+            <a:lstStyle/>
+            <a:p>
+              <a:pPr algn="ctr"/>
+              <a:endParaRPr lang="en-US"/>
+            </a:p>
+          </p:txBody>
+        </p:sp>
+        <p:sp>
+          <p:nvSpPr>
+            <p:cNvPr id="31" name="Rectangle 30">
+              <a:extLst>
+                <a:ext uri="{FF2B5EF4-FFF2-40B4-BE49-F238E27FC236}">
+                  <a16:creationId xmlns:a16="http://schemas.microsoft.com/office/drawing/2014/main" id="{DC60AA1F-EF17-F70B-4F63-5A67139206DA}"/>
+                </a:ext>
+                <a:ext uri="{C183D7F6-B498-43B3-948B-1728B52AA6E4}">
+                  <adec:decorative xmlns:adec="http://schemas.microsoft.com/office/drawing/2017/decorative" val="1"/>
+                </a:ext>
+              </a:extLst>
+            </p:cNvPr>
+            <p:cNvSpPr/>
+            <p:nvPr>
+              <p:extLst>
+                <p:ext uri="{386F3935-93C4-4BCD-93E2-E3B085C9AB24}">
+                  <p16:designElem xmlns:p16="http://schemas.microsoft.com/office/powerpoint/2015/main" val="1"/>
+                </p:ext>
+              </p:extLst>
+            </p:nvPr>
+          </p:nvSpPr>
+          <p:spPr>
+            <a:xfrm rot="2700000">
+              <a:off x="301285" y="1282788"/>
+              <a:ext cx="485578" cy="485578"/>
+            </a:xfrm>
+            <a:prstGeom prst="rect">
+              <a:avLst/>
+            </a:prstGeom>
+            <a:solidFill>
+              <a:schemeClr val="accent1">
+                <a:alpha val="30000"/>
+              </a:schemeClr>
+            </a:solidFill>
+            <a:ln>
+              <a:noFill/>
+            </a:ln>
+          </p:spPr>
+          <p:style>
+            <a:lnRef idx="2">
+              <a:schemeClr val="accent1">
+                <a:shade val="50000"/>
+              </a:schemeClr>
+            </a:lnRef>
+            <a:fillRef idx="1">
+              <a:schemeClr val="accent1"/>
+            </a:fillRef>
+            <a:effectRef idx="0">
+              <a:schemeClr val="accent1"/>
+            </a:effectRef>
+            <a:fontRef idx="minor">
+              <a:schemeClr val="lt1"/>
+            </a:fontRef>
+          </p:style>
+          <p:txBody>
+            <a:bodyPr rtlCol="0" anchor="ctr"/>
+            <a:lstStyle/>
+            <a:p>
+              <a:pPr algn="ctr"/>
+              <a:endParaRPr lang="en-US"/>
+            </a:p>
+          </p:txBody>
+        </p:sp>
+      </p:grpSp>
+      <p:sp>
+        <p:nvSpPr>
+          <p:cNvPr id="33" name="Rectangle 32">
+            <a:extLst>
+              <a:ext uri="{FF2B5EF4-FFF2-40B4-BE49-F238E27FC236}">
+                <a16:creationId xmlns:a16="http://schemas.microsoft.com/office/drawing/2014/main" id="{5FE2B063-6A29-B80D-B7A6-8895160E797A}"/>
+              </a:ext>
+              <a:ext uri="{C183D7F6-B498-43B3-948B-1728B52AA6E4}">
+                <adec:decorative xmlns:adec="http://schemas.microsoft.com/office/drawing/2017/decorative" val="1"/>
+              </a:ext>
+            </a:extLst>
+          </p:cNvPr>
+          <p:cNvSpPr>
+            <a:spLocks noGrp="1" noRot="1" noChangeAspect="1" noMove="1" noResize="1" noEditPoints="1" noAdjustHandles="1" noChangeArrowheads="1" noChangeShapeType="1" noTextEdit="1"/>
+          </p:cNvSpPr>
+          <p:nvPr>
+            <p:extLst>
+              <p:ext uri="{386F3935-93C4-4BCD-93E2-E3B085C9AB24}">
+                <p16:designElem xmlns:p16="http://schemas.microsoft.com/office/powerpoint/2015/main" val="1"/>
+              </p:ext>
+            </p:extLst>
+          </p:nvPr>
+        </p:nvSpPr>
+        <p:spPr>
+          <a:xfrm rot="2700000">
+            <a:off x="2158692" y="6937649"/>
+            <a:ext cx="731417" cy="532429"/>
+          </a:xfrm>
+          <a:prstGeom prst="rect">
+            <a:avLst/>
+          </a:prstGeom>
+          <a:solidFill>
+            <a:schemeClr val="accent4">
+              <a:alpha val="30000"/>
+            </a:schemeClr>
+          </a:solidFill>
+          <a:ln>
+            <a:noFill/>
+          </a:ln>
+        </p:spPr>
+        <p:style>
+          <a:lnRef idx="2">
+            <a:schemeClr val="accent1">
+              <a:shade val="50000"/>
+            </a:schemeClr>
+          </a:lnRef>
+          <a:fillRef idx="1">
+            <a:schemeClr val="accent1"/>
+          </a:fillRef>
+          <a:effectRef idx="0">
+            <a:schemeClr val="accent1"/>
+          </a:effectRef>
+          <a:fontRef idx="minor">
+            <a:schemeClr val="lt1"/>
+          </a:fontRef>
+        </p:style>
+        <p:txBody>
+          <a:bodyPr rtlCol="0" anchor="ctr"/>
+          <a:lstStyle/>
+          <a:p>
+            <a:pPr algn="ctr"/>
             <a:endParaRPr lang="en-US"/>
           </a:p>
         </p:txBody>
       </p:sp>
       <p:sp>
         <p:nvSpPr>
-          <p:cNvPr id="7" name="TextBox 6">
+          <p:cNvPr id="35" name="Isosceles Triangle 34">
             <a:extLst>
               <a:ext uri="{FF2B5EF4-FFF2-40B4-BE49-F238E27FC236}">
-                <a16:creationId xmlns:a16="http://schemas.microsoft.com/office/drawing/2014/main" id="{70D30F51-241E-59B8-16D4-E0932C99B071}"/>
+                <a16:creationId xmlns:a16="http://schemas.microsoft.com/office/drawing/2014/main" id="{C00D0292-EFE4-7B80-97BB-AB0F53A5E100}"/>
+              </a:ext>
+              <a:ext uri="{C183D7F6-B498-43B3-948B-1728B52AA6E4}">
+                <adec:decorative xmlns:adec="http://schemas.microsoft.com/office/drawing/2017/decorative" val="1"/>
+              </a:ext>
+            </a:extLst>
+          </p:cNvPr>
+          <p:cNvSpPr>
+            <a:spLocks noGrp="1" noRot="1" noChangeAspect="1" noMove="1" noResize="1" noEditPoints="1" noAdjustHandles="1" noChangeArrowheads="1" noChangeShapeType="1" noTextEdit="1"/>
+          </p:cNvSpPr>
+          <p:nvPr>
+            <p:extLst>
+              <p:ext uri="{386F3935-93C4-4BCD-93E2-E3B085C9AB24}">
+                <p16:designElem xmlns:p16="http://schemas.microsoft.com/office/powerpoint/2015/main" val="1"/>
+              </p:ext>
+            </p:extLst>
+          </p:nvPr>
+        </p:nvSpPr>
+        <p:spPr>
+          <a:xfrm>
+            <a:off x="1108334" y="6483922"/>
+            <a:ext cx="1866121" cy="1288476"/>
+          </a:xfrm>
+          <a:prstGeom prst="triangle">
+            <a:avLst>
+              <a:gd name="adj" fmla="val 50000"/>
+            </a:avLst>
+          </a:prstGeom>
+          <a:solidFill>
+            <a:schemeClr val="accent4">
+              <a:alpha val="30000"/>
+            </a:schemeClr>
+          </a:solidFill>
+          <a:ln>
+            <a:noFill/>
+          </a:ln>
+        </p:spPr>
+        <p:style>
+          <a:lnRef idx="2">
+            <a:schemeClr val="accent1">
+              <a:shade val="50000"/>
+            </a:schemeClr>
+          </a:lnRef>
+          <a:fillRef idx="1">
+            <a:schemeClr val="accent1"/>
+          </a:fillRef>
+          <a:effectRef idx="0">
+            <a:schemeClr val="accent1"/>
+          </a:effectRef>
+          <a:fontRef idx="minor">
+            <a:schemeClr val="lt1"/>
+          </a:fontRef>
+        </p:style>
+        <p:txBody>
+          <a:bodyPr rtlCol="0" anchor="ctr"/>
+          <a:lstStyle/>
+          <a:p>
+            <a:pPr algn="ctr"/>
+            <a:endParaRPr lang="en-US"/>
+          </a:p>
+        </p:txBody>
+      </p:sp>
+      <p:sp>
+        <p:nvSpPr>
+          <p:cNvPr id="6" name="TextBox 5">
+            <a:extLst>
+              <a:ext uri="{FF2B5EF4-FFF2-40B4-BE49-F238E27FC236}">
+                <a16:creationId xmlns:a16="http://schemas.microsoft.com/office/drawing/2014/main" id="{6E31DBBA-A1DB-2D00-DDE4-901707E77C32}"/>
               </a:ext>
             </a:extLst>
           </p:cNvPr>
@@ -18957,10 +20403,10 @@
       </p:sp>
       <p:pic>
         <p:nvPicPr>
-          <p:cNvPr id="13" name="Picture 12" descr="A graph of blood sugar&#10;&#10;Description automatically generated">
+          <p:cNvPr id="7" name="Picture 6">
             <a:extLst>
               <a:ext uri="{FF2B5EF4-FFF2-40B4-BE49-F238E27FC236}">
-                <a16:creationId xmlns:a16="http://schemas.microsoft.com/office/drawing/2014/main" id="{DA087C0A-E8FE-A452-892A-BE46260B01D9}"/>
+                <a16:creationId xmlns:a16="http://schemas.microsoft.com/office/drawing/2014/main" id="{4CA476C1-CECB-3FC6-C0E3-95E4F66B6970}"/>
               </a:ext>
             </a:extLst>
           </p:cNvPr>
@@ -18971,35 +20417,6 @@
         </p:nvPicPr>
         <p:blipFill rotWithShape="1">
           <a:blip r:embed="rId3"/>
-          <a:srcRect l="6133" t="5581" r="8996" b="4124"/>
-          <a:stretch/>
-        </p:blipFill>
-        <p:spPr>
-          <a:xfrm>
-            <a:off x="310578" y="1621471"/>
-            <a:ext cx="9354827" cy="5971653"/>
-          </a:xfrm>
-          <a:prstGeom prst="rect">
-            <a:avLst/>
-          </a:prstGeom>
-        </p:spPr>
-      </p:pic>
-      <p:pic>
-        <p:nvPicPr>
-          <p:cNvPr id="14" name="Picture 13">
-            <a:extLst>
-              <a:ext uri="{FF2B5EF4-FFF2-40B4-BE49-F238E27FC236}">
-                <a16:creationId xmlns:a16="http://schemas.microsoft.com/office/drawing/2014/main" id="{BCD1A8F6-3304-D6B6-C595-0EF953C27E81}"/>
-              </a:ext>
-            </a:extLst>
-          </p:cNvPr>
-          <p:cNvPicPr>
-            <a:picLocks noChangeAspect="1"/>
-          </p:cNvPicPr>
-          <p:nvPr/>
-        </p:nvPicPr>
-        <p:blipFill rotWithShape="1">
-          <a:blip r:embed="rId4"/>
           <a:srcRect l="4243" t="4523" r="7435"/>
           <a:stretch/>
         </p:blipFill>
@@ -19016,7 +20433,7 @@
     </p:spTree>
     <p:extLst>
       <p:ext uri="{BB962C8B-B14F-4D97-AF65-F5344CB8AC3E}">
-        <p14:creationId xmlns:p14="http://schemas.microsoft.com/office/powerpoint/2010/main" val="3077219261"/>
+        <p14:creationId xmlns:p14="http://schemas.microsoft.com/office/powerpoint/2010/main" val="3231652177"/>
       </p:ext>
     </p:extLst>
   </p:cSld>
@@ -19057,7 +20474,7 @@
                                           </p:stCondLst>
                                         </p:cTn>
                                         <p:tgtEl>
-                                          <p:spTgt spid="14"/>
+                                          <p:spTgt spid="7"/>
                                         </p:tgtEl>
                                         <p:attrNameLst>
                                           <p:attrName>style.visibility</p:attrName>
@@ -19939,6 +21356,24 @@
 </file>
 
 <file path=customXml/item1.xml><?xml version="1.0" encoding="utf-8"?>
+<?mso-contentType ?>
+<FormTemplates xmlns="http://schemas.microsoft.com/sharepoint/v3/contenttype/forms">
+  <Display>DocumentLibraryForm</Display>
+  <Edit>DocumentLibraryForm</Edit>
+  <New>DocumentLibraryForm</New>
+</FormTemplates>
+</file>
+
+<file path=customXml/item2.xml><?xml version="1.0" encoding="utf-8"?>
+<p:properties xmlns:p="http://schemas.microsoft.com/office/2006/metadata/properties" xmlns:xsi="http://www.w3.org/2001/XMLSchema-instance" xmlns:pc="http://schemas.microsoft.com/office/infopath/2007/PartnerControls">
+  <documentManagement>
+    <Status xmlns="71af3243-3dd4-4a8d-8c0d-dd76da1f02a5">Not started</Status>
+    <MediaServiceKeyPoints xmlns="71af3243-3dd4-4a8d-8c0d-dd76da1f02a5" xsi:nil="true"/>
+  </documentManagement>
+</p:properties>
+</file>
+
+<file path=customXml/item3.xml><?xml version="1.0" encoding="utf-8"?>
 <ct:contentTypeSchema xmlns:ct="http://schemas.microsoft.com/office/2006/metadata/contentType" xmlns:ma="http://schemas.microsoft.com/office/2006/metadata/properties/metaAttributes" ct:_="" ma:_="" ma:contentTypeName="Document" ma:contentTypeID="0x01010079F111ED35F8CC479449609E8A0923A6" ma:contentTypeVersion="12" ma:contentTypeDescription="Create a new document." ma:contentTypeScope="" ma:versionID="426e97fa315356fffbdcd9876fe988c2">
   <xsd:schema xmlns:xsd="http://www.w3.org/2001/XMLSchema" xmlns:xs="http://www.w3.org/2001/XMLSchema" xmlns:p="http://schemas.microsoft.com/office/2006/metadata/properties" xmlns:ns2="71af3243-3dd4-4a8d-8c0d-dd76da1f02a5" xmlns:ns3="16c05727-aa75-4e4a-9b5f-8a80a1165891" targetNamespace="http://schemas.microsoft.com/office/2006/metadata/properties" ma:root="true" ma:fieldsID="14b8f0def80e6d70ce3def20c90759ae" ns2:_="" ns3:_="">
     <xsd:import namespace="71af3243-3dd4-4a8d-8c0d-dd76da1f02a5"/>
@@ -20159,25 +21594,25 @@
 </ct:contentTypeSchema>
 </file>
 
-<file path=customXml/item2.xml><?xml version="1.0" encoding="utf-8"?>
-<p:properties xmlns:p="http://schemas.microsoft.com/office/2006/metadata/properties" xmlns:xsi="http://www.w3.org/2001/XMLSchema-instance" xmlns:pc="http://schemas.microsoft.com/office/infopath/2007/PartnerControls">
-  <documentManagement>
-    <Status xmlns="71af3243-3dd4-4a8d-8c0d-dd76da1f02a5">Not started</Status>
-    <MediaServiceKeyPoints xmlns="71af3243-3dd4-4a8d-8c0d-dd76da1f02a5" xsi:nil="true"/>
-  </documentManagement>
-</p:properties>
+<file path=customXml/itemProps1.xml><?xml version="1.0" encoding="utf-8"?>
+<ds:datastoreItem xmlns:ds="http://schemas.openxmlformats.org/officeDocument/2006/customXml" ds:itemID="{D9EAC644-7B36-4B02-AE6A-271637DE6193}">
+  <ds:schemaRefs>
+    <ds:schemaRef ds:uri="http://schemas.microsoft.com/sharepoint/v3/contenttype/forms"/>
+  </ds:schemaRefs>
+</ds:datastoreItem>
 </file>
 
-<file path=customXml/item3.xml><?xml version="1.0" encoding="utf-8"?>
-<?mso-contentType ?>
-<FormTemplates xmlns="http://schemas.microsoft.com/sharepoint/v3/contenttype/forms">
-  <Display>DocumentLibraryForm</Display>
-  <Edit>DocumentLibraryForm</Edit>
-  <New>DocumentLibraryForm</New>
-</FormTemplates>
+<file path=customXml/itemProps2.xml><?xml version="1.0" encoding="utf-8"?>
+<ds:datastoreItem xmlns:ds="http://schemas.openxmlformats.org/officeDocument/2006/customXml" ds:itemID="{581AEECB-7CBF-41B6-B304-895A4D5BDF0F}">
+  <ds:schemaRefs>
+    <ds:schemaRef ds:uri="http://schemas.microsoft.com/office/2006/metadata/properties"/>
+    <ds:schemaRef ds:uri="http://schemas.microsoft.com/office/infopath/2007/PartnerControls"/>
+    <ds:schemaRef ds:uri="71af3243-3dd4-4a8d-8c0d-dd76da1f02a5"/>
+  </ds:schemaRefs>
+</ds:datastoreItem>
 </file>
 
-<file path=customXml/itemProps1.xml><?xml version="1.0" encoding="utf-8"?>
+<file path=customXml/itemProps3.xml><?xml version="1.0" encoding="utf-8"?>
 <ds:datastoreItem xmlns:ds="http://schemas.openxmlformats.org/officeDocument/2006/customXml" ds:itemID="{5D82FBE3-5E95-4B7A-88C0-B7BB58A96823}">
   <ds:schemaRefs>
     <ds:schemaRef ds:uri="http://schemas.microsoft.com/office/2006/metadata/contentType"/>
@@ -20194,22 +21629,4 @@
     <ds:schemaRef ds:uri="http://schemas.microsoft.com/internal/obd"/>
   </ds:schemaRefs>
 </ds:datastoreItem>
-</file>
-
-<file path=customXml/itemProps2.xml><?xml version="1.0" encoding="utf-8"?>
-<ds:datastoreItem xmlns:ds="http://schemas.openxmlformats.org/officeDocument/2006/customXml" ds:itemID="{581AEECB-7CBF-41B6-B304-895A4D5BDF0F}">
-  <ds:schemaRefs>
-    <ds:schemaRef ds:uri="http://schemas.microsoft.com/office/2006/metadata/properties"/>
-    <ds:schemaRef ds:uri="http://schemas.microsoft.com/office/infopath/2007/PartnerControls"/>
-    <ds:schemaRef ds:uri="71af3243-3dd4-4a8d-8c0d-dd76da1f02a5"/>
-  </ds:schemaRefs>
-</ds:datastoreItem>
-</file>
-
-<file path=customXml/itemProps3.xml><?xml version="1.0" encoding="utf-8"?>
-<ds:datastoreItem xmlns:ds="http://schemas.openxmlformats.org/officeDocument/2006/customXml" ds:itemID="{D9EAC644-7B36-4B02-AE6A-271637DE6193}">
-  <ds:schemaRefs>
-    <ds:schemaRef ds:uri="http://schemas.microsoft.com/sharepoint/v3/contenttype/forms"/>
-  </ds:schemaRefs>
-</ds:datastoreItem>
 </file>
--- a/Presentation/Project4_presentation_draft.pptx
+++ b/Presentation/Project4_presentation_draft.pptx
@@ -5,10 +5,10 @@
     <p:sldMasterId id="2147483686" r:id="rId4"/>
   </p:sldMasterIdLst>
   <p:notesMasterIdLst>
-    <p:notesMasterId r:id="rId19"/>
+    <p:notesMasterId r:id="rId18"/>
   </p:notesMasterIdLst>
   <p:handoutMasterIdLst>
-    <p:handoutMasterId r:id="rId20"/>
+    <p:handoutMasterId r:id="rId19"/>
   </p:handoutMasterIdLst>
   <p:sldIdLst>
     <p:sldId id="285" r:id="rId5"/>
@@ -20,11 +20,10 @@
     <p:sldId id="292" r:id="rId11"/>
     <p:sldId id="294" r:id="rId12"/>
     <p:sldId id="293" r:id="rId13"/>
-    <p:sldId id="291" r:id="rId14"/>
-    <p:sldId id="284" r:id="rId15"/>
-    <p:sldId id="277" r:id="rId16"/>
-    <p:sldId id="286" r:id="rId17"/>
-    <p:sldId id="276" r:id="rId18"/>
+    <p:sldId id="284" r:id="rId14"/>
+    <p:sldId id="277" r:id="rId15"/>
+    <p:sldId id="286" r:id="rId16"/>
+    <p:sldId id="276" r:id="rId17"/>
   </p:sldIdLst>
   <p:sldSz cx="10058400" cy="7772400"/>
   <p:notesSz cx="6858000" cy="9144000"/>
@@ -817,283 +816,6 @@
         <p:cNvPr id="1" name="">
           <a:extLst>
             <a:ext uri="{FF2B5EF4-FFF2-40B4-BE49-F238E27FC236}">
-              <a16:creationId xmlns:a16="http://schemas.microsoft.com/office/drawing/2014/main" id="{CA3EBFDD-0351-78E9-82BC-12C0725E4A5E}"/>
-            </a:ext>
-          </a:extLst>
-        </p:cNvPr>
-        <p:cNvGrpSpPr/>
-        <p:nvPr/>
-      </p:nvGrpSpPr>
-      <p:grpSpPr>
-        <a:xfrm>
-          <a:off x="0" y="0"/>
-          <a:ext cx="0" cy="0"/>
-          <a:chOff x="0" y="0"/>
-          <a:chExt cx="0" cy="0"/>
-        </a:xfrm>
-      </p:grpSpPr>
-      <p:sp>
-        <p:nvSpPr>
-          <p:cNvPr id="2" name="Slide Image Placeholder 1">
-            <a:extLst>
-              <a:ext uri="{FF2B5EF4-FFF2-40B4-BE49-F238E27FC236}">
-                <a16:creationId xmlns:a16="http://schemas.microsoft.com/office/drawing/2014/main" id="{7B5EBF6D-BC8C-0A94-BCA8-579D6A0BCDAF}"/>
-              </a:ext>
-            </a:extLst>
-          </p:cNvPr>
-          <p:cNvSpPr>
-            <a:spLocks noGrp="1" noRot="1" noChangeAspect="1"/>
-          </p:cNvSpPr>
-          <p:nvPr>
-            <p:ph type="sldImg"/>
-          </p:nvPr>
-        </p:nvSpPr>
-        <p:spPr/>
-      </p:sp>
-      <p:sp>
-        <p:nvSpPr>
-          <p:cNvPr id="3" name="Notes Placeholder 2">
-            <a:extLst>
-              <a:ext uri="{FF2B5EF4-FFF2-40B4-BE49-F238E27FC236}">
-                <a16:creationId xmlns:a16="http://schemas.microsoft.com/office/drawing/2014/main" id="{765B0262-FE92-D6FE-72EB-4714FAF4BEC5}"/>
-              </a:ext>
-            </a:extLst>
-          </p:cNvPr>
-          <p:cNvSpPr>
-            <a:spLocks noGrp="1"/>
-          </p:cNvSpPr>
-          <p:nvPr>
-            <p:ph type="body" idx="1"/>
-          </p:nvPr>
-        </p:nvSpPr>
-        <p:spPr/>
-        <p:txBody>
-          <a:bodyPr/>
-          <a:lstStyle/>
-          <a:p>
-            <a:pPr algn="l"/>
-            <a:r>
-              <a:rPr lang="en-US" b="0" i="0" dirty="0">
-                <a:solidFill>
-                  <a:srgbClr val="374151"/>
-                </a:solidFill>
-                <a:effectLst/>
-                <a:latin typeface="Söhne"/>
-              </a:rPr>
-              <a:t>Let’s take a further look at the relationship between age and the other two notable features, blood glucose and </a:t>
-            </a:r>
-            <a:r>
-              <a:rPr lang="en-US" b="0" i="0" dirty="0" err="1">
-                <a:solidFill>
-                  <a:srgbClr val="374151"/>
-                </a:solidFill>
-                <a:effectLst/>
-                <a:latin typeface="Söhne"/>
-              </a:rPr>
-              <a:t>bmi</a:t>
-            </a:r>
-            <a:r>
-              <a:rPr lang="en-US" b="0" i="0" dirty="0">
-                <a:solidFill>
-                  <a:srgbClr val="374151"/>
-                </a:solidFill>
-                <a:effectLst/>
-                <a:latin typeface="Söhne"/>
-              </a:rPr>
-              <a:t>, and how this data is spread.</a:t>
-            </a:r>
-          </a:p>
-          <a:p>
-            <a:pPr algn="l"/>
-            <a:endParaRPr lang="en-US" b="0" i="0" dirty="0">
-              <a:solidFill>
-                <a:srgbClr val="374151"/>
-              </a:solidFill>
-              <a:effectLst/>
-              <a:latin typeface="Söhne"/>
-            </a:endParaRPr>
-          </a:p>
-          <a:p>
-            <a:pPr algn="l"/>
-            <a:r>
-              <a:rPr lang="en-US" b="0" i="0" dirty="0">
-                <a:solidFill>
-                  <a:srgbClr val="000000"/>
-                </a:solidFill>
-                <a:effectLst/>
-                <a:latin typeface="Helvetica Neue"/>
-              </a:rPr>
-              <a:t>Individuals with a stroke, on average, have a slightly higher mean BMI compared to those without a stroke.</a:t>
-            </a:r>
-          </a:p>
-          <a:p>
-            <a:pPr algn="l"/>
-            <a:r>
-              <a:rPr lang="en-US" b="0" i="0" dirty="0">
-                <a:solidFill>
-                  <a:srgbClr val="000000"/>
-                </a:solidFill>
-                <a:effectLst/>
-                <a:latin typeface="Helvetica Neue"/>
-              </a:rPr>
-              <a:t>The distribution of BMI is narrower among individuals with a stroke, as indicated by the lower standard deviation, suggesting less variability in BMI within this group.</a:t>
-            </a:r>
-          </a:p>
-          <a:p>
-            <a:pPr algn="l"/>
-            <a:endParaRPr lang="en-US" b="0" i="0" dirty="0">
-              <a:solidFill>
-                <a:srgbClr val="374151"/>
-              </a:solidFill>
-              <a:effectLst/>
-              <a:latin typeface="Söhne"/>
-            </a:endParaRPr>
-          </a:p>
-          <a:p>
-            <a:pPr algn="l"/>
-            <a:r>
-              <a:rPr lang="en-US" b="0" i="0" dirty="0">
-                <a:solidFill>
-                  <a:srgbClr val="374151"/>
-                </a:solidFill>
-                <a:effectLst/>
-                <a:latin typeface="Söhne"/>
-              </a:rPr>
-              <a:t>For BMI we can see the data is far more clustered, with the exception of extreme </a:t>
-            </a:r>
-            <a:r>
-              <a:rPr lang="en-US" b="0" i="0" dirty="0" err="1">
-                <a:solidFill>
-                  <a:srgbClr val="374151"/>
-                </a:solidFill>
-                <a:effectLst/>
-                <a:latin typeface="Söhne"/>
-              </a:rPr>
-              <a:t>bmis</a:t>
-            </a:r>
-            <a:r>
-              <a:rPr lang="en-US" b="0" i="0" dirty="0">
-                <a:solidFill>
-                  <a:srgbClr val="374151"/>
-                </a:solidFill>
-                <a:effectLst/>
-                <a:latin typeface="Söhne"/>
-              </a:rPr>
-              <a:t>. There appears to be a negative correlation between age and </a:t>
-            </a:r>
-            <a:r>
-              <a:rPr lang="en-US" b="0" i="0" dirty="0" err="1">
-                <a:solidFill>
-                  <a:srgbClr val="374151"/>
-                </a:solidFill>
-                <a:effectLst/>
-                <a:latin typeface="Söhne"/>
-              </a:rPr>
-              <a:t>bmi</a:t>
-            </a:r>
-            <a:r>
-              <a:rPr lang="en-US" b="0" i="0" dirty="0">
-                <a:solidFill>
-                  <a:srgbClr val="374151"/>
-                </a:solidFill>
-                <a:effectLst/>
-                <a:latin typeface="Söhne"/>
-              </a:rPr>
-              <a:t> (the older you get the lower your </a:t>
-            </a:r>
-            <a:r>
-              <a:rPr lang="en-US" b="0" i="0" dirty="0" err="1">
-                <a:solidFill>
-                  <a:srgbClr val="374151"/>
-                </a:solidFill>
-                <a:effectLst/>
-                <a:latin typeface="Söhne"/>
-              </a:rPr>
-              <a:t>bmi</a:t>
-            </a:r>
-            <a:r>
-              <a:rPr lang="en-US" b="0" i="0" dirty="0">
-                <a:solidFill>
-                  <a:srgbClr val="374151"/>
-                </a:solidFill>
-                <a:effectLst/>
-                <a:latin typeface="Söhne"/>
-              </a:rPr>
-              <a:t>. The incidence of stroke in those of an overweight and obese </a:t>
-            </a:r>
-            <a:r>
-              <a:rPr lang="en-US" b="0" i="0" dirty="0" err="1">
-                <a:solidFill>
-                  <a:srgbClr val="374151"/>
-                </a:solidFill>
-                <a:effectLst/>
-                <a:latin typeface="Söhne"/>
-              </a:rPr>
-              <a:t>bmi</a:t>
-            </a:r>
-            <a:r>
-              <a:rPr lang="en-US" b="0" i="0" dirty="0">
-                <a:solidFill>
-                  <a:srgbClr val="374151"/>
-                </a:solidFill>
-                <a:effectLst/>
-                <a:latin typeface="Söhne"/>
-              </a:rPr>
-              <a:t> seems to increase the older you get. </a:t>
-            </a:r>
-          </a:p>
-        </p:txBody>
-      </p:sp>
-      <p:sp>
-        <p:nvSpPr>
-          <p:cNvPr id="4" name="Slide Number Placeholder 3">
-            <a:extLst>
-              <a:ext uri="{FF2B5EF4-FFF2-40B4-BE49-F238E27FC236}">
-                <a16:creationId xmlns:a16="http://schemas.microsoft.com/office/drawing/2014/main" id="{AD6697E5-F211-F48E-A66C-8FBCE248F9F9}"/>
-              </a:ext>
-            </a:extLst>
-          </p:cNvPr>
-          <p:cNvSpPr>
-            <a:spLocks noGrp="1"/>
-          </p:cNvSpPr>
-          <p:nvPr>
-            <p:ph type="sldNum" sz="quarter" idx="5"/>
-          </p:nvPr>
-        </p:nvSpPr>
-        <p:spPr/>
-        <p:txBody>
-          <a:bodyPr/>
-          <a:lstStyle/>
-          <a:p>
-            <a:fld id="{2481A707-0A4C-444E-BBAC-8F56E4534DF7}" type="slidenum">
-              <a:rPr lang="en-US" smtClean="0"/>
-              <a:t>10</a:t>
-            </a:fld>
-            <a:endParaRPr lang="en-US" dirty="0"/>
-          </a:p>
-        </p:txBody>
-      </p:sp>
-    </p:spTree>
-    <p:extLst>
-      <p:ext uri="{BB962C8B-B14F-4D97-AF65-F5344CB8AC3E}">
-        <p14:creationId xmlns:p14="http://schemas.microsoft.com/office/powerpoint/2010/main" val="2386124854"/>
-      </p:ext>
-    </p:extLst>
-  </p:cSld>
-  <p:clrMapOvr>
-    <a:masterClrMapping/>
-  </p:clrMapOvr>
-</p:notes>
-</file>
-
-<file path=ppt/notesSlides/notesSlide11.xml><?xml version="1.0" encoding="utf-8"?>
-<p:notes xmlns:a="http://schemas.openxmlformats.org/drawingml/2006/main" xmlns:r="http://schemas.openxmlformats.org/officeDocument/2006/relationships" xmlns:p="http://schemas.openxmlformats.org/presentationml/2006/main">
-  <p:cSld>
-    <p:spTree>
-      <p:nvGrpSpPr>
-        <p:cNvPr id="1" name="">
-          <a:extLst>
-            <a:ext uri="{FF2B5EF4-FFF2-40B4-BE49-F238E27FC236}">
               <a16:creationId xmlns:a16="http://schemas.microsoft.com/office/drawing/2014/main" id="{22297792-71FF-431E-DC59-7D78E2105884}"/>
             </a:ext>
           </a:extLst>
@@ -1175,7 +897,7 @@
           <a:p>
             <a:fld id="{2481A707-0A4C-444E-BBAC-8F56E4534DF7}" type="slidenum">
               <a:rPr lang="en-US" smtClean="0"/>
-              <a:t>11</a:t>
+              <a:t>10</a:t>
             </a:fld>
             <a:endParaRPr lang="en-US" dirty="0"/>
           </a:p>
@@ -1194,7 +916,7 @@
 </p:notes>
 </file>
 
-<file path=ppt/notesSlides/notesSlide12.xml><?xml version="1.0" encoding="utf-8"?>
+<file path=ppt/notesSlides/notesSlide11.xml><?xml version="1.0" encoding="utf-8"?>
 <p:notes xmlns:a="http://schemas.openxmlformats.org/drawingml/2006/main" xmlns:r="http://schemas.openxmlformats.org/officeDocument/2006/relationships" xmlns:p="http://schemas.openxmlformats.org/presentationml/2006/main">
   <p:cSld>
     <p:spTree>
@@ -1283,7 +1005,7 @@
           <a:p>
             <a:fld id="{2481A707-0A4C-444E-BBAC-8F56E4534DF7}" type="slidenum">
               <a:rPr lang="en-US" smtClean="0"/>
-              <a:t>12</a:t>
+              <a:t>11</a:t>
             </a:fld>
             <a:endParaRPr lang="en-US" dirty="0"/>
           </a:p>
@@ -1302,7 +1024,7 @@
 </p:notes>
 </file>
 
-<file path=ppt/notesSlides/notesSlide13.xml><?xml version="1.0" encoding="utf-8"?>
+<file path=ppt/notesSlides/notesSlide12.xml><?xml version="1.0" encoding="utf-8"?>
 <p:notes xmlns:a="http://schemas.openxmlformats.org/drawingml/2006/main" xmlns:r="http://schemas.openxmlformats.org/officeDocument/2006/relationships" xmlns:p="http://schemas.openxmlformats.org/presentationml/2006/main">
   <p:cSld>
     <p:spTree>
@@ -1391,7 +1113,7 @@
           <a:p>
             <a:fld id="{2481A707-0A4C-444E-BBAC-8F56E4534DF7}" type="slidenum">
               <a:rPr lang="en-US" smtClean="0"/>
-              <a:t>13</a:t>
+              <a:t>12</a:t>
             </a:fld>
             <a:endParaRPr lang="en-US" dirty="0"/>
           </a:p>
@@ -1410,7 +1132,7 @@
 </p:notes>
 </file>
 
-<file path=ppt/notesSlides/notesSlide14.xml><?xml version="1.0" encoding="utf-8"?>
+<file path=ppt/notesSlides/notesSlide13.xml><?xml version="1.0" encoding="utf-8"?>
 <p:notes xmlns:a="http://schemas.openxmlformats.org/drawingml/2006/main" xmlns:r="http://schemas.openxmlformats.org/officeDocument/2006/relationships" xmlns:p="http://schemas.openxmlformats.org/presentationml/2006/main">
   <p:cSld>
     <p:spTree>
@@ -1475,7 +1197,7 @@
           <a:p>
             <a:fld id="{2481A707-0A4C-444E-BBAC-8F56E4534DF7}" type="slidenum">
               <a:rPr lang="en-US" smtClean="0"/>
-              <a:t>14</a:t>
+              <a:t>13</a:t>
             </a:fld>
             <a:endParaRPr lang="en-US" dirty="0"/>
           </a:p>
@@ -9616,341 +9338,6 @@
 </file>
 
 <file path=ppt/slides/slide10.xml><?xml version="1.0" encoding="utf-8"?>
-<p:sld xmlns:a="http://schemas.openxmlformats.org/drawingml/2006/main" xmlns:r="http://schemas.openxmlformats.org/officeDocument/2006/relationships" xmlns:p="http://schemas.openxmlformats.org/presentationml/2006/main" show="0">
-  <p:cSld>
-    <p:bg>
-      <p:bgPr>
-        <a:solidFill>
-          <a:schemeClr val="bg1"/>
-        </a:solidFill>
-        <a:effectLst/>
-      </p:bgPr>
-    </p:bg>
-    <p:spTree>
-      <p:nvGrpSpPr>
-        <p:cNvPr id="1" name="">
-          <a:extLst>
-            <a:ext uri="{FF2B5EF4-FFF2-40B4-BE49-F238E27FC236}">
-              <a16:creationId xmlns:a16="http://schemas.microsoft.com/office/drawing/2014/main" id="{43721567-CC8A-A7F3-20FA-1E041D14A7EC}"/>
-            </a:ext>
-          </a:extLst>
-        </p:cNvPr>
-        <p:cNvGrpSpPr/>
-        <p:nvPr/>
-      </p:nvGrpSpPr>
-      <p:grpSpPr>
-        <a:xfrm>
-          <a:off x="0" y="0"/>
-          <a:ext cx="0" cy="0"/>
-          <a:chOff x="0" y="0"/>
-          <a:chExt cx="0" cy="0"/>
-        </a:xfrm>
-      </p:grpSpPr>
-      <p:sp useBgFill="1">
-        <p:nvSpPr>
-          <p:cNvPr id="66" name="Rectangle 65">
-            <a:extLst>
-              <a:ext uri="{FF2B5EF4-FFF2-40B4-BE49-F238E27FC236}">
-                <a16:creationId xmlns:a16="http://schemas.microsoft.com/office/drawing/2014/main" id="{70155189-D96C-4527-B0EC-654B946BE615}"/>
-              </a:ext>
-              <a:ext uri="{C183D7F6-B498-43B3-948B-1728B52AA6E4}">
-                <adec:decorative xmlns:adec="http://schemas.microsoft.com/office/drawing/2017/decorative" val="1"/>
-              </a:ext>
-            </a:extLst>
-          </p:cNvPr>
-          <p:cNvSpPr>
-            <a:spLocks noGrp="1" noRot="1" noChangeAspect="1" noMove="1" noResize="1" noEditPoints="1" noAdjustHandles="1" noChangeArrowheads="1" noChangeShapeType="1" noTextEdit="1"/>
-          </p:cNvSpPr>
-          <p:nvPr>
-            <p:extLst>
-              <p:ext uri="{386F3935-93C4-4BCD-93E2-E3B085C9AB24}">
-                <p16:designElem xmlns:p16="http://schemas.microsoft.com/office/powerpoint/2015/main" val="1"/>
-              </p:ext>
-            </p:extLst>
-          </p:nvPr>
-        </p:nvSpPr>
-        <p:spPr>
-          <a:xfrm>
-            <a:off x="0" y="0"/>
-            <a:ext cx="10055884" cy="7772400"/>
-          </a:xfrm>
-          <a:prstGeom prst="rect">
-            <a:avLst/>
-          </a:prstGeom>
-          <a:ln>
-            <a:noFill/>
-          </a:ln>
-        </p:spPr>
-        <p:style>
-          <a:lnRef idx="2">
-            <a:schemeClr val="accent1">
-              <a:shade val="50000"/>
-            </a:schemeClr>
-          </a:lnRef>
-          <a:fillRef idx="1">
-            <a:schemeClr val="accent1"/>
-          </a:fillRef>
-          <a:effectRef idx="0">
-            <a:schemeClr val="accent1"/>
-          </a:effectRef>
-          <a:fontRef idx="minor">
-            <a:schemeClr val="lt1"/>
-          </a:fontRef>
-        </p:style>
-        <p:txBody>
-          <a:bodyPr rtlCol="0" anchor="ctr"/>
-          <a:lstStyle/>
-          <a:p>
-            <a:pPr algn="ctr"/>
-            <a:endParaRPr lang="en-US"/>
-          </a:p>
-        </p:txBody>
-      </p:sp>
-      <p:sp>
-        <p:nvSpPr>
-          <p:cNvPr id="6" name="TextBox 5">
-            <a:extLst>
-              <a:ext uri="{FF2B5EF4-FFF2-40B4-BE49-F238E27FC236}">
-                <a16:creationId xmlns:a16="http://schemas.microsoft.com/office/drawing/2014/main" id="{0DB93961-CCF8-D4BD-0645-0D3FAC1563EC}"/>
-              </a:ext>
-            </a:extLst>
-          </p:cNvPr>
-          <p:cNvSpPr txBox="1"/>
-          <p:nvPr/>
-        </p:nvSpPr>
-        <p:spPr>
-          <a:xfrm>
-            <a:off x="3412743" y="669915"/>
-            <a:ext cx="3138158" cy="584775"/>
-          </a:xfrm>
-          <a:prstGeom prst="rect">
-            <a:avLst/>
-          </a:prstGeom>
-          <a:noFill/>
-        </p:spPr>
-        <p:txBody>
-          <a:bodyPr wrap="square" rtlCol="0">
-            <a:spAutoFit/>
-          </a:bodyPr>
-          <a:lstStyle/>
-          <a:p>
-            <a:pPr algn="ctr"/>
-            <a:r>
-              <a:rPr lang="en-US" sz="3200" b="1" dirty="0">
-                <a:solidFill>
-                  <a:schemeClr val="tx2"/>
-                </a:solidFill>
-                <a:latin typeface="+mj-lt"/>
-              </a:rPr>
-              <a:t>Age vs BMI</a:t>
-            </a:r>
-          </a:p>
-        </p:txBody>
-      </p:sp>
-      <p:pic>
-        <p:nvPicPr>
-          <p:cNvPr id="2" name="Picture 1" descr="A graph of scatter plot&#10;&#10;Description automatically generated">
-            <a:extLst>
-              <a:ext uri="{FF2B5EF4-FFF2-40B4-BE49-F238E27FC236}">
-                <a16:creationId xmlns:a16="http://schemas.microsoft.com/office/drawing/2014/main" id="{A1A5E7CF-927D-0D5F-C9E1-FB35F9C99DC8}"/>
-              </a:ext>
-            </a:extLst>
-          </p:cNvPr>
-          <p:cNvPicPr>
-            <a:picLocks noChangeAspect="1"/>
-          </p:cNvPicPr>
-          <p:nvPr/>
-        </p:nvPicPr>
-        <p:blipFill rotWithShape="1">
-          <a:blip r:embed="rId3"/>
-          <a:srcRect l="6460" t="7208" r="8675" b="3153"/>
-          <a:stretch/>
-        </p:blipFill>
-        <p:spPr>
-          <a:xfrm>
-            <a:off x="481092" y="1720150"/>
-            <a:ext cx="9001461" cy="5704747"/>
-          </a:xfrm>
-          <a:prstGeom prst="rect">
-            <a:avLst/>
-          </a:prstGeom>
-        </p:spPr>
-      </p:pic>
-      <p:pic>
-        <p:nvPicPr>
-          <p:cNvPr id="4" name="Picture 3">
-            <a:extLst>
-              <a:ext uri="{FF2B5EF4-FFF2-40B4-BE49-F238E27FC236}">
-                <a16:creationId xmlns:a16="http://schemas.microsoft.com/office/drawing/2014/main" id="{7927984C-AD90-6B0B-3BE9-3A05AF46D4EC}"/>
-              </a:ext>
-            </a:extLst>
-          </p:cNvPr>
-          <p:cNvPicPr>
-            <a:picLocks noChangeAspect="1"/>
-          </p:cNvPicPr>
-          <p:nvPr/>
-        </p:nvPicPr>
-        <p:blipFill>
-          <a:blip r:embed="rId4"/>
-          <a:stretch>
-            <a:fillRect/>
-          </a:stretch>
-        </p:blipFill>
-        <p:spPr>
-          <a:xfrm>
-            <a:off x="1527720" y="4040260"/>
-            <a:ext cx="6347791" cy="3569716"/>
-          </a:xfrm>
-          <a:prstGeom prst="rect">
-            <a:avLst/>
-          </a:prstGeom>
-        </p:spPr>
-      </p:pic>
-      <p:pic>
-        <p:nvPicPr>
-          <p:cNvPr id="7" name="Picture 6">
-            <a:extLst>
-              <a:ext uri="{FF2B5EF4-FFF2-40B4-BE49-F238E27FC236}">
-                <a16:creationId xmlns:a16="http://schemas.microsoft.com/office/drawing/2014/main" id="{5BAC7763-7DB8-B682-089E-4C5E422A2DD4}"/>
-              </a:ext>
-            </a:extLst>
-          </p:cNvPr>
-          <p:cNvPicPr>
-            <a:picLocks noChangeAspect="1"/>
-          </p:cNvPicPr>
-          <p:nvPr/>
-        </p:nvPicPr>
-        <p:blipFill rotWithShape="1">
-          <a:blip r:embed="rId5"/>
-          <a:srcRect l="1500" t="3705" r="6310"/>
-          <a:stretch/>
-        </p:blipFill>
-        <p:spPr>
-          <a:xfrm>
-            <a:off x="2182889" y="508561"/>
-            <a:ext cx="5187528" cy="4063962"/>
-          </a:xfrm>
-          <a:prstGeom prst="rect">
-            <a:avLst/>
-          </a:prstGeom>
-        </p:spPr>
-      </p:pic>
-    </p:spTree>
-    <p:extLst>
-      <p:ext uri="{BB962C8B-B14F-4D97-AF65-F5344CB8AC3E}">
-        <p14:creationId xmlns:p14="http://schemas.microsoft.com/office/powerpoint/2010/main" val="3903460589"/>
-      </p:ext>
-    </p:extLst>
-  </p:cSld>
-  <p:clrMapOvr>
-    <a:masterClrMapping/>
-  </p:clrMapOvr>
-  <p:timing>
-    <p:tnLst>
-      <p:par>
-        <p:cTn id="1" dur="indefinite" restart="never" nodeType="tmRoot">
-          <p:childTnLst>
-            <p:seq concurrent="1" nextAc="seek">
-              <p:cTn id="2" dur="indefinite" nodeType="mainSeq">
-                <p:childTnLst>
-                  <p:par>
-                    <p:cTn id="3" fill="hold">
-                      <p:stCondLst>
-                        <p:cond delay="indefinite"/>
-                      </p:stCondLst>
-                      <p:childTnLst>
-                        <p:par>
-                          <p:cTn id="4" fill="hold">
-                            <p:stCondLst>
-                              <p:cond delay="0"/>
-                            </p:stCondLst>
-                            <p:childTnLst>
-                              <p:par>
-                                <p:cTn id="5" presetID="1" presetClass="entr" presetSubtype="0" fill="hold" nodeType="clickEffect">
-                                  <p:stCondLst>
-                                    <p:cond delay="0"/>
-                                  </p:stCondLst>
-                                  <p:childTnLst>
-                                    <p:set>
-                                      <p:cBhvr>
-                                        <p:cTn id="6" dur="1" fill="hold">
-                                          <p:stCondLst>
-                                            <p:cond delay="0"/>
-                                          </p:stCondLst>
-                                        </p:cTn>
-                                        <p:tgtEl>
-                                          <p:spTgt spid="7"/>
-                                        </p:tgtEl>
-                                        <p:attrNameLst>
-                                          <p:attrName>style.visibility</p:attrName>
-                                        </p:attrNameLst>
-                                      </p:cBhvr>
-                                      <p:to>
-                                        <p:strVal val="visible"/>
-                                      </p:to>
-                                    </p:set>
-                                  </p:childTnLst>
-                                </p:cTn>
-                              </p:par>
-                              <p:par>
-                                <p:cTn id="7" presetID="1" presetClass="entr" presetSubtype="0" fill="hold" nodeType="withEffect">
-                                  <p:stCondLst>
-                                    <p:cond delay="0"/>
-                                  </p:stCondLst>
-                                  <p:childTnLst>
-                                    <p:set>
-                                      <p:cBhvr>
-                                        <p:cTn id="8" dur="1" fill="hold">
-                                          <p:stCondLst>
-                                            <p:cond delay="0"/>
-                                          </p:stCondLst>
-                                        </p:cTn>
-                                        <p:tgtEl>
-                                          <p:spTgt spid="4"/>
-                                        </p:tgtEl>
-                                        <p:attrNameLst>
-                                          <p:attrName>style.visibility</p:attrName>
-                                        </p:attrNameLst>
-                                      </p:cBhvr>
-                                      <p:to>
-                                        <p:strVal val="visible"/>
-                                      </p:to>
-                                    </p:set>
-                                  </p:childTnLst>
-                                </p:cTn>
-                              </p:par>
-                            </p:childTnLst>
-                          </p:cTn>
-                        </p:par>
-                      </p:childTnLst>
-                    </p:cTn>
-                  </p:par>
-                </p:childTnLst>
-              </p:cTn>
-              <p:prevCondLst>
-                <p:cond evt="onPrev" delay="0">
-                  <p:tgtEl>
-                    <p:sldTgt/>
-                  </p:tgtEl>
-                </p:cond>
-              </p:prevCondLst>
-              <p:nextCondLst>
-                <p:cond evt="onNext" delay="0">
-                  <p:tgtEl>
-                    <p:sldTgt/>
-                  </p:tgtEl>
-                </p:cond>
-              </p:nextCondLst>
-            </p:seq>
-          </p:childTnLst>
-        </p:cTn>
-      </p:par>
-    </p:tnLst>
-  </p:timing>
-</p:sld>
-</file>
-
-<file path=ppt/slides/slide11.xml><?xml version="1.0" encoding="utf-8"?>
 <p:sld xmlns:a="http://schemas.openxmlformats.org/drawingml/2006/main" xmlns:r="http://schemas.openxmlformats.org/officeDocument/2006/relationships" xmlns:p="http://schemas.openxmlformats.org/presentationml/2006/main">
   <p:cSld>
     <p:bg>
@@ -10692,7 +10079,7 @@
 </p:sld>
 </file>
 
-<file path=ppt/slides/slide12.xml><?xml version="1.0" encoding="utf-8"?>
+<file path=ppt/slides/slide11.xml><?xml version="1.0" encoding="utf-8"?>
 <p:sld xmlns:a="http://schemas.openxmlformats.org/drawingml/2006/main" xmlns:r="http://schemas.openxmlformats.org/officeDocument/2006/relationships" xmlns:p="http://schemas.openxmlformats.org/presentationml/2006/main">
   <p:cSld>
     <p:bg>
@@ -11283,7 +10670,7 @@
 </p:sld>
 </file>
 
-<file path=ppt/slides/slide13.xml><?xml version="1.0" encoding="utf-8"?>
+<file path=ppt/slides/slide12.xml><?xml version="1.0" encoding="utf-8"?>
 <p:sld xmlns:a="http://schemas.openxmlformats.org/drawingml/2006/main" xmlns:r="http://schemas.openxmlformats.org/officeDocument/2006/relationships" xmlns:p="http://schemas.openxmlformats.org/presentationml/2006/main">
   <p:cSld>
     <p:bg>
@@ -12025,7 +11412,7 @@
 </p:sld>
 </file>
 
-<file path=ppt/slides/slide14.xml><?xml version="1.0" encoding="utf-8"?>
+<file path=ppt/slides/slide13.xml><?xml version="1.0" encoding="utf-8"?>
 <p:sld xmlns:a="http://schemas.openxmlformats.org/drawingml/2006/main" xmlns:r="http://schemas.openxmlformats.org/officeDocument/2006/relationships" xmlns:p="http://schemas.openxmlformats.org/presentationml/2006/main">
   <p:cSld>
     <p:bg>
@@ -20374,7 +19761,7 @@
         </p:nvSpPr>
         <p:spPr>
           <a:xfrm>
-            <a:off x="1448655" y="936933"/>
+            <a:off x="1448654" y="591918"/>
             <a:ext cx="7086600" cy="584775"/>
           </a:xfrm>
           <a:prstGeom prst="rect">
@@ -20403,6 +19790,36 @@
       </p:sp>
       <p:pic>
         <p:nvPicPr>
+          <p:cNvPr id="10" name="Picture 9" descr="A graph of scatter plot of bmi&#10;&#10;Description automatically generated">
+            <a:extLst>
+              <a:ext uri="{FF2B5EF4-FFF2-40B4-BE49-F238E27FC236}">
+                <a16:creationId xmlns:a16="http://schemas.microsoft.com/office/drawing/2014/main" id="{4319DEA3-B033-C3A6-3E85-E2B56BE19F3F}"/>
+              </a:ext>
+            </a:extLst>
+          </p:cNvPr>
+          <p:cNvPicPr>
+            <a:picLocks noChangeAspect="1"/>
+          </p:cNvPicPr>
+          <p:nvPr/>
+        </p:nvPicPr>
+        <p:blipFill>
+          <a:blip r:embed="rId3"/>
+          <a:stretch>
+            <a:fillRect/>
+          </a:stretch>
+        </p:blipFill>
+        <p:spPr>
+          <a:xfrm>
+            <a:off x="55341" y="1377368"/>
+            <a:ext cx="9947717" cy="6307667"/>
+          </a:xfrm>
+          <a:prstGeom prst="rect">
+            <a:avLst/>
+          </a:prstGeom>
+        </p:spPr>
+      </p:pic>
+      <p:pic>
+        <p:nvPicPr>
           <p:cNvPr id="7" name="Picture 6">
             <a:extLst>
               <a:ext uri="{FF2B5EF4-FFF2-40B4-BE49-F238E27FC236}">
@@ -20416,14 +19833,14 @@
           <p:nvPr/>
         </p:nvPicPr>
         <p:blipFill rotWithShape="1">
-          <a:blip r:embed="rId3"/>
+          <a:blip r:embed="rId4"/>
           <a:srcRect l="4243" t="4523" r="7435"/>
           <a:stretch/>
         </p:blipFill>
         <p:spPr>
           <a:xfrm>
-            <a:off x="310577" y="1621471"/>
-            <a:ext cx="9412123" cy="5971653"/>
+            <a:off x="285893" y="1392784"/>
+            <a:ext cx="9412123" cy="6292251"/>
           </a:xfrm>
           <a:prstGeom prst="rect">
             <a:avLst/>
@@ -20440,6 +19857,9 @@
   <p:clrMapOvr>
     <a:masterClrMapping/>
   </p:clrMapOvr>
+  <p:transition spd="slow">
+    <p:push dir="u"/>
+  </p:transition>
   <p:timing>
     <p:tnLst>
       <p:par>
@@ -21356,24 +20776,6 @@
 </file>
 
 <file path=customXml/item1.xml><?xml version="1.0" encoding="utf-8"?>
-<?mso-contentType ?>
-<FormTemplates xmlns="http://schemas.microsoft.com/sharepoint/v3/contenttype/forms">
-  <Display>DocumentLibraryForm</Display>
-  <Edit>DocumentLibraryForm</Edit>
-  <New>DocumentLibraryForm</New>
-</FormTemplates>
-</file>
-
-<file path=customXml/item2.xml><?xml version="1.0" encoding="utf-8"?>
-<p:properties xmlns:p="http://schemas.microsoft.com/office/2006/metadata/properties" xmlns:xsi="http://www.w3.org/2001/XMLSchema-instance" xmlns:pc="http://schemas.microsoft.com/office/infopath/2007/PartnerControls">
-  <documentManagement>
-    <Status xmlns="71af3243-3dd4-4a8d-8c0d-dd76da1f02a5">Not started</Status>
-    <MediaServiceKeyPoints xmlns="71af3243-3dd4-4a8d-8c0d-dd76da1f02a5" xsi:nil="true"/>
-  </documentManagement>
-</p:properties>
-</file>
-
-<file path=customXml/item3.xml><?xml version="1.0" encoding="utf-8"?>
 <ct:contentTypeSchema xmlns:ct="http://schemas.microsoft.com/office/2006/metadata/contentType" xmlns:ma="http://schemas.microsoft.com/office/2006/metadata/properties/metaAttributes" ct:_="" ma:_="" ma:contentTypeName="Document" ma:contentTypeID="0x01010079F111ED35F8CC479449609E8A0923A6" ma:contentTypeVersion="12" ma:contentTypeDescription="Create a new document." ma:contentTypeScope="" ma:versionID="426e97fa315356fffbdcd9876fe988c2">
   <xsd:schema xmlns:xsd="http://www.w3.org/2001/XMLSchema" xmlns:xs="http://www.w3.org/2001/XMLSchema" xmlns:p="http://schemas.microsoft.com/office/2006/metadata/properties" xmlns:ns2="71af3243-3dd4-4a8d-8c0d-dd76da1f02a5" xmlns:ns3="16c05727-aa75-4e4a-9b5f-8a80a1165891" targetNamespace="http://schemas.microsoft.com/office/2006/metadata/properties" ma:root="true" ma:fieldsID="14b8f0def80e6d70ce3def20c90759ae" ns2:_="" ns3:_="">
     <xsd:import namespace="71af3243-3dd4-4a8d-8c0d-dd76da1f02a5"/>
@@ -21594,25 +20996,25 @@
 </ct:contentTypeSchema>
 </file>
 
-<file path=customXml/itemProps1.xml><?xml version="1.0" encoding="utf-8"?>
-<ds:datastoreItem xmlns:ds="http://schemas.openxmlformats.org/officeDocument/2006/customXml" ds:itemID="{D9EAC644-7B36-4B02-AE6A-271637DE6193}">
-  <ds:schemaRefs>
-    <ds:schemaRef ds:uri="http://schemas.microsoft.com/sharepoint/v3/contenttype/forms"/>
-  </ds:schemaRefs>
-</ds:datastoreItem>
+<file path=customXml/item2.xml><?xml version="1.0" encoding="utf-8"?>
+<p:properties xmlns:p="http://schemas.microsoft.com/office/2006/metadata/properties" xmlns:xsi="http://www.w3.org/2001/XMLSchema-instance" xmlns:pc="http://schemas.microsoft.com/office/infopath/2007/PartnerControls">
+  <documentManagement>
+    <Status xmlns="71af3243-3dd4-4a8d-8c0d-dd76da1f02a5">Not started</Status>
+    <MediaServiceKeyPoints xmlns="71af3243-3dd4-4a8d-8c0d-dd76da1f02a5" xsi:nil="true"/>
+  </documentManagement>
+</p:properties>
 </file>
 
-<file path=customXml/itemProps2.xml><?xml version="1.0" encoding="utf-8"?>
-<ds:datastoreItem xmlns:ds="http://schemas.openxmlformats.org/officeDocument/2006/customXml" ds:itemID="{581AEECB-7CBF-41B6-B304-895A4D5BDF0F}">
-  <ds:schemaRefs>
-    <ds:schemaRef ds:uri="http://schemas.microsoft.com/office/2006/metadata/properties"/>
-    <ds:schemaRef ds:uri="http://schemas.microsoft.com/office/infopath/2007/PartnerControls"/>
-    <ds:schemaRef ds:uri="71af3243-3dd4-4a8d-8c0d-dd76da1f02a5"/>
-  </ds:schemaRefs>
-</ds:datastoreItem>
+<file path=customXml/item3.xml><?xml version="1.0" encoding="utf-8"?>
+<?mso-contentType ?>
+<FormTemplates xmlns="http://schemas.microsoft.com/sharepoint/v3/contenttype/forms">
+  <Display>DocumentLibraryForm</Display>
+  <Edit>DocumentLibraryForm</Edit>
+  <New>DocumentLibraryForm</New>
+</FormTemplates>
 </file>
 
-<file path=customXml/itemProps3.xml><?xml version="1.0" encoding="utf-8"?>
+<file path=customXml/itemProps1.xml><?xml version="1.0" encoding="utf-8"?>
 <ds:datastoreItem xmlns:ds="http://schemas.openxmlformats.org/officeDocument/2006/customXml" ds:itemID="{5D82FBE3-5E95-4B7A-88C0-B7BB58A96823}">
   <ds:schemaRefs>
     <ds:schemaRef ds:uri="http://schemas.microsoft.com/office/2006/metadata/contentType"/>
@@ -21629,4 +21031,22 @@
     <ds:schemaRef ds:uri="http://schemas.microsoft.com/internal/obd"/>
   </ds:schemaRefs>
 </ds:datastoreItem>
+</file>
+
+<file path=customXml/itemProps2.xml><?xml version="1.0" encoding="utf-8"?>
+<ds:datastoreItem xmlns:ds="http://schemas.openxmlformats.org/officeDocument/2006/customXml" ds:itemID="{581AEECB-7CBF-41B6-B304-895A4D5BDF0F}">
+  <ds:schemaRefs>
+    <ds:schemaRef ds:uri="http://schemas.microsoft.com/office/2006/metadata/properties"/>
+    <ds:schemaRef ds:uri="http://schemas.microsoft.com/office/infopath/2007/PartnerControls"/>
+    <ds:schemaRef ds:uri="71af3243-3dd4-4a8d-8c0d-dd76da1f02a5"/>
+  </ds:schemaRefs>
+</ds:datastoreItem>
+</file>
+
+<file path=customXml/itemProps3.xml><?xml version="1.0" encoding="utf-8"?>
+<ds:datastoreItem xmlns:ds="http://schemas.openxmlformats.org/officeDocument/2006/customXml" ds:itemID="{D9EAC644-7B36-4B02-AE6A-271637DE6193}">
+  <ds:schemaRefs>
+    <ds:schemaRef ds:uri="http://schemas.microsoft.com/sharepoint/v3/contenttype/forms"/>
+  </ds:schemaRefs>
+</ds:datastoreItem>
 </file>
--- a/Presentation/Project4_presentation_draft.pptx
+++ b/Presentation/Project4_presentation_draft.pptx
@@ -5,10 +5,10 @@
     <p:sldMasterId id="2147483686" r:id="rId4"/>
   </p:sldMasterIdLst>
   <p:notesMasterIdLst>
-    <p:notesMasterId r:id="rId18"/>
+    <p:notesMasterId r:id="rId24"/>
   </p:notesMasterIdLst>
   <p:handoutMasterIdLst>
-    <p:handoutMasterId r:id="rId19"/>
+    <p:handoutMasterId r:id="rId25"/>
   </p:handoutMasterIdLst>
   <p:sldIdLst>
     <p:sldId id="285" r:id="rId5"/>
@@ -22,8 +22,14 @@
     <p:sldId id="293" r:id="rId13"/>
     <p:sldId id="284" r:id="rId14"/>
     <p:sldId id="277" r:id="rId15"/>
-    <p:sldId id="286" r:id="rId16"/>
-    <p:sldId id="276" r:id="rId17"/>
+    <p:sldId id="295" r:id="rId16"/>
+    <p:sldId id="296" r:id="rId17"/>
+    <p:sldId id="297" r:id="rId18"/>
+    <p:sldId id="298" r:id="rId19"/>
+    <p:sldId id="299" r:id="rId20"/>
+    <p:sldId id="300" r:id="rId21"/>
+    <p:sldId id="286" r:id="rId22"/>
+    <p:sldId id="276" r:id="rId23"/>
   </p:sldIdLst>
   <p:sldSz cx="10058400" cy="7772400"/>
   <p:notesSz cx="6858000" cy="9144000"/>
@@ -256,7 +262,7 @@
           <a:p>
             <a:fld id="{BE668B7C-E4CD-4872-B084-44133F808FCE}" type="datetimeFigureOut">
               <a:rPr lang="en-US" smtClean="0"/>
-              <a:t>1/22/24</a:t>
+              <a:t>1/23/24</a:t>
             </a:fld>
             <a:endParaRPr lang="en-US" dirty="0"/>
           </a:p>
@@ -433,7 +439,7 @@
           <a:p>
             <a:fld id="{6733D5BD-E30B-48AB-B24F-3878C333D518}" type="datetimeFigureOut">
               <a:rPr lang="en-US" smtClean="0"/>
-              <a:t>1/22/24</a:t>
+              <a:t>1/23/24</a:t>
             </a:fld>
             <a:endParaRPr lang="en-US" dirty="0"/>
           </a:p>
@@ -1032,6 +1038,654 @@
         <p:cNvPr id="1" name="">
           <a:extLst>
             <a:ext uri="{FF2B5EF4-FFF2-40B4-BE49-F238E27FC236}">
+              <a16:creationId xmlns:a16="http://schemas.microsoft.com/office/drawing/2014/main" id="{AFEBA301-17F6-F62F-6375-75E951C40637}"/>
+            </a:ext>
+          </a:extLst>
+        </p:cNvPr>
+        <p:cNvGrpSpPr/>
+        <p:nvPr/>
+      </p:nvGrpSpPr>
+      <p:grpSpPr>
+        <a:xfrm>
+          <a:off x="0" y="0"/>
+          <a:ext cx="0" cy="0"/>
+          <a:chOff x="0" y="0"/>
+          <a:chExt cx="0" cy="0"/>
+        </a:xfrm>
+      </p:grpSpPr>
+      <p:sp>
+        <p:nvSpPr>
+          <p:cNvPr id="2" name="Slide Image Placeholder 1">
+            <a:extLst>
+              <a:ext uri="{FF2B5EF4-FFF2-40B4-BE49-F238E27FC236}">
+                <a16:creationId xmlns:a16="http://schemas.microsoft.com/office/drawing/2014/main" id="{7F437E10-AA7D-7E50-CD22-021CCBA7D61F}"/>
+              </a:ext>
+            </a:extLst>
+          </p:cNvPr>
+          <p:cNvSpPr>
+            <a:spLocks noGrp="1" noRot="1" noChangeAspect="1"/>
+          </p:cNvSpPr>
+          <p:nvPr>
+            <p:ph type="sldImg"/>
+          </p:nvPr>
+        </p:nvSpPr>
+        <p:spPr/>
+      </p:sp>
+      <p:sp>
+        <p:nvSpPr>
+          <p:cNvPr id="3" name="Notes Placeholder 2">
+            <a:extLst>
+              <a:ext uri="{FF2B5EF4-FFF2-40B4-BE49-F238E27FC236}">
+                <a16:creationId xmlns:a16="http://schemas.microsoft.com/office/drawing/2014/main" id="{22342806-431D-CDB2-FFA9-8F703FD9A1D8}"/>
+              </a:ext>
+            </a:extLst>
+          </p:cNvPr>
+          <p:cNvSpPr>
+            <a:spLocks noGrp="1"/>
+          </p:cNvSpPr>
+          <p:nvPr>
+            <p:ph type="body" idx="1"/>
+          </p:nvPr>
+        </p:nvSpPr>
+        <p:spPr/>
+        <p:txBody>
+          <a:bodyPr/>
+          <a:lstStyle/>
+          <a:p>
+            <a:endParaRPr lang="en-US" dirty="0"/>
+          </a:p>
+        </p:txBody>
+      </p:sp>
+      <p:sp>
+        <p:nvSpPr>
+          <p:cNvPr id="4" name="Slide Number Placeholder 3">
+            <a:extLst>
+              <a:ext uri="{FF2B5EF4-FFF2-40B4-BE49-F238E27FC236}">
+                <a16:creationId xmlns:a16="http://schemas.microsoft.com/office/drawing/2014/main" id="{E12F6B1A-8D07-34B9-7DED-A3369CFE2B1F}"/>
+              </a:ext>
+            </a:extLst>
+          </p:cNvPr>
+          <p:cNvSpPr>
+            <a:spLocks noGrp="1"/>
+          </p:cNvSpPr>
+          <p:nvPr>
+            <p:ph type="sldNum" sz="quarter" idx="5"/>
+          </p:nvPr>
+        </p:nvSpPr>
+        <p:spPr/>
+        <p:txBody>
+          <a:bodyPr/>
+          <a:lstStyle/>
+          <a:p>
+            <a:fld id="{2481A707-0A4C-444E-BBAC-8F56E4534DF7}" type="slidenum">
+              <a:rPr lang="en-US" smtClean="0"/>
+              <a:t>12</a:t>
+            </a:fld>
+            <a:endParaRPr lang="en-US" dirty="0"/>
+          </a:p>
+        </p:txBody>
+      </p:sp>
+    </p:spTree>
+    <p:extLst>
+      <p:ext uri="{BB962C8B-B14F-4D97-AF65-F5344CB8AC3E}">
+        <p14:creationId xmlns:p14="http://schemas.microsoft.com/office/powerpoint/2010/main" val="2006096902"/>
+      </p:ext>
+    </p:extLst>
+  </p:cSld>
+  <p:clrMapOvr>
+    <a:masterClrMapping/>
+  </p:clrMapOvr>
+</p:notes>
+</file>
+
+<file path=ppt/notesSlides/notesSlide13.xml><?xml version="1.0" encoding="utf-8"?>
+<p:notes xmlns:a="http://schemas.openxmlformats.org/drawingml/2006/main" xmlns:r="http://schemas.openxmlformats.org/officeDocument/2006/relationships" xmlns:p="http://schemas.openxmlformats.org/presentationml/2006/main">
+  <p:cSld>
+    <p:spTree>
+      <p:nvGrpSpPr>
+        <p:cNvPr id="1" name="">
+          <a:extLst>
+            <a:ext uri="{FF2B5EF4-FFF2-40B4-BE49-F238E27FC236}">
+              <a16:creationId xmlns:a16="http://schemas.microsoft.com/office/drawing/2014/main" id="{56702F0A-FF83-8FB5-F76B-487F66FE9C62}"/>
+            </a:ext>
+          </a:extLst>
+        </p:cNvPr>
+        <p:cNvGrpSpPr/>
+        <p:nvPr/>
+      </p:nvGrpSpPr>
+      <p:grpSpPr>
+        <a:xfrm>
+          <a:off x="0" y="0"/>
+          <a:ext cx="0" cy="0"/>
+          <a:chOff x="0" y="0"/>
+          <a:chExt cx="0" cy="0"/>
+        </a:xfrm>
+      </p:grpSpPr>
+      <p:sp>
+        <p:nvSpPr>
+          <p:cNvPr id="2" name="Slide Image Placeholder 1">
+            <a:extLst>
+              <a:ext uri="{FF2B5EF4-FFF2-40B4-BE49-F238E27FC236}">
+                <a16:creationId xmlns:a16="http://schemas.microsoft.com/office/drawing/2014/main" id="{CD7BBD45-C00B-76A1-C40E-6C6B78F0A227}"/>
+              </a:ext>
+            </a:extLst>
+          </p:cNvPr>
+          <p:cNvSpPr>
+            <a:spLocks noGrp="1" noRot="1" noChangeAspect="1"/>
+          </p:cNvSpPr>
+          <p:nvPr>
+            <p:ph type="sldImg"/>
+          </p:nvPr>
+        </p:nvSpPr>
+        <p:spPr/>
+      </p:sp>
+      <p:sp>
+        <p:nvSpPr>
+          <p:cNvPr id="3" name="Notes Placeholder 2">
+            <a:extLst>
+              <a:ext uri="{FF2B5EF4-FFF2-40B4-BE49-F238E27FC236}">
+                <a16:creationId xmlns:a16="http://schemas.microsoft.com/office/drawing/2014/main" id="{59636DCC-A61A-F8CC-2C38-69700DE75C1C}"/>
+              </a:ext>
+            </a:extLst>
+          </p:cNvPr>
+          <p:cNvSpPr>
+            <a:spLocks noGrp="1"/>
+          </p:cNvSpPr>
+          <p:nvPr>
+            <p:ph type="body" idx="1"/>
+          </p:nvPr>
+        </p:nvSpPr>
+        <p:spPr/>
+        <p:txBody>
+          <a:bodyPr/>
+          <a:lstStyle/>
+          <a:p>
+            <a:endParaRPr lang="en-US" dirty="0"/>
+          </a:p>
+        </p:txBody>
+      </p:sp>
+      <p:sp>
+        <p:nvSpPr>
+          <p:cNvPr id="4" name="Slide Number Placeholder 3">
+            <a:extLst>
+              <a:ext uri="{FF2B5EF4-FFF2-40B4-BE49-F238E27FC236}">
+                <a16:creationId xmlns:a16="http://schemas.microsoft.com/office/drawing/2014/main" id="{0C8F43F4-4EA0-C2F0-F921-8AB00E4EE3D8}"/>
+              </a:ext>
+            </a:extLst>
+          </p:cNvPr>
+          <p:cNvSpPr>
+            <a:spLocks noGrp="1"/>
+          </p:cNvSpPr>
+          <p:nvPr>
+            <p:ph type="sldNum" sz="quarter" idx="5"/>
+          </p:nvPr>
+        </p:nvSpPr>
+        <p:spPr/>
+        <p:txBody>
+          <a:bodyPr/>
+          <a:lstStyle/>
+          <a:p>
+            <a:fld id="{2481A707-0A4C-444E-BBAC-8F56E4534DF7}" type="slidenum">
+              <a:rPr lang="en-US" smtClean="0"/>
+              <a:t>13</a:t>
+            </a:fld>
+            <a:endParaRPr lang="en-US" dirty="0"/>
+          </a:p>
+        </p:txBody>
+      </p:sp>
+    </p:spTree>
+    <p:extLst>
+      <p:ext uri="{BB962C8B-B14F-4D97-AF65-F5344CB8AC3E}">
+        <p14:creationId xmlns:p14="http://schemas.microsoft.com/office/powerpoint/2010/main" val="834608835"/>
+      </p:ext>
+    </p:extLst>
+  </p:cSld>
+  <p:clrMapOvr>
+    <a:masterClrMapping/>
+  </p:clrMapOvr>
+</p:notes>
+</file>
+
+<file path=ppt/notesSlides/notesSlide14.xml><?xml version="1.0" encoding="utf-8"?>
+<p:notes xmlns:a="http://schemas.openxmlformats.org/drawingml/2006/main" xmlns:r="http://schemas.openxmlformats.org/officeDocument/2006/relationships" xmlns:p="http://schemas.openxmlformats.org/presentationml/2006/main">
+  <p:cSld>
+    <p:spTree>
+      <p:nvGrpSpPr>
+        <p:cNvPr id="1" name="">
+          <a:extLst>
+            <a:ext uri="{FF2B5EF4-FFF2-40B4-BE49-F238E27FC236}">
+              <a16:creationId xmlns:a16="http://schemas.microsoft.com/office/drawing/2014/main" id="{846E671E-1072-2D52-1F0F-9ECA70A167DA}"/>
+            </a:ext>
+          </a:extLst>
+        </p:cNvPr>
+        <p:cNvGrpSpPr/>
+        <p:nvPr/>
+      </p:nvGrpSpPr>
+      <p:grpSpPr>
+        <a:xfrm>
+          <a:off x="0" y="0"/>
+          <a:ext cx="0" cy="0"/>
+          <a:chOff x="0" y="0"/>
+          <a:chExt cx="0" cy="0"/>
+        </a:xfrm>
+      </p:grpSpPr>
+      <p:sp>
+        <p:nvSpPr>
+          <p:cNvPr id="2" name="Slide Image Placeholder 1">
+            <a:extLst>
+              <a:ext uri="{FF2B5EF4-FFF2-40B4-BE49-F238E27FC236}">
+                <a16:creationId xmlns:a16="http://schemas.microsoft.com/office/drawing/2014/main" id="{B641FFE1-DDE9-FC72-26B2-5C8CB728B80D}"/>
+              </a:ext>
+            </a:extLst>
+          </p:cNvPr>
+          <p:cNvSpPr>
+            <a:spLocks noGrp="1" noRot="1" noChangeAspect="1"/>
+          </p:cNvSpPr>
+          <p:nvPr>
+            <p:ph type="sldImg"/>
+          </p:nvPr>
+        </p:nvSpPr>
+        <p:spPr/>
+      </p:sp>
+      <p:sp>
+        <p:nvSpPr>
+          <p:cNvPr id="3" name="Notes Placeholder 2">
+            <a:extLst>
+              <a:ext uri="{FF2B5EF4-FFF2-40B4-BE49-F238E27FC236}">
+                <a16:creationId xmlns:a16="http://schemas.microsoft.com/office/drawing/2014/main" id="{C35E039C-9E97-E129-EE3F-716ACBE22A82}"/>
+              </a:ext>
+            </a:extLst>
+          </p:cNvPr>
+          <p:cNvSpPr>
+            <a:spLocks noGrp="1"/>
+          </p:cNvSpPr>
+          <p:nvPr>
+            <p:ph type="body" idx="1"/>
+          </p:nvPr>
+        </p:nvSpPr>
+        <p:spPr/>
+        <p:txBody>
+          <a:bodyPr/>
+          <a:lstStyle/>
+          <a:p>
+            <a:endParaRPr lang="en-US" dirty="0"/>
+          </a:p>
+        </p:txBody>
+      </p:sp>
+      <p:sp>
+        <p:nvSpPr>
+          <p:cNvPr id="4" name="Slide Number Placeholder 3">
+            <a:extLst>
+              <a:ext uri="{FF2B5EF4-FFF2-40B4-BE49-F238E27FC236}">
+                <a16:creationId xmlns:a16="http://schemas.microsoft.com/office/drawing/2014/main" id="{D1D1F1F1-28A1-206E-D3CF-AC23075A0369}"/>
+              </a:ext>
+            </a:extLst>
+          </p:cNvPr>
+          <p:cNvSpPr>
+            <a:spLocks noGrp="1"/>
+          </p:cNvSpPr>
+          <p:nvPr>
+            <p:ph type="sldNum" sz="quarter" idx="5"/>
+          </p:nvPr>
+        </p:nvSpPr>
+        <p:spPr/>
+        <p:txBody>
+          <a:bodyPr/>
+          <a:lstStyle/>
+          <a:p>
+            <a:fld id="{2481A707-0A4C-444E-BBAC-8F56E4534DF7}" type="slidenum">
+              <a:rPr lang="en-US" smtClean="0"/>
+              <a:t>14</a:t>
+            </a:fld>
+            <a:endParaRPr lang="en-US" dirty="0"/>
+          </a:p>
+        </p:txBody>
+      </p:sp>
+    </p:spTree>
+    <p:extLst>
+      <p:ext uri="{BB962C8B-B14F-4D97-AF65-F5344CB8AC3E}">
+        <p14:creationId xmlns:p14="http://schemas.microsoft.com/office/powerpoint/2010/main" val="2365780749"/>
+      </p:ext>
+    </p:extLst>
+  </p:cSld>
+  <p:clrMapOvr>
+    <a:masterClrMapping/>
+  </p:clrMapOvr>
+</p:notes>
+</file>
+
+<file path=ppt/notesSlides/notesSlide15.xml><?xml version="1.0" encoding="utf-8"?>
+<p:notes xmlns:a="http://schemas.openxmlformats.org/drawingml/2006/main" xmlns:r="http://schemas.openxmlformats.org/officeDocument/2006/relationships" xmlns:p="http://schemas.openxmlformats.org/presentationml/2006/main">
+  <p:cSld>
+    <p:spTree>
+      <p:nvGrpSpPr>
+        <p:cNvPr id="1" name="">
+          <a:extLst>
+            <a:ext uri="{FF2B5EF4-FFF2-40B4-BE49-F238E27FC236}">
+              <a16:creationId xmlns:a16="http://schemas.microsoft.com/office/drawing/2014/main" id="{74BA25EE-7E93-CE2F-79CE-D4ADA4DD52E8}"/>
+            </a:ext>
+          </a:extLst>
+        </p:cNvPr>
+        <p:cNvGrpSpPr/>
+        <p:nvPr/>
+      </p:nvGrpSpPr>
+      <p:grpSpPr>
+        <a:xfrm>
+          <a:off x="0" y="0"/>
+          <a:ext cx="0" cy="0"/>
+          <a:chOff x="0" y="0"/>
+          <a:chExt cx="0" cy="0"/>
+        </a:xfrm>
+      </p:grpSpPr>
+      <p:sp>
+        <p:nvSpPr>
+          <p:cNvPr id="2" name="Slide Image Placeholder 1">
+            <a:extLst>
+              <a:ext uri="{FF2B5EF4-FFF2-40B4-BE49-F238E27FC236}">
+                <a16:creationId xmlns:a16="http://schemas.microsoft.com/office/drawing/2014/main" id="{DFB03603-93F6-3281-21DA-A70436D1C5D5}"/>
+              </a:ext>
+            </a:extLst>
+          </p:cNvPr>
+          <p:cNvSpPr>
+            <a:spLocks noGrp="1" noRot="1" noChangeAspect="1"/>
+          </p:cNvSpPr>
+          <p:nvPr>
+            <p:ph type="sldImg"/>
+          </p:nvPr>
+        </p:nvSpPr>
+        <p:spPr/>
+      </p:sp>
+      <p:sp>
+        <p:nvSpPr>
+          <p:cNvPr id="3" name="Notes Placeholder 2">
+            <a:extLst>
+              <a:ext uri="{FF2B5EF4-FFF2-40B4-BE49-F238E27FC236}">
+                <a16:creationId xmlns:a16="http://schemas.microsoft.com/office/drawing/2014/main" id="{BF0ED93F-2C3C-330E-E012-79D7BA5B6EAD}"/>
+              </a:ext>
+            </a:extLst>
+          </p:cNvPr>
+          <p:cNvSpPr>
+            <a:spLocks noGrp="1"/>
+          </p:cNvSpPr>
+          <p:nvPr>
+            <p:ph type="body" idx="1"/>
+          </p:nvPr>
+        </p:nvSpPr>
+        <p:spPr/>
+        <p:txBody>
+          <a:bodyPr/>
+          <a:lstStyle/>
+          <a:p>
+            <a:endParaRPr lang="en-US" dirty="0"/>
+          </a:p>
+        </p:txBody>
+      </p:sp>
+      <p:sp>
+        <p:nvSpPr>
+          <p:cNvPr id="4" name="Slide Number Placeholder 3">
+            <a:extLst>
+              <a:ext uri="{FF2B5EF4-FFF2-40B4-BE49-F238E27FC236}">
+                <a16:creationId xmlns:a16="http://schemas.microsoft.com/office/drawing/2014/main" id="{F90CFE23-0A54-730F-2E32-DA6AA2B66FA4}"/>
+              </a:ext>
+            </a:extLst>
+          </p:cNvPr>
+          <p:cNvSpPr>
+            <a:spLocks noGrp="1"/>
+          </p:cNvSpPr>
+          <p:nvPr>
+            <p:ph type="sldNum" sz="quarter" idx="5"/>
+          </p:nvPr>
+        </p:nvSpPr>
+        <p:spPr/>
+        <p:txBody>
+          <a:bodyPr/>
+          <a:lstStyle/>
+          <a:p>
+            <a:fld id="{2481A707-0A4C-444E-BBAC-8F56E4534DF7}" type="slidenum">
+              <a:rPr lang="en-US" smtClean="0"/>
+              <a:t>15</a:t>
+            </a:fld>
+            <a:endParaRPr lang="en-US" dirty="0"/>
+          </a:p>
+        </p:txBody>
+      </p:sp>
+    </p:spTree>
+    <p:extLst>
+      <p:ext uri="{BB962C8B-B14F-4D97-AF65-F5344CB8AC3E}">
+        <p14:creationId xmlns:p14="http://schemas.microsoft.com/office/powerpoint/2010/main" val="4220246998"/>
+      </p:ext>
+    </p:extLst>
+  </p:cSld>
+  <p:clrMapOvr>
+    <a:masterClrMapping/>
+  </p:clrMapOvr>
+</p:notes>
+</file>
+
+<file path=ppt/notesSlides/notesSlide16.xml><?xml version="1.0" encoding="utf-8"?>
+<p:notes xmlns:a="http://schemas.openxmlformats.org/drawingml/2006/main" xmlns:r="http://schemas.openxmlformats.org/officeDocument/2006/relationships" xmlns:p="http://schemas.openxmlformats.org/presentationml/2006/main">
+  <p:cSld>
+    <p:spTree>
+      <p:nvGrpSpPr>
+        <p:cNvPr id="1" name="">
+          <a:extLst>
+            <a:ext uri="{FF2B5EF4-FFF2-40B4-BE49-F238E27FC236}">
+              <a16:creationId xmlns:a16="http://schemas.microsoft.com/office/drawing/2014/main" id="{9F61BAD4-A0AB-DA1A-2955-1EF417B32C86}"/>
+            </a:ext>
+          </a:extLst>
+        </p:cNvPr>
+        <p:cNvGrpSpPr/>
+        <p:nvPr/>
+      </p:nvGrpSpPr>
+      <p:grpSpPr>
+        <a:xfrm>
+          <a:off x="0" y="0"/>
+          <a:ext cx="0" cy="0"/>
+          <a:chOff x="0" y="0"/>
+          <a:chExt cx="0" cy="0"/>
+        </a:xfrm>
+      </p:grpSpPr>
+      <p:sp>
+        <p:nvSpPr>
+          <p:cNvPr id="2" name="Slide Image Placeholder 1">
+            <a:extLst>
+              <a:ext uri="{FF2B5EF4-FFF2-40B4-BE49-F238E27FC236}">
+                <a16:creationId xmlns:a16="http://schemas.microsoft.com/office/drawing/2014/main" id="{BAAFD9B4-3E2A-2AF2-A0F0-08BEFE5FE5C9}"/>
+              </a:ext>
+            </a:extLst>
+          </p:cNvPr>
+          <p:cNvSpPr>
+            <a:spLocks noGrp="1" noRot="1" noChangeAspect="1"/>
+          </p:cNvSpPr>
+          <p:nvPr>
+            <p:ph type="sldImg"/>
+          </p:nvPr>
+        </p:nvSpPr>
+        <p:spPr/>
+      </p:sp>
+      <p:sp>
+        <p:nvSpPr>
+          <p:cNvPr id="3" name="Notes Placeholder 2">
+            <a:extLst>
+              <a:ext uri="{FF2B5EF4-FFF2-40B4-BE49-F238E27FC236}">
+                <a16:creationId xmlns:a16="http://schemas.microsoft.com/office/drawing/2014/main" id="{AA2271CC-44C3-C5D3-6205-DB9AB7183685}"/>
+              </a:ext>
+            </a:extLst>
+          </p:cNvPr>
+          <p:cNvSpPr>
+            <a:spLocks noGrp="1"/>
+          </p:cNvSpPr>
+          <p:nvPr>
+            <p:ph type="body" idx="1"/>
+          </p:nvPr>
+        </p:nvSpPr>
+        <p:spPr/>
+        <p:txBody>
+          <a:bodyPr/>
+          <a:lstStyle/>
+          <a:p>
+            <a:endParaRPr lang="en-US" dirty="0"/>
+          </a:p>
+        </p:txBody>
+      </p:sp>
+      <p:sp>
+        <p:nvSpPr>
+          <p:cNvPr id="4" name="Slide Number Placeholder 3">
+            <a:extLst>
+              <a:ext uri="{FF2B5EF4-FFF2-40B4-BE49-F238E27FC236}">
+                <a16:creationId xmlns:a16="http://schemas.microsoft.com/office/drawing/2014/main" id="{F2147C6B-D344-9236-276D-08687971A333}"/>
+              </a:ext>
+            </a:extLst>
+          </p:cNvPr>
+          <p:cNvSpPr>
+            <a:spLocks noGrp="1"/>
+          </p:cNvSpPr>
+          <p:nvPr>
+            <p:ph type="sldNum" sz="quarter" idx="5"/>
+          </p:nvPr>
+        </p:nvSpPr>
+        <p:spPr/>
+        <p:txBody>
+          <a:bodyPr/>
+          <a:lstStyle/>
+          <a:p>
+            <a:fld id="{2481A707-0A4C-444E-BBAC-8F56E4534DF7}" type="slidenum">
+              <a:rPr lang="en-US" smtClean="0"/>
+              <a:t>16</a:t>
+            </a:fld>
+            <a:endParaRPr lang="en-US" dirty="0"/>
+          </a:p>
+        </p:txBody>
+      </p:sp>
+    </p:spTree>
+    <p:extLst>
+      <p:ext uri="{BB962C8B-B14F-4D97-AF65-F5344CB8AC3E}">
+        <p14:creationId xmlns:p14="http://schemas.microsoft.com/office/powerpoint/2010/main" val="2389403505"/>
+      </p:ext>
+    </p:extLst>
+  </p:cSld>
+  <p:clrMapOvr>
+    <a:masterClrMapping/>
+  </p:clrMapOvr>
+</p:notes>
+</file>
+
+<file path=ppt/notesSlides/notesSlide17.xml><?xml version="1.0" encoding="utf-8"?>
+<p:notes xmlns:a="http://schemas.openxmlformats.org/drawingml/2006/main" xmlns:r="http://schemas.openxmlformats.org/officeDocument/2006/relationships" xmlns:p="http://schemas.openxmlformats.org/presentationml/2006/main">
+  <p:cSld>
+    <p:spTree>
+      <p:nvGrpSpPr>
+        <p:cNvPr id="1" name="">
+          <a:extLst>
+            <a:ext uri="{FF2B5EF4-FFF2-40B4-BE49-F238E27FC236}">
+              <a16:creationId xmlns:a16="http://schemas.microsoft.com/office/drawing/2014/main" id="{E7ABCDB1-36D4-5D66-304E-2D93A2B82AA1}"/>
+            </a:ext>
+          </a:extLst>
+        </p:cNvPr>
+        <p:cNvGrpSpPr/>
+        <p:nvPr/>
+      </p:nvGrpSpPr>
+      <p:grpSpPr>
+        <a:xfrm>
+          <a:off x="0" y="0"/>
+          <a:ext cx="0" cy="0"/>
+          <a:chOff x="0" y="0"/>
+          <a:chExt cx="0" cy="0"/>
+        </a:xfrm>
+      </p:grpSpPr>
+      <p:sp>
+        <p:nvSpPr>
+          <p:cNvPr id="2" name="Slide Image Placeholder 1">
+            <a:extLst>
+              <a:ext uri="{FF2B5EF4-FFF2-40B4-BE49-F238E27FC236}">
+                <a16:creationId xmlns:a16="http://schemas.microsoft.com/office/drawing/2014/main" id="{8DFD3C93-DAAE-C8F5-9D80-553A0A6C1D5C}"/>
+              </a:ext>
+            </a:extLst>
+          </p:cNvPr>
+          <p:cNvSpPr>
+            <a:spLocks noGrp="1" noRot="1" noChangeAspect="1"/>
+          </p:cNvSpPr>
+          <p:nvPr>
+            <p:ph type="sldImg"/>
+          </p:nvPr>
+        </p:nvSpPr>
+        <p:spPr/>
+      </p:sp>
+      <p:sp>
+        <p:nvSpPr>
+          <p:cNvPr id="3" name="Notes Placeholder 2">
+            <a:extLst>
+              <a:ext uri="{FF2B5EF4-FFF2-40B4-BE49-F238E27FC236}">
+                <a16:creationId xmlns:a16="http://schemas.microsoft.com/office/drawing/2014/main" id="{2AFCF123-C79E-448A-3017-C5A19B24BE5F}"/>
+              </a:ext>
+            </a:extLst>
+          </p:cNvPr>
+          <p:cNvSpPr>
+            <a:spLocks noGrp="1"/>
+          </p:cNvSpPr>
+          <p:nvPr>
+            <p:ph type="body" idx="1"/>
+          </p:nvPr>
+        </p:nvSpPr>
+        <p:spPr/>
+        <p:txBody>
+          <a:bodyPr/>
+          <a:lstStyle/>
+          <a:p>
+            <a:endParaRPr lang="en-US" dirty="0"/>
+          </a:p>
+        </p:txBody>
+      </p:sp>
+      <p:sp>
+        <p:nvSpPr>
+          <p:cNvPr id="4" name="Slide Number Placeholder 3">
+            <a:extLst>
+              <a:ext uri="{FF2B5EF4-FFF2-40B4-BE49-F238E27FC236}">
+                <a16:creationId xmlns:a16="http://schemas.microsoft.com/office/drawing/2014/main" id="{B17ADF82-E66C-7145-04BA-07AF47F7086A}"/>
+              </a:ext>
+            </a:extLst>
+          </p:cNvPr>
+          <p:cNvSpPr>
+            <a:spLocks noGrp="1"/>
+          </p:cNvSpPr>
+          <p:nvPr>
+            <p:ph type="sldNum" sz="quarter" idx="5"/>
+          </p:nvPr>
+        </p:nvSpPr>
+        <p:spPr/>
+        <p:txBody>
+          <a:bodyPr/>
+          <a:lstStyle/>
+          <a:p>
+            <a:fld id="{2481A707-0A4C-444E-BBAC-8F56E4534DF7}" type="slidenum">
+              <a:rPr lang="en-US" smtClean="0"/>
+              <a:t>17</a:t>
+            </a:fld>
+            <a:endParaRPr lang="en-US" dirty="0"/>
+          </a:p>
+        </p:txBody>
+      </p:sp>
+    </p:spTree>
+    <p:extLst>
+      <p:ext uri="{BB962C8B-B14F-4D97-AF65-F5344CB8AC3E}">
+        <p14:creationId xmlns:p14="http://schemas.microsoft.com/office/powerpoint/2010/main" val="2069705551"/>
+      </p:ext>
+    </p:extLst>
+  </p:cSld>
+  <p:clrMapOvr>
+    <a:masterClrMapping/>
+  </p:clrMapOvr>
+</p:notes>
+</file>
+
+<file path=ppt/notesSlides/notesSlide18.xml><?xml version="1.0" encoding="utf-8"?>
+<p:notes xmlns:a="http://schemas.openxmlformats.org/drawingml/2006/main" xmlns:r="http://schemas.openxmlformats.org/officeDocument/2006/relationships" xmlns:p="http://schemas.openxmlformats.org/presentationml/2006/main">
+  <p:cSld>
+    <p:spTree>
+      <p:nvGrpSpPr>
+        <p:cNvPr id="1" name="">
+          <a:extLst>
+            <a:ext uri="{FF2B5EF4-FFF2-40B4-BE49-F238E27FC236}">
               <a16:creationId xmlns:a16="http://schemas.microsoft.com/office/drawing/2014/main" id="{E8333B26-3930-582F-FE2F-AE5E4B4F363C}"/>
             </a:ext>
           </a:extLst>
@@ -1113,7 +1767,7 @@
           <a:p>
             <a:fld id="{2481A707-0A4C-444E-BBAC-8F56E4534DF7}" type="slidenum">
               <a:rPr lang="en-US" smtClean="0"/>
-              <a:t>12</a:t>
+              <a:t>18</a:t>
             </a:fld>
             <a:endParaRPr lang="en-US" dirty="0"/>
           </a:p>
@@ -1132,7 +1786,7 @@
 </p:notes>
 </file>
 
-<file path=ppt/notesSlides/notesSlide13.xml><?xml version="1.0" encoding="utf-8"?>
+<file path=ppt/notesSlides/notesSlide19.xml><?xml version="1.0" encoding="utf-8"?>
 <p:notes xmlns:a="http://schemas.openxmlformats.org/drawingml/2006/main" xmlns:r="http://schemas.openxmlformats.org/officeDocument/2006/relationships" xmlns:p="http://schemas.openxmlformats.org/presentationml/2006/main">
   <p:cSld>
     <p:spTree>
@@ -1197,7 +1851,7 @@
           <a:p>
             <a:fld id="{2481A707-0A4C-444E-BBAC-8F56E4534DF7}" type="slidenum">
               <a:rPr lang="en-US" smtClean="0"/>
-              <a:t>13</a:t>
+              <a:t>19</a:t>
             </a:fld>
             <a:endParaRPr lang="en-US" dirty="0"/>
           </a:p>
@@ -9852,40 +10506,6 @@
           </a:p>
         </p:txBody>
       </p:sp>
-      <p:pic>
-        <p:nvPicPr>
-          <p:cNvPr id="22" name="Picture Placeholder 21">
-            <a:extLst>
-              <a:ext uri="{FF2B5EF4-FFF2-40B4-BE49-F238E27FC236}">
-                <a16:creationId xmlns:a16="http://schemas.microsoft.com/office/drawing/2014/main" id="{E82C69EC-4DEE-F626-E3F9-870FAE40A2E7}"/>
-              </a:ext>
-            </a:extLst>
-          </p:cNvPr>
-          <p:cNvPicPr>
-            <a:picLocks noGrp="1" noChangeAspect="1"/>
-          </p:cNvPicPr>
-          <p:nvPr>
-            <p:ph type="pic" sz="quarter" idx="11"/>
-          </p:nvPr>
-        </p:nvPicPr>
-        <p:blipFill>
-          <a:blip r:embed="rId3"/>
-          <a:srcRect t="4962" b="4962"/>
-          <a:stretch/>
-        </p:blipFill>
-        <p:spPr>
-          <a:xfrm>
-            <a:off x="0" y="4700588"/>
-            <a:ext cx="10058400" cy="3071812"/>
-          </a:xfrm>
-          <a:prstGeom prst="rect">
-            <a:avLst/>
-          </a:prstGeom>
-          <a:ln>
-            <a:noFill/>
-          </a:ln>
-        </p:spPr>
-      </p:pic>
       <p:sp>
         <p:nvSpPr>
           <p:cNvPr id="39" name="Isosceles Triangle 38">
@@ -9965,8 +10585,8 @@
         </p:nvSpPr>
         <p:spPr>
           <a:xfrm>
-            <a:off x="1448655" y="936933"/>
-            <a:ext cx="7086600" cy="584775"/>
+            <a:off x="1448655" y="598267"/>
+            <a:ext cx="7086600" cy="646331"/>
           </a:xfrm>
           <a:prstGeom prst="rect">
             <a:avLst/>
@@ -9981,14 +10601,16 @@
           <a:p>
             <a:pPr algn="ctr"/>
             <a:r>
-              <a:rPr lang="en-US" sz="3200" b="1" dirty="0">
-                <a:solidFill>
-                  <a:schemeClr val="tx2"/>
-                </a:solidFill>
-                <a:latin typeface="+mj-lt"/>
-              </a:rPr>
-              <a:t>Supervised Machine Learning</a:t>
-            </a:r>
+              <a:rPr lang="en-GB" sz="3600" b="1" dirty="0" err="1"/>
+              <a:t>Preprocessing</a:t>
+            </a:r>
+            <a:r>
+              <a:rPr lang="en-GB" sz="3600" b="1" dirty="0"/>
+              <a:t> for Models</a:t>
+            </a:r>
+            <a:endParaRPr lang="en-US" sz="1050" b="1" dirty="0">
+              <a:latin typeface="+mj-lt"/>
+            </a:endParaRPr>
           </a:p>
         </p:txBody>
       </p:sp>
@@ -10007,7 +10629,7 @@
         <p:spPr>
           <a:xfrm>
             <a:off x="1528411" y="1737123"/>
-            <a:ext cx="6886575" cy="2246769"/>
+            <a:ext cx="8055856" cy="2677656"/>
           </a:xfrm>
           <a:prstGeom prst="rect">
             <a:avLst/>
@@ -10020,52 +10642,190 @@
           </a:bodyPr>
           <a:lstStyle/>
           <a:p>
+            <a:r>
+              <a:rPr lang="en-GB" sz="2800" dirty="0"/>
+              <a:t>Step 1: Filling the Null Values with Median:</a:t>
+            </a:r>
+          </a:p>
+          <a:p>
+            <a:r>
+              <a:rPr lang="en-GB" sz="2800" dirty="0"/>
+              <a:t>         </a:t>
+            </a:r>
+            <a:r>
+              <a:rPr lang="en-GB" sz="2800" dirty="0" err="1"/>
+              <a:t>median_bmi</a:t>
+            </a:r>
+            <a:r>
+              <a:rPr lang="en-GB" sz="2800" dirty="0"/>
+              <a:t> = </a:t>
+            </a:r>
+            <a:r>
+              <a:rPr lang="en-GB" sz="2800" dirty="0" err="1"/>
+              <a:t>df</a:t>
+            </a:r>
+            <a:r>
+              <a:rPr lang="en-GB" sz="2800" dirty="0"/>
+              <a:t>['</a:t>
+            </a:r>
+            <a:r>
+              <a:rPr lang="en-GB" sz="2800" dirty="0" err="1"/>
+              <a:t>bmi</a:t>
+            </a:r>
+            <a:r>
+              <a:rPr lang="en-GB" sz="2800" dirty="0"/>
+              <a:t>'].median()</a:t>
+            </a:r>
+          </a:p>
+          <a:p>
+            <a:r>
+              <a:rPr lang="en-GB" sz="2800" dirty="0"/>
+              <a:t>          </a:t>
+            </a:r>
+            <a:r>
+              <a:rPr lang="en-GB" sz="2800" dirty="0" err="1"/>
+              <a:t>df</a:t>
+            </a:r>
+            <a:r>
+              <a:rPr lang="en-GB" sz="2800" dirty="0"/>
+              <a:t>['</a:t>
+            </a:r>
+            <a:r>
+              <a:rPr lang="en-GB" sz="2800" dirty="0" err="1"/>
+              <a:t>bmi</a:t>
+            </a:r>
+            <a:r>
+              <a:rPr lang="en-GB" sz="2800" dirty="0"/>
+              <a:t>'] = </a:t>
+            </a:r>
+            <a:r>
+              <a:rPr lang="en-GB" sz="2800" dirty="0" err="1"/>
+              <a:t>df</a:t>
+            </a:r>
+            <a:r>
+              <a:rPr lang="en-GB" sz="2800" dirty="0"/>
+              <a:t>['</a:t>
+            </a:r>
+            <a:r>
+              <a:rPr lang="en-GB" sz="2800" dirty="0" err="1"/>
+              <a:t>bmi</a:t>
+            </a:r>
+            <a:r>
+              <a:rPr lang="en-GB" sz="2800" dirty="0"/>
+              <a:t>'].</a:t>
+            </a:r>
+            <a:r>
+              <a:rPr lang="en-GB" sz="2800" dirty="0" err="1"/>
+              <a:t>fillna</a:t>
+            </a:r>
+            <a:r>
+              <a:rPr lang="en-GB" sz="2800" dirty="0"/>
+              <a:t>(</a:t>
+            </a:r>
+            <a:r>
+              <a:rPr lang="en-GB" sz="2800" dirty="0" err="1"/>
+              <a:t>median_bmi</a:t>
+            </a:r>
+            <a:r>
+              <a:rPr lang="en-GB" sz="2800" dirty="0"/>
+              <a:t>)</a:t>
+            </a:r>
+          </a:p>
+          <a:p>
+            <a:r>
+              <a:rPr lang="en-GB" sz="2800" dirty="0"/>
+              <a:t>Step 2: Dropping some columns</a:t>
+            </a:r>
+          </a:p>
+          <a:p>
+            <a:r>
+              <a:rPr lang="en-GB" sz="2800" dirty="0" err="1"/>
+              <a:t>df</a:t>
+            </a:r>
+            <a:r>
+              <a:rPr lang="en-GB" sz="2800" dirty="0"/>
+              <a:t> = </a:t>
+            </a:r>
+            <a:r>
+              <a:rPr lang="en-GB" sz="2800" dirty="0" err="1"/>
+              <a:t>df.drop</a:t>
+            </a:r>
+            <a:r>
+              <a:rPr lang="en-GB" sz="2800" dirty="0"/>
+              <a:t>( ['id', '</a:t>
+            </a:r>
+            <a:r>
+              <a:rPr lang="en-GB" sz="2800" dirty="0" err="1"/>
+              <a:t>work_type</a:t>
+            </a:r>
+            <a:r>
+              <a:rPr lang="en-GB" sz="2800" dirty="0"/>
+              <a:t>'], axis=1)</a:t>
+            </a:r>
+          </a:p>
+          <a:p>
             <a:pPr marL="342900" indent="-342900">
               <a:buAutoNum type="arabicPeriod"/>
             </a:pPr>
-            <a:r>
-              <a:rPr lang="en-US" sz="2800" dirty="0"/>
-              <a:t>Introduction</a:t>
-            </a:r>
-          </a:p>
-          <a:p>
-            <a:pPr marL="342900" indent="-342900">
-              <a:buAutoNum type="arabicPeriod"/>
-            </a:pPr>
-            <a:r>
-              <a:rPr lang="en-US" sz="2800" dirty="0"/>
-              <a:t>Data Cleaning – SQL</a:t>
-            </a:r>
-          </a:p>
-          <a:p>
-            <a:pPr marL="342900" indent="-342900">
-              <a:buAutoNum type="arabicPeriod"/>
-            </a:pPr>
-            <a:r>
-              <a:rPr lang="en-US" sz="2800" dirty="0"/>
-              <a:t>Visualization – Python Matplotlib &amp; Pandas </a:t>
-            </a:r>
-          </a:p>
-          <a:p>
-            <a:pPr marL="342900" indent="-342900">
-              <a:buAutoNum type="arabicPeriod"/>
-            </a:pPr>
-            <a:r>
-              <a:rPr lang="en-US" sz="2800" dirty="0"/>
-              <a:t>Supervised Machine Learning Models </a:t>
-            </a:r>
-          </a:p>
-          <a:p>
-            <a:pPr marL="342900" indent="-342900">
-              <a:buAutoNum type="arabicPeriod"/>
-            </a:pPr>
-            <a:r>
-              <a:rPr lang="en-US" sz="2800" dirty="0"/>
-              <a:t>Result &amp; Conclusion</a:t>
-            </a:r>
+            <a:endParaRPr lang="en-US" sz="2800" dirty="0"/>
           </a:p>
         </p:txBody>
       </p:sp>
+      <p:sp>
+        <p:nvSpPr>
+          <p:cNvPr id="3" name="Picture Placeholder 2">
+            <a:extLst>
+              <a:ext uri="{FF2B5EF4-FFF2-40B4-BE49-F238E27FC236}">
+                <a16:creationId xmlns:a16="http://schemas.microsoft.com/office/drawing/2014/main" id="{6528BD2B-6DCE-E764-6196-D85CB05C09B8}"/>
+              </a:ext>
+            </a:extLst>
+          </p:cNvPr>
+          <p:cNvSpPr>
+            <a:spLocks noGrp="1"/>
+          </p:cNvSpPr>
+          <p:nvPr>
+            <p:ph type="pic" sz="quarter" idx="11"/>
+          </p:nvPr>
+        </p:nvSpPr>
+        <p:spPr/>
+        <p:txBody>
+          <a:bodyPr/>
+          <a:lstStyle/>
+          <a:p>
+            <a:endParaRPr lang="en-US"/>
+          </a:p>
+        </p:txBody>
+      </p:sp>
+      <p:pic>
+        <p:nvPicPr>
+          <p:cNvPr id="5" name="Picture 4">
+            <a:extLst>
+              <a:ext uri="{FF2B5EF4-FFF2-40B4-BE49-F238E27FC236}">
+                <a16:creationId xmlns:a16="http://schemas.microsoft.com/office/drawing/2014/main" id="{8220BF55-F982-9693-B22D-8393C504F9B6}"/>
+              </a:ext>
+            </a:extLst>
+          </p:cNvPr>
+          <p:cNvPicPr>
+            <a:picLocks noChangeAspect="1"/>
+          </p:cNvPicPr>
+          <p:nvPr/>
+        </p:nvPicPr>
+        <p:blipFill>
+          <a:blip r:embed="rId3"/>
+          <a:stretch>
+            <a:fillRect/>
+          </a:stretch>
+        </p:blipFill>
+        <p:spPr>
+          <a:xfrm>
+            <a:off x="198559" y="4005097"/>
+            <a:ext cx="9586791" cy="2872989"/>
+          </a:xfrm>
+          <a:prstGeom prst="rect">
+            <a:avLst/>
+          </a:prstGeom>
+        </p:spPr>
+      </p:pic>
     </p:spTree>
     <p:extLst>
       <p:ext uri="{BB962C8B-B14F-4D97-AF65-F5344CB8AC3E}">
@@ -10514,34 +11274,6 @@
           </a:p>
         </p:txBody>
       </p:sp>
-      <p:pic>
-        <p:nvPicPr>
-          <p:cNvPr id="5" name="Picture Placeholder 4">
-            <a:extLst>
-              <a:ext uri="{FF2B5EF4-FFF2-40B4-BE49-F238E27FC236}">
-                <a16:creationId xmlns:a16="http://schemas.microsoft.com/office/drawing/2014/main" id="{4E7E008B-52C3-08D7-3FC4-A2992AA7D10E}"/>
-              </a:ext>
-            </a:extLst>
-          </p:cNvPr>
-          <p:cNvPicPr>
-            <a:picLocks noGrp="1" noChangeAspect="1"/>
-          </p:cNvPicPr>
-          <p:nvPr>
-            <p:ph type="pic" sz="quarter" idx="11"/>
-          </p:nvPr>
-        </p:nvPicPr>
-        <p:blipFill>
-          <a:blip r:embed="rId3"/>
-          <a:srcRect t="3172" b="3172"/>
-          <a:stretch/>
-        </p:blipFill>
-        <p:spPr>
-          <a:xfrm>
-            <a:off x="0" y="4700588"/>
-            <a:ext cx="10058400" cy="3071812"/>
-          </a:xfrm>
-        </p:spPr>
-      </p:pic>
       <p:sp>
         <p:nvSpPr>
           <p:cNvPr id="6" name="TextBox 5">
@@ -10556,8 +11288,8 @@
         </p:nvSpPr>
         <p:spPr>
           <a:xfrm>
-            <a:off x="1448655" y="936933"/>
-            <a:ext cx="7086600" cy="584775"/>
+            <a:off x="1217294" y="659903"/>
+            <a:ext cx="7623812" cy="1077218"/>
           </a:xfrm>
           <a:prstGeom prst="rect">
             <a:avLst/>
@@ -10572,23 +11304,136 @@
           <a:p>
             <a:pPr algn="ctr"/>
             <a:r>
-              <a:rPr lang="en-US" sz="3200" b="1" dirty="0">
-                <a:solidFill>
-                  <a:schemeClr val="tx2"/>
-                </a:solidFill>
-                <a:latin typeface="+mj-lt"/>
-              </a:rPr>
-              <a:t>Model Optimization</a:t>
-            </a:r>
+              <a:rPr lang="en-GB" sz="3200" b="1" dirty="0"/>
+              <a:t>Splitting the data into Training and Testing Sets </a:t>
+            </a:r>
+            <a:endParaRPr lang="en-US" sz="3200" b="1" dirty="0">
+              <a:latin typeface="+mj-lt"/>
+            </a:endParaRPr>
           </a:p>
         </p:txBody>
       </p:sp>
       <p:sp>
         <p:nvSpPr>
-          <p:cNvPr id="7" name="TextBox 6">
-            <a:extLst>
-              <a:ext uri="{FF2B5EF4-FFF2-40B4-BE49-F238E27FC236}">
-                <a16:creationId xmlns:a16="http://schemas.microsoft.com/office/drawing/2014/main" id="{152DB5FC-6B69-C0C6-2E02-479545CD5E06}"/>
+          <p:cNvPr id="3" name="Picture Placeholder 2">
+            <a:extLst>
+              <a:ext uri="{FF2B5EF4-FFF2-40B4-BE49-F238E27FC236}">
+                <a16:creationId xmlns:a16="http://schemas.microsoft.com/office/drawing/2014/main" id="{0FE749D7-A507-229A-4A56-EFDF203E4EF6}"/>
+              </a:ext>
+            </a:extLst>
+          </p:cNvPr>
+          <p:cNvSpPr>
+            <a:spLocks noGrp="1"/>
+          </p:cNvSpPr>
+          <p:nvPr>
+            <p:ph type="pic" sz="quarter" idx="11"/>
+          </p:nvPr>
+        </p:nvSpPr>
+        <p:spPr/>
+        <p:txBody>
+          <a:bodyPr/>
+          <a:lstStyle/>
+          <a:p>
+            <a:endParaRPr lang="en-US"/>
+          </a:p>
+        </p:txBody>
+      </p:sp>
+      <p:pic>
+        <p:nvPicPr>
+          <p:cNvPr id="4" name="Picture 3">
+            <a:extLst>
+              <a:ext uri="{FF2B5EF4-FFF2-40B4-BE49-F238E27FC236}">
+                <a16:creationId xmlns:a16="http://schemas.microsoft.com/office/drawing/2014/main" id="{DD7BC4ED-0EF1-B185-9EEB-0D2C804C1453}"/>
+              </a:ext>
+            </a:extLst>
+          </p:cNvPr>
+          <p:cNvPicPr>
+            <a:picLocks noChangeAspect="1"/>
+          </p:cNvPicPr>
+          <p:nvPr/>
+        </p:nvPicPr>
+        <p:blipFill>
+          <a:blip r:embed="rId3"/>
+          <a:stretch>
+            <a:fillRect/>
+          </a:stretch>
+        </p:blipFill>
+        <p:spPr>
+          <a:xfrm>
+            <a:off x="2778582" y="5831952"/>
+            <a:ext cx="4663844" cy="1539373"/>
+          </a:xfrm>
+          <a:prstGeom prst="rect">
+            <a:avLst/>
+          </a:prstGeom>
+        </p:spPr>
+      </p:pic>
+      <p:pic>
+        <p:nvPicPr>
+          <p:cNvPr id="8" name="Picture 7">
+            <a:extLst>
+              <a:ext uri="{FF2B5EF4-FFF2-40B4-BE49-F238E27FC236}">
+                <a16:creationId xmlns:a16="http://schemas.microsoft.com/office/drawing/2014/main" id="{EBD022F7-9034-A9E4-7596-C9BF618BE616}"/>
+              </a:ext>
+            </a:extLst>
+          </p:cNvPr>
+          <p:cNvPicPr>
+            <a:picLocks noChangeAspect="1"/>
+          </p:cNvPicPr>
+          <p:nvPr/>
+        </p:nvPicPr>
+        <p:blipFill>
+          <a:blip r:embed="rId4"/>
+          <a:stretch>
+            <a:fillRect/>
+          </a:stretch>
+        </p:blipFill>
+        <p:spPr>
+          <a:xfrm>
+            <a:off x="344152" y="2010225"/>
+            <a:ext cx="4046571" cy="1265030"/>
+          </a:xfrm>
+          <a:prstGeom prst="rect">
+            <a:avLst/>
+          </a:prstGeom>
+        </p:spPr>
+      </p:pic>
+      <p:pic>
+        <p:nvPicPr>
+          <p:cNvPr id="9" name="Picture 8">
+            <a:extLst>
+              <a:ext uri="{FF2B5EF4-FFF2-40B4-BE49-F238E27FC236}">
+                <a16:creationId xmlns:a16="http://schemas.microsoft.com/office/drawing/2014/main" id="{50A053F5-EC2F-8602-C86F-EAF126080170}"/>
+              </a:ext>
+            </a:extLst>
+          </p:cNvPr>
+          <p:cNvPicPr>
+            <a:picLocks noChangeAspect="1"/>
+          </p:cNvPicPr>
+          <p:nvPr/>
+        </p:nvPicPr>
+        <p:blipFill>
+          <a:blip r:embed="rId5"/>
+          <a:stretch>
+            <a:fillRect/>
+          </a:stretch>
+        </p:blipFill>
+        <p:spPr>
+          <a:xfrm>
+            <a:off x="7168158" y="3731622"/>
+            <a:ext cx="2286198" cy="906047"/>
+          </a:xfrm>
+          <a:prstGeom prst="rect">
+            <a:avLst/>
+          </a:prstGeom>
+        </p:spPr>
+      </p:pic>
+      <p:sp>
+        <p:nvSpPr>
+          <p:cNvPr id="10" name="TextBox 9">
+            <a:extLst>
+              <a:ext uri="{FF2B5EF4-FFF2-40B4-BE49-F238E27FC236}">
+                <a16:creationId xmlns:a16="http://schemas.microsoft.com/office/drawing/2014/main" id="{34766FD2-D97E-42CB-2AFA-D6A69A3A76D7}"/>
               </a:ext>
             </a:extLst>
           </p:cNvPr>
@@ -10597,8 +11442,8 @@
         </p:nvSpPr>
         <p:spPr>
           <a:xfrm>
-            <a:off x="1528411" y="1737123"/>
-            <a:ext cx="6886575" cy="2246769"/>
+            <a:off x="5838683" y="2905246"/>
+            <a:ext cx="4046571" cy="369332"/>
           </a:xfrm>
           <a:prstGeom prst="rect">
             <a:avLst/>
@@ -10611,52 +11456,43 @@
           </a:bodyPr>
           <a:lstStyle/>
           <a:p>
-            <a:pPr marL="342900" indent="-342900">
-              <a:buAutoNum type="arabicPeriod"/>
-            </a:pPr>
-            <a:r>
-              <a:rPr lang="en-US" sz="2800" dirty="0"/>
-              <a:t>Introduction</a:t>
-            </a:r>
-          </a:p>
-          <a:p>
-            <a:pPr marL="342900" indent="-342900">
-              <a:buAutoNum type="arabicPeriod"/>
-            </a:pPr>
-            <a:r>
-              <a:rPr lang="en-US" sz="2800" dirty="0"/>
-              <a:t>Data Cleaning – SQL</a:t>
-            </a:r>
-          </a:p>
-          <a:p>
-            <a:pPr marL="342900" indent="-342900">
-              <a:buAutoNum type="arabicPeriod"/>
-            </a:pPr>
-            <a:r>
-              <a:rPr lang="en-US" sz="2800" dirty="0"/>
-              <a:t>Visualization – Python Matplotlib &amp; Pandas </a:t>
-            </a:r>
-          </a:p>
-          <a:p>
-            <a:pPr marL="342900" indent="-342900">
-              <a:buAutoNum type="arabicPeriod"/>
-            </a:pPr>
-            <a:r>
-              <a:rPr lang="en-US" sz="2800" dirty="0"/>
-              <a:t>Supervised Machine Learning Models </a:t>
-            </a:r>
-          </a:p>
-          <a:p>
-            <a:pPr marL="342900" indent="-342900">
-              <a:buAutoNum type="arabicPeriod"/>
-            </a:pPr>
-            <a:r>
-              <a:rPr lang="en-US" sz="2800" dirty="0"/>
-              <a:t>Result &amp; Conclusion</a:t>
+            <a:r>
+              <a:rPr lang="en-GB" dirty="0"/>
+              <a:t>Balance of our target values(y)</a:t>
             </a:r>
           </a:p>
         </p:txBody>
       </p:sp>
+      <p:pic>
+        <p:nvPicPr>
+          <p:cNvPr id="11" name="Picture 10">
+            <a:extLst>
+              <a:ext uri="{FF2B5EF4-FFF2-40B4-BE49-F238E27FC236}">
+                <a16:creationId xmlns:a16="http://schemas.microsoft.com/office/drawing/2014/main" id="{4F7EDA41-21EB-9064-6D64-AE6BA8A5D178}"/>
+              </a:ext>
+            </a:extLst>
+          </p:cNvPr>
+          <p:cNvPicPr>
+            <a:picLocks noChangeAspect="1"/>
+          </p:cNvPicPr>
+          <p:nvPr/>
+        </p:nvPicPr>
+        <p:blipFill>
+          <a:blip r:embed="rId6"/>
+          <a:stretch>
+            <a:fillRect/>
+          </a:stretch>
+        </p:blipFill>
+        <p:spPr>
+          <a:xfrm>
+            <a:off x="344152" y="3787712"/>
+            <a:ext cx="5997460" cy="1791278"/>
+          </a:xfrm>
+          <a:prstGeom prst="rect">
+            <a:avLst/>
+          </a:prstGeom>
+        </p:spPr>
+      </p:pic>
     </p:spTree>
     <p:extLst>
       <p:ext uri="{BB962C8B-B14F-4D97-AF65-F5344CB8AC3E}">
@@ -10686,7 +11522,7 @@
         <p:cNvPr id="1" name="">
           <a:extLst>
             <a:ext uri="{FF2B5EF4-FFF2-40B4-BE49-F238E27FC236}">
-              <a16:creationId xmlns:a16="http://schemas.microsoft.com/office/drawing/2014/main" id="{19976652-C50D-0AED-59F5-520024B90CBE}"/>
+              <a16:creationId xmlns:a16="http://schemas.microsoft.com/office/drawing/2014/main" id="{44464D06-C3E6-AA1C-6E98-1DA2883CD0BE}"/>
             </a:ext>
           </a:extLst>
         </p:cNvPr>
@@ -10706,7 +11542,7 @@
           <p:cNvPr id="27" name="Rectangle 26">
             <a:extLst>
               <a:ext uri="{FF2B5EF4-FFF2-40B4-BE49-F238E27FC236}">
-                <a16:creationId xmlns:a16="http://schemas.microsoft.com/office/drawing/2014/main" id="{7BB21BAA-CED1-B16A-1DEE-E71B871D83E9}"/>
+                <a16:creationId xmlns:a16="http://schemas.microsoft.com/office/drawing/2014/main" id="{A05955D2-655F-57B5-37A4-ADAEDE699BC5}"/>
               </a:ext>
               <a:ext uri="{C183D7F6-B498-43B3-948B-1728B52AA6E4}">
                 <adec:decorative xmlns:adec="http://schemas.microsoft.com/office/drawing/2017/decorative" val="1"/>
@@ -10769,7 +11605,7 @@
           <p:cNvPr id="29" name="Freeform: Shape 28">
             <a:extLst>
               <a:ext uri="{FF2B5EF4-FFF2-40B4-BE49-F238E27FC236}">
-                <a16:creationId xmlns:a16="http://schemas.microsoft.com/office/drawing/2014/main" id="{59F97F45-7FAF-0965-515C-DF36AA4F4400}"/>
+                <a16:creationId xmlns:a16="http://schemas.microsoft.com/office/drawing/2014/main" id="{366ACB72-D978-92DD-5431-3827F8EC9EBE}"/>
               </a:ext>
               <a:ext uri="{C183D7F6-B498-43B3-948B-1728B52AA6E4}">
                 <adec:decorative xmlns:adec="http://schemas.microsoft.com/office/drawing/2017/decorative" val="1"/>
@@ -10885,7 +11721,7 @@
           <p:cNvPr id="31" name="Rectangle 30">
             <a:extLst>
               <a:ext uri="{FF2B5EF4-FFF2-40B4-BE49-F238E27FC236}">
-                <a16:creationId xmlns:a16="http://schemas.microsoft.com/office/drawing/2014/main" id="{C8E56BDA-4F67-DA7E-D11A-F7C40647ADE6}"/>
+                <a16:creationId xmlns:a16="http://schemas.microsoft.com/office/drawing/2014/main" id="{2CB9ED87-5971-7BA4-95EB-CC4C723FFF29}"/>
               </a:ext>
               <a:ext uri="{C183D7F6-B498-43B3-948B-1728B52AA6E4}">
                 <adec:decorative xmlns:adec="http://schemas.microsoft.com/office/drawing/2017/decorative" val="1"/>
@@ -10950,7 +11786,7 @@
           <p:cNvPr id="33" name="Rectangle 32">
             <a:extLst>
               <a:ext uri="{FF2B5EF4-FFF2-40B4-BE49-F238E27FC236}">
-                <a16:creationId xmlns:a16="http://schemas.microsoft.com/office/drawing/2014/main" id="{1AEBF9B3-2C45-A7B0-CBD6-7ACEF01BA03C}"/>
+                <a16:creationId xmlns:a16="http://schemas.microsoft.com/office/drawing/2014/main" id="{98ADFC44-0923-8257-C508-453EBA6EA2F2}"/>
               </a:ext>
               <a:ext uri="{C183D7F6-B498-43B3-948B-1728B52AA6E4}">
                 <adec:decorative xmlns:adec="http://schemas.microsoft.com/office/drawing/2017/decorative" val="1"/>
@@ -11015,7 +11851,7 @@
           <p:cNvPr id="35" name="Freeform: Shape 34">
             <a:extLst>
               <a:ext uri="{FF2B5EF4-FFF2-40B4-BE49-F238E27FC236}">
-                <a16:creationId xmlns:a16="http://schemas.microsoft.com/office/drawing/2014/main" id="{9683BA8B-41AC-57DC-440A-8E392CF1D52A}"/>
+                <a16:creationId xmlns:a16="http://schemas.microsoft.com/office/drawing/2014/main" id="{4D74CE62-EBBB-2D48-4831-6B32ED7D471C}"/>
               </a:ext>
               <a:ext uri="{C183D7F6-B498-43B3-948B-1728B52AA6E4}">
                 <adec:decorative xmlns:adec="http://schemas.microsoft.com/office/drawing/2017/decorative" val="1"/>
@@ -11125,7 +11961,7 @@
           <p:cNvPr id="37" name="Isosceles Triangle 36">
             <a:extLst>
               <a:ext uri="{FF2B5EF4-FFF2-40B4-BE49-F238E27FC236}">
-                <a16:creationId xmlns:a16="http://schemas.microsoft.com/office/drawing/2014/main" id="{D21B866A-A77B-1BB1-62F9-4A0813EBCE97}"/>
+                <a16:creationId xmlns:a16="http://schemas.microsoft.com/office/drawing/2014/main" id="{C8C2CADF-8753-6E14-7A10-9EA4EF7BBEEA}"/>
               </a:ext>
               <a:ext uri="{C183D7F6-B498-43B3-948B-1728B52AA6E4}">
                 <adec:decorative xmlns:adec="http://schemas.microsoft.com/office/drawing/2017/decorative" val="1"/>
@@ -11185,46 +12021,12 @@
           </a:p>
         </p:txBody>
       </p:sp>
-      <p:pic>
-        <p:nvPicPr>
-          <p:cNvPr id="22" name="Picture Placeholder 21">
-            <a:extLst>
-              <a:ext uri="{FF2B5EF4-FFF2-40B4-BE49-F238E27FC236}">
-                <a16:creationId xmlns:a16="http://schemas.microsoft.com/office/drawing/2014/main" id="{A15C48D8-1E7C-8255-8356-E6FB553D0FC0}"/>
-              </a:ext>
-            </a:extLst>
-          </p:cNvPr>
-          <p:cNvPicPr>
-            <a:picLocks noGrp="1" noChangeAspect="1"/>
-          </p:cNvPicPr>
-          <p:nvPr>
-            <p:ph type="pic" sz="quarter" idx="11"/>
-          </p:nvPr>
-        </p:nvPicPr>
-        <p:blipFill>
-          <a:blip r:embed="rId3"/>
-          <a:srcRect t="4962" b="4962"/>
-          <a:stretch/>
-        </p:blipFill>
-        <p:spPr>
-          <a:xfrm>
-            <a:off x="0" y="4700588"/>
-            <a:ext cx="10058400" cy="3071812"/>
-          </a:xfrm>
-          <a:prstGeom prst="rect">
-            <a:avLst/>
-          </a:prstGeom>
-          <a:ln>
-            <a:noFill/>
-          </a:ln>
-        </p:spPr>
-      </p:pic>
       <p:sp>
         <p:nvSpPr>
           <p:cNvPr id="39" name="Isosceles Triangle 38">
             <a:extLst>
               <a:ext uri="{FF2B5EF4-FFF2-40B4-BE49-F238E27FC236}">
-                <a16:creationId xmlns:a16="http://schemas.microsoft.com/office/drawing/2014/main" id="{2F03BE48-83EC-1FB1-519E-B8C8262286CB}"/>
+                <a16:creationId xmlns:a16="http://schemas.microsoft.com/office/drawing/2014/main" id="{495D4C37-9A2A-6709-1B54-A6CCCF8AD454}"/>
               </a:ext>
               <a:ext uri="{C183D7F6-B498-43B3-948B-1728B52AA6E4}">
                 <adec:decorative xmlns:adec="http://schemas.microsoft.com/office/drawing/2017/decorative" val="1"/>
@@ -11289,6 +12091,4955 @@
           <p:cNvPr id="26" name="TextBox 25">
             <a:extLst>
               <a:ext uri="{FF2B5EF4-FFF2-40B4-BE49-F238E27FC236}">
+                <a16:creationId xmlns:a16="http://schemas.microsoft.com/office/drawing/2014/main" id="{8FBB3F20-3CC5-0413-DE99-13D4C35CD8BF}"/>
+              </a:ext>
+            </a:extLst>
+          </p:cNvPr>
+          <p:cNvSpPr txBox="1"/>
+          <p:nvPr/>
+        </p:nvSpPr>
+        <p:spPr>
+          <a:xfrm>
+            <a:off x="1448655" y="598267"/>
+            <a:ext cx="7086600" cy="646331"/>
+          </a:xfrm>
+          <a:prstGeom prst="rect">
+            <a:avLst/>
+          </a:prstGeom>
+          <a:noFill/>
+        </p:spPr>
+        <p:txBody>
+          <a:bodyPr wrap="square" rtlCol="0">
+            <a:spAutoFit/>
+          </a:bodyPr>
+          <a:lstStyle/>
+          <a:p>
+            <a:pPr algn="ctr"/>
+            <a:r>
+              <a:rPr lang="en-GB" sz="3600" b="1" dirty="0"/>
+              <a:t>Standardize Data</a:t>
+            </a:r>
+          </a:p>
+        </p:txBody>
+      </p:sp>
+      <p:sp>
+        <p:nvSpPr>
+          <p:cNvPr id="3" name="Picture Placeholder 2">
+            <a:extLst>
+              <a:ext uri="{FF2B5EF4-FFF2-40B4-BE49-F238E27FC236}">
+                <a16:creationId xmlns:a16="http://schemas.microsoft.com/office/drawing/2014/main" id="{27E0065C-F81B-F5C1-68B0-DCDC486D6F83}"/>
+              </a:ext>
+            </a:extLst>
+          </p:cNvPr>
+          <p:cNvSpPr>
+            <a:spLocks noGrp="1"/>
+          </p:cNvSpPr>
+          <p:nvPr>
+            <p:ph type="pic" sz="quarter" idx="11"/>
+          </p:nvPr>
+        </p:nvSpPr>
+        <p:spPr/>
+        <p:txBody>
+          <a:bodyPr/>
+          <a:lstStyle/>
+          <a:p>
+            <a:endParaRPr lang="en-US"/>
+          </a:p>
+        </p:txBody>
+      </p:sp>
+      <p:pic>
+        <p:nvPicPr>
+          <p:cNvPr id="2" name="Picture 1">
+            <a:extLst>
+              <a:ext uri="{FF2B5EF4-FFF2-40B4-BE49-F238E27FC236}">
+                <a16:creationId xmlns:a16="http://schemas.microsoft.com/office/drawing/2014/main" id="{63FF9FB8-3E9C-914A-C693-032292109EB2}"/>
+              </a:ext>
+            </a:extLst>
+          </p:cNvPr>
+          <p:cNvPicPr>
+            <a:picLocks noChangeAspect="1"/>
+          </p:cNvPicPr>
+          <p:nvPr/>
+        </p:nvPicPr>
+        <p:blipFill>
+          <a:blip r:embed="rId3"/>
+          <a:stretch>
+            <a:fillRect/>
+          </a:stretch>
+        </p:blipFill>
+        <p:spPr>
+          <a:xfrm>
+            <a:off x="4936714" y="2060941"/>
+            <a:ext cx="4866593" cy="2109651"/>
+          </a:xfrm>
+          <a:prstGeom prst="rect">
+            <a:avLst/>
+          </a:prstGeom>
+        </p:spPr>
+      </p:pic>
+      <p:pic>
+        <p:nvPicPr>
+          <p:cNvPr id="4" name="Picture 3">
+            <a:extLst>
+              <a:ext uri="{FF2B5EF4-FFF2-40B4-BE49-F238E27FC236}">
+                <a16:creationId xmlns:a16="http://schemas.microsoft.com/office/drawing/2014/main" id="{E0C929B9-9AC6-08E7-0D12-2C2BE173FBC5}"/>
+              </a:ext>
+            </a:extLst>
+          </p:cNvPr>
+          <p:cNvPicPr>
+            <a:picLocks noChangeAspect="1"/>
+          </p:cNvPicPr>
+          <p:nvPr/>
+        </p:nvPicPr>
+        <p:blipFill>
+          <a:blip r:embed="rId4"/>
+          <a:stretch>
+            <a:fillRect/>
+          </a:stretch>
+        </p:blipFill>
+        <p:spPr>
+          <a:xfrm>
+            <a:off x="200125" y="2060943"/>
+            <a:ext cx="4608395" cy="2109650"/>
+          </a:xfrm>
+          <a:prstGeom prst="rect">
+            <a:avLst/>
+          </a:prstGeom>
+        </p:spPr>
+      </p:pic>
+      <p:pic>
+        <p:nvPicPr>
+          <p:cNvPr id="6" name="Picture 2" descr="z-score standard deviation">
+            <a:extLst>
+              <a:ext uri="{FF2B5EF4-FFF2-40B4-BE49-F238E27FC236}">
+                <a16:creationId xmlns:a16="http://schemas.microsoft.com/office/drawing/2014/main" id="{4D30D944-07E3-8CC8-5712-72FAA64FA584}"/>
+              </a:ext>
+            </a:extLst>
+          </p:cNvPr>
+          <p:cNvPicPr>
+            <a:picLocks noChangeAspect="1" noChangeArrowheads="1"/>
+          </p:cNvPicPr>
+          <p:nvPr/>
+        </p:nvPicPr>
+        <p:blipFill>
+          <a:blip r:embed="rId5">
+            <a:extLst>
+              <a:ext uri="{28A0092B-C50C-407E-A947-70E740481C1C}">
+                <a14:useLocalDpi xmlns:a14="http://schemas.microsoft.com/office/drawing/2010/main" val="0"/>
+              </a:ext>
+            </a:extLst>
+          </a:blip>
+          <a:srcRect/>
+          <a:stretch>
+            <a:fillRect/>
+          </a:stretch>
+        </p:blipFill>
+        <p:spPr bwMode="auto">
+          <a:xfrm>
+            <a:off x="6241174" y="5102241"/>
+            <a:ext cx="2505075" cy="514350"/>
+          </a:xfrm>
+          <a:prstGeom prst="rect">
+            <a:avLst/>
+          </a:prstGeom>
+          <a:noFill/>
+          <a:extLst>
+            <a:ext uri="{909E8E84-426E-40DD-AFC4-6F175D3DCCD1}">
+              <a14:hiddenFill xmlns:a14="http://schemas.microsoft.com/office/drawing/2010/main">
+                <a:solidFill>
+                  <a:srgbClr val="FFFFFF"/>
+                </a:solidFill>
+              </a14:hiddenFill>
+            </a:ext>
+          </a:extLst>
+        </p:spPr>
+      </p:pic>
+      <p:sp>
+        <p:nvSpPr>
+          <p:cNvPr id="7" name="TextBox 6">
+            <a:extLst>
+              <a:ext uri="{FF2B5EF4-FFF2-40B4-BE49-F238E27FC236}">
+                <a16:creationId xmlns:a16="http://schemas.microsoft.com/office/drawing/2014/main" id="{70F1ABC8-E8FC-BB1A-19ED-E8C1CB475111}"/>
+              </a:ext>
+            </a:extLst>
+          </p:cNvPr>
+          <p:cNvSpPr txBox="1"/>
+          <p:nvPr/>
+        </p:nvSpPr>
+        <p:spPr>
+          <a:xfrm>
+            <a:off x="554980" y="4986935"/>
+            <a:ext cx="5139337" cy="923330"/>
+          </a:xfrm>
+          <a:prstGeom prst="rect">
+            <a:avLst/>
+          </a:prstGeom>
+          <a:noFill/>
+        </p:spPr>
+        <p:txBody>
+          <a:bodyPr wrap="square" rtlCol="0">
+            <a:spAutoFit/>
+          </a:bodyPr>
+          <a:lstStyle/>
+          <a:p>
+            <a:pPr marL="285750" indent="-285750" algn="l">
+              <a:buFont typeface="Arial" panose="020B0604020202020204" pitchFamily="34" charset="0"/>
+              <a:buChar char="•"/>
+            </a:pPr>
+            <a:r>
+              <a:rPr lang="en-GB" b="1" cap="all" dirty="0">
+                <a:solidFill>
+                  <a:srgbClr val="04003F"/>
+                </a:solidFill>
+                <a:effectLst/>
+                <a:latin typeface="Montserrat" panose="020F0502020204030204" pitchFamily="2" charset="0"/>
+              </a:rPr>
+              <a:t>K-NEAREST NEIGHBORS (KNN)</a:t>
+            </a:r>
+          </a:p>
+          <a:p>
+            <a:pPr marL="285750" indent="-285750">
+              <a:buFont typeface="Arial" panose="020B0604020202020204" pitchFamily="34" charset="0"/>
+              <a:buChar char="•"/>
+            </a:pPr>
+            <a:r>
+              <a:rPr lang="en-GB" b="1" cap="all" dirty="0">
+                <a:solidFill>
+                  <a:srgbClr val="04003F"/>
+                </a:solidFill>
+                <a:effectLst/>
+                <a:latin typeface="Montserrat" panose="00000500000000000000" pitchFamily="2" charset="0"/>
+              </a:rPr>
+              <a:t>SUPPORT VECTOR MACHINE (SVM)</a:t>
+            </a:r>
+          </a:p>
+          <a:p>
+            <a:pPr marL="285750" indent="-285750" algn="l">
+              <a:buFont typeface="Arial" panose="020B0604020202020204" pitchFamily="34" charset="0"/>
+              <a:buChar char="•"/>
+            </a:pPr>
+            <a:endParaRPr lang="en-GB" b="1" cap="all" dirty="0">
+              <a:solidFill>
+                <a:srgbClr val="04003F"/>
+              </a:solidFill>
+              <a:effectLst/>
+              <a:latin typeface="Montserrat" panose="020F0502020204030204" pitchFamily="2" charset="0"/>
+            </a:endParaRPr>
+          </a:p>
+        </p:txBody>
+      </p:sp>
+    </p:spTree>
+    <p:extLst>
+      <p:ext uri="{BB962C8B-B14F-4D97-AF65-F5344CB8AC3E}">
+        <p14:creationId xmlns:p14="http://schemas.microsoft.com/office/powerpoint/2010/main" val="2036719530"/>
+      </p:ext>
+    </p:extLst>
+  </p:cSld>
+  <p:clrMapOvr>
+    <a:masterClrMapping/>
+  </p:clrMapOvr>
+</p:sld>
+</file>
+
+<file path=ppt/slides/slide13.xml><?xml version="1.0" encoding="utf-8"?>
+<p:sld xmlns:a="http://schemas.openxmlformats.org/drawingml/2006/main" xmlns:r="http://schemas.openxmlformats.org/officeDocument/2006/relationships" xmlns:p="http://schemas.openxmlformats.org/presentationml/2006/main">
+  <p:cSld>
+    <p:bg>
+      <p:bgPr>
+        <a:solidFill>
+          <a:schemeClr val="bg1"/>
+        </a:solidFill>
+        <a:effectLst/>
+      </p:bgPr>
+    </p:bg>
+    <p:spTree>
+      <p:nvGrpSpPr>
+        <p:cNvPr id="1" name="">
+          <a:extLst>
+            <a:ext uri="{FF2B5EF4-FFF2-40B4-BE49-F238E27FC236}">
+              <a16:creationId xmlns:a16="http://schemas.microsoft.com/office/drawing/2014/main" id="{4D4B2940-E5C6-E664-82FC-1AC9E90AE916}"/>
+            </a:ext>
+          </a:extLst>
+        </p:cNvPr>
+        <p:cNvGrpSpPr/>
+        <p:nvPr/>
+      </p:nvGrpSpPr>
+      <p:grpSpPr>
+        <a:xfrm>
+          <a:off x="0" y="0"/>
+          <a:ext cx="0" cy="0"/>
+          <a:chOff x="0" y="0"/>
+          <a:chExt cx="0" cy="0"/>
+        </a:xfrm>
+      </p:grpSpPr>
+      <p:sp>
+        <p:nvSpPr>
+          <p:cNvPr id="27" name="Rectangle 26">
+            <a:extLst>
+              <a:ext uri="{FF2B5EF4-FFF2-40B4-BE49-F238E27FC236}">
+                <a16:creationId xmlns:a16="http://schemas.microsoft.com/office/drawing/2014/main" id="{267C15C5-3E13-1F11-42BD-D84F48759E71}"/>
+              </a:ext>
+              <a:ext uri="{C183D7F6-B498-43B3-948B-1728B52AA6E4}">
+                <adec:decorative xmlns:adec="http://schemas.microsoft.com/office/drawing/2017/decorative" val="1"/>
+              </a:ext>
+            </a:extLst>
+          </p:cNvPr>
+          <p:cNvSpPr>
+            <a:spLocks noGrp="1" noRot="1" noChangeAspect="1" noMove="1" noResize="1" noEditPoints="1" noAdjustHandles="1" noChangeArrowheads="1" noChangeShapeType="1" noTextEdit="1"/>
+          </p:cNvSpPr>
+          <p:nvPr>
+            <p:extLst>
+              <p:ext uri="{386F3935-93C4-4BCD-93E2-E3B085C9AB24}">
+                <p16:designElem xmlns:p16="http://schemas.microsoft.com/office/powerpoint/2015/main" val="1"/>
+              </p:ext>
+            </p:extLst>
+          </p:nvPr>
+        </p:nvSpPr>
+        <p:spPr>
+          <a:xfrm>
+            <a:off x="0" y="0"/>
+            <a:ext cx="10058400" cy="7772400"/>
+          </a:xfrm>
+          <a:prstGeom prst="rect">
+            <a:avLst/>
+          </a:prstGeom>
+          <a:solidFill>
+            <a:schemeClr val="bg1"/>
+          </a:solidFill>
+          <a:ln>
+            <a:noFill/>
+          </a:ln>
+        </p:spPr>
+        <p:style>
+          <a:lnRef idx="2">
+            <a:schemeClr val="accent1">
+              <a:shade val="50000"/>
+            </a:schemeClr>
+          </a:lnRef>
+          <a:fillRef idx="1">
+            <a:schemeClr val="accent1"/>
+          </a:fillRef>
+          <a:effectRef idx="0">
+            <a:schemeClr val="accent1"/>
+          </a:effectRef>
+          <a:fontRef idx="minor">
+            <a:schemeClr val="lt1"/>
+          </a:fontRef>
+        </p:style>
+        <p:txBody>
+          <a:bodyPr rtlCol="0" anchor="ctr"/>
+          <a:lstStyle/>
+          <a:p>
+            <a:pPr algn="ctr"/>
+            <a:endParaRPr lang="en-US" dirty="0"/>
+          </a:p>
+        </p:txBody>
+      </p:sp>
+      <p:grpSp>
+        <p:nvGrpSpPr>
+          <p:cNvPr id="29" name="Group 28">
+            <a:extLst>
+              <a:ext uri="{FF2B5EF4-FFF2-40B4-BE49-F238E27FC236}">
+                <a16:creationId xmlns:a16="http://schemas.microsoft.com/office/drawing/2014/main" id="{3FD0A42E-2965-3907-FB70-C27D676E4660}"/>
+              </a:ext>
+              <a:ext uri="{C183D7F6-B498-43B3-948B-1728B52AA6E4}">
+                <adec:decorative xmlns:adec="http://schemas.microsoft.com/office/drawing/2017/decorative" val="1"/>
+              </a:ext>
+            </a:extLst>
+          </p:cNvPr>
+          <p:cNvGrpSpPr>
+            <a:grpSpLocks noGrp="1" noUngrp="1" noRot="1" noChangeAspect="1" noMove="1" noResize="1"/>
+          </p:cNvGrpSpPr>
+          <p:nvPr>
+            <p:extLst>
+              <p:ext uri="{386F3935-93C4-4BCD-93E2-E3B085C9AB24}">
+                <p16:designElem xmlns:p16="http://schemas.microsoft.com/office/powerpoint/2015/main" val="1"/>
+              </p:ext>
+            </p:extLst>
+          </p:nvPr>
+        </p:nvGrpSpPr>
+        <p:grpSpPr>
+          <a:xfrm flipH="1">
+            <a:off x="9045825" y="2672"/>
+            <a:ext cx="1548239" cy="2001476"/>
+            <a:chOff x="-648769" y="2358"/>
+            <a:chExt cx="1876653" cy="1766008"/>
+          </a:xfrm>
+        </p:grpSpPr>
+        <p:sp>
+          <p:nvSpPr>
+            <p:cNvPr id="30" name="Freeform: Shape 29">
+              <a:extLst>
+                <a:ext uri="{FF2B5EF4-FFF2-40B4-BE49-F238E27FC236}">
+                  <a16:creationId xmlns:a16="http://schemas.microsoft.com/office/drawing/2014/main" id="{56CED4F7-E3E4-4E23-33FF-C3A336190162}"/>
+                </a:ext>
+                <a:ext uri="{C183D7F6-B498-43B3-948B-1728B52AA6E4}">
+                  <adec:decorative xmlns:adec="http://schemas.microsoft.com/office/drawing/2017/decorative" val="1"/>
+                </a:ext>
+              </a:extLst>
+            </p:cNvPr>
+            <p:cNvSpPr/>
+            <p:nvPr>
+              <p:extLst>
+                <p:ext uri="{386F3935-93C4-4BCD-93E2-E3B085C9AB24}">
+                  <p16:designElem xmlns:p16="http://schemas.microsoft.com/office/powerpoint/2015/main" val="1"/>
+                </p:ext>
+              </p:extLst>
+            </p:nvPr>
+          </p:nvSpPr>
+          <p:spPr>
+            <a:xfrm rot="2700000">
+              <a:off x="-415188" y="-231223"/>
+              <a:ext cx="1409491" cy="1876653"/>
+            </a:xfrm>
+            <a:custGeom>
+              <a:avLst/>
+              <a:gdLst>
+                <a:gd name="connsiteX0" fmla="*/ 0 w 1409491"/>
+                <a:gd name="connsiteY0" fmla="*/ 643075 h 1876653"/>
+                <a:gd name="connsiteX1" fmla="*/ 643075 w 1409491"/>
+                <a:gd name="connsiteY1" fmla="*/ 0 h 1876653"/>
+                <a:gd name="connsiteX2" fmla="*/ 1409491 w 1409491"/>
+                <a:gd name="connsiteY2" fmla="*/ 0 h 1876653"/>
+                <a:gd name="connsiteX3" fmla="*/ 1409491 w 1409491"/>
+                <a:gd name="connsiteY3" fmla="*/ 1876653 h 1876653"/>
+                <a:gd name="connsiteX4" fmla="*/ 1233578 w 1409491"/>
+                <a:gd name="connsiteY4" fmla="*/ 1876653 h 1876653"/>
+              </a:gdLst>
+              <a:ahLst/>
+              <a:cxnLst>
+                <a:cxn ang="0">
+                  <a:pos x="connsiteX0" y="connsiteY0"/>
+                </a:cxn>
+                <a:cxn ang="0">
+                  <a:pos x="connsiteX1" y="connsiteY1"/>
+                </a:cxn>
+                <a:cxn ang="0">
+                  <a:pos x="connsiteX2" y="connsiteY2"/>
+                </a:cxn>
+                <a:cxn ang="0">
+                  <a:pos x="connsiteX3" y="connsiteY3"/>
+                </a:cxn>
+                <a:cxn ang="0">
+                  <a:pos x="connsiteX4" y="connsiteY4"/>
+                </a:cxn>
+              </a:cxnLst>
+              <a:rect l="l" t="t" r="r" b="b"/>
+              <a:pathLst>
+                <a:path w="1409491" h="1876653">
+                  <a:moveTo>
+                    <a:pt x="0" y="643075"/>
+                  </a:moveTo>
+                  <a:lnTo>
+                    <a:pt x="643075" y="0"/>
+                  </a:lnTo>
+                  <a:lnTo>
+                    <a:pt x="1409491" y="0"/>
+                  </a:lnTo>
+                  <a:lnTo>
+                    <a:pt x="1409491" y="1876653"/>
+                  </a:lnTo>
+                  <a:lnTo>
+                    <a:pt x="1233578" y="1876653"/>
+                  </a:lnTo>
+                  <a:close/>
+                </a:path>
+              </a:pathLst>
+            </a:custGeom>
+            <a:solidFill>
+              <a:schemeClr val="accent1">
+                <a:alpha val="30000"/>
+              </a:schemeClr>
+            </a:solidFill>
+            <a:ln>
+              <a:noFill/>
+            </a:ln>
+          </p:spPr>
+          <p:style>
+            <a:lnRef idx="2">
+              <a:schemeClr val="accent1">
+                <a:shade val="50000"/>
+              </a:schemeClr>
+            </a:lnRef>
+            <a:fillRef idx="1">
+              <a:schemeClr val="accent1"/>
+            </a:fillRef>
+            <a:effectRef idx="0">
+              <a:schemeClr val="accent1"/>
+            </a:effectRef>
+            <a:fontRef idx="minor">
+              <a:schemeClr val="lt1"/>
+            </a:fontRef>
+          </p:style>
+          <p:txBody>
+            <a:bodyPr rtlCol="0" anchor="ctr"/>
+            <a:lstStyle/>
+            <a:p>
+              <a:pPr algn="ctr"/>
+              <a:endParaRPr lang="en-US"/>
+            </a:p>
+          </p:txBody>
+        </p:sp>
+        <p:sp>
+          <p:nvSpPr>
+            <p:cNvPr id="31" name="Rectangle 30">
+              <a:extLst>
+                <a:ext uri="{FF2B5EF4-FFF2-40B4-BE49-F238E27FC236}">
+                  <a16:creationId xmlns:a16="http://schemas.microsoft.com/office/drawing/2014/main" id="{BC652BC5-9C8B-597E-0D1A-0FBFECA3B289}"/>
+                </a:ext>
+                <a:ext uri="{C183D7F6-B498-43B3-948B-1728B52AA6E4}">
+                  <adec:decorative xmlns:adec="http://schemas.microsoft.com/office/drawing/2017/decorative" val="1"/>
+                </a:ext>
+              </a:extLst>
+            </p:cNvPr>
+            <p:cNvSpPr/>
+            <p:nvPr>
+              <p:extLst>
+                <p:ext uri="{386F3935-93C4-4BCD-93E2-E3B085C9AB24}">
+                  <p16:designElem xmlns:p16="http://schemas.microsoft.com/office/powerpoint/2015/main" val="1"/>
+                </p:ext>
+              </p:extLst>
+            </p:nvPr>
+          </p:nvSpPr>
+          <p:spPr>
+            <a:xfrm rot="2700000">
+              <a:off x="301285" y="1282788"/>
+              <a:ext cx="485578" cy="485578"/>
+            </a:xfrm>
+            <a:prstGeom prst="rect">
+              <a:avLst/>
+            </a:prstGeom>
+            <a:solidFill>
+              <a:schemeClr val="accent1">
+                <a:alpha val="30000"/>
+              </a:schemeClr>
+            </a:solidFill>
+            <a:ln>
+              <a:noFill/>
+            </a:ln>
+          </p:spPr>
+          <p:style>
+            <a:lnRef idx="2">
+              <a:schemeClr val="accent1">
+                <a:shade val="50000"/>
+              </a:schemeClr>
+            </a:lnRef>
+            <a:fillRef idx="1">
+              <a:schemeClr val="accent1"/>
+            </a:fillRef>
+            <a:effectRef idx="0">
+              <a:schemeClr val="accent1"/>
+            </a:effectRef>
+            <a:fontRef idx="minor">
+              <a:schemeClr val="lt1"/>
+            </a:fontRef>
+          </p:style>
+          <p:txBody>
+            <a:bodyPr rtlCol="0" anchor="ctr"/>
+            <a:lstStyle/>
+            <a:p>
+              <a:pPr algn="ctr"/>
+              <a:endParaRPr lang="en-US"/>
+            </a:p>
+          </p:txBody>
+        </p:sp>
+      </p:grpSp>
+      <p:sp>
+        <p:nvSpPr>
+          <p:cNvPr id="33" name="Rectangle 32">
+            <a:extLst>
+              <a:ext uri="{FF2B5EF4-FFF2-40B4-BE49-F238E27FC236}">
+                <a16:creationId xmlns:a16="http://schemas.microsoft.com/office/drawing/2014/main" id="{F68D9EE4-63BC-B96F-D7FF-1569EB63E418}"/>
+              </a:ext>
+              <a:ext uri="{C183D7F6-B498-43B3-948B-1728B52AA6E4}">
+                <adec:decorative xmlns:adec="http://schemas.microsoft.com/office/drawing/2017/decorative" val="1"/>
+              </a:ext>
+            </a:extLst>
+          </p:cNvPr>
+          <p:cNvSpPr>
+            <a:spLocks noGrp="1" noRot="1" noChangeAspect="1" noMove="1" noResize="1" noEditPoints="1" noAdjustHandles="1" noChangeArrowheads="1" noChangeShapeType="1" noTextEdit="1"/>
+          </p:cNvSpPr>
+          <p:nvPr>
+            <p:extLst>
+              <p:ext uri="{386F3935-93C4-4BCD-93E2-E3B085C9AB24}">
+                <p16:designElem xmlns:p16="http://schemas.microsoft.com/office/powerpoint/2015/main" val="1"/>
+              </p:ext>
+            </p:extLst>
+          </p:nvPr>
+        </p:nvSpPr>
+        <p:spPr>
+          <a:xfrm rot="2700000">
+            <a:off x="2158692" y="6937649"/>
+            <a:ext cx="731417" cy="532429"/>
+          </a:xfrm>
+          <a:prstGeom prst="rect">
+            <a:avLst/>
+          </a:prstGeom>
+          <a:solidFill>
+            <a:schemeClr val="accent4">
+              <a:alpha val="30000"/>
+            </a:schemeClr>
+          </a:solidFill>
+          <a:ln>
+            <a:noFill/>
+          </a:ln>
+        </p:spPr>
+        <p:style>
+          <a:lnRef idx="2">
+            <a:schemeClr val="accent1">
+              <a:shade val="50000"/>
+            </a:schemeClr>
+          </a:lnRef>
+          <a:fillRef idx="1">
+            <a:schemeClr val="accent1"/>
+          </a:fillRef>
+          <a:effectRef idx="0">
+            <a:schemeClr val="accent1"/>
+          </a:effectRef>
+          <a:fontRef idx="minor">
+            <a:schemeClr val="lt1"/>
+          </a:fontRef>
+        </p:style>
+        <p:txBody>
+          <a:bodyPr rtlCol="0" anchor="ctr"/>
+          <a:lstStyle/>
+          <a:p>
+            <a:pPr algn="ctr"/>
+            <a:endParaRPr lang="en-US"/>
+          </a:p>
+        </p:txBody>
+      </p:sp>
+      <p:sp>
+        <p:nvSpPr>
+          <p:cNvPr id="35" name="Isosceles Triangle 34">
+            <a:extLst>
+              <a:ext uri="{FF2B5EF4-FFF2-40B4-BE49-F238E27FC236}">
+                <a16:creationId xmlns:a16="http://schemas.microsoft.com/office/drawing/2014/main" id="{96A74666-9FDE-51EF-A10F-95DC34E1313C}"/>
+              </a:ext>
+              <a:ext uri="{C183D7F6-B498-43B3-948B-1728B52AA6E4}">
+                <adec:decorative xmlns:adec="http://schemas.microsoft.com/office/drawing/2017/decorative" val="1"/>
+              </a:ext>
+            </a:extLst>
+          </p:cNvPr>
+          <p:cNvSpPr>
+            <a:spLocks noGrp="1" noRot="1" noChangeAspect="1" noMove="1" noResize="1" noEditPoints="1" noAdjustHandles="1" noChangeArrowheads="1" noChangeShapeType="1" noTextEdit="1"/>
+          </p:cNvSpPr>
+          <p:nvPr>
+            <p:extLst>
+              <p:ext uri="{386F3935-93C4-4BCD-93E2-E3B085C9AB24}">
+                <p16:designElem xmlns:p16="http://schemas.microsoft.com/office/powerpoint/2015/main" val="1"/>
+              </p:ext>
+            </p:extLst>
+          </p:nvPr>
+        </p:nvSpPr>
+        <p:spPr>
+          <a:xfrm>
+            <a:off x="1108334" y="6483922"/>
+            <a:ext cx="1866121" cy="1288476"/>
+          </a:xfrm>
+          <a:prstGeom prst="triangle">
+            <a:avLst>
+              <a:gd name="adj" fmla="val 50000"/>
+            </a:avLst>
+          </a:prstGeom>
+          <a:solidFill>
+            <a:schemeClr val="accent4">
+              <a:alpha val="30000"/>
+            </a:schemeClr>
+          </a:solidFill>
+          <a:ln>
+            <a:noFill/>
+          </a:ln>
+        </p:spPr>
+        <p:style>
+          <a:lnRef idx="2">
+            <a:schemeClr val="accent1">
+              <a:shade val="50000"/>
+            </a:schemeClr>
+          </a:lnRef>
+          <a:fillRef idx="1">
+            <a:schemeClr val="accent1"/>
+          </a:fillRef>
+          <a:effectRef idx="0">
+            <a:schemeClr val="accent1"/>
+          </a:effectRef>
+          <a:fontRef idx="minor">
+            <a:schemeClr val="lt1"/>
+          </a:fontRef>
+        </p:style>
+        <p:txBody>
+          <a:bodyPr rtlCol="0" anchor="ctr"/>
+          <a:lstStyle/>
+          <a:p>
+            <a:pPr algn="ctr"/>
+            <a:endParaRPr lang="en-US"/>
+          </a:p>
+        </p:txBody>
+      </p:sp>
+      <p:sp>
+        <p:nvSpPr>
+          <p:cNvPr id="6" name="TextBox 5">
+            <a:extLst>
+              <a:ext uri="{FF2B5EF4-FFF2-40B4-BE49-F238E27FC236}">
+                <a16:creationId xmlns:a16="http://schemas.microsoft.com/office/drawing/2014/main" id="{84487772-E692-41DB-A02C-9D1F2785B3E2}"/>
+              </a:ext>
+            </a:extLst>
+          </p:cNvPr>
+          <p:cNvSpPr txBox="1"/>
+          <p:nvPr/>
+        </p:nvSpPr>
+        <p:spPr>
+          <a:xfrm>
+            <a:off x="250705" y="487852"/>
+            <a:ext cx="9569239" cy="1569660"/>
+          </a:xfrm>
+          <a:prstGeom prst="rect">
+            <a:avLst/>
+          </a:prstGeom>
+          <a:noFill/>
+        </p:spPr>
+        <p:txBody>
+          <a:bodyPr wrap="square" rtlCol="0">
+            <a:spAutoFit/>
+          </a:bodyPr>
+          <a:lstStyle/>
+          <a:p>
+            <a:pPr algn="ctr"/>
+            <a:r>
+              <a:rPr lang="en-GB" sz="3200" b="1" i="0" dirty="0">
+                <a:effectLst/>
+              </a:rPr>
+              <a:t>Handling Imbalanced Data </a:t>
+            </a:r>
+          </a:p>
+          <a:p>
+            <a:pPr algn="ctr"/>
+            <a:r>
+              <a:rPr lang="en-GB" sz="3200" b="1" i="0" dirty="0">
+                <a:effectLst/>
+              </a:rPr>
+              <a:t>	by Oversampling with SMOTE And </a:t>
+            </a:r>
+            <a:r>
+              <a:rPr lang="en-GB" sz="3200" b="1" i="0" dirty="0" err="1">
+                <a:effectLst/>
+              </a:rPr>
+              <a:t>RandomOverSampler</a:t>
+            </a:r>
+            <a:endParaRPr lang="en-GB" sz="3200" b="1" i="0" dirty="0">
+              <a:effectLst/>
+            </a:endParaRPr>
+          </a:p>
+        </p:txBody>
+      </p:sp>
+      <p:sp>
+        <p:nvSpPr>
+          <p:cNvPr id="3" name="Picture Placeholder 2">
+            <a:extLst>
+              <a:ext uri="{FF2B5EF4-FFF2-40B4-BE49-F238E27FC236}">
+                <a16:creationId xmlns:a16="http://schemas.microsoft.com/office/drawing/2014/main" id="{6E3A0FF6-C913-5981-F06D-B91D33FC99EC}"/>
+              </a:ext>
+            </a:extLst>
+          </p:cNvPr>
+          <p:cNvSpPr>
+            <a:spLocks noGrp="1"/>
+          </p:cNvSpPr>
+          <p:nvPr>
+            <p:ph type="pic" sz="quarter" idx="11"/>
+          </p:nvPr>
+        </p:nvSpPr>
+        <p:spPr/>
+        <p:txBody>
+          <a:bodyPr/>
+          <a:lstStyle/>
+          <a:p>
+            <a:endParaRPr lang="en-US"/>
+          </a:p>
+        </p:txBody>
+      </p:sp>
+      <p:pic>
+        <p:nvPicPr>
+          <p:cNvPr id="2" name="Picture 1">
+            <a:extLst>
+              <a:ext uri="{FF2B5EF4-FFF2-40B4-BE49-F238E27FC236}">
+                <a16:creationId xmlns:a16="http://schemas.microsoft.com/office/drawing/2014/main" id="{DB287A00-4396-259B-6778-90B11634B9D6}"/>
+              </a:ext>
+            </a:extLst>
+          </p:cNvPr>
+          <p:cNvPicPr>
+            <a:picLocks noChangeAspect="1"/>
+          </p:cNvPicPr>
+          <p:nvPr/>
+        </p:nvPicPr>
+        <p:blipFill>
+          <a:blip r:embed="rId3"/>
+          <a:stretch>
+            <a:fillRect/>
+          </a:stretch>
+        </p:blipFill>
+        <p:spPr>
+          <a:xfrm>
+            <a:off x="342901" y="3457549"/>
+            <a:ext cx="4644268" cy="1613820"/>
+          </a:xfrm>
+          <a:prstGeom prst="rect">
+            <a:avLst/>
+          </a:prstGeom>
+        </p:spPr>
+      </p:pic>
+      <p:pic>
+        <p:nvPicPr>
+          <p:cNvPr id="5" name="Picture 4">
+            <a:extLst>
+              <a:ext uri="{FF2B5EF4-FFF2-40B4-BE49-F238E27FC236}">
+                <a16:creationId xmlns:a16="http://schemas.microsoft.com/office/drawing/2014/main" id="{90087D73-8155-C0C3-3FE7-F95F65EA020B}"/>
+              </a:ext>
+            </a:extLst>
+          </p:cNvPr>
+          <p:cNvPicPr>
+            <a:picLocks noChangeAspect="1"/>
+          </p:cNvPicPr>
+          <p:nvPr/>
+        </p:nvPicPr>
+        <p:blipFill>
+          <a:blip r:embed="rId4"/>
+          <a:stretch>
+            <a:fillRect/>
+          </a:stretch>
+        </p:blipFill>
+        <p:spPr>
+          <a:xfrm>
+            <a:off x="5352240" y="3399162"/>
+            <a:ext cx="4221510" cy="1672208"/>
+          </a:xfrm>
+          <a:prstGeom prst="rect">
+            <a:avLst/>
+          </a:prstGeom>
+        </p:spPr>
+      </p:pic>
+      <p:sp>
+        <p:nvSpPr>
+          <p:cNvPr id="7" name="TextBox 6">
+            <a:extLst>
+              <a:ext uri="{FF2B5EF4-FFF2-40B4-BE49-F238E27FC236}">
+                <a16:creationId xmlns:a16="http://schemas.microsoft.com/office/drawing/2014/main" id="{F657270A-BE15-2A19-8E0E-DF108633CB1E}"/>
+              </a:ext>
+            </a:extLst>
+          </p:cNvPr>
+          <p:cNvSpPr txBox="1"/>
+          <p:nvPr/>
+        </p:nvSpPr>
+        <p:spPr>
+          <a:xfrm>
+            <a:off x="-331637" y="2900181"/>
+            <a:ext cx="4611329" cy="523220"/>
+          </a:xfrm>
+          <a:prstGeom prst="rect">
+            <a:avLst/>
+          </a:prstGeom>
+          <a:noFill/>
+        </p:spPr>
+        <p:txBody>
+          <a:bodyPr wrap="square" rtlCol="0">
+            <a:spAutoFit/>
+          </a:bodyPr>
+          <a:lstStyle/>
+          <a:p>
+            <a:pPr algn="r"/>
+            <a:r>
+              <a:rPr lang="en-GB" sz="2800" dirty="0"/>
+              <a:t>Random </a:t>
+            </a:r>
+            <a:r>
+              <a:rPr lang="en-GB" sz="2800" dirty="0" err="1"/>
+              <a:t>overSampler</a:t>
+            </a:r>
+            <a:endParaRPr lang="en-GB" sz="2800" dirty="0"/>
+          </a:p>
+        </p:txBody>
+      </p:sp>
+      <p:sp>
+        <p:nvSpPr>
+          <p:cNvPr id="12" name="TextBox 11">
+            <a:extLst>
+              <a:ext uri="{FF2B5EF4-FFF2-40B4-BE49-F238E27FC236}">
+                <a16:creationId xmlns:a16="http://schemas.microsoft.com/office/drawing/2014/main" id="{0F83C00D-1FF1-8EC6-389A-FC1E2B62099D}"/>
+              </a:ext>
+            </a:extLst>
+          </p:cNvPr>
+          <p:cNvSpPr txBox="1"/>
+          <p:nvPr/>
+        </p:nvSpPr>
+        <p:spPr>
+          <a:xfrm>
+            <a:off x="6863227" y="2914768"/>
+            <a:ext cx="1199535" cy="523220"/>
+          </a:xfrm>
+          <a:prstGeom prst="rect">
+            <a:avLst/>
+          </a:prstGeom>
+          <a:noFill/>
+        </p:spPr>
+        <p:txBody>
+          <a:bodyPr wrap="square" rtlCol="0">
+            <a:spAutoFit/>
+          </a:bodyPr>
+          <a:lstStyle/>
+          <a:p>
+            <a:r>
+              <a:rPr lang="en-GB" sz="2800" dirty="0"/>
+              <a:t>Smote</a:t>
+            </a:r>
+          </a:p>
+        </p:txBody>
+      </p:sp>
+      <p:pic>
+        <p:nvPicPr>
+          <p:cNvPr id="13" name="Picture 12">
+            <a:extLst>
+              <a:ext uri="{FF2B5EF4-FFF2-40B4-BE49-F238E27FC236}">
+                <a16:creationId xmlns:a16="http://schemas.microsoft.com/office/drawing/2014/main" id="{34A6F794-397C-0F7A-7DD6-D233EFBF5F5E}"/>
+              </a:ext>
+            </a:extLst>
+          </p:cNvPr>
+          <p:cNvPicPr>
+            <a:picLocks noChangeAspect="1"/>
+          </p:cNvPicPr>
+          <p:nvPr/>
+        </p:nvPicPr>
+        <p:blipFill>
+          <a:blip r:embed="rId5"/>
+          <a:stretch>
+            <a:fillRect/>
+          </a:stretch>
+        </p:blipFill>
+        <p:spPr>
+          <a:xfrm>
+            <a:off x="6431584" y="5836164"/>
+            <a:ext cx="2217612" cy="655377"/>
+          </a:xfrm>
+          <a:prstGeom prst="rect">
+            <a:avLst/>
+          </a:prstGeom>
+        </p:spPr>
+      </p:pic>
+      <p:pic>
+        <p:nvPicPr>
+          <p:cNvPr id="14" name="Picture 13">
+            <a:extLst>
+              <a:ext uri="{FF2B5EF4-FFF2-40B4-BE49-F238E27FC236}">
+                <a16:creationId xmlns:a16="http://schemas.microsoft.com/office/drawing/2014/main" id="{E6D4EA88-1292-5220-A208-356E43C01D81}"/>
+              </a:ext>
+            </a:extLst>
+          </p:cNvPr>
+          <p:cNvPicPr>
+            <a:picLocks noChangeAspect="1"/>
+          </p:cNvPicPr>
+          <p:nvPr/>
+        </p:nvPicPr>
+        <p:blipFill>
+          <a:blip r:embed="rId6"/>
+          <a:stretch>
+            <a:fillRect/>
+          </a:stretch>
+        </p:blipFill>
+        <p:spPr>
+          <a:xfrm>
+            <a:off x="1335577" y="5836164"/>
+            <a:ext cx="2377646" cy="647756"/>
+          </a:xfrm>
+          <a:prstGeom prst="rect">
+            <a:avLst/>
+          </a:prstGeom>
+        </p:spPr>
+      </p:pic>
+    </p:spTree>
+    <p:extLst>
+      <p:ext uri="{BB962C8B-B14F-4D97-AF65-F5344CB8AC3E}">
+        <p14:creationId xmlns:p14="http://schemas.microsoft.com/office/powerpoint/2010/main" val="3636155992"/>
+      </p:ext>
+    </p:extLst>
+  </p:cSld>
+  <p:clrMapOvr>
+    <a:masterClrMapping/>
+  </p:clrMapOvr>
+</p:sld>
+</file>
+
+<file path=ppt/slides/slide14.xml><?xml version="1.0" encoding="utf-8"?>
+<p:sld xmlns:a="http://schemas.openxmlformats.org/drawingml/2006/main" xmlns:r="http://schemas.openxmlformats.org/officeDocument/2006/relationships" xmlns:p="http://schemas.openxmlformats.org/presentationml/2006/main">
+  <p:cSld>
+    <p:bg>
+      <p:bgPr>
+        <a:solidFill>
+          <a:schemeClr val="bg1"/>
+        </a:solidFill>
+        <a:effectLst/>
+      </p:bgPr>
+    </p:bg>
+    <p:spTree>
+      <p:nvGrpSpPr>
+        <p:cNvPr id="1" name="">
+          <a:extLst>
+            <a:ext uri="{FF2B5EF4-FFF2-40B4-BE49-F238E27FC236}">
+              <a16:creationId xmlns:a16="http://schemas.microsoft.com/office/drawing/2014/main" id="{5DBEE2C1-9D7E-D1C7-5E56-A18A2AA16024}"/>
+            </a:ext>
+          </a:extLst>
+        </p:cNvPr>
+        <p:cNvGrpSpPr/>
+        <p:nvPr/>
+      </p:nvGrpSpPr>
+      <p:grpSpPr>
+        <a:xfrm>
+          <a:off x="0" y="0"/>
+          <a:ext cx="0" cy="0"/>
+          <a:chOff x="0" y="0"/>
+          <a:chExt cx="0" cy="0"/>
+        </a:xfrm>
+      </p:grpSpPr>
+      <p:sp>
+        <p:nvSpPr>
+          <p:cNvPr id="27" name="Rectangle 26">
+            <a:extLst>
+              <a:ext uri="{FF2B5EF4-FFF2-40B4-BE49-F238E27FC236}">
+                <a16:creationId xmlns:a16="http://schemas.microsoft.com/office/drawing/2014/main" id="{25DC7D64-B993-42DE-0BB6-219695D78332}"/>
+              </a:ext>
+              <a:ext uri="{C183D7F6-B498-43B3-948B-1728B52AA6E4}">
+                <adec:decorative xmlns:adec="http://schemas.microsoft.com/office/drawing/2017/decorative" val="1"/>
+              </a:ext>
+            </a:extLst>
+          </p:cNvPr>
+          <p:cNvSpPr>
+            <a:spLocks noGrp="1" noRot="1" noChangeAspect="1" noMove="1" noResize="1" noEditPoints="1" noAdjustHandles="1" noChangeArrowheads="1" noChangeShapeType="1" noTextEdit="1"/>
+          </p:cNvSpPr>
+          <p:nvPr>
+            <p:extLst>
+              <p:ext uri="{386F3935-93C4-4BCD-93E2-E3B085C9AB24}">
+                <p16:designElem xmlns:p16="http://schemas.microsoft.com/office/powerpoint/2015/main" val="1"/>
+              </p:ext>
+            </p:extLst>
+          </p:nvPr>
+        </p:nvSpPr>
+        <p:spPr>
+          <a:xfrm>
+            <a:off x="0" y="0"/>
+            <a:ext cx="10058400" cy="7772400"/>
+          </a:xfrm>
+          <a:prstGeom prst="rect">
+            <a:avLst/>
+          </a:prstGeom>
+          <a:solidFill>
+            <a:schemeClr val="bg1"/>
+          </a:solidFill>
+          <a:ln>
+            <a:noFill/>
+          </a:ln>
+        </p:spPr>
+        <p:style>
+          <a:lnRef idx="2">
+            <a:schemeClr val="accent1">
+              <a:shade val="50000"/>
+            </a:schemeClr>
+          </a:lnRef>
+          <a:fillRef idx="1">
+            <a:schemeClr val="accent1"/>
+          </a:fillRef>
+          <a:effectRef idx="0">
+            <a:schemeClr val="accent1"/>
+          </a:effectRef>
+          <a:fontRef idx="minor">
+            <a:schemeClr val="lt1"/>
+          </a:fontRef>
+        </p:style>
+        <p:txBody>
+          <a:bodyPr rtlCol="0" anchor="ctr"/>
+          <a:lstStyle/>
+          <a:p>
+            <a:pPr algn="ctr"/>
+            <a:endParaRPr lang="en-US" dirty="0"/>
+          </a:p>
+        </p:txBody>
+      </p:sp>
+      <p:sp>
+        <p:nvSpPr>
+          <p:cNvPr id="29" name="Freeform: Shape 28">
+            <a:extLst>
+              <a:ext uri="{FF2B5EF4-FFF2-40B4-BE49-F238E27FC236}">
+                <a16:creationId xmlns:a16="http://schemas.microsoft.com/office/drawing/2014/main" id="{12A72625-0764-E453-5FD0-36E941387D6C}"/>
+              </a:ext>
+              <a:ext uri="{C183D7F6-B498-43B3-948B-1728B52AA6E4}">
+                <adec:decorative xmlns:adec="http://schemas.microsoft.com/office/drawing/2017/decorative" val="1"/>
+              </a:ext>
+            </a:extLst>
+          </p:cNvPr>
+          <p:cNvSpPr>
+            <a:spLocks noGrp="1" noRot="1" noChangeAspect="1" noMove="1" noResize="1" noEditPoints="1" noAdjustHandles="1" noChangeArrowheads="1" noChangeShapeType="1" noTextEdit="1"/>
+          </p:cNvSpPr>
+          <p:nvPr>
+            <p:extLst>
+              <p:ext uri="{386F3935-93C4-4BCD-93E2-E3B085C9AB24}">
+                <p16:designElem xmlns:p16="http://schemas.microsoft.com/office/powerpoint/2015/main" val="1"/>
+              </p:ext>
+            </p:extLst>
+          </p:nvPr>
+        </p:nvSpPr>
+        <p:spPr>
+          <a:xfrm rot="18900000" flipH="1">
+            <a:off x="-310328" y="-287492"/>
+            <a:ext cx="1507800" cy="1560586"/>
+          </a:xfrm>
+          <a:custGeom>
+            <a:avLst/>
+            <a:gdLst>
+              <a:gd name="connsiteX0" fmla="*/ 0 w 1827638"/>
+              <a:gd name="connsiteY0" fmla="*/ 987379 h 1376989"/>
+              <a:gd name="connsiteX1" fmla="*/ 987379 w 1827638"/>
+              <a:gd name="connsiteY1" fmla="*/ 0 h 1376989"/>
+              <a:gd name="connsiteX2" fmla="*/ 1827638 w 1827638"/>
+              <a:gd name="connsiteY2" fmla="*/ 840260 h 1376989"/>
+              <a:gd name="connsiteX3" fmla="*/ 1827638 w 1827638"/>
+              <a:gd name="connsiteY3" fmla="*/ 1376989 h 1376989"/>
+              <a:gd name="connsiteX4" fmla="*/ 0 w 1827638"/>
+              <a:gd name="connsiteY4" fmla="*/ 1376989 h 1376989"/>
+            </a:gdLst>
+            <a:ahLst/>
+            <a:cxnLst>
+              <a:cxn ang="0">
+                <a:pos x="connsiteX0" y="connsiteY0"/>
+              </a:cxn>
+              <a:cxn ang="0">
+                <a:pos x="connsiteX1" y="connsiteY1"/>
+              </a:cxn>
+              <a:cxn ang="0">
+                <a:pos x="connsiteX2" y="connsiteY2"/>
+              </a:cxn>
+              <a:cxn ang="0">
+                <a:pos x="connsiteX3" y="connsiteY3"/>
+              </a:cxn>
+              <a:cxn ang="0">
+                <a:pos x="connsiteX4" y="connsiteY4"/>
+              </a:cxn>
+            </a:cxnLst>
+            <a:rect l="l" t="t" r="r" b="b"/>
+            <a:pathLst>
+              <a:path w="1827638" h="1376989">
+                <a:moveTo>
+                  <a:pt x="0" y="987379"/>
+                </a:moveTo>
+                <a:lnTo>
+                  <a:pt x="987379" y="0"/>
+                </a:lnTo>
+                <a:lnTo>
+                  <a:pt x="1827638" y="840260"/>
+                </a:lnTo>
+                <a:lnTo>
+                  <a:pt x="1827638" y="1376989"/>
+                </a:lnTo>
+                <a:lnTo>
+                  <a:pt x="0" y="1376989"/>
+                </a:lnTo>
+                <a:close/>
+              </a:path>
+            </a:pathLst>
+          </a:custGeom>
+          <a:solidFill>
+            <a:schemeClr val="accent1">
+              <a:alpha val="30000"/>
+            </a:schemeClr>
+          </a:solidFill>
+          <a:ln>
+            <a:noFill/>
+          </a:ln>
+        </p:spPr>
+        <p:style>
+          <a:lnRef idx="2">
+            <a:schemeClr val="accent1">
+              <a:shade val="50000"/>
+            </a:schemeClr>
+          </a:lnRef>
+          <a:fillRef idx="1">
+            <a:schemeClr val="accent1"/>
+          </a:fillRef>
+          <a:effectRef idx="0">
+            <a:schemeClr val="accent1"/>
+          </a:effectRef>
+          <a:fontRef idx="minor">
+            <a:schemeClr val="lt1"/>
+          </a:fontRef>
+        </p:style>
+        <p:txBody>
+          <a:bodyPr rtlCol="0" anchor="ctr"/>
+          <a:lstStyle/>
+          <a:p>
+            <a:pPr algn="ctr"/>
+            <a:endParaRPr lang="en-US" dirty="0"/>
+          </a:p>
+        </p:txBody>
+      </p:sp>
+      <p:sp>
+        <p:nvSpPr>
+          <p:cNvPr id="31" name="Rectangle 30">
+            <a:extLst>
+              <a:ext uri="{FF2B5EF4-FFF2-40B4-BE49-F238E27FC236}">
+                <a16:creationId xmlns:a16="http://schemas.microsoft.com/office/drawing/2014/main" id="{048A37AD-0773-880C-6536-1FE3DFDC727C}"/>
+              </a:ext>
+              <a:ext uri="{C183D7F6-B498-43B3-948B-1728B52AA6E4}">
+                <adec:decorative xmlns:adec="http://schemas.microsoft.com/office/drawing/2017/decorative" val="1"/>
+              </a:ext>
+            </a:extLst>
+          </p:cNvPr>
+          <p:cNvSpPr>
+            <a:spLocks noGrp="1" noRot="1" noChangeAspect="1" noMove="1" noResize="1" noEditPoints="1" noAdjustHandles="1" noChangeArrowheads="1" noChangeShapeType="1" noTextEdit="1"/>
+          </p:cNvSpPr>
+          <p:nvPr>
+            <p:extLst>
+              <p:ext uri="{386F3935-93C4-4BCD-93E2-E3B085C9AB24}">
+                <p16:designElem xmlns:p16="http://schemas.microsoft.com/office/powerpoint/2015/main" val="1"/>
+              </p:ext>
+            </p:extLst>
+          </p:nvPr>
+        </p:nvSpPr>
+        <p:spPr>
+          <a:xfrm rot="18900000" flipH="1">
+            <a:off x="735603" y="478432"/>
+            <a:ext cx="532429" cy="731417"/>
+          </a:xfrm>
+          <a:prstGeom prst="rect">
+            <a:avLst/>
+          </a:prstGeom>
+          <a:solidFill>
+            <a:schemeClr val="accent1">
+              <a:alpha val="30000"/>
+            </a:schemeClr>
+          </a:solidFill>
+          <a:ln>
+            <a:noFill/>
+          </a:ln>
+        </p:spPr>
+        <p:style>
+          <a:lnRef idx="2">
+            <a:schemeClr val="accent1">
+              <a:shade val="50000"/>
+            </a:schemeClr>
+          </a:lnRef>
+          <a:fillRef idx="1">
+            <a:schemeClr val="accent1"/>
+          </a:fillRef>
+          <a:effectRef idx="0">
+            <a:schemeClr val="accent1"/>
+          </a:effectRef>
+          <a:fontRef idx="minor">
+            <a:schemeClr val="lt1"/>
+          </a:fontRef>
+        </p:style>
+        <p:txBody>
+          <a:bodyPr rtlCol="0" anchor="ctr"/>
+          <a:lstStyle/>
+          <a:p>
+            <a:pPr algn="ctr"/>
+            <a:endParaRPr lang="en-US"/>
+          </a:p>
+        </p:txBody>
+      </p:sp>
+      <p:sp>
+        <p:nvSpPr>
+          <p:cNvPr id="33" name="Rectangle 32">
+            <a:extLst>
+              <a:ext uri="{FF2B5EF4-FFF2-40B4-BE49-F238E27FC236}">
+                <a16:creationId xmlns:a16="http://schemas.microsoft.com/office/drawing/2014/main" id="{D3B9A089-AC7F-29AD-E1C0-92883AEF082D}"/>
+              </a:ext>
+              <a:ext uri="{C183D7F6-B498-43B3-948B-1728B52AA6E4}">
+                <adec:decorative xmlns:adec="http://schemas.microsoft.com/office/drawing/2017/decorative" val="1"/>
+              </a:ext>
+            </a:extLst>
+          </p:cNvPr>
+          <p:cNvSpPr>
+            <a:spLocks noGrp="1" noRot="1" noChangeAspect="1" noMove="1" noResize="1" noEditPoints="1" noAdjustHandles="1" noChangeArrowheads="1" noChangeShapeType="1" noTextEdit="1"/>
+          </p:cNvSpPr>
+          <p:nvPr>
+            <p:extLst>
+              <p:ext uri="{386F3935-93C4-4BCD-93E2-E3B085C9AB24}">
+                <p16:designElem xmlns:p16="http://schemas.microsoft.com/office/powerpoint/2015/main" val="1"/>
+              </p:ext>
+            </p:extLst>
+          </p:nvPr>
+        </p:nvSpPr>
+        <p:spPr>
+          <a:xfrm rot="18900000" flipH="1">
+            <a:off x="8285872" y="742492"/>
+            <a:ext cx="567165" cy="779134"/>
+          </a:xfrm>
+          <a:prstGeom prst="rect">
+            <a:avLst/>
+          </a:prstGeom>
+          <a:solidFill>
+            <a:schemeClr val="accent4">
+              <a:alpha val="30000"/>
+            </a:schemeClr>
+          </a:solidFill>
+          <a:ln>
+            <a:noFill/>
+          </a:ln>
+        </p:spPr>
+        <p:style>
+          <a:lnRef idx="2">
+            <a:schemeClr val="accent1">
+              <a:shade val="50000"/>
+            </a:schemeClr>
+          </a:lnRef>
+          <a:fillRef idx="1">
+            <a:schemeClr val="accent1"/>
+          </a:fillRef>
+          <a:effectRef idx="0">
+            <a:schemeClr val="accent1"/>
+          </a:effectRef>
+          <a:fontRef idx="minor">
+            <a:schemeClr val="lt1"/>
+          </a:fontRef>
+        </p:style>
+        <p:txBody>
+          <a:bodyPr rtlCol="0" anchor="ctr"/>
+          <a:lstStyle/>
+          <a:p>
+            <a:pPr algn="ctr"/>
+            <a:endParaRPr lang="en-US"/>
+          </a:p>
+        </p:txBody>
+      </p:sp>
+      <p:sp>
+        <p:nvSpPr>
+          <p:cNvPr id="35" name="Freeform: Shape 34">
+            <a:extLst>
+              <a:ext uri="{FF2B5EF4-FFF2-40B4-BE49-F238E27FC236}">
+                <a16:creationId xmlns:a16="http://schemas.microsoft.com/office/drawing/2014/main" id="{AE72E1D7-D4D9-FDA1-3476-A0D10489D39C}"/>
+              </a:ext>
+              <a:ext uri="{C183D7F6-B498-43B3-948B-1728B52AA6E4}">
+                <adec:decorative xmlns:adec="http://schemas.microsoft.com/office/drawing/2017/decorative" val="1"/>
+              </a:ext>
+            </a:extLst>
+          </p:cNvPr>
+          <p:cNvSpPr>
+            <a:spLocks noGrp="1" noRot="1" noChangeAspect="1" noMove="1" noResize="1" noEditPoints="1" noAdjustHandles="1" noChangeArrowheads="1" noChangeShapeType="1" noTextEdit="1"/>
+          </p:cNvSpPr>
+          <p:nvPr>
+            <p:extLst>
+              <p:ext uri="{386F3935-93C4-4BCD-93E2-E3B085C9AB24}">
+                <p16:designElem xmlns:p16="http://schemas.microsoft.com/office/powerpoint/2015/main" val="1"/>
+              </p:ext>
+            </p:extLst>
+          </p:nvPr>
+        </p:nvSpPr>
+        <p:spPr>
+          <a:xfrm rot="10800000" flipH="1">
+            <a:off x="7719230" y="0"/>
+            <a:ext cx="2339170" cy="1678281"/>
+          </a:xfrm>
+          <a:custGeom>
+            <a:avLst/>
+            <a:gdLst>
+              <a:gd name="connsiteX0" fmla="*/ 2835357 w 2835357"/>
+              <a:gd name="connsiteY0" fmla="*/ 1480837 h 1480837"/>
+              <a:gd name="connsiteX1" fmla="*/ 0 w 2835357"/>
+              <a:gd name="connsiteY1" fmla="*/ 1480837 h 1480837"/>
+              <a:gd name="connsiteX2" fmla="*/ 1552727 w 2835357"/>
+              <a:gd name="connsiteY2" fmla="*/ 0 h 1480837"/>
+              <a:gd name="connsiteX3" fmla="*/ 2835357 w 2835357"/>
+              <a:gd name="connsiteY3" fmla="*/ 1223245 h 1480837"/>
+            </a:gdLst>
+            <a:ahLst/>
+            <a:cxnLst>
+              <a:cxn ang="0">
+                <a:pos x="connsiteX0" y="connsiteY0"/>
+              </a:cxn>
+              <a:cxn ang="0">
+                <a:pos x="connsiteX1" y="connsiteY1"/>
+              </a:cxn>
+              <a:cxn ang="0">
+                <a:pos x="connsiteX2" y="connsiteY2"/>
+              </a:cxn>
+              <a:cxn ang="0">
+                <a:pos x="connsiteX3" y="connsiteY3"/>
+              </a:cxn>
+            </a:cxnLst>
+            <a:rect l="l" t="t" r="r" b="b"/>
+            <a:pathLst>
+              <a:path w="2835357" h="1480837">
+                <a:moveTo>
+                  <a:pt x="2835357" y="1480837"/>
+                </a:moveTo>
+                <a:lnTo>
+                  <a:pt x="0" y="1480837"/>
+                </a:lnTo>
+                <a:lnTo>
+                  <a:pt x="1552727" y="0"/>
+                </a:lnTo>
+                <a:lnTo>
+                  <a:pt x="2835357" y="1223245"/>
+                </a:lnTo>
+                <a:close/>
+              </a:path>
+            </a:pathLst>
+          </a:custGeom>
+          <a:solidFill>
+            <a:schemeClr val="accent4">
+              <a:alpha val="30000"/>
+            </a:schemeClr>
+          </a:solidFill>
+          <a:ln>
+            <a:noFill/>
+          </a:ln>
+        </p:spPr>
+        <p:style>
+          <a:lnRef idx="2">
+            <a:schemeClr val="accent1">
+              <a:shade val="50000"/>
+            </a:schemeClr>
+          </a:lnRef>
+          <a:fillRef idx="1">
+            <a:schemeClr val="accent1"/>
+          </a:fillRef>
+          <a:effectRef idx="0">
+            <a:schemeClr val="accent1"/>
+          </a:effectRef>
+          <a:fontRef idx="minor">
+            <a:schemeClr val="lt1"/>
+          </a:fontRef>
+        </p:style>
+        <p:txBody>
+          <a:bodyPr wrap="square" rtlCol="0" anchor="ctr">
+            <a:noAutofit/>
+          </a:bodyPr>
+          <a:lstStyle/>
+          <a:p>
+            <a:pPr algn="ctr"/>
+            <a:endParaRPr lang="en-US" dirty="0"/>
+          </a:p>
+        </p:txBody>
+      </p:sp>
+      <p:sp>
+        <p:nvSpPr>
+          <p:cNvPr id="37" name="Isosceles Triangle 36">
+            <a:extLst>
+              <a:ext uri="{FF2B5EF4-FFF2-40B4-BE49-F238E27FC236}">
+                <a16:creationId xmlns:a16="http://schemas.microsoft.com/office/drawing/2014/main" id="{BA1115EC-44C4-0A28-76ED-108C165AD0A3}"/>
+              </a:ext>
+              <a:ext uri="{C183D7F6-B498-43B3-948B-1728B52AA6E4}">
+                <adec:decorative xmlns:adec="http://schemas.microsoft.com/office/drawing/2017/decorative" val="1"/>
+              </a:ext>
+            </a:extLst>
+          </p:cNvPr>
+          <p:cNvSpPr>
+            <a:spLocks noGrp="1" noRot="1" noChangeAspect="1" noMove="1" noResize="1" noEditPoints="1" noAdjustHandles="1" noChangeArrowheads="1" noChangeShapeType="1" noTextEdit="1"/>
+          </p:cNvSpPr>
+          <p:nvPr>
+            <p:extLst>
+              <p:ext uri="{386F3935-93C4-4BCD-93E2-E3B085C9AB24}">
+                <p16:designElem xmlns:p16="http://schemas.microsoft.com/office/powerpoint/2015/main" val="1"/>
+              </p:ext>
+            </p:extLst>
+          </p:nvPr>
+        </p:nvSpPr>
+        <p:spPr>
+          <a:xfrm flipH="1">
+            <a:off x="6580483" y="6930901"/>
+            <a:ext cx="1232974" cy="841499"/>
+          </a:xfrm>
+          <a:prstGeom prst="triangle">
+            <a:avLst/>
+          </a:prstGeom>
+          <a:solidFill>
+            <a:schemeClr val="accent1">
+              <a:alpha val="30000"/>
+            </a:schemeClr>
+          </a:solidFill>
+          <a:ln>
+            <a:noFill/>
+          </a:ln>
+        </p:spPr>
+        <p:style>
+          <a:lnRef idx="2">
+            <a:schemeClr val="accent1">
+              <a:shade val="50000"/>
+            </a:schemeClr>
+          </a:lnRef>
+          <a:fillRef idx="1">
+            <a:schemeClr val="accent1"/>
+          </a:fillRef>
+          <a:effectRef idx="0">
+            <a:schemeClr val="accent1"/>
+          </a:effectRef>
+          <a:fontRef idx="minor">
+            <a:schemeClr val="lt1"/>
+          </a:fontRef>
+        </p:style>
+        <p:txBody>
+          <a:bodyPr rtlCol="0" anchor="ctr"/>
+          <a:lstStyle/>
+          <a:p>
+            <a:pPr algn="ctr"/>
+            <a:endParaRPr lang="en-US"/>
+          </a:p>
+        </p:txBody>
+      </p:sp>
+      <p:sp>
+        <p:nvSpPr>
+          <p:cNvPr id="39" name="Isosceles Triangle 38">
+            <a:extLst>
+              <a:ext uri="{FF2B5EF4-FFF2-40B4-BE49-F238E27FC236}">
+                <a16:creationId xmlns:a16="http://schemas.microsoft.com/office/drawing/2014/main" id="{1BD3FC0A-0EEF-D07D-8D42-140136F2A22D}"/>
+              </a:ext>
+              <a:ext uri="{C183D7F6-B498-43B3-948B-1728B52AA6E4}">
+                <adec:decorative xmlns:adec="http://schemas.microsoft.com/office/drawing/2017/decorative" val="1"/>
+              </a:ext>
+            </a:extLst>
+          </p:cNvPr>
+          <p:cNvSpPr>
+            <a:spLocks noGrp="1" noRot="1" noChangeAspect="1" noMove="1" noResize="1" noEditPoints="1" noAdjustHandles="1" noChangeArrowheads="1" noChangeShapeType="1" noTextEdit="1"/>
+          </p:cNvSpPr>
+          <p:nvPr>
+            <p:extLst>
+              <p:ext uri="{386F3935-93C4-4BCD-93E2-E3B085C9AB24}">
+                <p16:designElem xmlns:p16="http://schemas.microsoft.com/office/powerpoint/2015/main" val="1"/>
+              </p:ext>
+            </p:extLst>
+          </p:nvPr>
+        </p:nvSpPr>
+        <p:spPr>
+          <a:xfrm flipH="1">
+            <a:off x="6273366" y="7313562"/>
+            <a:ext cx="672294" cy="458838"/>
+          </a:xfrm>
+          <a:prstGeom prst="triangle">
+            <a:avLst/>
+          </a:prstGeom>
+          <a:solidFill>
+            <a:schemeClr val="accent1">
+              <a:alpha val="30000"/>
+            </a:schemeClr>
+          </a:solidFill>
+          <a:ln>
+            <a:noFill/>
+          </a:ln>
+        </p:spPr>
+        <p:style>
+          <a:lnRef idx="2">
+            <a:schemeClr val="accent1">
+              <a:shade val="50000"/>
+            </a:schemeClr>
+          </a:lnRef>
+          <a:fillRef idx="1">
+            <a:schemeClr val="accent1"/>
+          </a:fillRef>
+          <a:effectRef idx="0">
+            <a:schemeClr val="accent1"/>
+          </a:effectRef>
+          <a:fontRef idx="minor">
+            <a:schemeClr val="lt1"/>
+          </a:fontRef>
+        </p:style>
+        <p:txBody>
+          <a:bodyPr rtlCol="0" anchor="ctr"/>
+          <a:lstStyle/>
+          <a:p>
+            <a:pPr algn="ctr"/>
+            <a:endParaRPr lang="en-US"/>
+          </a:p>
+        </p:txBody>
+      </p:sp>
+      <p:sp>
+        <p:nvSpPr>
+          <p:cNvPr id="26" name="TextBox 25">
+            <a:extLst>
+              <a:ext uri="{FF2B5EF4-FFF2-40B4-BE49-F238E27FC236}">
+                <a16:creationId xmlns:a16="http://schemas.microsoft.com/office/drawing/2014/main" id="{8F8BB831-639B-F76A-1052-EAE6C576953C}"/>
+              </a:ext>
+            </a:extLst>
+          </p:cNvPr>
+          <p:cNvSpPr txBox="1"/>
+          <p:nvPr/>
+        </p:nvSpPr>
+        <p:spPr>
+          <a:xfrm>
+            <a:off x="1448655" y="690813"/>
+            <a:ext cx="7086600" cy="1200329"/>
+          </a:xfrm>
+          <a:prstGeom prst="rect">
+            <a:avLst/>
+          </a:prstGeom>
+          <a:noFill/>
+        </p:spPr>
+        <p:txBody>
+          <a:bodyPr wrap="square" rtlCol="0">
+            <a:spAutoFit/>
+          </a:bodyPr>
+          <a:lstStyle/>
+          <a:p>
+            <a:pPr algn="ctr"/>
+            <a:r>
+              <a:rPr lang="en-GB" sz="3600" b="1" dirty="0"/>
+              <a:t>Supervised Machine Learning Models</a:t>
+            </a:r>
+            <a:endParaRPr lang="en-GB" sz="1400" b="1" dirty="0"/>
+          </a:p>
+        </p:txBody>
+      </p:sp>
+      <p:sp>
+        <p:nvSpPr>
+          <p:cNvPr id="3" name="Picture Placeholder 2">
+            <a:extLst>
+              <a:ext uri="{FF2B5EF4-FFF2-40B4-BE49-F238E27FC236}">
+                <a16:creationId xmlns:a16="http://schemas.microsoft.com/office/drawing/2014/main" id="{AD75E344-34A7-3953-DBE1-C1AC0EEF25BF}"/>
+              </a:ext>
+            </a:extLst>
+          </p:cNvPr>
+          <p:cNvSpPr>
+            <a:spLocks noGrp="1"/>
+          </p:cNvSpPr>
+          <p:nvPr>
+            <p:ph type="pic" sz="quarter" idx="11"/>
+          </p:nvPr>
+        </p:nvSpPr>
+        <p:spPr/>
+        <p:txBody>
+          <a:bodyPr/>
+          <a:lstStyle/>
+          <a:p>
+            <a:endParaRPr lang="en-US"/>
+          </a:p>
+        </p:txBody>
+      </p:sp>
+      <p:sp>
+        <p:nvSpPr>
+          <p:cNvPr id="5" name="Content Placeholder 2">
+            <a:extLst>
+              <a:ext uri="{FF2B5EF4-FFF2-40B4-BE49-F238E27FC236}">
+                <a16:creationId xmlns:a16="http://schemas.microsoft.com/office/drawing/2014/main" id="{74A4C716-B13D-F106-1917-56A91000701D}"/>
+              </a:ext>
+            </a:extLst>
+          </p:cNvPr>
+          <p:cNvSpPr txBox="1">
+            <a:spLocks/>
+          </p:cNvSpPr>
+          <p:nvPr/>
+        </p:nvSpPr>
+        <p:spPr>
+          <a:xfrm>
+            <a:off x="826293" y="2212092"/>
+            <a:ext cx="8405813" cy="4351338"/>
+          </a:xfrm>
+          <a:prstGeom prst="rect">
+            <a:avLst/>
+          </a:prstGeom>
+        </p:spPr>
+        <p:txBody>
+          <a:bodyPr>
+            <a:normAutofit fontScale="92500" lnSpcReduction="20000"/>
+          </a:bodyPr>
+          <a:lstStyle>
+            <a:lvl1pPr marL="228600" indent="-228600" algn="l" defTabSz="914400" rtl="0" eaLnBrk="1" latinLnBrk="0" hangingPunct="1">
+              <a:lnSpc>
+                <a:spcPct val="90000"/>
+              </a:lnSpc>
+              <a:spcBef>
+                <a:spcPts val="1000"/>
+              </a:spcBef>
+              <a:buFont typeface="Arial" panose="020B0604020202020204" pitchFamily="34" charset="0"/>
+              <a:buChar char="•"/>
+              <a:defRPr sz="2800" kern="1200">
+                <a:solidFill>
+                  <a:schemeClr val="tx1">
+                    <a:lumMod val="75000"/>
+                    <a:lumOff val="25000"/>
+                  </a:schemeClr>
+                </a:solidFill>
+                <a:latin typeface="+mn-lt"/>
+                <a:ea typeface="+mn-ea"/>
+                <a:cs typeface="+mn-cs"/>
+              </a:defRPr>
+            </a:lvl1pPr>
+            <a:lvl2pPr marL="685800" indent="-228600" algn="l" defTabSz="914400" rtl="0" eaLnBrk="1" latinLnBrk="0" hangingPunct="1">
+              <a:lnSpc>
+                <a:spcPct val="90000"/>
+              </a:lnSpc>
+              <a:spcBef>
+                <a:spcPts val="500"/>
+              </a:spcBef>
+              <a:buFont typeface="Arial" panose="020B0604020202020204" pitchFamily="34" charset="0"/>
+              <a:buChar char="•"/>
+              <a:defRPr sz="2400" kern="1200">
+                <a:solidFill>
+                  <a:schemeClr val="tx1">
+                    <a:lumMod val="75000"/>
+                    <a:lumOff val="25000"/>
+                  </a:schemeClr>
+                </a:solidFill>
+                <a:latin typeface="+mn-lt"/>
+                <a:ea typeface="+mn-ea"/>
+                <a:cs typeface="+mn-cs"/>
+              </a:defRPr>
+            </a:lvl2pPr>
+            <a:lvl3pPr marL="1143000" indent="-228600" algn="l" defTabSz="914400" rtl="0" eaLnBrk="1" latinLnBrk="0" hangingPunct="1">
+              <a:lnSpc>
+                <a:spcPct val="90000"/>
+              </a:lnSpc>
+              <a:spcBef>
+                <a:spcPts val="500"/>
+              </a:spcBef>
+              <a:buFont typeface="Arial" panose="020B0604020202020204" pitchFamily="34" charset="0"/>
+              <a:buChar char="•"/>
+              <a:defRPr sz="2000" kern="1200">
+                <a:solidFill>
+                  <a:schemeClr val="tx1">
+                    <a:lumMod val="75000"/>
+                    <a:lumOff val="25000"/>
+                  </a:schemeClr>
+                </a:solidFill>
+                <a:latin typeface="+mn-lt"/>
+                <a:ea typeface="+mn-ea"/>
+                <a:cs typeface="+mn-cs"/>
+              </a:defRPr>
+            </a:lvl3pPr>
+            <a:lvl4pPr marL="1600200" indent="-228600" algn="l" defTabSz="914400" rtl="0" eaLnBrk="1" latinLnBrk="0" hangingPunct="1">
+              <a:lnSpc>
+                <a:spcPct val="90000"/>
+              </a:lnSpc>
+              <a:spcBef>
+                <a:spcPts val="500"/>
+              </a:spcBef>
+              <a:buFont typeface="Arial" panose="020B0604020202020204" pitchFamily="34" charset="0"/>
+              <a:buChar char="•"/>
+              <a:defRPr sz="1800" kern="1200">
+                <a:solidFill>
+                  <a:schemeClr val="tx1">
+                    <a:lumMod val="75000"/>
+                    <a:lumOff val="25000"/>
+                  </a:schemeClr>
+                </a:solidFill>
+                <a:latin typeface="+mn-lt"/>
+                <a:ea typeface="+mn-ea"/>
+                <a:cs typeface="+mn-cs"/>
+              </a:defRPr>
+            </a:lvl4pPr>
+            <a:lvl5pPr marL="2057400" indent="-228600" algn="l" defTabSz="914400" rtl="0" eaLnBrk="1" latinLnBrk="0" hangingPunct="1">
+              <a:lnSpc>
+                <a:spcPct val="90000"/>
+              </a:lnSpc>
+              <a:spcBef>
+                <a:spcPts val="500"/>
+              </a:spcBef>
+              <a:buFont typeface="Arial" panose="020B0604020202020204" pitchFamily="34" charset="0"/>
+              <a:buChar char="•"/>
+              <a:defRPr sz="1800" kern="1200">
+                <a:solidFill>
+                  <a:schemeClr val="tx1">
+                    <a:lumMod val="75000"/>
+                    <a:lumOff val="25000"/>
+                  </a:schemeClr>
+                </a:solidFill>
+                <a:latin typeface="+mn-lt"/>
+                <a:ea typeface="+mn-ea"/>
+                <a:cs typeface="+mn-cs"/>
+              </a:defRPr>
+            </a:lvl5pPr>
+            <a:lvl6pPr marL="2514600" indent="-228600" algn="l" defTabSz="914400" rtl="0" eaLnBrk="1" latinLnBrk="0" hangingPunct="1">
+              <a:lnSpc>
+                <a:spcPct val="90000"/>
+              </a:lnSpc>
+              <a:spcBef>
+                <a:spcPts val="500"/>
+              </a:spcBef>
+              <a:buFont typeface="Arial" panose="020B0604020202020204" pitchFamily="34" charset="0"/>
+              <a:buChar char="•"/>
+              <a:defRPr sz="1800" kern="1200">
+                <a:solidFill>
+                  <a:schemeClr val="tx1"/>
+                </a:solidFill>
+                <a:latin typeface="+mn-lt"/>
+                <a:ea typeface="+mn-ea"/>
+                <a:cs typeface="+mn-cs"/>
+              </a:defRPr>
+            </a:lvl6pPr>
+            <a:lvl7pPr marL="2971800" indent="-228600" algn="l" defTabSz="914400" rtl="0" eaLnBrk="1" latinLnBrk="0" hangingPunct="1">
+              <a:lnSpc>
+                <a:spcPct val="90000"/>
+              </a:lnSpc>
+              <a:spcBef>
+                <a:spcPts val="500"/>
+              </a:spcBef>
+              <a:buFont typeface="Arial" panose="020B0604020202020204" pitchFamily="34" charset="0"/>
+              <a:buChar char="•"/>
+              <a:defRPr sz="1800" kern="1200">
+                <a:solidFill>
+                  <a:schemeClr val="tx1"/>
+                </a:solidFill>
+                <a:latin typeface="+mn-lt"/>
+                <a:ea typeface="+mn-ea"/>
+                <a:cs typeface="+mn-cs"/>
+              </a:defRPr>
+            </a:lvl7pPr>
+            <a:lvl8pPr marL="3429000" indent="-228600" algn="l" defTabSz="914400" rtl="0" eaLnBrk="1" latinLnBrk="0" hangingPunct="1">
+              <a:lnSpc>
+                <a:spcPct val="90000"/>
+              </a:lnSpc>
+              <a:spcBef>
+                <a:spcPts val="500"/>
+              </a:spcBef>
+              <a:buFont typeface="Arial" panose="020B0604020202020204" pitchFamily="34" charset="0"/>
+              <a:buChar char="•"/>
+              <a:defRPr sz="1800" kern="1200">
+                <a:solidFill>
+                  <a:schemeClr val="tx1"/>
+                </a:solidFill>
+                <a:latin typeface="+mn-lt"/>
+                <a:ea typeface="+mn-ea"/>
+                <a:cs typeface="+mn-cs"/>
+              </a:defRPr>
+            </a:lvl8pPr>
+            <a:lvl9pPr marL="3886200" indent="-228600" algn="l" defTabSz="914400" rtl="0" eaLnBrk="1" latinLnBrk="0" hangingPunct="1">
+              <a:lnSpc>
+                <a:spcPct val="90000"/>
+              </a:lnSpc>
+              <a:spcBef>
+                <a:spcPts val="500"/>
+              </a:spcBef>
+              <a:buFont typeface="Arial" panose="020B0604020202020204" pitchFamily="34" charset="0"/>
+              <a:buChar char="•"/>
+              <a:defRPr sz="1800" kern="1200">
+                <a:solidFill>
+                  <a:schemeClr val="tx1"/>
+                </a:solidFill>
+                <a:latin typeface="+mn-lt"/>
+                <a:ea typeface="+mn-ea"/>
+                <a:cs typeface="+mn-cs"/>
+              </a:defRPr>
+            </a:lvl9pPr>
+          </a:lstStyle>
+          <a:p>
+            <a:r>
+              <a:rPr lang="en-GB" dirty="0"/>
+              <a:t>Logistic Regression Model</a:t>
+            </a:r>
+          </a:p>
+          <a:p>
+            <a:pPr marL="914400" lvl="2" indent="0">
+              <a:buFont typeface="Arial" panose="020B0604020202020204" pitchFamily="34" charset="0"/>
+              <a:buNone/>
+            </a:pPr>
+            <a:r>
+              <a:rPr lang="en-GB" dirty="0"/>
+              <a:t>  </a:t>
+            </a:r>
+            <a:r>
+              <a:rPr lang="en-GB" dirty="0" err="1"/>
+              <a:t>Model_LR</a:t>
+            </a:r>
+            <a:r>
+              <a:rPr lang="en-GB" dirty="0"/>
+              <a:t> = </a:t>
+            </a:r>
+            <a:r>
+              <a:rPr lang="en-GB" dirty="0" err="1"/>
+              <a:t>LogisticRegression</a:t>
+            </a:r>
+            <a:r>
+              <a:rPr lang="en-GB" dirty="0"/>
+              <a:t>(solver='</a:t>
+            </a:r>
+            <a:r>
+              <a:rPr lang="en-GB" dirty="0" err="1"/>
+              <a:t>lbfgs</a:t>
+            </a:r>
+            <a:r>
+              <a:rPr lang="en-GB" dirty="0"/>
+              <a:t>’, </a:t>
+            </a:r>
+            <a:r>
+              <a:rPr lang="en-GB" dirty="0" err="1"/>
+              <a:t>max_iter</a:t>
+            </a:r>
+            <a:r>
+              <a:rPr lang="en-GB" dirty="0"/>
+              <a:t>=200,random_state=78)</a:t>
+            </a:r>
+          </a:p>
+          <a:p>
+            <a:r>
+              <a:rPr lang="en-GB" dirty="0" err="1"/>
+              <a:t>K_nearest</a:t>
+            </a:r>
+            <a:r>
+              <a:rPr lang="en-GB" dirty="0"/>
+              <a:t> </a:t>
+            </a:r>
+            <a:r>
+              <a:rPr lang="en-GB" dirty="0" err="1"/>
+              <a:t>neighbors</a:t>
+            </a:r>
+            <a:r>
+              <a:rPr lang="en-GB" dirty="0"/>
+              <a:t> </a:t>
+            </a:r>
+          </a:p>
+          <a:p>
+            <a:pPr marL="0" indent="0">
+              <a:buFont typeface="Arial" panose="020B0604020202020204" pitchFamily="34" charset="0"/>
+              <a:buNone/>
+            </a:pPr>
+            <a:r>
+              <a:rPr lang="en-GB" dirty="0"/>
+              <a:t>             </a:t>
+            </a:r>
+            <a:r>
+              <a:rPr lang="en-GB" sz="2000" dirty="0" err="1"/>
+              <a:t>Model_knn</a:t>
+            </a:r>
+            <a:r>
+              <a:rPr lang="en-GB" sz="2000" dirty="0"/>
+              <a:t> = </a:t>
+            </a:r>
+            <a:r>
+              <a:rPr lang="en-GB" sz="2000" dirty="0" err="1"/>
+              <a:t>KNeighborsClassifier</a:t>
+            </a:r>
+            <a:r>
+              <a:rPr lang="en-GB" sz="2000" dirty="0"/>
+              <a:t>(</a:t>
+            </a:r>
+            <a:r>
+              <a:rPr lang="en-GB" sz="2000" dirty="0" err="1"/>
+              <a:t>n_neighbors</a:t>
+            </a:r>
+            <a:r>
+              <a:rPr lang="en-GB" sz="2000" dirty="0"/>
+              <a:t>=5)</a:t>
+            </a:r>
+          </a:p>
+          <a:p>
+            <a:r>
+              <a:rPr lang="en-GB" dirty="0" err="1"/>
+              <a:t>Descision</a:t>
+            </a:r>
+            <a:r>
+              <a:rPr lang="en-GB" dirty="0"/>
+              <a:t> Tree</a:t>
+            </a:r>
+          </a:p>
+          <a:p>
+            <a:pPr marL="0" indent="0">
+              <a:buFont typeface="Arial" panose="020B0604020202020204" pitchFamily="34" charset="0"/>
+              <a:buNone/>
+            </a:pPr>
+            <a:r>
+              <a:rPr lang="en-GB" dirty="0"/>
+              <a:t>	</a:t>
+            </a:r>
+            <a:r>
+              <a:rPr lang="en-GB" sz="2000" dirty="0" err="1"/>
+              <a:t>model_DT</a:t>
+            </a:r>
+            <a:r>
+              <a:rPr lang="en-GB" sz="2000" dirty="0"/>
+              <a:t> = </a:t>
+            </a:r>
+            <a:r>
+              <a:rPr lang="en-GB" sz="2000" dirty="0" err="1"/>
+              <a:t>tree.DecisionTreeClassifier</a:t>
+            </a:r>
+            <a:r>
+              <a:rPr lang="en-GB" sz="2000" dirty="0"/>
+              <a:t>()</a:t>
+            </a:r>
+          </a:p>
+          <a:p>
+            <a:r>
+              <a:rPr lang="en-GB" dirty="0"/>
+              <a:t>Random Forest</a:t>
+            </a:r>
+          </a:p>
+          <a:p>
+            <a:pPr marL="0" indent="0">
+              <a:buFont typeface="Arial" panose="020B0604020202020204" pitchFamily="34" charset="0"/>
+              <a:buNone/>
+            </a:pPr>
+            <a:r>
+              <a:rPr lang="en-GB" dirty="0"/>
+              <a:t>	</a:t>
+            </a:r>
+            <a:r>
+              <a:rPr lang="en-GB" sz="2200" dirty="0" err="1"/>
+              <a:t>rf_model</a:t>
+            </a:r>
+            <a:r>
+              <a:rPr lang="en-GB" sz="2200" dirty="0"/>
+              <a:t> = </a:t>
+            </a:r>
+            <a:r>
+              <a:rPr lang="en-GB" sz="2200" dirty="0" err="1"/>
+              <a:t>RandomForestClassifier</a:t>
+            </a:r>
+            <a:r>
+              <a:rPr lang="en-GB" sz="2200" dirty="0"/>
+              <a:t>(</a:t>
+            </a:r>
+            <a:r>
+              <a:rPr lang="en-GB" sz="2200" dirty="0" err="1"/>
+              <a:t>n_estimators</a:t>
+            </a:r>
+            <a:r>
+              <a:rPr lang="en-GB" sz="2200" dirty="0"/>
+              <a:t>=500, </a:t>
+            </a:r>
+            <a:r>
+              <a:rPr lang="en-GB" sz="2200" dirty="0" err="1"/>
+              <a:t>random_state</a:t>
+            </a:r>
+            <a:r>
+              <a:rPr lang="en-GB" sz="2200" dirty="0"/>
+              <a:t>=78)</a:t>
+            </a:r>
+          </a:p>
+          <a:p>
+            <a:r>
+              <a:rPr lang="en-GB" dirty="0"/>
+              <a:t>Support Vector Machine (SVM)</a:t>
+            </a:r>
+          </a:p>
+          <a:p>
+            <a:pPr marL="0" indent="0">
+              <a:buFont typeface="Arial" panose="020B0604020202020204" pitchFamily="34" charset="0"/>
+              <a:buNone/>
+            </a:pPr>
+            <a:r>
+              <a:rPr lang="en-GB" dirty="0"/>
+              <a:t>	</a:t>
+            </a:r>
+            <a:r>
+              <a:rPr lang="en-GB" sz="2200" dirty="0" err="1"/>
+              <a:t>model_svm</a:t>
+            </a:r>
+            <a:r>
+              <a:rPr lang="en-GB" sz="2200" dirty="0"/>
+              <a:t> = SVC(kernel='linear')</a:t>
+            </a:r>
+          </a:p>
+        </p:txBody>
+      </p:sp>
+    </p:spTree>
+    <p:extLst>
+      <p:ext uri="{BB962C8B-B14F-4D97-AF65-F5344CB8AC3E}">
+        <p14:creationId xmlns:p14="http://schemas.microsoft.com/office/powerpoint/2010/main" val="2382457256"/>
+      </p:ext>
+    </p:extLst>
+  </p:cSld>
+  <p:clrMapOvr>
+    <a:masterClrMapping/>
+  </p:clrMapOvr>
+</p:sld>
+</file>
+
+<file path=ppt/slides/slide15.xml><?xml version="1.0" encoding="utf-8"?>
+<p:sld xmlns:a="http://schemas.openxmlformats.org/drawingml/2006/main" xmlns:r="http://schemas.openxmlformats.org/officeDocument/2006/relationships" xmlns:p="http://schemas.openxmlformats.org/presentationml/2006/main">
+  <p:cSld>
+    <p:bg>
+      <p:bgPr>
+        <a:solidFill>
+          <a:schemeClr val="bg1"/>
+        </a:solidFill>
+        <a:effectLst/>
+      </p:bgPr>
+    </p:bg>
+    <p:spTree>
+      <p:nvGrpSpPr>
+        <p:cNvPr id="1" name="">
+          <a:extLst>
+            <a:ext uri="{FF2B5EF4-FFF2-40B4-BE49-F238E27FC236}">
+              <a16:creationId xmlns:a16="http://schemas.microsoft.com/office/drawing/2014/main" id="{AB68B09A-02A9-FCF6-8CF4-E21D9D83F5B6}"/>
+            </a:ext>
+          </a:extLst>
+        </p:cNvPr>
+        <p:cNvGrpSpPr/>
+        <p:nvPr/>
+      </p:nvGrpSpPr>
+      <p:grpSpPr>
+        <a:xfrm>
+          <a:off x="0" y="0"/>
+          <a:ext cx="0" cy="0"/>
+          <a:chOff x="0" y="0"/>
+          <a:chExt cx="0" cy="0"/>
+        </a:xfrm>
+      </p:grpSpPr>
+      <p:sp>
+        <p:nvSpPr>
+          <p:cNvPr id="27" name="Rectangle 26">
+            <a:extLst>
+              <a:ext uri="{FF2B5EF4-FFF2-40B4-BE49-F238E27FC236}">
+                <a16:creationId xmlns:a16="http://schemas.microsoft.com/office/drawing/2014/main" id="{72DB646F-EF7A-CDB6-8C97-BFA5811FC706}"/>
+              </a:ext>
+              <a:ext uri="{C183D7F6-B498-43B3-948B-1728B52AA6E4}">
+                <adec:decorative xmlns:adec="http://schemas.microsoft.com/office/drawing/2017/decorative" val="1"/>
+              </a:ext>
+            </a:extLst>
+          </p:cNvPr>
+          <p:cNvSpPr>
+            <a:spLocks noGrp="1" noRot="1" noChangeAspect="1" noMove="1" noResize="1" noEditPoints="1" noAdjustHandles="1" noChangeArrowheads="1" noChangeShapeType="1" noTextEdit="1"/>
+          </p:cNvSpPr>
+          <p:nvPr>
+            <p:extLst>
+              <p:ext uri="{386F3935-93C4-4BCD-93E2-E3B085C9AB24}">
+                <p16:designElem xmlns:p16="http://schemas.microsoft.com/office/powerpoint/2015/main" val="1"/>
+              </p:ext>
+            </p:extLst>
+          </p:nvPr>
+        </p:nvSpPr>
+        <p:spPr>
+          <a:xfrm>
+            <a:off x="0" y="0"/>
+            <a:ext cx="10058400" cy="7772400"/>
+          </a:xfrm>
+          <a:prstGeom prst="rect">
+            <a:avLst/>
+          </a:prstGeom>
+          <a:solidFill>
+            <a:schemeClr val="bg1"/>
+          </a:solidFill>
+          <a:ln>
+            <a:noFill/>
+          </a:ln>
+        </p:spPr>
+        <p:style>
+          <a:lnRef idx="2">
+            <a:schemeClr val="accent1">
+              <a:shade val="50000"/>
+            </a:schemeClr>
+          </a:lnRef>
+          <a:fillRef idx="1">
+            <a:schemeClr val="accent1"/>
+          </a:fillRef>
+          <a:effectRef idx="0">
+            <a:schemeClr val="accent1"/>
+          </a:effectRef>
+          <a:fontRef idx="minor">
+            <a:schemeClr val="lt1"/>
+          </a:fontRef>
+        </p:style>
+        <p:txBody>
+          <a:bodyPr rtlCol="0" anchor="ctr"/>
+          <a:lstStyle/>
+          <a:p>
+            <a:pPr algn="ctr"/>
+            <a:endParaRPr lang="en-US" dirty="0"/>
+          </a:p>
+        </p:txBody>
+      </p:sp>
+      <p:grpSp>
+        <p:nvGrpSpPr>
+          <p:cNvPr id="29" name="Group 28">
+            <a:extLst>
+              <a:ext uri="{FF2B5EF4-FFF2-40B4-BE49-F238E27FC236}">
+                <a16:creationId xmlns:a16="http://schemas.microsoft.com/office/drawing/2014/main" id="{2208392C-196F-5C96-1245-94E5797EEA40}"/>
+              </a:ext>
+              <a:ext uri="{C183D7F6-B498-43B3-948B-1728B52AA6E4}">
+                <adec:decorative xmlns:adec="http://schemas.microsoft.com/office/drawing/2017/decorative" val="1"/>
+              </a:ext>
+            </a:extLst>
+          </p:cNvPr>
+          <p:cNvGrpSpPr>
+            <a:grpSpLocks noGrp="1" noUngrp="1" noRot="1" noChangeAspect="1" noMove="1" noResize="1"/>
+          </p:cNvGrpSpPr>
+          <p:nvPr>
+            <p:extLst>
+              <p:ext uri="{386F3935-93C4-4BCD-93E2-E3B085C9AB24}">
+                <p16:designElem xmlns:p16="http://schemas.microsoft.com/office/powerpoint/2015/main" val="1"/>
+              </p:ext>
+            </p:extLst>
+          </p:nvPr>
+        </p:nvGrpSpPr>
+        <p:grpSpPr>
+          <a:xfrm flipH="1">
+            <a:off x="9045825" y="2672"/>
+            <a:ext cx="1548239" cy="2001476"/>
+            <a:chOff x="-648769" y="2358"/>
+            <a:chExt cx="1876653" cy="1766008"/>
+          </a:xfrm>
+        </p:grpSpPr>
+        <p:sp>
+          <p:nvSpPr>
+            <p:cNvPr id="30" name="Freeform: Shape 29">
+              <a:extLst>
+                <a:ext uri="{FF2B5EF4-FFF2-40B4-BE49-F238E27FC236}">
+                  <a16:creationId xmlns:a16="http://schemas.microsoft.com/office/drawing/2014/main" id="{F5DB40BB-1B9E-AF43-E22C-858F9B33D319}"/>
+                </a:ext>
+                <a:ext uri="{C183D7F6-B498-43B3-948B-1728B52AA6E4}">
+                  <adec:decorative xmlns:adec="http://schemas.microsoft.com/office/drawing/2017/decorative" val="1"/>
+                </a:ext>
+              </a:extLst>
+            </p:cNvPr>
+            <p:cNvSpPr/>
+            <p:nvPr>
+              <p:extLst>
+                <p:ext uri="{386F3935-93C4-4BCD-93E2-E3B085C9AB24}">
+                  <p16:designElem xmlns:p16="http://schemas.microsoft.com/office/powerpoint/2015/main" val="1"/>
+                </p:ext>
+              </p:extLst>
+            </p:nvPr>
+          </p:nvSpPr>
+          <p:spPr>
+            <a:xfrm rot="2700000">
+              <a:off x="-415188" y="-231223"/>
+              <a:ext cx="1409491" cy="1876653"/>
+            </a:xfrm>
+            <a:custGeom>
+              <a:avLst/>
+              <a:gdLst>
+                <a:gd name="connsiteX0" fmla="*/ 0 w 1409491"/>
+                <a:gd name="connsiteY0" fmla="*/ 643075 h 1876653"/>
+                <a:gd name="connsiteX1" fmla="*/ 643075 w 1409491"/>
+                <a:gd name="connsiteY1" fmla="*/ 0 h 1876653"/>
+                <a:gd name="connsiteX2" fmla="*/ 1409491 w 1409491"/>
+                <a:gd name="connsiteY2" fmla="*/ 0 h 1876653"/>
+                <a:gd name="connsiteX3" fmla="*/ 1409491 w 1409491"/>
+                <a:gd name="connsiteY3" fmla="*/ 1876653 h 1876653"/>
+                <a:gd name="connsiteX4" fmla="*/ 1233578 w 1409491"/>
+                <a:gd name="connsiteY4" fmla="*/ 1876653 h 1876653"/>
+              </a:gdLst>
+              <a:ahLst/>
+              <a:cxnLst>
+                <a:cxn ang="0">
+                  <a:pos x="connsiteX0" y="connsiteY0"/>
+                </a:cxn>
+                <a:cxn ang="0">
+                  <a:pos x="connsiteX1" y="connsiteY1"/>
+                </a:cxn>
+                <a:cxn ang="0">
+                  <a:pos x="connsiteX2" y="connsiteY2"/>
+                </a:cxn>
+                <a:cxn ang="0">
+                  <a:pos x="connsiteX3" y="connsiteY3"/>
+                </a:cxn>
+                <a:cxn ang="0">
+                  <a:pos x="connsiteX4" y="connsiteY4"/>
+                </a:cxn>
+              </a:cxnLst>
+              <a:rect l="l" t="t" r="r" b="b"/>
+              <a:pathLst>
+                <a:path w="1409491" h="1876653">
+                  <a:moveTo>
+                    <a:pt x="0" y="643075"/>
+                  </a:moveTo>
+                  <a:lnTo>
+                    <a:pt x="643075" y="0"/>
+                  </a:lnTo>
+                  <a:lnTo>
+                    <a:pt x="1409491" y="0"/>
+                  </a:lnTo>
+                  <a:lnTo>
+                    <a:pt x="1409491" y="1876653"/>
+                  </a:lnTo>
+                  <a:lnTo>
+                    <a:pt x="1233578" y="1876653"/>
+                  </a:lnTo>
+                  <a:close/>
+                </a:path>
+              </a:pathLst>
+            </a:custGeom>
+            <a:solidFill>
+              <a:schemeClr val="accent1">
+                <a:alpha val="30000"/>
+              </a:schemeClr>
+            </a:solidFill>
+            <a:ln>
+              <a:noFill/>
+            </a:ln>
+          </p:spPr>
+          <p:style>
+            <a:lnRef idx="2">
+              <a:schemeClr val="accent1">
+                <a:shade val="50000"/>
+              </a:schemeClr>
+            </a:lnRef>
+            <a:fillRef idx="1">
+              <a:schemeClr val="accent1"/>
+            </a:fillRef>
+            <a:effectRef idx="0">
+              <a:schemeClr val="accent1"/>
+            </a:effectRef>
+            <a:fontRef idx="minor">
+              <a:schemeClr val="lt1"/>
+            </a:fontRef>
+          </p:style>
+          <p:txBody>
+            <a:bodyPr rtlCol="0" anchor="ctr"/>
+            <a:lstStyle/>
+            <a:p>
+              <a:pPr algn="ctr"/>
+              <a:endParaRPr lang="en-US"/>
+            </a:p>
+          </p:txBody>
+        </p:sp>
+        <p:sp>
+          <p:nvSpPr>
+            <p:cNvPr id="31" name="Rectangle 30">
+              <a:extLst>
+                <a:ext uri="{FF2B5EF4-FFF2-40B4-BE49-F238E27FC236}">
+                  <a16:creationId xmlns:a16="http://schemas.microsoft.com/office/drawing/2014/main" id="{A0D31D67-8F11-AC56-2C84-FE263B6D95F8}"/>
+                </a:ext>
+                <a:ext uri="{C183D7F6-B498-43B3-948B-1728B52AA6E4}">
+                  <adec:decorative xmlns:adec="http://schemas.microsoft.com/office/drawing/2017/decorative" val="1"/>
+                </a:ext>
+              </a:extLst>
+            </p:cNvPr>
+            <p:cNvSpPr/>
+            <p:nvPr>
+              <p:extLst>
+                <p:ext uri="{386F3935-93C4-4BCD-93E2-E3B085C9AB24}">
+                  <p16:designElem xmlns:p16="http://schemas.microsoft.com/office/powerpoint/2015/main" val="1"/>
+                </p:ext>
+              </p:extLst>
+            </p:nvPr>
+          </p:nvSpPr>
+          <p:spPr>
+            <a:xfrm rot="2700000">
+              <a:off x="301285" y="1282788"/>
+              <a:ext cx="485578" cy="485578"/>
+            </a:xfrm>
+            <a:prstGeom prst="rect">
+              <a:avLst/>
+            </a:prstGeom>
+            <a:solidFill>
+              <a:schemeClr val="accent1">
+                <a:alpha val="30000"/>
+              </a:schemeClr>
+            </a:solidFill>
+            <a:ln>
+              <a:noFill/>
+            </a:ln>
+          </p:spPr>
+          <p:style>
+            <a:lnRef idx="2">
+              <a:schemeClr val="accent1">
+                <a:shade val="50000"/>
+              </a:schemeClr>
+            </a:lnRef>
+            <a:fillRef idx="1">
+              <a:schemeClr val="accent1"/>
+            </a:fillRef>
+            <a:effectRef idx="0">
+              <a:schemeClr val="accent1"/>
+            </a:effectRef>
+            <a:fontRef idx="minor">
+              <a:schemeClr val="lt1"/>
+            </a:fontRef>
+          </p:style>
+          <p:txBody>
+            <a:bodyPr rtlCol="0" anchor="ctr"/>
+            <a:lstStyle/>
+            <a:p>
+              <a:pPr algn="ctr"/>
+              <a:endParaRPr lang="en-US"/>
+            </a:p>
+          </p:txBody>
+        </p:sp>
+      </p:grpSp>
+      <p:sp>
+        <p:nvSpPr>
+          <p:cNvPr id="33" name="Rectangle 32">
+            <a:extLst>
+              <a:ext uri="{FF2B5EF4-FFF2-40B4-BE49-F238E27FC236}">
+                <a16:creationId xmlns:a16="http://schemas.microsoft.com/office/drawing/2014/main" id="{25C6BF5C-E980-C71F-5F87-4988B5BC948C}"/>
+              </a:ext>
+              <a:ext uri="{C183D7F6-B498-43B3-948B-1728B52AA6E4}">
+                <adec:decorative xmlns:adec="http://schemas.microsoft.com/office/drawing/2017/decorative" val="1"/>
+              </a:ext>
+            </a:extLst>
+          </p:cNvPr>
+          <p:cNvSpPr>
+            <a:spLocks noGrp="1" noRot="1" noChangeAspect="1" noMove="1" noResize="1" noEditPoints="1" noAdjustHandles="1" noChangeArrowheads="1" noChangeShapeType="1" noTextEdit="1"/>
+          </p:cNvSpPr>
+          <p:nvPr>
+            <p:extLst>
+              <p:ext uri="{386F3935-93C4-4BCD-93E2-E3B085C9AB24}">
+                <p16:designElem xmlns:p16="http://schemas.microsoft.com/office/powerpoint/2015/main" val="1"/>
+              </p:ext>
+            </p:extLst>
+          </p:nvPr>
+        </p:nvSpPr>
+        <p:spPr>
+          <a:xfrm rot="2700000">
+            <a:off x="2158692" y="6937649"/>
+            <a:ext cx="731417" cy="532429"/>
+          </a:xfrm>
+          <a:prstGeom prst="rect">
+            <a:avLst/>
+          </a:prstGeom>
+          <a:solidFill>
+            <a:schemeClr val="accent4">
+              <a:alpha val="30000"/>
+            </a:schemeClr>
+          </a:solidFill>
+          <a:ln>
+            <a:noFill/>
+          </a:ln>
+        </p:spPr>
+        <p:style>
+          <a:lnRef idx="2">
+            <a:schemeClr val="accent1">
+              <a:shade val="50000"/>
+            </a:schemeClr>
+          </a:lnRef>
+          <a:fillRef idx="1">
+            <a:schemeClr val="accent1"/>
+          </a:fillRef>
+          <a:effectRef idx="0">
+            <a:schemeClr val="accent1"/>
+          </a:effectRef>
+          <a:fontRef idx="minor">
+            <a:schemeClr val="lt1"/>
+          </a:fontRef>
+        </p:style>
+        <p:txBody>
+          <a:bodyPr rtlCol="0" anchor="ctr"/>
+          <a:lstStyle/>
+          <a:p>
+            <a:pPr algn="ctr"/>
+            <a:endParaRPr lang="en-US"/>
+          </a:p>
+        </p:txBody>
+      </p:sp>
+      <p:sp>
+        <p:nvSpPr>
+          <p:cNvPr id="35" name="Isosceles Triangle 34">
+            <a:extLst>
+              <a:ext uri="{FF2B5EF4-FFF2-40B4-BE49-F238E27FC236}">
+                <a16:creationId xmlns:a16="http://schemas.microsoft.com/office/drawing/2014/main" id="{EB1A9466-6EBD-2679-11FA-D68BC1CB464A}"/>
+              </a:ext>
+              <a:ext uri="{C183D7F6-B498-43B3-948B-1728B52AA6E4}">
+                <adec:decorative xmlns:adec="http://schemas.microsoft.com/office/drawing/2017/decorative" val="1"/>
+              </a:ext>
+            </a:extLst>
+          </p:cNvPr>
+          <p:cNvSpPr>
+            <a:spLocks noGrp="1" noRot="1" noChangeAspect="1" noMove="1" noResize="1" noEditPoints="1" noAdjustHandles="1" noChangeArrowheads="1" noChangeShapeType="1" noTextEdit="1"/>
+          </p:cNvSpPr>
+          <p:nvPr>
+            <p:extLst>
+              <p:ext uri="{386F3935-93C4-4BCD-93E2-E3B085C9AB24}">
+                <p16:designElem xmlns:p16="http://schemas.microsoft.com/office/powerpoint/2015/main" val="1"/>
+              </p:ext>
+            </p:extLst>
+          </p:nvPr>
+        </p:nvSpPr>
+        <p:spPr>
+          <a:xfrm>
+            <a:off x="1108334" y="6483922"/>
+            <a:ext cx="1866121" cy="1288476"/>
+          </a:xfrm>
+          <a:prstGeom prst="triangle">
+            <a:avLst>
+              <a:gd name="adj" fmla="val 50000"/>
+            </a:avLst>
+          </a:prstGeom>
+          <a:solidFill>
+            <a:schemeClr val="accent4">
+              <a:alpha val="30000"/>
+            </a:schemeClr>
+          </a:solidFill>
+          <a:ln>
+            <a:noFill/>
+          </a:ln>
+        </p:spPr>
+        <p:style>
+          <a:lnRef idx="2">
+            <a:schemeClr val="accent1">
+              <a:shade val="50000"/>
+            </a:schemeClr>
+          </a:lnRef>
+          <a:fillRef idx="1">
+            <a:schemeClr val="accent1"/>
+          </a:fillRef>
+          <a:effectRef idx="0">
+            <a:schemeClr val="accent1"/>
+          </a:effectRef>
+          <a:fontRef idx="minor">
+            <a:schemeClr val="lt1"/>
+          </a:fontRef>
+        </p:style>
+        <p:txBody>
+          <a:bodyPr rtlCol="0" anchor="ctr"/>
+          <a:lstStyle/>
+          <a:p>
+            <a:pPr algn="ctr"/>
+            <a:endParaRPr lang="en-US"/>
+          </a:p>
+        </p:txBody>
+      </p:sp>
+      <p:sp>
+        <p:nvSpPr>
+          <p:cNvPr id="6" name="TextBox 5">
+            <a:extLst>
+              <a:ext uri="{FF2B5EF4-FFF2-40B4-BE49-F238E27FC236}">
+                <a16:creationId xmlns:a16="http://schemas.microsoft.com/office/drawing/2014/main" id="{0A58F2F5-AAA1-FC09-9E73-8623E418A836}"/>
+              </a:ext>
+            </a:extLst>
+          </p:cNvPr>
+          <p:cNvSpPr txBox="1"/>
+          <p:nvPr/>
+        </p:nvSpPr>
+        <p:spPr>
+          <a:xfrm>
+            <a:off x="308753" y="1143553"/>
+            <a:ext cx="9569239" cy="1077218"/>
+          </a:xfrm>
+          <a:prstGeom prst="rect">
+            <a:avLst/>
+          </a:prstGeom>
+          <a:noFill/>
+        </p:spPr>
+        <p:txBody>
+          <a:bodyPr wrap="square" rtlCol="0">
+            <a:spAutoFit/>
+          </a:bodyPr>
+          <a:lstStyle/>
+          <a:p>
+            <a:pPr algn="ctr"/>
+            <a:r>
+              <a:rPr lang="en-GB" sz="3200" dirty="0" err="1">
+                <a:latin typeface="Arial Black" panose="020B0A04020102020204" pitchFamily="34" charset="0"/>
+              </a:rPr>
+              <a:t>K_Nearest</a:t>
+            </a:r>
+            <a:r>
+              <a:rPr lang="en-GB" sz="3200" dirty="0">
+                <a:latin typeface="Arial Black" panose="020B0A04020102020204" pitchFamily="34" charset="0"/>
+              </a:rPr>
+              <a:t> </a:t>
+            </a:r>
+            <a:r>
+              <a:rPr lang="en-GB" sz="3200" dirty="0" err="1">
+                <a:latin typeface="Arial Black" panose="020B0A04020102020204" pitchFamily="34" charset="0"/>
+              </a:rPr>
+              <a:t>neighbors</a:t>
+            </a:r>
+            <a:r>
+              <a:rPr lang="en-GB" sz="3200" dirty="0">
+                <a:latin typeface="Arial Black" panose="020B0A04020102020204" pitchFamily="34" charset="0"/>
+              </a:rPr>
+              <a:t> Model And Logistic Regression Model</a:t>
+            </a:r>
+          </a:p>
+        </p:txBody>
+      </p:sp>
+      <p:sp>
+        <p:nvSpPr>
+          <p:cNvPr id="3" name="Picture Placeholder 2">
+            <a:extLst>
+              <a:ext uri="{FF2B5EF4-FFF2-40B4-BE49-F238E27FC236}">
+                <a16:creationId xmlns:a16="http://schemas.microsoft.com/office/drawing/2014/main" id="{9565FECF-3BE0-B37A-FD11-67654283E950}"/>
+              </a:ext>
+            </a:extLst>
+          </p:cNvPr>
+          <p:cNvSpPr>
+            <a:spLocks noGrp="1"/>
+          </p:cNvSpPr>
+          <p:nvPr>
+            <p:ph type="pic" sz="quarter" idx="11"/>
+          </p:nvPr>
+        </p:nvSpPr>
+        <p:spPr/>
+        <p:txBody>
+          <a:bodyPr/>
+          <a:lstStyle/>
+          <a:p>
+            <a:endParaRPr lang="en-US"/>
+          </a:p>
+        </p:txBody>
+      </p:sp>
+      <p:sp>
+        <p:nvSpPr>
+          <p:cNvPr id="4" name="Arrow: Right 5">
+            <a:extLst>
+              <a:ext uri="{FF2B5EF4-FFF2-40B4-BE49-F238E27FC236}">
+                <a16:creationId xmlns:a16="http://schemas.microsoft.com/office/drawing/2014/main" id="{535EED88-5866-123F-58A0-966702E594E9}"/>
+              </a:ext>
+            </a:extLst>
+          </p:cNvPr>
+          <p:cNvSpPr/>
+          <p:nvPr/>
+        </p:nvSpPr>
+        <p:spPr>
+          <a:xfrm>
+            <a:off x="5955158" y="3786525"/>
+            <a:ext cx="709126" cy="195943"/>
+          </a:xfrm>
+          <a:prstGeom prst="rightArrow">
+            <a:avLst/>
+          </a:prstGeom>
+        </p:spPr>
+        <p:style>
+          <a:lnRef idx="2">
+            <a:schemeClr val="accent1">
+              <a:shade val="15000"/>
+            </a:schemeClr>
+          </a:lnRef>
+          <a:fillRef idx="1">
+            <a:schemeClr val="accent1"/>
+          </a:fillRef>
+          <a:effectRef idx="0">
+            <a:schemeClr val="accent1"/>
+          </a:effectRef>
+          <a:fontRef idx="minor">
+            <a:schemeClr val="lt1"/>
+          </a:fontRef>
+        </p:style>
+        <p:txBody>
+          <a:bodyPr rtlCol="0" anchor="ctr"/>
+          <a:lstStyle/>
+          <a:p>
+            <a:pPr algn="ctr"/>
+            <a:endParaRPr lang="en-GB"/>
+          </a:p>
+        </p:txBody>
+      </p:sp>
+      <p:sp>
+        <p:nvSpPr>
+          <p:cNvPr id="8" name="Arrow: Right 6">
+            <a:extLst>
+              <a:ext uri="{FF2B5EF4-FFF2-40B4-BE49-F238E27FC236}">
+                <a16:creationId xmlns:a16="http://schemas.microsoft.com/office/drawing/2014/main" id="{BA981362-93A3-92CE-6DE5-7DF311D012C4}"/>
+              </a:ext>
+            </a:extLst>
+          </p:cNvPr>
+          <p:cNvSpPr/>
+          <p:nvPr/>
+        </p:nvSpPr>
+        <p:spPr>
+          <a:xfrm>
+            <a:off x="5988739" y="5572442"/>
+            <a:ext cx="709126" cy="195943"/>
+          </a:xfrm>
+          <a:prstGeom prst="rightArrow">
+            <a:avLst/>
+          </a:prstGeom>
+        </p:spPr>
+        <p:style>
+          <a:lnRef idx="2">
+            <a:schemeClr val="accent1">
+              <a:shade val="15000"/>
+            </a:schemeClr>
+          </a:lnRef>
+          <a:fillRef idx="1">
+            <a:schemeClr val="accent1"/>
+          </a:fillRef>
+          <a:effectRef idx="0">
+            <a:schemeClr val="accent1"/>
+          </a:effectRef>
+          <a:fontRef idx="minor">
+            <a:schemeClr val="lt1"/>
+          </a:fontRef>
+        </p:style>
+        <p:txBody>
+          <a:bodyPr rtlCol="0" anchor="ctr"/>
+          <a:lstStyle/>
+          <a:p>
+            <a:pPr algn="ctr"/>
+            <a:endParaRPr lang="en-GB"/>
+          </a:p>
+        </p:txBody>
+      </p:sp>
+      <p:pic>
+        <p:nvPicPr>
+          <p:cNvPr id="9" name="Picture 8">
+            <a:extLst>
+              <a:ext uri="{FF2B5EF4-FFF2-40B4-BE49-F238E27FC236}">
+                <a16:creationId xmlns:a16="http://schemas.microsoft.com/office/drawing/2014/main" id="{5FBEFA33-4D01-F6B7-C70D-327A7B97DCE1}"/>
+              </a:ext>
+            </a:extLst>
+          </p:cNvPr>
+          <p:cNvPicPr>
+            <a:picLocks noChangeAspect="1"/>
+          </p:cNvPicPr>
+          <p:nvPr/>
+        </p:nvPicPr>
+        <p:blipFill>
+          <a:blip r:embed="rId3"/>
+          <a:stretch>
+            <a:fillRect/>
+          </a:stretch>
+        </p:blipFill>
+        <p:spPr>
+          <a:xfrm>
+            <a:off x="6870045" y="2418105"/>
+            <a:ext cx="2616855" cy="2609929"/>
+          </a:xfrm>
+          <a:prstGeom prst="rect">
+            <a:avLst/>
+          </a:prstGeom>
+        </p:spPr>
+      </p:pic>
+      <p:pic>
+        <p:nvPicPr>
+          <p:cNvPr id="10" name="Picture 9">
+            <a:extLst>
+              <a:ext uri="{FF2B5EF4-FFF2-40B4-BE49-F238E27FC236}">
+                <a16:creationId xmlns:a16="http://schemas.microsoft.com/office/drawing/2014/main" id="{6D7061EA-40AD-6BCC-0050-9D3A995DD66A}"/>
+              </a:ext>
+            </a:extLst>
+          </p:cNvPr>
+          <p:cNvPicPr>
+            <a:picLocks noChangeAspect="1"/>
+          </p:cNvPicPr>
+          <p:nvPr/>
+        </p:nvPicPr>
+        <p:blipFill>
+          <a:blip r:embed="rId4"/>
+          <a:stretch>
+            <a:fillRect/>
+          </a:stretch>
+        </p:blipFill>
+        <p:spPr>
+          <a:xfrm>
+            <a:off x="183477" y="2702919"/>
+            <a:ext cx="5575521" cy="3553028"/>
+          </a:xfrm>
+          <a:prstGeom prst="rect">
+            <a:avLst/>
+          </a:prstGeom>
+        </p:spPr>
+      </p:pic>
+      <p:pic>
+        <p:nvPicPr>
+          <p:cNvPr id="11" name="Picture 10">
+            <a:extLst>
+              <a:ext uri="{FF2B5EF4-FFF2-40B4-BE49-F238E27FC236}">
+                <a16:creationId xmlns:a16="http://schemas.microsoft.com/office/drawing/2014/main" id="{CEB02443-4F2C-CB2F-8449-7551097D8B1F}"/>
+              </a:ext>
+            </a:extLst>
+          </p:cNvPr>
+          <p:cNvPicPr>
+            <a:picLocks noChangeAspect="1"/>
+          </p:cNvPicPr>
+          <p:nvPr/>
+        </p:nvPicPr>
+        <p:blipFill>
+          <a:blip r:embed="rId5"/>
+          <a:stretch>
+            <a:fillRect/>
+          </a:stretch>
+        </p:blipFill>
+        <p:spPr>
+          <a:xfrm>
+            <a:off x="6943259" y="5010930"/>
+            <a:ext cx="2543641" cy="2314225"/>
+          </a:xfrm>
+          <a:prstGeom prst="rect">
+            <a:avLst/>
+          </a:prstGeom>
+        </p:spPr>
+      </p:pic>
+    </p:spTree>
+    <p:extLst>
+      <p:ext uri="{BB962C8B-B14F-4D97-AF65-F5344CB8AC3E}">
+        <p14:creationId xmlns:p14="http://schemas.microsoft.com/office/powerpoint/2010/main" val="862157675"/>
+      </p:ext>
+    </p:extLst>
+  </p:cSld>
+  <p:clrMapOvr>
+    <a:masterClrMapping/>
+  </p:clrMapOvr>
+</p:sld>
+</file>
+
+<file path=ppt/slides/slide16.xml><?xml version="1.0" encoding="utf-8"?>
+<p:sld xmlns:a="http://schemas.openxmlformats.org/drawingml/2006/main" xmlns:r="http://schemas.openxmlformats.org/officeDocument/2006/relationships" xmlns:p="http://schemas.openxmlformats.org/presentationml/2006/main">
+  <p:cSld>
+    <p:bg>
+      <p:bgPr>
+        <a:solidFill>
+          <a:schemeClr val="bg1"/>
+        </a:solidFill>
+        <a:effectLst/>
+      </p:bgPr>
+    </p:bg>
+    <p:spTree>
+      <p:nvGrpSpPr>
+        <p:cNvPr id="1" name="">
+          <a:extLst>
+            <a:ext uri="{FF2B5EF4-FFF2-40B4-BE49-F238E27FC236}">
+              <a16:creationId xmlns:a16="http://schemas.microsoft.com/office/drawing/2014/main" id="{DE08D394-2BD4-869F-235F-9850872C5740}"/>
+            </a:ext>
+          </a:extLst>
+        </p:cNvPr>
+        <p:cNvGrpSpPr/>
+        <p:nvPr/>
+      </p:nvGrpSpPr>
+      <p:grpSpPr>
+        <a:xfrm>
+          <a:off x="0" y="0"/>
+          <a:ext cx="0" cy="0"/>
+          <a:chOff x="0" y="0"/>
+          <a:chExt cx="0" cy="0"/>
+        </a:xfrm>
+      </p:grpSpPr>
+      <p:sp>
+        <p:nvSpPr>
+          <p:cNvPr id="27" name="Rectangle 26">
+            <a:extLst>
+              <a:ext uri="{FF2B5EF4-FFF2-40B4-BE49-F238E27FC236}">
+                <a16:creationId xmlns:a16="http://schemas.microsoft.com/office/drawing/2014/main" id="{9314C8F3-8B4D-C47F-1366-D419C1E498B2}"/>
+              </a:ext>
+              <a:ext uri="{C183D7F6-B498-43B3-948B-1728B52AA6E4}">
+                <adec:decorative xmlns:adec="http://schemas.microsoft.com/office/drawing/2017/decorative" val="1"/>
+              </a:ext>
+            </a:extLst>
+          </p:cNvPr>
+          <p:cNvSpPr>
+            <a:spLocks noGrp="1" noRot="1" noChangeAspect="1" noMove="1" noResize="1" noEditPoints="1" noAdjustHandles="1" noChangeArrowheads="1" noChangeShapeType="1" noTextEdit="1"/>
+          </p:cNvSpPr>
+          <p:nvPr>
+            <p:extLst>
+              <p:ext uri="{386F3935-93C4-4BCD-93E2-E3B085C9AB24}">
+                <p16:designElem xmlns:p16="http://schemas.microsoft.com/office/powerpoint/2015/main" val="1"/>
+              </p:ext>
+            </p:extLst>
+          </p:nvPr>
+        </p:nvSpPr>
+        <p:spPr>
+          <a:xfrm>
+            <a:off x="0" y="0"/>
+            <a:ext cx="10058400" cy="7772400"/>
+          </a:xfrm>
+          <a:prstGeom prst="rect">
+            <a:avLst/>
+          </a:prstGeom>
+          <a:solidFill>
+            <a:schemeClr val="bg1"/>
+          </a:solidFill>
+          <a:ln>
+            <a:noFill/>
+          </a:ln>
+        </p:spPr>
+        <p:style>
+          <a:lnRef idx="2">
+            <a:schemeClr val="accent1">
+              <a:shade val="50000"/>
+            </a:schemeClr>
+          </a:lnRef>
+          <a:fillRef idx="1">
+            <a:schemeClr val="accent1"/>
+          </a:fillRef>
+          <a:effectRef idx="0">
+            <a:schemeClr val="accent1"/>
+          </a:effectRef>
+          <a:fontRef idx="minor">
+            <a:schemeClr val="lt1"/>
+          </a:fontRef>
+        </p:style>
+        <p:txBody>
+          <a:bodyPr rtlCol="0" anchor="ctr"/>
+          <a:lstStyle/>
+          <a:p>
+            <a:pPr algn="ctr"/>
+            <a:endParaRPr lang="en-US" dirty="0"/>
+          </a:p>
+        </p:txBody>
+      </p:sp>
+      <p:sp>
+        <p:nvSpPr>
+          <p:cNvPr id="29" name="Freeform: Shape 28">
+            <a:extLst>
+              <a:ext uri="{FF2B5EF4-FFF2-40B4-BE49-F238E27FC236}">
+                <a16:creationId xmlns:a16="http://schemas.microsoft.com/office/drawing/2014/main" id="{A190D593-2004-AA64-5F30-4C16E0F64D2A}"/>
+              </a:ext>
+              <a:ext uri="{C183D7F6-B498-43B3-948B-1728B52AA6E4}">
+                <adec:decorative xmlns:adec="http://schemas.microsoft.com/office/drawing/2017/decorative" val="1"/>
+              </a:ext>
+            </a:extLst>
+          </p:cNvPr>
+          <p:cNvSpPr>
+            <a:spLocks noGrp="1" noRot="1" noChangeAspect="1" noMove="1" noResize="1" noEditPoints="1" noAdjustHandles="1" noChangeArrowheads="1" noChangeShapeType="1" noTextEdit="1"/>
+          </p:cNvSpPr>
+          <p:nvPr>
+            <p:extLst>
+              <p:ext uri="{386F3935-93C4-4BCD-93E2-E3B085C9AB24}">
+                <p16:designElem xmlns:p16="http://schemas.microsoft.com/office/powerpoint/2015/main" val="1"/>
+              </p:ext>
+            </p:extLst>
+          </p:nvPr>
+        </p:nvSpPr>
+        <p:spPr>
+          <a:xfrm rot="18900000" flipH="1">
+            <a:off x="-310328" y="-287492"/>
+            <a:ext cx="1507800" cy="1560586"/>
+          </a:xfrm>
+          <a:custGeom>
+            <a:avLst/>
+            <a:gdLst>
+              <a:gd name="connsiteX0" fmla="*/ 0 w 1827638"/>
+              <a:gd name="connsiteY0" fmla="*/ 987379 h 1376989"/>
+              <a:gd name="connsiteX1" fmla="*/ 987379 w 1827638"/>
+              <a:gd name="connsiteY1" fmla="*/ 0 h 1376989"/>
+              <a:gd name="connsiteX2" fmla="*/ 1827638 w 1827638"/>
+              <a:gd name="connsiteY2" fmla="*/ 840260 h 1376989"/>
+              <a:gd name="connsiteX3" fmla="*/ 1827638 w 1827638"/>
+              <a:gd name="connsiteY3" fmla="*/ 1376989 h 1376989"/>
+              <a:gd name="connsiteX4" fmla="*/ 0 w 1827638"/>
+              <a:gd name="connsiteY4" fmla="*/ 1376989 h 1376989"/>
+            </a:gdLst>
+            <a:ahLst/>
+            <a:cxnLst>
+              <a:cxn ang="0">
+                <a:pos x="connsiteX0" y="connsiteY0"/>
+              </a:cxn>
+              <a:cxn ang="0">
+                <a:pos x="connsiteX1" y="connsiteY1"/>
+              </a:cxn>
+              <a:cxn ang="0">
+                <a:pos x="connsiteX2" y="connsiteY2"/>
+              </a:cxn>
+              <a:cxn ang="0">
+                <a:pos x="connsiteX3" y="connsiteY3"/>
+              </a:cxn>
+              <a:cxn ang="0">
+                <a:pos x="connsiteX4" y="connsiteY4"/>
+              </a:cxn>
+            </a:cxnLst>
+            <a:rect l="l" t="t" r="r" b="b"/>
+            <a:pathLst>
+              <a:path w="1827638" h="1376989">
+                <a:moveTo>
+                  <a:pt x="0" y="987379"/>
+                </a:moveTo>
+                <a:lnTo>
+                  <a:pt x="987379" y="0"/>
+                </a:lnTo>
+                <a:lnTo>
+                  <a:pt x="1827638" y="840260"/>
+                </a:lnTo>
+                <a:lnTo>
+                  <a:pt x="1827638" y="1376989"/>
+                </a:lnTo>
+                <a:lnTo>
+                  <a:pt x="0" y="1376989"/>
+                </a:lnTo>
+                <a:close/>
+              </a:path>
+            </a:pathLst>
+          </a:custGeom>
+          <a:solidFill>
+            <a:schemeClr val="accent1">
+              <a:alpha val="30000"/>
+            </a:schemeClr>
+          </a:solidFill>
+          <a:ln>
+            <a:noFill/>
+          </a:ln>
+        </p:spPr>
+        <p:style>
+          <a:lnRef idx="2">
+            <a:schemeClr val="accent1">
+              <a:shade val="50000"/>
+            </a:schemeClr>
+          </a:lnRef>
+          <a:fillRef idx="1">
+            <a:schemeClr val="accent1"/>
+          </a:fillRef>
+          <a:effectRef idx="0">
+            <a:schemeClr val="accent1"/>
+          </a:effectRef>
+          <a:fontRef idx="minor">
+            <a:schemeClr val="lt1"/>
+          </a:fontRef>
+        </p:style>
+        <p:txBody>
+          <a:bodyPr rtlCol="0" anchor="ctr"/>
+          <a:lstStyle/>
+          <a:p>
+            <a:pPr algn="ctr"/>
+            <a:endParaRPr lang="en-US" dirty="0"/>
+          </a:p>
+        </p:txBody>
+      </p:sp>
+      <p:sp>
+        <p:nvSpPr>
+          <p:cNvPr id="31" name="Rectangle 30">
+            <a:extLst>
+              <a:ext uri="{FF2B5EF4-FFF2-40B4-BE49-F238E27FC236}">
+                <a16:creationId xmlns:a16="http://schemas.microsoft.com/office/drawing/2014/main" id="{F29EBCC0-12F4-6CEC-87D2-11155954A26B}"/>
+              </a:ext>
+              <a:ext uri="{C183D7F6-B498-43B3-948B-1728B52AA6E4}">
+                <adec:decorative xmlns:adec="http://schemas.microsoft.com/office/drawing/2017/decorative" val="1"/>
+              </a:ext>
+            </a:extLst>
+          </p:cNvPr>
+          <p:cNvSpPr>
+            <a:spLocks noGrp="1" noRot="1" noChangeAspect="1" noMove="1" noResize="1" noEditPoints="1" noAdjustHandles="1" noChangeArrowheads="1" noChangeShapeType="1" noTextEdit="1"/>
+          </p:cNvSpPr>
+          <p:nvPr>
+            <p:extLst>
+              <p:ext uri="{386F3935-93C4-4BCD-93E2-E3B085C9AB24}">
+                <p16:designElem xmlns:p16="http://schemas.microsoft.com/office/powerpoint/2015/main" val="1"/>
+              </p:ext>
+            </p:extLst>
+          </p:nvPr>
+        </p:nvSpPr>
+        <p:spPr>
+          <a:xfrm rot="18900000" flipH="1">
+            <a:off x="735603" y="478432"/>
+            <a:ext cx="532429" cy="731417"/>
+          </a:xfrm>
+          <a:prstGeom prst="rect">
+            <a:avLst/>
+          </a:prstGeom>
+          <a:solidFill>
+            <a:schemeClr val="accent1">
+              <a:alpha val="30000"/>
+            </a:schemeClr>
+          </a:solidFill>
+          <a:ln>
+            <a:noFill/>
+          </a:ln>
+        </p:spPr>
+        <p:style>
+          <a:lnRef idx="2">
+            <a:schemeClr val="accent1">
+              <a:shade val="50000"/>
+            </a:schemeClr>
+          </a:lnRef>
+          <a:fillRef idx="1">
+            <a:schemeClr val="accent1"/>
+          </a:fillRef>
+          <a:effectRef idx="0">
+            <a:schemeClr val="accent1"/>
+          </a:effectRef>
+          <a:fontRef idx="minor">
+            <a:schemeClr val="lt1"/>
+          </a:fontRef>
+        </p:style>
+        <p:txBody>
+          <a:bodyPr rtlCol="0" anchor="ctr"/>
+          <a:lstStyle/>
+          <a:p>
+            <a:pPr algn="ctr"/>
+            <a:endParaRPr lang="en-US"/>
+          </a:p>
+        </p:txBody>
+      </p:sp>
+      <p:sp>
+        <p:nvSpPr>
+          <p:cNvPr id="33" name="Rectangle 32">
+            <a:extLst>
+              <a:ext uri="{FF2B5EF4-FFF2-40B4-BE49-F238E27FC236}">
+                <a16:creationId xmlns:a16="http://schemas.microsoft.com/office/drawing/2014/main" id="{6E2798DC-74EE-F16A-8314-1B17A297047B}"/>
+              </a:ext>
+              <a:ext uri="{C183D7F6-B498-43B3-948B-1728B52AA6E4}">
+                <adec:decorative xmlns:adec="http://schemas.microsoft.com/office/drawing/2017/decorative" val="1"/>
+              </a:ext>
+            </a:extLst>
+          </p:cNvPr>
+          <p:cNvSpPr>
+            <a:spLocks noGrp="1" noRot="1" noChangeAspect="1" noMove="1" noResize="1" noEditPoints="1" noAdjustHandles="1" noChangeArrowheads="1" noChangeShapeType="1" noTextEdit="1"/>
+          </p:cNvSpPr>
+          <p:nvPr>
+            <p:extLst>
+              <p:ext uri="{386F3935-93C4-4BCD-93E2-E3B085C9AB24}">
+                <p16:designElem xmlns:p16="http://schemas.microsoft.com/office/powerpoint/2015/main" val="1"/>
+              </p:ext>
+            </p:extLst>
+          </p:nvPr>
+        </p:nvSpPr>
+        <p:spPr>
+          <a:xfrm rot="18900000" flipH="1">
+            <a:off x="8285872" y="742492"/>
+            <a:ext cx="567165" cy="779134"/>
+          </a:xfrm>
+          <a:prstGeom prst="rect">
+            <a:avLst/>
+          </a:prstGeom>
+          <a:solidFill>
+            <a:schemeClr val="accent4">
+              <a:alpha val="30000"/>
+            </a:schemeClr>
+          </a:solidFill>
+          <a:ln>
+            <a:noFill/>
+          </a:ln>
+        </p:spPr>
+        <p:style>
+          <a:lnRef idx="2">
+            <a:schemeClr val="accent1">
+              <a:shade val="50000"/>
+            </a:schemeClr>
+          </a:lnRef>
+          <a:fillRef idx="1">
+            <a:schemeClr val="accent1"/>
+          </a:fillRef>
+          <a:effectRef idx="0">
+            <a:schemeClr val="accent1"/>
+          </a:effectRef>
+          <a:fontRef idx="minor">
+            <a:schemeClr val="lt1"/>
+          </a:fontRef>
+        </p:style>
+        <p:txBody>
+          <a:bodyPr rtlCol="0" anchor="ctr"/>
+          <a:lstStyle/>
+          <a:p>
+            <a:pPr algn="ctr"/>
+            <a:endParaRPr lang="en-US"/>
+          </a:p>
+        </p:txBody>
+      </p:sp>
+      <p:sp>
+        <p:nvSpPr>
+          <p:cNvPr id="35" name="Freeform: Shape 34">
+            <a:extLst>
+              <a:ext uri="{FF2B5EF4-FFF2-40B4-BE49-F238E27FC236}">
+                <a16:creationId xmlns:a16="http://schemas.microsoft.com/office/drawing/2014/main" id="{DA8E5BEA-06AB-D25B-21FA-62E598066C1E}"/>
+              </a:ext>
+              <a:ext uri="{C183D7F6-B498-43B3-948B-1728B52AA6E4}">
+                <adec:decorative xmlns:adec="http://schemas.microsoft.com/office/drawing/2017/decorative" val="1"/>
+              </a:ext>
+            </a:extLst>
+          </p:cNvPr>
+          <p:cNvSpPr>
+            <a:spLocks noGrp="1" noRot="1" noChangeAspect="1" noMove="1" noResize="1" noEditPoints="1" noAdjustHandles="1" noChangeArrowheads="1" noChangeShapeType="1" noTextEdit="1"/>
+          </p:cNvSpPr>
+          <p:nvPr>
+            <p:extLst>
+              <p:ext uri="{386F3935-93C4-4BCD-93E2-E3B085C9AB24}">
+                <p16:designElem xmlns:p16="http://schemas.microsoft.com/office/powerpoint/2015/main" val="1"/>
+              </p:ext>
+            </p:extLst>
+          </p:nvPr>
+        </p:nvSpPr>
+        <p:spPr>
+          <a:xfrm rot="10800000" flipH="1">
+            <a:off x="7719230" y="0"/>
+            <a:ext cx="2339170" cy="1678281"/>
+          </a:xfrm>
+          <a:custGeom>
+            <a:avLst/>
+            <a:gdLst>
+              <a:gd name="connsiteX0" fmla="*/ 2835357 w 2835357"/>
+              <a:gd name="connsiteY0" fmla="*/ 1480837 h 1480837"/>
+              <a:gd name="connsiteX1" fmla="*/ 0 w 2835357"/>
+              <a:gd name="connsiteY1" fmla="*/ 1480837 h 1480837"/>
+              <a:gd name="connsiteX2" fmla="*/ 1552727 w 2835357"/>
+              <a:gd name="connsiteY2" fmla="*/ 0 h 1480837"/>
+              <a:gd name="connsiteX3" fmla="*/ 2835357 w 2835357"/>
+              <a:gd name="connsiteY3" fmla="*/ 1223245 h 1480837"/>
+            </a:gdLst>
+            <a:ahLst/>
+            <a:cxnLst>
+              <a:cxn ang="0">
+                <a:pos x="connsiteX0" y="connsiteY0"/>
+              </a:cxn>
+              <a:cxn ang="0">
+                <a:pos x="connsiteX1" y="connsiteY1"/>
+              </a:cxn>
+              <a:cxn ang="0">
+                <a:pos x="connsiteX2" y="connsiteY2"/>
+              </a:cxn>
+              <a:cxn ang="0">
+                <a:pos x="connsiteX3" y="connsiteY3"/>
+              </a:cxn>
+            </a:cxnLst>
+            <a:rect l="l" t="t" r="r" b="b"/>
+            <a:pathLst>
+              <a:path w="2835357" h="1480837">
+                <a:moveTo>
+                  <a:pt x="2835357" y="1480837"/>
+                </a:moveTo>
+                <a:lnTo>
+                  <a:pt x="0" y="1480837"/>
+                </a:lnTo>
+                <a:lnTo>
+                  <a:pt x="1552727" y="0"/>
+                </a:lnTo>
+                <a:lnTo>
+                  <a:pt x="2835357" y="1223245"/>
+                </a:lnTo>
+                <a:close/>
+              </a:path>
+            </a:pathLst>
+          </a:custGeom>
+          <a:solidFill>
+            <a:schemeClr val="accent4">
+              <a:alpha val="30000"/>
+            </a:schemeClr>
+          </a:solidFill>
+          <a:ln>
+            <a:noFill/>
+          </a:ln>
+        </p:spPr>
+        <p:style>
+          <a:lnRef idx="2">
+            <a:schemeClr val="accent1">
+              <a:shade val="50000"/>
+            </a:schemeClr>
+          </a:lnRef>
+          <a:fillRef idx="1">
+            <a:schemeClr val="accent1"/>
+          </a:fillRef>
+          <a:effectRef idx="0">
+            <a:schemeClr val="accent1"/>
+          </a:effectRef>
+          <a:fontRef idx="minor">
+            <a:schemeClr val="lt1"/>
+          </a:fontRef>
+        </p:style>
+        <p:txBody>
+          <a:bodyPr wrap="square" rtlCol="0" anchor="ctr">
+            <a:noAutofit/>
+          </a:bodyPr>
+          <a:lstStyle/>
+          <a:p>
+            <a:pPr algn="ctr"/>
+            <a:endParaRPr lang="en-US" dirty="0"/>
+          </a:p>
+        </p:txBody>
+      </p:sp>
+      <p:sp>
+        <p:nvSpPr>
+          <p:cNvPr id="37" name="Isosceles Triangle 36">
+            <a:extLst>
+              <a:ext uri="{FF2B5EF4-FFF2-40B4-BE49-F238E27FC236}">
+                <a16:creationId xmlns:a16="http://schemas.microsoft.com/office/drawing/2014/main" id="{DB1FA6E3-AEA0-1BB8-AE6E-0EF548EC95FC}"/>
+              </a:ext>
+              <a:ext uri="{C183D7F6-B498-43B3-948B-1728B52AA6E4}">
+                <adec:decorative xmlns:adec="http://schemas.microsoft.com/office/drawing/2017/decorative" val="1"/>
+              </a:ext>
+            </a:extLst>
+          </p:cNvPr>
+          <p:cNvSpPr>
+            <a:spLocks noGrp="1" noRot="1" noChangeAspect="1" noMove="1" noResize="1" noEditPoints="1" noAdjustHandles="1" noChangeArrowheads="1" noChangeShapeType="1" noTextEdit="1"/>
+          </p:cNvSpPr>
+          <p:nvPr>
+            <p:extLst>
+              <p:ext uri="{386F3935-93C4-4BCD-93E2-E3B085C9AB24}">
+                <p16:designElem xmlns:p16="http://schemas.microsoft.com/office/powerpoint/2015/main" val="1"/>
+              </p:ext>
+            </p:extLst>
+          </p:nvPr>
+        </p:nvSpPr>
+        <p:spPr>
+          <a:xfrm flipH="1">
+            <a:off x="6580483" y="6930901"/>
+            <a:ext cx="1232974" cy="841499"/>
+          </a:xfrm>
+          <a:prstGeom prst="triangle">
+            <a:avLst/>
+          </a:prstGeom>
+          <a:solidFill>
+            <a:schemeClr val="accent1">
+              <a:alpha val="30000"/>
+            </a:schemeClr>
+          </a:solidFill>
+          <a:ln>
+            <a:noFill/>
+          </a:ln>
+        </p:spPr>
+        <p:style>
+          <a:lnRef idx="2">
+            <a:schemeClr val="accent1">
+              <a:shade val="50000"/>
+            </a:schemeClr>
+          </a:lnRef>
+          <a:fillRef idx="1">
+            <a:schemeClr val="accent1"/>
+          </a:fillRef>
+          <a:effectRef idx="0">
+            <a:schemeClr val="accent1"/>
+          </a:effectRef>
+          <a:fontRef idx="minor">
+            <a:schemeClr val="lt1"/>
+          </a:fontRef>
+        </p:style>
+        <p:txBody>
+          <a:bodyPr rtlCol="0" anchor="ctr"/>
+          <a:lstStyle/>
+          <a:p>
+            <a:pPr algn="ctr"/>
+            <a:endParaRPr lang="en-US"/>
+          </a:p>
+        </p:txBody>
+      </p:sp>
+      <p:sp>
+        <p:nvSpPr>
+          <p:cNvPr id="39" name="Isosceles Triangle 38">
+            <a:extLst>
+              <a:ext uri="{FF2B5EF4-FFF2-40B4-BE49-F238E27FC236}">
+                <a16:creationId xmlns:a16="http://schemas.microsoft.com/office/drawing/2014/main" id="{9FF762B8-666D-9538-F853-FB4BB0A4B746}"/>
+              </a:ext>
+              <a:ext uri="{C183D7F6-B498-43B3-948B-1728B52AA6E4}">
+                <adec:decorative xmlns:adec="http://schemas.microsoft.com/office/drawing/2017/decorative" val="1"/>
+              </a:ext>
+            </a:extLst>
+          </p:cNvPr>
+          <p:cNvSpPr>
+            <a:spLocks noGrp="1" noRot="1" noChangeAspect="1" noMove="1" noResize="1" noEditPoints="1" noAdjustHandles="1" noChangeArrowheads="1" noChangeShapeType="1" noTextEdit="1"/>
+          </p:cNvSpPr>
+          <p:nvPr>
+            <p:extLst>
+              <p:ext uri="{386F3935-93C4-4BCD-93E2-E3B085C9AB24}">
+                <p16:designElem xmlns:p16="http://schemas.microsoft.com/office/powerpoint/2015/main" val="1"/>
+              </p:ext>
+            </p:extLst>
+          </p:nvPr>
+        </p:nvSpPr>
+        <p:spPr>
+          <a:xfrm flipH="1">
+            <a:off x="6273366" y="7313562"/>
+            <a:ext cx="672294" cy="458838"/>
+          </a:xfrm>
+          <a:prstGeom prst="triangle">
+            <a:avLst/>
+          </a:prstGeom>
+          <a:solidFill>
+            <a:schemeClr val="accent1">
+              <a:alpha val="30000"/>
+            </a:schemeClr>
+          </a:solidFill>
+          <a:ln>
+            <a:noFill/>
+          </a:ln>
+        </p:spPr>
+        <p:style>
+          <a:lnRef idx="2">
+            <a:schemeClr val="accent1">
+              <a:shade val="50000"/>
+            </a:schemeClr>
+          </a:lnRef>
+          <a:fillRef idx="1">
+            <a:schemeClr val="accent1"/>
+          </a:fillRef>
+          <a:effectRef idx="0">
+            <a:schemeClr val="accent1"/>
+          </a:effectRef>
+          <a:fontRef idx="minor">
+            <a:schemeClr val="lt1"/>
+          </a:fontRef>
+        </p:style>
+        <p:txBody>
+          <a:bodyPr rtlCol="0" anchor="ctr"/>
+          <a:lstStyle/>
+          <a:p>
+            <a:pPr algn="ctr"/>
+            <a:endParaRPr lang="en-US"/>
+          </a:p>
+        </p:txBody>
+      </p:sp>
+      <p:sp>
+        <p:nvSpPr>
+          <p:cNvPr id="3" name="Picture Placeholder 2">
+            <a:extLst>
+              <a:ext uri="{FF2B5EF4-FFF2-40B4-BE49-F238E27FC236}">
+                <a16:creationId xmlns:a16="http://schemas.microsoft.com/office/drawing/2014/main" id="{1C371400-81F0-FFE8-1AF8-DD993353323A}"/>
+              </a:ext>
+            </a:extLst>
+          </p:cNvPr>
+          <p:cNvSpPr>
+            <a:spLocks noGrp="1"/>
+          </p:cNvSpPr>
+          <p:nvPr>
+            <p:ph type="pic" sz="quarter" idx="11"/>
+          </p:nvPr>
+        </p:nvSpPr>
+        <p:spPr/>
+        <p:txBody>
+          <a:bodyPr/>
+          <a:lstStyle/>
+          <a:p>
+            <a:endParaRPr lang="en-US"/>
+          </a:p>
+        </p:txBody>
+      </p:sp>
+      <p:sp>
+        <p:nvSpPr>
+          <p:cNvPr id="2" name="TextBox 1">
+            <a:extLst>
+              <a:ext uri="{FF2B5EF4-FFF2-40B4-BE49-F238E27FC236}">
+                <a16:creationId xmlns:a16="http://schemas.microsoft.com/office/drawing/2014/main" id="{CE2EAF3F-F2BE-256B-3163-500AC5109380}"/>
+              </a:ext>
+            </a:extLst>
+          </p:cNvPr>
+          <p:cNvSpPr txBox="1"/>
+          <p:nvPr/>
+        </p:nvSpPr>
+        <p:spPr>
+          <a:xfrm>
+            <a:off x="308753" y="814937"/>
+            <a:ext cx="9569239" cy="584775"/>
+          </a:xfrm>
+          <a:prstGeom prst="rect">
+            <a:avLst/>
+          </a:prstGeom>
+          <a:noFill/>
+        </p:spPr>
+        <p:txBody>
+          <a:bodyPr wrap="square" rtlCol="0">
+            <a:spAutoFit/>
+          </a:bodyPr>
+          <a:lstStyle/>
+          <a:p>
+            <a:pPr algn="ctr"/>
+            <a:r>
+              <a:rPr lang="en-GB" sz="3200" b="1" dirty="0"/>
+              <a:t>Decision Tree Model And Random Forest Model</a:t>
+            </a:r>
+          </a:p>
+        </p:txBody>
+      </p:sp>
+      <p:pic>
+        <p:nvPicPr>
+          <p:cNvPr id="4" name="Picture 3">
+            <a:extLst>
+              <a:ext uri="{FF2B5EF4-FFF2-40B4-BE49-F238E27FC236}">
+                <a16:creationId xmlns:a16="http://schemas.microsoft.com/office/drawing/2014/main" id="{C50A6F3A-E6C5-12D1-109D-7E7AEA03EA87}"/>
+              </a:ext>
+            </a:extLst>
+          </p:cNvPr>
+          <p:cNvPicPr>
+            <a:picLocks noChangeAspect="1"/>
+          </p:cNvPicPr>
+          <p:nvPr/>
+        </p:nvPicPr>
+        <p:blipFill>
+          <a:blip r:embed="rId3"/>
+          <a:stretch>
+            <a:fillRect/>
+          </a:stretch>
+        </p:blipFill>
+        <p:spPr>
+          <a:xfrm>
+            <a:off x="733125" y="1618384"/>
+            <a:ext cx="4913965" cy="3329077"/>
+          </a:xfrm>
+          <a:prstGeom prst="rect">
+            <a:avLst/>
+          </a:prstGeom>
+        </p:spPr>
+      </p:pic>
+      <p:sp>
+        <p:nvSpPr>
+          <p:cNvPr id="6" name="Arrow: Right 5">
+            <a:extLst>
+              <a:ext uri="{FF2B5EF4-FFF2-40B4-BE49-F238E27FC236}">
+                <a16:creationId xmlns:a16="http://schemas.microsoft.com/office/drawing/2014/main" id="{2CAAB777-F3C8-77A0-213C-0CF303349AD1}"/>
+              </a:ext>
+            </a:extLst>
+          </p:cNvPr>
+          <p:cNvSpPr/>
+          <p:nvPr/>
+        </p:nvSpPr>
+        <p:spPr>
+          <a:xfrm>
+            <a:off x="5734214" y="2733643"/>
+            <a:ext cx="930935" cy="149324"/>
+          </a:xfrm>
+          <a:prstGeom prst="rightArrow">
+            <a:avLst/>
+          </a:prstGeom>
+        </p:spPr>
+        <p:style>
+          <a:lnRef idx="2">
+            <a:schemeClr val="accent1">
+              <a:shade val="15000"/>
+            </a:schemeClr>
+          </a:lnRef>
+          <a:fillRef idx="1">
+            <a:schemeClr val="accent1"/>
+          </a:fillRef>
+          <a:effectRef idx="0">
+            <a:schemeClr val="accent1"/>
+          </a:effectRef>
+          <a:fontRef idx="minor">
+            <a:schemeClr val="lt1"/>
+          </a:fontRef>
+        </p:style>
+        <p:txBody>
+          <a:bodyPr rtlCol="0" anchor="ctr"/>
+          <a:lstStyle/>
+          <a:p>
+            <a:pPr algn="ctr"/>
+            <a:endParaRPr lang="en-GB"/>
+          </a:p>
+        </p:txBody>
+      </p:sp>
+      <p:pic>
+        <p:nvPicPr>
+          <p:cNvPr id="7" name="Picture 6">
+            <a:extLst>
+              <a:ext uri="{FF2B5EF4-FFF2-40B4-BE49-F238E27FC236}">
+                <a16:creationId xmlns:a16="http://schemas.microsoft.com/office/drawing/2014/main" id="{39D7F80F-0D9B-2699-D3C6-457C467BED2A}"/>
+              </a:ext>
+            </a:extLst>
+          </p:cNvPr>
+          <p:cNvPicPr>
+            <a:picLocks noChangeAspect="1"/>
+          </p:cNvPicPr>
+          <p:nvPr/>
+        </p:nvPicPr>
+        <p:blipFill>
+          <a:blip r:embed="rId4"/>
+          <a:stretch>
+            <a:fillRect/>
+          </a:stretch>
+        </p:blipFill>
+        <p:spPr>
+          <a:xfrm>
+            <a:off x="6737438" y="1475997"/>
+            <a:ext cx="2212272" cy="1981486"/>
+          </a:xfrm>
+          <a:prstGeom prst="rect">
+            <a:avLst/>
+          </a:prstGeom>
+        </p:spPr>
+      </p:pic>
+      <p:pic>
+        <p:nvPicPr>
+          <p:cNvPr id="8" name="Picture 7">
+            <a:extLst>
+              <a:ext uri="{FF2B5EF4-FFF2-40B4-BE49-F238E27FC236}">
+                <a16:creationId xmlns:a16="http://schemas.microsoft.com/office/drawing/2014/main" id="{A7FAAAC4-C471-F241-04F6-8B7A57FA4CAC}"/>
+              </a:ext>
+            </a:extLst>
+          </p:cNvPr>
+          <p:cNvPicPr>
+            <a:picLocks noChangeAspect="1"/>
+          </p:cNvPicPr>
+          <p:nvPr/>
+        </p:nvPicPr>
+        <p:blipFill>
+          <a:blip r:embed="rId5"/>
+          <a:stretch>
+            <a:fillRect/>
+          </a:stretch>
+        </p:blipFill>
+        <p:spPr>
+          <a:xfrm>
+            <a:off x="6923718" y="3454452"/>
+            <a:ext cx="2047996" cy="1965967"/>
+          </a:xfrm>
+          <a:prstGeom prst="rect">
+            <a:avLst/>
+          </a:prstGeom>
+        </p:spPr>
+      </p:pic>
+      <p:sp>
+        <p:nvSpPr>
+          <p:cNvPr id="9" name="Arrow: Right 10">
+            <a:extLst>
+              <a:ext uri="{FF2B5EF4-FFF2-40B4-BE49-F238E27FC236}">
+                <a16:creationId xmlns:a16="http://schemas.microsoft.com/office/drawing/2014/main" id="{F34B6CCF-8C22-B492-75ED-176612B2979B}"/>
+              </a:ext>
+            </a:extLst>
+          </p:cNvPr>
+          <p:cNvSpPr/>
+          <p:nvPr/>
+        </p:nvSpPr>
+        <p:spPr>
+          <a:xfrm>
+            <a:off x="5798855" y="3724781"/>
+            <a:ext cx="930935" cy="149324"/>
+          </a:xfrm>
+          <a:prstGeom prst="rightArrow">
+            <a:avLst/>
+          </a:prstGeom>
+        </p:spPr>
+        <p:style>
+          <a:lnRef idx="2">
+            <a:schemeClr val="accent1">
+              <a:shade val="15000"/>
+            </a:schemeClr>
+          </a:lnRef>
+          <a:fillRef idx="1">
+            <a:schemeClr val="accent1"/>
+          </a:fillRef>
+          <a:effectRef idx="0">
+            <a:schemeClr val="accent1"/>
+          </a:effectRef>
+          <a:fontRef idx="minor">
+            <a:schemeClr val="lt1"/>
+          </a:fontRef>
+        </p:style>
+        <p:txBody>
+          <a:bodyPr rtlCol="0" anchor="ctr"/>
+          <a:lstStyle/>
+          <a:p>
+            <a:pPr algn="ctr"/>
+            <a:endParaRPr lang="en-GB"/>
+          </a:p>
+        </p:txBody>
+      </p:sp>
+      <p:sp>
+        <p:nvSpPr>
+          <p:cNvPr id="10" name="TextBox 9">
+            <a:extLst>
+              <a:ext uri="{FF2B5EF4-FFF2-40B4-BE49-F238E27FC236}">
+                <a16:creationId xmlns:a16="http://schemas.microsoft.com/office/drawing/2014/main" id="{D12E71A1-E474-9438-C9CC-96D23C7B1E10}"/>
+              </a:ext>
+            </a:extLst>
+          </p:cNvPr>
+          <p:cNvSpPr txBox="1"/>
+          <p:nvPr/>
+        </p:nvSpPr>
+        <p:spPr>
+          <a:xfrm>
+            <a:off x="147710" y="5456100"/>
+            <a:ext cx="9755035" cy="923330"/>
+          </a:xfrm>
+          <a:prstGeom prst="rect">
+            <a:avLst/>
+          </a:prstGeom>
+          <a:noFill/>
+        </p:spPr>
+        <p:txBody>
+          <a:bodyPr wrap="square" rtlCol="0">
+            <a:spAutoFit/>
+          </a:bodyPr>
+          <a:lstStyle/>
+          <a:p>
+            <a:pPr marL="285750" indent="-285750">
+              <a:buFont typeface="Arial" panose="020B0604020202020204" pitchFamily="34" charset="0"/>
+              <a:buChar char="•"/>
+            </a:pPr>
+            <a:r>
+              <a:rPr lang="en-GB" dirty="0"/>
+              <a:t>In Decision Tree Model 52 people who actually have Stroke, model  is predicting them as they don’t have stroke while 67 are those who actually do not have stroke and model is predicting them as they have stroke.</a:t>
+            </a:r>
+          </a:p>
+        </p:txBody>
+      </p:sp>
+      <p:sp>
+        <p:nvSpPr>
+          <p:cNvPr id="11" name="TextBox 10">
+            <a:extLst>
+              <a:ext uri="{FF2B5EF4-FFF2-40B4-BE49-F238E27FC236}">
+                <a16:creationId xmlns:a16="http://schemas.microsoft.com/office/drawing/2014/main" id="{BDBA4C28-D89B-6739-15E0-C90D2BB717D3}"/>
+              </a:ext>
+            </a:extLst>
+          </p:cNvPr>
+          <p:cNvSpPr txBox="1"/>
+          <p:nvPr/>
+        </p:nvSpPr>
+        <p:spPr>
+          <a:xfrm>
+            <a:off x="122957" y="6338671"/>
+            <a:ext cx="9755035" cy="1200329"/>
+          </a:xfrm>
+          <a:prstGeom prst="rect">
+            <a:avLst/>
+          </a:prstGeom>
+          <a:noFill/>
+        </p:spPr>
+        <p:txBody>
+          <a:bodyPr wrap="square" rtlCol="0">
+            <a:spAutoFit/>
+          </a:bodyPr>
+          <a:lstStyle/>
+          <a:p>
+            <a:pPr marL="285750" indent="-285750">
+              <a:buFont typeface="Arial" panose="020B0604020202020204" pitchFamily="34" charset="0"/>
+              <a:buChar char="•"/>
+            </a:pPr>
+            <a:r>
+              <a:rPr lang="en-GB" dirty="0"/>
+              <a:t>In Random Forest Model 59 people who actually have Stroke, model  is predicting them as they don’t have stroke while 13 are those who actually do not have stroke and model is predicting them as they have stroke.</a:t>
+            </a:r>
+          </a:p>
+          <a:p>
+            <a:endParaRPr lang="en-GB" dirty="0"/>
+          </a:p>
+        </p:txBody>
+      </p:sp>
+    </p:spTree>
+    <p:extLst>
+      <p:ext uri="{BB962C8B-B14F-4D97-AF65-F5344CB8AC3E}">
+        <p14:creationId xmlns:p14="http://schemas.microsoft.com/office/powerpoint/2010/main" val="3392727384"/>
+      </p:ext>
+    </p:extLst>
+  </p:cSld>
+  <p:clrMapOvr>
+    <a:masterClrMapping/>
+  </p:clrMapOvr>
+</p:sld>
+</file>
+
+<file path=ppt/slides/slide17.xml><?xml version="1.0" encoding="utf-8"?>
+<p:sld xmlns:a="http://schemas.openxmlformats.org/drawingml/2006/main" xmlns:r="http://schemas.openxmlformats.org/officeDocument/2006/relationships" xmlns:p="http://schemas.openxmlformats.org/presentationml/2006/main">
+  <p:cSld>
+    <p:bg>
+      <p:bgPr>
+        <a:solidFill>
+          <a:schemeClr val="bg1"/>
+        </a:solidFill>
+        <a:effectLst/>
+      </p:bgPr>
+    </p:bg>
+    <p:spTree>
+      <p:nvGrpSpPr>
+        <p:cNvPr id="1" name="">
+          <a:extLst>
+            <a:ext uri="{FF2B5EF4-FFF2-40B4-BE49-F238E27FC236}">
+              <a16:creationId xmlns:a16="http://schemas.microsoft.com/office/drawing/2014/main" id="{B52DC142-DDDA-E279-A9C8-E881EC4C5857}"/>
+            </a:ext>
+          </a:extLst>
+        </p:cNvPr>
+        <p:cNvGrpSpPr/>
+        <p:nvPr/>
+      </p:nvGrpSpPr>
+      <p:grpSpPr>
+        <a:xfrm>
+          <a:off x="0" y="0"/>
+          <a:ext cx="0" cy="0"/>
+          <a:chOff x="0" y="0"/>
+          <a:chExt cx="0" cy="0"/>
+        </a:xfrm>
+      </p:grpSpPr>
+      <p:sp>
+        <p:nvSpPr>
+          <p:cNvPr id="27" name="Rectangle 26">
+            <a:extLst>
+              <a:ext uri="{FF2B5EF4-FFF2-40B4-BE49-F238E27FC236}">
+                <a16:creationId xmlns:a16="http://schemas.microsoft.com/office/drawing/2014/main" id="{D4C1A77A-646D-C446-EEC4-5CFB188C2869}"/>
+              </a:ext>
+              <a:ext uri="{C183D7F6-B498-43B3-948B-1728B52AA6E4}">
+                <adec:decorative xmlns:adec="http://schemas.microsoft.com/office/drawing/2017/decorative" val="1"/>
+              </a:ext>
+            </a:extLst>
+          </p:cNvPr>
+          <p:cNvSpPr>
+            <a:spLocks noGrp="1" noRot="1" noChangeAspect="1" noMove="1" noResize="1" noEditPoints="1" noAdjustHandles="1" noChangeArrowheads="1" noChangeShapeType="1" noTextEdit="1"/>
+          </p:cNvSpPr>
+          <p:nvPr>
+            <p:extLst>
+              <p:ext uri="{386F3935-93C4-4BCD-93E2-E3B085C9AB24}">
+                <p16:designElem xmlns:p16="http://schemas.microsoft.com/office/powerpoint/2015/main" val="1"/>
+              </p:ext>
+            </p:extLst>
+          </p:nvPr>
+        </p:nvSpPr>
+        <p:spPr>
+          <a:xfrm>
+            <a:off x="0" y="0"/>
+            <a:ext cx="10058400" cy="7772400"/>
+          </a:xfrm>
+          <a:prstGeom prst="rect">
+            <a:avLst/>
+          </a:prstGeom>
+          <a:solidFill>
+            <a:schemeClr val="bg1"/>
+          </a:solidFill>
+          <a:ln>
+            <a:noFill/>
+          </a:ln>
+        </p:spPr>
+        <p:style>
+          <a:lnRef idx="2">
+            <a:schemeClr val="accent1">
+              <a:shade val="50000"/>
+            </a:schemeClr>
+          </a:lnRef>
+          <a:fillRef idx="1">
+            <a:schemeClr val="accent1"/>
+          </a:fillRef>
+          <a:effectRef idx="0">
+            <a:schemeClr val="accent1"/>
+          </a:effectRef>
+          <a:fontRef idx="minor">
+            <a:schemeClr val="lt1"/>
+          </a:fontRef>
+        </p:style>
+        <p:txBody>
+          <a:bodyPr rtlCol="0" anchor="ctr"/>
+          <a:lstStyle/>
+          <a:p>
+            <a:pPr algn="ctr"/>
+            <a:endParaRPr lang="en-US" dirty="0"/>
+          </a:p>
+        </p:txBody>
+      </p:sp>
+      <p:grpSp>
+        <p:nvGrpSpPr>
+          <p:cNvPr id="29" name="Group 28">
+            <a:extLst>
+              <a:ext uri="{FF2B5EF4-FFF2-40B4-BE49-F238E27FC236}">
+                <a16:creationId xmlns:a16="http://schemas.microsoft.com/office/drawing/2014/main" id="{CF4062B0-BEFE-0414-D822-12F6D94722CE}"/>
+              </a:ext>
+              <a:ext uri="{C183D7F6-B498-43B3-948B-1728B52AA6E4}">
+                <adec:decorative xmlns:adec="http://schemas.microsoft.com/office/drawing/2017/decorative" val="1"/>
+              </a:ext>
+            </a:extLst>
+          </p:cNvPr>
+          <p:cNvGrpSpPr>
+            <a:grpSpLocks noGrp="1" noUngrp="1" noRot="1" noChangeAspect="1" noMove="1" noResize="1"/>
+          </p:cNvGrpSpPr>
+          <p:nvPr>
+            <p:extLst>
+              <p:ext uri="{386F3935-93C4-4BCD-93E2-E3B085C9AB24}">
+                <p16:designElem xmlns:p16="http://schemas.microsoft.com/office/powerpoint/2015/main" val="1"/>
+              </p:ext>
+            </p:extLst>
+          </p:nvPr>
+        </p:nvGrpSpPr>
+        <p:grpSpPr>
+          <a:xfrm flipH="1">
+            <a:off x="9045825" y="2672"/>
+            <a:ext cx="1548239" cy="2001476"/>
+            <a:chOff x="-648769" y="2358"/>
+            <a:chExt cx="1876653" cy="1766008"/>
+          </a:xfrm>
+        </p:grpSpPr>
+        <p:sp>
+          <p:nvSpPr>
+            <p:cNvPr id="30" name="Freeform: Shape 29">
+              <a:extLst>
+                <a:ext uri="{FF2B5EF4-FFF2-40B4-BE49-F238E27FC236}">
+                  <a16:creationId xmlns:a16="http://schemas.microsoft.com/office/drawing/2014/main" id="{6A362E68-575C-1D07-EE8A-A64C68972EC7}"/>
+                </a:ext>
+                <a:ext uri="{C183D7F6-B498-43B3-948B-1728B52AA6E4}">
+                  <adec:decorative xmlns:adec="http://schemas.microsoft.com/office/drawing/2017/decorative" val="1"/>
+                </a:ext>
+              </a:extLst>
+            </p:cNvPr>
+            <p:cNvSpPr/>
+            <p:nvPr>
+              <p:extLst>
+                <p:ext uri="{386F3935-93C4-4BCD-93E2-E3B085C9AB24}">
+                  <p16:designElem xmlns:p16="http://schemas.microsoft.com/office/powerpoint/2015/main" val="1"/>
+                </p:ext>
+              </p:extLst>
+            </p:nvPr>
+          </p:nvSpPr>
+          <p:spPr>
+            <a:xfrm rot="2700000">
+              <a:off x="-415188" y="-231223"/>
+              <a:ext cx="1409491" cy="1876653"/>
+            </a:xfrm>
+            <a:custGeom>
+              <a:avLst/>
+              <a:gdLst>
+                <a:gd name="connsiteX0" fmla="*/ 0 w 1409491"/>
+                <a:gd name="connsiteY0" fmla="*/ 643075 h 1876653"/>
+                <a:gd name="connsiteX1" fmla="*/ 643075 w 1409491"/>
+                <a:gd name="connsiteY1" fmla="*/ 0 h 1876653"/>
+                <a:gd name="connsiteX2" fmla="*/ 1409491 w 1409491"/>
+                <a:gd name="connsiteY2" fmla="*/ 0 h 1876653"/>
+                <a:gd name="connsiteX3" fmla="*/ 1409491 w 1409491"/>
+                <a:gd name="connsiteY3" fmla="*/ 1876653 h 1876653"/>
+                <a:gd name="connsiteX4" fmla="*/ 1233578 w 1409491"/>
+                <a:gd name="connsiteY4" fmla="*/ 1876653 h 1876653"/>
+              </a:gdLst>
+              <a:ahLst/>
+              <a:cxnLst>
+                <a:cxn ang="0">
+                  <a:pos x="connsiteX0" y="connsiteY0"/>
+                </a:cxn>
+                <a:cxn ang="0">
+                  <a:pos x="connsiteX1" y="connsiteY1"/>
+                </a:cxn>
+                <a:cxn ang="0">
+                  <a:pos x="connsiteX2" y="connsiteY2"/>
+                </a:cxn>
+                <a:cxn ang="0">
+                  <a:pos x="connsiteX3" y="connsiteY3"/>
+                </a:cxn>
+                <a:cxn ang="0">
+                  <a:pos x="connsiteX4" y="connsiteY4"/>
+                </a:cxn>
+              </a:cxnLst>
+              <a:rect l="l" t="t" r="r" b="b"/>
+              <a:pathLst>
+                <a:path w="1409491" h="1876653">
+                  <a:moveTo>
+                    <a:pt x="0" y="643075"/>
+                  </a:moveTo>
+                  <a:lnTo>
+                    <a:pt x="643075" y="0"/>
+                  </a:lnTo>
+                  <a:lnTo>
+                    <a:pt x="1409491" y="0"/>
+                  </a:lnTo>
+                  <a:lnTo>
+                    <a:pt x="1409491" y="1876653"/>
+                  </a:lnTo>
+                  <a:lnTo>
+                    <a:pt x="1233578" y="1876653"/>
+                  </a:lnTo>
+                  <a:close/>
+                </a:path>
+              </a:pathLst>
+            </a:custGeom>
+            <a:solidFill>
+              <a:schemeClr val="accent1">
+                <a:alpha val="30000"/>
+              </a:schemeClr>
+            </a:solidFill>
+            <a:ln>
+              <a:noFill/>
+            </a:ln>
+          </p:spPr>
+          <p:style>
+            <a:lnRef idx="2">
+              <a:schemeClr val="accent1">
+                <a:shade val="50000"/>
+              </a:schemeClr>
+            </a:lnRef>
+            <a:fillRef idx="1">
+              <a:schemeClr val="accent1"/>
+            </a:fillRef>
+            <a:effectRef idx="0">
+              <a:schemeClr val="accent1"/>
+            </a:effectRef>
+            <a:fontRef idx="minor">
+              <a:schemeClr val="lt1"/>
+            </a:fontRef>
+          </p:style>
+          <p:txBody>
+            <a:bodyPr rtlCol="0" anchor="ctr"/>
+            <a:lstStyle/>
+            <a:p>
+              <a:pPr algn="ctr"/>
+              <a:endParaRPr lang="en-US"/>
+            </a:p>
+          </p:txBody>
+        </p:sp>
+        <p:sp>
+          <p:nvSpPr>
+            <p:cNvPr id="31" name="Rectangle 30">
+              <a:extLst>
+                <a:ext uri="{FF2B5EF4-FFF2-40B4-BE49-F238E27FC236}">
+                  <a16:creationId xmlns:a16="http://schemas.microsoft.com/office/drawing/2014/main" id="{643EA755-F8D9-A2A6-7756-3AC98482763C}"/>
+                </a:ext>
+                <a:ext uri="{C183D7F6-B498-43B3-948B-1728B52AA6E4}">
+                  <adec:decorative xmlns:adec="http://schemas.microsoft.com/office/drawing/2017/decorative" val="1"/>
+                </a:ext>
+              </a:extLst>
+            </p:cNvPr>
+            <p:cNvSpPr/>
+            <p:nvPr>
+              <p:extLst>
+                <p:ext uri="{386F3935-93C4-4BCD-93E2-E3B085C9AB24}">
+                  <p16:designElem xmlns:p16="http://schemas.microsoft.com/office/powerpoint/2015/main" val="1"/>
+                </p:ext>
+              </p:extLst>
+            </p:nvPr>
+          </p:nvSpPr>
+          <p:spPr>
+            <a:xfrm rot="2700000">
+              <a:off x="301285" y="1282788"/>
+              <a:ext cx="485578" cy="485578"/>
+            </a:xfrm>
+            <a:prstGeom prst="rect">
+              <a:avLst/>
+            </a:prstGeom>
+            <a:solidFill>
+              <a:schemeClr val="accent1">
+                <a:alpha val="30000"/>
+              </a:schemeClr>
+            </a:solidFill>
+            <a:ln>
+              <a:noFill/>
+            </a:ln>
+          </p:spPr>
+          <p:style>
+            <a:lnRef idx="2">
+              <a:schemeClr val="accent1">
+                <a:shade val="50000"/>
+              </a:schemeClr>
+            </a:lnRef>
+            <a:fillRef idx="1">
+              <a:schemeClr val="accent1"/>
+            </a:fillRef>
+            <a:effectRef idx="0">
+              <a:schemeClr val="accent1"/>
+            </a:effectRef>
+            <a:fontRef idx="minor">
+              <a:schemeClr val="lt1"/>
+            </a:fontRef>
+          </p:style>
+          <p:txBody>
+            <a:bodyPr rtlCol="0" anchor="ctr"/>
+            <a:lstStyle/>
+            <a:p>
+              <a:pPr algn="ctr"/>
+              <a:endParaRPr lang="en-US"/>
+            </a:p>
+          </p:txBody>
+        </p:sp>
+      </p:grpSp>
+      <p:sp>
+        <p:nvSpPr>
+          <p:cNvPr id="33" name="Rectangle 32">
+            <a:extLst>
+              <a:ext uri="{FF2B5EF4-FFF2-40B4-BE49-F238E27FC236}">
+                <a16:creationId xmlns:a16="http://schemas.microsoft.com/office/drawing/2014/main" id="{467A269E-EE71-BC53-BA62-C5B8FB1D0A42}"/>
+              </a:ext>
+              <a:ext uri="{C183D7F6-B498-43B3-948B-1728B52AA6E4}">
+                <adec:decorative xmlns:adec="http://schemas.microsoft.com/office/drawing/2017/decorative" val="1"/>
+              </a:ext>
+            </a:extLst>
+          </p:cNvPr>
+          <p:cNvSpPr>
+            <a:spLocks noGrp="1" noRot="1" noChangeAspect="1" noMove="1" noResize="1" noEditPoints="1" noAdjustHandles="1" noChangeArrowheads="1" noChangeShapeType="1" noTextEdit="1"/>
+          </p:cNvSpPr>
+          <p:nvPr>
+            <p:extLst>
+              <p:ext uri="{386F3935-93C4-4BCD-93E2-E3B085C9AB24}">
+                <p16:designElem xmlns:p16="http://schemas.microsoft.com/office/powerpoint/2015/main" val="1"/>
+              </p:ext>
+            </p:extLst>
+          </p:nvPr>
+        </p:nvSpPr>
+        <p:spPr>
+          <a:xfrm rot="2700000">
+            <a:off x="2158692" y="6937649"/>
+            <a:ext cx="731417" cy="532429"/>
+          </a:xfrm>
+          <a:prstGeom prst="rect">
+            <a:avLst/>
+          </a:prstGeom>
+          <a:solidFill>
+            <a:schemeClr val="accent4">
+              <a:alpha val="30000"/>
+            </a:schemeClr>
+          </a:solidFill>
+          <a:ln>
+            <a:noFill/>
+          </a:ln>
+        </p:spPr>
+        <p:style>
+          <a:lnRef idx="2">
+            <a:schemeClr val="accent1">
+              <a:shade val="50000"/>
+            </a:schemeClr>
+          </a:lnRef>
+          <a:fillRef idx="1">
+            <a:schemeClr val="accent1"/>
+          </a:fillRef>
+          <a:effectRef idx="0">
+            <a:schemeClr val="accent1"/>
+          </a:effectRef>
+          <a:fontRef idx="minor">
+            <a:schemeClr val="lt1"/>
+          </a:fontRef>
+        </p:style>
+        <p:txBody>
+          <a:bodyPr rtlCol="0" anchor="ctr"/>
+          <a:lstStyle/>
+          <a:p>
+            <a:pPr algn="ctr"/>
+            <a:endParaRPr lang="en-US"/>
+          </a:p>
+        </p:txBody>
+      </p:sp>
+      <p:sp>
+        <p:nvSpPr>
+          <p:cNvPr id="35" name="Isosceles Triangle 34">
+            <a:extLst>
+              <a:ext uri="{FF2B5EF4-FFF2-40B4-BE49-F238E27FC236}">
+                <a16:creationId xmlns:a16="http://schemas.microsoft.com/office/drawing/2014/main" id="{1157ACF3-646F-57B0-1C6B-D87BEB272F5B}"/>
+              </a:ext>
+              <a:ext uri="{C183D7F6-B498-43B3-948B-1728B52AA6E4}">
+                <adec:decorative xmlns:adec="http://schemas.microsoft.com/office/drawing/2017/decorative" val="1"/>
+              </a:ext>
+            </a:extLst>
+          </p:cNvPr>
+          <p:cNvSpPr>
+            <a:spLocks noGrp="1" noRot="1" noChangeAspect="1" noMove="1" noResize="1" noEditPoints="1" noAdjustHandles="1" noChangeArrowheads="1" noChangeShapeType="1" noTextEdit="1"/>
+          </p:cNvSpPr>
+          <p:nvPr>
+            <p:extLst>
+              <p:ext uri="{386F3935-93C4-4BCD-93E2-E3B085C9AB24}">
+                <p16:designElem xmlns:p16="http://schemas.microsoft.com/office/powerpoint/2015/main" val="1"/>
+              </p:ext>
+            </p:extLst>
+          </p:nvPr>
+        </p:nvSpPr>
+        <p:spPr>
+          <a:xfrm>
+            <a:off x="1108334" y="6483922"/>
+            <a:ext cx="1866121" cy="1288476"/>
+          </a:xfrm>
+          <a:prstGeom prst="triangle">
+            <a:avLst>
+              <a:gd name="adj" fmla="val 50000"/>
+            </a:avLst>
+          </a:prstGeom>
+          <a:solidFill>
+            <a:schemeClr val="accent4">
+              <a:alpha val="30000"/>
+            </a:schemeClr>
+          </a:solidFill>
+          <a:ln>
+            <a:noFill/>
+          </a:ln>
+        </p:spPr>
+        <p:style>
+          <a:lnRef idx="2">
+            <a:schemeClr val="accent1">
+              <a:shade val="50000"/>
+            </a:schemeClr>
+          </a:lnRef>
+          <a:fillRef idx="1">
+            <a:schemeClr val="accent1"/>
+          </a:fillRef>
+          <a:effectRef idx="0">
+            <a:schemeClr val="accent1"/>
+          </a:effectRef>
+          <a:fontRef idx="minor">
+            <a:schemeClr val="lt1"/>
+          </a:fontRef>
+        </p:style>
+        <p:txBody>
+          <a:bodyPr rtlCol="0" anchor="ctr"/>
+          <a:lstStyle/>
+          <a:p>
+            <a:pPr algn="ctr"/>
+            <a:endParaRPr lang="en-US"/>
+          </a:p>
+        </p:txBody>
+      </p:sp>
+      <p:sp>
+        <p:nvSpPr>
+          <p:cNvPr id="6" name="TextBox 5">
+            <a:extLst>
+              <a:ext uri="{FF2B5EF4-FFF2-40B4-BE49-F238E27FC236}">
+                <a16:creationId xmlns:a16="http://schemas.microsoft.com/office/drawing/2014/main" id="{3EA251FE-7DA4-A4D7-1D0D-01CE499FC3D3}"/>
+              </a:ext>
+            </a:extLst>
+          </p:cNvPr>
+          <p:cNvSpPr txBox="1"/>
+          <p:nvPr/>
+        </p:nvSpPr>
+        <p:spPr>
+          <a:xfrm>
+            <a:off x="308753" y="814937"/>
+            <a:ext cx="9569239" cy="584775"/>
+          </a:xfrm>
+          <a:prstGeom prst="rect">
+            <a:avLst/>
+          </a:prstGeom>
+          <a:noFill/>
+        </p:spPr>
+        <p:txBody>
+          <a:bodyPr wrap="square" rtlCol="0">
+            <a:spAutoFit/>
+          </a:bodyPr>
+          <a:lstStyle/>
+          <a:p>
+            <a:pPr algn="ctr"/>
+            <a:r>
+              <a:rPr lang="en-GB" sz="3200" b="1" i="0" dirty="0">
+                <a:solidFill>
+                  <a:srgbClr val="000000"/>
+                </a:solidFill>
+                <a:effectLst/>
+                <a:latin typeface="Helvetica Neue"/>
+              </a:rPr>
+              <a:t>Support Vector Machine (SVM) </a:t>
+            </a:r>
+          </a:p>
+        </p:txBody>
+      </p:sp>
+      <p:sp>
+        <p:nvSpPr>
+          <p:cNvPr id="3" name="Picture Placeholder 2">
+            <a:extLst>
+              <a:ext uri="{FF2B5EF4-FFF2-40B4-BE49-F238E27FC236}">
+                <a16:creationId xmlns:a16="http://schemas.microsoft.com/office/drawing/2014/main" id="{9A08079B-FE44-1DDD-5F3F-ADA4E5EC6338}"/>
+              </a:ext>
+            </a:extLst>
+          </p:cNvPr>
+          <p:cNvSpPr>
+            <a:spLocks noGrp="1"/>
+          </p:cNvSpPr>
+          <p:nvPr>
+            <p:ph type="pic" sz="quarter" idx="11"/>
+          </p:nvPr>
+        </p:nvSpPr>
+        <p:spPr/>
+        <p:txBody>
+          <a:bodyPr/>
+          <a:lstStyle/>
+          <a:p>
+            <a:endParaRPr lang="en-US"/>
+          </a:p>
+        </p:txBody>
+      </p:sp>
+      <p:pic>
+        <p:nvPicPr>
+          <p:cNvPr id="16" name="Picture 15">
+            <a:extLst>
+              <a:ext uri="{FF2B5EF4-FFF2-40B4-BE49-F238E27FC236}">
+                <a16:creationId xmlns:a16="http://schemas.microsoft.com/office/drawing/2014/main" id="{6C05F6DF-CA9B-6F73-4A23-C822330C0EB7}"/>
+              </a:ext>
+            </a:extLst>
+          </p:cNvPr>
+          <p:cNvPicPr>
+            <a:picLocks noChangeAspect="1"/>
+          </p:cNvPicPr>
+          <p:nvPr/>
+        </p:nvPicPr>
+        <p:blipFill>
+          <a:blip r:embed="rId3"/>
+          <a:stretch>
+            <a:fillRect/>
+          </a:stretch>
+        </p:blipFill>
+        <p:spPr>
+          <a:xfrm>
+            <a:off x="308753" y="2271842"/>
+            <a:ext cx="5545544" cy="1929670"/>
+          </a:xfrm>
+          <a:prstGeom prst="rect">
+            <a:avLst/>
+          </a:prstGeom>
+        </p:spPr>
+      </p:pic>
+      <p:pic>
+        <p:nvPicPr>
+          <p:cNvPr id="17" name="Picture 16">
+            <a:extLst>
+              <a:ext uri="{FF2B5EF4-FFF2-40B4-BE49-F238E27FC236}">
+                <a16:creationId xmlns:a16="http://schemas.microsoft.com/office/drawing/2014/main" id="{CC23EE9C-A551-762D-6A73-5F4699ADE886}"/>
+              </a:ext>
+            </a:extLst>
+          </p:cNvPr>
+          <p:cNvPicPr>
+            <a:picLocks noChangeAspect="1"/>
+          </p:cNvPicPr>
+          <p:nvPr/>
+        </p:nvPicPr>
+        <p:blipFill>
+          <a:blip r:embed="rId4"/>
+          <a:stretch>
+            <a:fillRect/>
+          </a:stretch>
+        </p:blipFill>
+        <p:spPr>
+          <a:xfrm>
+            <a:off x="7496139" y="2319902"/>
+            <a:ext cx="2113829" cy="2082189"/>
+          </a:xfrm>
+          <a:prstGeom prst="rect">
+            <a:avLst/>
+          </a:prstGeom>
+        </p:spPr>
+      </p:pic>
+      <p:sp>
+        <p:nvSpPr>
+          <p:cNvPr id="18" name="Arrow: Right 20">
+            <a:extLst>
+              <a:ext uri="{FF2B5EF4-FFF2-40B4-BE49-F238E27FC236}">
+                <a16:creationId xmlns:a16="http://schemas.microsoft.com/office/drawing/2014/main" id="{508A11B0-6545-FCAF-56BD-A10E21FA0030}"/>
+              </a:ext>
+            </a:extLst>
+          </p:cNvPr>
+          <p:cNvSpPr/>
+          <p:nvPr/>
+        </p:nvSpPr>
+        <p:spPr>
+          <a:xfrm>
+            <a:off x="6081249" y="3161215"/>
+            <a:ext cx="1238783" cy="338406"/>
+          </a:xfrm>
+          <a:prstGeom prst="rightArrow">
+            <a:avLst/>
+          </a:prstGeom>
+        </p:spPr>
+        <p:style>
+          <a:lnRef idx="2">
+            <a:schemeClr val="accent1">
+              <a:shade val="15000"/>
+            </a:schemeClr>
+          </a:lnRef>
+          <a:fillRef idx="1">
+            <a:schemeClr val="accent1"/>
+          </a:fillRef>
+          <a:effectRef idx="0">
+            <a:schemeClr val="accent1"/>
+          </a:effectRef>
+          <a:fontRef idx="minor">
+            <a:schemeClr val="lt1"/>
+          </a:fontRef>
+        </p:style>
+        <p:txBody>
+          <a:bodyPr rtlCol="0" anchor="ctr"/>
+          <a:lstStyle/>
+          <a:p>
+            <a:pPr algn="ctr"/>
+            <a:endParaRPr lang="en-GB"/>
+          </a:p>
+        </p:txBody>
+      </p:sp>
+      <p:sp>
+        <p:nvSpPr>
+          <p:cNvPr id="19" name="TextBox 18">
+            <a:extLst>
+              <a:ext uri="{FF2B5EF4-FFF2-40B4-BE49-F238E27FC236}">
+                <a16:creationId xmlns:a16="http://schemas.microsoft.com/office/drawing/2014/main" id="{BD3EF26E-BCF3-D032-4332-5709CBEFF155}"/>
+              </a:ext>
+            </a:extLst>
+          </p:cNvPr>
+          <p:cNvSpPr txBox="1"/>
+          <p:nvPr/>
+        </p:nvSpPr>
+        <p:spPr>
+          <a:xfrm>
+            <a:off x="2041394" y="4947075"/>
+            <a:ext cx="5754311" cy="923330"/>
+          </a:xfrm>
+          <a:prstGeom prst="rect">
+            <a:avLst/>
+          </a:prstGeom>
+          <a:noFill/>
+        </p:spPr>
+        <p:txBody>
+          <a:bodyPr wrap="square" rtlCol="0">
+            <a:spAutoFit/>
+          </a:bodyPr>
+          <a:lstStyle/>
+          <a:p>
+            <a:r>
+              <a:rPr lang="en-GB" dirty="0"/>
+              <a:t>SVM with Oversampled Data shows some promising results with a recall for Stroke1 81% and with 12 FN. Though the number of FP is quite High.  </a:t>
+            </a:r>
+          </a:p>
+        </p:txBody>
+      </p:sp>
+    </p:spTree>
+    <p:extLst>
+      <p:ext uri="{BB962C8B-B14F-4D97-AF65-F5344CB8AC3E}">
+        <p14:creationId xmlns:p14="http://schemas.microsoft.com/office/powerpoint/2010/main" val="2888708004"/>
+      </p:ext>
+    </p:extLst>
+  </p:cSld>
+  <p:clrMapOvr>
+    <a:masterClrMapping/>
+  </p:clrMapOvr>
+</p:sld>
+</file>
+
+<file path=ppt/slides/slide18.xml><?xml version="1.0" encoding="utf-8"?>
+<p:sld xmlns:a="http://schemas.openxmlformats.org/drawingml/2006/main" xmlns:r="http://schemas.openxmlformats.org/officeDocument/2006/relationships" xmlns:p="http://schemas.openxmlformats.org/presentationml/2006/main">
+  <p:cSld>
+    <p:bg>
+      <p:bgPr>
+        <a:solidFill>
+          <a:schemeClr val="bg1"/>
+        </a:solidFill>
+        <a:effectLst/>
+      </p:bgPr>
+    </p:bg>
+    <p:spTree>
+      <p:nvGrpSpPr>
+        <p:cNvPr id="1" name="">
+          <a:extLst>
+            <a:ext uri="{FF2B5EF4-FFF2-40B4-BE49-F238E27FC236}">
+              <a16:creationId xmlns:a16="http://schemas.microsoft.com/office/drawing/2014/main" id="{19976652-C50D-0AED-59F5-520024B90CBE}"/>
+            </a:ext>
+          </a:extLst>
+        </p:cNvPr>
+        <p:cNvGrpSpPr/>
+        <p:nvPr/>
+      </p:nvGrpSpPr>
+      <p:grpSpPr>
+        <a:xfrm>
+          <a:off x="0" y="0"/>
+          <a:ext cx="0" cy="0"/>
+          <a:chOff x="0" y="0"/>
+          <a:chExt cx="0" cy="0"/>
+        </a:xfrm>
+      </p:grpSpPr>
+      <p:sp>
+        <p:nvSpPr>
+          <p:cNvPr id="27" name="Rectangle 26">
+            <a:extLst>
+              <a:ext uri="{FF2B5EF4-FFF2-40B4-BE49-F238E27FC236}">
+                <a16:creationId xmlns:a16="http://schemas.microsoft.com/office/drawing/2014/main" id="{7BB21BAA-CED1-B16A-1DEE-E71B871D83E9}"/>
+              </a:ext>
+              <a:ext uri="{C183D7F6-B498-43B3-948B-1728B52AA6E4}">
+                <adec:decorative xmlns:adec="http://schemas.microsoft.com/office/drawing/2017/decorative" val="1"/>
+              </a:ext>
+            </a:extLst>
+          </p:cNvPr>
+          <p:cNvSpPr>
+            <a:spLocks noGrp="1" noRot="1" noChangeAspect="1" noMove="1" noResize="1" noEditPoints="1" noAdjustHandles="1" noChangeArrowheads="1" noChangeShapeType="1" noTextEdit="1"/>
+          </p:cNvSpPr>
+          <p:nvPr>
+            <p:extLst>
+              <p:ext uri="{386F3935-93C4-4BCD-93E2-E3B085C9AB24}">
+                <p16:designElem xmlns:p16="http://schemas.microsoft.com/office/powerpoint/2015/main" val="1"/>
+              </p:ext>
+            </p:extLst>
+          </p:nvPr>
+        </p:nvSpPr>
+        <p:spPr>
+          <a:xfrm>
+            <a:off x="0" y="0"/>
+            <a:ext cx="10058400" cy="7772400"/>
+          </a:xfrm>
+          <a:prstGeom prst="rect">
+            <a:avLst/>
+          </a:prstGeom>
+          <a:solidFill>
+            <a:schemeClr val="bg1"/>
+          </a:solidFill>
+          <a:ln>
+            <a:noFill/>
+          </a:ln>
+        </p:spPr>
+        <p:style>
+          <a:lnRef idx="2">
+            <a:schemeClr val="accent1">
+              <a:shade val="50000"/>
+            </a:schemeClr>
+          </a:lnRef>
+          <a:fillRef idx="1">
+            <a:schemeClr val="accent1"/>
+          </a:fillRef>
+          <a:effectRef idx="0">
+            <a:schemeClr val="accent1"/>
+          </a:effectRef>
+          <a:fontRef idx="minor">
+            <a:schemeClr val="lt1"/>
+          </a:fontRef>
+        </p:style>
+        <p:txBody>
+          <a:bodyPr rtlCol="0" anchor="ctr"/>
+          <a:lstStyle/>
+          <a:p>
+            <a:pPr algn="ctr"/>
+            <a:endParaRPr lang="en-US" dirty="0"/>
+          </a:p>
+        </p:txBody>
+      </p:sp>
+      <p:sp>
+        <p:nvSpPr>
+          <p:cNvPr id="29" name="Freeform: Shape 28">
+            <a:extLst>
+              <a:ext uri="{FF2B5EF4-FFF2-40B4-BE49-F238E27FC236}">
+                <a16:creationId xmlns:a16="http://schemas.microsoft.com/office/drawing/2014/main" id="{59F97F45-7FAF-0965-515C-DF36AA4F4400}"/>
+              </a:ext>
+              <a:ext uri="{C183D7F6-B498-43B3-948B-1728B52AA6E4}">
+                <adec:decorative xmlns:adec="http://schemas.microsoft.com/office/drawing/2017/decorative" val="1"/>
+              </a:ext>
+            </a:extLst>
+          </p:cNvPr>
+          <p:cNvSpPr>
+            <a:spLocks noGrp="1" noRot="1" noChangeAspect="1" noMove="1" noResize="1" noEditPoints="1" noAdjustHandles="1" noChangeArrowheads="1" noChangeShapeType="1" noTextEdit="1"/>
+          </p:cNvSpPr>
+          <p:nvPr>
+            <p:extLst>
+              <p:ext uri="{386F3935-93C4-4BCD-93E2-E3B085C9AB24}">
+                <p16:designElem xmlns:p16="http://schemas.microsoft.com/office/powerpoint/2015/main" val="1"/>
+              </p:ext>
+            </p:extLst>
+          </p:nvPr>
+        </p:nvSpPr>
+        <p:spPr>
+          <a:xfrm rot="18900000" flipH="1">
+            <a:off x="-310328" y="-287492"/>
+            <a:ext cx="1507800" cy="1560586"/>
+          </a:xfrm>
+          <a:custGeom>
+            <a:avLst/>
+            <a:gdLst>
+              <a:gd name="connsiteX0" fmla="*/ 0 w 1827638"/>
+              <a:gd name="connsiteY0" fmla="*/ 987379 h 1376989"/>
+              <a:gd name="connsiteX1" fmla="*/ 987379 w 1827638"/>
+              <a:gd name="connsiteY1" fmla="*/ 0 h 1376989"/>
+              <a:gd name="connsiteX2" fmla="*/ 1827638 w 1827638"/>
+              <a:gd name="connsiteY2" fmla="*/ 840260 h 1376989"/>
+              <a:gd name="connsiteX3" fmla="*/ 1827638 w 1827638"/>
+              <a:gd name="connsiteY3" fmla="*/ 1376989 h 1376989"/>
+              <a:gd name="connsiteX4" fmla="*/ 0 w 1827638"/>
+              <a:gd name="connsiteY4" fmla="*/ 1376989 h 1376989"/>
+            </a:gdLst>
+            <a:ahLst/>
+            <a:cxnLst>
+              <a:cxn ang="0">
+                <a:pos x="connsiteX0" y="connsiteY0"/>
+              </a:cxn>
+              <a:cxn ang="0">
+                <a:pos x="connsiteX1" y="connsiteY1"/>
+              </a:cxn>
+              <a:cxn ang="0">
+                <a:pos x="connsiteX2" y="connsiteY2"/>
+              </a:cxn>
+              <a:cxn ang="0">
+                <a:pos x="connsiteX3" y="connsiteY3"/>
+              </a:cxn>
+              <a:cxn ang="0">
+                <a:pos x="connsiteX4" y="connsiteY4"/>
+              </a:cxn>
+            </a:cxnLst>
+            <a:rect l="l" t="t" r="r" b="b"/>
+            <a:pathLst>
+              <a:path w="1827638" h="1376989">
+                <a:moveTo>
+                  <a:pt x="0" y="987379"/>
+                </a:moveTo>
+                <a:lnTo>
+                  <a:pt x="987379" y="0"/>
+                </a:lnTo>
+                <a:lnTo>
+                  <a:pt x="1827638" y="840260"/>
+                </a:lnTo>
+                <a:lnTo>
+                  <a:pt x="1827638" y="1376989"/>
+                </a:lnTo>
+                <a:lnTo>
+                  <a:pt x="0" y="1376989"/>
+                </a:lnTo>
+                <a:close/>
+              </a:path>
+            </a:pathLst>
+          </a:custGeom>
+          <a:solidFill>
+            <a:schemeClr val="accent1">
+              <a:alpha val="30000"/>
+            </a:schemeClr>
+          </a:solidFill>
+          <a:ln>
+            <a:noFill/>
+          </a:ln>
+        </p:spPr>
+        <p:style>
+          <a:lnRef idx="2">
+            <a:schemeClr val="accent1">
+              <a:shade val="50000"/>
+            </a:schemeClr>
+          </a:lnRef>
+          <a:fillRef idx="1">
+            <a:schemeClr val="accent1"/>
+          </a:fillRef>
+          <a:effectRef idx="0">
+            <a:schemeClr val="accent1"/>
+          </a:effectRef>
+          <a:fontRef idx="minor">
+            <a:schemeClr val="lt1"/>
+          </a:fontRef>
+        </p:style>
+        <p:txBody>
+          <a:bodyPr rtlCol="0" anchor="ctr"/>
+          <a:lstStyle/>
+          <a:p>
+            <a:pPr algn="ctr"/>
+            <a:endParaRPr lang="en-US" dirty="0"/>
+          </a:p>
+        </p:txBody>
+      </p:sp>
+      <p:sp>
+        <p:nvSpPr>
+          <p:cNvPr id="31" name="Rectangle 30">
+            <a:extLst>
+              <a:ext uri="{FF2B5EF4-FFF2-40B4-BE49-F238E27FC236}">
+                <a16:creationId xmlns:a16="http://schemas.microsoft.com/office/drawing/2014/main" id="{C8E56BDA-4F67-DA7E-D11A-F7C40647ADE6}"/>
+              </a:ext>
+              <a:ext uri="{C183D7F6-B498-43B3-948B-1728B52AA6E4}">
+                <adec:decorative xmlns:adec="http://schemas.microsoft.com/office/drawing/2017/decorative" val="1"/>
+              </a:ext>
+            </a:extLst>
+          </p:cNvPr>
+          <p:cNvSpPr>
+            <a:spLocks noGrp="1" noRot="1" noChangeAspect="1" noMove="1" noResize="1" noEditPoints="1" noAdjustHandles="1" noChangeArrowheads="1" noChangeShapeType="1" noTextEdit="1"/>
+          </p:cNvSpPr>
+          <p:nvPr>
+            <p:extLst>
+              <p:ext uri="{386F3935-93C4-4BCD-93E2-E3B085C9AB24}">
+                <p16:designElem xmlns:p16="http://schemas.microsoft.com/office/powerpoint/2015/main" val="1"/>
+              </p:ext>
+            </p:extLst>
+          </p:nvPr>
+        </p:nvSpPr>
+        <p:spPr>
+          <a:xfrm rot="18900000" flipH="1">
+            <a:off x="735603" y="478432"/>
+            <a:ext cx="532429" cy="731417"/>
+          </a:xfrm>
+          <a:prstGeom prst="rect">
+            <a:avLst/>
+          </a:prstGeom>
+          <a:solidFill>
+            <a:schemeClr val="accent1">
+              <a:alpha val="30000"/>
+            </a:schemeClr>
+          </a:solidFill>
+          <a:ln>
+            <a:noFill/>
+          </a:ln>
+        </p:spPr>
+        <p:style>
+          <a:lnRef idx="2">
+            <a:schemeClr val="accent1">
+              <a:shade val="50000"/>
+            </a:schemeClr>
+          </a:lnRef>
+          <a:fillRef idx="1">
+            <a:schemeClr val="accent1"/>
+          </a:fillRef>
+          <a:effectRef idx="0">
+            <a:schemeClr val="accent1"/>
+          </a:effectRef>
+          <a:fontRef idx="minor">
+            <a:schemeClr val="lt1"/>
+          </a:fontRef>
+        </p:style>
+        <p:txBody>
+          <a:bodyPr rtlCol="0" anchor="ctr"/>
+          <a:lstStyle/>
+          <a:p>
+            <a:pPr algn="ctr"/>
+            <a:endParaRPr lang="en-US"/>
+          </a:p>
+        </p:txBody>
+      </p:sp>
+      <p:sp>
+        <p:nvSpPr>
+          <p:cNvPr id="33" name="Rectangle 32">
+            <a:extLst>
+              <a:ext uri="{FF2B5EF4-FFF2-40B4-BE49-F238E27FC236}">
+                <a16:creationId xmlns:a16="http://schemas.microsoft.com/office/drawing/2014/main" id="{1AEBF9B3-2C45-A7B0-CBD6-7ACEF01BA03C}"/>
+              </a:ext>
+              <a:ext uri="{C183D7F6-B498-43B3-948B-1728B52AA6E4}">
+                <adec:decorative xmlns:adec="http://schemas.microsoft.com/office/drawing/2017/decorative" val="1"/>
+              </a:ext>
+            </a:extLst>
+          </p:cNvPr>
+          <p:cNvSpPr>
+            <a:spLocks noGrp="1" noRot="1" noChangeAspect="1" noMove="1" noResize="1" noEditPoints="1" noAdjustHandles="1" noChangeArrowheads="1" noChangeShapeType="1" noTextEdit="1"/>
+          </p:cNvSpPr>
+          <p:nvPr>
+            <p:extLst>
+              <p:ext uri="{386F3935-93C4-4BCD-93E2-E3B085C9AB24}">
+                <p16:designElem xmlns:p16="http://schemas.microsoft.com/office/powerpoint/2015/main" val="1"/>
+              </p:ext>
+            </p:extLst>
+          </p:nvPr>
+        </p:nvSpPr>
+        <p:spPr>
+          <a:xfrm rot="18900000" flipH="1">
+            <a:off x="8285872" y="742492"/>
+            <a:ext cx="567165" cy="779134"/>
+          </a:xfrm>
+          <a:prstGeom prst="rect">
+            <a:avLst/>
+          </a:prstGeom>
+          <a:solidFill>
+            <a:schemeClr val="accent4">
+              <a:alpha val="30000"/>
+            </a:schemeClr>
+          </a:solidFill>
+          <a:ln>
+            <a:noFill/>
+          </a:ln>
+        </p:spPr>
+        <p:style>
+          <a:lnRef idx="2">
+            <a:schemeClr val="accent1">
+              <a:shade val="50000"/>
+            </a:schemeClr>
+          </a:lnRef>
+          <a:fillRef idx="1">
+            <a:schemeClr val="accent1"/>
+          </a:fillRef>
+          <a:effectRef idx="0">
+            <a:schemeClr val="accent1"/>
+          </a:effectRef>
+          <a:fontRef idx="minor">
+            <a:schemeClr val="lt1"/>
+          </a:fontRef>
+        </p:style>
+        <p:txBody>
+          <a:bodyPr rtlCol="0" anchor="ctr"/>
+          <a:lstStyle/>
+          <a:p>
+            <a:pPr algn="ctr"/>
+            <a:endParaRPr lang="en-US"/>
+          </a:p>
+        </p:txBody>
+      </p:sp>
+      <p:sp>
+        <p:nvSpPr>
+          <p:cNvPr id="35" name="Freeform: Shape 34">
+            <a:extLst>
+              <a:ext uri="{FF2B5EF4-FFF2-40B4-BE49-F238E27FC236}">
+                <a16:creationId xmlns:a16="http://schemas.microsoft.com/office/drawing/2014/main" id="{9683BA8B-41AC-57DC-440A-8E392CF1D52A}"/>
+              </a:ext>
+              <a:ext uri="{C183D7F6-B498-43B3-948B-1728B52AA6E4}">
+                <adec:decorative xmlns:adec="http://schemas.microsoft.com/office/drawing/2017/decorative" val="1"/>
+              </a:ext>
+            </a:extLst>
+          </p:cNvPr>
+          <p:cNvSpPr>
+            <a:spLocks noGrp="1" noRot="1" noChangeAspect="1" noMove="1" noResize="1" noEditPoints="1" noAdjustHandles="1" noChangeArrowheads="1" noChangeShapeType="1" noTextEdit="1"/>
+          </p:cNvSpPr>
+          <p:nvPr>
+            <p:extLst>
+              <p:ext uri="{386F3935-93C4-4BCD-93E2-E3B085C9AB24}">
+                <p16:designElem xmlns:p16="http://schemas.microsoft.com/office/powerpoint/2015/main" val="1"/>
+              </p:ext>
+            </p:extLst>
+          </p:nvPr>
+        </p:nvSpPr>
+        <p:spPr>
+          <a:xfrm rot="10800000" flipH="1">
+            <a:off x="7719230" y="0"/>
+            <a:ext cx="2339170" cy="1678281"/>
+          </a:xfrm>
+          <a:custGeom>
+            <a:avLst/>
+            <a:gdLst>
+              <a:gd name="connsiteX0" fmla="*/ 2835357 w 2835357"/>
+              <a:gd name="connsiteY0" fmla="*/ 1480837 h 1480837"/>
+              <a:gd name="connsiteX1" fmla="*/ 0 w 2835357"/>
+              <a:gd name="connsiteY1" fmla="*/ 1480837 h 1480837"/>
+              <a:gd name="connsiteX2" fmla="*/ 1552727 w 2835357"/>
+              <a:gd name="connsiteY2" fmla="*/ 0 h 1480837"/>
+              <a:gd name="connsiteX3" fmla="*/ 2835357 w 2835357"/>
+              <a:gd name="connsiteY3" fmla="*/ 1223245 h 1480837"/>
+            </a:gdLst>
+            <a:ahLst/>
+            <a:cxnLst>
+              <a:cxn ang="0">
+                <a:pos x="connsiteX0" y="connsiteY0"/>
+              </a:cxn>
+              <a:cxn ang="0">
+                <a:pos x="connsiteX1" y="connsiteY1"/>
+              </a:cxn>
+              <a:cxn ang="0">
+                <a:pos x="connsiteX2" y="connsiteY2"/>
+              </a:cxn>
+              <a:cxn ang="0">
+                <a:pos x="connsiteX3" y="connsiteY3"/>
+              </a:cxn>
+            </a:cxnLst>
+            <a:rect l="l" t="t" r="r" b="b"/>
+            <a:pathLst>
+              <a:path w="2835357" h="1480837">
+                <a:moveTo>
+                  <a:pt x="2835357" y="1480837"/>
+                </a:moveTo>
+                <a:lnTo>
+                  <a:pt x="0" y="1480837"/>
+                </a:lnTo>
+                <a:lnTo>
+                  <a:pt x="1552727" y="0"/>
+                </a:lnTo>
+                <a:lnTo>
+                  <a:pt x="2835357" y="1223245"/>
+                </a:lnTo>
+                <a:close/>
+              </a:path>
+            </a:pathLst>
+          </a:custGeom>
+          <a:solidFill>
+            <a:schemeClr val="accent4">
+              <a:alpha val="30000"/>
+            </a:schemeClr>
+          </a:solidFill>
+          <a:ln>
+            <a:noFill/>
+          </a:ln>
+        </p:spPr>
+        <p:style>
+          <a:lnRef idx="2">
+            <a:schemeClr val="accent1">
+              <a:shade val="50000"/>
+            </a:schemeClr>
+          </a:lnRef>
+          <a:fillRef idx="1">
+            <a:schemeClr val="accent1"/>
+          </a:fillRef>
+          <a:effectRef idx="0">
+            <a:schemeClr val="accent1"/>
+          </a:effectRef>
+          <a:fontRef idx="minor">
+            <a:schemeClr val="lt1"/>
+          </a:fontRef>
+        </p:style>
+        <p:txBody>
+          <a:bodyPr wrap="square" rtlCol="0" anchor="ctr">
+            <a:noAutofit/>
+          </a:bodyPr>
+          <a:lstStyle/>
+          <a:p>
+            <a:pPr algn="ctr"/>
+            <a:endParaRPr lang="en-US" dirty="0"/>
+          </a:p>
+        </p:txBody>
+      </p:sp>
+      <p:sp>
+        <p:nvSpPr>
+          <p:cNvPr id="37" name="Isosceles Triangle 36">
+            <a:extLst>
+              <a:ext uri="{FF2B5EF4-FFF2-40B4-BE49-F238E27FC236}">
+                <a16:creationId xmlns:a16="http://schemas.microsoft.com/office/drawing/2014/main" id="{D21B866A-A77B-1BB1-62F9-4A0813EBCE97}"/>
+              </a:ext>
+              <a:ext uri="{C183D7F6-B498-43B3-948B-1728B52AA6E4}">
+                <adec:decorative xmlns:adec="http://schemas.microsoft.com/office/drawing/2017/decorative" val="1"/>
+              </a:ext>
+            </a:extLst>
+          </p:cNvPr>
+          <p:cNvSpPr>
+            <a:spLocks noGrp="1" noRot="1" noChangeAspect="1" noMove="1" noResize="1" noEditPoints="1" noAdjustHandles="1" noChangeArrowheads="1" noChangeShapeType="1" noTextEdit="1"/>
+          </p:cNvSpPr>
+          <p:nvPr>
+            <p:extLst>
+              <p:ext uri="{386F3935-93C4-4BCD-93E2-E3B085C9AB24}">
+                <p16:designElem xmlns:p16="http://schemas.microsoft.com/office/powerpoint/2015/main" val="1"/>
+              </p:ext>
+            </p:extLst>
+          </p:nvPr>
+        </p:nvSpPr>
+        <p:spPr>
+          <a:xfrm flipH="1">
+            <a:off x="6580483" y="6930901"/>
+            <a:ext cx="1232974" cy="841499"/>
+          </a:xfrm>
+          <a:prstGeom prst="triangle">
+            <a:avLst/>
+          </a:prstGeom>
+          <a:solidFill>
+            <a:schemeClr val="accent1">
+              <a:alpha val="30000"/>
+            </a:schemeClr>
+          </a:solidFill>
+          <a:ln>
+            <a:noFill/>
+          </a:ln>
+        </p:spPr>
+        <p:style>
+          <a:lnRef idx="2">
+            <a:schemeClr val="accent1">
+              <a:shade val="50000"/>
+            </a:schemeClr>
+          </a:lnRef>
+          <a:fillRef idx="1">
+            <a:schemeClr val="accent1"/>
+          </a:fillRef>
+          <a:effectRef idx="0">
+            <a:schemeClr val="accent1"/>
+          </a:effectRef>
+          <a:fontRef idx="minor">
+            <a:schemeClr val="lt1"/>
+          </a:fontRef>
+        </p:style>
+        <p:txBody>
+          <a:bodyPr rtlCol="0" anchor="ctr"/>
+          <a:lstStyle/>
+          <a:p>
+            <a:pPr algn="ctr"/>
+            <a:endParaRPr lang="en-US"/>
+          </a:p>
+        </p:txBody>
+      </p:sp>
+      <p:pic>
+        <p:nvPicPr>
+          <p:cNvPr id="22" name="Picture Placeholder 21">
+            <a:extLst>
+              <a:ext uri="{FF2B5EF4-FFF2-40B4-BE49-F238E27FC236}">
+                <a16:creationId xmlns:a16="http://schemas.microsoft.com/office/drawing/2014/main" id="{A15C48D8-1E7C-8255-8356-E6FB553D0FC0}"/>
+              </a:ext>
+            </a:extLst>
+          </p:cNvPr>
+          <p:cNvPicPr>
+            <a:picLocks noGrp="1" noChangeAspect="1"/>
+          </p:cNvPicPr>
+          <p:nvPr>
+            <p:ph type="pic" sz="quarter" idx="11"/>
+          </p:nvPr>
+        </p:nvPicPr>
+        <p:blipFill>
+          <a:blip r:embed="rId3"/>
+          <a:srcRect t="4962" b="4962"/>
+          <a:stretch/>
+        </p:blipFill>
+        <p:spPr>
+          <a:xfrm>
+            <a:off x="0" y="4700588"/>
+            <a:ext cx="10058400" cy="3071812"/>
+          </a:xfrm>
+          <a:prstGeom prst="rect">
+            <a:avLst/>
+          </a:prstGeom>
+          <a:ln>
+            <a:noFill/>
+          </a:ln>
+        </p:spPr>
+      </p:pic>
+      <p:sp>
+        <p:nvSpPr>
+          <p:cNvPr id="39" name="Isosceles Triangle 38">
+            <a:extLst>
+              <a:ext uri="{FF2B5EF4-FFF2-40B4-BE49-F238E27FC236}">
+                <a16:creationId xmlns:a16="http://schemas.microsoft.com/office/drawing/2014/main" id="{2F03BE48-83EC-1FB1-519E-B8C8262286CB}"/>
+              </a:ext>
+              <a:ext uri="{C183D7F6-B498-43B3-948B-1728B52AA6E4}">
+                <adec:decorative xmlns:adec="http://schemas.microsoft.com/office/drawing/2017/decorative" val="1"/>
+              </a:ext>
+            </a:extLst>
+          </p:cNvPr>
+          <p:cNvSpPr>
+            <a:spLocks noGrp="1" noRot="1" noChangeAspect="1" noMove="1" noResize="1" noEditPoints="1" noAdjustHandles="1" noChangeArrowheads="1" noChangeShapeType="1" noTextEdit="1"/>
+          </p:cNvSpPr>
+          <p:nvPr>
+            <p:extLst>
+              <p:ext uri="{386F3935-93C4-4BCD-93E2-E3B085C9AB24}">
+                <p16:designElem xmlns:p16="http://schemas.microsoft.com/office/powerpoint/2015/main" val="1"/>
+              </p:ext>
+            </p:extLst>
+          </p:nvPr>
+        </p:nvSpPr>
+        <p:spPr>
+          <a:xfrm flipH="1">
+            <a:off x="6273366" y="7313562"/>
+            <a:ext cx="672294" cy="458838"/>
+          </a:xfrm>
+          <a:prstGeom prst="triangle">
+            <a:avLst/>
+          </a:prstGeom>
+          <a:solidFill>
+            <a:schemeClr val="accent1">
+              <a:alpha val="30000"/>
+            </a:schemeClr>
+          </a:solidFill>
+          <a:ln>
+            <a:noFill/>
+          </a:ln>
+        </p:spPr>
+        <p:style>
+          <a:lnRef idx="2">
+            <a:schemeClr val="accent1">
+              <a:shade val="50000"/>
+            </a:schemeClr>
+          </a:lnRef>
+          <a:fillRef idx="1">
+            <a:schemeClr val="accent1"/>
+          </a:fillRef>
+          <a:effectRef idx="0">
+            <a:schemeClr val="accent1"/>
+          </a:effectRef>
+          <a:fontRef idx="minor">
+            <a:schemeClr val="lt1"/>
+          </a:fontRef>
+        </p:style>
+        <p:txBody>
+          <a:bodyPr rtlCol="0" anchor="ctr"/>
+          <a:lstStyle/>
+          <a:p>
+            <a:pPr algn="ctr"/>
+            <a:endParaRPr lang="en-US"/>
+          </a:p>
+        </p:txBody>
+      </p:sp>
+      <p:sp>
+        <p:nvSpPr>
+          <p:cNvPr id="26" name="TextBox 25">
+            <a:extLst>
+              <a:ext uri="{FF2B5EF4-FFF2-40B4-BE49-F238E27FC236}">
                 <a16:creationId xmlns:a16="http://schemas.microsoft.com/office/drawing/2014/main" id="{2EA0F888-E47D-84AF-8912-FA2245A9C028}"/>
               </a:ext>
             </a:extLst>
@@ -11412,7 +17163,7 @@
 </p:sld>
 </file>
 
-<file path=ppt/slides/slide13.xml><?xml version="1.0" encoding="utf-8"?>
+<file path=ppt/slides/slide19.xml><?xml version="1.0" encoding="utf-8"?>
 <p:sld xmlns:a="http://schemas.openxmlformats.org/drawingml/2006/main" xmlns:r="http://schemas.openxmlformats.org/officeDocument/2006/relationships" xmlns:p="http://schemas.openxmlformats.org/presentationml/2006/main">
   <p:cSld>
     <p:bg>
@@ -16063,9 +21814,6 @@
             <a:pPr algn="ctr"/>
             <a:r>
               <a:rPr lang="en-US" sz="3200" b="1" dirty="0">
-                <a:solidFill>
-                  <a:schemeClr val="tx2"/>
-                </a:solidFill>
                 <a:latin typeface="+mj-lt"/>
               </a:rPr>
               <a:t>Introduction</a:t>
@@ -16886,9 +22634,6 @@
             <a:pPr algn="ctr"/>
             <a:r>
               <a:rPr lang="en-US" sz="3200" b="1" dirty="0">
-                <a:solidFill>
-                  <a:schemeClr val="tx2"/>
-                </a:solidFill>
                 <a:latin typeface="+mj-lt"/>
               </a:rPr>
               <a:t>Data Cleaning</a:t>
@@ -17486,9 +23231,6 @@
             <a:pPr algn="ctr"/>
             <a:r>
               <a:rPr lang="en-US" sz="3200" b="1" dirty="0">
-                <a:solidFill>
-                  <a:schemeClr val="tx2"/>
-                </a:solidFill>
                 <a:latin typeface="+mj-lt"/>
               </a:rPr>
               <a:t>Feature Importance</a:t>
@@ -18005,9 +23747,6 @@
             <a:pPr algn="ctr"/>
             <a:r>
               <a:rPr lang="en-US" sz="3200" b="1" dirty="0">
-                <a:solidFill>
-                  <a:schemeClr val="tx2"/>
-                </a:solidFill>
                 <a:latin typeface="+mj-lt"/>
               </a:rPr>
               <a:t>Correlation Heatmap</a:t>
@@ -18535,7 +24274,7 @@
         </p:nvSpPr>
         <p:spPr>
           <a:xfrm>
-            <a:off x="1448655" y="936933"/>
+            <a:off x="1448655" y="632139"/>
             <a:ext cx="7086600" cy="584775"/>
           </a:xfrm>
           <a:prstGeom prst="rect">
@@ -18552,9 +24291,6 @@
             <a:pPr algn="ctr"/>
             <a:r>
               <a:rPr lang="en-US" sz="3200" b="1" dirty="0">
-                <a:solidFill>
-                  <a:schemeClr val="tx2"/>
-                </a:solidFill>
                 <a:latin typeface="+mj-lt"/>
               </a:rPr>
               <a:t>Age Distribution</a:t>
@@ -19099,9 +24835,6 @@
             <a:pPr algn="ctr"/>
             <a:r>
               <a:rPr lang="en-US" sz="3200" b="1" dirty="0">
-                <a:solidFill>
-                  <a:schemeClr val="tx2"/>
-                </a:solidFill>
                 <a:latin typeface="+mj-lt"/>
               </a:rPr>
               <a:t>Age vs BMI</a:t>
@@ -19189,7 +24922,7 @@
         </p:blipFill>
         <p:spPr>
           <a:xfrm>
-            <a:off x="2182889" y="508561"/>
+            <a:off x="2283665" y="669915"/>
             <a:ext cx="5187528" cy="4063962"/>
           </a:xfrm>
           <a:prstGeom prst="rect">
@@ -19778,9 +25511,6 @@
             <a:pPr algn="ctr"/>
             <a:r>
               <a:rPr lang="en-US" sz="3200" b="1" dirty="0">
-                <a:solidFill>
-                  <a:schemeClr val="tx2"/>
-                </a:solidFill>
                 <a:latin typeface="+mj-lt"/>
               </a:rPr>
               <a:t>Age vs Blood Sugar</a:t>
@@ -20776,6 +26506,15 @@
 </file>
 
 <file path=customXml/item1.xml><?xml version="1.0" encoding="utf-8"?>
+<p:properties xmlns:p="http://schemas.microsoft.com/office/2006/metadata/properties" xmlns:xsi="http://www.w3.org/2001/XMLSchema-instance" xmlns:pc="http://schemas.microsoft.com/office/infopath/2007/PartnerControls">
+  <documentManagement>
+    <Status xmlns="71af3243-3dd4-4a8d-8c0d-dd76da1f02a5">Not started</Status>
+    <MediaServiceKeyPoints xmlns="71af3243-3dd4-4a8d-8c0d-dd76da1f02a5" xsi:nil="true"/>
+  </documentManagement>
+</p:properties>
+</file>
+
+<file path=customXml/item2.xml><?xml version="1.0" encoding="utf-8"?>
 <ct:contentTypeSchema xmlns:ct="http://schemas.microsoft.com/office/2006/metadata/contentType" xmlns:ma="http://schemas.microsoft.com/office/2006/metadata/properties/metaAttributes" ct:_="" ma:_="" ma:contentTypeName="Document" ma:contentTypeID="0x01010079F111ED35F8CC479449609E8A0923A6" ma:contentTypeVersion="12" ma:contentTypeDescription="Create a new document." ma:contentTypeScope="" ma:versionID="426e97fa315356fffbdcd9876fe988c2">
   <xsd:schema xmlns:xsd="http://www.w3.org/2001/XMLSchema" xmlns:xs="http://www.w3.org/2001/XMLSchema" xmlns:p="http://schemas.microsoft.com/office/2006/metadata/properties" xmlns:ns2="71af3243-3dd4-4a8d-8c0d-dd76da1f02a5" xmlns:ns3="16c05727-aa75-4e4a-9b5f-8a80a1165891" targetNamespace="http://schemas.microsoft.com/office/2006/metadata/properties" ma:root="true" ma:fieldsID="14b8f0def80e6d70ce3def20c90759ae" ns2:_="" ns3:_="">
     <xsd:import namespace="71af3243-3dd4-4a8d-8c0d-dd76da1f02a5"/>
@@ -20996,15 +26735,6 @@
 </ct:contentTypeSchema>
 </file>
 
-<file path=customXml/item2.xml><?xml version="1.0" encoding="utf-8"?>
-<p:properties xmlns:p="http://schemas.microsoft.com/office/2006/metadata/properties" xmlns:xsi="http://www.w3.org/2001/XMLSchema-instance" xmlns:pc="http://schemas.microsoft.com/office/infopath/2007/PartnerControls">
-  <documentManagement>
-    <Status xmlns="71af3243-3dd4-4a8d-8c0d-dd76da1f02a5">Not started</Status>
-    <MediaServiceKeyPoints xmlns="71af3243-3dd4-4a8d-8c0d-dd76da1f02a5" xsi:nil="true"/>
-  </documentManagement>
-</p:properties>
-</file>
-
 <file path=customXml/item3.xml><?xml version="1.0" encoding="utf-8"?>
 <?mso-contentType ?>
 <FormTemplates xmlns="http://schemas.microsoft.com/sharepoint/v3/contenttype/forms">
@@ -21015,6 +26745,16 @@
 </file>
 
 <file path=customXml/itemProps1.xml><?xml version="1.0" encoding="utf-8"?>
+<ds:datastoreItem xmlns:ds="http://schemas.openxmlformats.org/officeDocument/2006/customXml" ds:itemID="{581AEECB-7CBF-41B6-B304-895A4D5BDF0F}">
+  <ds:schemaRefs>
+    <ds:schemaRef ds:uri="http://schemas.microsoft.com/office/2006/metadata/properties"/>
+    <ds:schemaRef ds:uri="http://schemas.microsoft.com/office/infopath/2007/PartnerControls"/>
+    <ds:schemaRef ds:uri="71af3243-3dd4-4a8d-8c0d-dd76da1f02a5"/>
+  </ds:schemaRefs>
+</ds:datastoreItem>
+</file>
+
+<file path=customXml/itemProps2.xml><?xml version="1.0" encoding="utf-8"?>
 <ds:datastoreItem xmlns:ds="http://schemas.openxmlformats.org/officeDocument/2006/customXml" ds:itemID="{5D82FBE3-5E95-4B7A-88C0-B7BB58A96823}">
   <ds:schemaRefs>
     <ds:schemaRef ds:uri="http://schemas.microsoft.com/office/2006/metadata/contentType"/>
@@ -21033,16 +26773,6 @@
 </ds:datastoreItem>
 </file>
 
-<file path=customXml/itemProps2.xml><?xml version="1.0" encoding="utf-8"?>
-<ds:datastoreItem xmlns:ds="http://schemas.openxmlformats.org/officeDocument/2006/customXml" ds:itemID="{581AEECB-7CBF-41B6-B304-895A4D5BDF0F}">
-  <ds:schemaRefs>
-    <ds:schemaRef ds:uri="http://schemas.microsoft.com/office/2006/metadata/properties"/>
-    <ds:schemaRef ds:uri="http://schemas.microsoft.com/office/infopath/2007/PartnerControls"/>
-    <ds:schemaRef ds:uri="71af3243-3dd4-4a8d-8c0d-dd76da1f02a5"/>
-  </ds:schemaRefs>
-</ds:datastoreItem>
-</file>
-
 <file path=customXml/itemProps3.xml><?xml version="1.0" encoding="utf-8"?>
 <ds:datastoreItem xmlns:ds="http://schemas.openxmlformats.org/officeDocument/2006/customXml" ds:itemID="{D9EAC644-7B36-4B02-AE6A-271637DE6193}">
   <ds:schemaRefs>

--- a/Presentation/Project4_presentation_draft.pptx
+++ b/Presentation/Project4_presentation_draft.pptx
@@ -5,10 +5,10 @@
     <p:sldMasterId id="2147483686" r:id="rId4"/>
   </p:sldMasterIdLst>
   <p:notesMasterIdLst>
-    <p:notesMasterId r:id="rId24"/>
+    <p:notesMasterId r:id="rId30"/>
   </p:notesMasterIdLst>
   <p:handoutMasterIdLst>
-    <p:handoutMasterId r:id="rId25"/>
+    <p:handoutMasterId r:id="rId31"/>
   </p:handoutMasterIdLst>
   <p:sldIdLst>
     <p:sldId id="285" r:id="rId5"/>
@@ -28,8 +28,14 @@
     <p:sldId id="298" r:id="rId19"/>
     <p:sldId id="299" r:id="rId20"/>
     <p:sldId id="300" r:id="rId21"/>
-    <p:sldId id="286" r:id="rId22"/>
-    <p:sldId id="276" r:id="rId23"/>
+    <p:sldId id="301" r:id="rId22"/>
+    <p:sldId id="302" r:id="rId23"/>
+    <p:sldId id="303" r:id="rId24"/>
+    <p:sldId id="304" r:id="rId25"/>
+    <p:sldId id="305" r:id="rId26"/>
+    <p:sldId id="306" r:id="rId27"/>
+    <p:sldId id="286" r:id="rId28"/>
+    <p:sldId id="276" r:id="rId29"/>
   </p:sldIdLst>
   <p:sldSz cx="10058400" cy="7772400"/>
   <p:notesSz cx="6858000" cy="9144000"/>
@@ -1686,6 +1692,762 @@
         <p:cNvPr id="1" name="">
           <a:extLst>
             <a:ext uri="{FF2B5EF4-FFF2-40B4-BE49-F238E27FC236}">
+              <a16:creationId xmlns:a16="http://schemas.microsoft.com/office/drawing/2014/main" id="{C95A472B-492C-C1F2-83AE-DAF6363FCD61}"/>
+            </a:ext>
+          </a:extLst>
+        </p:cNvPr>
+        <p:cNvGrpSpPr/>
+        <p:nvPr/>
+      </p:nvGrpSpPr>
+      <p:grpSpPr>
+        <a:xfrm>
+          <a:off x="0" y="0"/>
+          <a:ext cx="0" cy="0"/>
+          <a:chOff x="0" y="0"/>
+          <a:chExt cx="0" cy="0"/>
+        </a:xfrm>
+      </p:grpSpPr>
+      <p:sp>
+        <p:nvSpPr>
+          <p:cNvPr id="2" name="Slide Image Placeholder 1">
+            <a:extLst>
+              <a:ext uri="{FF2B5EF4-FFF2-40B4-BE49-F238E27FC236}">
+                <a16:creationId xmlns:a16="http://schemas.microsoft.com/office/drawing/2014/main" id="{6EC15AFD-DD45-AA0A-476F-DE320D927E8E}"/>
+              </a:ext>
+            </a:extLst>
+          </p:cNvPr>
+          <p:cNvSpPr>
+            <a:spLocks noGrp="1" noRot="1" noChangeAspect="1"/>
+          </p:cNvSpPr>
+          <p:nvPr>
+            <p:ph type="sldImg"/>
+          </p:nvPr>
+        </p:nvSpPr>
+        <p:spPr/>
+      </p:sp>
+      <p:sp>
+        <p:nvSpPr>
+          <p:cNvPr id="3" name="Notes Placeholder 2">
+            <a:extLst>
+              <a:ext uri="{FF2B5EF4-FFF2-40B4-BE49-F238E27FC236}">
+                <a16:creationId xmlns:a16="http://schemas.microsoft.com/office/drawing/2014/main" id="{5F8CBB17-7BC0-8AFD-8184-D27E9136F0C2}"/>
+              </a:ext>
+            </a:extLst>
+          </p:cNvPr>
+          <p:cNvSpPr>
+            <a:spLocks noGrp="1"/>
+          </p:cNvSpPr>
+          <p:nvPr>
+            <p:ph type="body" idx="1"/>
+          </p:nvPr>
+        </p:nvSpPr>
+        <p:spPr/>
+        <p:txBody>
+          <a:bodyPr/>
+          <a:lstStyle/>
+          <a:p>
+            <a:endParaRPr lang="en-US" dirty="0"/>
+          </a:p>
+        </p:txBody>
+      </p:sp>
+      <p:sp>
+        <p:nvSpPr>
+          <p:cNvPr id="4" name="Slide Number Placeholder 3">
+            <a:extLst>
+              <a:ext uri="{FF2B5EF4-FFF2-40B4-BE49-F238E27FC236}">
+                <a16:creationId xmlns:a16="http://schemas.microsoft.com/office/drawing/2014/main" id="{DDC40FA9-4782-3A4C-B617-27B52746B48C}"/>
+              </a:ext>
+            </a:extLst>
+          </p:cNvPr>
+          <p:cNvSpPr>
+            <a:spLocks noGrp="1"/>
+          </p:cNvSpPr>
+          <p:nvPr>
+            <p:ph type="sldNum" sz="quarter" idx="5"/>
+          </p:nvPr>
+        </p:nvSpPr>
+        <p:spPr/>
+        <p:txBody>
+          <a:bodyPr/>
+          <a:lstStyle/>
+          <a:p>
+            <a:fld id="{2481A707-0A4C-444E-BBAC-8F56E4534DF7}" type="slidenum">
+              <a:rPr lang="en-US" smtClean="0"/>
+              <a:t>18</a:t>
+            </a:fld>
+            <a:endParaRPr lang="en-US" dirty="0"/>
+          </a:p>
+        </p:txBody>
+      </p:sp>
+    </p:spTree>
+    <p:extLst>
+      <p:ext uri="{BB962C8B-B14F-4D97-AF65-F5344CB8AC3E}">
+        <p14:creationId xmlns:p14="http://schemas.microsoft.com/office/powerpoint/2010/main" val="826080744"/>
+      </p:ext>
+    </p:extLst>
+  </p:cSld>
+  <p:clrMapOvr>
+    <a:masterClrMapping/>
+  </p:clrMapOvr>
+</p:notes>
+</file>
+
+<file path=ppt/notesSlides/notesSlide19.xml><?xml version="1.0" encoding="utf-8"?>
+<p:notes xmlns:a="http://schemas.openxmlformats.org/drawingml/2006/main" xmlns:r="http://schemas.openxmlformats.org/officeDocument/2006/relationships" xmlns:p="http://schemas.openxmlformats.org/presentationml/2006/main">
+  <p:cSld>
+    <p:spTree>
+      <p:nvGrpSpPr>
+        <p:cNvPr id="1" name="">
+          <a:extLst>
+            <a:ext uri="{FF2B5EF4-FFF2-40B4-BE49-F238E27FC236}">
+              <a16:creationId xmlns:a16="http://schemas.microsoft.com/office/drawing/2014/main" id="{2FE89939-ACBE-F2AD-EE24-5880FA41CFA0}"/>
+            </a:ext>
+          </a:extLst>
+        </p:cNvPr>
+        <p:cNvGrpSpPr/>
+        <p:nvPr/>
+      </p:nvGrpSpPr>
+      <p:grpSpPr>
+        <a:xfrm>
+          <a:off x="0" y="0"/>
+          <a:ext cx="0" cy="0"/>
+          <a:chOff x="0" y="0"/>
+          <a:chExt cx="0" cy="0"/>
+        </a:xfrm>
+      </p:grpSpPr>
+      <p:sp>
+        <p:nvSpPr>
+          <p:cNvPr id="2" name="Slide Image Placeholder 1">
+            <a:extLst>
+              <a:ext uri="{FF2B5EF4-FFF2-40B4-BE49-F238E27FC236}">
+                <a16:creationId xmlns:a16="http://schemas.microsoft.com/office/drawing/2014/main" id="{530B1C8D-1BFF-6E19-5BB8-4F3BDC196519}"/>
+              </a:ext>
+            </a:extLst>
+          </p:cNvPr>
+          <p:cNvSpPr>
+            <a:spLocks noGrp="1" noRot="1" noChangeAspect="1"/>
+          </p:cNvSpPr>
+          <p:nvPr>
+            <p:ph type="sldImg"/>
+          </p:nvPr>
+        </p:nvSpPr>
+        <p:spPr/>
+      </p:sp>
+      <p:sp>
+        <p:nvSpPr>
+          <p:cNvPr id="3" name="Notes Placeholder 2">
+            <a:extLst>
+              <a:ext uri="{FF2B5EF4-FFF2-40B4-BE49-F238E27FC236}">
+                <a16:creationId xmlns:a16="http://schemas.microsoft.com/office/drawing/2014/main" id="{27DED105-0D56-0F47-BACE-E0231B8D8E05}"/>
+              </a:ext>
+            </a:extLst>
+          </p:cNvPr>
+          <p:cNvSpPr>
+            <a:spLocks noGrp="1"/>
+          </p:cNvSpPr>
+          <p:nvPr>
+            <p:ph type="body" idx="1"/>
+          </p:nvPr>
+        </p:nvSpPr>
+        <p:spPr/>
+        <p:txBody>
+          <a:bodyPr/>
+          <a:lstStyle/>
+          <a:p>
+            <a:endParaRPr lang="en-US" dirty="0"/>
+          </a:p>
+        </p:txBody>
+      </p:sp>
+      <p:sp>
+        <p:nvSpPr>
+          <p:cNvPr id="4" name="Slide Number Placeholder 3">
+            <a:extLst>
+              <a:ext uri="{FF2B5EF4-FFF2-40B4-BE49-F238E27FC236}">
+                <a16:creationId xmlns:a16="http://schemas.microsoft.com/office/drawing/2014/main" id="{342E6D65-B4A5-7B3D-A37A-4DDB8F0FBC5D}"/>
+              </a:ext>
+            </a:extLst>
+          </p:cNvPr>
+          <p:cNvSpPr>
+            <a:spLocks noGrp="1"/>
+          </p:cNvSpPr>
+          <p:nvPr>
+            <p:ph type="sldNum" sz="quarter" idx="5"/>
+          </p:nvPr>
+        </p:nvSpPr>
+        <p:spPr/>
+        <p:txBody>
+          <a:bodyPr/>
+          <a:lstStyle/>
+          <a:p>
+            <a:fld id="{2481A707-0A4C-444E-BBAC-8F56E4534DF7}" type="slidenum">
+              <a:rPr lang="en-US" smtClean="0"/>
+              <a:t>19</a:t>
+            </a:fld>
+            <a:endParaRPr lang="en-US" dirty="0"/>
+          </a:p>
+        </p:txBody>
+      </p:sp>
+    </p:spTree>
+    <p:extLst>
+      <p:ext uri="{BB962C8B-B14F-4D97-AF65-F5344CB8AC3E}">
+        <p14:creationId xmlns:p14="http://schemas.microsoft.com/office/powerpoint/2010/main" val="2850319429"/>
+      </p:ext>
+    </p:extLst>
+  </p:cSld>
+  <p:clrMapOvr>
+    <a:masterClrMapping/>
+  </p:clrMapOvr>
+</p:notes>
+</file>
+
+<file path=ppt/notesSlides/notesSlide2.xml><?xml version="1.0" encoding="utf-8"?>
+<p:notes xmlns:a="http://schemas.openxmlformats.org/drawingml/2006/main" xmlns:r="http://schemas.openxmlformats.org/officeDocument/2006/relationships" xmlns:p="http://schemas.openxmlformats.org/presentationml/2006/main">
+  <p:cSld>
+    <p:spTree>
+      <p:nvGrpSpPr>
+        <p:cNvPr id="1" name="">
+          <a:extLst>
+            <a:ext uri="{FF2B5EF4-FFF2-40B4-BE49-F238E27FC236}">
+              <a16:creationId xmlns:a16="http://schemas.microsoft.com/office/drawing/2014/main" id="{60F1D321-1548-AE2B-7392-A201216B6291}"/>
+            </a:ext>
+          </a:extLst>
+        </p:cNvPr>
+        <p:cNvGrpSpPr/>
+        <p:nvPr/>
+      </p:nvGrpSpPr>
+      <p:grpSpPr>
+        <a:xfrm>
+          <a:off x="0" y="0"/>
+          <a:ext cx="0" cy="0"/>
+          <a:chOff x="0" y="0"/>
+          <a:chExt cx="0" cy="0"/>
+        </a:xfrm>
+      </p:grpSpPr>
+      <p:sp>
+        <p:nvSpPr>
+          <p:cNvPr id="2" name="Slide Image Placeholder 1">
+            <a:extLst>
+              <a:ext uri="{FF2B5EF4-FFF2-40B4-BE49-F238E27FC236}">
+                <a16:creationId xmlns:a16="http://schemas.microsoft.com/office/drawing/2014/main" id="{B51CB6E6-0AC5-75E5-1A67-FEAFD3507B1E}"/>
+              </a:ext>
+            </a:extLst>
+          </p:cNvPr>
+          <p:cNvSpPr>
+            <a:spLocks noGrp="1" noRot="1" noChangeAspect="1"/>
+          </p:cNvSpPr>
+          <p:nvPr>
+            <p:ph type="sldImg"/>
+          </p:nvPr>
+        </p:nvSpPr>
+        <p:spPr/>
+      </p:sp>
+      <p:sp>
+        <p:nvSpPr>
+          <p:cNvPr id="3" name="Notes Placeholder 2">
+            <a:extLst>
+              <a:ext uri="{FF2B5EF4-FFF2-40B4-BE49-F238E27FC236}">
+                <a16:creationId xmlns:a16="http://schemas.microsoft.com/office/drawing/2014/main" id="{7072DC79-4824-EFC0-990A-613D3D0042D1}"/>
+              </a:ext>
+            </a:extLst>
+          </p:cNvPr>
+          <p:cNvSpPr>
+            <a:spLocks noGrp="1"/>
+          </p:cNvSpPr>
+          <p:nvPr>
+            <p:ph type="body" idx="1"/>
+          </p:nvPr>
+        </p:nvSpPr>
+        <p:spPr/>
+        <p:txBody>
+          <a:bodyPr/>
+          <a:lstStyle/>
+          <a:p>
+            <a:endParaRPr lang="en-US" dirty="0"/>
+          </a:p>
+        </p:txBody>
+      </p:sp>
+      <p:sp>
+        <p:nvSpPr>
+          <p:cNvPr id="4" name="Slide Number Placeholder 3">
+            <a:extLst>
+              <a:ext uri="{FF2B5EF4-FFF2-40B4-BE49-F238E27FC236}">
+                <a16:creationId xmlns:a16="http://schemas.microsoft.com/office/drawing/2014/main" id="{E867784D-03FA-B5F0-C1ED-1D006BE9DAAD}"/>
+              </a:ext>
+            </a:extLst>
+          </p:cNvPr>
+          <p:cNvSpPr>
+            <a:spLocks noGrp="1"/>
+          </p:cNvSpPr>
+          <p:nvPr>
+            <p:ph type="sldNum" sz="quarter" idx="5"/>
+          </p:nvPr>
+        </p:nvSpPr>
+        <p:spPr/>
+        <p:txBody>
+          <a:bodyPr/>
+          <a:lstStyle/>
+          <a:p>
+            <a:fld id="{2481A707-0A4C-444E-BBAC-8F56E4534DF7}" type="slidenum">
+              <a:rPr lang="en-US" smtClean="0"/>
+              <a:t>2</a:t>
+            </a:fld>
+            <a:endParaRPr lang="en-US" dirty="0"/>
+          </a:p>
+        </p:txBody>
+      </p:sp>
+    </p:spTree>
+    <p:extLst>
+      <p:ext uri="{BB962C8B-B14F-4D97-AF65-F5344CB8AC3E}">
+        <p14:creationId xmlns:p14="http://schemas.microsoft.com/office/powerpoint/2010/main" val="2262821763"/>
+      </p:ext>
+    </p:extLst>
+  </p:cSld>
+  <p:clrMapOvr>
+    <a:masterClrMapping/>
+  </p:clrMapOvr>
+</p:notes>
+</file>
+
+<file path=ppt/notesSlides/notesSlide20.xml><?xml version="1.0" encoding="utf-8"?>
+<p:notes xmlns:a="http://schemas.openxmlformats.org/drawingml/2006/main" xmlns:r="http://schemas.openxmlformats.org/officeDocument/2006/relationships" xmlns:p="http://schemas.openxmlformats.org/presentationml/2006/main">
+  <p:cSld>
+    <p:spTree>
+      <p:nvGrpSpPr>
+        <p:cNvPr id="1" name="">
+          <a:extLst>
+            <a:ext uri="{FF2B5EF4-FFF2-40B4-BE49-F238E27FC236}">
+              <a16:creationId xmlns:a16="http://schemas.microsoft.com/office/drawing/2014/main" id="{F867F575-13CF-2FBE-49FC-AFCC23C2EC06}"/>
+            </a:ext>
+          </a:extLst>
+        </p:cNvPr>
+        <p:cNvGrpSpPr/>
+        <p:nvPr/>
+      </p:nvGrpSpPr>
+      <p:grpSpPr>
+        <a:xfrm>
+          <a:off x="0" y="0"/>
+          <a:ext cx="0" cy="0"/>
+          <a:chOff x="0" y="0"/>
+          <a:chExt cx="0" cy="0"/>
+        </a:xfrm>
+      </p:grpSpPr>
+      <p:sp>
+        <p:nvSpPr>
+          <p:cNvPr id="2" name="Slide Image Placeholder 1">
+            <a:extLst>
+              <a:ext uri="{FF2B5EF4-FFF2-40B4-BE49-F238E27FC236}">
+                <a16:creationId xmlns:a16="http://schemas.microsoft.com/office/drawing/2014/main" id="{74E8810E-7BCF-47A8-4721-A9188B21171B}"/>
+              </a:ext>
+            </a:extLst>
+          </p:cNvPr>
+          <p:cNvSpPr>
+            <a:spLocks noGrp="1" noRot="1" noChangeAspect="1"/>
+          </p:cNvSpPr>
+          <p:nvPr>
+            <p:ph type="sldImg"/>
+          </p:nvPr>
+        </p:nvSpPr>
+        <p:spPr/>
+      </p:sp>
+      <p:sp>
+        <p:nvSpPr>
+          <p:cNvPr id="3" name="Notes Placeholder 2">
+            <a:extLst>
+              <a:ext uri="{FF2B5EF4-FFF2-40B4-BE49-F238E27FC236}">
+                <a16:creationId xmlns:a16="http://schemas.microsoft.com/office/drawing/2014/main" id="{31A1E4B0-AF81-943B-B6F4-71965DB15E7A}"/>
+              </a:ext>
+            </a:extLst>
+          </p:cNvPr>
+          <p:cNvSpPr>
+            <a:spLocks noGrp="1"/>
+          </p:cNvSpPr>
+          <p:nvPr>
+            <p:ph type="body" idx="1"/>
+          </p:nvPr>
+        </p:nvSpPr>
+        <p:spPr/>
+        <p:txBody>
+          <a:bodyPr/>
+          <a:lstStyle/>
+          <a:p>
+            <a:endParaRPr lang="en-US" dirty="0"/>
+          </a:p>
+        </p:txBody>
+      </p:sp>
+      <p:sp>
+        <p:nvSpPr>
+          <p:cNvPr id="4" name="Slide Number Placeholder 3">
+            <a:extLst>
+              <a:ext uri="{FF2B5EF4-FFF2-40B4-BE49-F238E27FC236}">
+                <a16:creationId xmlns:a16="http://schemas.microsoft.com/office/drawing/2014/main" id="{AA291FED-1B38-3151-F19D-964E9F07B4F7}"/>
+              </a:ext>
+            </a:extLst>
+          </p:cNvPr>
+          <p:cNvSpPr>
+            <a:spLocks noGrp="1"/>
+          </p:cNvSpPr>
+          <p:nvPr>
+            <p:ph type="sldNum" sz="quarter" idx="5"/>
+          </p:nvPr>
+        </p:nvSpPr>
+        <p:spPr/>
+        <p:txBody>
+          <a:bodyPr/>
+          <a:lstStyle/>
+          <a:p>
+            <a:fld id="{2481A707-0A4C-444E-BBAC-8F56E4534DF7}" type="slidenum">
+              <a:rPr lang="en-US" smtClean="0"/>
+              <a:t>20</a:t>
+            </a:fld>
+            <a:endParaRPr lang="en-US" dirty="0"/>
+          </a:p>
+        </p:txBody>
+      </p:sp>
+    </p:spTree>
+    <p:extLst>
+      <p:ext uri="{BB962C8B-B14F-4D97-AF65-F5344CB8AC3E}">
+        <p14:creationId xmlns:p14="http://schemas.microsoft.com/office/powerpoint/2010/main" val="34158124"/>
+      </p:ext>
+    </p:extLst>
+  </p:cSld>
+  <p:clrMapOvr>
+    <a:masterClrMapping/>
+  </p:clrMapOvr>
+</p:notes>
+</file>
+
+<file path=ppt/notesSlides/notesSlide21.xml><?xml version="1.0" encoding="utf-8"?>
+<p:notes xmlns:a="http://schemas.openxmlformats.org/drawingml/2006/main" xmlns:r="http://schemas.openxmlformats.org/officeDocument/2006/relationships" xmlns:p="http://schemas.openxmlformats.org/presentationml/2006/main">
+  <p:cSld>
+    <p:spTree>
+      <p:nvGrpSpPr>
+        <p:cNvPr id="1" name="">
+          <a:extLst>
+            <a:ext uri="{FF2B5EF4-FFF2-40B4-BE49-F238E27FC236}">
+              <a16:creationId xmlns:a16="http://schemas.microsoft.com/office/drawing/2014/main" id="{31CED5DF-CAF3-6E6E-3212-0A00341D9ECD}"/>
+            </a:ext>
+          </a:extLst>
+        </p:cNvPr>
+        <p:cNvGrpSpPr/>
+        <p:nvPr/>
+      </p:nvGrpSpPr>
+      <p:grpSpPr>
+        <a:xfrm>
+          <a:off x="0" y="0"/>
+          <a:ext cx="0" cy="0"/>
+          <a:chOff x="0" y="0"/>
+          <a:chExt cx="0" cy="0"/>
+        </a:xfrm>
+      </p:grpSpPr>
+      <p:sp>
+        <p:nvSpPr>
+          <p:cNvPr id="2" name="Slide Image Placeholder 1">
+            <a:extLst>
+              <a:ext uri="{FF2B5EF4-FFF2-40B4-BE49-F238E27FC236}">
+                <a16:creationId xmlns:a16="http://schemas.microsoft.com/office/drawing/2014/main" id="{E93BB888-5963-C36B-A7CD-F82A87B2A3B1}"/>
+              </a:ext>
+            </a:extLst>
+          </p:cNvPr>
+          <p:cNvSpPr>
+            <a:spLocks noGrp="1" noRot="1" noChangeAspect="1"/>
+          </p:cNvSpPr>
+          <p:nvPr>
+            <p:ph type="sldImg"/>
+          </p:nvPr>
+        </p:nvSpPr>
+        <p:spPr/>
+      </p:sp>
+      <p:sp>
+        <p:nvSpPr>
+          <p:cNvPr id="3" name="Notes Placeholder 2">
+            <a:extLst>
+              <a:ext uri="{FF2B5EF4-FFF2-40B4-BE49-F238E27FC236}">
+                <a16:creationId xmlns:a16="http://schemas.microsoft.com/office/drawing/2014/main" id="{FF7AFAEE-4AC6-0939-EF27-36B5FF73C63D}"/>
+              </a:ext>
+            </a:extLst>
+          </p:cNvPr>
+          <p:cNvSpPr>
+            <a:spLocks noGrp="1"/>
+          </p:cNvSpPr>
+          <p:nvPr>
+            <p:ph type="body" idx="1"/>
+          </p:nvPr>
+        </p:nvSpPr>
+        <p:spPr/>
+        <p:txBody>
+          <a:bodyPr/>
+          <a:lstStyle/>
+          <a:p>
+            <a:endParaRPr lang="en-US" dirty="0"/>
+          </a:p>
+        </p:txBody>
+      </p:sp>
+      <p:sp>
+        <p:nvSpPr>
+          <p:cNvPr id="4" name="Slide Number Placeholder 3">
+            <a:extLst>
+              <a:ext uri="{FF2B5EF4-FFF2-40B4-BE49-F238E27FC236}">
+                <a16:creationId xmlns:a16="http://schemas.microsoft.com/office/drawing/2014/main" id="{C29AF926-7DCA-B25F-46EE-AD9674353FC6}"/>
+              </a:ext>
+            </a:extLst>
+          </p:cNvPr>
+          <p:cNvSpPr>
+            <a:spLocks noGrp="1"/>
+          </p:cNvSpPr>
+          <p:nvPr>
+            <p:ph type="sldNum" sz="quarter" idx="5"/>
+          </p:nvPr>
+        </p:nvSpPr>
+        <p:spPr/>
+        <p:txBody>
+          <a:bodyPr/>
+          <a:lstStyle/>
+          <a:p>
+            <a:fld id="{2481A707-0A4C-444E-BBAC-8F56E4534DF7}" type="slidenum">
+              <a:rPr lang="en-US" smtClean="0"/>
+              <a:t>21</a:t>
+            </a:fld>
+            <a:endParaRPr lang="en-US" dirty="0"/>
+          </a:p>
+        </p:txBody>
+      </p:sp>
+    </p:spTree>
+    <p:extLst>
+      <p:ext uri="{BB962C8B-B14F-4D97-AF65-F5344CB8AC3E}">
+        <p14:creationId xmlns:p14="http://schemas.microsoft.com/office/powerpoint/2010/main" val="3168637787"/>
+      </p:ext>
+    </p:extLst>
+  </p:cSld>
+  <p:clrMapOvr>
+    <a:masterClrMapping/>
+  </p:clrMapOvr>
+</p:notes>
+</file>
+
+<file path=ppt/notesSlides/notesSlide22.xml><?xml version="1.0" encoding="utf-8"?>
+<p:notes xmlns:a="http://schemas.openxmlformats.org/drawingml/2006/main" xmlns:r="http://schemas.openxmlformats.org/officeDocument/2006/relationships" xmlns:p="http://schemas.openxmlformats.org/presentationml/2006/main">
+  <p:cSld>
+    <p:spTree>
+      <p:nvGrpSpPr>
+        <p:cNvPr id="1" name="">
+          <a:extLst>
+            <a:ext uri="{FF2B5EF4-FFF2-40B4-BE49-F238E27FC236}">
+              <a16:creationId xmlns:a16="http://schemas.microsoft.com/office/drawing/2014/main" id="{6451B88B-8A71-0F1A-067C-ACC7BE4D9F81}"/>
+            </a:ext>
+          </a:extLst>
+        </p:cNvPr>
+        <p:cNvGrpSpPr/>
+        <p:nvPr/>
+      </p:nvGrpSpPr>
+      <p:grpSpPr>
+        <a:xfrm>
+          <a:off x="0" y="0"/>
+          <a:ext cx="0" cy="0"/>
+          <a:chOff x="0" y="0"/>
+          <a:chExt cx="0" cy="0"/>
+        </a:xfrm>
+      </p:grpSpPr>
+      <p:sp>
+        <p:nvSpPr>
+          <p:cNvPr id="2" name="Slide Image Placeholder 1">
+            <a:extLst>
+              <a:ext uri="{FF2B5EF4-FFF2-40B4-BE49-F238E27FC236}">
+                <a16:creationId xmlns:a16="http://schemas.microsoft.com/office/drawing/2014/main" id="{78F0EB87-8DDF-E18A-915E-0AD780B94AEA}"/>
+              </a:ext>
+            </a:extLst>
+          </p:cNvPr>
+          <p:cNvSpPr>
+            <a:spLocks noGrp="1" noRot="1" noChangeAspect="1"/>
+          </p:cNvSpPr>
+          <p:nvPr>
+            <p:ph type="sldImg"/>
+          </p:nvPr>
+        </p:nvSpPr>
+        <p:spPr/>
+      </p:sp>
+      <p:sp>
+        <p:nvSpPr>
+          <p:cNvPr id="3" name="Notes Placeholder 2">
+            <a:extLst>
+              <a:ext uri="{FF2B5EF4-FFF2-40B4-BE49-F238E27FC236}">
+                <a16:creationId xmlns:a16="http://schemas.microsoft.com/office/drawing/2014/main" id="{8A2A9E12-43BD-46B3-BC91-DCA40B0104B0}"/>
+              </a:ext>
+            </a:extLst>
+          </p:cNvPr>
+          <p:cNvSpPr>
+            <a:spLocks noGrp="1"/>
+          </p:cNvSpPr>
+          <p:nvPr>
+            <p:ph type="body" idx="1"/>
+          </p:nvPr>
+        </p:nvSpPr>
+        <p:spPr/>
+        <p:txBody>
+          <a:bodyPr/>
+          <a:lstStyle/>
+          <a:p>
+            <a:endParaRPr lang="en-US" dirty="0"/>
+          </a:p>
+        </p:txBody>
+      </p:sp>
+      <p:sp>
+        <p:nvSpPr>
+          <p:cNvPr id="4" name="Slide Number Placeholder 3">
+            <a:extLst>
+              <a:ext uri="{FF2B5EF4-FFF2-40B4-BE49-F238E27FC236}">
+                <a16:creationId xmlns:a16="http://schemas.microsoft.com/office/drawing/2014/main" id="{78E2421A-C25E-A214-66D0-AF4FD13B1EF4}"/>
+              </a:ext>
+            </a:extLst>
+          </p:cNvPr>
+          <p:cNvSpPr>
+            <a:spLocks noGrp="1"/>
+          </p:cNvSpPr>
+          <p:nvPr>
+            <p:ph type="sldNum" sz="quarter" idx="5"/>
+          </p:nvPr>
+        </p:nvSpPr>
+        <p:spPr/>
+        <p:txBody>
+          <a:bodyPr/>
+          <a:lstStyle/>
+          <a:p>
+            <a:fld id="{2481A707-0A4C-444E-BBAC-8F56E4534DF7}" type="slidenum">
+              <a:rPr lang="en-US" smtClean="0"/>
+              <a:t>22</a:t>
+            </a:fld>
+            <a:endParaRPr lang="en-US" dirty="0"/>
+          </a:p>
+        </p:txBody>
+      </p:sp>
+    </p:spTree>
+    <p:extLst>
+      <p:ext uri="{BB962C8B-B14F-4D97-AF65-F5344CB8AC3E}">
+        <p14:creationId xmlns:p14="http://schemas.microsoft.com/office/powerpoint/2010/main" val="1579939244"/>
+      </p:ext>
+    </p:extLst>
+  </p:cSld>
+  <p:clrMapOvr>
+    <a:masterClrMapping/>
+  </p:clrMapOvr>
+</p:notes>
+</file>
+
+<file path=ppt/notesSlides/notesSlide23.xml><?xml version="1.0" encoding="utf-8"?>
+<p:notes xmlns:a="http://schemas.openxmlformats.org/drawingml/2006/main" xmlns:r="http://schemas.openxmlformats.org/officeDocument/2006/relationships" xmlns:p="http://schemas.openxmlformats.org/presentationml/2006/main">
+  <p:cSld>
+    <p:spTree>
+      <p:nvGrpSpPr>
+        <p:cNvPr id="1" name="">
+          <a:extLst>
+            <a:ext uri="{FF2B5EF4-FFF2-40B4-BE49-F238E27FC236}">
+              <a16:creationId xmlns:a16="http://schemas.microsoft.com/office/drawing/2014/main" id="{840AEF2D-759F-C2FB-DBBC-87B46E87DA2F}"/>
+            </a:ext>
+          </a:extLst>
+        </p:cNvPr>
+        <p:cNvGrpSpPr/>
+        <p:nvPr/>
+      </p:nvGrpSpPr>
+      <p:grpSpPr>
+        <a:xfrm>
+          <a:off x="0" y="0"/>
+          <a:ext cx="0" cy="0"/>
+          <a:chOff x="0" y="0"/>
+          <a:chExt cx="0" cy="0"/>
+        </a:xfrm>
+      </p:grpSpPr>
+      <p:sp>
+        <p:nvSpPr>
+          <p:cNvPr id="2" name="Slide Image Placeholder 1">
+            <a:extLst>
+              <a:ext uri="{FF2B5EF4-FFF2-40B4-BE49-F238E27FC236}">
+                <a16:creationId xmlns:a16="http://schemas.microsoft.com/office/drawing/2014/main" id="{2749BBC4-26E0-D72A-A174-FA4214D66879}"/>
+              </a:ext>
+            </a:extLst>
+          </p:cNvPr>
+          <p:cNvSpPr>
+            <a:spLocks noGrp="1" noRot="1" noChangeAspect="1"/>
+          </p:cNvSpPr>
+          <p:nvPr>
+            <p:ph type="sldImg"/>
+          </p:nvPr>
+        </p:nvSpPr>
+        <p:spPr/>
+      </p:sp>
+      <p:sp>
+        <p:nvSpPr>
+          <p:cNvPr id="3" name="Notes Placeholder 2">
+            <a:extLst>
+              <a:ext uri="{FF2B5EF4-FFF2-40B4-BE49-F238E27FC236}">
+                <a16:creationId xmlns:a16="http://schemas.microsoft.com/office/drawing/2014/main" id="{888148A5-6D2B-FF18-3349-7DF80D5A9BB4}"/>
+              </a:ext>
+            </a:extLst>
+          </p:cNvPr>
+          <p:cNvSpPr>
+            <a:spLocks noGrp="1"/>
+          </p:cNvSpPr>
+          <p:nvPr>
+            <p:ph type="body" idx="1"/>
+          </p:nvPr>
+        </p:nvSpPr>
+        <p:spPr/>
+        <p:txBody>
+          <a:bodyPr/>
+          <a:lstStyle/>
+          <a:p>
+            <a:endParaRPr lang="en-US" dirty="0"/>
+          </a:p>
+        </p:txBody>
+      </p:sp>
+      <p:sp>
+        <p:nvSpPr>
+          <p:cNvPr id="4" name="Slide Number Placeholder 3">
+            <a:extLst>
+              <a:ext uri="{FF2B5EF4-FFF2-40B4-BE49-F238E27FC236}">
+                <a16:creationId xmlns:a16="http://schemas.microsoft.com/office/drawing/2014/main" id="{9696670F-BB6A-0402-116C-8AD39E1C11F3}"/>
+              </a:ext>
+            </a:extLst>
+          </p:cNvPr>
+          <p:cNvSpPr>
+            <a:spLocks noGrp="1"/>
+          </p:cNvSpPr>
+          <p:nvPr>
+            <p:ph type="sldNum" sz="quarter" idx="5"/>
+          </p:nvPr>
+        </p:nvSpPr>
+        <p:spPr/>
+        <p:txBody>
+          <a:bodyPr/>
+          <a:lstStyle/>
+          <a:p>
+            <a:fld id="{2481A707-0A4C-444E-BBAC-8F56E4534DF7}" type="slidenum">
+              <a:rPr lang="en-US" smtClean="0"/>
+              <a:t>23</a:t>
+            </a:fld>
+            <a:endParaRPr lang="en-US" dirty="0"/>
+          </a:p>
+        </p:txBody>
+      </p:sp>
+    </p:spTree>
+    <p:extLst>
+      <p:ext uri="{BB962C8B-B14F-4D97-AF65-F5344CB8AC3E}">
+        <p14:creationId xmlns:p14="http://schemas.microsoft.com/office/powerpoint/2010/main" val="3561602373"/>
+      </p:ext>
+    </p:extLst>
+  </p:cSld>
+  <p:clrMapOvr>
+    <a:masterClrMapping/>
+  </p:clrMapOvr>
+</p:notes>
+</file>
+
+<file path=ppt/notesSlides/notesSlide24.xml><?xml version="1.0" encoding="utf-8"?>
+<p:notes xmlns:a="http://schemas.openxmlformats.org/drawingml/2006/main" xmlns:r="http://schemas.openxmlformats.org/officeDocument/2006/relationships" xmlns:p="http://schemas.openxmlformats.org/presentationml/2006/main">
+  <p:cSld>
+    <p:spTree>
+      <p:nvGrpSpPr>
+        <p:cNvPr id="1" name="">
+          <a:extLst>
+            <a:ext uri="{FF2B5EF4-FFF2-40B4-BE49-F238E27FC236}">
               <a16:creationId xmlns:a16="http://schemas.microsoft.com/office/drawing/2014/main" id="{E8333B26-3930-582F-FE2F-AE5E4B4F363C}"/>
             </a:ext>
           </a:extLst>
@@ -1767,7 +2529,7 @@
           <a:p>
             <a:fld id="{2481A707-0A4C-444E-BBAC-8F56E4534DF7}" type="slidenum">
               <a:rPr lang="en-US" smtClean="0"/>
-              <a:t>18</a:t>
+              <a:t>24</a:t>
             </a:fld>
             <a:endParaRPr lang="en-US" dirty="0"/>
           </a:p>
@@ -1786,7 +2548,7 @@
 </p:notes>
 </file>
 
-<file path=ppt/notesSlides/notesSlide19.xml><?xml version="1.0" encoding="utf-8"?>
+<file path=ppt/notesSlides/notesSlide25.xml><?xml version="1.0" encoding="utf-8"?>
 <p:notes xmlns:a="http://schemas.openxmlformats.org/drawingml/2006/main" xmlns:r="http://schemas.openxmlformats.org/officeDocument/2006/relationships" xmlns:p="http://schemas.openxmlformats.org/presentationml/2006/main">
   <p:cSld>
     <p:spTree>
@@ -1851,7 +2613,7 @@
           <a:p>
             <a:fld id="{2481A707-0A4C-444E-BBAC-8F56E4534DF7}" type="slidenum">
               <a:rPr lang="en-US" smtClean="0"/>
-              <a:t>19</a:t>
+              <a:t>25</a:t>
             </a:fld>
             <a:endParaRPr lang="en-US" dirty="0"/>
           </a:p>
@@ -1861,114 +2623,6 @@
     <p:extLst>
       <p:ext uri="{BB962C8B-B14F-4D97-AF65-F5344CB8AC3E}">
         <p14:creationId xmlns:p14="http://schemas.microsoft.com/office/powerpoint/2010/main" val="2336193941"/>
-      </p:ext>
-    </p:extLst>
-  </p:cSld>
-  <p:clrMapOvr>
-    <a:masterClrMapping/>
-  </p:clrMapOvr>
-</p:notes>
-</file>
-
-<file path=ppt/notesSlides/notesSlide2.xml><?xml version="1.0" encoding="utf-8"?>
-<p:notes xmlns:a="http://schemas.openxmlformats.org/drawingml/2006/main" xmlns:r="http://schemas.openxmlformats.org/officeDocument/2006/relationships" xmlns:p="http://schemas.openxmlformats.org/presentationml/2006/main">
-  <p:cSld>
-    <p:spTree>
-      <p:nvGrpSpPr>
-        <p:cNvPr id="1" name="">
-          <a:extLst>
-            <a:ext uri="{FF2B5EF4-FFF2-40B4-BE49-F238E27FC236}">
-              <a16:creationId xmlns:a16="http://schemas.microsoft.com/office/drawing/2014/main" id="{60F1D321-1548-AE2B-7392-A201216B6291}"/>
-            </a:ext>
-          </a:extLst>
-        </p:cNvPr>
-        <p:cNvGrpSpPr/>
-        <p:nvPr/>
-      </p:nvGrpSpPr>
-      <p:grpSpPr>
-        <a:xfrm>
-          <a:off x="0" y="0"/>
-          <a:ext cx="0" cy="0"/>
-          <a:chOff x="0" y="0"/>
-          <a:chExt cx="0" cy="0"/>
-        </a:xfrm>
-      </p:grpSpPr>
-      <p:sp>
-        <p:nvSpPr>
-          <p:cNvPr id="2" name="Slide Image Placeholder 1">
-            <a:extLst>
-              <a:ext uri="{FF2B5EF4-FFF2-40B4-BE49-F238E27FC236}">
-                <a16:creationId xmlns:a16="http://schemas.microsoft.com/office/drawing/2014/main" id="{B51CB6E6-0AC5-75E5-1A67-FEAFD3507B1E}"/>
-              </a:ext>
-            </a:extLst>
-          </p:cNvPr>
-          <p:cNvSpPr>
-            <a:spLocks noGrp="1" noRot="1" noChangeAspect="1"/>
-          </p:cNvSpPr>
-          <p:nvPr>
-            <p:ph type="sldImg"/>
-          </p:nvPr>
-        </p:nvSpPr>
-        <p:spPr/>
-      </p:sp>
-      <p:sp>
-        <p:nvSpPr>
-          <p:cNvPr id="3" name="Notes Placeholder 2">
-            <a:extLst>
-              <a:ext uri="{FF2B5EF4-FFF2-40B4-BE49-F238E27FC236}">
-                <a16:creationId xmlns:a16="http://schemas.microsoft.com/office/drawing/2014/main" id="{7072DC79-4824-EFC0-990A-613D3D0042D1}"/>
-              </a:ext>
-            </a:extLst>
-          </p:cNvPr>
-          <p:cNvSpPr>
-            <a:spLocks noGrp="1"/>
-          </p:cNvSpPr>
-          <p:nvPr>
-            <p:ph type="body" idx="1"/>
-          </p:nvPr>
-        </p:nvSpPr>
-        <p:spPr/>
-        <p:txBody>
-          <a:bodyPr/>
-          <a:lstStyle/>
-          <a:p>
-            <a:endParaRPr lang="en-US" dirty="0"/>
-          </a:p>
-        </p:txBody>
-      </p:sp>
-      <p:sp>
-        <p:nvSpPr>
-          <p:cNvPr id="4" name="Slide Number Placeholder 3">
-            <a:extLst>
-              <a:ext uri="{FF2B5EF4-FFF2-40B4-BE49-F238E27FC236}">
-                <a16:creationId xmlns:a16="http://schemas.microsoft.com/office/drawing/2014/main" id="{E867784D-03FA-B5F0-C1ED-1D006BE9DAAD}"/>
-              </a:ext>
-            </a:extLst>
-          </p:cNvPr>
-          <p:cNvSpPr>
-            <a:spLocks noGrp="1"/>
-          </p:cNvSpPr>
-          <p:nvPr>
-            <p:ph type="sldNum" sz="quarter" idx="5"/>
-          </p:nvPr>
-        </p:nvSpPr>
-        <p:spPr/>
-        <p:txBody>
-          <a:bodyPr/>
-          <a:lstStyle/>
-          <a:p>
-            <a:fld id="{2481A707-0A4C-444E-BBAC-8F56E4534DF7}" type="slidenum">
-              <a:rPr lang="en-US" smtClean="0"/>
-              <a:t>2</a:t>
-            </a:fld>
-            <a:endParaRPr lang="en-US" dirty="0"/>
-          </a:p>
-        </p:txBody>
-      </p:sp>
-    </p:spTree>
-    <p:extLst>
-      <p:ext uri="{BB962C8B-B14F-4D97-AF65-F5344CB8AC3E}">
-        <p14:creationId xmlns:p14="http://schemas.microsoft.com/office/powerpoint/2010/main" val="2262821763"/>
       </p:ext>
     </p:extLst>
   </p:cSld>
@@ -10585,8 +11239,8 @@
         </p:nvSpPr>
         <p:spPr>
           <a:xfrm>
-            <a:off x="1448655" y="598267"/>
-            <a:ext cx="7086600" cy="646331"/>
+            <a:off x="471608" y="598267"/>
+            <a:ext cx="9586791" cy="1200329"/>
           </a:xfrm>
           <a:prstGeom prst="rect">
             <a:avLst/>
@@ -10601,14 +11255,22 @@
           <a:p>
             <a:pPr algn="ctr"/>
             <a:r>
-              <a:rPr lang="en-GB" sz="3600" b="1" dirty="0" err="1"/>
+              <a:rPr lang="en-US" sz="3600" b="1" dirty="0"/>
+              <a:t>4. Supervised Machine Learning Models</a:t>
+            </a:r>
+            <a:endParaRPr lang="en-GB" sz="3600" b="1" dirty="0"/>
+          </a:p>
+          <a:p>
+            <a:pPr algn="ctr"/>
+            <a:r>
+              <a:rPr lang="en-GB" sz="3600" dirty="0" err="1"/>
               <a:t>Preprocessing</a:t>
             </a:r>
             <a:r>
-              <a:rPr lang="en-GB" sz="3600" b="1" dirty="0"/>
+              <a:rPr lang="en-GB" sz="3600" dirty="0"/>
               <a:t> for Models</a:t>
             </a:r>
-            <a:endParaRPr lang="en-US" sz="1050" b="1" dirty="0">
+            <a:endParaRPr lang="en-US" sz="1050" dirty="0">
               <a:latin typeface="+mj-lt"/>
             </a:endParaRPr>
           </a:p>
@@ -10628,7 +11290,7 @@
         </p:nvSpPr>
         <p:spPr>
           <a:xfrm>
-            <a:off x="1528411" y="1737123"/>
+            <a:off x="1867078" y="2262055"/>
             <a:ext cx="8055856" cy="2677656"/>
           </a:xfrm>
           <a:prstGeom prst="rect">
@@ -10792,7 +11454,7 @@
           <a:bodyPr/>
           <a:lstStyle/>
           <a:p>
-            <a:endParaRPr lang="en-US"/>
+            <a:endParaRPr lang="en-US" dirty="0"/>
           </a:p>
         </p:txBody>
       </p:sp>
@@ -10818,7 +11480,7 @@
         </p:blipFill>
         <p:spPr>
           <a:xfrm>
-            <a:off x="198559" y="4005097"/>
+            <a:off x="198559" y="4614696"/>
             <a:ext cx="9586791" cy="2872989"/>
           </a:xfrm>
           <a:prstGeom prst="rect">
@@ -11304,10 +11966,10 @@
           <a:p>
             <a:pPr algn="ctr"/>
             <a:r>
-              <a:rPr lang="en-GB" sz="3200" b="1" dirty="0"/>
+              <a:rPr lang="en-GB" sz="3200" dirty="0"/>
               <a:t>Splitting the data into Training and Testing Sets </a:t>
             </a:r>
-            <a:endParaRPr lang="en-US" sz="3200" b="1" dirty="0">
+            <a:endParaRPr lang="en-US" sz="3200" dirty="0">
               <a:latin typeface="+mj-lt"/>
             </a:endParaRPr>
           </a:p>
@@ -12116,7 +12778,7 @@
           <a:p>
             <a:pPr algn="ctr"/>
             <a:r>
-              <a:rPr lang="en-GB" sz="3600" b="1" dirty="0"/>
+              <a:rPr lang="en-GB" sz="3600" dirty="0"/>
               <a:t>Standardize Data</a:t>
             </a:r>
           </a:p>
@@ -12806,7 +13468,7 @@
           <a:p>
             <a:pPr algn="ctr"/>
             <a:r>
-              <a:rPr lang="en-GB" sz="3200" b="1" i="0" dirty="0">
+              <a:rPr lang="en-GB" sz="3200" i="0" dirty="0">
                 <a:effectLst/>
               </a:rPr>
               <a:t>Handling Imbalanced Data </a:t>
@@ -12815,18 +13477,18 @@
           <a:p>
             <a:pPr algn="ctr"/>
             <a:r>
-              <a:rPr lang="en-GB" sz="3200" b="1" i="0" dirty="0">
+              <a:rPr lang="en-GB" sz="3200" i="0" dirty="0">
                 <a:effectLst/>
               </a:rPr>
               <a:t>	by Oversampling with SMOTE And </a:t>
             </a:r>
             <a:r>
-              <a:rPr lang="en-GB" sz="3200" b="1" i="0" dirty="0" err="1">
+              <a:rPr lang="en-GB" sz="3200" i="0" dirty="0" err="1">
                 <a:effectLst/>
               </a:rPr>
               <a:t>RandomOverSampler</a:t>
             </a:r>
-            <a:endParaRPr lang="en-GB" sz="3200" b="1" i="0" dirty="0">
+            <a:endParaRPr lang="en-GB" sz="3200" i="0" dirty="0">
               <a:effectLst/>
             </a:endParaRPr>
           </a:p>
@@ -13661,7 +14323,7 @@
         <p:spPr>
           <a:xfrm>
             <a:off x="1448655" y="690813"/>
-            <a:ext cx="7086600" cy="1200329"/>
+            <a:ext cx="7086600" cy="646331"/>
           </a:xfrm>
           <a:prstGeom prst="rect">
             <a:avLst/>
@@ -13676,10 +14338,10 @@
           <a:p>
             <a:pPr algn="ctr"/>
             <a:r>
-              <a:rPr lang="en-GB" sz="3600" b="1" dirty="0"/>
+              <a:rPr lang="en-GB" sz="3600" dirty="0"/>
               <a:t>Supervised Machine Learning Models</a:t>
             </a:r>
-            <a:endParaRPr lang="en-GB" sz="1400" b="1" dirty="0"/>
+            <a:endParaRPr lang="en-GB" sz="1400" dirty="0"/>
           </a:p>
         </p:txBody>
       </p:sp>
@@ -14602,27 +15264,19 @@
           <a:p>
             <a:pPr algn="ctr"/>
             <a:r>
-              <a:rPr lang="en-GB" sz="3200" dirty="0" err="1">
-                <a:latin typeface="Arial Black" panose="020B0A04020102020204" pitchFamily="34" charset="0"/>
-              </a:rPr>
+              <a:rPr lang="en-GB" sz="3200" dirty="0" err="1"/>
               <a:t>K_Nearest</a:t>
             </a:r>
             <a:r>
-              <a:rPr lang="en-GB" sz="3200" dirty="0">
-                <a:latin typeface="Arial Black" panose="020B0A04020102020204" pitchFamily="34" charset="0"/>
-              </a:rPr>
+              <a:rPr lang="en-GB" sz="3200" dirty="0"/>
               <a:t> </a:t>
             </a:r>
             <a:r>
-              <a:rPr lang="en-GB" sz="3200" dirty="0" err="1">
-                <a:latin typeface="Arial Black" panose="020B0A04020102020204" pitchFamily="34" charset="0"/>
-              </a:rPr>
+              <a:rPr lang="en-GB" sz="3200" dirty="0" err="1"/>
               <a:t>neighbors</a:t>
             </a:r>
             <a:r>
-              <a:rPr lang="en-GB" sz="3200" dirty="0">
-                <a:latin typeface="Arial Black" panose="020B0A04020102020204" pitchFamily="34" charset="0"/>
-              </a:rPr>
+              <a:rPr lang="en-GB" sz="3200" dirty="0"/>
               <a:t> Model And Logistic Regression Model</a:t>
             </a:r>
           </a:p>
@@ -15483,7 +16137,7 @@
           <a:p>
             <a:pPr algn="ctr"/>
             <a:r>
-              <a:rPr lang="en-GB" sz="3200" b="1" dirty="0"/>
+              <a:rPr lang="en-GB" sz="3200" dirty="0"/>
               <a:t>Decision Tree Model And Random Forest Model</a:t>
             </a:r>
           </a:p>
@@ -16230,7 +16884,7 @@
           <a:p>
             <a:pPr algn="ctr"/>
             <a:r>
-              <a:rPr lang="en-GB" sz="3200" b="1" i="0" dirty="0">
+              <a:rPr lang="en-GB" sz="3200" i="0" dirty="0">
                 <a:solidFill>
                   <a:srgbClr val="000000"/>
                 </a:solidFill>
@@ -16437,7 +17091,7 @@
         <p:cNvPr id="1" name="">
           <a:extLst>
             <a:ext uri="{FF2B5EF4-FFF2-40B4-BE49-F238E27FC236}">
-              <a16:creationId xmlns:a16="http://schemas.microsoft.com/office/drawing/2014/main" id="{19976652-C50D-0AED-59F5-520024B90CBE}"/>
+              <a16:creationId xmlns:a16="http://schemas.microsoft.com/office/drawing/2014/main" id="{25771B89-78F3-1078-2389-E52B3BBADD7C}"/>
             </a:ext>
           </a:extLst>
         </p:cNvPr>
@@ -16457,7 +17111,7 @@
           <p:cNvPr id="27" name="Rectangle 26">
             <a:extLst>
               <a:ext uri="{FF2B5EF4-FFF2-40B4-BE49-F238E27FC236}">
-                <a16:creationId xmlns:a16="http://schemas.microsoft.com/office/drawing/2014/main" id="{7BB21BAA-CED1-B16A-1DEE-E71B871D83E9}"/>
+                <a16:creationId xmlns:a16="http://schemas.microsoft.com/office/drawing/2014/main" id="{719AD404-EC56-A956-8381-EC360FC873AD}"/>
               </a:ext>
               <a:ext uri="{C183D7F6-B498-43B3-948B-1728B52AA6E4}">
                 <adec:decorative xmlns:adec="http://schemas.microsoft.com/office/drawing/2017/decorative" val="1"/>
@@ -16520,7 +17174,7 @@
           <p:cNvPr id="29" name="Freeform: Shape 28">
             <a:extLst>
               <a:ext uri="{FF2B5EF4-FFF2-40B4-BE49-F238E27FC236}">
-                <a16:creationId xmlns:a16="http://schemas.microsoft.com/office/drawing/2014/main" id="{59F97F45-7FAF-0965-515C-DF36AA4F4400}"/>
+                <a16:creationId xmlns:a16="http://schemas.microsoft.com/office/drawing/2014/main" id="{FB028C8D-A210-553F-8D54-15230B23320F}"/>
               </a:ext>
               <a:ext uri="{C183D7F6-B498-43B3-948B-1728B52AA6E4}">
                 <adec:decorative xmlns:adec="http://schemas.microsoft.com/office/drawing/2017/decorative" val="1"/>
@@ -16636,7 +17290,7 @@
           <p:cNvPr id="31" name="Rectangle 30">
             <a:extLst>
               <a:ext uri="{FF2B5EF4-FFF2-40B4-BE49-F238E27FC236}">
-                <a16:creationId xmlns:a16="http://schemas.microsoft.com/office/drawing/2014/main" id="{C8E56BDA-4F67-DA7E-D11A-F7C40647ADE6}"/>
+                <a16:creationId xmlns:a16="http://schemas.microsoft.com/office/drawing/2014/main" id="{B51533BF-0111-11BD-DD70-6E53B41D825A}"/>
               </a:ext>
               <a:ext uri="{C183D7F6-B498-43B3-948B-1728B52AA6E4}">
                 <adec:decorative xmlns:adec="http://schemas.microsoft.com/office/drawing/2017/decorative" val="1"/>
@@ -16701,7 +17355,7 @@
           <p:cNvPr id="33" name="Rectangle 32">
             <a:extLst>
               <a:ext uri="{FF2B5EF4-FFF2-40B4-BE49-F238E27FC236}">
-                <a16:creationId xmlns:a16="http://schemas.microsoft.com/office/drawing/2014/main" id="{1AEBF9B3-2C45-A7B0-CBD6-7ACEF01BA03C}"/>
+                <a16:creationId xmlns:a16="http://schemas.microsoft.com/office/drawing/2014/main" id="{04FD91C9-485D-30B6-4EBA-F726CEE6C2E7}"/>
               </a:ext>
               <a:ext uri="{C183D7F6-B498-43B3-948B-1728B52AA6E4}">
                 <adec:decorative xmlns:adec="http://schemas.microsoft.com/office/drawing/2017/decorative" val="1"/>
@@ -16766,7 +17420,7 @@
           <p:cNvPr id="35" name="Freeform: Shape 34">
             <a:extLst>
               <a:ext uri="{FF2B5EF4-FFF2-40B4-BE49-F238E27FC236}">
-                <a16:creationId xmlns:a16="http://schemas.microsoft.com/office/drawing/2014/main" id="{9683BA8B-41AC-57DC-440A-8E392CF1D52A}"/>
+                <a16:creationId xmlns:a16="http://schemas.microsoft.com/office/drawing/2014/main" id="{3A207A45-550B-69DF-3581-86563D3EA77F}"/>
               </a:ext>
               <a:ext uri="{C183D7F6-B498-43B3-948B-1728B52AA6E4}">
                 <adec:decorative xmlns:adec="http://schemas.microsoft.com/office/drawing/2017/decorative" val="1"/>
@@ -16876,7 +17530,7 @@
           <p:cNvPr id="37" name="Isosceles Triangle 36">
             <a:extLst>
               <a:ext uri="{FF2B5EF4-FFF2-40B4-BE49-F238E27FC236}">
-                <a16:creationId xmlns:a16="http://schemas.microsoft.com/office/drawing/2014/main" id="{D21B866A-A77B-1BB1-62F9-4A0813EBCE97}"/>
+                <a16:creationId xmlns:a16="http://schemas.microsoft.com/office/drawing/2014/main" id="{A6C14D16-CF93-A95A-986D-92E1B9B065EF}"/>
               </a:ext>
               <a:ext uri="{C183D7F6-B498-43B3-948B-1728B52AA6E4}">
                 <adec:decorative xmlns:adec="http://schemas.microsoft.com/office/drawing/2017/decorative" val="1"/>
@@ -16936,46 +17590,12 @@
           </a:p>
         </p:txBody>
       </p:sp>
-      <p:pic>
-        <p:nvPicPr>
-          <p:cNvPr id="22" name="Picture Placeholder 21">
-            <a:extLst>
-              <a:ext uri="{FF2B5EF4-FFF2-40B4-BE49-F238E27FC236}">
-                <a16:creationId xmlns:a16="http://schemas.microsoft.com/office/drawing/2014/main" id="{A15C48D8-1E7C-8255-8356-E6FB553D0FC0}"/>
-              </a:ext>
-            </a:extLst>
-          </p:cNvPr>
-          <p:cNvPicPr>
-            <a:picLocks noGrp="1" noChangeAspect="1"/>
-          </p:cNvPicPr>
-          <p:nvPr>
-            <p:ph type="pic" sz="quarter" idx="11"/>
-          </p:nvPr>
-        </p:nvPicPr>
-        <p:blipFill>
-          <a:blip r:embed="rId3"/>
-          <a:srcRect t="4962" b="4962"/>
-          <a:stretch/>
-        </p:blipFill>
-        <p:spPr>
-          <a:xfrm>
-            <a:off x="0" y="4700588"/>
-            <a:ext cx="10058400" cy="3071812"/>
-          </a:xfrm>
-          <a:prstGeom prst="rect">
-            <a:avLst/>
-          </a:prstGeom>
-          <a:ln>
-            <a:noFill/>
-          </a:ln>
-        </p:spPr>
-      </p:pic>
       <p:sp>
         <p:nvSpPr>
           <p:cNvPr id="39" name="Isosceles Triangle 38">
             <a:extLst>
               <a:ext uri="{FF2B5EF4-FFF2-40B4-BE49-F238E27FC236}">
-                <a16:creationId xmlns:a16="http://schemas.microsoft.com/office/drawing/2014/main" id="{2F03BE48-83EC-1FB1-519E-B8C8262286CB}"/>
+                <a16:creationId xmlns:a16="http://schemas.microsoft.com/office/drawing/2014/main" id="{752A1C17-3FE1-5971-3B19-C6A942101EFD}"/>
               </a:ext>
               <a:ext uri="{C183D7F6-B498-43B3-948B-1728B52AA6E4}">
                 <adec:decorative xmlns:adec="http://schemas.microsoft.com/office/drawing/2017/decorative" val="1"/>
@@ -17037,6 +17657,6323 @@
       </p:sp>
       <p:sp>
         <p:nvSpPr>
+          <p:cNvPr id="3" name="Picture Placeholder 2">
+            <a:extLst>
+              <a:ext uri="{FF2B5EF4-FFF2-40B4-BE49-F238E27FC236}">
+                <a16:creationId xmlns:a16="http://schemas.microsoft.com/office/drawing/2014/main" id="{C6C5F52C-B3E8-F44E-AD27-F062435C97E1}"/>
+              </a:ext>
+            </a:extLst>
+          </p:cNvPr>
+          <p:cNvSpPr>
+            <a:spLocks noGrp="1"/>
+          </p:cNvSpPr>
+          <p:nvPr>
+            <p:ph type="pic" sz="quarter" idx="11"/>
+          </p:nvPr>
+        </p:nvSpPr>
+        <p:spPr/>
+        <p:txBody>
+          <a:bodyPr/>
+          <a:lstStyle/>
+          <a:p>
+            <a:endParaRPr lang="en-US"/>
+          </a:p>
+        </p:txBody>
+      </p:sp>
+      <p:sp>
+        <p:nvSpPr>
+          <p:cNvPr id="2" name="TextBox 1">
+            <a:extLst>
+              <a:ext uri="{FF2B5EF4-FFF2-40B4-BE49-F238E27FC236}">
+                <a16:creationId xmlns:a16="http://schemas.microsoft.com/office/drawing/2014/main" id="{5C6D6D19-40D6-AFA6-B06A-CC5797480E68}"/>
+              </a:ext>
+            </a:extLst>
+          </p:cNvPr>
+          <p:cNvSpPr txBox="1"/>
+          <p:nvPr/>
+        </p:nvSpPr>
+        <p:spPr>
+          <a:xfrm>
+            <a:off x="333506" y="800209"/>
+            <a:ext cx="9569239" cy="584775"/>
+          </a:xfrm>
+          <a:prstGeom prst="rect">
+            <a:avLst/>
+          </a:prstGeom>
+          <a:noFill/>
+        </p:spPr>
+        <p:txBody>
+          <a:bodyPr wrap="square" rtlCol="0">
+            <a:spAutoFit/>
+          </a:bodyPr>
+          <a:lstStyle/>
+          <a:p>
+            <a:pPr algn="ctr"/>
+            <a:r>
+              <a:rPr lang="en-GB" sz="3200" dirty="0"/>
+              <a:t>Decision Tree Model And Random Forest Model</a:t>
+            </a:r>
+          </a:p>
+        </p:txBody>
+      </p:sp>
+      <p:pic>
+        <p:nvPicPr>
+          <p:cNvPr id="4" name="Picture 3">
+            <a:extLst>
+              <a:ext uri="{FF2B5EF4-FFF2-40B4-BE49-F238E27FC236}">
+                <a16:creationId xmlns:a16="http://schemas.microsoft.com/office/drawing/2014/main" id="{9AD562D1-94B8-2D39-AD0A-6CDEC757A29A}"/>
+              </a:ext>
+            </a:extLst>
+          </p:cNvPr>
+          <p:cNvPicPr>
+            <a:picLocks noChangeAspect="1"/>
+          </p:cNvPicPr>
+          <p:nvPr/>
+        </p:nvPicPr>
+        <p:blipFill>
+          <a:blip r:embed="rId3"/>
+          <a:stretch>
+            <a:fillRect/>
+          </a:stretch>
+        </p:blipFill>
+        <p:spPr>
+          <a:xfrm>
+            <a:off x="733125" y="1618384"/>
+            <a:ext cx="4913965" cy="3329077"/>
+          </a:xfrm>
+          <a:prstGeom prst="rect">
+            <a:avLst/>
+          </a:prstGeom>
+        </p:spPr>
+      </p:pic>
+      <p:sp>
+        <p:nvSpPr>
+          <p:cNvPr id="6" name="Arrow: Right 5">
+            <a:extLst>
+              <a:ext uri="{FF2B5EF4-FFF2-40B4-BE49-F238E27FC236}">
+                <a16:creationId xmlns:a16="http://schemas.microsoft.com/office/drawing/2014/main" id="{F9B0E4F8-7F82-0561-FAC8-B6A07A97764E}"/>
+              </a:ext>
+            </a:extLst>
+          </p:cNvPr>
+          <p:cNvSpPr/>
+          <p:nvPr/>
+        </p:nvSpPr>
+        <p:spPr>
+          <a:xfrm>
+            <a:off x="5734214" y="2733643"/>
+            <a:ext cx="930935" cy="149324"/>
+          </a:xfrm>
+          <a:prstGeom prst="rightArrow">
+            <a:avLst/>
+          </a:prstGeom>
+        </p:spPr>
+        <p:style>
+          <a:lnRef idx="2">
+            <a:schemeClr val="accent1">
+              <a:shade val="15000"/>
+            </a:schemeClr>
+          </a:lnRef>
+          <a:fillRef idx="1">
+            <a:schemeClr val="accent1"/>
+          </a:fillRef>
+          <a:effectRef idx="0">
+            <a:schemeClr val="accent1"/>
+          </a:effectRef>
+          <a:fontRef idx="minor">
+            <a:schemeClr val="lt1"/>
+          </a:fontRef>
+        </p:style>
+        <p:txBody>
+          <a:bodyPr rtlCol="0" anchor="ctr"/>
+          <a:lstStyle/>
+          <a:p>
+            <a:pPr algn="ctr"/>
+            <a:endParaRPr lang="en-GB"/>
+          </a:p>
+        </p:txBody>
+      </p:sp>
+      <p:pic>
+        <p:nvPicPr>
+          <p:cNvPr id="7" name="Picture 6">
+            <a:extLst>
+              <a:ext uri="{FF2B5EF4-FFF2-40B4-BE49-F238E27FC236}">
+                <a16:creationId xmlns:a16="http://schemas.microsoft.com/office/drawing/2014/main" id="{DAC8BDED-72F8-13D0-8E49-E06BBA25C9DD}"/>
+              </a:ext>
+            </a:extLst>
+          </p:cNvPr>
+          <p:cNvPicPr>
+            <a:picLocks noChangeAspect="1"/>
+          </p:cNvPicPr>
+          <p:nvPr/>
+        </p:nvPicPr>
+        <p:blipFill>
+          <a:blip r:embed="rId4"/>
+          <a:stretch>
+            <a:fillRect/>
+          </a:stretch>
+        </p:blipFill>
+        <p:spPr>
+          <a:xfrm>
+            <a:off x="6737438" y="1475997"/>
+            <a:ext cx="2212272" cy="1981486"/>
+          </a:xfrm>
+          <a:prstGeom prst="rect">
+            <a:avLst/>
+          </a:prstGeom>
+        </p:spPr>
+      </p:pic>
+      <p:pic>
+        <p:nvPicPr>
+          <p:cNvPr id="8" name="Picture 7">
+            <a:extLst>
+              <a:ext uri="{FF2B5EF4-FFF2-40B4-BE49-F238E27FC236}">
+                <a16:creationId xmlns:a16="http://schemas.microsoft.com/office/drawing/2014/main" id="{E99A1F55-C470-D2D8-969B-7158BE808805}"/>
+              </a:ext>
+            </a:extLst>
+          </p:cNvPr>
+          <p:cNvPicPr>
+            <a:picLocks noChangeAspect="1"/>
+          </p:cNvPicPr>
+          <p:nvPr/>
+        </p:nvPicPr>
+        <p:blipFill>
+          <a:blip r:embed="rId5"/>
+          <a:stretch>
+            <a:fillRect/>
+          </a:stretch>
+        </p:blipFill>
+        <p:spPr>
+          <a:xfrm>
+            <a:off x="6923718" y="3454452"/>
+            <a:ext cx="2047996" cy="1965967"/>
+          </a:xfrm>
+          <a:prstGeom prst="rect">
+            <a:avLst/>
+          </a:prstGeom>
+        </p:spPr>
+      </p:pic>
+      <p:sp>
+        <p:nvSpPr>
+          <p:cNvPr id="9" name="Arrow: Right 10">
+            <a:extLst>
+              <a:ext uri="{FF2B5EF4-FFF2-40B4-BE49-F238E27FC236}">
+                <a16:creationId xmlns:a16="http://schemas.microsoft.com/office/drawing/2014/main" id="{F5905672-9F34-93EA-CF1A-8E933E0B9490}"/>
+              </a:ext>
+            </a:extLst>
+          </p:cNvPr>
+          <p:cNvSpPr/>
+          <p:nvPr/>
+        </p:nvSpPr>
+        <p:spPr>
+          <a:xfrm>
+            <a:off x="5798855" y="3724781"/>
+            <a:ext cx="930935" cy="149324"/>
+          </a:xfrm>
+          <a:prstGeom prst="rightArrow">
+            <a:avLst/>
+          </a:prstGeom>
+        </p:spPr>
+        <p:style>
+          <a:lnRef idx="2">
+            <a:schemeClr val="accent1">
+              <a:shade val="15000"/>
+            </a:schemeClr>
+          </a:lnRef>
+          <a:fillRef idx="1">
+            <a:schemeClr val="accent1"/>
+          </a:fillRef>
+          <a:effectRef idx="0">
+            <a:schemeClr val="accent1"/>
+          </a:effectRef>
+          <a:fontRef idx="minor">
+            <a:schemeClr val="lt1"/>
+          </a:fontRef>
+        </p:style>
+        <p:txBody>
+          <a:bodyPr rtlCol="0" anchor="ctr"/>
+          <a:lstStyle/>
+          <a:p>
+            <a:pPr algn="ctr"/>
+            <a:endParaRPr lang="en-GB"/>
+          </a:p>
+        </p:txBody>
+      </p:sp>
+      <p:sp>
+        <p:nvSpPr>
+          <p:cNvPr id="10" name="TextBox 9">
+            <a:extLst>
+              <a:ext uri="{FF2B5EF4-FFF2-40B4-BE49-F238E27FC236}">
+                <a16:creationId xmlns:a16="http://schemas.microsoft.com/office/drawing/2014/main" id="{6B0162B6-1551-B150-781C-8B2AFDB1537D}"/>
+              </a:ext>
+            </a:extLst>
+          </p:cNvPr>
+          <p:cNvSpPr txBox="1"/>
+          <p:nvPr/>
+        </p:nvSpPr>
+        <p:spPr>
+          <a:xfrm>
+            <a:off x="147710" y="5456100"/>
+            <a:ext cx="9755035" cy="923330"/>
+          </a:xfrm>
+          <a:prstGeom prst="rect">
+            <a:avLst/>
+          </a:prstGeom>
+          <a:noFill/>
+        </p:spPr>
+        <p:txBody>
+          <a:bodyPr wrap="square" rtlCol="0">
+            <a:spAutoFit/>
+          </a:bodyPr>
+          <a:lstStyle/>
+          <a:p>
+            <a:pPr marL="285750" indent="-285750">
+              <a:buFont typeface="Arial" panose="020B0604020202020204" pitchFamily="34" charset="0"/>
+              <a:buChar char="•"/>
+            </a:pPr>
+            <a:r>
+              <a:rPr lang="en-GB" dirty="0"/>
+              <a:t>In Decision Tree Model 52 people who actually have Stroke, model  is predicting them as they don’t have stroke while 67 are those who actually do not have stroke and model is predicting them as they have stroke.</a:t>
+            </a:r>
+          </a:p>
+        </p:txBody>
+      </p:sp>
+      <p:sp>
+        <p:nvSpPr>
+          <p:cNvPr id="11" name="TextBox 10">
+            <a:extLst>
+              <a:ext uri="{FF2B5EF4-FFF2-40B4-BE49-F238E27FC236}">
+                <a16:creationId xmlns:a16="http://schemas.microsoft.com/office/drawing/2014/main" id="{81282414-83C4-FDFB-E63C-2C3D854D911A}"/>
+              </a:ext>
+            </a:extLst>
+          </p:cNvPr>
+          <p:cNvSpPr txBox="1"/>
+          <p:nvPr/>
+        </p:nvSpPr>
+        <p:spPr>
+          <a:xfrm>
+            <a:off x="122957" y="6338671"/>
+            <a:ext cx="9755035" cy="1200329"/>
+          </a:xfrm>
+          <a:prstGeom prst="rect">
+            <a:avLst/>
+          </a:prstGeom>
+          <a:noFill/>
+        </p:spPr>
+        <p:txBody>
+          <a:bodyPr wrap="square" rtlCol="0">
+            <a:spAutoFit/>
+          </a:bodyPr>
+          <a:lstStyle/>
+          <a:p>
+            <a:pPr marL="285750" indent="-285750">
+              <a:buFont typeface="Arial" panose="020B0604020202020204" pitchFamily="34" charset="0"/>
+              <a:buChar char="•"/>
+            </a:pPr>
+            <a:r>
+              <a:rPr lang="en-GB" dirty="0"/>
+              <a:t>In Random Forest Model 59 people who actually have Stroke, model  is predicting them as they don’t have stroke while 13 are those who actually do not have stroke and model is predicting them as they have stroke.</a:t>
+            </a:r>
+          </a:p>
+          <a:p>
+            <a:endParaRPr lang="en-GB" dirty="0"/>
+          </a:p>
+        </p:txBody>
+      </p:sp>
+    </p:spTree>
+    <p:extLst>
+      <p:ext uri="{BB962C8B-B14F-4D97-AF65-F5344CB8AC3E}">
+        <p14:creationId xmlns:p14="http://schemas.microsoft.com/office/powerpoint/2010/main" val="3151952891"/>
+      </p:ext>
+    </p:extLst>
+  </p:cSld>
+  <p:clrMapOvr>
+    <a:masterClrMapping/>
+  </p:clrMapOvr>
+</p:sld>
+</file>
+
+<file path=ppt/slides/slide19.xml><?xml version="1.0" encoding="utf-8"?>
+<p:sld xmlns:a="http://schemas.openxmlformats.org/drawingml/2006/main" xmlns:r="http://schemas.openxmlformats.org/officeDocument/2006/relationships" xmlns:p="http://schemas.openxmlformats.org/presentationml/2006/main">
+  <p:cSld>
+    <p:bg>
+      <p:bgPr>
+        <a:solidFill>
+          <a:schemeClr val="bg1"/>
+        </a:solidFill>
+        <a:effectLst/>
+      </p:bgPr>
+    </p:bg>
+    <p:spTree>
+      <p:nvGrpSpPr>
+        <p:cNvPr id="1" name="">
+          <a:extLst>
+            <a:ext uri="{FF2B5EF4-FFF2-40B4-BE49-F238E27FC236}">
+              <a16:creationId xmlns:a16="http://schemas.microsoft.com/office/drawing/2014/main" id="{8909239B-F233-1ADA-B4AA-6FABE1173C5D}"/>
+            </a:ext>
+          </a:extLst>
+        </p:cNvPr>
+        <p:cNvGrpSpPr/>
+        <p:nvPr/>
+      </p:nvGrpSpPr>
+      <p:grpSpPr>
+        <a:xfrm>
+          <a:off x="0" y="0"/>
+          <a:ext cx="0" cy="0"/>
+          <a:chOff x="0" y="0"/>
+          <a:chExt cx="0" cy="0"/>
+        </a:xfrm>
+      </p:grpSpPr>
+      <p:sp>
+        <p:nvSpPr>
+          <p:cNvPr id="27" name="Rectangle 26">
+            <a:extLst>
+              <a:ext uri="{FF2B5EF4-FFF2-40B4-BE49-F238E27FC236}">
+                <a16:creationId xmlns:a16="http://schemas.microsoft.com/office/drawing/2014/main" id="{26A7D641-3603-DCFE-110B-C71D4F3AEC96}"/>
+              </a:ext>
+              <a:ext uri="{C183D7F6-B498-43B3-948B-1728B52AA6E4}">
+                <adec:decorative xmlns:adec="http://schemas.microsoft.com/office/drawing/2017/decorative" val="1"/>
+              </a:ext>
+            </a:extLst>
+          </p:cNvPr>
+          <p:cNvSpPr>
+            <a:spLocks noGrp="1" noRot="1" noChangeAspect="1" noMove="1" noResize="1" noEditPoints="1" noAdjustHandles="1" noChangeArrowheads="1" noChangeShapeType="1" noTextEdit="1"/>
+          </p:cNvSpPr>
+          <p:nvPr>
+            <p:extLst>
+              <p:ext uri="{386F3935-93C4-4BCD-93E2-E3B085C9AB24}">
+                <p16:designElem xmlns:p16="http://schemas.microsoft.com/office/powerpoint/2015/main" val="1"/>
+              </p:ext>
+            </p:extLst>
+          </p:nvPr>
+        </p:nvSpPr>
+        <p:spPr>
+          <a:xfrm>
+            <a:off x="0" y="0"/>
+            <a:ext cx="10058400" cy="7772400"/>
+          </a:xfrm>
+          <a:prstGeom prst="rect">
+            <a:avLst/>
+          </a:prstGeom>
+          <a:solidFill>
+            <a:schemeClr val="bg1"/>
+          </a:solidFill>
+          <a:ln>
+            <a:noFill/>
+          </a:ln>
+        </p:spPr>
+        <p:style>
+          <a:lnRef idx="2">
+            <a:schemeClr val="accent1">
+              <a:shade val="50000"/>
+            </a:schemeClr>
+          </a:lnRef>
+          <a:fillRef idx="1">
+            <a:schemeClr val="accent1"/>
+          </a:fillRef>
+          <a:effectRef idx="0">
+            <a:schemeClr val="accent1"/>
+          </a:effectRef>
+          <a:fontRef idx="minor">
+            <a:schemeClr val="lt1"/>
+          </a:fontRef>
+        </p:style>
+        <p:txBody>
+          <a:bodyPr rtlCol="0" anchor="ctr"/>
+          <a:lstStyle/>
+          <a:p>
+            <a:pPr algn="ctr"/>
+            <a:endParaRPr lang="en-US" dirty="0"/>
+          </a:p>
+        </p:txBody>
+      </p:sp>
+      <p:grpSp>
+        <p:nvGrpSpPr>
+          <p:cNvPr id="29" name="Group 28">
+            <a:extLst>
+              <a:ext uri="{FF2B5EF4-FFF2-40B4-BE49-F238E27FC236}">
+                <a16:creationId xmlns:a16="http://schemas.microsoft.com/office/drawing/2014/main" id="{D0C8186D-6A43-58BE-90F9-B01669F27C8A}"/>
+              </a:ext>
+              <a:ext uri="{C183D7F6-B498-43B3-948B-1728B52AA6E4}">
+                <adec:decorative xmlns:adec="http://schemas.microsoft.com/office/drawing/2017/decorative" val="1"/>
+              </a:ext>
+            </a:extLst>
+          </p:cNvPr>
+          <p:cNvGrpSpPr>
+            <a:grpSpLocks noGrp="1" noUngrp="1" noRot="1" noChangeAspect="1" noMove="1" noResize="1"/>
+          </p:cNvGrpSpPr>
+          <p:nvPr>
+            <p:extLst>
+              <p:ext uri="{386F3935-93C4-4BCD-93E2-E3B085C9AB24}">
+                <p16:designElem xmlns:p16="http://schemas.microsoft.com/office/powerpoint/2015/main" val="1"/>
+              </p:ext>
+            </p:extLst>
+          </p:nvPr>
+        </p:nvGrpSpPr>
+        <p:grpSpPr>
+          <a:xfrm flipH="1">
+            <a:off x="9045825" y="2672"/>
+            <a:ext cx="1548239" cy="2001476"/>
+            <a:chOff x="-648769" y="2358"/>
+            <a:chExt cx="1876653" cy="1766008"/>
+          </a:xfrm>
+        </p:grpSpPr>
+        <p:sp>
+          <p:nvSpPr>
+            <p:cNvPr id="30" name="Freeform: Shape 29">
+              <a:extLst>
+                <a:ext uri="{FF2B5EF4-FFF2-40B4-BE49-F238E27FC236}">
+                  <a16:creationId xmlns:a16="http://schemas.microsoft.com/office/drawing/2014/main" id="{5395C22A-2080-D742-6812-E838EE0E098C}"/>
+                </a:ext>
+                <a:ext uri="{C183D7F6-B498-43B3-948B-1728B52AA6E4}">
+                  <adec:decorative xmlns:adec="http://schemas.microsoft.com/office/drawing/2017/decorative" val="1"/>
+                </a:ext>
+              </a:extLst>
+            </p:cNvPr>
+            <p:cNvSpPr/>
+            <p:nvPr>
+              <p:extLst>
+                <p:ext uri="{386F3935-93C4-4BCD-93E2-E3B085C9AB24}">
+                  <p16:designElem xmlns:p16="http://schemas.microsoft.com/office/powerpoint/2015/main" val="1"/>
+                </p:ext>
+              </p:extLst>
+            </p:nvPr>
+          </p:nvSpPr>
+          <p:spPr>
+            <a:xfrm rot="2700000">
+              <a:off x="-415188" y="-231223"/>
+              <a:ext cx="1409491" cy="1876653"/>
+            </a:xfrm>
+            <a:custGeom>
+              <a:avLst/>
+              <a:gdLst>
+                <a:gd name="connsiteX0" fmla="*/ 0 w 1409491"/>
+                <a:gd name="connsiteY0" fmla="*/ 643075 h 1876653"/>
+                <a:gd name="connsiteX1" fmla="*/ 643075 w 1409491"/>
+                <a:gd name="connsiteY1" fmla="*/ 0 h 1876653"/>
+                <a:gd name="connsiteX2" fmla="*/ 1409491 w 1409491"/>
+                <a:gd name="connsiteY2" fmla="*/ 0 h 1876653"/>
+                <a:gd name="connsiteX3" fmla="*/ 1409491 w 1409491"/>
+                <a:gd name="connsiteY3" fmla="*/ 1876653 h 1876653"/>
+                <a:gd name="connsiteX4" fmla="*/ 1233578 w 1409491"/>
+                <a:gd name="connsiteY4" fmla="*/ 1876653 h 1876653"/>
+              </a:gdLst>
+              <a:ahLst/>
+              <a:cxnLst>
+                <a:cxn ang="0">
+                  <a:pos x="connsiteX0" y="connsiteY0"/>
+                </a:cxn>
+                <a:cxn ang="0">
+                  <a:pos x="connsiteX1" y="connsiteY1"/>
+                </a:cxn>
+                <a:cxn ang="0">
+                  <a:pos x="connsiteX2" y="connsiteY2"/>
+                </a:cxn>
+                <a:cxn ang="0">
+                  <a:pos x="connsiteX3" y="connsiteY3"/>
+                </a:cxn>
+                <a:cxn ang="0">
+                  <a:pos x="connsiteX4" y="connsiteY4"/>
+                </a:cxn>
+              </a:cxnLst>
+              <a:rect l="l" t="t" r="r" b="b"/>
+              <a:pathLst>
+                <a:path w="1409491" h="1876653">
+                  <a:moveTo>
+                    <a:pt x="0" y="643075"/>
+                  </a:moveTo>
+                  <a:lnTo>
+                    <a:pt x="643075" y="0"/>
+                  </a:lnTo>
+                  <a:lnTo>
+                    <a:pt x="1409491" y="0"/>
+                  </a:lnTo>
+                  <a:lnTo>
+                    <a:pt x="1409491" y="1876653"/>
+                  </a:lnTo>
+                  <a:lnTo>
+                    <a:pt x="1233578" y="1876653"/>
+                  </a:lnTo>
+                  <a:close/>
+                </a:path>
+              </a:pathLst>
+            </a:custGeom>
+            <a:solidFill>
+              <a:schemeClr val="accent1">
+                <a:alpha val="30000"/>
+              </a:schemeClr>
+            </a:solidFill>
+            <a:ln>
+              <a:noFill/>
+            </a:ln>
+          </p:spPr>
+          <p:style>
+            <a:lnRef idx="2">
+              <a:schemeClr val="accent1">
+                <a:shade val="50000"/>
+              </a:schemeClr>
+            </a:lnRef>
+            <a:fillRef idx="1">
+              <a:schemeClr val="accent1"/>
+            </a:fillRef>
+            <a:effectRef idx="0">
+              <a:schemeClr val="accent1"/>
+            </a:effectRef>
+            <a:fontRef idx="minor">
+              <a:schemeClr val="lt1"/>
+            </a:fontRef>
+          </p:style>
+          <p:txBody>
+            <a:bodyPr rtlCol="0" anchor="ctr"/>
+            <a:lstStyle/>
+            <a:p>
+              <a:pPr algn="ctr"/>
+              <a:endParaRPr lang="en-US"/>
+            </a:p>
+          </p:txBody>
+        </p:sp>
+        <p:sp>
+          <p:nvSpPr>
+            <p:cNvPr id="31" name="Rectangle 30">
+              <a:extLst>
+                <a:ext uri="{FF2B5EF4-FFF2-40B4-BE49-F238E27FC236}">
+                  <a16:creationId xmlns:a16="http://schemas.microsoft.com/office/drawing/2014/main" id="{5D0FB55F-A100-9786-976D-739E5FE4ECA8}"/>
+                </a:ext>
+                <a:ext uri="{C183D7F6-B498-43B3-948B-1728B52AA6E4}">
+                  <adec:decorative xmlns:adec="http://schemas.microsoft.com/office/drawing/2017/decorative" val="1"/>
+                </a:ext>
+              </a:extLst>
+            </p:cNvPr>
+            <p:cNvSpPr/>
+            <p:nvPr>
+              <p:extLst>
+                <p:ext uri="{386F3935-93C4-4BCD-93E2-E3B085C9AB24}">
+                  <p16:designElem xmlns:p16="http://schemas.microsoft.com/office/powerpoint/2015/main" val="1"/>
+                </p:ext>
+              </p:extLst>
+            </p:nvPr>
+          </p:nvSpPr>
+          <p:spPr>
+            <a:xfrm rot="2700000">
+              <a:off x="301285" y="1282788"/>
+              <a:ext cx="485578" cy="485578"/>
+            </a:xfrm>
+            <a:prstGeom prst="rect">
+              <a:avLst/>
+            </a:prstGeom>
+            <a:solidFill>
+              <a:schemeClr val="accent1">
+                <a:alpha val="30000"/>
+              </a:schemeClr>
+            </a:solidFill>
+            <a:ln>
+              <a:noFill/>
+            </a:ln>
+          </p:spPr>
+          <p:style>
+            <a:lnRef idx="2">
+              <a:schemeClr val="accent1">
+                <a:shade val="50000"/>
+              </a:schemeClr>
+            </a:lnRef>
+            <a:fillRef idx="1">
+              <a:schemeClr val="accent1"/>
+            </a:fillRef>
+            <a:effectRef idx="0">
+              <a:schemeClr val="accent1"/>
+            </a:effectRef>
+            <a:fontRef idx="minor">
+              <a:schemeClr val="lt1"/>
+            </a:fontRef>
+          </p:style>
+          <p:txBody>
+            <a:bodyPr rtlCol="0" anchor="ctr"/>
+            <a:lstStyle/>
+            <a:p>
+              <a:pPr algn="ctr"/>
+              <a:endParaRPr lang="en-US"/>
+            </a:p>
+          </p:txBody>
+        </p:sp>
+      </p:grpSp>
+      <p:sp>
+        <p:nvSpPr>
+          <p:cNvPr id="33" name="Rectangle 32">
+            <a:extLst>
+              <a:ext uri="{FF2B5EF4-FFF2-40B4-BE49-F238E27FC236}">
+                <a16:creationId xmlns:a16="http://schemas.microsoft.com/office/drawing/2014/main" id="{B822E68A-1D0F-A3E5-C900-7CEFB1812355}"/>
+              </a:ext>
+              <a:ext uri="{C183D7F6-B498-43B3-948B-1728B52AA6E4}">
+                <adec:decorative xmlns:adec="http://schemas.microsoft.com/office/drawing/2017/decorative" val="1"/>
+              </a:ext>
+            </a:extLst>
+          </p:cNvPr>
+          <p:cNvSpPr>
+            <a:spLocks noGrp="1" noRot="1" noChangeAspect="1" noMove="1" noResize="1" noEditPoints="1" noAdjustHandles="1" noChangeArrowheads="1" noChangeShapeType="1" noTextEdit="1"/>
+          </p:cNvSpPr>
+          <p:nvPr>
+            <p:extLst>
+              <p:ext uri="{386F3935-93C4-4BCD-93E2-E3B085C9AB24}">
+                <p16:designElem xmlns:p16="http://schemas.microsoft.com/office/powerpoint/2015/main" val="1"/>
+              </p:ext>
+            </p:extLst>
+          </p:nvPr>
+        </p:nvSpPr>
+        <p:spPr>
+          <a:xfrm rot="2700000">
+            <a:off x="2158692" y="6937649"/>
+            <a:ext cx="731417" cy="532429"/>
+          </a:xfrm>
+          <a:prstGeom prst="rect">
+            <a:avLst/>
+          </a:prstGeom>
+          <a:solidFill>
+            <a:schemeClr val="accent4">
+              <a:alpha val="30000"/>
+            </a:schemeClr>
+          </a:solidFill>
+          <a:ln>
+            <a:noFill/>
+          </a:ln>
+        </p:spPr>
+        <p:style>
+          <a:lnRef idx="2">
+            <a:schemeClr val="accent1">
+              <a:shade val="50000"/>
+            </a:schemeClr>
+          </a:lnRef>
+          <a:fillRef idx="1">
+            <a:schemeClr val="accent1"/>
+          </a:fillRef>
+          <a:effectRef idx="0">
+            <a:schemeClr val="accent1"/>
+          </a:effectRef>
+          <a:fontRef idx="minor">
+            <a:schemeClr val="lt1"/>
+          </a:fontRef>
+        </p:style>
+        <p:txBody>
+          <a:bodyPr rtlCol="0" anchor="ctr"/>
+          <a:lstStyle/>
+          <a:p>
+            <a:pPr algn="ctr"/>
+            <a:endParaRPr lang="en-US"/>
+          </a:p>
+        </p:txBody>
+      </p:sp>
+      <p:sp>
+        <p:nvSpPr>
+          <p:cNvPr id="35" name="Isosceles Triangle 34">
+            <a:extLst>
+              <a:ext uri="{FF2B5EF4-FFF2-40B4-BE49-F238E27FC236}">
+                <a16:creationId xmlns:a16="http://schemas.microsoft.com/office/drawing/2014/main" id="{BBD0ED0B-3B23-BC98-FFD9-D7FEAF424222}"/>
+              </a:ext>
+              <a:ext uri="{C183D7F6-B498-43B3-948B-1728B52AA6E4}">
+                <adec:decorative xmlns:adec="http://schemas.microsoft.com/office/drawing/2017/decorative" val="1"/>
+              </a:ext>
+            </a:extLst>
+          </p:cNvPr>
+          <p:cNvSpPr>
+            <a:spLocks noGrp="1" noRot="1" noChangeAspect="1" noMove="1" noResize="1" noEditPoints="1" noAdjustHandles="1" noChangeArrowheads="1" noChangeShapeType="1" noTextEdit="1"/>
+          </p:cNvSpPr>
+          <p:nvPr>
+            <p:extLst>
+              <p:ext uri="{386F3935-93C4-4BCD-93E2-E3B085C9AB24}">
+                <p16:designElem xmlns:p16="http://schemas.microsoft.com/office/powerpoint/2015/main" val="1"/>
+              </p:ext>
+            </p:extLst>
+          </p:nvPr>
+        </p:nvSpPr>
+        <p:spPr>
+          <a:xfrm>
+            <a:off x="1108334" y="6483922"/>
+            <a:ext cx="1866121" cy="1288476"/>
+          </a:xfrm>
+          <a:prstGeom prst="triangle">
+            <a:avLst>
+              <a:gd name="adj" fmla="val 50000"/>
+            </a:avLst>
+          </a:prstGeom>
+          <a:solidFill>
+            <a:schemeClr val="accent4">
+              <a:alpha val="30000"/>
+            </a:schemeClr>
+          </a:solidFill>
+          <a:ln>
+            <a:noFill/>
+          </a:ln>
+        </p:spPr>
+        <p:style>
+          <a:lnRef idx="2">
+            <a:schemeClr val="accent1">
+              <a:shade val="50000"/>
+            </a:schemeClr>
+          </a:lnRef>
+          <a:fillRef idx="1">
+            <a:schemeClr val="accent1"/>
+          </a:fillRef>
+          <a:effectRef idx="0">
+            <a:schemeClr val="accent1"/>
+          </a:effectRef>
+          <a:fontRef idx="minor">
+            <a:schemeClr val="lt1"/>
+          </a:fontRef>
+        </p:style>
+        <p:txBody>
+          <a:bodyPr rtlCol="0" anchor="ctr"/>
+          <a:lstStyle/>
+          <a:p>
+            <a:pPr algn="ctr"/>
+            <a:endParaRPr lang="en-US"/>
+          </a:p>
+        </p:txBody>
+      </p:sp>
+      <p:sp>
+        <p:nvSpPr>
+          <p:cNvPr id="6" name="TextBox 5">
+            <a:extLst>
+              <a:ext uri="{FF2B5EF4-FFF2-40B4-BE49-F238E27FC236}">
+                <a16:creationId xmlns:a16="http://schemas.microsoft.com/office/drawing/2014/main" id="{C581DE83-0E5A-9094-1B32-D31468C34E23}"/>
+              </a:ext>
+            </a:extLst>
+          </p:cNvPr>
+          <p:cNvSpPr txBox="1"/>
+          <p:nvPr/>
+        </p:nvSpPr>
+        <p:spPr>
+          <a:xfrm>
+            <a:off x="308753" y="814937"/>
+            <a:ext cx="9569239" cy="584775"/>
+          </a:xfrm>
+          <a:prstGeom prst="rect">
+            <a:avLst/>
+          </a:prstGeom>
+          <a:noFill/>
+        </p:spPr>
+        <p:txBody>
+          <a:bodyPr wrap="square" rtlCol="0">
+            <a:spAutoFit/>
+          </a:bodyPr>
+          <a:lstStyle/>
+          <a:p>
+            <a:pPr algn="ctr"/>
+            <a:r>
+              <a:rPr lang="en-GB" sz="3200" i="0" dirty="0">
+                <a:solidFill>
+                  <a:srgbClr val="000000"/>
+                </a:solidFill>
+                <a:effectLst/>
+                <a:latin typeface="Helvetica Neue"/>
+              </a:rPr>
+              <a:t>Support Vector Machine (SVM) </a:t>
+            </a:r>
+          </a:p>
+        </p:txBody>
+      </p:sp>
+      <p:sp>
+        <p:nvSpPr>
+          <p:cNvPr id="3" name="Picture Placeholder 2">
+            <a:extLst>
+              <a:ext uri="{FF2B5EF4-FFF2-40B4-BE49-F238E27FC236}">
+                <a16:creationId xmlns:a16="http://schemas.microsoft.com/office/drawing/2014/main" id="{2D5C1153-9BEC-F03A-F6E5-6A38F134724A}"/>
+              </a:ext>
+            </a:extLst>
+          </p:cNvPr>
+          <p:cNvSpPr>
+            <a:spLocks noGrp="1"/>
+          </p:cNvSpPr>
+          <p:nvPr>
+            <p:ph type="pic" sz="quarter" idx="11"/>
+          </p:nvPr>
+        </p:nvSpPr>
+        <p:spPr/>
+        <p:txBody>
+          <a:bodyPr/>
+          <a:lstStyle/>
+          <a:p>
+            <a:endParaRPr lang="en-US"/>
+          </a:p>
+        </p:txBody>
+      </p:sp>
+      <p:pic>
+        <p:nvPicPr>
+          <p:cNvPr id="16" name="Picture 15">
+            <a:extLst>
+              <a:ext uri="{FF2B5EF4-FFF2-40B4-BE49-F238E27FC236}">
+                <a16:creationId xmlns:a16="http://schemas.microsoft.com/office/drawing/2014/main" id="{41A21678-87BA-5B8C-8D23-B8B711E81B73}"/>
+              </a:ext>
+            </a:extLst>
+          </p:cNvPr>
+          <p:cNvPicPr>
+            <a:picLocks noChangeAspect="1"/>
+          </p:cNvPicPr>
+          <p:nvPr/>
+        </p:nvPicPr>
+        <p:blipFill>
+          <a:blip r:embed="rId3"/>
+          <a:stretch>
+            <a:fillRect/>
+          </a:stretch>
+        </p:blipFill>
+        <p:spPr>
+          <a:xfrm>
+            <a:off x="308753" y="2271842"/>
+            <a:ext cx="5545544" cy="1929670"/>
+          </a:xfrm>
+          <a:prstGeom prst="rect">
+            <a:avLst/>
+          </a:prstGeom>
+        </p:spPr>
+      </p:pic>
+      <p:pic>
+        <p:nvPicPr>
+          <p:cNvPr id="17" name="Picture 16">
+            <a:extLst>
+              <a:ext uri="{FF2B5EF4-FFF2-40B4-BE49-F238E27FC236}">
+                <a16:creationId xmlns:a16="http://schemas.microsoft.com/office/drawing/2014/main" id="{1DB68035-A77C-F69E-C40C-BCA8299775E5}"/>
+              </a:ext>
+            </a:extLst>
+          </p:cNvPr>
+          <p:cNvPicPr>
+            <a:picLocks noChangeAspect="1"/>
+          </p:cNvPicPr>
+          <p:nvPr/>
+        </p:nvPicPr>
+        <p:blipFill>
+          <a:blip r:embed="rId4"/>
+          <a:stretch>
+            <a:fillRect/>
+          </a:stretch>
+        </p:blipFill>
+        <p:spPr>
+          <a:xfrm>
+            <a:off x="7496139" y="2319902"/>
+            <a:ext cx="2113829" cy="2082189"/>
+          </a:xfrm>
+          <a:prstGeom prst="rect">
+            <a:avLst/>
+          </a:prstGeom>
+        </p:spPr>
+      </p:pic>
+      <p:sp>
+        <p:nvSpPr>
+          <p:cNvPr id="18" name="Arrow: Right 20">
+            <a:extLst>
+              <a:ext uri="{FF2B5EF4-FFF2-40B4-BE49-F238E27FC236}">
+                <a16:creationId xmlns:a16="http://schemas.microsoft.com/office/drawing/2014/main" id="{EAA9FF8C-A86B-0C45-955B-132D8A7BF286}"/>
+              </a:ext>
+            </a:extLst>
+          </p:cNvPr>
+          <p:cNvSpPr/>
+          <p:nvPr/>
+        </p:nvSpPr>
+        <p:spPr>
+          <a:xfrm>
+            <a:off x="6081249" y="3161215"/>
+            <a:ext cx="1238783" cy="338406"/>
+          </a:xfrm>
+          <a:prstGeom prst="rightArrow">
+            <a:avLst/>
+          </a:prstGeom>
+        </p:spPr>
+        <p:style>
+          <a:lnRef idx="2">
+            <a:schemeClr val="accent1">
+              <a:shade val="15000"/>
+            </a:schemeClr>
+          </a:lnRef>
+          <a:fillRef idx="1">
+            <a:schemeClr val="accent1"/>
+          </a:fillRef>
+          <a:effectRef idx="0">
+            <a:schemeClr val="accent1"/>
+          </a:effectRef>
+          <a:fontRef idx="minor">
+            <a:schemeClr val="lt1"/>
+          </a:fontRef>
+        </p:style>
+        <p:txBody>
+          <a:bodyPr rtlCol="0" anchor="ctr"/>
+          <a:lstStyle/>
+          <a:p>
+            <a:pPr algn="ctr"/>
+            <a:endParaRPr lang="en-GB"/>
+          </a:p>
+        </p:txBody>
+      </p:sp>
+      <p:sp>
+        <p:nvSpPr>
+          <p:cNvPr id="19" name="TextBox 18">
+            <a:extLst>
+              <a:ext uri="{FF2B5EF4-FFF2-40B4-BE49-F238E27FC236}">
+                <a16:creationId xmlns:a16="http://schemas.microsoft.com/office/drawing/2014/main" id="{CED22466-95B4-A975-053C-E5CAD3B7C2EE}"/>
+              </a:ext>
+            </a:extLst>
+          </p:cNvPr>
+          <p:cNvSpPr txBox="1"/>
+          <p:nvPr/>
+        </p:nvSpPr>
+        <p:spPr>
+          <a:xfrm>
+            <a:off x="2041394" y="4947075"/>
+            <a:ext cx="5754311" cy="923330"/>
+          </a:xfrm>
+          <a:prstGeom prst="rect">
+            <a:avLst/>
+          </a:prstGeom>
+          <a:noFill/>
+        </p:spPr>
+        <p:txBody>
+          <a:bodyPr wrap="square" rtlCol="0">
+            <a:spAutoFit/>
+          </a:bodyPr>
+          <a:lstStyle/>
+          <a:p>
+            <a:r>
+              <a:rPr lang="en-GB" dirty="0"/>
+              <a:t>SVM with Oversampled Data shows some promising results with a recall for Stroke1 81% and with 12 FN. Though the number of FP is quite High.  </a:t>
+            </a:r>
+          </a:p>
+        </p:txBody>
+      </p:sp>
+    </p:spTree>
+    <p:extLst>
+      <p:ext uri="{BB962C8B-B14F-4D97-AF65-F5344CB8AC3E}">
+        <p14:creationId xmlns:p14="http://schemas.microsoft.com/office/powerpoint/2010/main" val="432383138"/>
+      </p:ext>
+    </p:extLst>
+  </p:cSld>
+  <p:clrMapOvr>
+    <a:masterClrMapping/>
+  </p:clrMapOvr>
+</p:sld>
+</file>
+
+<file path=ppt/slides/slide2.xml><?xml version="1.0" encoding="utf-8"?>
+<p:sld xmlns:a="http://schemas.openxmlformats.org/drawingml/2006/main" xmlns:r="http://schemas.openxmlformats.org/officeDocument/2006/relationships" xmlns:p="http://schemas.openxmlformats.org/presentationml/2006/main">
+  <p:cSld>
+    <p:bg>
+      <p:bgPr>
+        <a:solidFill>
+          <a:schemeClr val="bg1"/>
+        </a:solidFill>
+        <a:effectLst/>
+      </p:bgPr>
+    </p:bg>
+    <p:spTree>
+      <p:nvGrpSpPr>
+        <p:cNvPr id="1" name="">
+          <a:extLst>
+            <a:ext uri="{FF2B5EF4-FFF2-40B4-BE49-F238E27FC236}">
+              <a16:creationId xmlns:a16="http://schemas.microsoft.com/office/drawing/2014/main" id="{02984243-06AA-7503-EAE6-C43F12132B68}"/>
+            </a:ext>
+          </a:extLst>
+        </p:cNvPr>
+        <p:cNvGrpSpPr/>
+        <p:nvPr/>
+      </p:nvGrpSpPr>
+      <p:grpSpPr>
+        <a:xfrm>
+          <a:off x="0" y="0"/>
+          <a:ext cx="0" cy="0"/>
+          <a:chOff x="0" y="0"/>
+          <a:chExt cx="0" cy="0"/>
+        </a:xfrm>
+      </p:grpSpPr>
+      <p:sp>
+        <p:nvSpPr>
+          <p:cNvPr id="27" name="Rectangle 26">
+            <a:extLst>
+              <a:ext uri="{FF2B5EF4-FFF2-40B4-BE49-F238E27FC236}">
+                <a16:creationId xmlns:a16="http://schemas.microsoft.com/office/drawing/2014/main" id="{73CDEEF2-1AB3-80D1-CDA4-608C51A8E1C7}"/>
+              </a:ext>
+              <a:ext uri="{C183D7F6-B498-43B3-948B-1728B52AA6E4}">
+                <adec:decorative xmlns:adec="http://schemas.microsoft.com/office/drawing/2017/decorative" val="1"/>
+              </a:ext>
+            </a:extLst>
+          </p:cNvPr>
+          <p:cNvSpPr>
+            <a:spLocks noGrp="1" noRot="1" noChangeAspect="1" noMove="1" noResize="1" noEditPoints="1" noAdjustHandles="1" noChangeArrowheads="1" noChangeShapeType="1" noTextEdit="1"/>
+          </p:cNvSpPr>
+          <p:nvPr>
+            <p:extLst>
+              <p:ext uri="{386F3935-93C4-4BCD-93E2-E3B085C9AB24}">
+                <p16:designElem xmlns:p16="http://schemas.microsoft.com/office/powerpoint/2015/main" val="1"/>
+              </p:ext>
+            </p:extLst>
+          </p:nvPr>
+        </p:nvSpPr>
+        <p:spPr>
+          <a:xfrm>
+            <a:off x="0" y="0"/>
+            <a:ext cx="10058400" cy="7772400"/>
+          </a:xfrm>
+          <a:prstGeom prst="rect">
+            <a:avLst/>
+          </a:prstGeom>
+          <a:solidFill>
+            <a:schemeClr val="bg1"/>
+          </a:solidFill>
+          <a:ln>
+            <a:noFill/>
+          </a:ln>
+        </p:spPr>
+        <p:style>
+          <a:lnRef idx="2">
+            <a:schemeClr val="accent1">
+              <a:shade val="50000"/>
+            </a:schemeClr>
+          </a:lnRef>
+          <a:fillRef idx="1">
+            <a:schemeClr val="accent1"/>
+          </a:fillRef>
+          <a:effectRef idx="0">
+            <a:schemeClr val="accent1"/>
+          </a:effectRef>
+          <a:fontRef idx="minor">
+            <a:schemeClr val="lt1"/>
+          </a:fontRef>
+        </p:style>
+        <p:txBody>
+          <a:bodyPr rtlCol="0" anchor="ctr"/>
+          <a:lstStyle/>
+          <a:p>
+            <a:pPr algn="ctr"/>
+            <a:endParaRPr lang="en-US" dirty="0"/>
+          </a:p>
+        </p:txBody>
+      </p:sp>
+      <p:sp>
+        <p:nvSpPr>
+          <p:cNvPr id="29" name="Freeform: Shape 28">
+            <a:extLst>
+              <a:ext uri="{FF2B5EF4-FFF2-40B4-BE49-F238E27FC236}">
+                <a16:creationId xmlns:a16="http://schemas.microsoft.com/office/drawing/2014/main" id="{7C7D98AB-74B6-9E79-6551-31459B530EA0}"/>
+              </a:ext>
+              <a:ext uri="{C183D7F6-B498-43B3-948B-1728B52AA6E4}">
+                <adec:decorative xmlns:adec="http://schemas.microsoft.com/office/drawing/2017/decorative" val="1"/>
+              </a:ext>
+            </a:extLst>
+          </p:cNvPr>
+          <p:cNvSpPr>
+            <a:spLocks noGrp="1" noRot="1" noChangeAspect="1" noMove="1" noResize="1" noEditPoints="1" noAdjustHandles="1" noChangeArrowheads="1" noChangeShapeType="1" noTextEdit="1"/>
+          </p:cNvSpPr>
+          <p:nvPr>
+            <p:extLst>
+              <p:ext uri="{386F3935-93C4-4BCD-93E2-E3B085C9AB24}">
+                <p16:designElem xmlns:p16="http://schemas.microsoft.com/office/powerpoint/2015/main" val="1"/>
+              </p:ext>
+            </p:extLst>
+          </p:nvPr>
+        </p:nvSpPr>
+        <p:spPr>
+          <a:xfrm rot="18900000" flipH="1">
+            <a:off x="-310328" y="-287492"/>
+            <a:ext cx="1507800" cy="1560586"/>
+          </a:xfrm>
+          <a:custGeom>
+            <a:avLst/>
+            <a:gdLst>
+              <a:gd name="connsiteX0" fmla="*/ 0 w 1827638"/>
+              <a:gd name="connsiteY0" fmla="*/ 987379 h 1376989"/>
+              <a:gd name="connsiteX1" fmla="*/ 987379 w 1827638"/>
+              <a:gd name="connsiteY1" fmla="*/ 0 h 1376989"/>
+              <a:gd name="connsiteX2" fmla="*/ 1827638 w 1827638"/>
+              <a:gd name="connsiteY2" fmla="*/ 840260 h 1376989"/>
+              <a:gd name="connsiteX3" fmla="*/ 1827638 w 1827638"/>
+              <a:gd name="connsiteY3" fmla="*/ 1376989 h 1376989"/>
+              <a:gd name="connsiteX4" fmla="*/ 0 w 1827638"/>
+              <a:gd name="connsiteY4" fmla="*/ 1376989 h 1376989"/>
+            </a:gdLst>
+            <a:ahLst/>
+            <a:cxnLst>
+              <a:cxn ang="0">
+                <a:pos x="connsiteX0" y="connsiteY0"/>
+              </a:cxn>
+              <a:cxn ang="0">
+                <a:pos x="connsiteX1" y="connsiteY1"/>
+              </a:cxn>
+              <a:cxn ang="0">
+                <a:pos x="connsiteX2" y="connsiteY2"/>
+              </a:cxn>
+              <a:cxn ang="0">
+                <a:pos x="connsiteX3" y="connsiteY3"/>
+              </a:cxn>
+              <a:cxn ang="0">
+                <a:pos x="connsiteX4" y="connsiteY4"/>
+              </a:cxn>
+            </a:cxnLst>
+            <a:rect l="l" t="t" r="r" b="b"/>
+            <a:pathLst>
+              <a:path w="1827638" h="1376989">
+                <a:moveTo>
+                  <a:pt x="0" y="987379"/>
+                </a:moveTo>
+                <a:lnTo>
+                  <a:pt x="987379" y="0"/>
+                </a:lnTo>
+                <a:lnTo>
+                  <a:pt x="1827638" y="840260"/>
+                </a:lnTo>
+                <a:lnTo>
+                  <a:pt x="1827638" y="1376989"/>
+                </a:lnTo>
+                <a:lnTo>
+                  <a:pt x="0" y="1376989"/>
+                </a:lnTo>
+                <a:close/>
+              </a:path>
+            </a:pathLst>
+          </a:custGeom>
+          <a:solidFill>
+            <a:schemeClr val="accent1">
+              <a:alpha val="30000"/>
+            </a:schemeClr>
+          </a:solidFill>
+          <a:ln>
+            <a:noFill/>
+          </a:ln>
+        </p:spPr>
+        <p:style>
+          <a:lnRef idx="2">
+            <a:schemeClr val="accent1">
+              <a:shade val="50000"/>
+            </a:schemeClr>
+          </a:lnRef>
+          <a:fillRef idx="1">
+            <a:schemeClr val="accent1"/>
+          </a:fillRef>
+          <a:effectRef idx="0">
+            <a:schemeClr val="accent1"/>
+          </a:effectRef>
+          <a:fontRef idx="minor">
+            <a:schemeClr val="lt1"/>
+          </a:fontRef>
+        </p:style>
+        <p:txBody>
+          <a:bodyPr rtlCol="0" anchor="ctr"/>
+          <a:lstStyle/>
+          <a:p>
+            <a:pPr algn="ctr"/>
+            <a:endParaRPr lang="en-US" dirty="0"/>
+          </a:p>
+        </p:txBody>
+      </p:sp>
+      <p:sp>
+        <p:nvSpPr>
+          <p:cNvPr id="31" name="Rectangle 30">
+            <a:extLst>
+              <a:ext uri="{FF2B5EF4-FFF2-40B4-BE49-F238E27FC236}">
+                <a16:creationId xmlns:a16="http://schemas.microsoft.com/office/drawing/2014/main" id="{E02A97E4-FFF3-59F6-2E50-A49A1B875210}"/>
+              </a:ext>
+              <a:ext uri="{C183D7F6-B498-43B3-948B-1728B52AA6E4}">
+                <adec:decorative xmlns:adec="http://schemas.microsoft.com/office/drawing/2017/decorative" val="1"/>
+              </a:ext>
+            </a:extLst>
+          </p:cNvPr>
+          <p:cNvSpPr>
+            <a:spLocks noGrp="1" noRot="1" noChangeAspect="1" noMove="1" noResize="1" noEditPoints="1" noAdjustHandles="1" noChangeArrowheads="1" noChangeShapeType="1" noTextEdit="1"/>
+          </p:cNvSpPr>
+          <p:nvPr>
+            <p:extLst>
+              <p:ext uri="{386F3935-93C4-4BCD-93E2-E3B085C9AB24}">
+                <p16:designElem xmlns:p16="http://schemas.microsoft.com/office/powerpoint/2015/main" val="1"/>
+              </p:ext>
+            </p:extLst>
+          </p:nvPr>
+        </p:nvSpPr>
+        <p:spPr>
+          <a:xfrm rot="18900000" flipH="1">
+            <a:off x="735603" y="478432"/>
+            <a:ext cx="532429" cy="731417"/>
+          </a:xfrm>
+          <a:prstGeom prst="rect">
+            <a:avLst/>
+          </a:prstGeom>
+          <a:solidFill>
+            <a:schemeClr val="accent1">
+              <a:alpha val="30000"/>
+            </a:schemeClr>
+          </a:solidFill>
+          <a:ln>
+            <a:noFill/>
+          </a:ln>
+        </p:spPr>
+        <p:style>
+          <a:lnRef idx="2">
+            <a:schemeClr val="accent1">
+              <a:shade val="50000"/>
+            </a:schemeClr>
+          </a:lnRef>
+          <a:fillRef idx="1">
+            <a:schemeClr val="accent1"/>
+          </a:fillRef>
+          <a:effectRef idx="0">
+            <a:schemeClr val="accent1"/>
+          </a:effectRef>
+          <a:fontRef idx="minor">
+            <a:schemeClr val="lt1"/>
+          </a:fontRef>
+        </p:style>
+        <p:txBody>
+          <a:bodyPr rtlCol="0" anchor="ctr"/>
+          <a:lstStyle/>
+          <a:p>
+            <a:pPr algn="ctr"/>
+            <a:endParaRPr lang="en-US"/>
+          </a:p>
+        </p:txBody>
+      </p:sp>
+      <p:sp>
+        <p:nvSpPr>
+          <p:cNvPr id="33" name="Rectangle 32">
+            <a:extLst>
+              <a:ext uri="{FF2B5EF4-FFF2-40B4-BE49-F238E27FC236}">
+                <a16:creationId xmlns:a16="http://schemas.microsoft.com/office/drawing/2014/main" id="{7D5189F2-CEF8-E33C-1F6D-25FADC8721D8}"/>
+              </a:ext>
+              <a:ext uri="{C183D7F6-B498-43B3-948B-1728B52AA6E4}">
+                <adec:decorative xmlns:adec="http://schemas.microsoft.com/office/drawing/2017/decorative" val="1"/>
+              </a:ext>
+            </a:extLst>
+          </p:cNvPr>
+          <p:cNvSpPr>
+            <a:spLocks noGrp="1" noRot="1" noChangeAspect="1" noMove="1" noResize="1" noEditPoints="1" noAdjustHandles="1" noChangeArrowheads="1" noChangeShapeType="1" noTextEdit="1"/>
+          </p:cNvSpPr>
+          <p:nvPr>
+            <p:extLst>
+              <p:ext uri="{386F3935-93C4-4BCD-93E2-E3B085C9AB24}">
+                <p16:designElem xmlns:p16="http://schemas.microsoft.com/office/powerpoint/2015/main" val="1"/>
+              </p:ext>
+            </p:extLst>
+          </p:nvPr>
+        </p:nvSpPr>
+        <p:spPr>
+          <a:xfrm rot="18900000" flipH="1">
+            <a:off x="8285872" y="742492"/>
+            <a:ext cx="567165" cy="779134"/>
+          </a:xfrm>
+          <a:prstGeom prst="rect">
+            <a:avLst/>
+          </a:prstGeom>
+          <a:solidFill>
+            <a:schemeClr val="accent4">
+              <a:alpha val="30000"/>
+            </a:schemeClr>
+          </a:solidFill>
+          <a:ln>
+            <a:noFill/>
+          </a:ln>
+        </p:spPr>
+        <p:style>
+          <a:lnRef idx="2">
+            <a:schemeClr val="accent1">
+              <a:shade val="50000"/>
+            </a:schemeClr>
+          </a:lnRef>
+          <a:fillRef idx="1">
+            <a:schemeClr val="accent1"/>
+          </a:fillRef>
+          <a:effectRef idx="0">
+            <a:schemeClr val="accent1"/>
+          </a:effectRef>
+          <a:fontRef idx="minor">
+            <a:schemeClr val="lt1"/>
+          </a:fontRef>
+        </p:style>
+        <p:txBody>
+          <a:bodyPr rtlCol="0" anchor="ctr"/>
+          <a:lstStyle/>
+          <a:p>
+            <a:pPr algn="ctr"/>
+            <a:endParaRPr lang="en-US"/>
+          </a:p>
+        </p:txBody>
+      </p:sp>
+      <p:sp>
+        <p:nvSpPr>
+          <p:cNvPr id="35" name="Freeform: Shape 34">
+            <a:extLst>
+              <a:ext uri="{FF2B5EF4-FFF2-40B4-BE49-F238E27FC236}">
+                <a16:creationId xmlns:a16="http://schemas.microsoft.com/office/drawing/2014/main" id="{88944EF9-2B55-2555-0F0D-1F9070FAB8F6}"/>
+              </a:ext>
+              <a:ext uri="{C183D7F6-B498-43B3-948B-1728B52AA6E4}">
+                <adec:decorative xmlns:adec="http://schemas.microsoft.com/office/drawing/2017/decorative" val="1"/>
+              </a:ext>
+            </a:extLst>
+          </p:cNvPr>
+          <p:cNvSpPr>
+            <a:spLocks noGrp="1" noRot="1" noChangeAspect="1" noMove="1" noResize="1" noEditPoints="1" noAdjustHandles="1" noChangeArrowheads="1" noChangeShapeType="1" noTextEdit="1"/>
+          </p:cNvSpPr>
+          <p:nvPr>
+            <p:extLst>
+              <p:ext uri="{386F3935-93C4-4BCD-93E2-E3B085C9AB24}">
+                <p16:designElem xmlns:p16="http://schemas.microsoft.com/office/powerpoint/2015/main" val="1"/>
+              </p:ext>
+            </p:extLst>
+          </p:nvPr>
+        </p:nvSpPr>
+        <p:spPr>
+          <a:xfrm rot="10800000" flipH="1">
+            <a:off x="7719230" y="0"/>
+            <a:ext cx="2339170" cy="1678281"/>
+          </a:xfrm>
+          <a:custGeom>
+            <a:avLst/>
+            <a:gdLst>
+              <a:gd name="connsiteX0" fmla="*/ 2835357 w 2835357"/>
+              <a:gd name="connsiteY0" fmla="*/ 1480837 h 1480837"/>
+              <a:gd name="connsiteX1" fmla="*/ 0 w 2835357"/>
+              <a:gd name="connsiteY1" fmla="*/ 1480837 h 1480837"/>
+              <a:gd name="connsiteX2" fmla="*/ 1552727 w 2835357"/>
+              <a:gd name="connsiteY2" fmla="*/ 0 h 1480837"/>
+              <a:gd name="connsiteX3" fmla="*/ 2835357 w 2835357"/>
+              <a:gd name="connsiteY3" fmla="*/ 1223245 h 1480837"/>
+            </a:gdLst>
+            <a:ahLst/>
+            <a:cxnLst>
+              <a:cxn ang="0">
+                <a:pos x="connsiteX0" y="connsiteY0"/>
+              </a:cxn>
+              <a:cxn ang="0">
+                <a:pos x="connsiteX1" y="connsiteY1"/>
+              </a:cxn>
+              <a:cxn ang="0">
+                <a:pos x="connsiteX2" y="connsiteY2"/>
+              </a:cxn>
+              <a:cxn ang="0">
+                <a:pos x="connsiteX3" y="connsiteY3"/>
+              </a:cxn>
+            </a:cxnLst>
+            <a:rect l="l" t="t" r="r" b="b"/>
+            <a:pathLst>
+              <a:path w="2835357" h="1480837">
+                <a:moveTo>
+                  <a:pt x="2835357" y="1480837"/>
+                </a:moveTo>
+                <a:lnTo>
+                  <a:pt x="0" y="1480837"/>
+                </a:lnTo>
+                <a:lnTo>
+                  <a:pt x="1552727" y="0"/>
+                </a:lnTo>
+                <a:lnTo>
+                  <a:pt x="2835357" y="1223245"/>
+                </a:lnTo>
+                <a:close/>
+              </a:path>
+            </a:pathLst>
+          </a:custGeom>
+          <a:solidFill>
+            <a:schemeClr val="accent4">
+              <a:alpha val="30000"/>
+            </a:schemeClr>
+          </a:solidFill>
+          <a:ln>
+            <a:noFill/>
+          </a:ln>
+        </p:spPr>
+        <p:style>
+          <a:lnRef idx="2">
+            <a:schemeClr val="accent1">
+              <a:shade val="50000"/>
+            </a:schemeClr>
+          </a:lnRef>
+          <a:fillRef idx="1">
+            <a:schemeClr val="accent1"/>
+          </a:fillRef>
+          <a:effectRef idx="0">
+            <a:schemeClr val="accent1"/>
+          </a:effectRef>
+          <a:fontRef idx="minor">
+            <a:schemeClr val="lt1"/>
+          </a:fontRef>
+        </p:style>
+        <p:txBody>
+          <a:bodyPr wrap="square" rtlCol="0" anchor="ctr">
+            <a:noAutofit/>
+          </a:bodyPr>
+          <a:lstStyle/>
+          <a:p>
+            <a:pPr algn="ctr"/>
+            <a:endParaRPr lang="en-US" dirty="0"/>
+          </a:p>
+        </p:txBody>
+      </p:sp>
+      <p:sp>
+        <p:nvSpPr>
+          <p:cNvPr id="37" name="Isosceles Triangle 36">
+            <a:extLst>
+              <a:ext uri="{FF2B5EF4-FFF2-40B4-BE49-F238E27FC236}">
+                <a16:creationId xmlns:a16="http://schemas.microsoft.com/office/drawing/2014/main" id="{39D0DBA3-22C1-A7AD-5B65-E017A98F619A}"/>
+              </a:ext>
+              <a:ext uri="{C183D7F6-B498-43B3-948B-1728B52AA6E4}">
+                <adec:decorative xmlns:adec="http://schemas.microsoft.com/office/drawing/2017/decorative" val="1"/>
+              </a:ext>
+            </a:extLst>
+          </p:cNvPr>
+          <p:cNvSpPr>
+            <a:spLocks noGrp="1" noRot="1" noChangeAspect="1" noMove="1" noResize="1" noEditPoints="1" noAdjustHandles="1" noChangeArrowheads="1" noChangeShapeType="1" noTextEdit="1"/>
+          </p:cNvSpPr>
+          <p:nvPr>
+            <p:extLst>
+              <p:ext uri="{386F3935-93C4-4BCD-93E2-E3B085C9AB24}">
+                <p16:designElem xmlns:p16="http://schemas.microsoft.com/office/powerpoint/2015/main" val="1"/>
+              </p:ext>
+            </p:extLst>
+          </p:nvPr>
+        </p:nvSpPr>
+        <p:spPr>
+          <a:xfrm flipH="1">
+            <a:off x="6580483" y="6930901"/>
+            <a:ext cx="1232974" cy="841499"/>
+          </a:xfrm>
+          <a:prstGeom prst="triangle">
+            <a:avLst/>
+          </a:prstGeom>
+          <a:solidFill>
+            <a:schemeClr val="accent1">
+              <a:alpha val="30000"/>
+            </a:schemeClr>
+          </a:solidFill>
+          <a:ln>
+            <a:noFill/>
+          </a:ln>
+        </p:spPr>
+        <p:style>
+          <a:lnRef idx="2">
+            <a:schemeClr val="accent1">
+              <a:shade val="50000"/>
+            </a:schemeClr>
+          </a:lnRef>
+          <a:fillRef idx="1">
+            <a:schemeClr val="accent1"/>
+          </a:fillRef>
+          <a:effectRef idx="0">
+            <a:schemeClr val="accent1"/>
+          </a:effectRef>
+          <a:fontRef idx="minor">
+            <a:schemeClr val="lt1"/>
+          </a:fontRef>
+        </p:style>
+        <p:txBody>
+          <a:bodyPr rtlCol="0" anchor="ctr"/>
+          <a:lstStyle/>
+          <a:p>
+            <a:pPr algn="ctr"/>
+            <a:endParaRPr lang="en-US"/>
+          </a:p>
+        </p:txBody>
+      </p:sp>
+      <p:sp>
+        <p:nvSpPr>
+          <p:cNvPr id="39" name="Isosceles Triangle 38">
+            <a:extLst>
+              <a:ext uri="{FF2B5EF4-FFF2-40B4-BE49-F238E27FC236}">
+                <a16:creationId xmlns:a16="http://schemas.microsoft.com/office/drawing/2014/main" id="{11E4C121-B4D1-7C55-C58B-079744362B58}"/>
+              </a:ext>
+              <a:ext uri="{C183D7F6-B498-43B3-948B-1728B52AA6E4}">
+                <adec:decorative xmlns:adec="http://schemas.microsoft.com/office/drawing/2017/decorative" val="1"/>
+              </a:ext>
+            </a:extLst>
+          </p:cNvPr>
+          <p:cNvSpPr>
+            <a:spLocks noGrp="1" noRot="1" noChangeAspect="1" noMove="1" noResize="1" noEditPoints="1" noAdjustHandles="1" noChangeArrowheads="1" noChangeShapeType="1" noTextEdit="1"/>
+          </p:cNvSpPr>
+          <p:nvPr>
+            <p:extLst>
+              <p:ext uri="{386F3935-93C4-4BCD-93E2-E3B085C9AB24}">
+                <p16:designElem xmlns:p16="http://schemas.microsoft.com/office/powerpoint/2015/main" val="1"/>
+              </p:ext>
+            </p:extLst>
+          </p:nvPr>
+        </p:nvSpPr>
+        <p:spPr>
+          <a:xfrm flipH="1">
+            <a:off x="6273366" y="7313562"/>
+            <a:ext cx="672294" cy="458838"/>
+          </a:xfrm>
+          <a:prstGeom prst="triangle">
+            <a:avLst/>
+          </a:prstGeom>
+          <a:solidFill>
+            <a:schemeClr val="accent1">
+              <a:alpha val="30000"/>
+            </a:schemeClr>
+          </a:solidFill>
+          <a:ln>
+            <a:noFill/>
+          </a:ln>
+        </p:spPr>
+        <p:style>
+          <a:lnRef idx="2">
+            <a:schemeClr val="accent1">
+              <a:shade val="50000"/>
+            </a:schemeClr>
+          </a:lnRef>
+          <a:fillRef idx="1">
+            <a:schemeClr val="accent1"/>
+          </a:fillRef>
+          <a:effectRef idx="0">
+            <a:schemeClr val="accent1"/>
+          </a:effectRef>
+          <a:fontRef idx="minor">
+            <a:schemeClr val="lt1"/>
+          </a:fontRef>
+        </p:style>
+        <p:txBody>
+          <a:bodyPr rtlCol="0" anchor="ctr"/>
+          <a:lstStyle/>
+          <a:p>
+            <a:pPr algn="ctr"/>
+            <a:endParaRPr lang="en-US"/>
+          </a:p>
+        </p:txBody>
+      </p:sp>
+      <p:sp>
+        <p:nvSpPr>
+          <p:cNvPr id="6" name="TextBox 5">
+            <a:extLst>
+              <a:ext uri="{FF2B5EF4-FFF2-40B4-BE49-F238E27FC236}">
+                <a16:creationId xmlns:a16="http://schemas.microsoft.com/office/drawing/2014/main" id="{4F82D9C0-7538-351C-DD92-6383E4364DC0}"/>
+              </a:ext>
+            </a:extLst>
+          </p:cNvPr>
+          <p:cNvSpPr txBox="1"/>
+          <p:nvPr/>
+        </p:nvSpPr>
+        <p:spPr>
+          <a:xfrm>
+            <a:off x="1528411" y="1573218"/>
+            <a:ext cx="7086600" cy="584775"/>
+          </a:xfrm>
+          <a:prstGeom prst="rect">
+            <a:avLst/>
+          </a:prstGeom>
+          <a:noFill/>
+        </p:spPr>
+        <p:txBody>
+          <a:bodyPr wrap="square" rtlCol="0">
+            <a:spAutoFit/>
+          </a:bodyPr>
+          <a:lstStyle/>
+          <a:p>
+            <a:pPr algn="ctr"/>
+            <a:r>
+              <a:rPr lang="en-US" sz="3200" b="1" dirty="0">
+                <a:latin typeface="+mj-lt"/>
+              </a:rPr>
+              <a:t>Table of Content</a:t>
+            </a:r>
+          </a:p>
+        </p:txBody>
+      </p:sp>
+      <p:sp>
+        <p:nvSpPr>
+          <p:cNvPr id="7" name="TextBox 6">
+            <a:extLst>
+              <a:ext uri="{FF2B5EF4-FFF2-40B4-BE49-F238E27FC236}">
+                <a16:creationId xmlns:a16="http://schemas.microsoft.com/office/drawing/2014/main" id="{716ECDE0-EB0A-BB9E-DDD2-7D61E6AD8FDA}"/>
+              </a:ext>
+            </a:extLst>
+          </p:cNvPr>
+          <p:cNvSpPr txBox="1"/>
+          <p:nvPr/>
+        </p:nvSpPr>
+        <p:spPr>
+          <a:xfrm>
+            <a:off x="2158869" y="2762815"/>
+            <a:ext cx="6886575" cy="2677656"/>
+          </a:xfrm>
+          <a:prstGeom prst="rect">
+            <a:avLst/>
+          </a:prstGeom>
+          <a:noFill/>
+        </p:spPr>
+        <p:txBody>
+          <a:bodyPr wrap="square" rtlCol="0">
+            <a:spAutoFit/>
+          </a:bodyPr>
+          <a:lstStyle/>
+          <a:p>
+            <a:pPr marL="342900" indent="-342900">
+              <a:buAutoNum type="arabicPeriod"/>
+            </a:pPr>
+            <a:r>
+              <a:rPr lang="en-US" sz="2800" dirty="0"/>
+              <a:t>Introduction</a:t>
+            </a:r>
+          </a:p>
+          <a:p>
+            <a:pPr marL="342900" indent="-342900">
+              <a:buAutoNum type="arabicPeriod"/>
+            </a:pPr>
+            <a:r>
+              <a:rPr lang="en-US" sz="2800" dirty="0"/>
+              <a:t>Data Cleaning – SQL</a:t>
+            </a:r>
+          </a:p>
+          <a:p>
+            <a:pPr marL="342900" indent="-342900">
+              <a:buAutoNum type="arabicPeriod"/>
+            </a:pPr>
+            <a:r>
+              <a:rPr lang="en-US" sz="2800" dirty="0"/>
+              <a:t>Visualization – Python Matplotlib &amp; Pandas </a:t>
+            </a:r>
+          </a:p>
+          <a:p>
+            <a:pPr marL="342900" indent="-342900">
+              <a:buAutoNum type="arabicPeriod"/>
+            </a:pPr>
+            <a:r>
+              <a:rPr lang="en-US" sz="2800" dirty="0"/>
+              <a:t>Supervised Machine Learning Models</a:t>
+            </a:r>
+          </a:p>
+          <a:p>
+            <a:pPr marL="342900" indent="-342900">
+              <a:buAutoNum type="arabicPeriod"/>
+            </a:pPr>
+            <a:r>
+              <a:rPr lang="en-US" sz="2800" dirty="0"/>
+              <a:t>Model Optimizations </a:t>
+            </a:r>
+          </a:p>
+          <a:p>
+            <a:pPr marL="342900" indent="-342900">
+              <a:buAutoNum type="arabicPeriod"/>
+            </a:pPr>
+            <a:r>
+              <a:rPr lang="en-US" sz="2800" dirty="0"/>
+              <a:t>Result &amp; Conclusion</a:t>
+            </a:r>
+          </a:p>
+        </p:txBody>
+      </p:sp>
+    </p:spTree>
+    <p:extLst>
+      <p:ext uri="{BB962C8B-B14F-4D97-AF65-F5344CB8AC3E}">
+        <p14:creationId xmlns:p14="http://schemas.microsoft.com/office/powerpoint/2010/main" val="523771182"/>
+      </p:ext>
+    </p:extLst>
+  </p:cSld>
+  <p:clrMapOvr>
+    <a:masterClrMapping/>
+  </p:clrMapOvr>
+</p:sld>
+</file>
+
+<file path=ppt/slides/slide20.xml><?xml version="1.0" encoding="utf-8"?>
+<p:sld xmlns:a="http://schemas.openxmlformats.org/drawingml/2006/main" xmlns:r="http://schemas.openxmlformats.org/officeDocument/2006/relationships" xmlns:p="http://schemas.openxmlformats.org/presentationml/2006/main">
+  <p:cSld>
+    <p:bg>
+      <p:bgPr>
+        <a:solidFill>
+          <a:schemeClr val="bg1"/>
+        </a:solidFill>
+        <a:effectLst/>
+      </p:bgPr>
+    </p:bg>
+    <p:spTree>
+      <p:nvGrpSpPr>
+        <p:cNvPr id="1" name="">
+          <a:extLst>
+            <a:ext uri="{FF2B5EF4-FFF2-40B4-BE49-F238E27FC236}">
+              <a16:creationId xmlns:a16="http://schemas.microsoft.com/office/drawing/2014/main" id="{C6B4CF4D-762A-DE2E-C4F7-010025F1397A}"/>
+            </a:ext>
+          </a:extLst>
+        </p:cNvPr>
+        <p:cNvGrpSpPr/>
+        <p:nvPr/>
+      </p:nvGrpSpPr>
+      <p:grpSpPr>
+        <a:xfrm>
+          <a:off x="0" y="0"/>
+          <a:ext cx="0" cy="0"/>
+          <a:chOff x="0" y="0"/>
+          <a:chExt cx="0" cy="0"/>
+        </a:xfrm>
+      </p:grpSpPr>
+      <p:sp>
+        <p:nvSpPr>
+          <p:cNvPr id="27" name="Rectangle 26">
+            <a:extLst>
+              <a:ext uri="{FF2B5EF4-FFF2-40B4-BE49-F238E27FC236}">
+                <a16:creationId xmlns:a16="http://schemas.microsoft.com/office/drawing/2014/main" id="{95F4A986-6A23-CB2E-DE53-4F0AECED1CC7}"/>
+              </a:ext>
+              <a:ext uri="{C183D7F6-B498-43B3-948B-1728B52AA6E4}">
+                <adec:decorative xmlns:adec="http://schemas.microsoft.com/office/drawing/2017/decorative" val="1"/>
+              </a:ext>
+            </a:extLst>
+          </p:cNvPr>
+          <p:cNvSpPr>
+            <a:spLocks noGrp="1" noRot="1" noChangeAspect="1" noMove="1" noResize="1" noEditPoints="1" noAdjustHandles="1" noChangeArrowheads="1" noChangeShapeType="1" noTextEdit="1"/>
+          </p:cNvSpPr>
+          <p:nvPr>
+            <p:extLst>
+              <p:ext uri="{386F3935-93C4-4BCD-93E2-E3B085C9AB24}">
+                <p16:designElem xmlns:p16="http://schemas.microsoft.com/office/powerpoint/2015/main" val="1"/>
+              </p:ext>
+            </p:extLst>
+          </p:nvPr>
+        </p:nvSpPr>
+        <p:spPr>
+          <a:xfrm>
+            <a:off x="0" y="0"/>
+            <a:ext cx="10058400" cy="7772400"/>
+          </a:xfrm>
+          <a:prstGeom prst="rect">
+            <a:avLst/>
+          </a:prstGeom>
+          <a:solidFill>
+            <a:schemeClr val="bg1"/>
+          </a:solidFill>
+          <a:ln>
+            <a:noFill/>
+          </a:ln>
+        </p:spPr>
+        <p:style>
+          <a:lnRef idx="2">
+            <a:schemeClr val="accent1">
+              <a:shade val="50000"/>
+            </a:schemeClr>
+          </a:lnRef>
+          <a:fillRef idx="1">
+            <a:schemeClr val="accent1"/>
+          </a:fillRef>
+          <a:effectRef idx="0">
+            <a:schemeClr val="accent1"/>
+          </a:effectRef>
+          <a:fontRef idx="minor">
+            <a:schemeClr val="lt1"/>
+          </a:fontRef>
+        </p:style>
+        <p:txBody>
+          <a:bodyPr rtlCol="0" anchor="ctr"/>
+          <a:lstStyle/>
+          <a:p>
+            <a:pPr algn="ctr"/>
+            <a:endParaRPr lang="en-US" dirty="0"/>
+          </a:p>
+        </p:txBody>
+      </p:sp>
+      <p:sp>
+        <p:nvSpPr>
+          <p:cNvPr id="29" name="Freeform: Shape 28">
+            <a:extLst>
+              <a:ext uri="{FF2B5EF4-FFF2-40B4-BE49-F238E27FC236}">
+                <a16:creationId xmlns:a16="http://schemas.microsoft.com/office/drawing/2014/main" id="{F69B61BC-3EA7-6670-B7A9-3809E7D81E20}"/>
+              </a:ext>
+              <a:ext uri="{C183D7F6-B498-43B3-948B-1728B52AA6E4}">
+                <adec:decorative xmlns:adec="http://schemas.microsoft.com/office/drawing/2017/decorative" val="1"/>
+              </a:ext>
+            </a:extLst>
+          </p:cNvPr>
+          <p:cNvSpPr>
+            <a:spLocks noGrp="1" noRot="1" noChangeAspect="1" noMove="1" noResize="1" noEditPoints="1" noAdjustHandles="1" noChangeArrowheads="1" noChangeShapeType="1" noTextEdit="1"/>
+          </p:cNvSpPr>
+          <p:nvPr>
+            <p:extLst>
+              <p:ext uri="{386F3935-93C4-4BCD-93E2-E3B085C9AB24}">
+                <p16:designElem xmlns:p16="http://schemas.microsoft.com/office/powerpoint/2015/main" val="1"/>
+              </p:ext>
+            </p:extLst>
+          </p:nvPr>
+        </p:nvSpPr>
+        <p:spPr>
+          <a:xfrm rot="18900000" flipH="1">
+            <a:off x="-310328" y="-287492"/>
+            <a:ext cx="1507800" cy="1560586"/>
+          </a:xfrm>
+          <a:custGeom>
+            <a:avLst/>
+            <a:gdLst>
+              <a:gd name="connsiteX0" fmla="*/ 0 w 1827638"/>
+              <a:gd name="connsiteY0" fmla="*/ 987379 h 1376989"/>
+              <a:gd name="connsiteX1" fmla="*/ 987379 w 1827638"/>
+              <a:gd name="connsiteY1" fmla="*/ 0 h 1376989"/>
+              <a:gd name="connsiteX2" fmla="*/ 1827638 w 1827638"/>
+              <a:gd name="connsiteY2" fmla="*/ 840260 h 1376989"/>
+              <a:gd name="connsiteX3" fmla="*/ 1827638 w 1827638"/>
+              <a:gd name="connsiteY3" fmla="*/ 1376989 h 1376989"/>
+              <a:gd name="connsiteX4" fmla="*/ 0 w 1827638"/>
+              <a:gd name="connsiteY4" fmla="*/ 1376989 h 1376989"/>
+            </a:gdLst>
+            <a:ahLst/>
+            <a:cxnLst>
+              <a:cxn ang="0">
+                <a:pos x="connsiteX0" y="connsiteY0"/>
+              </a:cxn>
+              <a:cxn ang="0">
+                <a:pos x="connsiteX1" y="connsiteY1"/>
+              </a:cxn>
+              <a:cxn ang="0">
+                <a:pos x="connsiteX2" y="connsiteY2"/>
+              </a:cxn>
+              <a:cxn ang="0">
+                <a:pos x="connsiteX3" y="connsiteY3"/>
+              </a:cxn>
+              <a:cxn ang="0">
+                <a:pos x="connsiteX4" y="connsiteY4"/>
+              </a:cxn>
+            </a:cxnLst>
+            <a:rect l="l" t="t" r="r" b="b"/>
+            <a:pathLst>
+              <a:path w="1827638" h="1376989">
+                <a:moveTo>
+                  <a:pt x="0" y="987379"/>
+                </a:moveTo>
+                <a:lnTo>
+                  <a:pt x="987379" y="0"/>
+                </a:lnTo>
+                <a:lnTo>
+                  <a:pt x="1827638" y="840260"/>
+                </a:lnTo>
+                <a:lnTo>
+                  <a:pt x="1827638" y="1376989"/>
+                </a:lnTo>
+                <a:lnTo>
+                  <a:pt x="0" y="1376989"/>
+                </a:lnTo>
+                <a:close/>
+              </a:path>
+            </a:pathLst>
+          </a:custGeom>
+          <a:solidFill>
+            <a:schemeClr val="accent1">
+              <a:alpha val="30000"/>
+            </a:schemeClr>
+          </a:solidFill>
+          <a:ln>
+            <a:noFill/>
+          </a:ln>
+        </p:spPr>
+        <p:style>
+          <a:lnRef idx="2">
+            <a:schemeClr val="accent1">
+              <a:shade val="50000"/>
+            </a:schemeClr>
+          </a:lnRef>
+          <a:fillRef idx="1">
+            <a:schemeClr val="accent1"/>
+          </a:fillRef>
+          <a:effectRef idx="0">
+            <a:schemeClr val="accent1"/>
+          </a:effectRef>
+          <a:fontRef idx="minor">
+            <a:schemeClr val="lt1"/>
+          </a:fontRef>
+        </p:style>
+        <p:txBody>
+          <a:bodyPr rtlCol="0" anchor="ctr"/>
+          <a:lstStyle/>
+          <a:p>
+            <a:pPr algn="ctr"/>
+            <a:endParaRPr lang="en-US" dirty="0"/>
+          </a:p>
+        </p:txBody>
+      </p:sp>
+      <p:sp>
+        <p:nvSpPr>
+          <p:cNvPr id="31" name="Rectangle 30">
+            <a:extLst>
+              <a:ext uri="{FF2B5EF4-FFF2-40B4-BE49-F238E27FC236}">
+                <a16:creationId xmlns:a16="http://schemas.microsoft.com/office/drawing/2014/main" id="{C9424F9F-6FF4-FE01-7457-487D98107E16}"/>
+              </a:ext>
+              <a:ext uri="{C183D7F6-B498-43B3-948B-1728B52AA6E4}">
+                <adec:decorative xmlns:adec="http://schemas.microsoft.com/office/drawing/2017/decorative" val="1"/>
+              </a:ext>
+            </a:extLst>
+          </p:cNvPr>
+          <p:cNvSpPr>
+            <a:spLocks noGrp="1" noRot="1" noChangeAspect="1" noMove="1" noResize="1" noEditPoints="1" noAdjustHandles="1" noChangeArrowheads="1" noChangeShapeType="1" noTextEdit="1"/>
+          </p:cNvSpPr>
+          <p:nvPr>
+            <p:extLst>
+              <p:ext uri="{386F3935-93C4-4BCD-93E2-E3B085C9AB24}">
+                <p16:designElem xmlns:p16="http://schemas.microsoft.com/office/powerpoint/2015/main" val="1"/>
+              </p:ext>
+            </p:extLst>
+          </p:nvPr>
+        </p:nvSpPr>
+        <p:spPr>
+          <a:xfrm rot="18900000" flipH="1">
+            <a:off x="735603" y="478432"/>
+            <a:ext cx="532429" cy="731417"/>
+          </a:xfrm>
+          <a:prstGeom prst="rect">
+            <a:avLst/>
+          </a:prstGeom>
+          <a:solidFill>
+            <a:schemeClr val="accent1">
+              <a:alpha val="30000"/>
+            </a:schemeClr>
+          </a:solidFill>
+          <a:ln>
+            <a:noFill/>
+          </a:ln>
+        </p:spPr>
+        <p:style>
+          <a:lnRef idx="2">
+            <a:schemeClr val="accent1">
+              <a:shade val="50000"/>
+            </a:schemeClr>
+          </a:lnRef>
+          <a:fillRef idx="1">
+            <a:schemeClr val="accent1"/>
+          </a:fillRef>
+          <a:effectRef idx="0">
+            <a:schemeClr val="accent1"/>
+          </a:effectRef>
+          <a:fontRef idx="minor">
+            <a:schemeClr val="lt1"/>
+          </a:fontRef>
+        </p:style>
+        <p:txBody>
+          <a:bodyPr rtlCol="0" anchor="ctr"/>
+          <a:lstStyle/>
+          <a:p>
+            <a:pPr algn="ctr"/>
+            <a:endParaRPr lang="en-US"/>
+          </a:p>
+        </p:txBody>
+      </p:sp>
+      <p:sp>
+        <p:nvSpPr>
+          <p:cNvPr id="33" name="Rectangle 32">
+            <a:extLst>
+              <a:ext uri="{FF2B5EF4-FFF2-40B4-BE49-F238E27FC236}">
+                <a16:creationId xmlns:a16="http://schemas.microsoft.com/office/drawing/2014/main" id="{45228FD3-3044-89D3-B303-642A33313C13}"/>
+              </a:ext>
+              <a:ext uri="{C183D7F6-B498-43B3-948B-1728B52AA6E4}">
+                <adec:decorative xmlns:adec="http://schemas.microsoft.com/office/drawing/2017/decorative" val="1"/>
+              </a:ext>
+            </a:extLst>
+          </p:cNvPr>
+          <p:cNvSpPr>
+            <a:spLocks noGrp="1" noRot="1" noChangeAspect="1" noMove="1" noResize="1" noEditPoints="1" noAdjustHandles="1" noChangeArrowheads="1" noChangeShapeType="1" noTextEdit="1"/>
+          </p:cNvSpPr>
+          <p:nvPr>
+            <p:extLst>
+              <p:ext uri="{386F3935-93C4-4BCD-93E2-E3B085C9AB24}">
+                <p16:designElem xmlns:p16="http://schemas.microsoft.com/office/powerpoint/2015/main" val="1"/>
+              </p:ext>
+            </p:extLst>
+          </p:nvPr>
+        </p:nvSpPr>
+        <p:spPr>
+          <a:xfrm rot="18900000" flipH="1">
+            <a:off x="8285872" y="742492"/>
+            <a:ext cx="567165" cy="779134"/>
+          </a:xfrm>
+          <a:prstGeom prst="rect">
+            <a:avLst/>
+          </a:prstGeom>
+          <a:solidFill>
+            <a:schemeClr val="accent4">
+              <a:alpha val="30000"/>
+            </a:schemeClr>
+          </a:solidFill>
+          <a:ln>
+            <a:noFill/>
+          </a:ln>
+        </p:spPr>
+        <p:style>
+          <a:lnRef idx="2">
+            <a:schemeClr val="accent1">
+              <a:shade val="50000"/>
+            </a:schemeClr>
+          </a:lnRef>
+          <a:fillRef idx="1">
+            <a:schemeClr val="accent1"/>
+          </a:fillRef>
+          <a:effectRef idx="0">
+            <a:schemeClr val="accent1"/>
+          </a:effectRef>
+          <a:fontRef idx="minor">
+            <a:schemeClr val="lt1"/>
+          </a:fontRef>
+        </p:style>
+        <p:txBody>
+          <a:bodyPr rtlCol="0" anchor="ctr"/>
+          <a:lstStyle/>
+          <a:p>
+            <a:pPr algn="ctr"/>
+            <a:endParaRPr lang="en-US"/>
+          </a:p>
+        </p:txBody>
+      </p:sp>
+      <p:sp>
+        <p:nvSpPr>
+          <p:cNvPr id="35" name="Freeform: Shape 34">
+            <a:extLst>
+              <a:ext uri="{FF2B5EF4-FFF2-40B4-BE49-F238E27FC236}">
+                <a16:creationId xmlns:a16="http://schemas.microsoft.com/office/drawing/2014/main" id="{532A32A1-DA88-7EB3-4471-70C5A8162F91}"/>
+              </a:ext>
+              <a:ext uri="{C183D7F6-B498-43B3-948B-1728B52AA6E4}">
+                <adec:decorative xmlns:adec="http://schemas.microsoft.com/office/drawing/2017/decorative" val="1"/>
+              </a:ext>
+            </a:extLst>
+          </p:cNvPr>
+          <p:cNvSpPr>
+            <a:spLocks noGrp="1" noRot="1" noChangeAspect="1" noMove="1" noResize="1" noEditPoints="1" noAdjustHandles="1" noChangeArrowheads="1" noChangeShapeType="1" noTextEdit="1"/>
+          </p:cNvSpPr>
+          <p:nvPr>
+            <p:extLst>
+              <p:ext uri="{386F3935-93C4-4BCD-93E2-E3B085C9AB24}">
+                <p16:designElem xmlns:p16="http://schemas.microsoft.com/office/powerpoint/2015/main" val="1"/>
+              </p:ext>
+            </p:extLst>
+          </p:nvPr>
+        </p:nvSpPr>
+        <p:spPr>
+          <a:xfrm rot="10800000" flipH="1">
+            <a:off x="7719230" y="0"/>
+            <a:ext cx="2339170" cy="1678281"/>
+          </a:xfrm>
+          <a:custGeom>
+            <a:avLst/>
+            <a:gdLst>
+              <a:gd name="connsiteX0" fmla="*/ 2835357 w 2835357"/>
+              <a:gd name="connsiteY0" fmla="*/ 1480837 h 1480837"/>
+              <a:gd name="connsiteX1" fmla="*/ 0 w 2835357"/>
+              <a:gd name="connsiteY1" fmla="*/ 1480837 h 1480837"/>
+              <a:gd name="connsiteX2" fmla="*/ 1552727 w 2835357"/>
+              <a:gd name="connsiteY2" fmla="*/ 0 h 1480837"/>
+              <a:gd name="connsiteX3" fmla="*/ 2835357 w 2835357"/>
+              <a:gd name="connsiteY3" fmla="*/ 1223245 h 1480837"/>
+            </a:gdLst>
+            <a:ahLst/>
+            <a:cxnLst>
+              <a:cxn ang="0">
+                <a:pos x="connsiteX0" y="connsiteY0"/>
+              </a:cxn>
+              <a:cxn ang="0">
+                <a:pos x="connsiteX1" y="connsiteY1"/>
+              </a:cxn>
+              <a:cxn ang="0">
+                <a:pos x="connsiteX2" y="connsiteY2"/>
+              </a:cxn>
+              <a:cxn ang="0">
+                <a:pos x="connsiteX3" y="connsiteY3"/>
+              </a:cxn>
+            </a:cxnLst>
+            <a:rect l="l" t="t" r="r" b="b"/>
+            <a:pathLst>
+              <a:path w="2835357" h="1480837">
+                <a:moveTo>
+                  <a:pt x="2835357" y="1480837"/>
+                </a:moveTo>
+                <a:lnTo>
+                  <a:pt x="0" y="1480837"/>
+                </a:lnTo>
+                <a:lnTo>
+                  <a:pt x="1552727" y="0"/>
+                </a:lnTo>
+                <a:lnTo>
+                  <a:pt x="2835357" y="1223245"/>
+                </a:lnTo>
+                <a:close/>
+              </a:path>
+            </a:pathLst>
+          </a:custGeom>
+          <a:solidFill>
+            <a:schemeClr val="accent4">
+              <a:alpha val="30000"/>
+            </a:schemeClr>
+          </a:solidFill>
+          <a:ln>
+            <a:noFill/>
+          </a:ln>
+        </p:spPr>
+        <p:style>
+          <a:lnRef idx="2">
+            <a:schemeClr val="accent1">
+              <a:shade val="50000"/>
+            </a:schemeClr>
+          </a:lnRef>
+          <a:fillRef idx="1">
+            <a:schemeClr val="accent1"/>
+          </a:fillRef>
+          <a:effectRef idx="0">
+            <a:schemeClr val="accent1"/>
+          </a:effectRef>
+          <a:fontRef idx="minor">
+            <a:schemeClr val="lt1"/>
+          </a:fontRef>
+        </p:style>
+        <p:txBody>
+          <a:bodyPr wrap="square" rtlCol="0" anchor="ctr">
+            <a:noAutofit/>
+          </a:bodyPr>
+          <a:lstStyle/>
+          <a:p>
+            <a:pPr algn="ctr"/>
+            <a:endParaRPr lang="en-US" dirty="0"/>
+          </a:p>
+        </p:txBody>
+      </p:sp>
+      <p:sp>
+        <p:nvSpPr>
+          <p:cNvPr id="37" name="Isosceles Triangle 36">
+            <a:extLst>
+              <a:ext uri="{FF2B5EF4-FFF2-40B4-BE49-F238E27FC236}">
+                <a16:creationId xmlns:a16="http://schemas.microsoft.com/office/drawing/2014/main" id="{9BCC2685-14A7-19D2-D445-3A3D4E73E412}"/>
+              </a:ext>
+              <a:ext uri="{C183D7F6-B498-43B3-948B-1728B52AA6E4}">
+                <adec:decorative xmlns:adec="http://schemas.microsoft.com/office/drawing/2017/decorative" val="1"/>
+              </a:ext>
+            </a:extLst>
+          </p:cNvPr>
+          <p:cNvSpPr>
+            <a:spLocks noGrp="1" noRot="1" noChangeAspect="1" noMove="1" noResize="1" noEditPoints="1" noAdjustHandles="1" noChangeArrowheads="1" noChangeShapeType="1" noTextEdit="1"/>
+          </p:cNvSpPr>
+          <p:nvPr>
+            <p:extLst>
+              <p:ext uri="{386F3935-93C4-4BCD-93E2-E3B085C9AB24}">
+                <p16:designElem xmlns:p16="http://schemas.microsoft.com/office/powerpoint/2015/main" val="1"/>
+              </p:ext>
+            </p:extLst>
+          </p:nvPr>
+        </p:nvSpPr>
+        <p:spPr>
+          <a:xfrm flipH="1">
+            <a:off x="6580483" y="6930901"/>
+            <a:ext cx="1232974" cy="841499"/>
+          </a:xfrm>
+          <a:prstGeom prst="triangle">
+            <a:avLst/>
+          </a:prstGeom>
+          <a:solidFill>
+            <a:schemeClr val="accent1">
+              <a:alpha val="30000"/>
+            </a:schemeClr>
+          </a:solidFill>
+          <a:ln>
+            <a:noFill/>
+          </a:ln>
+        </p:spPr>
+        <p:style>
+          <a:lnRef idx="2">
+            <a:schemeClr val="accent1">
+              <a:shade val="50000"/>
+            </a:schemeClr>
+          </a:lnRef>
+          <a:fillRef idx="1">
+            <a:schemeClr val="accent1"/>
+          </a:fillRef>
+          <a:effectRef idx="0">
+            <a:schemeClr val="accent1"/>
+          </a:effectRef>
+          <a:fontRef idx="minor">
+            <a:schemeClr val="lt1"/>
+          </a:fontRef>
+        </p:style>
+        <p:txBody>
+          <a:bodyPr rtlCol="0" anchor="ctr"/>
+          <a:lstStyle/>
+          <a:p>
+            <a:pPr algn="ctr"/>
+            <a:endParaRPr lang="en-US"/>
+          </a:p>
+        </p:txBody>
+      </p:sp>
+      <p:sp>
+        <p:nvSpPr>
+          <p:cNvPr id="39" name="Isosceles Triangle 38">
+            <a:extLst>
+              <a:ext uri="{FF2B5EF4-FFF2-40B4-BE49-F238E27FC236}">
+                <a16:creationId xmlns:a16="http://schemas.microsoft.com/office/drawing/2014/main" id="{07209B77-EB1D-1498-3A81-0E3BE9995709}"/>
+              </a:ext>
+              <a:ext uri="{C183D7F6-B498-43B3-948B-1728B52AA6E4}">
+                <adec:decorative xmlns:adec="http://schemas.microsoft.com/office/drawing/2017/decorative" val="1"/>
+              </a:ext>
+            </a:extLst>
+          </p:cNvPr>
+          <p:cNvSpPr>
+            <a:spLocks noGrp="1" noRot="1" noChangeAspect="1" noMove="1" noResize="1" noEditPoints="1" noAdjustHandles="1" noChangeArrowheads="1" noChangeShapeType="1" noTextEdit="1"/>
+          </p:cNvSpPr>
+          <p:nvPr>
+            <p:extLst>
+              <p:ext uri="{386F3935-93C4-4BCD-93E2-E3B085C9AB24}">
+                <p16:designElem xmlns:p16="http://schemas.microsoft.com/office/powerpoint/2015/main" val="1"/>
+              </p:ext>
+            </p:extLst>
+          </p:nvPr>
+        </p:nvSpPr>
+        <p:spPr>
+          <a:xfrm flipH="1">
+            <a:off x="6273366" y="7313562"/>
+            <a:ext cx="672294" cy="458838"/>
+          </a:xfrm>
+          <a:prstGeom prst="triangle">
+            <a:avLst/>
+          </a:prstGeom>
+          <a:solidFill>
+            <a:schemeClr val="accent1">
+              <a:alpha val="30000"/>
+            </a:schemeClr>
+          </a:solidFill>
+          <a:ln>
+            <a:noFill/>
+          </a:ln>
+        </p:spPr>
+        <p:style>
+          <a:lnRef idx="2">
+            <a:schemeClr val="accent1">
+              <a:shade val="50000"/>
+            </a:schemeClr>
+          </a:lnRef>
+          <a:fillRef idx="1">
+            <a:schemeClr val="accent1"/>
+          </a:fillRef>
+          <a:effectRef idx="0">
+            <a:schemeClr val="accent1"/>
+          </a:effectRef>
+          <a:fontRef idx="minor">
+            <a:schemeClr val="lt1"/>
+          </a:fontRef>
+        </p:style>
+        <p:txBody>
+          <a:bodyPr rtlCol="0" anchor="ctr"/>
+          <a:lstStyle/>
+          <a:p>
+            <a:pPr algn="ctr"/>
+            <a:endParaRPr lang="en-US"/>
+          </a:p>
+        </p:txBody>
+      </p:sp>
+      <p:sp>
+        <p:nvSpPr>
+          <p:cNvPr id="3" name="Picture Placeholder 2">
+            <a:extLst>
+              <a:ext uri="{FF2B5EF4-FFF2-40B4-BE49-F238E27FC236}">
+                <a16:creationId xmlns:a16="http://schemas.microsoft.com/office/drawing/2014/main" id="{04A177BF-42B4-9BEE-9DBE-A7A5941FD585}"/>
+              </a:ext>
+            </a:extLst>
+          </p:cNvPr>
+          <p:cNvSpPr>
+            <a:spLocks noGrp="1"/>
+          </p:cNvSpPr>
+          <p:nvPr>
+            <p:ph type="pic" sz="quarter" idx="11"/>
+          </p:nvPr>
+        </p:nvSpPr>
+        <p:spPr/>
+        <p:txBody>
+          <a:bodyPr/>
+          <a:lstStyle/>
+          <a:p>
+            <a:endParaRPr lang="en-US"/>
+          </a:p>
+        </p:txBody>
+      </p:sp>
+      <p:sp>
+        <p:nvSpPr>
+          <p:cNvPr id="2" name="TextBox 1">
+            <a:extLst>
+              <a:ext uri="{FF2B5EF4-FFF2-40B4-BE49-F238E27FC236}">
+                <a16:creationId xmlns:a16="http://schemas.microsoft.com/office/drawing/2014/main" id="{E6B97963-37AA-324C-D414-212D6594A3FF}"/>
+              </a:ext>
+            </a:extLst>
+          </p:cNvPr>
+          <p:cNvSpPr txBox="1"/>
+          <p:nvPr/>
+        </p:nvSpPr>
+        <p:spPr>
+          <a:xfrm>
+            <a:off x="333506" y="800209"/>
+            <a:ext cx="9569239" cy="1077218"/>
+          </a:xfrm>
+          <a:prstGeom prst="rect">
+            <a:avLst/>
+          </a:prstGeom>
+          <a:noFill/>
+        </p:spPr>
+        <p:txBody>
+          <a:bodyPr wrap="square" rtlCol="0">
+            <a:spAutoFit/>
+          </a:bodyPr>
+          <a:lstStyle/>
+          <a:p>
+            <a:pPr algn="ctr"/>
+            <a:r>
+              <a:rPr lang="en-US" sz="3200" b="1" dirty="0"/>
+              <a:t>5. Model Optimizations  </a:t>
+            </a:r>
+          </a:p>
+          <a:p>
+            <a:pPr algn="ctr"/>
+            <a:r>
+              <a:rPr lang="en-US" sz="3200" dirty="0"/>
+              <a:t>Part 1</a:t>
+            </a:r>
+          </a:p>
+        </p:txBody>
+      </p:sp>
+      <p:sp>
+        <p:nvSpPr>
+          <p:cNvPr id="5" name="Content Placeholder 2">
+            <a:extLst>
+              <a:ext uri="{FF2B5EF4-FFF2-40B4-BE49-F238E27FC236}">
+                <a16:creationId xmlns:a16="http://schemas.microsoft.com/office/drawing/2014/main" id="{A34BDE4E-112D-C0EB-8BDC-4CC50B382AB7}"/>
+              </a:ext>
+            </a:extLst>
+          </p:cNvPr>
+          <p:cNvSpPr txBox="1">
+            <a:spLocks/>
+          </p:cNvSpPr>
+          <p:nvPr/>
+        </p:nvSpPr>
+        <p:spPr>
+          <a:xfrm>
+            <a:off x="948267" y="2744178"/>
+            <a:ext cx="4249154" cy="1385109"/>
+          </a:xfrm>
+          <a:prstGeom prst="rect">
+            <a:avLst/>
+          </a:prstGeom>
+        </p:spPr>
+        <p:txBody>
+          <a:bodyPr/>
+          <a:lstStyle>
+            <a:lvl1pPr marL="228600" indent="-228600" algn="l" defTabSz="914400" rtl="0" eaLnBrk="1" latinLnBrk="0" hangingPunct="1">
+              <a:lnSpc>
+                <a:spcPct val="90000"/>
+              </a:lnSpc>
+              <a:spcBef>
+                <a:spcPts val="1000"/>
+              </a:spcBef>
+              <a:buFont typeface="Arial" panose="020B0604020202020204" pitchFamily="34" charset="0"/>
+              <a:buChar char="•"/>
+              <a:defRPr sz="2800" kern="1200">
+                <a:solidFill>
+                  <a:schemeClr val="tx1">
+                    <a:lumMod val="75000"/>
+                    <a:lumOff val="25000"/>
+                  </a:schemeClr>
+                </a:solidFill>
+                <a:latin typeface="+mn-lt"/>
+                <a:ea typeface="+mn-ea"/>
+                <a:cs typeface="+mn-cs"/>
+              </a:defRPr>
+            </a:lvl1pPr>
+            <a:lvl2pPr marL="685800" indent="-228600" algn="l" defTabSz="914400" rtl="0" eaLnBrk="1" latinLnBrk="0" hangingPunct="1">
+              <a:lnSpc>
+                <a:spcPct val="90000"/>
+              </a:lnSpc>
+              <a:spcBef>
+                <a:spcPts val="500"/>
+              </a:spcBef>
+              <a:buFont typeface="Arial" panose="020B0604020202020204" pitchFamily="34" charset="0"/>
+              <a:buChar char="•"/>
+              <a:defRPr sz="2400" kern="1200">
+                <a:solidFill>
+                  <a:schemeClr val="tx1">
+                    <a:lumMod val="75000"/>
+                    <a:lumOff val="25000"/>
+                  </a:schemeClr>
+                </a:solidFill>
+                <a:latin typeface="+mn-lt"/>
+                <a:ea typeface="+mn-ea"/>
+                <a:cs typeface="+mn-cs"/>
+              </a:defRPr>
+            </a:lvl2pPr>
+            <a:lvl3pPr marL="1143000" indent="-228600" algn="l" defTabSz="914400" rtl="0" eaLnBrk="1" latinLnBrk="0" hangingPunct="1">
+              <a:lnSpc>
+                <a:spcPct val="90000"/>
+              </a:lnSpc>
+              <a:spcBef>
+                <a:spcPts val="500"/>
+              </a:spcBef>
+              <a:buFont typeface="Arial" panose="020B0604020202020204" pitchFamily="34" charset="0"/>
+              <a:buChar char="•"/>
+              <a:defRPr sz="2000" kern="1200">
+                <a:solidFill>
+                  <a:schemeClr val="tx1">
+                    <a:lumMod val="75000"/>
+                    <a:lumOff val="25000"/>
+                  </a:schemeClr>
+                </a:solidFill>
+                <a:latin typeface="+mn-lt"/>
+                <a:ea typeface="+mn-ea"/>
+                <a:cs typeface="+mn-cs"/>
+              </a:defRPr>
+            </a:lvl3pPr>
+            <a:lvl4pPr marL="1600200" indent="-228600" algn="l" defTabSz="914400" rtl="0" eaLnBrk="1" latinLnBrk="0" hangingPunct="1">
+              <a:lnSpc>
+                <a:spcPct val="90000"/>
+              </a:lnSpc>
+              <a:spcBef>
+                <a:spcPts val="500"/>
+              </a:spcBef>
+              <a:buFont typeface="Arial" panose="020B0604020202020204" pitchFamily="34" charset="0"/>
+              <a:buChar char="•"/>
+              <a:defRPr sz="1800" kern="1200">
+                <a:solidFill>
+                  <a:schemeClr val="tx1">
+                    <a:lumMod val="75000"/>
+                    <a:lumOff val="25000"/>
+                  </a:schemeClr>
+                </a:solidFill>
+                <a:latin typeface="+mn-lt"/>
+                <a:ea typeface="+mn-ea"/>
+                <a:cs typeface="+mn-cs"/>
+              </a:defRPr>
+            </a:lvl4pPr>
+            <a:lvl5pPr marL="2057400" indent="-228600" algn="l" defTabSz="914400" rtl="0" eaLnBrk="1" latinLnBrk="0" hangingPunct="1">
+              <a:lnSpc>
+                <a:spcPct val="90000"/>
+              </a:lnSpc>
+              <a:spcBef>
+                <a:spcPts val="500"/>
+              </a:spcBef>
+              <a:buFont typeface="Arial" panose="020B0604020202020204" pitchFamily="34" charset="0"/>
+              <a:buChar char="•"/>
+              <a:defRPr sz="1800" kern="1200">
+                <a:solidFill>
+                  <a:schemeClr val="tx1">
+                    <a:lumMod val="75000"/>
+                    <a:lumOff val="25000"/>
+                  </a:schemeClr>
+                </a:solidFill>
+                <a:latin typeface="+mn-lt"/>
+                <a:ea typeface="+mn-ea"/>
+                <a:cs typeface="+mn-cs"/>
+              </a:defRPr>
+            </a:lvl5pPr>
+            <a:lvl6pPr marL="2514600" indent="-228600" algn="l" defTabSz="914400" rtl="0" eaLnBrk="1" latinLnBrk="0" hangingPunct="1">
+              <a:lnSpc>
+                <a:spcPct val="90000"/>
+              </a:lnSpc>
+              <a:spcBef>
+                <a:spcPts val="500"/>
+              </a:spcBef>
+              <a:buFont typeface="Arial" panose="020B0604020202020204" pitchFamily="34" charset="0"/>
+              <a:buChar char="•"/>
+              <a:defRPr sz="1800" kern="1200">
+                <a:solidFill>
+                  <a:schemeClr val="tx1"/>
+                </a:solidFill>
+                <a:latin typeface="+mn-lt"/>
+                <a:ea typeface="+mn-ea"/>
+                <a:cs typeface="+mn-cs"/>
+              </a:defRPr>
+            </a:lvl6pPr>
+            <a:lvl7pPr marL="2971800" indent="-228600" algn="l" defTabSz="914400" rtl="0" eaLnBrk="1" latinLnBrk="0" hangingPunct="1">
+              <a:lnSpc>
+                <a:spcPct val="90000"/>
+              </a:lnSpc>
+              <a:spcBef>
+                <a:spcPts val="500"/>
+              </a:spcBef>
+              <a:buFont typeface="Arial" panose="020B0604020202020204" pitchFamily="34" charset="0"/>
+              <a:buChar char="•"/>
+              <a:defRPr sz="1800" kern="1200">
+                <a:solidFill>
+                  <a:schemeClr val="tx1"/>
+                </a:solidFill>
+                <a:latin typeface="+mn-lt"/>
+                <a:ea typeface="+mn-ea"/>
+                <a:cs typeface="+mn-cs"/>
+              </a:defRPr>
+            </a:lvl7pPr>
+            <a:lvl8pPr marL="3429000" indent="-228600" algn="l" defTabSz="914400" rtl="0" eaLnBrk="1" latinLnBrk="0" hangingPunct="1">
+              <a:lnSpc>
+                <a:spcPct val="90000"/>
+              </a:lnSpc>
+              <a:spcBef>
+                <a:spcPts val="500"/>
+              </a:spcBef>
+              <a:buFont typeface="Arial" panose="020B0604020202020204" pitchFamily="34" charset="0"/>
+              <a:buChar char="•"/>
+              <a:defRPr sz="1800" kern="1200">
+                <a:solidFill>
+                  <a:schemeClr val="tx1"/>
+                </a:solidFill>
+                <a:latin typeface="+mn-lt"/>
+                <a:ea typeface="+mn-ea"/>
+                <a:cs typeface="+mn-cs"/>
+              </a:defRPr>
+            </a:lvl8pPr>
+            <a:lvl9pPr marL="3886200" indent="-228600" algn="l" defTabSz="914400" rtl="0" eaLnBrk="1" latinLnBrk="0" hangingPunct="1">
+              <a:lnSpc>
+                <a:spcPct val="90000"/>
+              </a:lnSpc>
+              <a:spcBef>
+                <a:spcPts val="500"/>
+              </a:spcBef>
+              <a:buFont typeface="Arial" panose="020B0604020202020204" pitchFamily="34" charset="0"/>
+              <a:buChar char="•"/>
+              <a:defRPr sz="1800" kern="1200">
+                <a:solidFill>
+                  <a:schemeClr val="tx1"/>
+                </a:solidFill>
+                <a:latin typeface="+mn-lt"/>
+                <a:ea typeface="+mn-ea"/>
+                <a:cs typeface="+mn-cs"/>
+              </a:defRPr>
+            </a:lvl9pPr>
+          </a:lstStyle>
+          <a:p>
+            <a:pPr marL="0" indent="0">
+              <a:buNone/>
+            </a:pPr>
+            <a:r>
+              <a:rPr lang="en-US" sz="2000" b="1" dirty="0"/>
+              <a:t>1. Oversampling data and using </a:t>
+            </a:r>
+          </a:p>
+          <a:p>
+            <a:pPr marL="0" indent="0">
+              <a:buNone/>
+            </a:pPr>
+            <a:r>
+              <a:rPr lang="en-US" sz="2000" b="1" dirty="0" err="1"/>
+              <a:t>RandomForestClassifier</a:t>
+            </a:r>
+            <a:endParaRPr lang="en-US" sz="2000" b="1" dirty="0"/>
+          </a:p>
+          <a:p>
+            <a:pPr marL="0" indent="0">
+              <a:buFont typeface="Arial" panose="020B0604020202020204" pitchFamily="34" charset="0"/>
+              <a:buNone/>
+            </a:pPr>
+            <a:endParaRPr lang="en-US" b="1" dirty="0"/>
+          </a:p>
+          <a:p>
+            <a:endParaRPr lang="en-GB" dirty="0"/>
+          </a:p>
+          <a:p>
+            <a:endParaRPr lang="en-GB" dirty="0"/>
+          </a:p>
+          <a:p>
+            <a:endParaRPr lang="en-GB" sz="2000" dirty="0"/>
+          </a:p>
+          <a:p>
+            <a:endParaRPr lang="en-GB" sz="2000" b="1" dirty="0"/>
+          </a:p>
+          <a:p>
+            <a:r>
+              <a:rPr lang="en-GB" sz="2000" b="1" dirty="0"/>
+              <a:t>2. </a:t>
+            </a:r>
+            <a:r>
+              <a:rPr lang="en-US" sz="2000" b="1" dirty="0"/>
+              <a:t>Oversampling data, dropping columns found less important, and using </a:t>
+            </a:r>
+            <a:r>
+              <a:rPr lang="en-US" sz="2000" b="1" dirty="0" err="1"/>
+              <a:t>RandomForestClassifier</a:t>
+            </a:r>
+            <a:endParaRPr lang="en-US" sz="2000" b="1" dirty="0"/>
+          </a:p>
+          <a:p>
+            <a:endParaRPr lang="en-US" sz="2000" b="1" dirty="0"/>
+          </a:p>
+          <a:p>
+            <a:endParaRPr lang="en-US" sz="2000" b="1" dirty="0"/>
+          </a:p>
+          <a:p>
+            <a:endParaRPr lang="en-GB" sz="2000" dirty="0"/>
+          </a:p>
+        </p:txBody>
+      </p:sp>
+      <p:pic>
+        <p:nvPicPr>
+          <p:cNvPr id="12" name="Picture 2">
+            <a:extLst>
+              <a:ext uri="{FF2B5EF4-FFF2-40B4-BE49-F238E27FC236}">
+                <a16:creationId xmlns:a16="http://schemas.microsoft.com/office/drawing/2014/main" id="{9AC53A73-32FA-0C7A-0ADC-E55C8B386725}"/>
+              </a:ext>
+            </a:extLst>
+          </p:cNvPr>
+          <p:cNvPicPr>
+            <a:picLocks noChangeAspect="1" noChangeArrowheads="1"/>
+          </p:cNvPicPr>
+          <p:nvPr/>
+        </p:nvPicPr>
+        <p:blipFill>
+          <a:blip r:embed="rId3">
+            <a:extLst>
+              <a:ext uri="{28A0092B-C50C-407E-A947-70E740481C1C}">
+                <a14:useLocalDpi xmlns:a14="http://schemas.microsoft.com/office/drawing/2010/main" val="0"/>
+              </a:ext>
+            </a:extLst>
+          </a:blip>
+          <a:srcRect/>
+          <a:stretch>
+            <a:fillRect/>
+          </a:stretch>
+        </p:blipFill>
+        <p:spPr bwMode="auto">
+          <a:xfrm>
+            <a:off x="5455548" y="2036542"/>
+            <a:ext cx="4330698" cy="2800380"/>
+          </a:xfrm>
+          <a:prstGeom prst="rect">
+            <a:avLst/>
+          </a:prstGeom>
+          <a:noFill/>
+          <a:ln>
+            <a:noFill/>
+          </a:ln>
+          <a:effectLst/>
+          <a:extLst>
+            <a:ext uri="{909E8E84-426E-40DD-AFC4-6F175D3DCCD1}">
+              <a14:hiddenFill xmlns:a14="http://schemas.microsoft.com/office/drawing/2010/main">
+                <a:solidFill>
+                  <a:schemeClr val="accent1"/>
+                </a:solidFill>
+              </a14:hiddenFill>
+            </a:ext>
+            <a:ext uri="{91240B29-F687-4F45-9708-019B960494DF}">
+              <a14:hiddenLine xmlns:a14="http://schemas.microsoft.com/office/drawing/2010/main" w="9525">
+                <a:solidFill>
+                  <a:schemeClr val="tx1"/>
+                </a:solidFill>
+                <a:miter lim="800000"/>
+                <a:headEnd/>
+                <a:tailEnd/>
+              </a14:hiddenLine>
+            </a:ext>
+            <a:ext uri="{AF507438-7753-43E0-B8FC-AC1667EBCBE1}">
+              <a14:hiddenEffects xmlns:a14="http://schemas.microsoft.com/office/drawing/2010/main">
+                <a:effectLst>
+                  <a:outerShdw dist="35921" dir="2700000" algn="ctr" rotWithShape="0">
+                    <a:schemeClr val="bg2"/>
+                  </a:outerShdw>
+                </a:effectLst>
+              </a14:hiddenEffects>
+            </a:ext>
+          </a:extLst>
+        </p:spPr>
+      </p:pic>
+      <p:pic>
+        <p:nvPicPr>
+          <p:cNvPr id="13" name="Picture 4">
+            <a:extLst>
+              <a:ext uri="{FF2B5EF4-FFF2-40B4-BE49-F238E27FC236}">
+                <a16:creationId xmlns:a16="http://schemas.microsoft.com/office/drawing/2014/main" id="{7B9A3ACC-7F11-FE45-2E0F-949675A858FE}"/>
+              </a:ext>
+            </a:extLst>
+          </p:cNvPr>
+          <p:cNvPicPr>
+            <a:picLocks noChangeAspect="1" noChangeArrowheads="1"/>
+          </p:cNvPicPr>
+          <p:nvPr/>
+        </p:nvPicPr>
+        <p:blipFill>
+          <a:blip r:embed="rId4">
+            <a:extLst>
+              <a:ext uri="{28A0092B-C50C-407E-A947-70E740481C1C}">
+                <a14:useLocalDpi xmlns:a14="http://schemas.microsoft.com/office/drawing/2010/main" val="0"/>
+              </a:ext>
+            </a:extLst>
+          </a:blip>
+          <a:srcRect/>
+          <a:stretch>
+            <a:fillRect/>
+          </a:stretch>
+        </p:blipFill>
+        <p:spPr bwMode="auto">
+          <a:xfrm>
+            <a:off x="880533" y="4396314"/>
+            <a:ext cx="4316888" cy="2639235"/>
+          </a:xfrm>
+          <a:prstGeom prst="rect">
+            <a:avLst/>
+          </a:prstGeom>
+          <a:noFill/>
+          <a:ln>
+            <a:noFill/>
+          </a:ln>
+          <a:effectLst/>
+          <a:extLst>
+            <a:ext uri="{909E8E84-426E-40DD-AFC4-6F175D3DCCD1}">
+              <a14:hiddenFill xmlns:a14="http://schemas.microsoft.com/office/drawing/2010/main">
+                <a:solidFill>
+                  <a:schemeClr val="accent1"/>
+                </a:solidFill>
+              </a14:hiddenFill>
+            </a:ext>
+            <a:ext uri="{91240B29-F687-4F45-9708-019B960494DF}">
+              <a14:hiddenLine xmlns:a14="http://schemas.microsoft.com/office/drawing/2010/main" w="9525">
+                <a:solidFill>
+                  <a:schemeClr val="tx1"/>
+                </a:solidFill>
+                <a:miter lim="800000"/>
+                <a:headEnd/>
+                <a:tailEnd/>
+              </a14:hiddenLine>
+            </a:ext>
+            <a:ext uri="{AF507438-7753-43E0-B8FC-AC1667EBCBE1}">
+              <a14:hiddenEffects xmlns:a14="http://schemas.microsoft.com/office/drawing/2010/main">
+                <a:effectLst>
+                  <a:outerShdw dist="35921" dir="2700000" algn="ctr" rotWithShape="0">
+                    <a:schemeClr val="bg2"/>
+                  </a:outerShdw>
+                </a:effectLst>
+              </a14:hiddenEffects>
+            </a:ext>
+          </a:extLst>
+        </p:spPr>
+      </p:pic>
+      <p:sp>
+        <p:nvSpPr>
+          <p:cNvPr id="14" name="TextBox 13">
+            <a:extLst>
+              <a:ext uri="{FF2B5EF4-FFF2-40B4-BE49-F238E27FC236}">
+                <a16:creationId xmlns:a16="http://schemas.microsoft.com/office/drawing/2014/main" id="{F63AA505-2803-A1AB-30E1-B1CB59899586}"/>
+              </a:ext>
+            </a:extLst>
+          </p:cNvPr>
+          <p:cNvSpPr txBox="1"/>
+          <p:nvPr/>
+        </p:nvSpPr>
+        <p:spPr>
+          <a:xfrm>
+            <a:off x="5758863" y="4561769"/>
+            <a:ext cx="4027383" cy="2308324"/>
+          </a:xfrm>
+          <a:prstGeom prst="rect">
+            <a:avLst/>
+          </a:prstGeom>
+          <a:noFill/>
+        </p:spPr>
+        <p:txBody>
+          <a:bodyPr wrap="square" rtlCol="0">
+            <a:spAutoFit/>
+          </a:bodyPr>
+          <a:lstStyle/>
+          <a:p>
+            <a:endParaRPr lang="en-GB" dirty="0"/>
+          </a:p>
+          <a:p>
+            <a:endParaRPr lang="en-GB" dirty="0"/>
+          </a:p>
+          <a:p>
+            <a:endParaRPr lang="en-GB" sz="1800" dirty="0"/>
+          </a:p>
+          <a:p>
+            <a:endParaRPr lang="en-GB" sz="1800" b="1" dirty="0"/>
+          </a:p>
+          <a:p>
+            <a:r>
+              <a:rPr lang="en-GB" sz="1800" b="1" dirty="0"/>
+              <a:t>2. </a:t>
+            </a:r>
+            <a:r>
+              <a:rPr lang="en-US" sz="1800" b="1" dirty="0"/>
+              <a:t>Oversampling data, dropping </a:t>
+            </a:r>
+          </a:p>
+          <a:p>
+            <a:r>
+              <a:rPr lang="en-US" sz="1800" b="1" dirty="0"/>
+              <a:t>columns found less important, </a:t>
+            </a:r>
+          </a:p>
+          <a:p>
+            <a:r>
+              <a:rPr lang="en-US" sz="1800" b="1" dirty="0"/>
+              <a:t>and using </a:t>
+            </a:r>
+            <a:r>
+              <a:rPr lang="en-US" sz="1800" b="1" dirty="0" err="1"/>
+              <a:t>RandomForestClassifier</a:t>
+            </a:r>
+            <a:endParaRPr lang="en-US" sz="1800" b="1" dirty="0"/>
+          </a:p>
+          <a:p>
+            <a:endParaRPr lang="en-US" dirty="0"/>
+          </a:p>
+        </p:txBody>
+      </p:sp>
+    </p:spTree>
+    <p:extLst>
+      <p:ext uri="{BB962C8B-B14F-4D97-AF65-F5344CB8AC3E}">
+        <p14:creationId xmlns:p14="http://schemas.microsoft.com/office/powerpoint/2010/main" val="3276260558"/>
+      </p:ext>
+    </p:extLst>
+  </p:cSld>
+  <p:clrMapOvr>
+    <a:masterClrMapping/>
+  </p:clrMapOvr>
+</p:sld>
+</file>
+
+<file path=ppt/slides/slide21.xml><?xml version="1.0" encoding="utf-8"?>
+<p:sld xmlns:a="http://schemas.openxmlformats.org/drawingml/2006/main" xmlns:r="http://schemas.openxmlformats.org/officeDocument/2006/relationships" xmlns:p="http://schemas.openxmlformats.org/presentationml/2006/main">
+  <p:cSld>
+    <p:bg>
+      <p:bgPr>
+        <a:solidFill>
+          <a:schemeClr val="bg1"/>
+        </a:solidFill>
+        <a:effectLst/>
+      </p:bgPr>
+    </p:bg>
+    <p:spTree>
+      <p:nvGrpSpPr>
+        <p:cNvPr id="1" name="">
+          <a:extLst>
+            <a:ext uri="{FF2B5EF4-FFF2-40B4-BE49-F238E27FC236}">
+              <a16:creationId xmlns:a16="http://schemas.microsoft.com/office/drawing/2014/main" id="{AC3B1513-936B-7599-6ABE-71802B4453E4}"/>
+            </a:ext>
+          </a:extLst>
+        </p:cNvPr>
+        <p:cNvGrpSpPr/>
+        <p:nvPr/>
+      </p:nvGrpSpPr>
+      <p:grpSpPr>
+        <a:xfrm>
+          <a:off x="0" y="0"/>
+          <a:ext cx="0" cy="0"/>
+          <a:chOff x="0" y="0"/>
+          <a:chExt cx="0" cy="0"/>
+        </a:xfrm>
+      </p:grpSpPr>
+      <p:sp>
+        <p:nvSpPr>
+          <p:cNvPr id="27" name="Rectangle 26">
+            <a:extLst>
+              <a:ext uri="{FF2B5EF4-FFF2-40B4-BE49-F238E27FC236}">
+                <a16:creationId xmlns:a16="http://schemas.microsoft.com/office/drawing/2014/main" id="{C5EBDAD9-F8C8-BD82-6A1C-1B46211B993B}"/>
+              </a:ext>
+              <a:ext uri="{C183D7F6-B498-43B3-948B-1728B52AA6E4}">
+                <adec:decorative xmlns:adec="http://schemas.microsoft.com/office/drawing/2017/decorative" val="1"/>
+              </a:ext>
+            </a:extLst>
+          </p:cNvPr>
+          <p:cNvSpPr>
+            <a:spLocks noGrp="1" noRot="1" noChangeAspect="1" noMove="1" noResize="1" noEditPoints="1" noAdjustHandles="1" noChangeArrowheads="1" noChangeShapeType="1" noTextEdit="1"/>
+          </p:cNvSpPr>
+          <p:nvPr>
+            <p:extLst>
+              <p:ext uri="{386F3935-93C4-4BCD-93E2-E3B085C9AB24}">
+                <p16:designElem xmlns:p16="http://schemas.microsoft.com/office/powerpoint/2015/main" val="1"/>
+              </p:ext>
+            </p:extLst>
+          </p:nvPr>
+        </p:nvSpPr>
+        <p:spPr>
+          <a:xfrm>
+            <a:off x="0" y="0"/>
+            <a:ext cx="10058400" cy="7772400"/>
+          </a:xfrm>
+          <a:prstGeom prst="rect">
+            <a:avLst/>
+          </a:prstGeom>
+          <a:solidFill>
+            <a:schemeClr val="bg1"/>
+          </a:solidFill>
+          <a:ln>
+            <a:noFill/>
+          </a:ln>
+        </p:spPr>
+        <p:style>
+          <a:lnRef idx="2">
+            <a:schemeClr val="accent1">
+              <a:shade val="50000"/>
+            </a:schemeClr>
+          </a:lnRef>
+          <a:fillRef idx="1">
+            <a:schemeClr val="accent1"/>
+          </a:fillRef>
+          <a:effectRef idx="0">
+            <a:schemeClr val="accent1"/>
+          </a:effectRef>
+          <a:fontRef idx="minor">
+            <a:schemeClr val="lt1"/>
+          </a:fontRef>
+        </p:style>
+        <p:txBody>
+          <a:bodyPr rtlCol="0" anchor="ctr"/>
+          <a:lstStyle/>
+          <a:p>
+            <a:pPr algn="ctr"/>
+            <a:endParaRPr lang="en-US" dirty="0"/>
+          </a:p>
+        </p:txBody>
+      </p:sp>
+      <p:grpSp>
+        <p:nvGrpSpPr>
+          <p:cNvPr id="29" name="Group 28">
+            <a:extLst>
+              <a:ext uri="{FF2B5EF4-FFF2-40B4-BE49-F238E27FC236}">
+                <a16:creationId xmlns:a16="http://schemas.microsoft.com/office/drawing/2014/main" id="{428EBB58-D62D-9B51-78DF-6472139DCD9A}"/>
+              </a:ext>
+              <a:ext uri="{C183D7F6-B498-43B3-948B-1728B52AA6E4}">
+                <adec:decorative xmlns:adec="http://schemas.microsoft.com/office/drawing/2017/decorative" val="1"/>
+              </a:ext>
+            </a:extLst>
+          </p:cNvPr>
+          <p:cNvGrpSpPr>
+            <a:grpSpLocks noGrp="1" noUngrp="1" noRot="1" noChangeAspect="1" noMove="1" noResize="1"/>
+          </p:cNvGrpSpPr>
+          <p:nvPr>
+            <p:extLst>
+              <p:ext uri="{386F3935-93C4-4BCD-93E2-E3B085C9AB24}">
+                <p16:designElem xmlns:p16="http://schemas.microsoft.com/office/powerpoint/2015/main" val="1"/>
+              </p:ext>
+            </p:extLst>
+          </p:nvPr>
+        </p:nvGrpSpPr>
+        <p:grpSpPr>
+          <a:xfrm flipH="1">
+            <a:off x="9045825" y="2672"/>
+            <a:ext cx="1548239" cy="2001476"/>
+            <a:chOff x="-648769" y="2358"/>
+            <a:chExt cx="1876653" cy="1766008"/>
+          </a:xfrm>
+        </p:grpSpPr>
+        <p:sp>
+          <p:nvSpPr>
+            <p:cNvPr id="30" name="Freeform: Shape 29">
+              <a:extLst>
+                <a:ext uri="{FF2B5EF4-FFF2-40B4-BE49-F238E27FC236}">
+                  <a16:creationId xmlns:a16="http://schemas.microsoft.com/office/drawing/2014/main" id="{5E1AF157-DD9F-ABBB-7AE8-BA1F8325BDDB}"/>
+                </a:ext>
+                <a:ext uri="{C183D7F6-B498-43B3-948B-1728B52AA6E4}">
+                  <adec:decorative xmlns:adec="http://schemas.microsoft.com/office/drawing/2017/decorative" val="1"/>
+                </a:ext>
+              </a:extLst>
+            </p:cNvPr>
+            <p:cNvSpPr/>
+            <p:nvPr>
+              <p:extLst>
+                <p:ext uri="{386F3935-93C4-4BCD-93E2-E3B085C9AB24}">
+                  <p16:designElem xmlns:p16="http://schemas.microsoft.com/office/powerpoint/2015/main" val="1"/>
+                </p:ext>
+              </p:extLst>
+            </p:nvPr>
+          </p:nvSpPr>
+          <p:spPr>
+            <a:xfrm rot="2700000">
+              <a:off x="-415188" y="-231223"/>
+              <a:ext cx="1409491" cy="1876653"/>
+            </a:xfrm>
+            <a:custGeom>
+              <a:avLst/>
+              <a:gdLst>
+                <a:gd name="connsiteX0" fmla="*/ 0 w 1409491"/>
+                <a:gd name="connsiteY0" fmla="*/ 643075 h 1876653"/>
+                <a:gd name="connsiteX1" fmla="*/ 643075 w 1409491"/>
+                <a:gd name="connsiteY1" fmla="*/ 0 h 1876653"/>
+                <a:gd name="connsiteX2" fmla="*/ 1409491 w 1409491"/>
+                <a:gd name="connsiteY2" fmla="*/ 0 h 1876653"/>
+                <a:gd name="connsiteX3" fmla="*/ 1409491 w 1409491"/>
+                <a:gd name="connsiteY3" fmla="*/ 1876653 h 1876653"/>
+                <a:gd name="connsiteX4" fmla="*/ 1233578 w 1409491"/>
+                <a:gd name="connsiteY4" fmla="*/ 1876653 h 1876653"/>
+              </a:gdLst>
+              <a:ahLst/>
+              <a:cxnLst>
+                <a:cxn ang="0">
+                  <a:pos x="connsiteX0" y="connsiteY0"/>
+                </a:cxn>
+                <a:cxn ang="0">
+                  <a:pos x="connsiteX1" y="connsiteY1"/>
+                </a:cxn>
+                <a:cxn ang="0">
+                  <a:pos x="connsiteX2" y="connsiteY2"/>
+                </a:cxn>
+                <a:cxn ang="0">
+                  <a:pos x="connsiteX3" y="connsiteY3"/>
+                </a:cxn>
+                <a:cxn ang="0">
+                  <a:pos x="connsiteX4" y="connsiteY4"/>
+                </a:cxn>
+              </a:cxnLst>
+              <a:rect l="l" t="t" r="r" b="b"/>
+              <a:pathLst>
+                <a:path w="1409491" h="1876653">
+                  <a:moveTo>
+                    <a:pt x="0" y="643075"/>
+                  </a:moveTo>
+                  <a:lnTo>
+                    <a:pt x="643075" y="0"/>
+                  </a:lnTo>
+                  <a:lnTo>
+                    <a:pt x="1409491" y="0"/>
+                  </a:lnTo>
+                  <a:lnTo>
+                    <a:pt x="1409491" y="1876653"/>
+                  </a:lnTo>
+                  <a:lnTo>
+                    <a:pt x="1233578" y="1876653"/>
+                  </a:lnTo>
+                  <a:close/>
+                </a:path>
+              </a:pathLst>
+            </a:custGeom>
+            <a:solidFill>
+              <a:schemeClr val="accent1">
+                <a:alpha val="30000"/>
+              </a:schemeClr>
+            </a:solidFill>
+            <a:ln>
+              <a:noFill/>
+            </a:ln>
+          </p:spPr>
+          <p:style>
+            <a:lnRef idx="2">
+              <a:schemeClr val="accent1">
+                <a:shade val="50000"/>
+              </a:schemeClr>
+            </a:lnRef>
+            <a:fillRef idx="1">
+              <a:schemeClr val="accent1"/>
+            </a:fillRef>
+            <a:effectRef idx="0">
+              <a:schemeClr val="accent1"/>
+            </a:effectRef>
+            <a:fontRef idx="minor">
+              <a:schemeClr val="lt1"/>
+            </a:fontRef>
+          </p:style>
+          <p:txBody>
+            <a:bodyPr rtlCol="0" anchor="ctr"/>
+            <a:lstStyle/>
+            <a:p>
+              <a:pPr algn="ctr"/>
+              <a:endParaRPr lang="en-US"/>
+            </a:p>
+          </p:txBody>
+        </p:sp>
+        <p:sp>
+          <p:nvSpPr>
+            <p:cNvPr id="31" name="Rectangle 30">
+              <a:extLst>
+                <a:ext uri="{FF2B5EF4-FFF2-40B4-BE49-F238E27FC236}">
+                  <a16:creationId xmlns:a16="http://schemas.microsoft.com/office/drawing/2014/main" id="{151AE59E-D5F5-4A2F-F502-E767D3A0D49E}"/>
+                </a:ext>
+                <a:ext uri="{C183D7F6-B498-43B3-948B-1728B52AA6E4}">
+                  <adec:decorative xmlns:adec="http://schemas.microsoft.com/office/drawing/2017/decorative" val="1"/>
+                </a:ext>
+              </a:extLst>
+            </p:cNvPr>
+            <p:cNvSpPr/>
+            <p:nvPr>
+              <p:extLst>
+                <p:ext uri="{386F3935-93C4-4BCD-93E2-E3B085C9AB24}">
+                  <p16:designElem xmlns:p16="http://schemas.microsoft.com/office/powerpoint/2015/main" val="1"/>
+                </p:ext>
+              </p:extLst>
+            </p:nvPr>
+          </p:nvSpPr>
+          <p:spPr>
+            <a:xfrm rot="2700000">
+              <a:off x="301285" y="1282788"/>
+              <a:ext cx="485578" cy="485578"/>
+            </a:xfrm>
+            <a:prstGeom prst="rect">
+              <a:avLst/>
+            </a:prstGeom>
+            <a:solidFill>
+              <a:schemeClr val="accent1">
+                <a:alpha val="30000"/>
+              </a:schemeClr>
+            </a:solidFill>
+            <a:ln>
+              <a:noFill/>
+            </a:ln>
+          </p:spPr>
+          <p:style>
+            <a:lnRef idx="2">
+              <a:schemeClr val="accent1">
+                <a:shade val="50000"/>
+              </a:schemeClr>
+            </a:lnRef>
+            <a:fillRef idx="1">
+              <a:schemeClr val="accent1"/>
+            </a:fillRef>
+            <a:effectRef idx="0">
+              <a:schemeClr val="accent1"/>
+            </a:effectRef>
+            <a:fontRef idx="minor">
+              <a:schemeClr val="lt1"/>
+            </a:fontRef>
+          </p:style>
+          <p:txBody>
+            <a:bodyPr rtlCol="0" anchor="ctr"/>
+            <a:lstStyle/>
+            <a:p>
+              <a:pPr algn="ctr"/>
+              <a:endParaRPr lang="en-US"/>
+            </a:p>
+          </p:txBody>
+        </p:sp>
+      </p:grpSp>
+      <p:sp>
+        <p:nvSpPr>
+          <p:cNvPr id="33" name="Rectangle 32">
+            <a:extLst>
+              <a:ext uri="{FF2B5EF4-FFF2-40B4-BE49-F238E27FC236}">
+                <a16:creationId xmlns:a16="http://schemas.microsoft.com/office/drawing/2014/main" id="{506515F5-7660-CB1F-6BC9-9219282B8ED8}"/>
+              </a:ext>
+              <a:ext uri="{C183D7F6-B498-43B3-948B-1728B52AA6E4}">
+                <adec:decorative xmlns:adec="http://schemas.microsoft.com/office/drawing/2017/decorative" val="1"/>
+              </a:ext>
+            </a:extLst>
+          </p:cNvPr>
+          <p:cNvSpPr>
+            <a:spLocks noGrp="1" noRot="1" noChangeAspect="1" noMove="1" noResize="1" noEditPoints="1" noAdjustHandles="1" noChangeArrowheads="1" noChangeShapeType="1" noTextEdit="1"/>
+          </p:cNvSpPr>
+          <p:nvPr>
+            <p:extLst>
+              <p:ext uri="{386F3935-93C4-4BCD-93E2-E3B085C9AB24}">
+                <p16:designElem xmlns:p16="http://schemas.microsoft.com/office/powerpoint/2015/main" val="1"/>
+              </p:ext>
+            </p:extLst>
+          </p:nvPr>
+        </p:nvSpPr>
+        <p:spPr>
+          <a:xfrm rot="2700000">
+            <a:off x="2158692" y="6937649"/>
+            <a:ext cx="731417" cy="532429"/>
+          </a:xfrm>
+          <a:prstGeom prst="rect">
+            <a:avLst/>
+          </a:prstGeom>
+          <a:solidFill>
+            <a:schemeClr val="accent4">
+              <a:alpha val="30000"/>
+            </a:schemeClr>
+          </a:solidFill>
+          <a:ln>
+            <a:noFill/>
+          </a:ln>
+        </p:spPr>
+        <p:style>
+          <a:lnRef idx="2">
+            <a:schemeClr val="accent1">
+              <a:shade val="50000"/>
+            </a:schemeClr>
+          </a:lnRef>
+          <a:fillRef idx="1">
+            <a:schemeClr val="accent1"/>
+          </a:fillRef>
+          <a:effectRef idx="0">
+            <a:schemeClr val="accent1"/>
+          </a:effectRef>
+          <a:fontRef idx="minor">
+            <a:schemeClr val="lt1"/>
+          </a:fontRef>
+        </p:style>
+        <p:txBody>
+          <a:bodyPr rtlCol="0" anchor="ctr"/>
+          <a:lstStyle/>
+          <a:p>
+            <a:pPr algn="ctr"/>
+            <a:endParaRPr lang="en-US"/>
+          </a:p>
+        </p:txBody>
+      </p:sp>
+      <p:sp>
+        <p:nvSpPr>
+          <p:cNvPr id="35" name="Isosceles Triangle 34">
+            <a:extLst>
+              <a:ext uri="{FF2B5EF4-FFF2-40B4-BE49-F238E27FC236}">
+                <a16:creationId xmlns:a16="http://schemas.microsoft.com/office/drawing/2014/main" id="{8F3A049A-F43B-6E90-C5B5-04CF4B4EA7FF}"/>
+              </a:ext>
+              <a:ext uri="{C183D7F6-B498-43B3-948B-1728B52AA6E4}">
+                <adec:decorative xmlns:adec="http://schemas.microsoft.com/office/drawing/2017/decorative" val="1"/>
+              </a:ext>
+            </a:extLst>
+          </p:cNvPr>
+          <p:cNvSpPr>
+            <a:spLocks noGrp="1" noRot="1" noChangeAspect="1" noMove="1" noResize="1" noEditPoints="1" noAdjustHandles="1" noChangeArrowheads="1" noChangeShapeType="1" noTextEdit="1"/>
+          </p:cNvSpPr>
+          <p:nvPr>
+            <p:extLst>
+              <p:ext uri="{386F3935-93C4-4BCD-93E2-E3B085C9AB24}">
+                <p16:designElem xmlns:p16="http://schemas.microsoft.com/office/powerpoint/2015/main" val="1"/>
+              </p:ext>
+            </p:extLst>
+          </p:nvPr>
+        </p:nvSpPr>
+        <p:spPr>
+          <a:xfrm>
+            <a:off x="1108334" y="6483922"/>
+            <a:ext cx="1866121" cy="1288476"/>
+          </a:xfrm>
+          <a:prstGeom prst="triangle">
+            <a:avLst>
+              <a:gd name="adj" fmla="val 50000"/>
+            </a:avLst>
+          </a:prstGeom>
+          <a:solidFill>
+            <a:schemeClr val="accent4">
+              <a:alpha val="30000"/>
+            </a:schemeClr>
+          </a:solidFill>
+          <a:ln>
+            <a:noFill/>
+          </a:ln>
+        </p:spPr>
+        <p:style>
+          <a:lnRef idx="2">
+            <a:schemeClr val="accent1">
+              <a:shade val="50000"/>
+            </a:schemeClr>
+          </a:lnRef>
+          <a:fillRef idx="1">
+            <a:schemeClr val="accent1"/>
+          </a:fillRef>
+          <a:effectRef idx="0">
+            <a:schemeClr val="accent1"/>
+          </a:effectRef>
+          <a:fontRef idx="minor">
+            <a:schemeClr val="lt1"/>
+          </a:fontRef>
+        </p:style>
+        <p:txBody>
+          <a:bodyPr rtlCol="0" anchor="ctr"/>
+          <a:lstStyle/>
+          <a:p>
+            <a:pPr algn="ctr"/>
+            <a:endParaRPr lang="en-US"/>
+          </a:p>
+        </p:txBody>
+      </p:sp>
+      <p:sp>
+        <p:nvSpPr>
+          <p:cNvPr id="6" name="TextBox 5">
+            <a:extLst>
+              <a:ext uri="{FF2B5EF4-FFF2-40B4-BE49-F238E27FC236}">
+                <a16:creationId xmlns:a16="http://schemas.microsoft.com/office/drawing/2014/main" id="{34017482-172B-6AC6-13EB-BF55A94A4EE8}"/>
+              </a:ext>
+            </a:extLst>
+          </p:cNvPr>
+          <p:cNvSpPr txBox="1"/>
+          <p:nvPr/>
+        </p:nvSpPr>
+        <p:spPr>
+          <a:xfrm>
+            <a:off x="308753" y="814937"/>
+            <a:ext cx="9569239" cy="584775"/>
+          </a:xfrm>
+          <a:prstGeom prst="rect">
+            <a:avLst/>
+          </a:prstGeom>
+          <a:noFill/>
+        </p:spPr>
+        <p:txBody>
+          <a:bodyPr wrap="square" rtlCol="0">
+            <a:spAutoFit/>
+          </a:bodyPr>
+          <a:lstStyle/>
+          <a:p>
+            <a:pPr algn="ctr"/>
+            <a:r>
+              <a:rPr lang="en-GB" sz="3200" i="0" dirty="0">
+                <a:solidFill>
+                  <a:srgbClr val="000000"/>
+                </a:solidFill>
+                <a:effectLst/>
+                <a:latin typeface="Helvetica Neue"/>
+              </a:rPr>
+              <a:t>Optimization Part 2</a:t>
+            </a:r>
+          </a:p>
+        </p:txBody>
+      </p:sp>
+      <p:sp>
+        <p:nvSpPr>
+          <p:cNvPr id="3" name="Picture Placeholder 2">
+            <a:extLst>
+              <a:ext uri="{FF2B5EF4-FFF2-40B4-BE49-F238E27FC236}">
+                <a16:creationId xmlns:a16="http://schemas.microsoft.com/office/drawing/2014/main" id="{6EF0B4F8-75D6-0F10-F5E2-AB246F3F31E2}"/>
+              </a:ext>
+            </a:extLst>
+          </p:cNvPr>
+          <p:cNvSpPr>
+            <a:spLocks noGrp="1"/>
+          </p:cNvSpPr>
+          <p:nvPr>
+            <p:ph type="pic" sz="quarter" idx="11"/>
+          </p:nvPr>
+        </p:nvSpPr>
+        <p:spPr/>
+        <p:txBody>
+          <a:bodyPr/>
+          <a:lstStyle/>
+          <a:p>
+            <a:endParaRPr lang="en-US"/>
+          </a:p>
+        </p:txBody>
+      </p:sp>
+      <p:sp>
+        <p:nvSpPr>
+          <p:cNvPr id="2" name="Content Placeholder 2">
+            <a:extLst>
+              <a:ext uri="{FF2B5EF4-FFF2-40B4-BE49-F238E27FC236}">
+                <a16:creationId xmlns:a16="http://schemas.microsoft.com/office/drawing/2014/main" id="{736E2FF1-480D-5CE9-FA48-5C92826C5B03}"/>
+              </a:ext>
+            </a:extLst>
+          </p:cNvPr>
+          <p:cNvSpPr txBox="1">
+            <a:spLocks/>
+          </p:cNvSpPr>
+          <p:nvPr/>
+        </p:nvSpPr>
+        <p:spPr>
+          <a:xfrm>
+            <a:off x="932887" y="1608483"/>
+            <a:ext cx="8811193" cy="5124446"/>
+          </a:xfrm>
+          <a:prstGeom prst="rect">
+            <a:avLst/>
+          </a:prstGeom>
+        </p:spPr>
+        <p:txBody>
+          <a:bodyPr/>
+          <a:lstStyle>
+            <a:lvl1pPr marL="228600" indent="-228600" algn="l" defTabSz="914400" rtl="0" eaLnBrk="1" latinLnBrk="0" hangingPunct="1">
+              <a:lnSpc>
+                <a:spcPct val="90000"/>
+              </a:lnSpc>
+              <a:spcBef>
+                <a:spcPts val="1000"/>
+              </a:spcBef>
+              <a:buFont typeface="Arial" panose="020B0604020202020204" pitchFamily="34" charset="0"/>
+              <a:buChar char="•"/>
+              <a:defRPr sz="2800" kern="1200">
+                <a:solidFill>
+                  <a:schemeClr val="tx1">
+                    <a:lumMod val="75000"/>
+                    <a:lumOff val="25000"/>
+                  </a:schemeClr>
+                </a:solidFill>
+                <a:latin typeface="+mn-lt"/>
+                <a:ea typeface="+mn-ea"/>
+                <a:cs typeface="+mn-cs"/>
+              </a:defRPr>
+            </a:lvl1pPr>
+            <a:lvl2pPr marL="685800" indent="-228600" algn="l" defTabSz="914400" rtl="0" eaLnBrk="1" latinLnBrk="0" hangingPunct="1">
+              <a:lnSpc>
+                <a:spcPct val="90000"/>
+              </a:lnSpc>
+              <a:spcBef>
+                <a:spcPts val="500"/>
+              </a:spcBef>
+              <a:buFont typeface="Arial" panose="020B0604020202020204" pitchFamily="34" charset="0"/>
+              <a:buChar char="•"/>
+              <a:defRPr sz="2400" kern="1200">
+                <a:solidFill>
+                  <a:schemeClr val="tx1">
+                    <a:lumMod val="75000"/>
+                    <a:lumOff val="25000"/>
+                  </a:schemeClr>
+                </a:solidFill>
+                <a:latin typeface="+mn-lt"/>
+                <a:ea typeface="+mn-ea"/>
+                <a:cs typeface="+mn-cs"/>
+              </a:defRPr>
+            </a:lvl2pPr>
+            <a:lvl3pPr marL="1143000" indent="-228600" algn="l" defTabSz="914400" rtl="0" eaLnBrk="1" latinLnBrk="0" hangingPunct="1">
+              <a:lnSpc>
+                <a:spcPct val="90000"/>
+              </a:lnSpc>
+              <a:spcBef>
+                <a:spcPts val="500"/>
+              </a:spcBef>
+              <a:buFont typeface="Arial" panose="020B0604020202020204" pitchFamily="34" charset="0"/>
+              <a:buChar char="•"/>
+              <a:defRPr sz="2000" kern="1200">
+                <a:solidFill>
+                  <a:schemeClr val="tx1">
+                    <a:lumMod val="75000"/>
+                    <a:lumOff val="25000"/>
+                  </a:schemeClr>
+                </a:solidFill>
+                <a:latin typeface="+mn-lt"/>
+                <a:ea typeface="+mn-ea"/>
+                <a:cs typeface="+mn-cs"/>
+              </a:defRPr>
+            </a:lvl3pPr>
+            <a:lvl4pPr marL="1600200" indent="-228600" algn="l" defTabSz="914400" rtl="0" eaLnBrk="1" latinLnBrk="0" hangingPunct="1">
+              <a:lnSpc>
+                <a:spcPct val="90000"/>
+              </a:lnSpc>
+              <a:spcBef>
+                <a:spcPts val="500"/>
+              </a:spcBef>
+              <a:buFont typeface="Arial" panose="020B0604020202020204" pitchFamily="34" charset="0"/>
+              <a:buChar char="•"/>
+              <a:defRPr sz="1800" kern="1200">
+                <a:solidFill>
+                  <a:schemeClr val="tx1">
+                    <a:lumMod val="75000"/>
+                    <a:lumOff val="25000"/>
+                  </a:schemeClr>
+                </a:solidFill>
+                <a:latin typeface="+mn-lt"/>
+                <a:ea typeface="+mn-ea"/>
+                <a:cs typeface="+mn-cs"/>
+              </a:defRPr>
+            </a:lvl4pPr>
+            <a:lvl5pPr marL="2057400" indent="-228600" algn="l" defTabSz="914400" rtl="0" eaLnBrk="1" latinLnBrk="0" hangingPunct="1">
+              <a:lnSpc>
+                <a:spcPct val="90000"/>
+              </a:lnSpc>
+              <a:spcBef>
+                <a:spcPts val="500"/>
+              </a:spcBef>
+              <a:buFont typeface="Arial" panose="020B0604020202020204" pitchFamily="34" charset="0"/>
+              <a:buChar char="•"/>
+              <a:defRPr sz="1800" kern="1200">
+                <a:solidFill>
+                  <a:schemeClr val="tx1">
+                    <a:lumMod val="75000"/>
+                    <a:lumOff val="25000"/>
+                  </a:schemeClr>
+                </a:solidFill>
+                <a:latin typeface="+mn-lt"/>
+                <a:ea typeface="+mn-ea"/>
+                <a:cs typeface="+mn-cs"/>
+              </a:defRPr>
+            </a:lvl5pPr>
+            <a:lvl6pPr marL="2514600" indent="-228600" algn="l" defTabSz="914400" rtl="0" eaLnBrk="1" latinLnBrk="0" hangingPunct="1">
+              <a:lnSpc>
+                <a:spcPct val="90000"/>
+              </a:lnSpc>
+              <a:spcBef>
+                <a:spcPts val="500"/>
+              </a:spcBef>
+              <a:buFont typeface="Arial" panose="020B0604020202020204" pitchFamily="34" charset="0"/>
+              <a:buChar char="•"/>
+              <a:defRPr sz="1800" kern="1200">
+                <a:solidFill>
+                  <a:schemeClr val="tx1"/>
+                </a:solidFill>
+                <a:latin typeface="+mn-lt"/>
+                <a:ea typeface="+mn-ea"/>
+                <a:cs typeface="+mn-cs"/>
+              </a:defRPr>
+            </a:lvl6pPr>
+            <a:lvl7pPr marL="2971800" indent="-228600" algn="l" defTabSz="914400" rtl="0" eaLnBrk="1" latinLnBrk="0" hangingPunct="1">
+              <a:lnSpc>
+                <a:spcPct val="90000"/>
+              </a:lnSpc>
+              <a:spcBef>
+                <a:spcPts val="500"/>
+              </a:spcBef>
+              <a:buFont typeface="Arial" panose="020B0604020202020204" pitchFamily="34" charset="0"/>
+              <a:buChar char="•"/>
+              <a:defRPr sz="1800" kern="1200">
+                <a:solidFill>
+                  <a:schemeClr val="tx1"/>
+                </a:solidFill>
+                <a:latin typeface="+mn-lt"/>
+                <a:ea typeface="+mn-ea"/>
+                <a:cs typeface="+mn-cs"/>
+              </a:defRPr>
+            </a:lvl7pPr>
+            <a:lvl8pPr marL="3429000" indent="-228600" algn="l" defTabSz="914400" rtl="0" eaLnBrk="1" latinLnBrk="0" hangingPunct="1">
+              <a:lnSpc>
+                <a:spcPct val="90000"/>
+              </a:lnSpc>
+              <a:spcBef>
+                <a:spcPts val="500"/>
+              </a:spcBef>
+              <a:buFont typeface="Arial" panose="020B0604020202020204" pitchFamily="34" charset="0"/>
+              <a:buChar char="•"/>
+              <a:defRPr sz="1800" kern="1200">
+                <a:solidFill>
+                  <a:schemeClr val="tx1"/>
+                </a:solidFill>
+                <a:latin typeface="+mn-lt"/>
+                <a:ea typeface="+mn-ea"/>
+                <a:cs typeface="+mn-cs"/>
+              </a:defRPr>
+            </a:lvl8pPr>
+            <a:lvl9pPr marL="3886200" indent="-228600" algn="l" defTabSz="914400" rtl="0" eaLnBrk="1" latinLnBrk="0" hangingPunct="1">
+              <a:lnSpc>
+                <a:spcPct val="90000"/>
+              </a:lnSpc>
+              <a:spcBef>
+                <a:spcPts val="500"/>
+              </a:spcBef>
+              <a:buFont typeface="Arial" panose="020B0604020202020204" pitchFamily="34" charset="0"/>
+              <a:buChar char="•"/>
+              <a:defRPr sz="1800" kern="1200">
+                <a:solidFill>
+                  <a:schemeClr val="tx1"/>
+                </a:solidFill>
+                <a:latin typeface="+mn-lt"/>
+                <a:ea typeface="+mn-ea"/>
+                <a:cs typeface="+mn-cs"/>
+              </a:defRPr>
+            </a:lvl9pPr>
+          </a:lstStyle>
+          <a:p>
+            <a:pPr marL="0" indent="0">
+              <a:buNone/>
+            </a:pPr>
+            <a:r>
+              <a:rPr lang="en-US" sz="2000" b="1" dirty="0"/>
+              <a:t>                                      </a:t>
+            </a:r>
+          </a:p>
+          <a:p>
+            <a:pPr marL="0" indent="0">
+              <a:buNone/>
+            </a:pPr>
+            <a:endParaRPr lang="en-US" sz="2000" b="1" dirty="0"/>
+          </a:p>
+          <a:p>
+            <a:pPr marL="0" indent="0">
+              <a:buNone/>
+            </a:pPr>
+            <a:endParaRPr lang="en-US" sz="2000" b="1" dirty="0"/>
+          </a:p>
+          <a:p>
+            <a:pPr marL="0" indent="0">
+              <a:buNone/>
+            </a:pPr>
+            <a:r>
+              <a:rPr lang="en-US" sz="2000" b="1" dirty="0"/>
+              <a:t>                                                                         3. Random Forest Classifier</a:t>
+            </a:r>
+          </a:p>
+          <a:p>
+            <a:pPr marL="0" indent="0">
+              <a:buNone/>
+            </a:pPr>
+            <a:r>
+              <a:rPr lang="en-US" sz="2000" b="1" dirty="0"/>
+              <a:t>                                                                       </a:t>
+            </a:r>
+            <a:r>
+              <a:rPr lang="en-US" sz="2000" b="1" dirty="0" err="1"/>
+              <a:t>optimised</a:t>
+            </a:r>
+            <a:r>
+              <a:rPr lang="en-US" sz="2000" b="1" dirty="0"/>
+              <a:t> using </a:t>
+            </a:r>
+            <a:r>
+              <a:rPr lang="en-US" sz="2000" b="1" dirty="0" err="1"/>
+              <a:t>GridSearchCV</a:t>
+            </a:r>
+            <a:endParaRPr lang="en-US" sz="2000" dirty="0"/>
+          </a:p>
+          <a:p>
+            <a:endParaRPr lang="en-US" sz="2000" b="1" dirty="0"/>
+          </a:p>
+          <a:p>
+            <a:pPr marL="0" indent="0">
+              <a:buFont typeface="Arial" panose="020B0604020202020204" pitchFamily="34" charset="0"/>
+              <a:buNone/>
+            </a:pPr>
+            <a:endParaRPr lang="en-US" b="1" dirty="0"/>
+          </a:p>
+          <a:p>
+            <a:pPr marL="0" indent="0">
+              <a:buNone/>
+            </a:pPr>
+            <a:endParaRPr lang="en-GB" dirty="0"/>
+          </a:p>
+          <a:p>
+            <a:pPr marL="0" indent="0">
+              <a:buNone/>
+            </a:pPr>
+            <a:endParaRPr lang="en-GB" sz="2000" dirty="0"/>
+          </a:p>
+          <a:p>
+            <a:pPr marL="0" indent="0">
+              <a:buNone/>
+            </a:pPr>
+            <a:r>
+              <a:rPr lang="en-GB" sz="2000" b="1" dirty="0"/>
+              <a:t>4. </a:t>
+            </a:r>
+            <a:r>
+              <a:rPr lang="en-US" sz="2000" b="1" dirty="0"/>
+              <a:t>Outliers removed from </a:t>
+            </a:r>
+          </a:p>
+          <a:p>
+            <a:pPr marL="0" indent="0">
+              <a:buNone/>
+            </a:pPr>
+            <a:r>
+              <a:rPr lang="en-US" sz="2000" b="1" dirty="0"/>
+              <a:t>original dataset, oversampled, </a:t>
+            </a:r>
+          </a:p>
+          <a:p>
+            <a:pPr marL="0" indent="0">
+              <a:buNone/>
+            </a:pPr>
+            <a:r>
+              <a:rPr lang="en-US" sz="2000" b="1" dirty="0"/>
+              <a:t>using </a:t>
+            </a:r>
+            <a:r>
+              <a:rPr lang="en-US" sz="2000" b="1" dirty="0" err="1"/>
+              <a:t>RandomForestClassifier</a:t>
+            </a:r>
+            <a:endParaRPr lang="en-US" sz="2000" b="1" dirty="0"/>
+          </a:p>
+          <a:p>
+            <a:endParaRPr lang="en-US" sz="2000" b="1" dirty="0"/>
+          </a:p>
+          <a:p>
+            <a:endParaRPr lang="en-GB" sz="2000" dirty="0"/>
+          </a:p>
+        </p:txBody>
+      </p:sp>
+      <p:pic>
+        <p:nvPicPr>
+          <p:cNvPr id="4" name="Picture 7">
+            <a:extLst>
+              <a:ext uri="{FF2B5EF4-FFF2-40B4-BE49-F238E27FC236}">
+                <a16:creationId xmlns:a16="http://schemas.microsoft.com/office/drawing/2014/main" id="{95E36B68-62AD-B9F2-70C2-B586569BA4BB}"/>
+              </a:ext>
+            </a:extLst>
+          </p:cNvPr>
+          <p:cNvPicPr>
+            <a:picLocks noChangeAspect="1" noChangeArrowheads="1"/>
+          </p:cNvPicPr>
+          <p:nvPr/>
+        </p:nvPicPr>
+        <p:blipFill>
+          <a:blip r:embed="rId3">
+            <a:extLst>
+              <a:ext uri="{28A0092B-C50C-407E-A947-70E740481C1C}">
+                <a14:useLocalDpi xmlns:a14="http://schemas.microsoft.com/office/drawing/2010/main" val="0"/>
+              </a:ext>
+            </a:extLst>
+          </a:blip>
+          <a:srcRect/>
+          <a:stretch>
+            <a:fillRect/>
+          </a:stretch>
+        </p:blipFill>
+        <p:spPr bwMode="auto">
+          <a:xfrm>
+            <a:off x="5300487" y="4270813"/>
+            <a:ext cx="4443593" cy="2857347"/>
+          </a:xfrm>
+          <a:prstGeom prst="rect">
+            <a:avLst/>
+          </a:prstGeom>
+          <a:noFill/>
+          <a:ln>
+            <a:noFill/>
+          </a:ln>
+          <a:effectLst/>
+          <a:extLst>
+            <a:ext uri="{909E8E84-426E-40DD-AFC4-6F175D3DCCD1}">
+              <a14:hiddenFill xmlns:a14="http://schemas.microsoft.com/office/drawing/2010/main">
+                <a:solidFill>
+                  <a:schemeClr val="accent1"/>
+                </a:solidFill>
+              </a14:hiddenFill>
+            </a:ext>
+            <a:ext uri="{91240B29-F687-4F45-9708-019B960494DF}">
+              <a14:hiddenLine xmlns:a14="http://schemas.microsoft.com/office/drawing/2010/main" w="9525">
+                <a:solidFill>
+                  <a:schemeClr val="tx1"/>
+                </a:solidFill>
+                <a:miter lim="800000"/>
+                <a:headEnd/>
+                <a:tailEnd/>
+              </a14:hiddenLine>
+            </a:ext>
+            <a:ext uri="{AF507438-7753-43E0-B8FC-AC1667EBCBE1}">
+              <a14:hiddenEffects xmlns:a14="http://schemas.microsoft.com/office/drawing/2010/main">
+                <a:effectLst>
+                  <a:outerShdw dist="35921" dir="2700000" algn="ctr" rotWithShape="0">
+                    <a:schemeClr val="bg2"/>
+                  </a:outerShdw>
+                </a:effectLst>
+              </a14:hiddenEffects>
+            </a:ext>
+          </a:extLst>
+        </p:spPr>
+      </p:pic>
+      <p:pic>
+        <p:nvPicPr>
+          <p:cNvPr id="5" name="Picture 2">
+            <a:extLst>
+              <a:ext uri="{FF2B5EF4-FFF2-40B4-BE49-F238E27FC236}">
+                <a16:creationId xmlns:a16="http://schemas.microsoft.com/office/drawing/2014/main" id="{55C85C03-1F66-B7D4-1002-5DC66D5A7379}"/>
+              </a:ext>
+            </a:extLst>
+          </p:cNvPr>
+          <p:cNvPicPr>
+            <a:picLocks noChangeAspect="1" noChangeArrowheads="1"/>
+          </p:cNvPicPr>
+          <p:nvPr/>
+        </p:nvPicPr>
+        <p:blipFill>
+          <a:blip r:embed="rId4">
+            <a:extLst>
+              <a:ext uri="{28A0092B-C50C-407E-A947-70E740481C1C}">
+                <a14:useLocalDpi xmlns:a14="http://schemas.microsoft.com/office/drawing/2010/main" val="0"/>
+              </a:ext>
+            </a:extLst>
+          </a:blip>
+          <a:srcRect/>
+          <a:stretch>
+            <a:fillRect/>
+          </a:stretch>
+        </p:blipFill>
+        <p:spPr bwMode="auto">
+          <a:xfrm>
+            <a:off x="590894" y="1469825"/>
+            <a:ext cx="4438306" cy="3003288"/>
+          </a:xfrm>
+          <a:prstGeom prst="rect">
+            <a:avLst/>
+          </a:prstGeom>
+          <a:noFill/>
+          <a:ln>
+            <a:noFill/>
+          </a:ln>
+          <a:effectLst/>
+          <a:extLst>
+            <a:ext uri="{909E8E84-426E-40DD-AFC4-6F175D3DCCD1}">
+              <a14:hiddenFill xmlns:a14="http://schemas.microsoft.com/office/drawing/2010/main">
+                <a:solidFill>
+                  <a:schemeClr val="accent1"/>
+                </a:solidFill>
+              </a14:hiddenFill>
+            </a:ext>
+            <a:ext uri="{91240B29-F687-4F45-9708-019B960494DF}">
+              <a14:hiddenLine xmlns:a14="http://schemas.microsoft.com/office/drawing/2010/main" w="9525">
+                <a:solidFill>
+                  <a:schemeClr val="tx1"/>
+                </a:solidFill>
+                <a:miter lim="800000"/>
+                <a:headEnd/>
+                <a:tailEnd/>
+              </a14:hiddenLine>
+            </a:ext>
+            <a:ext uri="{AF507438-7753-43E0-B8FC-AC1667EBCBE1}">
+              <a14:hiddenEffects xmlns:a14="http://schemas.microsoft.com/office/drawing/2010/main">
+                <a:effectLst>
+                  <a:outerShdw dist="35921" dir="2700000" algn="ctr" rotWithShape="0">
+                    <a:schemeClr val="bg2"/>
+                  </a:outerShdw>
+                </a:effectLst>
+              </a14:hiddenEffects>
+            </a:ext>
+          </a:extLst>
+        </p:spPr>
+      </p:pic>
+    </p:spTree>
+    <p:extLst>
+      <p:ext uri="{BB962C8B-B14F-4D97-AF65-F5344CB8AC3E}">
+        <p14:creationId xmlns:p14="http://schemas.microsoft.com/office/powerpoint/2010/main" val="574136228"/>
+      </p:ext>
+    </p:extLst>
+  </p:cSld>
+  <p:clrMapOvr>
+    <a:masterClrMapping/>
+  </p:clrMapOvr>
+</p:sld>
+</file>
+
+<file path=ppt/slides/slide22.xml><?xml version="1.0" encoding="utf-8"?>
+<p:sld xmlns:a="http://schemas.openxmlformats.org/drawingml/2006/main" xmlns:r="http://schemas.openxmlformats.org/officeDocument/2006/relationships" xmlns:p="http://schemas.openxmlformats.org/presentationml/2006/main">
+  <p:cSld>
+    <p:bg>
+      <p:bgPr>
+        <a:solidFill>
+          <a:schemeClr val="bg1"/>
+        </a:solidFill>
+        <a:effectLst/>
+      </p:bgPr>
+    </p:bg>
+    <p:spTree>
+      <p:nvGrpSpPr>
+        <p:cNvPr id="1" name="">
+          <a:extLst>
+            <a:ext uri="{FF2B5EF4-FFF2-40B4-BE49-F238E27FC236}">
+              <a16:creationId xmlns:a16="http://schemas.microsoft.com/office/drawing/2014/main" id="{E15E6289-D2A4-4F75-BD0F-B033EBE77AF5}"/>
+            </a:ext>
+          </a:extLst>
+        </p:cNvPr>
+        <p:cNvGrpSpPr/>
+        <p:nvPr/>
+      </p:nvGrpSpPr>
+      <p:grpSpPr>
+        <a:xfrm>
+          <a:off x="0" y="0"/>
+          <a:ext cx="0" cy="0"/>
+          <a:chOff x="0" y="0"/>
+          <a:chExt cx="0" cy="0"/>
+        </a:xfrm>
+      </p:grpSpPr>
+      <p:sp>
+        <p:nvSpPr>
+          <p:cNvPr id="27" name="Rectangle 26">
+            <a:extLst>
+              <a:ext uri="{FF2B5EF4-FFF2-40B4-BE49-F238E27FC236}">
+                <a16:creationId xmlns:a16="http://schemas.microsoft.com/office/drawing/2014/main" id="{77F31254-3ECC-CD98-4245-A1F2BEE4BD65}"/>
+              </a:ext>
+              <a:ext uri="{C183D7F6-B498-43B3-948B-1728B52AA6E4}">
+                <adec:decorative xmlns:adec="http://schemas.microsoft.com/office/drawing/2017/decorative" val="1"/>
+              </a:ext>
+            </a:extLst>
+          </p:cNvPr>
+          <p:cNvSpPr>
+            <a:spLocks noGrp="1" noRot="1" noChangeAspect="1" noMove="1" noResize="1" noEditPoints="1" noAdjustHandles="1" noChangeArrowheads="1" noChangeShapeType="1" noTextEdit="1"/>
+          </p:cNvSpPr>
+          <p:nvPr>
+            <p:extLst>
+              <p:ext uri="{386F3935-93C4-4BCD-93E2-E3B085C9AB24}">
+                <p16:designElem xmlns:p16="http://schemas.microsoft.com/office/powerpoint/2015/main" val="1"/>
+              </p:ext>
+            </p:extLst>
+          </p:nvPr>
+        </p:nvSpPr>
+        <p:spPr>
+          <a:xfrm>
+            <a:off x="0" y="0"/>
+            <a:ext cx="10058400" cy="7772400"/>
+          </a:xfrm>
+          <a:prstGeom prst="rect">
+            <a:avLst/>
+          </a:prstGeom>
+          <a:solidFill>
+            <a:schemeClr val="bg1"/>
+          </a:solidFill>
+          <a:ln>
+            <a:noFill/>
+          </a:ln>
+        </p:spPr>
+        <p:style>
+          <a:lnRef idx="2">
+            <a:schemeClr val="accent1">
+              <a:shade val="50000"/>
+            </a:schemeClr>
+          </a:lnRef>
+          <a:fillRef idx="1">
+            <a:schemeClr val="accent1"/>
+          </a:fillRef>
+          <a:effectRef idx="0">
+            <a:schemeClr val="accent1"/>
+          </a:effectRef>
+          <a:fontRef idx="minor">
+            <a:schemeClr val="lt1"/>
+          </a:fontRef>
+        </p:style>
+        <p:txBody>
+          <a:bodyPr rtlCol="0" anchor="ctr"/>
+          <a:lstStyle/>
+          <a:p>
+            <a:pPr algn="ctr"/>
+            <a:endParaRPr lang="en-US" dirty="0"/>
+          </a:p>
+        </p:txBody>
+      </p:sp>
+      <p:sp>
+        <p:nvSpPr>
+          <p:cNvPr id="29" name="Freeform: Shape 28">
+            <a:extLst>
+              <a:ext uri="{FF2B5EF4-FFF2-40B4-BE49-F238E27FC236}">
+                <a16:creationId xmlns:a16="http://schemas.microsoft.com/office/drawing/2014/main" id="{BB8EF534-9FDA-8196-9E94-D28AB12F3F37}"/>
+              </a:ext>
+              <a:ext uri="{C183D7F6-B498-43B3-948B-1728B52AA6E4}">
+                <adec:decorative xmlns:adec="http://schemas.microsoft.com/office/drawing/2017/decorative" val="1"/>
+              </a:ext>
+            </a:extLst>
+          </p:cNvPr>
+          <p:cNvSpPr>
+            <a:spLocks noGrp="1" noRot="1" noChangeAspect="1" noMove="1" noResize="1" noEditPoints="1" noAdjustHandles="1" noChangeArrowheads="1" noChangeShapeType="1" noTextEdit="1"/>
+          </p:cNvSpPr>
+          <p:nvPr>
+            <p:extLst>
+              <p:ext uri="{386F3935-93C4-4BCD-93E2-E3B085C9AB24}">
+                <p16:designElem xmlns:p16="http://schemas.microsoft.com/office/powerpoint/2015/main" val="1"/>
+              </p:ext>
+            </p:extLst>
+          </p:nvPr>
+        </p:nvSpPr>
+        <p:spPr>
+          <a:xfrm rot="18900000" flipH="1">
+            <a:off x="-310328" y="-287492"/>
+            <a:ext cx="1507800" cy="1560586"/>
+          </a:xfrm>
+          <a:custGeom>
+            <a:avLst/>
+            <a:gdLst>
+              <a:gd name="connsiteX0" fmla="*/ 0 w 1827638"/>
+              <a:gd name="connsiteY0" fmla="*/ 987379 h 1376989"/>
+              <a:gd name="connsiteX1" fmla="*/ 987379 w 1827638"/>
+              <a:gd name="connsiteY1" fmla="*/ 0 h 1376989"/>
+              <a:gd name="connsiteX2" fmla="*/ 1827638 w 1827638"/>
+              <a:gd name="connsiteY2" fmla="*/ 840260 h 1376989"/>
+              <a:gd name="connsiteX3" fmla="*/ 1827638 w 1827638"/>
+              <a:gd name="connsiteY3" fmla="*/ 1376989 h 1376989"/>
+              <a:gd name="connsiteX4" fmla="*/ 0 w 1827638"/>
+              <a:gd name="connsiteY4" fmla="*/ 1376989 h 1376989"/>
+            </a:gdLst>
+            <a:ahLst/>
+            <a:cxnLst>
+              <a:cxn ang="0">
+                <a:pos x="connsiteX0" y="connsiteY0"/>
+              </a:cxn>
+              <a:cxn ang="0">
+                <a:pos x="connsiteX1" y="connsiteY1"/>
+              </a:cxn>
+              <a:cxn ang="0">
+                <a:pos x="connsiteX2" y="connsiteY2"/>
+              </a:cxn>
+              <a:cxn ang="0">
+                <a:pos x="connsiteX3" y="connsiteY3"/>
+              </a:cxn>
+              <a:cxn ang="0">
+                <a:pos x="connsiteX4" y="connsiteY4"/>
+              </a:cxn>
+            </a:cxnLst>
+            <a:rect l="l" t="t" r="r" b="b"/>
+            <a:pathLst>
+              <a:path w="1827638" h="1376989">
+                <a:moveTo>
+                  <a:pt x="0" y="987379"/>
+                </a:moveTo>
+                <a:lnTo>
+                  <a:pt x="987379" y="0"/>
+                </a:lnTo>
+                <a:lnTo>
+                  <a:pt x="1827638" y="840260"/>
+                </a:lnTo>
+                <a:lnTo>
+                  <a:pt x="1827638" y="1376989"/>
+                </a:lnTo>
+                <a:lnTo>
+                  <a:pt x="0" y="1376989"/>
+                </a:lnTo>
+                <a:close/>
+              </a:path>
+            </a:pathLst>
+          </a:custGeom>
+          <a:solidFill>
+            <a:schemeClr val="accent1">
+              <a:alpha val="30000"/>
+            </a:schemeClr>
+          </a:solidFill>
+          <a:ln>
+            <a:noFill/>
+          </a:ln>
+        </p:spPr>
+        <p:style>
+          <a:lnRef idx="2">
+            <a:schemeClr val="accent1">
+              <a:shade val="50000"/>
+            </a:schemeClr>
+          </a:lnRef>
+          <a:fillRef idx="1">
+            <a:schemeClr val="accent1"/>
+          </a:fillRef>
+          <a:effectRef idx="0">
+            <a:schemeClr val="accent1"/>
+          </a:effectRef>
+          <a:fontRef idx="minor">
+            <a:schemeClr val="lt1"/>
+          </a:fontRef>
+        </p:style>
+        <p:txBody>
+          <a:bodyPr rtlCol="0" anchor="ctr"/>
+          <a:lstStyle/>
+          <a:p>
+            <a:pPr algn="ctr"/>
+            <a:endParaRPr lang="en-US" dirty="0"/>
+          </a:p>
+        </p:txBody>
+      </p:sp>
+      <p:sp>
+        <p:nvSpPr>
+          <p:cNvPr id="31" name="Rectangle 30">
+            <a:extLst>
+              <a:ext uri="{FF2B5EF4-FFF2-40B4-BE49-F238E27FC236}">
+                <a16:creationId xmlns:a16="http://schemas.microsoft.com/office/drawing/2014/main" id="{22EDC221-84C4-45E7-20F4-A775EADD7107}"/>
+              </a:ext>
+              <a:ext uri="{C183D7F6-B498-43B3-948B-1728B52AA6E4}">
+                <adec:decorative xmlns:adec="http://schemas.microsoft.com/office/drawing/2017/decorative" val="1"/>
+              </a:ext>
+            </a:extLst>
+          </p:cNvPr>
+          <p:cNvSpPr>
+            <a:spLocks noGrp="1" noRot="1" noChangeAspect="1" noMove="1" noResize="1" noEditPoints="1" noAdjustHandles="1" noChangeArrowheads="1" noChangeShapeType="1" noTextEdit="1"/>
+          </p:cNvSpPr>
+          <p:nvPr>
+            <p:extLst>
+              <p:ext uri="{386F3935-93C4-4BCD-93E2-E3B085C9AB24}">
+                <p16:designElem xmlns:p16="http://schemas.microsoft.com/office/powerpoint/2015/main" val="1"/>
+              </p:ext>
+            </p:extLst>
+          </p:nvPr>
+        </p:nvSpPr>
+        <p:spPr>
+          <a:xfrm rot="18900000" flipH="1">
+            <a:off x="735603" y="478432"/>
+            <a:ext cx="532429" cy="731417"/>
+          </a:xfrm>
+          <a:prstGeom prst="rect">
+            <a:avLst/>
+          </a:prstGeom>
+          <a:solidFill>
+            <a:schemeClr val="accent1">
+              <a:alpha val="30000"/>
+            </a:schemeClr>
+          </a:solidFill>
+          <a:ln>
+            <a:noFill/>
+          </a:ln>
+        </p:spPr>
+        <p:style>
+          <a:lnRef idx="2">
+            <a:schemeClr val="accent1">
+              <a:shade val="50000"/>
+            </a:schemeClr>
+          </a:lnRef>
+          <a:fillRef idx="1">
+            <a:schemeClr val="accent1"/>
+          </a:fillRef>
+          <a:effectRef idx="0">
+            <a:schemeClr val="accent1"/>
+          </a:effectRef>
+          <a:fontRef idx="minor">
+            <a:schemeClr val="lt1"/>
+          </a:fontRef>
+        </p:style>
+        <p:txBody>
+          <a:bodyPr rtlCol="0" anchor="ctr"/>
+          <a:lstStyle/>
+          <a:p>
+            <a:pPr algn="ctr"/>
+            <a:endParaRPr lang="en-US"/>
+          </a:p>
+        </p:txBody>
+      </p:sp>
+      <p:sp>
+        <p:nvSpPr>
+          <p:cNvPr id="33" name="Rectangle 32">
+            <a:extLst>
+              <a:ext uri="{FF2B5EF4-FFF2-40B4-BE49-F238E27FC236}">
+                <a16:creationId xmlns:a16="http://schemas.microsoft.com/office/drawing/2014/main" id="{7479AA36-DD2C-0367-D3BF-2CBFC0810615}"/>
+              </a:ext>
+              <a:ext uri="{C183D7F6-B498-43B3-948B-1728B52AA6E4}">
+                <adec:decorative xmlns:adec="http://schemas.microsoft.com/office/drawing/2017/decorative" val="1"/>
+              </a:ext>
+            </a:extLst>
+          </p:cNvPr>
+          <p:cNvSpPr>
+            <a:spLocks noGrp="1" noRot="1" noChangeAspect="1" noMove="1" noResize="1" noEditPoints="1" noAdjustHandles="1" noChangeArrowheads="1" noChangeShapeType="1" noTextEdit="1"/>
+          </p:cNvSpPr>
+          <p:nvPr>
+            <p:extLst>
+              <p:ext uri="{386F3935-93C4-4BCD-93E2-E3B085C9AB24}">
+                <p16:designElem xmlns:p16="http://schemas.microsoft.com/office/powerpoint/2015/main" val="1"/>
+              </p:ext>
+            </p:extLst>
+          </p:nvPr>
+        </p:nvSpPr>
+        <p:spPr>
+          <a:xfrm rot="18900000" flipH="1">
+            <a:off x="8285872" y="742492"/>
+            <a:ext cx="567165" cy="779134"/>
+          </a:xfrm>
+          <a:prstGeom prst="rect">
+            <a:avLst/>
+          </a:prstGeom>
+          <a:solidFill>
+            <a:schemeClr val="accent4">
+              <a:alpha val="30000"/>
+            </a:schemeClr>
+          </a:solidFill>
+          <a:ln>
+            <a:noFill/>
+          </a:ln>
+        </p:spPr>
+        <p:style>
+          <a:lnRef idx="2">
+            <a:schemeClr val="accent1">
+              <a:shade val="50000"/>
+            </a:schemeClr>
+          </a:lnRef>
+          <a:fillRef idx="1">
+            <a:schemeClr val="accent1"/>
+          </a:fillRef>
+          <a:effectRef idx="0">
+            <a:schemeClr val="accent1"/>
+          </a:effectRef>
+          <a:fontRef idx="minor">
+            <a:schemeClr val="lt1"/>
+          </a:fontRef>
+        </p:style>
+        <p:txBody>
+          <a:bodyPr rtlCol="0" anchor="ctr"/>
+          <a:lstStyle/>
+          <a:p>
+            <a:pPr algn="ctr"/>
+            <a:endParaRPr lang="en-US"/>
+          </a:p>
+        </p:txBody>
+      </p:sp>
+      <p:sp>
+        <p:nvSpPr>
+          <p:cNvPr id="35" name="Freeform: Shape 34">
+            <a:extLst>
+              <a:ext uri="{FF2B5EF4-FFF2-40B4-BE49-F238E27FC236}">
+                <a16:creationId xmlns:a16="http://schemas.microsoft.com/office/drawing/2014/main" id="{0E5E699F-E37D-DCDB-1510-887BC772A803}"/>
+              </a:ext>
+              <a:ext uri="{C183D7F6-B498-43B3-948B-1728B52AA6E4}">
+                <adec:decorative xmlns:adec="http://schemas.microsoft.com/office/drawing/2017/decorative" val="1"/>
+              </a:ext>
+            </a:extLst>
+          </p:cNvPr>
+          <p:cNvSpPr>
+            <a:spLocks noGrp="1" noRot="1" noChangeAspect="1" noMove="1" noResize="1" noEditPoints="1" noAdjustHandles="1" noChangeArrowheads="1" noChangeShapeType="1" noTextEdit="1"/>
+          </p:cNvSpPr>
+          <p:nvPr>
+            <p:extLst>
+              <p:ext uri="{386F3935-93C4-4BCD-93E2-E3B085C9AB24}">
+                <p16:designElem xmlns:p16="http://schemas.microsoft.com/office/powerpoint/2015/main" val="1"/>
+              </p:ext>
+            </p:extLst>
+          </p:nvPr>
+        </p:nvSpPr>
+        <p:spPr>
+          <a:xfrm rot="10800000" flipH="1">
+            <a:off x="7719230" y="0"/>
+            <a:ext cx="2339170" cy="1678281"/>
+          </a:xfrm>
+          <a:custGeom>
+            <a:avLst/>
+            <a:gdLst>
+              <a:gd name="connsiteX0" fmla="*/ 2835357 w 2835357"/>
+              <a:gd name="connsiteY0" fmla="*/ 1480837 h 1480837"/>
+              <a:gd name="connsiteX1" fmla="*/ 0 w 2835357"/>
+              <a:gd name="connsiteY1" fmla="*/ 1480837 h 1480837"/>
+              <a:gd name="connsiteX2" fmla="*/ 1552727 w 2835357"/>
+              <a:gd name="connsiteY2" fmla="*/ 0 h 1480837"/>
+              <a:gd name="connsiteX3" fmla="*/ 2835357 w 2835357"/>
+              <a:gd name="connsiteY3" fmla="*/ 1223245 h 1480837"/>
+            </a:gdLst>
+            <a:ahLst/>
+            <a:cxnLst>
+              <a:cxn ang="0">
+                <a:pos x="connsiteX0" y="connsiteY0"/>
+              </a:cxn>
+              <a:cxn ang="0">
+                <a:pos x="connsiteX1" y="connsiteY1"/>
+              </a:cxn>
+              <a:cxn ang="0">
+                <a:pos x="connsiteX2" y="connsiteY2"/>
+              </a:cxn>
+              <a:cxn ang="0">
+                <a:pos x="connsiteX3" y="connsiteY3"/>
+              </a:cxn>
+            </a:cxnLst>
+            <a:rect l="l" t="t" r="r" b="b"/>
+            <a:pathLst>
+              <a:path w="2835357" h="1480837">
+                <a:moveTo>
+                  <a:pt x="2835357" y="1480837"/>
+                </a:moveTo>
+                <a:lnTo>
+                  <a:pt x="0" y="1480837"/>
+                </a:lnTo>
+                <a:lnTo>
+                  <a:pt x="1552727" y="0"/>
+                </a:lnTo>
+                <a:lnTo>
+                  <a:pt x="2835357" y="1223245"/>
+                </a:lnTo>
+                <a:close/>
+              </a:path>
+            </a:pathLst>
+          </a:custGeom>
+          <a:solidFill>
+            <a:schemeClr val="accent4">
+              <a:alpha val="30000"/>
+            </a:schemeClr>
+          </a:solidFill>
+          <a:ln>
+            <a:noFill/>
+          </a:ln>
+        </p:spPr>
+        <p:style>
+          <a:lnRef idx="2">
+            <a:schemeClr val="accent1">
+              <a:shade val="50000"/>
+            </a:schemeClr>
+          </a:lnRef>
+          <a:fillRef idx="1">
+            <a:schemeClr val="accent1"/>
+          </a:fillRef>
+          <a:effectRef idx="0">
+            <a:schemeClr val="accent1"/>
+          </a:effectRef>
+          <a:fontRef idx="minor">
+            <a:schemeClr val="lt1"/>
+          </a:fontRef>
+        </p:style>
+        <p:txBody>
+          <a:bodyPr wrap="square" rtlCol="0" anchor="ctr">
+            <a:noAutofit/>
+          </a:bodyPr>
+          <a:lstStyle/>
+          <a:p>
+            <a:pPr algn="ctr"/>
+            <a:endParaRPr lang="en-US" dirty="0"/>
+          </a:p>
+        </p:txBody>
+      </p:sp>
+      <p:sp>
+        <p:nvSpPr>
+          <p:cNvPr id="37" name="Isosceles Triangle 36">
+            <a:extLst>
+              <a:ext uri="{FF2B5EF4-FFF2-40B4-BE49-F238E27FC236}">
+                <a16:creationId xmlns:a16="http://schemas.microsoft.com/office/drawing/2014/main" id="{DED12C94-78A4-58DD-9F96-9100F83C0996}"/>
+              </a:ext>
+              <a:ext uri="{C183D7F6-B498-43B3-948B-1728B52AA6E4}">
+                <adec:decorative xmlns:adec="http://schemas.microsoft.com/office/drawing/2017/decorative" val="1"/>
+              </a:ext>
+            </a:extLst>
+          </p:cNvPr>
+          <p:cNvSpPr>
+            <a:spLocks noGrp="1" noRot="1" noChangeAspect="1" noMove="1" noResize="1" noEditPoints="1" noAdjustHandles="1" noChangeArrowheads="1" noChangeShapeType="1" noTextEdit="1"/>
+          </p:cNvSpPr>
+          <p:nvPr>
+            <p:extLst>
+              <p:ext uri="{386F3935-93C4-4BCD-93E2-E3B085C9AB24}">
+                <p16:designElem xmlns:p16="http://schemas.microsoft.com/office/powerpoint/2015/main" val="1"/>
+              </p:ext>
+            </p:extLst>
+          </p:nvPr>
+        </p:nvSpPr>
+        <p:spPr>
+          <a:xfrm flipH="1">
+            <a:off x="6580483" y="6930901"/>
+            <a:ext cx="1232974" cy="841499"/>
+          </a:xfrm>
+          <a:prstGeom prst="triangle">
+            <a:avLst/>
+          </a:prstGeom>
+          <a:solidFill>
+            <a:schemeClr val="accent1">
+              <a:alpha val="30000"/>
+            </a:schemeClr>
+          </a:solidFill>
+          <a:ln>
+            <a:noFill/>
+          </a:ln>
+        </p:spPr>
+        <p:style>
+          <a:lnRef idx="2">
+            <a:schemeClr val="accent1">
+              <a:shade val="50000"/>
+            </a:schemeClr>
+          </a:lnRef>
+          <a:fillRef idx="1">
+            <a:schemeClr val="accent1"/>
+          </a:fillRef>
+          <a:effectRef idx="0">
+            <a:schemeClr val="accent1"/>
+          </a:effectRef>
+          <a:fontRef idx="minor">
+            <a:schemeClr val="lt1"/>
+          </a:fontRef>
+        </p:style>
+        <p:txBody>
+          <a:bodyPr rtlCol="0" anchor="ctr"/>
+          <a:lstStyle/>
+          <a:p>
+            <a:pPr algn="ctr"/>
+            <a:endParaRPr lang="en-US"/>
+          </a:p>
+        </p:txBody>
+      </p:sp>
+      <p:sp>
+        <p:nvSpPr>
+          <p:cNvPr id="39" name="Isosceles Triangle 38">
+            <a:extLst>
+              <a:ext uri="{FF2B5EF4-FFF2-40B4-BE49-F238E27FC236}">
+                <a16:creationId xmlns:a16="http://schemas.microsoft.com/office/drawing/2014/main" id="{15A2B5EA-0540-4F24-C209-FD2FC5F6B531}"/>
+              </a:ext>
+              <a:ext uri="{C183D7F6-B498-43B3-948B-1728B52AA6E4}">
+                <adec:decorative xmlns:adec="http://schemas.microsoft.com/office/drawing/2017/decorative" val="1"/>
+              </a:ext>
+            </a:extLst>
+          </p:cNvPr>
+          <p:cNvSpPr>
+            <a:spLocks noGrp="1" noRot="1" noChangeAspect="1" noMove="1" noResize="1" noEditPoints="1" noAdjustHandles="1" noChangeArrowheads="1" noChangeShapeType="1" noTextEdit="1"/>
+          </p:cNvSpPr>
+          <p:nvPr>
+            <p:extLst>
+              <p:ext uri="{386F3935-93C4-4BCD-93E2-E3B085C9AB24}">
+                <p16:designElem xmlns:p16="http://schemas.microsoft.com/office/powerpoint/2015/main" val="1"/>
+              </p:ext>
+            </p:extLst>
+          </p:nvPr>
+        </p:nvSpPr>
+        <p:spPr>
+          <a:xfrm flipH="1">
+            <a:off x="6273366" y="7313562"/>
+            <a:ext cx="672294" cy="458838"/>
+          </a:xfrm>
+          <a:prstGeom prst="triangle">
+            <a:avLst/>
+          </a:prstGeom>
+          <a:solidFill>
+            <a:schemeClr val="accent1">
+              <a:alpha val="30000"/>
+            </a:schemeClr>
+          </a:solidFill>
+          <a:ln>
+            <a:noFill/>
+          </a:ln>
+        </p:spPr>
+        <p:style>
+          <a:lnRef idx="2">
+            <a:schemeClr val="accent1">
+              <a:shade val="50000"/>
+            </a:schemeClr>
+          </a:lnRef>
+          <a:fillRef idx="1">
+            <a:schemeClr val="accent1"/>
+          </a:fillRef>
+          <a:effectRef idx="0">
+            <a:schemeClr val="accent1"/>
+          </a:effectRef>
+          <a:fontRef idx="minor">
+            <a:schemeClr val="lt1"/>
+          </a:fontRef>
+        </p:style>
+        <p:txBody>
+          <a:bodyPr rtlCol="0" anchor="ctr"/>
+          <a:lstStyle/>
+          <a:p>
+            <a:pPr algn="ctr"/>
+            <a:endParaRPr lang="en-US"/>
+          </a:p>
+        </p:txBody>
+      </p:sp>
+      <p:sp>
+        <p:nvSpPr>
+          <p:cNvPr id="3" name="Picture Placeholder 2">
+            <a:extLst>
+              <a:ext uri="{FF2B5EF4-FFF2-40B4-BE49-F238E27FC236}">
+                <a16:creationId xmlns:a16="http://schemas.microsoft.com/office/drawing/2014/main" id="{B5A7F5EF-0726-1DC1-6367-0D2CC7CF76B3}"/>
+              </a:ext>
+            </a:extLst>
+          </p:cNvPr>
+          <p:cNvSpPr>
+            <a:spLocks noGrp="1"/>
+          </p:cNvSpPr>
+          <p:nvPr>
+            <p:ph type="pic" sz="quarter" idx="11"/>
+          </p:nvPr>
+        </p:nvSpPr>
+        <p:spPr/>
+        <p:txBody>
+          <a:bodyPr/>
+          <a:lstStyle/>
+          <a:p>
+            <a:endParaRPr lang="en-US"/>
+          </a:p>
+        </p:txBody>
+      </p:sp>
+      <p:sp>
+        <p:nvSpPr>
+          <p:cNvPr id="2" name="TextBox 1">
+            <a:extLst>
+              <a:ext uri="{FF2B5EF4-FFF2-40B4-BE49-F238E27FC236}">
+                <a16:creationId xmlns:a16="http://schemas.microsoft.com/office/drawing/2014/main" id="{B987AA80-7A43-8370-43FC-3BD03724238D}"/>
+              </a:ext>
+            </a:extLst>
+          </p:cNvPr>
+          <p:cNvSpPr txBox="1"/>
+          <p:nvPr/>
+        </p:nvSpPr>
+        <p:spPr>
+          <a:xfrm>
+            <a:off x="333506" y="800209"/>
+            <a:ext cx="9569239" cy="584775"/>
+          </a:xfrm>
+          <a:prstGeom prst="rect">
+            <a:avLst/>
+          </a:prstGeom>
+          <a:noFill/>
+        </p:spPr>
+        <p:txBody>
+          <a:bodyPr wrap="square" rtlCol="0">
+            <a:spAutoFit/>
+          </a:bodyPr>
+          <a:lstStyle/>
+          <a:p>
+            <a:pPr algn="ctr"/>
+            <a:r>
+              <a:rPr lang="en-GB" sz="3200" i="0" dirty="0">
+                <a:solidFill>
+                  <a:srgbClr val="000000"/>
+                </a:solidFill>
+                <a:effectLst/>
+                <a:latin typeface="Helvetica Neue"/>
+              </a:rPr>
+              <a:t>Optimization Part 3</a:t>
+            </a:r>
+          </a:p>
+        </p:txBody>
+      </p:sp>
+      <p:sp>
+        <p:nvSpPr>
+          <p:cNvPr id="9" name="Content Placeholder 2">
+            <a:extLst>
+              <a:ext uri="{FF2B5EF4-FFF2-40B4-BE49-F238E27FC236}">
+                <a16:creationId xmlns:a16="http://schemas.microsoft.com/office/drawing/2014/main" id="{FAC76963-A1CA-2926-E857-CE39D04B9173}"/>
+              </a:ext>
+            </a:extLst>
+          </p:cNvPr>
+          <p:cNvSpPr txBox="1">
+            <a:spLocks/>
+          </p:cNvSpPr>
+          <p:nvPr/>
+        </p:nvSpPr>
+        <p:spPr>
+          <a:xfrm>
+            <a:off x="914400" y="2171347"/>
+            <a:ext cx="8229600" cy="4525963"/>
+          </a:xfrm>
+          <a:prstGeom prst="rect">
+            <a:avLst/>
+          </a:prstGeom>
+        </p:spPr>
+        <p:txBody>
+          <a:bodyPr/>
+          <a:lstStyle>
+            <a:lvl1pPr marL="228600" indent="-228600" algn="l" defTabSz="914400" rtl="0" eaLnBrk="1" latinLnBrk="0" hangingPunct="1">
+              <a:lnSpc>
+                <a:spcPct val="90000"/>
+              </a:lnSpc>
+              <a:spcBef>
+                <a:spcPts val="1000"/>
+              </a:spcBef>
+              <a:buFont typeface="Arial" panose="020B0604020202020204" pitchFamily="34" charset="0"/>
+              <a:buChar char="•"/>
+              <a:defRPr sz="2800" kern="1200">
+                <a:solidFill>
+                  <a:schemeClr val="tx1">
+                    <a:lumMod val="75000"/>
+                    <a:lumOff val="25000"/>
+                  </a:schemeClr>
+                </a:solidFill>
+                <a:latin typeface="+mn-lt"/>
+                <a:ea typeface="+mn-ea"/>
+                <a:cs typeface="+mn-cs"/>
+              </a:defRPr>
+            </a:lvl1pPr>
+            <a:lvl2pPr marL="685800" indent="-228600" algn="l" defTabSz="914400" rtl="0" eaLnBrk="1" latinLnBrk="0" hangingPunct="1">
+              <a:lnSpc>
+                <a:spcPct val="90000"/>
+              </a:lnSpc>
+              <a:spcBef>
+                <a:spcPts val="500"/>
+              </a:spcBef>
+              <a:buFont typeface="Arial" panose="020B0604020202020204" pitchFamily="34" charset="0"/>
+              <a:buChar char="•"/>
+              <a:defRPr sz="2400" kern="1200">
+                <a:solidFill>
+                  <a:schemeClr val="tx1">
+                    <a:lumMod val="75000"/>
+                    <a:lumOff val="25000"/>
+                  </a:schemeClr>
+                </a:solidFill>
+                <a:latin typeface="+mn-lt"/>
+                <a:ea typeface="+mn-ea"/>
+                <a:cs typeface="+mn-cs"/>
+              </a:defRPr>
+            </a:lvl2pPr>
+            <a:lvl3pPr marL="1143000" indent="-228600" algn="l" defTabSz="914400" rtl="0" eaLnBrk="1" latinLnBrk="0" hangingPunct="1">
+              <a:lnSpc>
+                <a:spcPct val="90000"/>
+              </a:lnSpc>
+              <a:spcBef>
+                <a:spcPts val="500"/>
+              </a:spcBef>
+              <a:buFont typeface="Arial" panose="020B0604020202020204" pitchFamily="34" charset="0"/>
+              <a:buChar char="•"/>
+              <a:defRPr sz="2000" kern="1200">
+                <a:solidFill>
+                  <a:schemeClr val="tx1">
+                    <a:lumMod val="75000"/>
+                    <a:lumOff val="25000"/>
+                  </a:schemeClr>
+                </a:solidFill>
+                <a:latin typeface="+mn-lt"/>
+                <a:ea typeface="+mn-ea"/>
+                <a:cs typeface="+mn-cs"/>
+              </a:defRPr>
+            </a:lvl3pPr>
+            <a:lvl4pPr marL="1600200" indent="-228600" algn="l" defTabSz="914400" rtl="0" eaLnBrk="1" latinLnBrk="0" hangingPunct="1">
+              <a:lnSpc>
+                <a:spcPct val="90000"/>
+              </a:lnSpc>
+              <a:spcBef>
+                <a:spcPts val="500"/>
+              </a:spcBef>
+              <a:buFont typeface="Arial" panose="020B0604020202020204" pitchFamily="34" charset="0"/>
+              <a:buChar char="•"/>
+              <a:defRPr sz="1800" kern="1200">
+                <a:solidFill>
+                  <a:schemeClr val="tx1">
+                    <a:lumMod val="75000"/>
+                    <a:lumOff val="25000"/>
+                  </a:schemeClr>
+                </a:solidFill>
+                <a:latin typeface="+mn-lt"/>
+                <a:ea typeface="+mn-ea"/>
+                <a:cs typeface="+mn-cs"/>
+              </a:defRPr>
+            </a:lvl4pPr>
+            <a:lvl5pPr marL="2057400" indent="-228600" algn="l" defTabSz="914400" rtl="0" eaLnBrk="1" latinLnBrk="0" hangingPunct="1">
+              <a:lnSpc>
+                <a:spcPct val="90000"/>
+              </a:lnSpc>
+              <a:spcBef>
+                <a:spcPts val="500"/>
+              </a:spcBef>
+              <a:buFont typeface="Arial" panose="020B0604020202020204" pitchFamily="34" charset="0"/>
+              <a:buChar char="•"/>
+              <a:defRPr sz="1800" kern="1200">
+                <a:solidFill>
+                  <a:schemeClr val="tx1">
+                    <a:lumMod val="75000"/>
+                    <a:lumOff val="25000"/>
+                  </a:schemeClr>
+                </a:solidFill>
+                <a:latin typeface="+mn-lt"/>
+                <a:ea typeface="+mn-ea"/>
+                <a:cs typeface="+mn-cs"/>
+              </a:defRPr>
+            </a:lvl5pPr>
+            <a:lvl6pPr marL="2514600" indent="-228600" algn="l" defTabSz="914400" rtl="0" eaLnBrk="1" latinLnBrk="0" hangingPunct="1">
+              <a:lnSpc>
+                <a:spcPct val="90000"/>
+              </a:lnSpc>
+              <a:spcBef>
+                <a:spcPts val="500"/>
+              </a:spcBef>
+              <a:buFont typeface="Arial" panose="020B0604020202020204" pitchFamily="34" charset="0"/>
+              <a:buChar char="•"/>
+              <a:defRPr sz="1800" kern="1200">
+                <a:solidFill>
+                  <a:schemeClr val="tx1"/>
+                </a:solidFill>
+                <a:latin typeface="+mn-lt"/>
+                <a:ea typeface="+mn-ea"/>
+                <a:cs typeface="+mn-cs"/>
+              </a:defRPr>
+            </a:lvl6pPr>
+            <a:lvl7pPr marL="2971800" indent="-228600" algn="l" defTabSz="914400" rtl="0" eaLnBrk="1" latinLnBrk="0" hangingPunct="1">
+              <a:lnSpc>
+                <a:spcPct val="90000"/>
+              </a:lnSpc>
+              <a:spcBef>
+                <a:spcPts val="500"/>
+              </a:spcBef>
+              <a:buFont typeface="Arial" panose="020B0604020202020204" pitchFamily="34" charset="0"/>
+              <a:buChar char="•"/>
+              <a:defRPr sz="1800" kern="1200">
+                <a:solidFill>
+                  <a:schemeClr val="tx1"/>
+                </a:solidFill>
+                <a:latin typeface="+mn-lt"/>
+                <a:ea typeface="+mn-ea"/>
+                <a:cs typeface="+mn-cs"/>
+              </a:defRPr>
+            </a:lvl7pPr>
+            <a:lvl8pPr marL="3429000" indent="-228600" algn="l" defTabSz="914400" rtl="0" eaLnBrk="1" latinLnBrk="0" hangingPunct="1">
+              <a:lnSpc>
+                <a:spcPct val="90000"/>
+              </a:lnSpc>
+              <a:spcBef>
+                <a:spcPts val="500"/>
+              </a:spcBef>
+              <a:buFont typeface="Arial" panose="020B0604020202020204" pitchFamily="34" charset="0"/>
+              <a:buChar char="•"/>
+              <a:defRPr sz="1800" kern="1200">
+                <a:solidFill>
+                  <a:schemeClr val="tx1"/>
+                </a:solidFill>
+                <a:latin typeface="+mn-lt"/>
+                <a:ea typeface="+mn-ea"/>
+                <a:cs typeface="+mn-cs"/>
+              </a:defRPr>
+            </a:lvl8pPr>
+            <a:lvl9pPr marL="3886200" indent="-228600" algn="l" defTabSz="914400" rtl="0" eaLnBrk="1" latinLnBrk="0" hangingPunct="1">
+              <a:lnSpc>
+                <a:spcPct val="90000"/>
+              </a:lnSpc>
+              <a:spcBef>
+                <a:spcPts val="500"/>
+              </a:spcBef>
+              <a:buFont typeface="Arial" panose="020B0604020202020204" pitchFamily="34" charset="0"/>
+              <a:buChar char="•"/>
+              <a:defRPr sz="1800" kern="1200">
+                <a:solidFill>
+                  <a:schemeClr val="tx1"/>
+                </a:solidFill>
+                <a:latin typeface="+mn-lt"/>
+                <a:ea typeface="+mn-ea"/>
+                <a:cs typeface="+mn-cs"/>
+              </a:defRPr>
+            </a:lvl9pPr>
+          </a:lstStyle>
+          <a:p>
+            <a:pPr marL="0" indent="0">
+              <a:buNone/>
+            </a:pPr>
+            <a:r>
+              <a:rPr lang="en-US" sz="2000" b="1" dirty="0"/>
+              <a:t>7. Outliers removed, oversampled, using Decision Tree Model</a:t>
+            </a:r>
+            <a:endParaRPr lang="en-US" sz="2000" dirty="0"/>
+          </a:p>
+          <a:p>
+            <a:endParaRPr lang="en-US" sz="2000" b="1" dirty="0"/>
+          </a:p>
+          <a:p>
+            <a:pPr marL="0" indent="0">
+              <a:buFont typeface="Arial" panose="020B0604020202020204" pitchFamily="34" charset="0"/>
+              <a:buNone/>
+            </a:pPr>
+            <a:endParaRPr lang="en-US" b="1" dirty="0"/>
+          </a:p>
+          <a:p>
+            <a:endParaRPr lang="en-GB" dirty="0"/>
+          </a:p>
+          <a:p>
+            <a:pPr marL="0" indent="0">
+              <a:buFont typeface="Arial" panose="020B0604020202020204" pitchFamily="34" charset="0"/>
+              <a:buNone/>
+            </a:pPr>
+            <a:endParaRPr lang="en-US" sz="2000" b="1" dirty="0"/>
+          </a:p>
+          <a:p>
+            <a:endParaRPr lang="en-US" sz="2000" b="1" dirty="0"/>
+          </a:p>
+          <a:p>
+            <a:endParaRPr lang="en-GB" sz="2000" dirty="0"/>
+          </a:p>
+        </p:txBody>
+      </p:sp>
+      <p:pic>
+        <p:nvPicPr>
+          <p:cNvPr id="10" name="Picture 2">
+            <a:extLst>
+              <a:ext uri="{FF2B5EF4-FFF2-40B4-BE49-F238E27FC236}">
+                <a16:creationId xmlns:a16="http://schemas.microsoft.com/office/drawing/2014/main" id="{908A447D-EF01-3FC5-2964-5E7CD920F672}"/>
+              </a:ext>
+            </a:extLst>
+          </p:cNvPr>
+          <p:cNvPicPr>
+            <a:picLocks noChangeAspect="1" noChangeArrowheads="1"/>
+          </p:cNvPicPr>
+          <p:nvPr/>
+        </p:nvPicPr>
+        <p:blipFill>
+          <a:blip r:embed="rId3">
+            <a:extLst>
+              <a:ext uri="{28A0092B-C50C-407E-A947-70E740481C1C}">
+                <a14:useLocalDpi xmlns:a14="http://schemas.microsoft.com/office/drawing/2010/main" val="0"/>
+              </a:ext>
+            </a:extLst>
+          </a:blip>
+          <a:srcRect/>
+          <a:stretch>
+            <a:fillRect/>
+          </a:stretch>
+        </p:blipFill>
+        <p:spPr bwMode="auto">
+          <a:xfrm>
+            <a:off x="2463489" y="2986962"/>
+            <a:ext cx="5309271" cy="3476757"/>
+          </a:xfrm>
+          <a:prstGeom prst="rect">
+            <a:avLst/>
+          </a:prstGeom>
+          <a:noFill/>
+          <a:ln>
+            <a:noFill/>
+          </a:ln>
+          <a:effectLst/>
+          <a:extLst>
+            <a:ext uri="{909E8E84-426E-40DD-AFC4-6F175D3DCCD1}">
+              <a14:hiddenFill xmlns:a14="http://schemas.microsoft.com/office/drawing/2010/main">
+                <a:solidFill>
+                  <a:schemeClr val="accent1"/>
+                </a:solidFill>
+              </a14:hiddenFill>
+            </a:ext>
+            <a:ext uri="{91240B29-F687-4F45-9708-019B960494DF}">
+              <a14:hiddenLine xmlns:a14="http://schemas.microsoft.com/office/drawing/2010/main" w="9525">
+                <a:solidFill>
+                  <a:schemeClr val="tx1"/>
+                </a:solidFill>
+                <a:miter lim="800000"/>
+                <a:headEnd/>
+                <a:tailEnd/>
+              </a14:hiddenLine>
+            </a:ext>
+            <a:ext uri="{AF507438-7753-43E0-B8FC-AC1667EBCBE1}">
+              <a14:hiddenEffects xmlns:a14="http://schemas.microsoft.com/office/drawing/2010/main">
+                <a:effectLst>
+                  <a:outerShdw dist="35921" dir="2700000" algn="ctr" rotWithShape="0">
+                    <a:schemeClr val="bg2"/>
+                  </a:outerShdw>
+                </a:effectLst>
+              </a14:hiddenEffects>
+            </a:ext>
+          </a:extLst>
+        </p:spPr>
+      </p:pic>
+    </p:spTree>
+    <p:extLst>
+      <p:ext uri="{BB962C8B-B14F-4D97-AF65-F5344CB8AC3E}">
+        <p14:creationId xmlns:p14="http://schemas.microsoft.com/office/powerpoint/2010/main" val="126138355"/>
+      </p:ext>
+    </p:extLst>
+  </p:cSld>
+  <p:clrMapOvr>
+    <a:masterClrMapping/>
+  </p:clrMapOvr>
+</p:sld>
+</file>
+
+<file path=ppt/slides/slide23.xml><?xml version="1.0" encoding="utf-8"?>
+<p:sld xmlns:a="http://schemas.openxmlformats.org/drawingml/2006/main" xmlns:r="http://schemas.openxmlformats.org/officeDocument/2006/relationships" xmlns:p="http://schemas.openxmlformats.org/presentationml/2006/main">
+  <p:cSld>
+    <p:bg>
+      <p:bgPr>
+        <a:solidFill>
+          <a:schemeClr val="bg1"/>
+        </a:solidFill>
+        <a:effectLst/>
+      </p:bgPr>
+    </p:bg>
+    <p:spTree>
+      <p:nvGrpSpPr>
+        <p:cNvPr id="1" name="">
+          <a:extLst>
+            <a:ext uri="{FF2B5EF4-FFF2-40B4-BE49-F238E27FC236}">
+              <a16:creationId xmlns:a16="http://schemas.microsoft.com/office/drawing/2014/main" id="{5A0248B8-8DC7-9B91-D463-477BB00EAB2B}"/>
+            </a:ext>
+          </a:extLst>
+        </p:cNvPr>
+        <p:cNvGrpSpPr/>
+        <p:nvPr/>
+      </p:nvGrpSpPr>
+      <p:grpSpPr>
+        <a:xfrm>
+          <a:off x="0" y="0"/>
+          <a:ext cx="0" cy="0"/>
+          <a:chOff x="0" y="0"/>
+          <a:chExt cx="0" cy="0"/>
+        </a:xfrm>
+      </p:grpSpPr>
+      <p:sp>
+        <p:nvSpPr>
+          <p:cNvPr id="27" name="Rectangle 26">
+            <a:extLst>
+              <a:ext uri="{FF2B5EF4-FFF2-40B4-BE49-F238E27FC236}">
+                <a16:creationId xmlns:a16="http://schemas.microsoft.com/office/drawing/2014/main" id="{CE4A4C2E-4CD4-2A76-6622-B9EB5418100F}"/>
+              </a:ext>
+              <a:ext uri="{C183D7F6-B498-43B3-948B-1728B52AA6E4}">
+                <adec:decorative xmlns:adec="http://schemas.microsoft.com/office/drawing/2017/decorative" val="1"/>
+              </a:ext>
+            </a:extLst>
+          </p:cNvPr>
+          <p:cNvSpPr>
+            <a:spLocks noGrp="1" noRot="1" noChangeAspect="1" noMove="1" noResize="1" noEditPoints="1" noAdjustHandles="1" noChangeArrowheads="1" noChangeShapeType="1" noTextEdit="1"/>
+          </p:cNvSpPr>
+          <p:nvPr>
+            <p:extLst>
+              <p:ext uri="{386F3935-93C4-4BCD-93E2-E3B085C9AB24}">
+                <p16:designElem xmlns:p16="http://schemas.microsoft.com/office/powerpoint/2015/main" val="1"/>
+              </p:ext>
+            </p:extLst>
+          </p:nvPr>
+        </p:nvSpPr>
+        <p:spPr>
+          <a:xfrm>
+            <a:off x="0" y="0"/>
+            <a:ext cx="10058400" cy="7772400"/>
+          </a:xfrm>
+          <a:prstGeom prst="rect">
+            <a:avLst/>
+          </a:prstGeom>
+          <a:solidFill>
+            <a:schemeClr val="bg1"/>
+          </a:solidFill>
+          <a:ln>
+            <a:noFill/>
+          </a:ln>
+        </p:spPr>
+        <p:style>
+          <a:lnRef idx="2">
+            <a:schemeClr val="accent1">
+              <a:shade val="50000"/>
+            </a:schemeClr>
+          </a:lnRef>
+          <a:fillRef idx="1">
+            <a:schemeClr val="accent1"/>
+          </a:fillRef>
+          <a:effectRef idx="0">
+            <a:schemeClr val="accent1"/>
+          </a:effectRef>
+          <a:fontRef idx="minor">
+            <a:schemeClr val="lt1"/>
+          </a:fontRef>
+        </p:style>
+        <p:txBody>
+          <a:bodyPr rtlCol="0" anchor="ctr"/>
+          <a:lstStyle/>
+          <a:p>
+            <a:pPr algn="ctr"/>
+            <a:endParaRPr lang="en-US" dirty="0"/>
+          </a:p>
+        </p:txBody>
+      </p:sp>
+      <p:grpSp>
+        <p:nvGrpSpPr>
+          <p:cNvPr id="29" name="Group 28">
+            <a:extLst>
+              <a:ext uri="{FF2B5EF4-FFF2-40B4-BE49-F238E27FC236}">
+                <a16:creationId xmlns:a16="http://schemas.microsoft.com/office/drawing/2014/main" id="{5E367D03-888F-8D6B-0B39-F21F420069E4}"/>
+              </a:ext>
+              <a:ext uri="{C183D7F6-B498-43B3-948B-1728B52AA6E4}">
+                <adec:decorative xmlns:adec="http://schemas.microsoft.com/office/drawing/2017/decorative" val="1"/>
+              </a:ext>
+            </a:extLst>
+          </p:cNvPr>
+          <p:cNvGrpSpPr>
+            <a:grpSpLocks noGrp="1" noUngrp="1" noRot="1" noChangeAspect="1" noMove="1" noResize="1"/>
+          </p:cNvGrpSpPr>
+          <p:nvPr>
+            <p:extLst>
+              <p:ext uri="{386F3935-93C4-4BCD-93E2-E3B085C9AB24}">
+                <p16:designElem xmlns:p16="http://schemas.microsoft.com/office/powerpoint/2015/main" val="1"/>
+              </p:ext>
+            </p:extLst>
+          </p:nvPr>
+        </p:nvGrpSpPr>
+        <p:grpSpPr>
+          <a:xfrm flipH="1">
+            <a:off x="9045825" y="2672"/>
+            <a:ext cx="1548239" cy="2001476"/>
+            <a:chOff x="-648769" y="2358"/>
+            <a:chExt cx="1876653" cy="1766008"/>
+          </a:xfrm>
+        </p:grpSpPr>
+        <p:sp>
+          <p:nvSpPr>
+            <p:cNvPr id="30" name="Freeform: Shape 29">
+              <a:extLst>
+                <a:ext uri="{FF2B5EF4-FFF2-40B4-BE49-F238E27FC236}">
+                  <a16:creationId xmlns:a16="http://schemas.microsoft.com/office/drawing/2014/main" id="{9648791F-FE86-339C-1395-A69157610BD0}"/>
+                </a:ext>
+                <a:ext uri="{C183D7F6-B498-43B3-948B-1728B52AA6E4}">
+                  <adec:decorative xmlns:adec="http://schemas.microsoft.com/office/drawing/2017/decorative" val="1"/>
+                </a:ext>
+              </a:extLst>
+            </p:cNvPr>
+            <p:cNvSpPr/>
+            <p:nvPr>
+              <p:extLst>
+                <p:ext uri="{386F3935-93C4-4BCD-93E2-E3B085C9AB24}">
+                  <p16:designElem xmlns:p16="http://schemas.microsoft.com/office/powerpoint/2015/main" val="1"/>
+                </p:ext>
+              </p:extLst>
+            </p:nvPr>
+          </p:nvSpPr>
+          <p:spPr>
+            <a:xfrm rot="2700000">
+              <a:off x="-415188" y="-231223"/>
+              <a:ext cx="1409491" cy="1876653"/>
+            </a:xfrm>
+            <a:custGeom>
+              <a:avLst/>
+              <a:gdLst>
+                <a:gd name="connsiteX0" fmla="*/ 0 w 1409491"/>
+                <a:gd name="connsiteY0" fmla="*/ 643075 h 1876653"/>
+                <a:gd name="connsiteX1" fmla="*/ 643075 w 1409491"/>
+                <a:gd name="connsiteY1" fmla="*/ 0 h 1876653"/>
+                <a:gd name="connsiteX2" fmla="*/ 1409491 w 1409491"/>
+                <a:gd name="connsiteY2" fmla="*/ 0 h 1876653"/>
+                <a:gd name="connsiteX3" fmla="*/ 1409491 w 1409491"/>
+                <a:gd name="connsiteY3" fmla="*/ 1876653 h 1876653"/>
+                <a:gd name="connsiteX4" fmla="*/ 1233578 w 1409491"/>
+                <a:gd name="connsiteY4" fmla="*/ 1876653 h 1876653"/>
+              </a:gdLst>
+              <a:ahLst/>
+              <a:cxnLst>
+                <a:cxn ang="0">
+                  <a:pos x="connsiteX0" y="connsiteY0"/>
+                </a:cxn>
+                <a:cxn ang="0">
+                  <a:pos x="connsiteX1" y="connsiteY1"/>
+                </a:cxn>
+                <a:cxn ang="0">
+                  <a:pos x="connsiteX2" y="connsiteY2"/>
+                </a:cxn>
+                <a:cxn ang="0">
+                  <a:pos x="connsiteX3" y="connsiteY3"/>
+                </a:cxn>
+                <a:cxn ang="0">
+                  <a:pos x="connsiteX4" y="connsiteY4"/>
+                </a:cxn>
+              </a:cxnLst>
+              <a:rect l="l" t="t" r="r" b="b"/>
+              <a:pathLst>
+                <a:path w="1409491" h="1876653">
+                  <a:moveTo>
+                    <a:pt x="0" y="643075"/>
+                  </a:moveTo>
+                  <a:lnTo>
+                    <a:pt x="643075" y="0"/>
+                  </a:lnTo>
+                  <a:lnTo>
+                    <a:pt x="1409491" y="0"/>
+                  </a:lnTo>
+                  <a:lnTo>
+                    <a:pt x="1409491" y="1876653"/>
+                  </a:lnTo>
+                  <a:lnTo>
+                    <a:pt x="1233578" y="1876653"/>
+                  </a:lnTo>
+                  <a:close/>
+                </a:path>
+              </a:pathLst>
+            </a:custGeom>
+            <a:solidFill>
+              <a:schemeClr val="accent1">
+                <a:alpha val="30000"/>
+              </a:schemeClr>
+            </a:solidFill>
+            <a:ln>
+              <a:noFill/>
+            </a:ln>
+          </p:spPr>
+          <p:style>
+            <a:lnRef idx="2">
+              <a:schemeClr val="accent1">
+                <a:shade val="50000"/>
+              </a:schemeClr>
+            </a:lnRef>
+            <a:fillRef idx="1">
+              <a:schemeClr val="accent1"/>
+            </a:fillRef>
+            <a:effectRef idx="0">
+              <a:schemeClr val="accent1"/>
+            </a:effectRef>
+            <a:fontRef idx="minor">
+              <a:schemeClr val="lt1"/>
+            </a:fontRef>
+          </p:style>
+          <p:txBody>
+            <a:bodyPr rtlCol="0" anchor="ctr"/>
+            <a:lstStyle/>
+            <a:p>
+              <a:pPr algn="ctr"/>
+              <a:endParaRPr lang="en-US"/>
+            </a:p>
+          </p:txBody>
+        </p:sp>
+        <p:sp>
+          <p:nvSpPr>
+            <p:cNvPr id="31" name="Rectangle 30">
+              <a:extLst>
+                <a:ext uri="{FF2B5EF4-FFF2-40B4-BE49-F238E27FC236}">
+                  <a16:creationId xmlns:a16="http://schemas.microsoft.com/office/drawing/2014/main" id="{A517F13D-87B3-54B1-6815-94406218E8C0}"/>
+                </a:ext>
+                <a:ext uri="{C183D7F6-B498-43B3-948B-1728B52AA6E4}">
+                  <adec:decorative xmlns:adec="http://schemas.microsoft.com/office/drawing/2017/decorative" val="1"/>
+                </a:ext>
+              </a:extLst>
+            </p:cNvPr>
+            <p:cNvSpPr/>
+            <p:nvPr>
+              <p:extLst>
+                <p:ext uri="{386F3935-93C4-4BCD-93E2-E3B085C9AB24}">
+                  <p16:designElem xmlns:p16="http://schemas.microsoft.com/office/powerpoint/2015/main" val="1"/>
+                </p:ext>
+              </p:extLst>
+            </p:nvPr>
+          </p:nvSpPr>
+          <p:spPr>
+            <a:xfrm rot="2700000">
+              <a:off x="301285" y="1282788"/>
+              <a:ext cx="485578" cy="485578"/>
+            </a:xfrm>
+            <a:prstGeom prst="rect">
+              <a:avLst/>
+            </a:prstGeom>
+            <a:solidFill>
+              <a:schemeClr val="accent1">
+                <a:alpha val="30000"/>
+              </a:schemeClr>
+            </a:solidFill>
+            <a:ln>
+              <a:noFill/>
+            </a:ln>
+          </p:spPr>
+          <p:style>
+            <a:lnRef idx="2">
+              <a:schemeClr val="accent1">
+                <a:shade val="50000"/>
+              </a:schemeClr>
+            </a:lnRef>
+            <a:fillRef idx="1">
+              <a:schemeClr val="accent1"/>
+            </a:fillRef>
+            <a:effectRef idx="0">
+              <a:schemeClr val="accent1"/>
+            </a:effectRef>
+            <a:fontRef idx="minor">
+              <a:schemeClr val="lt1"/>
+            </a:fontRef>
+          </p:style>
+          <p:txBody>
+            <a:bodyPr rtlCol="0" anchor="ctr"/>
+            <a:lstStyle/>
+            <a:p>
+              <a:pPr algn="ctr"/>
+              <a:endParaRPr lang="en-US"/>
+            </a:p>
+          </p:txBody>
+        </p:sp>
+      </p:grpSp>
+      <p:sp>
+        <p:nvSpPr>
+          <p:cNvPr id="33" name="Rectangle 32">
+            <a:extLst>
+              <a:ext uri="{FF2B5EF4-FFF2-40B4-BE49-F238E27FC236}">
+                <a16:creationId xmlns:a16="http://schemas.microsoft.com/office/drawing/2014/main" id="{B3A5A92E-54FE-1A3C-249E-4FAD6D642F1D}"/>
+              </a:ext>
+              <a:ext uri="{C183D7F6-B498-43B3-948B-1728B52AA6E4}">
+                <adec:decorative xmlns:adec="http://schemas.microsoft.com/office/drawing/2017/decorative" val="1"/>
+              </a:ext>
+            </a:extLst>
+          </p:cNvPr>
+          <p:cNvSpPr>
+            <a:spLocks noGrp="1" noRot="1" noChangeAspect="1" noMove="1" noResize="1" noEditPoints="1" noAdjustHandles="1" noChangeArrowheads="1" noChangeShapeType="1" noTextEdit="1"/>
+          </p:cNvSpPr>
+          <p:nvPr>
+            <p:extLst>
+              <p:ext uri="{386F3935-93C4-4BCD-93E2-E3B085C9AB24}">
+                <p16:designElem xmlns:p16="http://schemas.microsoft.com/office/powerpoint/2015/main" val="1"/>
+              </p:ext>
+            </p:extLst>
+          </p:nvPr>
+        </p:nvSpPr>
+        <p:spPr>
+          <a:xfrm rot="2700000">
+            <a:off x="2158692" y="6937649"/>
+            <a:ext cx="731417" cy="532429"/>
+          </a:xfrm>
+          <a:prstGeom prst="rect">
+            <a:avLst/>
+          </a:prstGeom>
+          <a:solidFill>
+            <a:schemeClr val="accent4">
+              <a:alpha val="30000"/>
+            </a:schemeClr>
+          </a:solidFill>
+          <a:ln>
+            <a:noFill/>
+          </a:ln>
+        </p:spPr>
+        <p:style>
+          <a:lnRef idx="2">
+            <a:schemeClr val="accent1">
+              <a:shade val="50000"/>
+            </a:schemeClr>
+          </a:lnRef>
+          <a:fillRef idx="1">
+            <a:schemeClr val="accent1"/>
+          </a:fillRef>
+          <a:effectRef idx="0">
+            <a:schemeClr val="accent1"/>
+          </a:effectRef>
+          <a:fontRef idx="minor">
+            <a:schemeClr val="lt1"/>
+          </a:fontRef>
+        </p:style>
+        <p:txBody>
+          <a:bodyPr rtlCol="0" anchor="ctr"/>
+          <a:lstStyle/>
+          <a:p>
+            <a:pPr algn="ctr"/>
+            <a:endParaRPr lang="en-US"/>
+          </a:p>
+        </p:txBody>
+      </p:sp>
+      <p:sp>
+        <p:nvSpPr>
+          <p:cNvPr id="35" name="Isosceles Triangle 34">
+            <a:extLst>
+              <a:ext uri="{FF2B5EF4-FFF2-40B4-BE49-F238E27FC236}">
+                <a16:creationId xmlns:a16="http://schemas.microsoft.com/office/drawing/2014/main" id="{457827A6-6C47-4CD7-971A-A75A5EC48C64}"/>
+              </a:ext>
+              <a:ext uri="{C183D7F6-B498-43B3-948B-1728B52AA6E4}">
+                <adec:decorative xmlns:adec="http://schemas.microsoft.com/office/drawing/2017/decorative" val="1"/>
+              </a:ext>
+            </a:extLst>
+          </p:cNvPr>
+          <p:cNvSpPr>
+            <a:spLocks noGrp="1" noRot="1" noChangeAspect="1" noMove="1" noResize="1" noEditPoints="1" noAdjustHandles="1" noChangeArrowheads="1" noChangeShapeType="1" noTextEdit="1"/>
+          </p:cNvSpPr>
+          <p:nvPr>
+            <p:extLst>
+              <p:ext uri="{386F3935-93C4-4BCD-93E2-E3B085C9AB24}">
+                <p16:designElem xmlns:p16="http://schemas.microsoft.com/office/powerpoint/2015/main" val="1"/>
+              </p:ext>
+            </p:extLst>
+          </p:nvPr>
+        </p:nvSpPr>
+        <p:spPr>
+          <a:xfrm>
+            <a:off x="1108334" y="6483922"/>
+            <a:ext cx="1866121" cy="1288476"/>
+          </a:xfrm>
+          <a:prstGeom prst="triangle">
+            <a:avLst>
+              <a:gd name="adj" fmla="val 50000"/>
+            </a:avLst>
+          </a:prstGeom>
+          <a:solidFill>
+            <a:schemeClr val="accent4">
+              <a:alpha val="30000"/>
+            </a:schemeClr>
+          </a:solidFill>
+          <a:ln>
+            <a:noFill/>
+          </a:ln>
+        </p:spPr>
+        <p:style>
+          <a:lnRef idx="2">
+            <a:schemeClr val="accent1">
+              <a:shade val="50000"/>
+            </a:schemeClr>
+          </a:lnRef>
+          <a:fillRef idx="1">
+            <a:schemeClr val="accent1"/>
+          </a:fillRef>
+          <a:effectRef idx="0">
+            <a:schemeClr val="accent1"/>
+          </a:effectRef>
+          <a:fontRef idx="minor">
+            <a:schemeClr val="lt1"/>
+          </a:fontRef>
+        </p:style>
+        <p:txBody>
+          <a:bodyPr rtlCol="0" anchor="ctr"/>
+          <a:lstStyle/>
+          <a:p>
+            <a:pPr algn="ctr"/>
+            <a:endParaRPr lang="en-US"/>
+          </a:p>
+        </p:txBody>
+      </p:sp>
+      <p:sp>
+        <p:nvSpPr>
+          <p:cNvPr id="6" name="TextBox 5">
+            <a:extLst>
+              <a:ext uri="{FF2B5EF4-FFF2-40B4-BE49-F238E27FC236}">
+                <a16:creationId xmlns:a16="http://schemas.microsoft.com/office/drawing/2014/main" id="{97AB226D-A7D2-EBE5-24AE-889A0AA39C7D}"/>
+              </a:ext>
+            </a:extLst>
+          </p:cNvPr>
+          <p:cNvSpPr txBox="1"/>
+          <p:nvPr/>
+        </p:nvSpPr>
+        <p:spPr>
+          <a:xfrm>
+            <a:off x="308753" y="814937"/>
+            <a:ext cx="9569239" cy="584775"/>
+          </a:xfrm>
+          <a:prstGeom prst="rect">
+            <a:avLst/>
+          </a:prstGeom>
+          <a:noFill/>
+        </p:spPr>
+        <p:txBody>
+          <a:bodyPr wrap="square" rtlCol="0">
+            <a:spAutoFit/>
+          </a:bodyPr>
+          <a:lstStyle/>
+          <a:p>
+            <a:pPr algn="ctr"/>
+            <a:r>
+              <a:rPr lang="en-GB" sz="3200" i="0" dirty="0">
+                <a:solidFill>
+                  <a:srgbClr val="000000"/>
+                </a:solidFill>
+                <a:effectLst/>
+                <a:latin typeface="Helvetica Neue"/>
+              </a:rPr>
+              <a:t>Optimization Part 4</a:t>
+            </a:r>
+          </a:p>
+        </p:txBody>
+      </p:sp>
+      <p:sp>
+        <p:nvSpPr>
+          <p:cNvPr id="3" name="Picture Placeholder 2">
+            <a:extLst>
+              <a:ext uri="{FF2B5EF4-FFF2-40B4-BE49-F238E27FC236}">
+                <a16:creationId xmlns:a16="http://schemas.microsoft.com/office/drawing/2014/main" id="{33C0A025-B4CA-9BB6-3CFE-7C65274EFD3F}"/>
+              </a:ext>
+            </a:extLst>
+          </p:cNvPr>
+          <p:cNvSpPr>
+            <a:spLocks noGrp="1"/>
+          </p:cNvSpPr>
+          <p:nvPr>
+            <p:ph type="pic" sz="quarter" idx="11"/>
+          </p:nvPr>
+        </p:nvSpPr>
+        <p:spPr/>
+        <p:txBody>
+          <a:bodyPr/>
+          <a:lstStyle/>
+          <a:p>
+            <a:endParaRPr lang="en-US"/>
+          </a:p>
+        </p:txBody>
+      </p:sp>
+      <p:sp>
+        <p:nvSpPr>
+          <p:cNvPr id="7" name="Content Placeholder 2">
+            <a:extLst>
+              <a:ext uri="{FF2B5EF4-FFF2-40B4-BE49-F238E27FC236}">
+                <a16:creationId xmlns:a16="http://schemas.microsoft.com/office/drawing/2014/main" id="{0DB26922-CFEE-749D-60DB-C47E91FC97BB}"/>
+              </a:ext>
+            </a:extLst>
+          </p:cNvPr>
+          <p:cNvSpPr txBox="1">
+            <a:spLocks/>
+          </p:cNvSpPr>
+          <p:nvPr/>
+        </p:nvSpPr>
+        <p:spPr>
+          <a:xfrm>
+            <a:off x="1777999" y="1547911"/>
+            <a:ext cx="8229600" cy="4525963"/>
+          </a:xfrm>
+          <a:prstGeom prst="rect">
+            <a:avLst/>
+          </a:prstGeom>
+        </p:spPr>
+        <p:txBody>
+          <a:bodyPr/>
+          <a:lstStyle>
+            <a:lvl1pPr marL="228600" indent="-228600" algn="l" defTabSz="914400" rtl="0" eaLnBrk="1" latinLnBrk="0" hangingPunct="1">
+              <a:lnSpc>
+                <a:spcPct val="90000"/>
+              </a:lnSpc>
+              <a:spcBef>
+                <a:spcPts val="1000"/>
+              </a:spcBef>
+              <a:buFont typeface="Arial" panose="020B0604020202020204" pitchFamily="34" charset="0"/>
+              <a:buChar char="•"/>
+              <a:defRPr sz="2800" kern="1200">
+                <a:solidFill>
+                  <a:schemeClr val="tx1">
+                    <a:lumMod val="75000"/>
+                    <a:lumOff val="25000"/>
+                  </a:schemeClr>
+                </a:solidFill>
+                <a:latin typeface="+mn-lt"/>
+                <a:ea typeface="+mn-ea"/>
+                <a:cs typeface="+mn-cs"/>
+              </a:defRPr>
+            </a:lvl1pPr>
+            <a:lvl2pPr marL="685800" indent="-228600" algn="l" defTabSz="914400" rtl="0" eaLnBrk="1" latinLnBrk="0" hangingPunct="1">
+              <a:lnSpc>
+                <a:spcPct val="90000"/>
+              </a:lnSpc>
+              <a:spcBef>
+                <a:spcPts val="500"/>
+              </a:spcBef>
+              <a:buFont typeface="Arial" panose="020B0604020202020204" pitchFamily="34" charset="0"/>
+              <a:buChar char="•"/>
+              <a:defRPr sz="2400" kern="1200">
+                <a:solidFill>
+                  <a:schemeClr val="tx1">
+                    <a:lumMod val="75000"/>
+                    <a:lumOff val="25000"/>
+                  </a:schemeClr>
+                </a:solidFill>
+                <a:latin typeface="+mn-lt"/>
+                <a:ea typeface="+mn-ea"/>
+                <a:cs typeface="+mn-cs"/>
+              </a:defRPr>
+            </a:lvl2pPr>
+            <a:lvl3pPr marL="1143000" indent="-228600" algn="l" defTabSz="914400" rtl="0" eaLnBrk="1" latinLnBrk="0" hangingPunct="1">
+              <a:lnSpc>
+                <a:spcPct val="90000"/>
+              </a:lnSpc>
+              <a:spcBef>
+                <a:spcPts val="500"/>
+              </a:spcBef>
+              <a:buFont typeface="Arial" panose="020B0604020202020204" pitchFamily="34" charset="0"/>
+              <a:buChar char="•"/>
+              <a:defRPr sz="2000" kern="1200">
+                <a:solidFill>
+                  <a:schemeClr val="tx1">
+                    <a:lumMod val="75000"/>
+                    <a:lumOff val="25000"/>
+                  </a:schemeClr>
+                </a:solidFill>
+                <a:latin typeface="+mn-lt"/>
+                <a:ea typeface="+mn-ea"/>
+                <a:cs typeface="+mn-cs"/>
+              </a:defRPr>
+            </a:lvl3pPr>
+            <a:lvl4pPr marL="1600200" indent="-228600" algn="l" defTabSz="914400" rtl="0" eaLnBrk="1" latinLnBrk="0" hangingPunct="1">
+              <a:lnSpc>
+                <a:spcPct val="90000"/>
+              </a:lnSpc>
+              <a:spcBef>
+                <a:spcPts val="500"/>
+              </a:spcBef>
+              <a:buFont typeface="Arial" panose="020B0604020202020204" pitchFamily="34" charset="0"/>
+              <a:buChar char="•"/>
+              <a:defRPr sz="1800" kern="1200">
+                <a:solidFill>
+                  <a:schemeClr val="tx1">
+                    <a:lumMod val="75000"/>
+                    <a:lumOff val="25000"/>
+                  </a:schemeClr>
+                </a:solidFill>
+                <a:latin typeface="+mn-lt"/>
+                <a:ea typeface="+mn-ea"/>
+                <a:cs typeface="+mn-cs"/>
+              </a:defRPr>
+            </a:lvl4pPr>
+            <a:lvl5pPr marL="2057400" indent="-228600" algn="l" defTabSz="914400" rtl="0" eaLnBrk="1" latinLnBrk="0" hangingPunct="1">
+              <a:lnSpc>
+                <a:spcPct val="90000"/>
+              </a:lnSpc>
+              <a:spcBef>
+                <a:spcPts val="500"/>
+              </a:spcBef>
+              <a:buFont typeface="Arial" panose="020B0604020202020204" pitchFamily="34" charset="0"/>
+              <a:buChar char="•"/>
+              <a:defRPr sz="1800" kern="1200">
+                <a:solidFill>
+                  <a:schemeClr val="tx1">
+                    <a:lumMod val="75000"/>
+                    <a:lumOff val="25000"/>
+                  </a:schemeClr>
+                </a:solidFill>
+                <a:latin typeface="+mn-lt"/>
+                <a:ea typeface="+mn-ea"/>
+                <a:cs typeface="+mn-cs"/>
+              </a:defRPr>
+            </a:lvl5pPr>
+            <a:lvl6pPr marL="2514600" indent="-228600" algn="l" defTabSz="914400" rtl="0" eaLnBrk="1" latinLnBrk="0" hangingPunct="1">
+              <a:lnSpc>
+                <a:spcPct val="90000"/>
+              </a:lnSpc>
+              <a:spcBef>
+                <a:spcPts val="500"/>
+              </a:spcBef>
+              <a:buFont typeface="Arial" panose="020B0604020202020204" pitchFamily="34" charset="0"/>
+              <a:buChar char="•"/>
+              <a:defRPr sz="1800" kern="1200">
+                <a:solidFill>
+                  <a:schemeClr val="tx1"/>
+                </a:solidFill>
+                <a:latin typeface="+mn-lt"/>
+                <a:ea typeface="+mn-ea"/>
+                <a:cs typeface="+mn-cs"/>
+              </a:defRPr>
+            </a:lvl6pPr>
+            <a:lvl7pPr marL="2971800" indent="-228600" algn="l" defTabSz="914400" rtl="0" eaLnBrk="1" latinLnBrk="0" hangingPunct="1">
+              <a:lnSpc>
+                <a:spcPct val="90000"/>
+              </a:lnSpc>
+              <a:spcBef>
+                <a:spcPts val="500"/>
+              </a:spcBef>
+              <a:buFont typeface="Arial" panose="020B0604020202020204" pitchFamily="34" charset="0"/>
+              <a:buChar char="•"/>
+              <a:defRPr sz="1800" kern="1200">
+                <a:solidFill>
+                  <a:schemeClr val="tx1"/>
+                </a:solidFill>
+                <a:latin typeface="+mn-lt"/>
+                <a:ea typeface="+mn-ea"/>
+                <a:cs typeface="+mn-cs"/>
+              </a:defRPr>
+            </a:lvl7pPr>
+            <a:lvl8pPr marL="3429000" indent="-228600" algn="l" defTabSz="914400" rtl="0" eaLnBrk="1" latinLnBrk="0" hangingPunct="1">
+              <a:lnSpc>
+                <a:spcPct val="90000"/>
+              </a:lnSpc>
+              <a:spcBef>
+                <a:spcPts val="500"/>
+              </a:spcBef>
+              <a:buFont typeface="Arial" panose="020B0604020202020204" pitchFamily="34" charset="0"/>
+              <a:buChar char="•"/>
+              <a:defRPr sz="1800" kern="1200">
+                <a:solidFill>
+                  <a:schemeClr val="tx1"/>
+                </a:solidFill>
+                <a:latin typeface="+mn-lt"/>
+                <a:ea typeface="+mn-ea"/>
+                <a:cs typeface="+mn-cs"/>
+              </a:defRPr>
+            </a:lvl8pPr>
+            <a:lvl9pPr marL="3886200" indent="-228600" algn="l" defTabSz="914400" rtl="0" eaLnBrk="1" latinLnBrk="0" hangingPunct="1">
+              <a:lnSpc>
+                <a:spcPct val="90000"/>
+              </a:lnSpc>
+              <a:spcBef>
+                <a:spcPts val="500"/>
+              </a:spcBef>
+              <a:buFont typeface="Arial" panose="020B0604020202020204" pitchFamily="34" charset="0"/>
+              <a:buChar char="•"/>
+              <a:defRPr sz="1800" kern="1200">
+                <a:solidFill>
+                  <a:schemeClr val="tx1"/>
+                </a:solidFill>
+                <a:latin typeface="+mn-lt"/>
+                <a:ea typeface="+mn-ea"/>
+                <a:cs typeface="+mn-cs"/>
+              </a:defRPr>
+            </a:lvl9pPr>
+          </a:lstStyle>
+          <a:p>
+            <a:r>
+              <a:rPr lang="en-US" sz="2000" b="1"/>
+              <a:t>5. Balancing no-stroke to match stroke, using RandomForestClassifier</a:t>
+            </a:r>
+            <a:endParaRPr lang="en-US" sz="2000"/>
+          </a:p>
+          <a:p>
+            <a:endParaRPr lang="en-US" sz="2000" b="1"/>
+          </a:p>
+          <a:p>
+            <a:pPr marL="0" indent="0">
+              <a:buFont typeface="Arial" panose="020B0604020202020204" pitchFamily="34" charset="0"/>
+              <a:buNone/>
+            </a:pPr>
+            <a:endParaRPr lang="en-US" b="1"/>
+          </a:p>
+          <a:p>
+            <a:endParaRPr lang="en-GB"/>
+          </a:p>
+          <a:p>
+            <a:endParaRPr lang="en-GB"/>
+          </a:p>
+          <a:p>
+            <a:endParaRPr lang="en-GB" sz="2000"/>
+          </a:p>
+          <a:p>
+            <a:r>
+              <a:rPr lang="en-GB" sz="2000" b="1"/>
+              <a:t>6. </a:t>
+            </a:r>
+            <a:r>
+              <a:rPr lang="en-US" sz="2000" b="1"/>
+              <a:t>Outliers removed, oversampled, using Support Vector Model</a:t>
+            </a:r>
+            <a:endParaRPr lang="en-US" sz="2000"/>
+          </a:p>
+          <a:p>
+            <a:endParaRPr lang="en-US" sz="2000" b="1"/>
+          </a:p>
+          <a:p>
+            <a:endParaRPr lang="en-US" sz="2000" b="1"/>
+          </a:p>
+          <a:p>
+            <a:endParaRPr lang="en-GB" sz="2000" dirty="0"/>
+          </a:p>
+        </p:txBody>
+      </p:sp>
+      <p:pic>
+        <p:nvPicPr>
+          <p:cNvPr id="8" name="Picture 2">
+            <a:extLst>
+              <a:ext uri="{FF2B5EF4-FFF2-40B4-BE49-F238E27FC236}">
+                <a16:creationId xmlns:a16="http://schemas.microsoft.com/office/drawing/2014/main" id="{E398BE58-468A-7435-84A5-36A212E36745}"/>
+              </a:ext>
+            </a:extLst>
+          </p:cNvPr>
+          <p:cNvPicPr>
+            <a:picLocks noChangeAspect="1" noChangeArrowheads="1"/>
+          </p:cNvPicPr>
+          <p:nvPr/>
+        </p:nvPicPr>
+        <p:blipFill>
+          <a:blip r:embed="rId3">
+            <a:extLst>
+              <a:ext uri="{28A0092B-C50C-407E-A947-70E740481C1C}">
+                <a14:useLocalDpi xmlns:a14="http://schemas.microsoft.com/office/drawing/2010/main" val="0"/>
+              </a:ext>
+            </a:extLst>
+          </a:blip>
+          <a:srcRect/>
+          <a:stretch>
+            <a:fillRect/>
+          </a:stretch>
+        </p:blipFill>
+        <p:spPr bwMode="auto">
+          <a:xfrm>
+            <a:off x="2292397" y="1979959"/>
+            <a:ext cx="3265236" cy="2088232"/>
+          </a:xfrm>
+          <a:prstGeom prst="rect">
+            <a:avLst/>
+          </a:prstGeom>
+          <a:noFill/>
+          <a:ln>
+            <a:noFill/>
+          </a:ln>
+          <a:effectLst/>
+          <a:extLst>
+            <a:ext uri="{909E8E84-426E-40DD-AFC4-6F175D3DCCD1}">
+              <a14:hiddenFill xmlns:a14="http://schemas.microsoft.com/office/drawing/2010/main">
+                <a:solidFill>
+                  <a:schemeClr val="accent1"/>
+                </a:solidFill>
+              </a14:hiddenFill>
+            </a:ext>
+            <a:ext uri="{91240B29-F687-4F45-9708-019B960494DF}">
+              <a14:hiddenLine xmlns:a14="http://schemas.microsoft.com/office/drawing/2010/main" w="9525">
+                <a:solidFill>
+                  <a:schemeClr val="tx1"/>
+                </a:solidFill>
+                <a:miter lim="800000"/>
+                <a:headEnd/>
+                <a:tailEnd/>
+              </a14:hiddenLine>
+            </a:ext>
+            <a:ext uri="{AF507438-7753-43E0-B8FC-AC1667EBCBE1}">
+              <a14:hiddenEffects xmlns:a14="http://schemas.microsoft.com/office/drawing/2010/main">
+                <a:effectLst>
+                  <a:outerShdw dist="35921" dir="2700000" algn="ctr" rotWithShape="0">
+                    <a:schemeClr val="bg2"/>
+                  </a:outerShdw>
+                </a:effectLst>
+              </a14:hiddenEffects>
+            </a:ext>
+          </a:extLst>
+        </p:spPr>
+      </p:pic>
+      <p:pic>
+        <p:nvPicPr>
+          <p:cNvPr id="9" name="Picture 3">
+            <a:extLst>
+              <a:ext uri="{FF2B5EF4-FFF2-40B4-BE49-F238E27FC236}">
+                <a16:creationId xmlns:a16="http://schemas.microsoft.com/office/drawing/2014/main" id="{36E739D3-7E61-06D9-C308-0A0F19FDE3F7}"/>
+              </a:ext>
+            </a:extLst>
+          </p:cNvPr>
+          <p:cNvPicPr>
+            <a:picLocks noChangeAspect="1" noChangeArrowheads="1"/>
+          </p:cNvPicPr>
+          <p:nvPr/>
+        </p:nvPicPr>
+        <p:blipFill>
+          <a:blip r:embed="rId4">
+            <a:extLst>
+              <a:ext uri="{28A0092B-C50C-407E-A947-70E740481C1C}">
+                <a14:useLocalDpi xmlns:a14="http://schemas.microsoft.com/office/drawing/2010/main" val="0"/>
+              </a:ext>
+            </a:extLst>
+          </a:blip>
+          <a:srcRect/>
+          <a:stretch>
+            <a:fillRect/>
+          </a:stretch>
+        </p:blipFill>
+        <p:spPr bwMode="auto">
+          <a:xfrm>
+            <a:off x="2292396" y="4860279"/>
+            <a:ext cx="3265237" cy="2127239"/>
+          </a:xfrm>
+          <a:prstGeom prst="rect">
+            <a:avLst/>
+          </a:prstGeom>
+          <a:noFill/>
+          <a:ln>
+            <a:noFill/>
+          </a:ln>
+          <a:effectLst/>
+          <a:extLst>
+            <a:ext uri="{909E8E84-426E-40DD-AFC4-6F175D3DCCD1}">
+              <a14:hiddenFill xmlns:a14="http://schemas.microsoft.com/office/drawing/2010/main">
+                <a:solidFill>
+                  <a:schemeClr val="accent1"/>
+                </a:solidFill>
+              </a14:hiddenFill>
+            </a:ext>
+            <a:ext uri="{91240B29-F687-4F45-9708-019B960494DF}">
+              <a14:hiddenLine xmlns:a14="http://schemas.microsoft.com/office/drawing/2010/main" w="9525">
+                <a:solidFill>
+                  <a:schemeClr val="tx1"/>
+                </a:solidFill>
+                <a:miter lim="800000"/>
+                <a:headEnd/>
+                <a:tailEnd/>
+              </a14:hiddenLine>
+            </a:ext>
+            <a:ext uri="{AF507438-7753-43E0-B8FC-AC1667EBCBE1}">
+              <a14:hiddenEffects xmlns:a14="http://schemas.microsoft.com/office/drawing/2010/main">
+                <a:effectLst>
+                  <a:outerShdw dist="35921" dir="2700000" algn="ctr" rotWithShape="0">
+                    <a:schemeClr val="bg2"/>
+                  </a:outerShdw>
+                </a:effectLst>
+              </a14:hiddenEffects>
+            </a:ext>
+          </a:extLst>
+        </p:spPr>
+      </p:pic>
+    </p:spTree>
+    <p:extLst>
+      <p:ext uri="{BB962C8B-B14F-4D97-AF65-F5344CB8AC3E}">
+        <p14:creationId xmlns:p14="http://schemas.microsoft.com/office/powerpoint/2010/main" val="3926043926"/>
+      </p:ext>
+    </p:extLst>
+  </p:cSld>
+  <p:clrMapOvr>
+    <a:masterClrMapping/>
+  </p:clrMapOvr>
+</p:sld>
+</file>
+
+<file path=ppt/slides/slide24.xml><?xml version="1.0" encoding="utf-8"?>
+<p:sld xmlns:a="http://schemas.openxmlformats.org/drawingml/2006/main" xmlns:r="http://schemas.openxmlformats.org/officeDocument/2006/relationships" xmlns:p="http://schemas.openxmlformats.org/presentationml/2006/main">
+  <p:cSld>
+    <p:bg>
+      <p:bgPr>
+        <a:solidFill>
+          <a:schemeClr val="bg1"/>
+        </a:solidFill>
+        <a:effectLst/>
+      </p:bgPr>
+    </p:bg>
+    <p:spTree>
+      <p:nvGrpSpPr>
+        <p:cNvPr id="1" name="">
+          <a:extLst>
+            <a:ext uri="{FF2B5EF4-FFF2-40B4-BE49-F238E27FC236}">
+              <a16:creationId xmlns:a16="http://schemas.microsoft.com/office/drawing/2014/main" id="{19976652-C50D-0AED-59F5-520024B90CBE}"/>
+            </a:ext>
+          </a:extLst>
+        </p:cNvPr>
+        <p:cNvGrpSpPr/>
+        <p:nvPr/>
+      </p:nvGrpSpPr>
+      <p:grpSpPr>
+        <a:xfrm>
+          <a:off x="0" y="0"/>
+          <a:ext cx="0" cy="0"/>
+          <a:chOff x="0" y="0"/>
+          <a:chExt cx="0" cy="0"/>
+        </a:xfrm>
+      </p:grpSpPr>
+      <p:sp>
+        <p:nvSpPr>
+          <p:cNvPr id="27" name="Rectangle 26">
+            <a:extLst>
+              <a:ext uri="{FF2B5EF4-FFF2-40B4-BE49-F238E27FC236}">
+                <a16:creationId xmlns:a16="http://schemas.microsoft.com/office/drawing/2014/main" id="{7BB21BAA-CED1-B16A-1DEE-E71B871D83E9}"/>
+              </a:ext>
+              <a:ext uri="{C183D7F6-B498-43B3-948B-1728B52AA6E4}">
+                <adec:decorative xmlns:adec="http://schemas.microsoft.com/office/drawing/2017/decorative" val="1"/>
+              </a:ext>
+            </a:extLst>
+          </p:cNvPr>
+          <p:cNvSpPr>
+            <a:spLocks noGrp="1" noRot="1" noChangeAspect="1" noMove="1" noResize="1" noEditPoints="1" noAdjustHandles="1" noChangeArrowheads="1" noChangeShapeType="1" noTextEdit="1"/>
+          </p:cNvSpPr>
+          <p:nvPr>
+            <p:extLst>
+              <p:ext uri="{386F3935-93C4-4BCD-93E2-E3B085C9AB24}">
+                <p16:designElem xmlns:p16="http://schemas.microsoft.com/office/powerpoint/2015/main" val="1"/>
+              </p:ext>
+            </p:extLst>
+          </p:nvPr>
+        </p:nvSpPr>
+        <p:spPr>
+          <a:xfrm>
+            <a:off x="0" y="0"/>
+            <a:ext cx="10058400" cy="7772400"/>
+          </a:xfrm>
+          <a:prstGeom prst="rect">
+            <a:avLst/>
+          </a:prstGeom>
+          <a:solidFill>
+            <a:schemeClr val="bg1"/>
+          </a:solidFill>
+          <a:ln>
+            <a:noFill/>
+          </a:ln>
+        </p:spPr>
+        <p:style>
+          <a:lnRef idx="2">
+            <a:schemeClr val="accent1">
+              <a:shade val="50000"/>
+            </a:schemeClr>
+          </a:lnRef>
+          <a:fillRef idx="1">
+            <a:schemeClr val="accent1"/>
+          </a:fillRef>
+          <a:effectRef idx="0">
+            <a:schemeClr val="accent1"/>
+          </a:effectRef>
+          <a:fontRef idx="minor">
+            <a:schemeClr val="lt1"/>
+          </a:fontRef>
+        </p:style>
+        <p:txBody>
+          <a:bodyPr rtlCol="0" anchor="ctr"/>
+          <a:lstStyle/>
+          <a:p>
+            <a:pPr algn="ctr"/>
+            <a:endParaRPr lang="en-US" dirty="0"/>
+          </a:p>
+        </p:txBody>
+      </p:sp>
+      <p:sp>
+        <p:nvSpPr>
+          <p:cNvPr id="29" name="Freeform: Shape 28">
+            <a:extLst>
+              <a:ext uri="{FF2B5EF4-FFF2-40B4-BE49-F238E27FC236}">
+                <a16:creationId xmlns:a16="http://schemas.microsoft.com/office/drawing/2014/main" id="{59F97F45-7FAF-0965-515C-DF36AA4F4400}"/>
+              </a:ext>
+              <a:ext uri="{C183D7F6-B498-43B3-948B-1728B52AA6E4}">
+                <adec:decorative xmlns:adec="http://schemas.microsoft.com/office/drawing/2017/decorative" val="1"/>
+              </a:ext>
+            </a:extLst>
+          </p:cNvPr>
+          <p:cNvSpPr>
+            <a:spLocks noGrp="1" noRot="1" noChangeAspect="1" noMove="1" noResize="1" noEditPoints="1" noAdjustHandles="1" noChangeArrowheads="1" noChangeShapeType="1" noTextEdit="1"/>
+          </p:cNvSpPr>
+          <p:nvPr>
+            <p:extLst>
+              <p:ext uri="{386F3935-93C4-4BCD-93E2-E3B085C9AB24}">
+                <p16:designElem xmlns:p16="http://schemas.microsoft.com/office/powerpoint/2015/main" val="1"/>
+              </p:ext>
+            </p:extLst>
+          </p:nvPr>
+        </p:nvSpPr>
+        <p:spPr>
+          <a:xfrm rot="18900000" flipH="1">
+            <a:off x="-310328" y="-287492"/>
+            <a:ext cx="1507800" cy="1560586"/>
+          </a:xfrm>
+          <a:custGeom>
+            <a:avLst/>
+            <a:gdLst>
+              <a:gd name="connsiteX0" fmla="*/ 0 w 1827638"/>
+              <a:gd name="connsiteY0" fmla="*/ 987379 h 1376989"/>
+              <a:gd name="connsiteX1" fmla="*/ 987379 w 1827638"/>
+              <a:gd name="connsiteY1" fmla="*/ 0 h 1376989"/>
+              <a:gd name="connsiteX2" fmla="*/ 1827638 w 1827638"/>
+              <a:gd name="connsiteY2" fmla="*/ 840260 h 1376989"/>
+              <a:gd name="connsiteX3" fmla="*/ 1827638 w 1827638"/>
+              <a:gd name="connsiteY3" fmla="*/ 1376989 h 1376989"/>
+              <a:gd name="connsiteX4" fmla="*/ 0 w 1827638"/>
+              <a:gd name="connsiteY4" fmla="*/ 1376989 h 1376989"/>
+            </a:gdLst>
+            <a:ahLst/>
+            <a:cxnLst>
+              <a:cxn ang="0">
+                <a:pos x="connsiteX0" y="connsiteY0"/>
+              </a:cxn>
+              <a:cxn ang="0">
+                <a:pos x="connsiteX1" y="connsiteY1"/>
+              </a:cxn>
+              <a:cxn ang="0">
+                <a:pos x="connsiteX2" y="connsiteY2"/>
+              </a:cxn>
+              <a:cxn ang="0">
+                <a:pos x="connsiteX3" y="connsiteY3"/>
+              </a:cxn>
+              <a:cxn ang="0">
+                <a:pos x="connsiteX4" y="connsiteY4"/>
+              </a:cxn>
+            </a:cxnLst>
+            <a:rect l="l" t="t" r="r" b="b"/>
+            <a:pathLst>
+              <a:path w="1827638" h="1376989">
+                <a:moveTo>
+                  <a:pt x="0" y="987379"/>
+                </a:moveTo>
+                <a:lnTo>
+                  <a:pt x="987379" y="0"/>
+                </a:lnTo>
+                <a:lnTo>
+                  <a:pt x="1827638" y="840260"/>
+                </a:lnTo>
+                <a:lnTo>
+                  <a:pt x="1827638" y="1376989"/>
+                </a:lnTo>
+                <a:lnTo>
+                  <a:pt x="0" y="1376989"/>
+                </a:lnTo>
+                <a:close/>
+              </a:path>
+            </a:pathLst>
+          </a:custGeom>
+          <a:solidFill>
+            <a:schemeClr val="accent1">
+              <a:alpha val="30000"/>
+            </a:schemeClr>
+          </a:solidFill>
+          <a:ln>
+            <a:noFill/>
+          </a:ln>
+        </p:spPr>
+        <p:style>
+          <a:lnRef idx="2">
+            <a:schemeClr val="accent1">
+              <a:shade val="50000"/>
+            </a:schemeClr>
+          </a:lnRef>
+          <a:fillRef idx="1">
+            <a:schemeClr val="accent1"/>
+          </a:fillRef>
+          <a:effectRef idx="0">
+            <a:schemeClr val="accent1"/>
+          </a:effectRef>
+          <a:fontRef idx="minor">
+            <a:schemeClr val="lt1"/>
+          </a:fontRef>
+        </p:style>
+        <p:txBody>
+          <a:bodyPr rtlCol="0" anchor="ctr"/>
+          <a:lstStyle/>
+          <a:p>
+            <a:pPr algn="ctr"/>
+            <a:endParaRPr lang="en-US" dirty="0"/>
+          </a:p>
+        </p:txBody>
+      </p:sp>
+      <p:sp>
+        <p:nvSpPr>
+          <p:cNvPr id="31" name="Rectangle 30">
+            <a:extLst>
+              <a:ext uri="{FF2B5EF4-FFF2-40B4-BE49-F238E27FC236}">
+                <a16:creationId xmlns:a16="http://schemas.microsoft.com/office/drawing/2014/main" id="{C8E56BDA-4F67-DA7E-D11A-F7C40647ADE6}"/>
+              </a:ext>
+              <a:ext uri="{C183D7F6-B498-43B3-948B-1728B52AA6E4}">
+                <adec:decorative xmlns:adec="http://schemas.microsoft.com/office/drawing/2017/decorative" val="1"/>
+              </a:ext>
+            </a:extLst>
+          </p:cNvPr>
+          <p:cNvSpPr>
+            <a:spLocks noGrp="1" noRot="1" noChangeAspect="1" noMove="1" noResize="1" noEditPoints="1" noAdjustHandles="1" noChangeArrowheads="1" noChangeShapeType="1" noTextEdit="1"/>
+          </p:cNvSpPr>
+          <p:nvPr>
+            <p:extLst>
+              <p:ext uri="{386F3935-93C4-4BCD-93E2-E3B085C9AB24}">
+                <p16:designElem xmlns:p16="http://schemas.microsoft.com/office/powerpoint/2015/main" val="1"/>
+              </p:ext>
+            </p:extLst>
+          </p:nvPr>
+        </p:nvSpPr>
+        <p:spPr>
+          <a:xfrm rot="18900000" flipH="1">
+            <a:off x="735603" y="478432"/>
+            <a:ext cx="532429" cy="731417"/>
+          </a:xfrm>
+          <a:prstGeom prst="rect">
+            <a:avLst/>
+          </a:prstGeom>
+          <a:solidFill>
+            <a:schemeClr val="accent1">
+              <a:alpha val="30000"/>
+            </a:schemeClr>
+          </a:solidFill>
+          <a:ln>
+            <a:noFill/>
+          </a:ln>
+        </p:spPr>
+        <p:style>
+          <a:lnRef idx="2">
+            <a:schemeClr val="accent1">
+              <a:shade val="50000"/>
+            </a:schemeClr>
+          </a:lnRef>
+          <a:fillRef idx="1">
+            <a:schemeClr val="accent1"/>
+          </a:fillRef>
+          <a:effectRef idx="0">
+            <a:schemeClr val="accent1"/>
+          </a:effectRef>
+          <a:fontRef idx="minor">
+            <a:schemeClr val="lt1"/>
+          </a:fontRef>
+        </p:style>
+        <p:txBody>
+          <a:bodyPr rtlCol="0" anchor="ctr"/>
+          <a:lstStyle/>
+          <a:p>
+            <a:pPr algn="ctr"/>
+            <a:endParaRPr lang="en-US"/>
+          </a:p>
+        </p:txBody>
+      </p:sp>
+      <p:sp>
+        <p:nvSpPr>
+          <p:cNvPr id="33" name="Rectangle 32">
+            <a:extLst>
+              <a:ext uri="{FF2B5EF4-FFF2-40B4-BE49-F238E27FC236}">
+                <a16:creationId xmlns:a16="http://schemas.microsoft.com/office/drawing/2014/main" id="{1AEBF9B3-2C45-A7B0-CBD6-7ACEF01BA03C}"/>
+              </a:ext>
+              <a:ext uri="{C183D7F6-B498-43B3-948B-1728B52AA6E4}">
+                <adec:decorative xmlns:adec="http://schemas.microsoft.com/office/drawing/2017/decorative" val="1"/>
+              </a:ext>
+            </a:extLst>
+          </p:cNvPr>
+          <p:cNvSpPr>
+            <a:spLocks noGrp="1" noRot="1" noChangeAspect="1" noMove="1" noResize="1" noEditPoints="1" noAdjustHandles="1" noChangeArrowheads="1" noChangeShapeType="1" noTextEdit="1"/>
+          </p:cNvSpPr>
+          <p:nvPr>
+            <p:extLst>
+              <p:ext uri="{386F3935-93C4-4BCD-93E2-E3B085C9AB24}">
+                <p16:designElem xmlns:p16="http://schemas.microsoft.com/office/powerpoint/2015/main" val="1"/>
+              </p:ext>
+            </p:extLst>
+          </p:nvPr>
+        </p:nvSpPr>
+        <p:spPr>
+          <a:xfrm rot="18900000" flipH="1">
+            <a:off x="8285872" y="742492"/>
+            <a:ext cx="567165" cy="779134"/>
+          </a:xfrm>
+          <a:prstGeom prst="rect">
+            <a:avLst/>
+          </a:prstGeom>
+          <a:solidFill>
+            <a:schemeClr val="accent4">
+              <a:alpha val="30000"/>
+            </a:schemeClr>
+          </a:solidFill>
+          <a:ln>
+            <a:noFill/>
+          </a:ln>
+        </p:spPr>
+        <p:style>
+          <a:lnRef idx="2">
+            <a:schemeClr val="accent1">
+              <a:shade val="50000"/>
+            </a:schemeClr>
+          </a:lnRef>
+          <a:fillRef idx="1">
+            <a:schemeClr val="accent1"/>
+          </a:fillRef>
+          <a:effectRef idx="0">
+            <a:schemeClr val="accent1"/>
+          </a:effectRef>
+          <a:fontRef idx="minor">
+            <a:schemeClr val="lt1"/>
+          </a:fontRef>
+        </p:style>
+        <p:txBody>
+          <a:bodyPr rtlCol="0" anchor="ctr"/>
+          <a:lstStyle/>
+          <a:p>
+            <a:pPr algn="ctr"/>
+            <a:endParaRPr lang="en-US"/>
+          </a:p>
+        </p:txBody>
+      </p:sp>
+      <p:sp>
+        <p:nvSpPr>
+          <p:cNvPr id="35" name="Freeform: Shape 34">
+            <a:extLst>
+              <a:ext uri="{FF2B5EF4-FFF2-40B4-BE49-F238E27FC236}">
+                <a16:creationId xmlns:a16="http://schemas.microsoft.com/office/drawing/2014/main" id="{9683BA8B-41AC-57DC-440A-8E392CF1D52A}"/>
+              </a:ext>
+              <a:ext uri="{C183D7F6-B498-43B3-948B-1728B52AA6E4}">
+                <adec:decorative xmlns:adec="http://schemas.microsoft.com/office/drawing/2017/decorative" val="1"/>
+              </a:ext>
+            </a:extLst>
+          </p:cNvPr>
+          <p:cNvSpPr>
+            <a:spLocks noGrp="1" noRot="1" noChangeAspect="1" noMove="1" noResize="1" noEditPoints="1" noAdjustHandles="1" noChangeArrowheads="1" noChangeShapeType="1" noTextEdit="1"/>
+          </p:cNvSpPr>
+          <p:nvPr>
+            <p:extLst>
+              <p:ext uri="{386F3935-93C4-4BCD-93E2-E3B085C9AB24}">
+                <p16:designElem xmlns:p16="http://schemas.microsoft.com/office/powerpoint/2015/main" val="1"/>
+              </p:ext>
+            </p:extLst>
+          </p:nvPr>
+        </p:nvSpPr>
+        <p:spPr>
+          <a:xfrm rot="10800000" flipH="1">
+            <a:off x="7719230" y="0"/>
+            <a:ext cx="2339170" cy="1678281"/>
+          </a:xfrm>
+          <a:custGeom>
+            <a:avLst/>
+            <a:gdLst>
+              <a:gd name="connsiteX0" fmla="*/ 2835357 w 2835357"/>
+              <a:gd name="connsiteY0" fmla="*/ 1480837 h 1480837"/>
+              <a:gd name="connsiteX1" fmla="*/ 0 w 2835357"/>
+              <a:gd name="connsiteY1" fmla="*/ 1480837 h 1480837"/>
+              <a:gd name="connsiteX2" fmla="*/ 1552727 w 2835357"/>
+              <a:gd name="connsiteY2" fmla="*/ 0 h 1480837"/>
+              <a:gd name="connsiteX3" fmla="*/ 2835357 w 2835357"/>
+              <a:gd name="connsiteY3" fmla="*/ 1223245 h 1480837"/>
+            </a:gdLst>
+            <a:ahLst/>
+            <a:cxnLst>
+              <a:cxn ang="0">
+                <a:pos x="connsiteX0" y="connsiteY0"/>
+              </a:cxn>
+              <a:cxn ang="0">
+                <a:pos x="connsiteX1" y="connsiteY1"/>
+              </a:cxn>
+              <a:cxn ang="0">
+                <a:pos x="connsiteX2" y="connsiteY2"/>
+              </a:cxn>
+              <a:cxn ang="0">
+                <a:pos x="connsiteX3" y="connsiteY3"/>
+              </a:cxn>
+            </a:cxnLst>
+            <a:rect l="l" t="t" r="r" b="b"/>
+            <a:pathLst>
+              <a:path w="2835357" h="1480837">
+                <a:moveTo>
+                  <a:pt x="2835357" y="1480837"/>
+                </a:moveTo>
+                <a:lnTo>
+                  <a:pt x="0" y="1480837"/>
+                </a:lnTo>
+                <a:lnTo>
+                  <a:pt x="1552727" y="0"/>
+                </a:lnTo>
+                <a:lnTo>
+                  <a:pt x="2835357" y="1223245"/>
+                </a:lnTo>
+                <a:close/>
+              </a:path>
+            </a:pathLst>
+          </a:custGeom>
+          <a:solidFill>
+            <a:schemeClr val="accent4">
+              <a:alpha val="30000"/>
+            </a:schemeClr>
+          </a:solidFill>
+          <a:ln>
+            <a:noFill/>
+          </a:ln>
+        </p:spPr>
+        <p:style>
+          <a:lnRef idx="2">
+            <a:schemeClr val="accent1">
+              <a:shade val="50000"/>
+            </a:schemeClr>
+          </a:lnRef>
+          <a:fillRef idx="1">
+            <a:schemeClr val="accent1"/>
+          </a:fillRef>
+          <a:effectRef idx="0">
+            <a:schemeClr val="accent1"/>
+          </a:effectRef>
+          <a:fontRef idx="minor">
+            <a:schemeClr val="lt1"/>
+          </a:fontRef>
+        </p:style>
+        <p:txBody>
+          <a:bodyPr wrap="square" rtlCol="0" anchor="ctr">
+            <a:noAutofit/>
+          </a:bodyPr>
+          <a:lstStyle/>
+          <a:p>
+            <a:pPr algn="ctr"/>
+            <a:endParaRPr lang="en-US" dirty="0"/>
+          </a:p>
+        </p:txBody>
+      </p:sp>
+      <p:sp>
+        <p:nvSpPr>
+          <p:cNvPr id="37" name="Isosceles Triangle 36">
+            <a:extLst>
+              <a:ext uri="{FF2B5EF4-FFF2-40B4-BE49-F238E27FC236}">
+                <a16:creationId xmlns:a16="http://schemas.microsoft.com/office/drawing/2014/main" id="{D21B866A-A77B-1BB1-62F9-4A0813EBCE97}"/>
+              </a:ext>
+              <a:ext uri="{C183D7F6-B498-43B3-948B-1728B52AA6E4}">
+                <adec:decorative xmlns:adec="http://schemas.microsoft.com/office/drawing/2017/decorative" val="1"/>
+              </a:ext>
+            </a:extLst>
+          </p:cNvPr>
+          <p:cNvSpPr>
+            <a:spLocks noGrp="1" noRot="1" noChangeAspect="1" noMove="1" noResize="1" noEditPoints="1" noAdjustHandles="1" noChangeArrowheads="1" noChangeShapeType="1" noTextEdit="1"/>
+          </p:cNvSpPr>
+          <p:nvPr>
+            <p:extLst>
+              <p:ext uri="{386F3935-93C4-4BCD-93E2-E3B085C9AB24}">
+                <p16:designElem xmlns:p16="http://schemas.microsoft.com/office/powerpoint/2015/main" val="1"/>
+              </p:ext>
+            </p:extLst>
+          </p:nvPr>
+        </p:nvSpPr>
+        <p:spPr>
+          <a:xfrm flipH="1">
+            <a:off x="6580483" y="6930901"/>
+            <a:ext cx="1232974" cy="841499"/>
+          </a:xfrm>
+          <a:prstGeom prst="triangle">
+            <a:avLst/>
+          </a:prstGeom>
+          <a:solidFill>
+            <a:schemeClr val="accent1">
+              <a:alpha val="30000"/>
+            </a:schemeClr>
+          </a:solidFill>
+          <a:ln>
+            <a:noFill/>
+          </a:ln>
+        </p:spPr>
+        <p:style>
+          <a:lnRef idx="2">
+            <a:schemeClr val="accent1">
+              <a:shade val="50000"/>
+            </a:schemeClr>
+          </a:lnRef>
+          <a:fillRef idx="1">
+            <a:schemeClr val="accent1"/>
+          </a:fillRef>
+          <a:effectRef idx="0">
+            <a:schemeClr val="accent1"/>
+          </a:effectRef>
+          <a:fontRef idx="minor">
+            <a:schemeClr val="lt1"/>
+          </a:fontRef>
+        </p:style>
+        <p:txBody>
+          <a:bodyPr rtlCol="0" anchor="ctr"/>
+          <a:lstStyle/>
+          <a:p>
+            <a:pPr algn="ctr"/>
+            <a:endParaRPr lang="en-US"/>
+          </a:p>
+        </p:txBody>
+      </p:sp>
+      <p:pic>
+        <p:nvPicPr>
+          <p:cNvPr id="22" name="Picture Placeholder 21">
+            <a:extLst>
+              <a:ext uri="{FF2B5EF4-FFF2-40B4-BE49-F238E27FC236}">
+                <a16:creationId xmlns:a16="http://schemas.microsoft.com/office/drawing/2014/main" id="{A15C48D8-1E7C-8255-8356-E6FB553D0FC0}"/>
+              </a:ext>
+            </a:extLst>
+          </p:cNvPr>
+          <p:cNvPicPr>
+            <a:picLocks noGrp="1" noChangeAspect="1"/>
+          </p:cNvPicPr>
+          <p:nvPr>
+            <p:ph type="pic" sz="quarter" idx="11"/>
+          </p:nvPr>
+        </p:nvPicPr>
+        <p:blipFill>
+          <a:blip r:embed="rId3"/>
+          <a:srcRect t="4962" b="4962"/>
+          <a:stretch/>
+        </p:blipFill>
+        <p:spPr>
+          <a:xfrm>
+            <a:off x="0" y="4700588"/>
+            <a:ext cx="10058400" cy="3071812"/>
+          </a:xfrm>
+          <a:prstGeom prst="rect">
+            <a:avLst/>
+          </a:prstGeom>
+          <a:ln>
+            <a:noFill/>
+          </a:ln>
+        </p:spPr>
+      </p:pic>
+      <p:sp>
+        <p:nvSpPr>
+          <p:cNvPr id="39" name="Isosceles Triangle 38">
+            <a:extLst>
+              <a:ext uri="{FF2B5EF4-FFF2-40B4-BE49-F238E27FC236}">
+                <a16:creationId xmlns:a16="http://schemas.microsoft.com/office/drawing/2014/main" id="{2F03BE48-83EC-1FB1-519E-B8C8262286CB}"/>
+              </a:ext>
+              <a:ext uri="{C183D7F6-B498-43B3-948B-1728B52AA6E4}">
+                <adec:decorative xmlns:adec="http://schemas.microsoft.com/office/drawing/2017/decorative" val="1"/>
+              </a:ext>
+            </a:extLst>
+          </p:cNvPr>
+          <p:cNvSpPr>
+            <a:spLocks noGrp="1" noRot="1" noChangeAspect="1" noMove="1" noResize="1" noEditPoints="1" noAdjustHandles="1" noChangeArrowheads="1" noChangeShapeType="1" noTextEdit="1"/>
+          </p:cNvSpPr>
+          <p:nvPr>
+            <p:extLst>
+              <p:ext uri="{386F3935-93C4-4BCD-93E2-E3B085C9AB24}">
+                <p16:designElem xmlns:p16="http://schemas.microsoft.com/office/powerpoint/2015/main" val="1"/>
+              </p:ext>
+            </p:extLst>
+          </p:nvPr>
+        </p:nvSpPr>
+        <p:spPr>
+          <a:xfrm flipH="1">
+            <a:off x="6273366" y="7313562"/>
+            <a:ext cx="672294" cy="458838"/>
+          </a:xfrm>
+          <a:prstGeom prst="triangle">
+            <a:avLst/>
+          </a:prstGeom>
+          <a:solidFill>
+            <a:schemeClr val="accent1">
+              <a:alpha val="30000"/>
+            </a:schemeClr>
+          </a:solidFill>
+          <a:ln>
+            <a:noFill/>
+          </a:ln>
+        </p:spPr>
+        <p:style>
+          <a:lnRef idx="2">
+            <a:schemeClr val="accent1">
+              <a:shade val="50000"/>
+            </a:schemeClr>
+          </a:lnRef>
+          <a:fillRef idx="1">
+            <a:schemeClr val="accent1"/>
+          </a:fillRef>
+          <a:effectRef idx="0">
+            <a:schemeClr val="accent1"/>
+          </a:effectRef>
+          <a:fontRef idx="minor">
+            <a:schemeClr val="lt1"/>
+          </a:fontRef>
+        </p:style>
+        <p:txBody>
+          <a:bodyPr rtlCol="0" anchor="ctr"/>
+          <a:lstStyle/>
+          <a:p>
+            <a:pPr algn="ctr"/>
+            <a:endParaRPr lang="en-US"/>
+          </a:p>
+        </p:txBody>
+      </p:sp>
+      <p:sp>
+        <p:nvSpPr>
           <p:cNvPr id="26" name="TextBox 25">
             <a:extLst>
               <a:ext uri="{FF2B5EF4-FFF2-40B4-BE49-F238E27FC236}">
@@ -17066,86 +24003,9 @@
             <a:pPr algn="ctr"/>
             <a:r>
               <a:rPr lang="en-US" sz="3200" b="1" dirty="0">
-                <a:solidFill>
-                  <a:schemeClr val="tx2"/>
-                </a:solidFill>
                 <a:latin typeface="+mj-lt"/>
               </a:rPr>
-              <a:t>Results &amp; Conclusion</a:t>
-            </a:r>
-          </a:p>
-        </p:txBody>
-      </p:sp>
-      <p:sp>
-        <p:nvSpPr>
-          <p:cNvPr id="28" name="TextBox 27">
-            <a:extLst>
-              <a:ext uri="{FF2B5EF4-FFF2-40B4-BE49-F238E27FC236}">
-                <a16:creationId xmlns:a16="http://schemas.microsoft.com/office/drawing/2014/main" id="{DCB1C84C-702C-0EAB-153F-3F34A9FA2AC5}"/>
-              </a:ext>
-            </a:extLst>
-          </p:cNvPr>
-          <p:cNvSpPr txBox="1"/>
-          <p:nvPr/>
-        </p:nvSpPr>
-        <p:spPr>
-          <a:xfrm>
-            <a:off x="1528411" y="1737123"/>
-            <a:ext cx="6886575" cy="2246769"/>
-          </a:xfrm>
-          <a:prstGeom prst="rect">
-            <a:avLst/>
-          </a:prstGeom>
-          <a:noFill/>
-        </p:spPr>
-        <p:txBody>
-          <a:bodyPr wrap="square" rtlCol="0">
-            <a:spAutoFit/>
-          </a:bodyPr>
-          <a:lstStyle/>
-          <a:p>
-            <a:pPr marL="342900" indent="-342900">
-              <a:buAutoNum type="arabicPeriod"/>
-            </a:pPr>
-            <a:r>
-              <a:rPr lang="en-US" sz="2800" dirty="0"/>
-              <a:t>Introduction</a:t>
-            </a:r>
-          </a:p>
-          <a:p>
-            <a:pPr marL="342900" indent="-342900">
-              <a:buAutoNum type="arabicPeriod"/>
-            </a:pPr>
-            <a:r>
-              <a:rPr lang="en-US" sz="2800" dirty="0"/>
-              <a:t>Data Cleaning – SQL</a:t>
-            </a:r>
-          </a:p>
-          <a:p>
-            <a:pPr marL="342900" indent="-342900">
-              <a:buAutoNum type="arabicPeriod"/>
-            </a:pPr>
-            <a:r>
-              <a:rPr lang="en-US" sz="2800" dirty="0"/>
-              <a:t>Visualization – Python Matplotlib &amp; Pandas </a:t>
-            </a:r>
-          </a:p>
-          <a:p>
-            <a:pPr marL="342900" indent="-342900">
-              <a:buAutoNum type="arabicPeriod"/>
-            </a:pPr>
-            <a:r>
-              <a:rPr lang="en-US" sz="2800" dirty="0"/>
-              <a:t>Supervised Machine Learning Models </a:t>
-            </a:r>
-          </a:p>
-          <a:p>
-            <a:pPr marL="342900" indent="-342900">
-              <a:buAutoNum type="arabicPeriod"/>
-            </a:pPr>
-            <a:r>
-              <a:rPr lang="en-US" sz="2800" dirty="0"/>
-              <a:t>Result &amp; Conclusion</a:t>
+              <a:t>6. Results &amp; Conclusion</a:t>
             </a:r>
           </a:p>
         </p:txBody>
@@ -17163,7 +24023,7 @@
 </p:sld>
 </file>
 
-<file path=ppt/slides/slide19.xml><?xml version="1.0" encoding="utf-8"?>
+<file path=ppt/slides/slide25.xml><?xml version="1.0" encoding="utf-8"?>
 <p:sld xmlns:a="http://schemas.openxmlformats.org/drawingml/2006/main" xmlns:r="http://schemas.openxmlformats.org/officeDocument/2006/relationships" xmlns:p="http://schemas.openxmlformats.org/presentationml/2006/main">
   <p:cSld>
     <p:bg>
@@ -20592,728 +27452,6 @@
 </p:sld>
 </file>
 
-<file path=ppt/slides/slide2.xml><?xml version="1.0" encoding="utf-8"?>
-<p:sld xmlns:a="http://schemas.openxmlformats.org/drawingml/2006/main" xmlns:r="http://schemas.openxmlformats.org/officeDocument/2006/relationships" xmlns:p="http://schemas.openxmlformats.org/presentationml/2006/main">
-  <p:cSld>
-    <p:bg>
-      <p:bgPr>
-        <a:solidFill>
-          <a:schemeClr val="bg1"/>
-        </a:solidFill>
-        <a:effectLst/>
-      </p:bgPr>
-    </p:bg>
-    <p:spTree>
-      <p:nvGrpSpPr>
-        <p:cNvPr id="1" name="">
-          <a:extLst>
-            <a:ext uri="{FF2B5EF4-FFF2-40B4-BE49-F238E27FC236}">
-              <a16:creationId xmlns:a16="http://schemas.microsoft.com/office/drawing/2014/main" id="{02984243-06AA-7503-EAE6-C43F12132B68}"/>
-            </a:ext>
-          </a:extLst>
-        </p:cNvPr>
-        <p:cNvGrpSpPr/>
-        <p:nvPr/>
-      </p:nvGrpSpPr>
-      <p:grpSpPr>
-        <a:xfrm>
-          <a:off x="0" y="0"/>
-          <a:ext cx="0" cy="0"/>
-          <a:chOff x="0" y="0"/>
-          <a:chExt cx="0" cy="0"/>
-        </a:xfrm>
-      </p:grpSpPr>
-      <p:sp>
-        <p:nvSpPr>
-          <p:cNvPr id="27" name="Rectangle 26">
-            <a:extLst>
-              <a:ext uri="{FF2B5EF4-FFF2-40B4-BE49-F238E27FC236}">
-                <a16:creationId xmlns:a16="http://schemas.microsoft.com/office/drawing/2014/main" id="{73CDEEF2-1AB3-80D1-CDA4-608C51A8E1C7}"/>
-              </a:ext>
-              <a:ext uri="{C183D7F6-B498-43B3-948B-1728B52AA6E4}">
-                <adec:decorative xmlns:adec="http://schemas.microsoft.com/office/drawing/2017/decorative" val="1"/>
-              </a:ext>
-            </a:extLst>
-          </p:cNvPr>
-          <p:cNvSpPr>
-            <a:spLocks noGrp="1" noRot="1" noChangeAspect="1" noMove="1" noResize="1" noEditPoints="1" noAdjustHandles="1" noChangeArrowheads="1" noChangeShapeType="1" noTextEdit="1"/>
-          </p:cNvSpPr>
-          <p:nvPr>
-            <p:extLst>
-              <p:ext uri="{386F3935-93C4-4BCD-93E2-E3B085C9AB24}">
-                <p16:designElem xmlns:p16="http://schemas.microsoft.com/office/powerpoint/2015/main" val="1"/>
-              </p:ext>
-            </p:extLst>
-          </p:nvPr>
-        </p:nvSpPr>
-        <p:spPr>
-          <a:xfrm>
-            <a:off x="0" y="0"/>
-            <a:ext cx="10058400" cy="7772400"/>
-          </a:xfrm>
-          <a:prstGeom prst="rect">
-            <a:avLst/>
-          </a:prstGeom>
-          <a:solidFill>
-            <a:schemeClr val="bg1"/>
-          </a:solidFill>
-          <a:ln>
-            <a:noFill/>
-          </a:ln>
-        </p:spPr>
-        <p:style>
-          <a:lnRef idx="2">
-            <a:schemeClr val="accent1">
-              <a:shade val="50000"/>
-            </a:schemeClr>
-          </a:lnRef>
-          <a:fillRef idx="1">
-            <a:schemeClr val="accent1"/>
-          </a:fillRef>
-          <a:effectRef idx="0">
-            <a:schemeClr val="accent1"/>
-          </a:effectRef>
-          <a:fontRef idx="minor">
-            <a:schemeClr val="lt1"/>
-          </a:fontRef>
-        </p:style>
-        <p:txBody>
-          <a:bodyPr rtlCol="0" anchor="ctr"/>
-          <a:lstStyle/>
-          <a:p>
-            <a:pPr algn="ctr"/>
-            <a:endParaRPr lang="en-US" dirty="0"/>
-          </a:p>
-        </p:txBody>
-      </p:sp>
-      <p:sp>
-        <p:nvSpPr>
-          <p:cNvPr id="29" name="Freeform: Shape 28">
-            <a:extLst>
-              <a:ext uri="{FF2B5EF4-FFF2-40B4-BE49-F238E27FC236}">
-                <a16:creationId xmlns:a16="http://schemas.microsoft.com/office/drawing/2014/main" id="{7C7D98AB-74B6-9E79-6551-31459B530EA0}"/>
-              </a:ext>
-              <a:ext uri="{C183D7F6-B498-43B3-948B-1728B52AA6E4}">
-                <adec:decorative xmlns:adec="http://schemas.microsoft.com/office/drawing/2017/decorative" val="1"/>
-              </a:ext>
-            </a:extLst>
-          </p:cNvPr>
-          <p:cNvSpPr>
-            <a:spLocks noGrp="1" noRot="1" noChangeAspect="1" noMove="1" noResize="1" noEditPoints="1" noAdjustHandles="1" noChangeArrowheads="1" noChangeShapeType="1" noTextEdit="1"/>
-          </p:cNvSpPr>
-          <p:nvPr>
-            <p:extLst>
-              <p:ext uri="{386F3935-93C4-4BCD-93E2-E3B085C9AB24}">
-                <p16:designElem xmlns:p16="http://schemas.microsoft.com/office/powerpoint/2015/main" val="1"/>
-              </p:ext>
-            </p:extLst>
-          </p:nvPr>
-        </p:nvSpPr>
-        <p:spPr>
-          <a:xfrm rot="18900000" flipH="1">
-            <a:off x="-310328" y="-287492"/>
-            <a:ext cx="1507800" cy="1560586"/>
-          </a:xfrm>
-          <a:custGeom>
-            <a:avLst/>
-            <a:gdLst>
-              <a:gd name="connsiteX0" fmla="*/ 0 w 1827638"/>
-              <a:gd name="connsiteY0" fmla="*/ 987379 h 1376989"/>
-              <a:gd name="connsiteX1" fmla="*/ 987379 w 1827638"/>
-              <a:gd name="connsiteY1" fmla="*/ 0 h 1376989"/>
-              <a:gd name="connsiteX2" fmla="*/ 1827638 w 1827638"/>
-              <a:gd name="connsiteY2" fmla="*/ 840260 h 1376989"/>
-              <a:gd name="connsiteX3" fmla="*/ 1827638 w 1827638"/>
-              <a:gd name="connsiteY3" fmla="*/ 1376989 h 1376989"/>
-              <a:gd name="connsiteX4" fmla="*/ 0 w 1827638"/>
-              <a:gd name="connsiteY4" fmla="*/ 1376989 h 1376989"/>
-            </a:gdLst>
-            <a:ahLst/>
-            <a:cxnLst>
-              <a:cxn ang="0">
-                <a:pos x="connsiteX0" y="connsiteY0"/>
-              </a:cxn>
-              <a:cxn ang="0">
-                <a:pos x="connsiteX1" y="connsiteY1"/>
-              </a:cxn>
-              <a:cxn ang="0">
-                <a:pos x="connsiteX2" y="connsiteY2"/>
-              </a:cxn>
-              <a:cxn ang="0">
-                <a:pos x="connsiteX3" y="connsiteY3"/>
-              </a:cxn>
-              <a:cxn ang="0">
-                <a:pos x="connsiteX4" y="connsiteY4"/>
-              </a:cxn>
-            </a:cxnLst>
-            <a:rect l="l" t="t" r="r" b="b"/>
-            <a:pathLst>
-              <a:path w="1827638" h="1376989">
-                <a:moveTo>
-                  <a:pt x="0" y="987379"/>
-                </a:moveTo>
-                <a:lnTo>
-                  <a:pt x="987379" y="0"/>
-                </a:lnTo>
-                <a:lnTo>
-                  <a:pt x="1827638" y="840260"/>
-                </a:lnTo>
-                <a:lnTo>
-                  <a:pt x="1827638" y="1376989"/>
-                </a:lnTo>
-                <a:lnTo>
-                  <a:pt x="0" y="1376989"/>
-                </a:lnTo>
-                <a:close/>
-              </a:path>
-            </a:pathLst>
-          </a:custGeom>
-          <a:solidFill>
-            <a:schemeClr val="accent1">
-              <a:alpha val="30000"/>
-            </a:schemeClr>
-          </a:solidFill>
-          <a:ln>
-            <a:noFill/>
-          </a:ln>
-        </p:spPr>
-        <p:style>
-          <a:lnRef idx="2">
-            <a:schemeClr val="accent1">
-              <a:shade val="50000"/>
-            </a:schemeClr>
-          </a:lnRef>
-          <a:fillRef idx="1">
-            <a:schemeClr val="accent1"/>
-          </a:fillRef>
-          <a:effectRef idx="0">
-            <a:schemeClr val="accent1"/>
-          </a:effectRef>
-          <a:fontRef idx="minor">
-            <a:schemeClr val="lt1"/>
-          </a:fontRef>
-        </p:style>
-        <p:txBody>
-          <a:bodyPr rtlCol="0" anchor="ctr"/>
-          <a:lstStyle/>
-          <a:p>
-            <a:pPr algn="ctr"/>
-            <a:endParaRPr lang="en-US" dirty="0"/>
-          </a:p>
-        </p:txBody>
-      </p:sp>
-      <p:sp>
-        <p:nvSpPr>
-          <p:cNvPr id="31" name="Rectangle 30">
-            <a:extLst>
-              <a:ext uri="{FF2B5EF4-FFF2-40B4-BE49-F238E27FC236}">
-                <a16:creationId xmlns:a16="http://schemas.microsoft.com/office/drawing/2014/main" id="{E02A97E4-FFF3-59F6-2E50-A49A1B875210}"/>
-              </a:ext>
-              <a:ext uri="{C183D7F6-B498-43B3-948B-1728B52AA6E4}">
-                <adec:decorative xmlns:adec="http://schemas.microsoft.com/office/drawing/2017/decorative" val="1"/>
-              </a:ext>
-            </a:extLst>
-          </p:cNvPr>
-          <p:cNvSpPr>
-            <a:spLocks noGrp="1" noRot="1" noChangeAspect="1" noMove="1" noResize="1" noEditPoints="1" noAdjustHandles="1" noChangeArrowheads="1" noChangeShapeType="1" noTextEdit="1"/>
-          </p:cNvSpPr>
-          <p:nvPr>
-            <p:extLst>
-              <p:ext uri="{386F3935-93C4-4BCD-93E2-E3B085C9AB24}">
-                <p16:designElem xmlns:p16="http://schemas.microsoft.com/office/powerpoint/2015/main" val="1"/>
-              </p:ext>
-            </p:extLst>
-          </p:nvPr>
-        </p:nvSpPr>
-        <p:spPr>
-          <a:xfrm rot="18900000" flipH="1">
-            <a:off x="735603" y="478432"/>
-            <a:ext cx="532429" cy="731417"/>
-          </a:xfrm>
-          <a:prstGeom prst="rect">
-            <a:avLst/>
-          </a:prstGeom>
-          <a:solidFill>
-            <a:schemeClr val="accent1">
-              <a:alpha val="30000"/>
-            </a:schemeClr>
-          </a:solidFill>
-          <a:ln>
-            <a:noFill/>
-          </a:ln>
-        </p:spPr>
-        <p:style>
-          <a:lnRef idx="2">
-            <a:schemeClr val="accent1">
-              <a:shade val="50000"/>
-            </a:schemeClr>
-          </a:lnRef>
-          <a:fillRef idx="1">
-            <a:schemeClr val="accent1"/>
-          </a:fillRef>
-          <a:effectRef idx="0">
-            <a:schemeClr val="accent1"/>
-          </a:effectRef>
-          <a:fontRef idx="minor">
-            <a:schemeClr val="lt1"/>
-          </a:fontRef>
-        </p:style>
-        <p:txBody>
-          <a:bodyPr rtlCol="0" anchor="ctr"/>
-          <a:lstStyle/>
-          <a:p>
-            <a:pPr algn="ctr"/>
-            <a:endParaRPr lang="en-US"/>
-          </a:p>
-        </p:txBody>
-      </p:sp>
-      <p:sp>
-        <p:nvSpPr>
-          <p:cNvPr id="33" name="Rectangle 32">
-            <a:extLst>
-              <a:ext uri="{FF2B5EF4-FFF2-40B4-BE49-F238E27FC236}">
-                <a16:creationId xmlns:a16="http://schemas.microsoft.com/office/drawing/2014/main" id="{7D5189F2-CEF8-E33C-1F6D-25FADC8721D8}"/>
-              </a:ext>
-              <a:ext uri="{C183D7F6-B498-43B3-948B-1728B52AA6E4}">
-                <adec:decorative xmlns:adec="http://schemas.microsoft.com/office/drawing/2017/decorative" val="1"/>
-              </a:ext>
-            </a:extLst>
-          </p:cNvPr>
-          <p:cNvSpPr>
-            <a:spLocks noGrp="1" noRot="1" noChangeAspect="1" noMove="1" noResize="1" noEditPoints="1" noAdjustHandles="1" noChangeArrowheads="1" noChangeShapeType="1" noTextEdit="1"/>
-          </p:cNvSpPr>
-          <p:nvPr>
-            <p:extLst>
-              <p:ext uri="{386F3935-93C4-4BCD-93E2-E3B085C9AB24}">
-                <p16:designElem xmlns:p16="http://schemas.microsoft.com/office/powerpoint/2015/main" val="1"/>
-              </p:ext>
-            </p:extLst>
-          </p:nvPr>
-        </p:nvSpPr>
-        <p:spPr>
-          <a:xfrm rot="18900000" flipH="1">
-            <a:off x="8285872" y="742492"/>
-            <a:ext cx="567165" cy="779134"/>
-          </a:xfrm>
-          <a:prstGeom prst="rect">
-            <a:avLst/>
-          </a:prstGeom>
-          <a:solidFill>
-            <a:schemeClr val="accent4">
-              <a:alpha val="30000"/>
-            </a:schemeClr>
-          </a:solidFill>
-          <a:ln>
-            <a:noFill/>
-          </a:ln>
-        </p:spPr>
-        <p:style>
-          <a:lnRef idx="2">
-            <a:schemeClr val="accent1">
-              <a:shade val="50000"/>
-            </a:schemeClr>
-          </a:lnRef>
-          <a:fillRef idx="1">
-            <a:schemeClr val="accent1"/>
-          </a:fillRef>
-          <a:effectRef idx="0">
-            <a:schemeClr val="accent1"/>
-          </a:effectRef>
-          <a:fontRef idx="minor">
-            <a:schemeClr val="lt1"/>
-          </a:fontRef>
-        </p:style>
-        <p:txBody>
-          <a:bodyPr rtlCol="0" anchor="ctr"/>
-          <a:lstStyle/>
-          <a:p>
-            <a:pPr algn="ctr"/>
-            <a:endParaRPr lang="en-US"/>
-          </a:p>
-        </p:txBody>
-      </p:sp>
-      <p:sp>
-        <p:nvSpPr>
-          <p:cNvPr id="35" name="Freeform: Shape 34">
-            <a:extLst>
-              <a:ext uri="{FF2B5EF4-FFF2-40B4-BE49-F238E27FC236}">
-                <a16:creationId xmlns:a16="http://schemas.microsoft.com/office/drawing/2014/main" id="{88944EF9-2B55-2555-0F0D-1F9070FAB8F6}"/>
-              </a:ext>
-              <a:ext uri="{C183D7F6-B498-43B3-948B-1728B52AA6E4}">
-                <adec:decorative xmlns:adec="http://schemas.microsoft.com/office/drawing/2017/decorative" val="1"/>
-              </a:ext>
-            </a:extLst>
-          </p:cNvPr>
-          <p:cNvSpPr>
-            <a:spLocks noGrp="1" noRot="1" noChangeAspect="1" noMove="1" noResize="1" noEditPoints="1" noAdjustHandles="1" noChangeArrowheads="1" noChangeShapeType="1" noTextEdit="1"/>
-          </p:cNvSpPr>
-          <p:nvPr>
-            <p:extLst>
-              <p:ext uri="{386F3935-93C4-4BCD-93E2-E3B085C9AB24}">
-                <p16:designElem xmlns:p16="http://schemas.microsoft.com/office/powerpoint/2015/main" val="1"/>
-              </p:ext>
-            </p:extLst>
-          </p:nvPr>
-        </p:nvSpPr>
-        <p:spPr>
-          <a:xfrm rot="10800000" flipH="1">
-            <a:off x="7719230" y="0"/>
-            <a:ext cx="2339170" cy="1678281"/>
-          </a:xfrm>
-          <a:custGeom>
-            <a:avLst/>
-            <a:gdLst>
-              <a:gd name="connsiteX0" fmla="*/ 2835357 w 2835357"/>
-              <a:gd name="connsiteY0" fmla="*/ 1480837 h 1480837"/>
-              <a:gd name="connsiteX1" fmla="*/ 0 w 2835357"/>
-              <a:gd name="connsiteY1" fmla="*/ 1480837 h 1480837"/>
-              <a:gd name="connsiteX2" fmla="*/ 1552727 w 2835357"/>
-              <a:gd name="connsiteY2" fmla="*/ 0 h 1480837"/>
-              <a:gd name="connsiteX3" fmla="*/ 2835357 w 2835357"/>
-              <a:gd name="connsiteY3" fmla="*/ 1223245 h 1480837"/>
-            </a:gdLst>
-            <a:ahLst/>
-            <a:cxnLst>
-              <a:cxn ang="0">
-                <a:pos x="connsiteX0" y="connsiteY0"/>
-              </a:cxn>
-              <a:cxn ang="0">
-                <a:pos x="connsiteX1" y="connsiteY1"/>
-              </a:cxn>
-              <a:cxn ang="0">
-                <a:pos x="connsiteX2" y="connsiteY2"/>
-              </a:cxn>
-              <a:cxn ang="0">
-                <a:pos x="connsiteX3" y="connsiteY3"/>
-              </a:cxn>
-            </a:cxnLst>
-            <a:rect l="l" t="t" r="r" b="b"/>
-            <a:pathLst>
-              <a:path w="2835357" h="1480837">
-                <a:moveTo>
-                  <a:pt x="2835357" y="1480837"/>
-                </a:moveTo>
-                <a:lnTo>
-                  <a:pt x="0" y="1480837"/>
-                </a:lnTo>
-                <a:lnTo>
-                  <a:pt x="1552727" y="0"/>
-                </a:lnTo>
-                <a:lnTo>
-                  <a:pt x="2835357" y="1223245"/>
-                </a:lnTo>
-                <a:close/>
-              </a:path>
-            </a:pathLst>
-          </a:custGeom>
-          <a:solidFill>
-            <a:schemeClr val="accent4">
-              <a:alpha val="30000"/>
-            </a:schemeClr>
-          </a:solidFill>
-          <a:ln>
-            <a:noFill/>
-          </a:ln>
-        </p:spPr>
-        <p:style>
-          <a:lnRef idx="2">
-            <a:schemeClr val="accent1">
-              <a:shade val="50000"/>
-            </a:schemeClr>
-          </a:lnRef>
-          <a:fillRef idx="1">
-            <a:schemeClr val="accent1"/>
-          </a:fillRef>
-          <a:effectRef idx="0">
-            <a:schemeClr val="accent1"/>
-          </a:effectRef>
-          <a:fontRef idx="minor">
-            <a:schemeClr val="lt1"/>
-          </a:fontRef>
-        </p:style>
-        <p:txBody>
-          <a:bodyPr wrap="square" rtlCol="0" anchor="ctr">
-            <a:noAutofit/>
-          </a:bodyPr>
-          <a:lstStyle/>
-          <a:p>
-            <a:pPr algn="ctr"/>
-            <a:endParaRPr lang="en-US" dirty="0"/>
-          </a:p>
-        </p:txBody>
-      </p:sp>
-      <p:sp>
-        <p:nvSpPr>
-          <p:cNvPr id="37" name="Isosceles Triangle 36">
-            <a:extLst>
-              <a:ext uri="{FF2B5EF4-FFF2-40B4-BE49-F238E27FC236}">
-                <a16:creationId xmlns:a16="http://schemas.microsoft.com/office/drawing/2014/main" id="{39D0DBA3-22C1-A7AD-5B65-E017A98F619A}"/>
-              </a:ext>
-              <a:ext uri="{C183D7F6-B498-43B3-948B-1728B52AA6E4}">
-                <adec:decorative xmlns:adec="http://schemas.microsoft.com/office/drawing/2017/decorative" val="1"/>
-              </a:ext>
-            </a:extLst>
-          </p:cNvPr>
-          <p:cNvSpPr>
-            <a:spLocks noGrp="1" noRot="1" noChangeAspect="1" noMove="1" noResize="1" noEditPoints="1" noAdjustHandles="1" noChangeArrowheads="1" noChangeShapeType="1" noTextEdit="1"/>
-          </p:cNvSpPr>
-          <p:nvPr>
-            <p:extLst>
-              <p:ext uri="{386F3935-93C4-4BCD-93E2-E3B085C9AB24}">
-                <p16:designElem xmlns:p16="http://schemas.microsoft.com/office/powerpoint/2015/main" val="1"/>
-              </p:ext>
-            </p:extLst>
-          </p:nvPr>
-        </p:nvSpPr>
-        <p:spPr>
-          <a:xfrm flipH="1">
-            <a:off x="6580483" y="6930901"/>
-            <a:ext cx="1232974" cy="841499"/>
-          </a:xfrm>
-          <a:prstGeom prst="triangle">
-            <a:avLst/>
-          </a:prstGeom>
-          <a:solidFill>
-            <a:schemeClr val="accent1">
-              <a:alpha val="30000"/>
-            </a:schemeClr>
-          </a:solidFill>
-          <a:ln>
-            <a:noFill/>
-          </a:ln>
-        </p:spPr>
-        <p:style>
-          <a:lnRef idx="2">
-            <a:schemeClr val="accent1">
-              <a:shade val="50000"/>
-            </a:schemeClr>
-          </a:lnRef>
-          <a:fillRef idx="1">
-            <a:schemeClr val="accent1"/>
-          </a:fillRef>
-          <a:effectRef idx="0">
-            <a:schemeClr val="accent1"/>
-          </a:effectRef>
-          <a:fontRef idx="minor">
-            <a:schemeClr val="lt1"/>
-          </a:fontRef>
-        </p:style>
-        <p:txBody>
-          <a:bodyPr rtlCol="0" anchor="ctr"/>
-          <a:lstStyle/>
-          <a:p>
-            <a:pPr algn="ctr"/>
-            <a:endParaRPr lang="en-US"/>
-          </a:p>
-        </p:txBody>
-      </p:sp>
-      <p:sp>
-        <p:nvSpPr>
-          <p:cNvPr id="39" name="Isosceles Triangle 38">
-            <a:extLst>
-              <a:ext uri="{FF2B5EF4-FFF2-40B4-BE49-F238E27FC236}">
-                <a16:creationId xmlns:a16="http://schemas.microsoft.com/office/drawing/2014/main" id="{11E4C121-B4D1-7C55-C58B-079744362B58}"/>
-              </a:ext>
-              <a:ext uri="{C183D7F6-B498-43B3-948B-1728B52AA6E4}">
-                <adec:decorative xmlns:adec="http://schemas.microsoft.com/office/drawing/2017/decorative" val="1"/>
-              </a:ext>
-            </a:extLst>
-          </p:cNvPr>
-          <p:cNvSpPr>
-            <a:spLocks noGrp="1" noRot="1" noChangeAspect="1" noMove="1" noResize="1" noEditPoints="1" noAdjustHandles="1" noChangeArrowheads="1" noChangeShapeType="1" noTextEdit="1"/>
-          </p:cNvSpPr>
-          <p:nvPr>
-            <p:extLst>
-              <p:ext uri="{386F3935-93C4-4BCD-93E2-E3B085C9AB24}">
-                <p16:designElem xmlns:p16="http://schemas.microsoft.com/office/powerpoint/2015/main" val="1"/>
-              </p:ext>
-            </p:extLst>
-          </p:nvPr>
-        </p:nvSpPr>
-        <p:spPr>
-          <a:xfrm flipH="1">
-            <a:off x="6273366" y="7313562"/>
-            <a:ext cx="672294" cy="458838"/>
-          </a:xfrm>
-          <a:prstGeom prst="triangle">
-            <a:avLst/>
-          </a:prstGeom>
-          <a:solidFill>
-            <a:schemeClr val="accent1">
-              <a:alpha val="30000"/>
-            </a:schemeClr>
-          </a:solidFill>
-          <a:ln>
-            <a:noFill/>
-          </a:ln>
-        </p:spPr>
-        <p:style>
-          <a:lnRef idx="2">
-            <a:schemeClr val="accent1">
-              <a:shade val="50000"/>
-            </a:schemeClr>
-          </a:lnRef>
-          <a:fillRef idx="1">
-            <a:schemeClr val="accent1"/>
-          </a:fillRef>
-          <a:effectRef idx="0">
-            <a:schemeClr val="accent1"/>
-          </a:effectRef>
-          <a:fontRef idx="minor">
-            <a:schemeClr val="lt1"/>
-          </a:fontRef>
-        </p:style>
-        <p:txBody>
-          <a:bodyPr rtlCol="0" anchor="ctr"/>
-          <a:lstStyle/>
-          <a:p>
-            <a:pPr algn="ctr"/>
-            <a:endParaRPr lang="en-US"/>
-          </a:p>
-        </p:txBody>
-      </p:sp>
-      <p:sp>
-        <p:nvSpPr>
-          <p:cNvPr id="6" name="TextBox 5">
-            <a:extLst>
-              <a:ext uri="{FF2B5EF4-FFF2-40B4-BE49-F238E27FC236}">
-                <a16:creationId xmlns:a16="http://schemas.microsoft.com/office/drawing/2014/main" id="{4F82D9C0-7538-351C-DD92-6383E4364DC0}"/>
-              </a:ext>
-            </a:extLst>
-          </p:cNvPr>
-          <p:cNvSpPr txBox="1"/>
-          <p:nvPr/>
-        </p:nvSpPr>
-        <p:spPr>
-          <a:xfrm>
-            <a:off x="1528411" y="1573218"/>
-            <a:ext cx="7086600" cy="584775"/>
-          </a:xfrm>
-          <a:prstGeom prst="rect">
-            <a:avLst/>
-          </a:prstGeom>
-          <a:noFill/>
-        </p:spPr>
-        <p:txBody>
-          <a:bodyPr wrap="square" rtlCol="0">
-            <a:spAutoFit/>
-          </a:bodyPr>
-          <a:lstStyle/>
-          <a:p>
-            <a:pPr algn="ctr"/>
-            <a:r>
-              <a:rPr lang="en-US" sz="3200" b="1" dirty="0">
-                <a:latin typeface="+mj-lt"/>
-              </a:rPr>
-              <a:t>Table of Content</a:t>
-            </a:r>
-          </a:p>
-        </p:txBody>
-      </p:sp>
-      <p:sp>
-        <p:nvSpPr>
-          <p:cNvPr id="7" name="TextBox 6">
-            <a:extLst>
-              <a:ext uri="{FF2B5EF4-FFF2-40B4-BE49-F238E27FC236}">
-                <a16:creationId xmlns:a16="http://schemas.microsoft.com/office/drawing/2014/main" id="{716ECDE0-EB0A-BB9E-DDD2-7D61E6AD8FDA}"/>
-              </a:ext>
-            </a:extLst>
-          </p:cNvPr>
-          <p:cNvSpPr txBox="1"/>
-          <p:nvPr/>
-        </p:nvSpPr>
-        <p:spPr>
-          <a:xfrm>
-            <a:off x="2158869" y="2762815"/>
-            <a:ext cx="6886575" cy="2677656"/>
-          </a:xfrm>
-          <a:prstGeom prst="rect">
-            <a:avLst/>
-          </a:prstGeom>
-          <a:noFill/>
-        </p:spPr>
-        <p:txBody>
-          <a:bodyPr wrap="square" rtlCol="0">
-            <a:spAutoFit/>
-          </a:bodyPr>
-          <a:lstStyle/>
-          <a:p>
-            <a:pPr marL="342900" indent="-342900">
-              <a:buAutoNum type="arabicPeriod"/>
-            </a:pPr>
-            <a:r>
-              <a:rPr lang="en-US" sz="2800" dirty="0"/>
-              <a:t>Introduction</a:t>
-            </a:r>
-          </a:p>
-          <a:p>
-            <a:pPr marL="342900" indent="-342900">
-              <a:buAutoNum type="arabicPeriod"/>
-            </a:pPr>
-            <a:r>
-              <a:rPr lang="en-US" sz="2800" dirty="0"/>
-              <a:t>Data Cleaning – SQL</a:t>
-            </a:r>
-          </a:p>
-          <a:p>
-            <a:pPr marL="342900" indent="-342900">
-              <a:buAutoNum type="arabicPeriod"/>
-            </a:pPr>
-            <a:r>
-              <a:rPr lang="en-US" sz="2800" dirty="0"/>
-              <a:t>Visualization – Python Matplotlib &amp; Pandas </a:t>
-            </a:r>
-          </a:p>
-          <a:p>
-            <a:pPr marL="342900" indent="-342900">
-              <a:buAutoNum type="arabicPeriod"/>
-            </a:pPr>
-            <a:r>
-              <a:rPr lang="en-US" sz="2800" dirty="0"/>
-              <a:t>Supervised Machine Learning Models</a:t>
-            </a:r>
-          </a:p>
-          <a:p>
-            <a:pPr marL="342900" indent="-342900">
-              <a:buAutoNum type="arabicPeriod"/>
-            </a:pPr>
-            <a:r>
-              <a:rPr lang="en-US" sz="2800" dirty="0"/>
-              <a:t>Model </a:t>
-            </a:r>
-            <a:r>
-              <a:rPr lang="en-US" sz="2800" dirty="0" err="1"/>
-              <a:t>Optamizations</a:t>
-            </a:r>
-            <a:r>
-              <a:rPr lang="en-US" sz="2800" dirty="0"/>
-              <a:t> </a:t>
-            </a:r>
-          </a:p>
-          <a:p>
-            <a:pPr marL="342900" indent="-342900">
-              <a:buAutoNum type="arabicPeriod"/>
-            </a:pPr>
-            <a:r>
-              <a:rPr lang="en-US" sz="2800" dirty="0"/>
-              <a:t>Result &amp; Conclusion</a:t>
-            </a:r>
-          </a:p>
-        </p:txBody>
-      </p:sp>
-    </p:spTree>
-    <p:extLst>
-      <p:ext uri="{BB962C8B-B14F-4D97-AF65-F5344CB8AC3E}">
-        <p14:creationId xmlns:p14="http://schemas.microsoft.com/office/powerpoint/2010/main" val="523771182"/>
-      </p:ext>
-    </p:extLst>
-  </p:cSld>
-  <p:clrMapOvr>
-    <a:masterClrMapping/>
-  </p:clrMapOvr>
-</p:sld>
-</file>
-
 <file path=ppt/slides/slide3.xml><?xml version="1.0" encoding="utf-8"?>
 <p:sld xmlns:a="http://schemas.openxmlformats.org/drawingml/2006/main" xmlns:r="http://schemas.openxmlformats.org/officeDocument/2006/relationships" xmlns:p="http://schemas.openxmlformats.org/presentationml/2006/main">
   <p:cSld>
@@ -21816,7 +27954,7 @@
               <a:rPr lang="en-US" sz="3200" b="1" dirty="0">
                 <a:latin typeface="+mj-lt"/>
               </a:rPr>
-              <a:t>Introduction</a:t>
+              <a:t>1. Introduction</a:t>
             </a:r>
           </a:p>
         </p:txBody>
@@ -22636,7 +28774,7 @@
               <a:rPr lang="en-US" sz="3200" b="1" dirty="0">
                 <a:latin typeface="+mj-lt"/>
               </a:rPr>
-              <a:t>Data Cleaning</a:t>
+              <a:t>2. Data Cleaning</a:t>
             </a:r>
           </a:p>
         </p:txBody>
@@ -23230,7 +29368,7 @@
           <a:p>
             <a:pPr algn="ctr"/>
             <a:r>
-              <a:rPr lang="en-US" sz="3200" b="1" dirty="0">
+              <a:rPr lang="en-US" sz="3200" dirty="0">
                 <a:latin typeface="+mj-lt"/>
               </a:rPr>
               <a:t>Feature Importance</a:t>
@@ -23268,6 +29406,44 @@
           </a:prstGeom>
         </p:spPr>
       </p:pic>
+      <p:sp>
+        <p:nvSpPr>
+          <p:cNvPr id="2" name="TextBox 1">
+            <a:extLst>
+              <a:ext uri="{FF2B5EF4-FFF2-40B4-BE49-F238E27FC236}">
+                <a16:creationId xmlns:a16="http://schemas.microsoft.com/office/drawing/2014/main" id="{8563F755-11F5-A0B7-B0CD-FD86CB286958}"/>
+              </a:ext>
+            </a:extLst>
+          </p:cNvPr>
+          <p:cNvSpPr txBox="1"/>
+          <p:nvPr/>
+        </p:nvSpPr>
+        <p:spPr>
+          <a:xfrm>
+            <a:off x="1448655" y="412002"/>
+            <a:ext cx="7086600" cy="584775"/>
+          </a:xfrm>
+          <a:prstGeom prst="rect">
+            <a:avLst/>
+          </a:prstGeom>
+          <a:noFill/>
+        </p:spPr>
+        <p:txBody>
+          <a:bodyPr wrap="square" rtlCol="0">
+            <a:spAutoFit/>
+          </a:bodyPr>
+          <a:lstStyle/>
+          <a:p>
+            <a:pPr algn="ctr"/>
+            <a:r>
+              <a:rPr lang="en-US" sz="3200" b="1" dirty="0">
+                <a:latin typeface="+mj-lt"/>
+              </a:rPr>
+              <a:t>3. Visualizations</a:t>
+            </a:r>
+          </a:p>
+        </p:txBody>
+      </p:sp>
     </p:spTree>
     <p:extLst>
       <p:ext uri="{BB962C8B-B14F-4D97-AF65-F5344CB8AC3E}">
@@ -23746,7 +29922,7 @@
           <a:p>
             <a:pPr algn="ctr"/>
             <a:r>
-              <a:rPr lang="en-US" sz="3200" b="1" dirty="0">
+              <a:rPr lang="en-US" sz="3200" dirty="0">
                 <a:latin typeface="+mj-lt"/>
               </a:rPr>
               <a:t>Correlation Heatmap</a:t>
@@ -24290,7 +30466,7 @@
           <a:p>
             <a:pPr algn="ctr"/>
             <a:r>
-              <a:rPr lang="en-US" sz="3200" b="1" dirty="0">
+              <a:rPr lang="en-US" sz="3200" dirty="0">
                 <a:latin typeface="+mj-lt"/>
               </a:rPr>
               <a:t>Age Distribution</a:t>
@@ -24834,7 +31010,7 @@
           <a:p>
             <a:pPr algn="ctr"/>
             <a:r>
-              <a:rPr lang="en-US" sz="3200" b="1" dirty="0">
+              <a:rPr lang="en-US" sz="3200" dirty="0">
                 <a:latin typeface="+mj-lt"/>
               </a:rPr>
               <a:t>Age vs BMI</a:t>
@@ -24922,7 +31098,7 @@
         </p:blipFill>
         <p:spPr>
           <a:xfrm>
-            <a:off x="2283665" y="669915"/>
+            <a:off x="2250427" y="524531"/>
             <a:ext cx="5187528" cy="4063962"/>
           </a:xfrm>
           <a:prstGeom prst="rect">
@@ -25510,7 +31686,7 @@
           <a:p>
             <a:pPr algn="ctr"/>
             <a:r>
-              <a:rPr lang="en-US" sz="3200" b="1" dirty="0">
+              <a:rPr lang="en-US" sz="3200" dirty="0">
                 <a:latin typeface="+mj-lt"/>
               </a:rPr>
               <a:t>Age vs Blood Sugar</a:t>
@@ -26506,12 +32682,12 @@
 </file>
 
 <file path=customXml/item1.xml><?xml version="1.0" encoding="utf-8"?>
-<p:properties xmlns:p="http://schemas.microsoft.com/office/2006/metadata/properties" xmlns:xsi="http://www.w3.org/2001/XMLSchema-instance" xmlns:pc="http://schemas.microsoft.com/office/infopath/2007/PartnerControls">
-  <documentManagement>
-    <Status xmlns="71af3243-3dd4-4a8d-8c0d-dd76da1f02a5">Not started</Status>
-    <MediaServiceKeyPoints xmlns="71af3243-3dd4-4a8d-8c0d-dd76da1f02a5" xsi:nil="true"/>
-  </documentManagement>
-</p:properties>
+<?mso-contentType ?>
+<FormTemplates xmlns="http://schemas.microsoft.com/sharepoint/v3/contenttype/forms">
+  <Display>DocumentLibraryForm</Display>
+  <Edit>DocumentLibraryForm</Edit>
+  <New>DocumentLibraryForm</New>
+</FormTemplates>
 </file>
 
 <file path=customXml/item2.xml><?xml version="1.0" encoding="utf-8"?>
@@ -26736,20 +32912,18 @@
 </file>
 
 <file path=customXml/item3.xml><?xml version="1.0" encoding="utf-8"?>
-<?mso-contentType ?>
-<FormTemplates xmlns="http://schemas.microsoft.com/sharepoint/v3/contenttype/forms">
-  <Display>DocumentLibraryForm</Display>
-  <Edit>DocumentLibraryForm</Edit>
-  <New>DocumentLibraryForm</New>
-</FormTemplates>
+<p:properties xmlns:p="http://schemas.microsoft.com/office/2006/metadata/properties" xmlns:xsi="http://www.w3.org/2001/XMLSchema-instance" xmlns:pc="http://schemas.microsoft.com/office/infopath/2007/PartnerControls">
+  <documentManagement>
+    <Status xmlns="71af3243-3dd4-4a8d-8c0d-dd76da1f02a5">Not started</Status>
+    <MediaServiceKeyPoints xmlns="71af3243-3dd4-4a8d-8c0d-dd76da1f02a5" xsi:nil="true"/>
+  </documentManagement>
+</p:properties>
 </file>
 
 <file path=customXml/itemProps1.xml><?xml version="1.0" encoding="utf-8"?>
-<ds:datastoreItem xmlns:ds="http://schemas.openxmlformats.org/officeDocument/2006/customXml" ds:itemID="{581AEECB-7CBF-41B6-B304-895A4D5BDF0F}">
+<ds:datastoreItem xmlns:ds="http://schemas.openxmlformats.org/officeDocument/2006/customXml" ds:itemID="{D9EAC644-7B36-4B02-AE6A-271637DE6193}">
   <ds:schemaRefs>
-    <ds:schemaRef ds:uri="http://schemas.microsoft.com/office/2006/metadata/properties"/>
-    <ds:schemaRef ds:uri="http://schemas.microsoft.com/office/infopath/2007/PartnerControls"/>
-    <ds:schemaRef ds:uri="71af3243-3dd4-4a8d-8c0d-dd76da1f02a5"/>
+    <ds:schemaRef ds:uri="http://schemas.microsoft.com/sharepoint/v3/contenttype/forms"/>
   </ds:schemaRefs>
 </ds:datastoreItem>
 </file>
@@ -26774,9 +32948,11 @@
 </file>
 
 <file path=customXml/itemProps3.xml><?xml version="1.0" encoding="utf-8"?>
-<ds:datastoreItem xmlns:ds="http://schemas.openxmlformats.org/officeDocument/2006/customXml" ds:itemID="{D9EAC644-7B36-4B02-AE6A-271637DE6193}">
+<ds:datastoreItem xmlns:ds="http://schemas.openxmlformats.org/officeDocument/2006/customXml" ds:itemID="{581AEECB-7CBF-41B6-B304-895A4D5BDF0F}">
   <ds:schemaRefs>
-    <ds:schemaRef ds:uri="http://schemas.microsoft.com/sharepoint/v3/contenttype/forms"/>
+    <ds:schemaRef ds:uri="http://schemas.microsoft.com/office/2006/metadata/properties"/>
+    <ds:schemaRef ds:uri="http://schemas.microsoft.com/office/infopath/2007/PartnerControls"/>
+    <ds:schemaRef ds:uri="71af3243-3dd4-4a8d-8c0d-dd76da1f02a5"/>
   </ds:schemaRefs>
 </ds:datastoreItem>
 </file>
--- a/Presentation/Project4_presentation_draft.pptx
+++ b/Presentation/Project4_presentation_draft.pptx
@@ -5,10 +5,10 @@
     <p:sldMasterId id="2147483686" r:id="rId4"/>
   </p:sldMasterIdLst>
   <p:notesMasterIdLst>
-    <p:notesMasterId r:id="rId30"/>
+    <p:notesMasterId r:id="rId29"/>
   </p:notesMasterIdLst>
   <p:handoutMasterIdLst>
-    <p:handoutMasterId r:id="rId31"/>
+    <p:handoutMasterId r:id="rId30"/>
   </p:handoutMasterIdLst>
   <p:sldIdLst>
     <p:sldId id="285" r:id="rId5"/>
@@ -28,14 +28,13 @@
     <p:sldId id="298" r:id="rId19"/>
     <p:sldId id="299" r:id="rId20"/>
     <p:sldId id="300" r:id="rId21"/>
-    <p:sldId id="301" r:id="rId22"/>
-    <p:sldId id="302" r:id="rId23"/>
-    <p:sldId id="303" r:id="rId24"/>
-    <p:sldId id="304" r:id="rId25"/>
-    <p:sldId id="305" r:id="rId26"/>
-    <p:sldId id="306" r:id="rId27"/>
-    <p:sldId id="286" r:id="rId28"/>
-    <p:sldId id="276" r:id="rId29"/>
+    <p:sldId id="302" r:id="rId22"/>
+    <p:sldId id="303" r:id="rId23"/>
+    <p:sldId id="304" r:id="rId24"/>
+    <p:sldId id="305" r:id="rId25"/>
+    <p:sldId id="306" r:id="rId26"/>
+    <p:sldId id="286" r:id="rId27"/>
+    <p:sldId id="276" r:id="rId28"/>
   </p:sldIdLst>
   <p:sldSz cx="10058400" cy="7772400"/>
   <p:notesSz cx="6858000" cy="9144000"/>
@@ -268,7 +267,7 @@
           <a:p>
             <a:fld id="{BE668B7C-E4CD-4872-B084-44133F808FCE}" type="datetimeFigureOut">
               <a:rPr lang="en-US" smtClean="0"/>
-              <a:t>1/23/24</a:t>
+              <a:t>1/24/24</a:t>
             </a:fld>
             <a:endParaRPr lang="en-US" dirty="0"/>
           </a:p>
@@ -445,7 +444,7 @@
           <a:p>
             <a:fld id="{6733D5BD-E30B-48AB-B24F-3878C333D518}" type="datetimeFigureOut">
               <a:rPr lang="en-US" smtClean="0"/>
-              <a:t>1/23/24</a:t>
+              <a:t>1/24/24</a:t>
             </a:fld>
             <a:endParaRPr lang="en-US" dirty="0"/>
           </a:p>
@@ -1692,114 +1691,6 @@
         <p:cNvPr id="1" name="">
           <a:extLst>
             <a:ext uri="{FF2B5EF4-FFF2-40B4-BE49-F238E27FC236}">
-              <a16:creationId xmlns:a16="http://schemas.microsoft.com/office/drawing/2014/main" id="{C95A472B-492C-C1F2-83AE-DAF6363FCD61}"/>
-            </a:ext>
-          </a:extLst>
-        </p:cNvPr>
-        <p:cNvGrpSpPr/>
-        <p:nvPr/>
-      </p:nvGrpSpPr>
-      <p:grpSpPr>
-        <a:xfrm>
-          <a:off x="0" y="0"/>
-          <a:ext cx="0" cy="0"/>
-          <a:chOff x="0" y="0"/>
-          <a:chExt cx="0" cy="0"/>
-        </a:xfrm>
-      </p:grpSpPr>
-      <p:sp>
-        <p:nvSpPr>
-          <p:cNvPr id="2" name="Slide Image Placeholder 1">
-            <a:extLst>
-              <a:ext uri="{FF2B5EF4-FFF2-40B4-BE49-F238E27FC236}">
-                <a16:creationId xmlns:a16="http://schemas.microsoft.com/office/drawing/2014/main" id="{6EC15AFD-DD45-AA0A-476F-DE320D927E8E}"/>
-              </a:ext>
-            </a:extLst>
-          </p:cNvPr>
-          <p:cNvSpPr>
-            <a:spLocks noGrp="1" noRot="1" noChangeAspect="1"/>
-          </p:cNvSpPr>
-          <p:nvPr>
-            <p:ph type="sldImg"/>
-          </p:nvPr>
-        </p:nvSpPr>
-        <p:spPr/>
-      </p:sp>
-      <p:sp>
-        <p:nvSpPr>
-          <p:cNvPr id="3" name="Notes Placeholder 2">
-            <a:extLst>
-              <a:ext uri="{FF2B5EF4-FFF2-40B4-BE49-F238E27FC236}">
-                <a16:creationId xmlns:a16="http://schemas.microsoft.com/office/drawing/2014/main" id="{5F8CBB17-7BC0-8AFD-8184-D27E9136F0C2}"/>
-              </a:ext>
-            </a:extLst>
-          </p:cNvPr>
-          <p:cNvSpPr>
-            <a:spLocks noGrp="1"/>
-          </p:cNvSpPr>
-          <p:nvPr>
-            <p:ph type="body" idx="1"/>
-          </p:nvPr>
-        </p:nvSpPr>
-        <p:spPr/>
-        <p:txBody>
-          <a:bodyPr/>
-          <a:lstStyle/>
-          <a:p>
-            <a:endParaRPr lang="en-US" dirty="0"/>
-          </a:p>
-        </p:txBody>
-      </p:sp>
-      <p:sp>
-        <p:nvSpPr>
-          <p:cNvPr id="4" name="Slide Number Placeholder 3">
-            <a:extLst>
-              <a:ext uri="{FF2B5EF4-FFF2-40B4-BE49-F238E27FC236}">
-                <a16:creationId xmlns:a16="http://schemas.microsoft.com/office/drawing/2014/main" id="{DDC40FA9-4782-3A4C-B617-27B52746B48C}"/>
-              </a:ext>
-            </a:extLst>
-          </p:cNvPr>
-          <p:cNvSpPr>
-            <a:spLocks noGrp="1"/>
-          </p:cNvSpPr>
-          <p:nvPr>
-            <p:ph type="sldNum" sz="quarter" idx="5"/>
-          </p:nvPr>
-        </p:nvSpPr>
-        <p:spPr/>
-        <p:txBody>
-          <a:bodyPr/>
-          <a:lstStyle/>
-          <a:p>
-            <a:fld id="{2481A707-0A4C-444E-BBAC-8F56E4534DF7}" type="slidenum">
-              <a:rPr lang="en-US" smtClean="0"/>
-              <a:t>18</a:t>
-            </a:fld>
-            <a:endParaRPr lang="en-US" dirty="0"/>
-          </a:p>
-        </p:txBody>
-      </p:sp>
-    </p:spTree>
-    <p:extLst>
-      <p:ext uri="{BB962C8B-B14F-4D97-AF65-F5344CB8AC3E}">
-        <p14:creationId xmlns:p14="http://schemas.microsoft.com/office/powerpoint/2010/main" val="826080744"/>
-      </p:ext>
-    </p:extLst>
-  </p:cSld>
-  <p:clrMapOvr>
-    <a:masterClrMapping/>
-  </p:clrMapOvr>
-</p:notes>
-</file>
-
-<file path=ppt/notesSlides/notesSlide19.xml><?xml version="1.0" encoding="utf-8"?>
-<p:notes xmlns:a="http://schemas.openxmlformats.org/drawingml/2006/main" xmlns:r="http://schemas.openxmlformats.org/officeDocument/2006/relationships" xmlns:p="http://schemas.openxmlformats.org/presentationml/2006/main">
-  <p:cSld>
-    <p:spTree>
-      <p:nvGrpSpPr>
-        <p:cNvPr id="1" name="">
-          <a:extLst>
-            <a:ext uri="{FF2B5EF4-FFF2-40B4-BE49-F238E27FC236}">
               <a16:creationId xmlns:a16="http://schemas.microsoft.com/office/drawing/2014/main" id="{2FE89939-ACBE-F2AD-EE24-5880FA41CFA0}"/>
             </a:ext>
           </a:extLst>
@@ -1881,7 +1772,7 @@
           <a:p>
             <a:fld id="{2481A707-0A4C-444E-BBAC-8F56E4534DF7}" type="slidenum">
               <a:rPr lang="en-US" smtClean="0"/>
-              <a:t>19</a:t>
+              <a:t>18</a:t>
             </a:fld>
             <a:endParaRPr lang="en-US" dirty="0"/>
           </a:p>
@@ -1891,6 +1782,114 @@
     <p:extLst>
       <p:ext uri="{BB962C8B-B14F-4D97-AF65-F5344CB8AC3E}">
         <p14:creationId xmlns:p14="http://schemas.microsoft.com/office/powerpoint/2010/main" val="2850319429"/>
+      </p:ext>
+    </p:extLst>
+  </p:cSld>
+  <p:clrMapOvr>
+    <a:masterClrMapping/>
+  </p:clrMapOvr>
+</p:notes>
+</file>
+
+<file path=ppt/notesSlides/notesSlide19.xml><?xml version="1.0" encoding="utf-8"?>
+<p:notes xmlns:a="http://schemas.openxmlformats.org/drawingml/2006/main" xmlns:r="http://schemas.openxmlformats.org/officeDocument/2006/relationships" xmlns:p="http://schemas.openxmlformats.org/presentationml/2006/main">
+  <p:cSld>
+    <p:spTree>
+      <p:nvGrpSpPr>
+        <p:cNvPr id="1" name="">
+          <a:extLst>
+            <a:ext uri="{FF2B5EF4-FFF2-40B4-BE49-F238E27FC236}">
+              <a16:creationId xmlns:a16="http://schemas.microsoft.com/office/drawing/2014/main" id="{F867F575-13CF-2FBE-49FC-AFCC23C2EC06}"/>
+            </a:ext>
+          </a:extLst>
+        </p:cNvPr>
+        <p:cNvGrpSpPr/>
+        <p:nvPr/>
+      </p:nvGrpSpPr>
+      <p:grpSpPr>
+        <a:xfrm>
+          <a:off x="0" y="0"/>
+          <a:ext cx="0" cy="0"/>
+          <a:chOff x="0" y="0"/>
+          <a:chExt cx="0" cy="0"/>
+        </a:xfrm>
+      </p:grpSpPr>
+      <p:sp>
+        <p:nvSpPr>
+          <p:cNvPr id="2" name="Slide Image Placeholder 1">
+            <a:extLst>
+              <a:ext uri="{FF2B5EF4-FFF2-40B4-BE49-F238E27FC236}">
+                <a16:creationId xmlns:a16="http://schemas.microsoft.com/office/drawing/2014/main" id="{74E8810E-7BCF-47A8-4721-A9188B21171B}"/>
+              </a:ext>
+            </a:extLst>
+          </p:cNvPr>
+          <p:cNvSpPr>
+            <a:spLocks noGrp="1" noRot="1" noChangeAspect="1"/>
+          </p:cNvSpPr>
+          <p:nvPr>
+            <p:ph type="sldImg"/>
+          </p:nvPr>
+        </p:nvSpPr>
+        <p:spPr/>
+      </p:sp>
+      <p:sp>
+        <p:nvSpPr>
+          <p:cNvPr id="3" name="Notes Placeholder 2">
+            <a:extLst>
+              <a:ext uri="{FF2B5EF4-FFF2-40B4-BE49-F238E27FC236}">
+                <a16:creationId xmlns:a16="http://schemas.microsoft.com/office/drawing/2014/main" id="{31A1E4B0-AF81-943B-B6F4-71965DB15E7A}"/>
+              </a:ext>
+            </a:extLst>
+          </p:cNvPr>
+          <p:cNvSpPr>
+            <a:spLocks noGrp="1"/>
+          </p:cNvSpPr>
+          <p:nvPr>
+            <p:ph type="body" idx="1"/>
+          </p:nvPr>
+        </p:nvSpPr>
+        <p:spPr/>
+        <p:txBody>
+          <a:bodyPr/>
+          <a:lstStyle/>
+          <a:p>
+            <a:endParaRPr lang="en-US" dirty="0"/>
+          </a:p>
+        </p:txBody>
+      </p:sp>
+      <p:sp>
+        <p:nvSpPr>
+          <p:cNvPr id="4" name="Slide Number Placeholder 3">
+            <a:extLst>
+              <a:ext uri="{FF2B5EF4-FFF2-40B4-BE49-F238E27FC236}">
+                <a16:creationId xmlns:a16="http://schemas.microsoft.com/office/drawing/2014/main" id="{AA291FED-1B38-3151-F19D-964E9F07B4F7}"/>
+              </a:ext>
+            </a:extLst>
+          </p:cNvPr>
+          <p:cNvSpPr>
+            <a:spLocks noGrp="1"/>
+          </p:cNvSpPr>
+          <p:nvPr>
+            <p:ph type="sldNum" sz="quarter" idx="5"/>
+          </p:nvPr>
+        </p:nvSpPr>
+        <p:spPr/>
+        <p:txBody>
+          <a:bodyPr/>
+          <a:lstStyle/>
+          <a:p>
+            <a:fld id="{2481A707-0A4C-444E-BBAC-8F56E4534DF7}" type="slidenum">
+              <a:rPr lang="en-US" smtClean="0"/>
+              <a:t>19</a:t>
+            </a:fld>
+            <a:endParaRPr lang="en-US" dirty="0"/>
+          </a:p>
+        </p:txBody>
+      </p:sp>
+    </p:spTree>
+    <p:extLst>
+      <p:ext uri="{BB962C8B-B14F-4D97-AF65-F5344CB8AC3E}">
+        <p14:creationId xmlns:p14="http://schemas.microsoft.com/office/powerpoint/2010/main" val="34158124"/>
       </p:ext>
     </p:extLst>
   </p:cSld>
@@ -2016,114 +2015,6 @@
         <p:cNvPr id="1" name="">
           <a:extLst>
             <a:ext uri="{FF2B5EF4-FFF2-40B4-BE49-F238E27FC236}">
-              <a16:creationId xmlns:a16="http://schemas.microsoft.com/office/drawing/2014/main" id="{F867F575-13CF-2FBE-49FC-AFCC23C2EC06}"/>
-            </a:ext>
-          </a:extLst>
-        </p:cNvPr>
-        <p:cNvGrpSpPr/>
-        <p:nvPr/>
-      </p:nvGrpSpPr>
-      <p:grpSpPr>
-        <a:xfrm>
-          <a:off x="0" y="0"/>
-          <a:ext cx="0" cy="0"/>
-          <a:chOff x="0" y="0"/>
-          <a:chExt cx="0" cy="0"/>
-        </a:xfrm>
-      </p:grpSpPr>
-      <p:sp>
-        <p:nvSpPr>
-          <p:cNvPr id="2" name="Slide Image Placeholder 1">
-            <a:extLst>
-              <a:ext uri="{FF2B5EF4-FFF2-40B4-BE49-F238E27FC236}">
-                <a16:creationId xmlns:a16="http://schemas.microsoft.com/office/drawing/2014/main" id="{74E8810E-7BCF-47A8-4721-A9188B21171B}"/>
-              </a:ext>
-            </a:extLst>
-          </p:cNvPr>
-          <p:cNvSpPr>
-            <a:spLocks noGrp="1" noRot="1" noChangeAspect="1"/>
-          </p:cNvSpPr>
-          <p:nvPr>
-            <p:ph type="sldImg"/>
-          </p:nvPr>
-        </p:nvSpPr>
-        <p:spPr/>
-      </p:sp>
-      <p:sp>
-        <p:nvSpPr>
-          <p:cNvPr id="3" name="Notes Placeholder 2">
-            <a:extLst>
-              <a:ext uri="{FF2B5EF4-FFF2-40B4-BE49-F238E27FC236}">
-                <a16:creationId xmlns:a16="http://schemas.microsoft.com/office/drawing/2014/main" id="{31A1E4B0-AF81-943B-B6F4-71965DB15E7A}"/>
-              </a:ext>
-            </a:extLst>
-          </p:cNvPr>
-          <p:cNvSpPr>
-            <a:spLocks noGrp="1"/>
-          </p:cNvSpPr>
-          <p:nvPr>
-            <p:ph type="body" idx="1"/>
-          </p:nvPr>
-        </p:nvSpPr>
-        <p:spPr/>
-        <p:txBody>
-          <a:bodyPr/>
-          <a:lstStyle/>
-          <a:p>
-            <a:endParaRPr lang="en-US" dirty="0"/>
-          </a:p>
-        </p:txBody>
-      </p:sp>
-      <p:sp>
-        <p:nvSpPr>
-          <p:cNvPr id="4" name="Slide Number Placeholder 3">
-            <a:extLst>
-              <a:ext uri="{FF2B5EF4-FFF2-40B4-BE49-F238E27FC236}">
-                <a16:creationId xmlns:a16="http://schemas.microsoft.com/office/drawing/2014/main" id="{AA291FED-1B38-3151-F19D-964E9F07B4F7}"/>
-              </a:ext>
-            </a:extLst>
-          </p:cNvPr>
-          <p:cNvSpPr>
-            <a:spLocks noGrp="1"/>
-          </p:cNvSpPr>
-          <p:nvPr>
-            <p:ph type="sldNum" sz="quarter" idx="5"/>
-          </p:nvPr>
-        </p:nvSpPr>
-        <p:spPr/>
-        <p:txBody>
-          <a:bodyPr/>
-          <a:lstStyle/>
-          <a:p>
-            <a:fld id="{2481A707-0A4C-444E-BBAC-8F56E4534DF7}" type="slidenum">
-              <a:rPr lang="en-US" smtClean="0"/>
-              <a:t>20</a:t>
-            </a:fld>
-            <a:endParaRPr lang="en-US" dirty="0"/>
-          </a:p>
-        </p:txBody>
-      </p:sp>
-    </p:spTree>
-    <p:extLst>
-      <p:ext uri="{BB962C8B-B14F-4D97-AF65-F5344CB8AC3E}">
-        <p14:creationId xmlns:p14="http://schemas.microsoft.com/office/powerpoint/2010/main" val="34158124"/>
-      </p:ext>
-    </p:extLst>
-  </p:cSld>
-  <p:clrMapOvr>
-    <a:masterClrMapping/>
-  </p:clrMapOvr>
-</p:notes>
-</file>
-
-<file path=ppt/notesSlides/notesSlide21.xml><?xml version="1.0" encoding="utf-8"?>
-<p:notes xmlns:a="http://schemas.openxmlformats.org/drawingml/2006/main" xmlns:r="http://schemas.openxmlformats.org/officeDocument/2006/relationships" xmlns:p="http://schemas.openxmlformats.org/presentationml/2006/main">
-  <p:cSld>
-    <p:spTree>
-      <p:nvGrpSpPr>
-        <p:cNvPr id="1" name="">
-          <a:extLst>
-            <a:ext uri="{FF2B5EF4-FFF2-40B4-BE49-F238E27FC236}">
               <a16:creationId xmlns:a16="http://schemas.microsoft.com/office/drawing/2014/main" id="{31CED5DF-CAF3-6E6E-3212-0A00341D9ECD}"/>
             </a:ext>
           </a:extLst>
@@ -2205,7 +2096,7 @@
           <a:p>
             <a:fld id="{2481A707-0A4C-444E-BBAC-8F56E4534DF7}" type="slidenum">
               <a:rPr lang="en-US" smtClean="0"/>
-              <a:t>21</a:t>
+              <a:t>20</a:t>
             </a:fld>
             <a:endParaRPr lang="en-US" dirty="0"/>
           </a:p>
@@ -2224,7 +2115,7 @@
 </p:notes>
 </file>
 
-<file path=ppt/notesSlides/notesSlide22.xml><?xml version="1.0" encoding="utf-8"?>
+<file path=ppt/notesSlides/notesSlide21.xml><?xml version="1.0" encoding="utf-8"?>
 <p:notes xmlns:a="http://schemas.openxmlformats.org/drawingml/2006/main" xmlns:r="http://schemas.openxmlformats.org/officeDocument/2006/relationships" xmlns:p="http://schemas.openxmlformats.org/presentationml/2006/main">
   <p:cSld>
     <p:spTree>
@@ -2313,7 +2204,7 @@
           <a:p>
             <a:fld id="{2481A707-0A4C-444E-BBAC-8F56E4534DF7}" type="slidenum">
               <a:rPr lang="en-US" smtClean="0"/>
-              <a:t>22</a:t>
+              <a:t>21</a:t>
             </a:fld>
             <a:endParaRPr lang="en-US" dirty="0"/>
           </a:p>
@@ -2332,7 +2223,7 @@
 </p:notes>
 </file>
 
-<file path=ppt/notesSlides/notesSlide23.xml><?xml version="1.0" encoding="utf-8"?>
+<file path=ppt/notesSlides/notesSlide22.xml><?xml version="1.0" encoding="utf-8"?>
 <p:notes xmlns:a="http://schemas.openxmlformats.org/drawingml/2006/main" xmlns:r="http://schemas.openxmlformats.org/officeDocument/2006/relationships" xmlns:p="http://schemas.openxmlformats.org/presentationml/2006/main">
   <p:cSld>
     <p:spTree>
@@ -2421,7 +2312,7 @@
           <a:p>
             <a:fld id="{2481A707-0A4C-444E-BBAC-8F56E4534DF7}" type="slidenum">
               <a:rPr lang="en-US" smtClean="0"/>
-              <a:t>23</a:t>
+              <a:t>22</a:t>
             </a:fld>
             <a:endParaRPr lang="en-US" dirty="0"/>
           </a:p>
@@ -2440,7 +2331,7 @@
 </p:notes>
 </file>
 
-<file path=ppt/notesSlides/notesSlide24.xml><?xml version="1.0" encoding="utf-8"?>
+<file path=ppt/notesSlides/notesSlide23.xml><?xml version="1.0" encoding="utf-8"?>
 <p:notes xmlns:a="http://schemas.openxmlformats.org/drawingml/2006/main" xmlns:r="http://schemas.openxmlformats.org/officeDocument/2006/relationships" xmlns:p="http://schemas.openxmlformats.org/presentationml/2006/main">
   <p:cSld>
     <p:spTree>
@@ -2529,7 +2420,7 @@
           <a:p>
             <a:fld id="{2481A707-0A4C-444E-BBAC-8F56E4534DF7}" type="slidenum">
               <a:rPr lang="en-US" smtClean="0"/>
-              <a:t>24</a:t>
+              <a:t>23</a:t>
             </a:fld>
             <a:endParaRPr lang="en-US" dirty="0"/>
           </a:p>
@@ -2548,7 +2439,7 @@
 </p:notes>
 </file>
 
-<file path=ppt/notesSlides/notesSlide25.xml><?xml version="1.0" encoding="utf-8"?>
+<file path=ppt/notesSlides/notesSlide24.xml><?xml version="1.0" encoding="utf-8"?>
 <p:notes xmlns:a="http://schemas.openxmlformats.org/drawingml/2006/main" xmlns:r="http://schemas.openxmlformats.org/officeDocument/2006/relationships" xmlns:p="http://schemas.openxmlformats.org/presentationml/2006/main">
   <p:cSld>
     <p:spTree>
@@ -2613,7 +2504,7 @@
           <a:p>
             <a:fld id="{2481A707-0A4C-444E-BBAC-8F56E4534DF7}" type="slidenum">
               <a:rPr lang="en-US" smtClean="0"/>
-              <a:t>25</a:t>
+              <a:t>24</a:t>
             </a:fld>
             <a:endParaRPr lang="en-US" dirty="0"/>
           </a:p>
@@ -11290,8 +11181,8 @@
         </p:nvSpPr>
         <p:spPr>
           <a:xfrm>
-            <a:off x="1867078" y="2262055"/>
-            <a:ext cx="8055856" cy="2677656"/>
+            <a:off x="2151809" y="2270320"/>
+            <a:ext cx="6226387" cy="2369880"/>
           </a:xfrm>
           <a:prstGeom prst="rect">
             <a:avLst/>
@@ -11305,123 +11196,123 @@
           <a:lstStyle/>
           <a:p>
             <a:r>
-              <a:rPr lang="en-GB" sz="2800" dirty="0"/>
+              <a:rPr lang="en-GB" sz="2400" dirty="0"/>
               <a:t>Step 1: Filling the Null Values with Median:</a:t>
             </a:r>
           </a:p>
           <a:p>
             <a:r>
-              <a:rPr lang="en-GB" sz="2800" dirty="0"/>
+              <a:rPr lang="en-GB" sz="2400" dirty="0"/>
               <a:t>         </a:t>
             </a:r>
             <a:r>
-              <a:rPr lang="en-GB" sz="2800" dirty="0" err="1"/>
+              <a:rPr lang="en-GB" sz="2400" dirty="0" err="1"/>
               <a:t>median_bmi</a:t>
             </a:r>
             <a:r>
-              <a:rPr lang="en-GB" sz="2800" dirty="0"/>
+              <a:rPr lang="en-GB" sz="2400" dirty="0"/>
               <a:t> = </a:t>
             </a:r>
             <a:r>
-              <a:rPr lang="en-GB" sz="2800" dirty="0" err="1"/>
+              <a:rPr lang="en-GB" sz="2400" dirty="0" err="1"/>
               <a:t>df</a:t>
             </a:r>
             <a:r>
-              <a:rPr lang="en-GB" sz="2800" dirty="0"/>
+              <a:rPr lang="en-GB" sz="2400" dirty="0"/>
               <a:t>['</a:t>
             </a:r>
             <a:r>
-              <a:rPr lang="en-GB" sz="2800" dirty="0" err="1"/>
+              <a:rPr lang="en-GB" sz="2400" dirty="0" err="1"/>
               <a:t>bmi</a:t>
             </a:r>
             <a:r>
-              <a:rPr lang="en-GB" sz="2800" dirty="0"/>
+              <a:rPr lang="en-GB" sz="2400" dirty="0"/>
               <a:t>'].median()</a:t>
             </a:r>
           </a:p>
           <a:p>
             <a:r>
-              <a:rPr lang="en-GB" sz="2800" dirty="0"/>
+              <a:rPr lang="en-GB" sz="2400" dirty="0"/>
               <a:t>          </a:t>
             </a:r>
             <a:r>
-              <a:rPr lang="en-GB" sz="2800" dirty="0" err="1"/>
+              <a:rPr lang="en-GB" sz="2400" dirty="0" err="1"/>
               <a:t>df</a:t>
             </a:r>
             <a:r>
-              <a:rPr lang="en-GB" sz="2800" dirty="0"/>
+              <a:rPr lang="en-GB" sz="2400" dirty="0"/>
               <a:t>['</a:t>
             </a:r>
             <a:r>
-              <a:rPr lang="en-GB" sz="2800" dirty="0" err="1"/>
+              <a:rPr lang="en-GB" sz="2400" dirty="0" err="1"/>
               <a:t>bmi</a:t>
             </a:r>
             <a:r>
-              <a:rPr lang="en-GB" sz="2800" dirty="0"/>
+              <a:rPr lang="en-GB" sz="2400" dirty="0"/>
               <a:t>'] = </a:t>
             </a:r>
             <a:r>
-              <a:rPr lang="en-GB" sz="2800" dirty="0" err="1"/>
+              <a:rPr lang="en-GB" sz="2400" dirty="0" err="1"/>
               <a:t>df</a:t>
             </a:r>
             <a:r>
-              <a:rPr lang="en-GB" sz="2800" dirty="0"/>
+              <a:rPr lang="en-GB" sz="2400" dirty="0"/>
               <a:t>['</a:t>
             </a:r>
             <a:r>
-              <a:rPr lang="en-GB" sz="2800" dirty="0" err="1"/>
+              <a:rPr lang="en-GB" sz="2400" dirty="0" err="1"/>
               <a:t>bmi</a:t>
             </a:r>
             <a:r>
-              <a:rPr lang="en-GB" sz="2800" dirty="0"/>
+              <a:rPr lang="en-GB" sz="2400" dirty="0"/>
               <a:t>'].</a:t>
             </a:r>
             <a:r>
-              <a:rPr lang="en-GB" sz="2800" dirty="0" err="1"/>
+              <a:rPr lang="en-GB" sz="2400" dirty="0" err="1"/>
               <a:t>fillna</a:t>
             </a:r>
             <a:r>
-              <a:rPr lang="en-GB" sz="2800" dirty="0"/>
+              <a:rPr lang="en-GB" sz="2400" dirty="0"/>
               <a:t>(</a:t>
             </a:r>
             <a:r>
-              <a:rPr lang="en-GB" sz="2800" dirty="0" err="1"/>
+              <a:rPr lang="en-GB" sz="2400" dirty="0" err="1"/>
               <a:t>median_bmi</a:t>
             </a:r>
             <a:r>
-              <a:rPr lang="en-GB" sz="2800" dirty="0"/>
+              <a:rPr lang="en-GB" sz="2400" dirty="0"/>
               <a:t>)</a:t>
             </a:r>
           </a:p>
           <a:p>
             <a:r>
-              <a:rPr lang="en-GB" sz="2800" dirty="0"/>
+              <a:rPr lang="en-GB" sz="2400" dirty="0"/>
               <a:t>Step 2: Dropping some columns</a:t>
             </a:r>
           </a:p>
           <a:p>
             <a:r>
-              <a:rPr lang="en-GB" sz="2800" dirty="0" err="1"/>
+              <a:rPr lang="en-GB" sz="2400" dirty="0" err="1"/>
               <a:t>df</a:t>
             </a:r>
             <a:r>
-              <a:rPr lang="en-GB" sz="2800" dirty="0"/>
+              <a:rPr lang="en-GB" sz="2400" dirty="0"/>
               <a:t> = </a:t>
             </a:r>
             <a:r>
-              <a:rPr lang="en-GB" sz="2800" dirty="0" err="1"/>
+              <a:rPr lang="en-GB" sz="2400" dirty="0" err="1"/>
               <a:t>df.drop</a:t>
             </a:r>
             <a:r>
-              <a:rPr lang="en-GB" sz="2800" dirty="0"/>
+              <a:rPr lang="en-GB" sz="2400" dirty="0"/>
               <a:t>( ['id', '</a:t>
             </a:r>
             <a:r>
-              <a:rPr lang="en-GB" sz="2800" dirty="0" err="1"/>
+              <a:rPr lang="en-GB" sz="2400" dirty="0" err="1"/>
               <a:t>work_type</a:t>
             </a:r>
             <a:r>
-              <a:rPr lang="en-GB" sz="2800" dirty="0"/>
+              <a:rPr lang="en-GB" sz="2400" dirty="0"/>
               <a:t>'], axis=1)</a:t>
             </a:r>
           </a:p>
@@ -11460,10 +11351,10 @@
       </p:sp>
       <p:pic>
         <p:nvPicPr>
-          <p:cNvPr id="5" name="Picture 4">
-            <a:extLst>
-              <a:ext uri="{FF2B5EF4-FFF2-40B4-BE49-F238E27FC236}">
-                <a16:creationId xmlns:a16="http://schemas.microsoft.com/office/drawing/2014/main" id="{8220BF55-F982-9693-B22D-8393C504F9B6}"/>
+          <p:cNvPr id="4" name="Picture 3">
+            <a:extLst>
+              <a:ext uri="{FF2B5EF4-FFF2-40B4-BE49-F238E27FC236}">
+                <a16:creationId xmlns:a16="http://schemas.microsoft.com/office/drawing/2014/main" id="{261E99A0-E5F0-D732-2211-333F3A759E00}"/>
               </a:ext>
             </a:extLst>
           </p:cNvPr>
@@ -11480,8 +11371,8 @@
         </p:blipFill>
         <p:spPr>
           <a:xfrm>
-            <a:off x="198559" y="4614696"/>
-            <a:ext cx="9586791" cy="2872989"/>
+            <a:off x="371383" y="4546939"/>
+            <a:ext cx="9392455" cy="2814750"/>
           </a:xfrm>
           <a:prstGeom prst="rect">
             <a:avLst/>
@@ -12763,7 +12654,7 @@
         <p:spPr>
           <a:xfrm>
             <a:off x="1448655" y="598267"/>
-            <a:ext cx="7086600" cy="646331"/>
+            <a:ext cx="7086600" cy="1200329"/>
           </a:xfrm>
           <a:prstGeom prst="rect">
             <a:avLst/>
@@ -12779,8 +12670,26 @@
             <a:pPr algn="ctr"/>
             <a:r>
               <a:rPr lang="en-GB" sz="3600" dirty="0"/>
-              <a:t>Standardize Data</a:t>
-            </a:r>
+              <a:t>Standardize Data and </a:t>
+            </a:r>
+            <a:r>
+              <a:rPr lang="en-GB" sz="3600" dirty="0">
+                <a:latin typeface="Calibri" panose="020F0502020204030204" pitchFamily="34" charset="0"/>
+                <a:ea typeface="Calibri" panose="020F0502020204030204" pitchFamily="34" charset="0"/>
+                <a:cs typeface="Calibri" panose="020F0502020204030204" pitchFamily="34" charset="0"/>
+              </a:rPr>
+              <a:t>D</a:t>
+            </a:r>
+            <a:r>
+              <a:rPr lang="en-GB" sz="3600" i="0" dirty="0">
+                <a:effectLst/>
+                <a:latin typeface="Calibri" panose="020F0502020204030204" pitchFamily="34" charset="0"/>
+                <a:ea typeface="Calibri" panose="020F0502020204030204" pitchFamily="34" charset="0"/>
+                <a:cs typeface="Calibri" panose="020F0502020204030204" pitchFamily="34" charset="0"/>
+              </a:rPr>
+              <a:t>ummy encoding</a:t>
+            </a:r>
+            <a:endParaRPr lang="en-GB" sz="3600" dirty="0"/>
           </a:p>
         </p:txBody>
       </p:sp>
@@ -12811,10 +12720,10 @@
       </p:sp>
       <p:pic>
         <p:nvPicPr>
-          <p:cNvPr id="2" name="Picture 1">
-            <a:extLst>
-              <a:ext uri="{FF2B5EF4-FFF2-40B4-BE49-F238E27FC236}">
-                <a16:creationId xmlns:a16="http://schemas.microsoft.com/office/drawing/2014/main" id="{63FF9FB8-3E9C-914A-C693-032292109EB2}"/>
+          <p:cNvPr id="5" name="Picture 4">
+            <a:extLst>
+              <a:ext uri="{FF2B5EF4-FFF2-40B4-BE49-F238E27FC236}">
+                <a16:creationId xmlns:a16="http://schemas.microsoft.com/office/drawing/2014/main" id="{9F86E908-CDF2-1770-A018-2008F1B0F8D6}"/>
               </a:ext>
             </a:extLst>
           </p:cNvPr>
@@ -12831,8 +12740,8 @@
         </p:blipFill>
         <p:spPr>
           <a:xfrm>
-            <a:off x="4936714" y="2060941"/>
-            <a:ext cx="4866593" cy="2109651"/>
+            <a:off x="4512363" y="2483440"/>
+            <a:ext cx="4866593" cy="2109650"/>
           </a:xfrm>
           <a:prstGeom prst="rect">
             <a:avLst/>
@@ -12841,40 +12750,10 @@
       </p:pic>
       <p:pic>
         <p:nvPicPr>
-          <p:cNvPr id="4" name="Picture 3">
-            <a:extLst>
-              <a:ext uri="{FF2B5EF4-FFF2-40B4-BE49-F238E27FC236}">
-                <a16:creationId xmlns:a16="http://schemas.microsoft.com/office/drawing/2014/main" id="{E0C929B9-9AC6-08E7-0D12-2C2BE173FBC5}"/>
-              </a:ext>
-            </a:extLst>
-          </p:cNvPr>
-          <p:cNvPicPr>
-            <a:picLocks noChangeAspect="1"/>
-          </p:cNvPicPr>
-          <p:nvPr/>
-        </p:nvPicPr>
-        <p:blipFill>
-          <a:blip r:embed="rId4"/>
-          <a:stretch>
-            <a:fillRect/>
-          </a:stretch>
-        </p:blipFill>
-        <p:spPr>
-          <a:xfrm>
-            <a:off x="200125" y="2060943"/>
-            <a:ext cx="4608395" cy="2109650"/>
-          </a:xfrm>
-          <a:prstGeom prst="rect">
-            <a:avLst/>
-          </a:prstGeom>
-        </p:spPr>
-      </p:pic>
-      <p:pic>
-        <p:nvPicPr>
-          <p:cNvPr id="6" name="Picture 2" descr="z-score standard deviation">
-            <a:extLst>
-              <a:ext uri="{FF2B5EF4-FFF2-40B4-BE49-F238E27FC236}">
-                <a16:creationId xmlns:a16="http://schemas.microsoft.com/office/drawing/2014/main" id="{4D30D944-07E3-8CC8-5712-72FAA64FA584}"/>
+          <p:cNvPr id="8" name="Picture 2" descr="z-score standard deviation">
+            <a:extLst>
+              <a:ext uri="{FF2B5EF4-FFF2-40B4-BE49-F238E27FC236}">
+                <a16:creationId xmlns:a16="http://schemas.microsoft.com/office/drawing/2014/main" id="{04435160-D634-A023-008E-6E269EEA64D5}"/>
               </a:ext>
             </a:extLst>
           </p:cNvPr>
@@ -12884,7 +12763,7 @@
           <p:nvPr/>
         </p:nvPicPr>
         <p:blipFill>
-          <a:blip r:embed="rId5">
+          <a:blip r:embed="rId4">
             <a:extLst>
               <a:ext uri="{28A0092B-C50C-407E-A947-70E740481C1C}">
                 <a14:useLocalDpi xmlns:a14="http://schemas.microsoft.com/office/drawing/2010/main" val="0"/>
@@ -12898,7 +12777,7 @@
         </p:blipFill>
         <p:spPr bwMode="auto">
           <a:xfrm>
-            <a:off x="6241174" y="5102241"/>
+            <a:off x="832418" y="4196835"/>
             <a:ext cx="2505075" cy="514350"/>
           </a:xfrm>
           <a:prstGeom prst="rect">
@@ -12918,10 +12797,10 @@
       </p:pic>
       <p:sp>
         <p:nvSpPr>
-          <p:cNvPr id="7" name="TextBox 6">
-            <a:extLst>
-              <a:ext uri="{FF2B5EF4-FFF2-40B4-BE49-F238E27FC236}">
-                <a16:creationId xmlns:a16="http://schemas.microsoft.com/office/drawing/2014/main" id="{70F1ABC8-E8FC-BB1A-19ED-E8C1CB475111}"/>
+          <p:cNvPr id="9" name="TextBox 8">
+            <a:extLst>
+              <a:ext uri="{FF2B5EF4-FFF2-40B4-BE49-F238E27FC236}">
+                <a16:creationId xmlns:a16="http://schemas.microsoft.com/office/drawing/2014/main" id="{21FA62FC-B95E-6F93-2270-43A2B7D45874}"/>
               </a:ext>
             </a:extLst>
           </p:cNvPr>
@@ -12930,8 +12809,8 @@
         </p:nvSpPr>
         <p:spPr>
           <a:xfrm>
-            <a:off x="554980" y="4986935"/>
-            <a:ext cx="5139337" cy="923330"/>
+            <a:off x="476890" y="2727886"/>
+            <a:ext cx="3761509" cy="923330"/>
           </a:xfrm>
           <a:prstGeom prst="rect">
             <a:avLst/>
@@ -12944,49 +12823,93 @@
           </a:bodyPr>
           <a:lstStyle/>
           <a:p>
-            <a:pPr marL="285750" indent="-285750" algn="l">
-              <a:buFont typeface="Arial" panose="020B0604020202020204" pitchFamily="34" charset="0"/>
-              <a:buChar char="•"/>
-            </a:pPr>
-            <a:r>
-              <a:rPr lang="en-GB" b="1" cap="all" dirty="0">
-                <a:solidFill>
-                  <a:srgbClr val="04003F"/>
-                </a:solidFill>
-                <a:effectLst/>
-                <a:latin typeface="Montserrat" panose="020F0502020204030204" pitchFamily="2" charset="0"/>
-              </a:rPr>
-              <a:t>K-NEAREST NEIGHBORS (KNN)</a:t>
-            </a:r>
-          </a:p>
-          <a:p>
             <a:pPr marL="285750" indent="-285750">
               <a:buFont typeface="Arial" panose="020B0604020202020204" pitchFamily="34" charset="0"/>
               <a:buChar char="•"/>
             </a:pPr>
             <a:r>
-              <a:rPr lang="en-GB" b="1" cap="all" dirty="0">
-                <a:solidFill>
-                  <a:srgbClr val="04003F"/>
-                </a:solidFill>
-                <a:effectLst/>
-                <a:latin typeface="Montserrat" panose="00000500000000000000" pitchFamily="2" charset="0"/>
-              </a:rPr>
-              <a:t>SUPPORT VECTOR MACHINE (SVM)</a:t>
-            </a:r>
-          </a:p>
-          <a:p>
-            <a:pPr marL="285750" indent="-285750" algn="l">
+              <a:rPr lang="en-GB" dirty="0"/>
+              <a:t>Applies on Numeric columns</a:t>
+            </a:r>
+          </a:p>
+          <a:p>
+            <a:pPr marL="285750" indent="-285750">
               <a:buFont typeface="Arial" panose="020B0604020202020204" pitchFamily="34" charset="0"/>
               <a:buChar char="•"/>
             </a:pPr>
-            <a:endParaRPr lang="en-GB" b="1" cap="all" dirty="0">
-              <a:solidFill>
-                <a:srgbClr val="04003F"/>
-              </a:solidFill>
-              <a:effectLst/>
-              <a:latin typeface="Montserrat" panose="020F0502020204030204" pitchFamily="2" charset="0"/>
-            </a:endParaRPr>
+            <a:r>
+              <a:rPr lang="en-GB" dirty="0"/>
+              <a:t>Transforms the data to have mean of ‘0’ and Standardization of ‘1’</a:t>
+            </a:r>
+          </a:p>
+        </p:txBody>
+      </p:sp>
+      <p:pic>
+        <p:nvPicPr>
+          <p:cNvPr id="10" name="Picture 9">
+            <a:extLst>
+              <a:ext uri="{FF2B5EF4-FFF2-40B4-BE49-F238E27FC236}">
+                <a16:creationId xmlns:a16="http://schemas.microsoft.com/office/drawing/2014/main" id="{A4A41A7B-33B1-F9E6-06AE-497D58F92E6D}"/>
+              </a:ext>
+            </a:extLst>
+          </p:cNvPr>
+          <p:cNvPicPr>
+            <a:picLocks noChangeAspect="1"/>
+          </p:cNvPicPr>
+          <p:nvPr/>
+        </p:nvPicPr>
+        <p:blipFill>
+          <a:blip r:embed="rId5"/>
+          <a:stretch>
+            <a:fillRect/>
+          </a:stretch>
+        </p:blipFill>
+        <p:spPr>
+          <a:xfrm>
+            <a:off x="4888850" y="5438830"/>
+            <a:ext cx="4443879" cy="646331"/>
+          </a:xfrm>
+          <a:prstGeom prst="rect">
+            <a:avLst/>
+          </a:prstGeom>
+        </p:spPr>
+      </p:pic>
+      <p:sp>
+        <p:nvSpPr>
+          <p:cNvPr id="11" name="TextBox 10">
+            <a:extLst>
+              <a:ext uri="{FF2B5EF4-FFF2-40B4-BE49-F238E27FC236}">
+                <a16:creationId xmlns:a16="http://schemas.microsoft.com/office/drawing/2014/main" id="{4FAC40E7-EE1B-BD61-EA9F-E2FA79CE24E0}"/>
+              </a:ext>
+            </a:extLst>
+          </p:cNvPr>
+          <p:cNvSpPr txBox="1"/>
+          <p:nvPr/>
+        </p:nvSpPr>
+        <p:spPr>
+          <a:xfrm>
+            <a:off x="627558" y="5595461"/>
+            <a:ext cx="3460172" cy="646331"/>
+          </a:xfrm>
+          <a:prstGeom prst="rect">
+            <a:avLst/>
+          </a:prstGeom>
+          <a:noFill/>
+        </p:spPr>
+        <p:txBody>
+          <a:bodyPr wrap="square" rtlCol="0">
+            <a:spAutoFit/>
+          </a:bodyPr>
+          <a:lstStyle/>
+          <a:p>
+            <a:pPr marL="285750" indent="-285750">
+              <a:buFont typeface="Arial" panose="020B0604020202020204" pitchFamily="34" charset="0"/>
+              <a:buChar char="•"/>
+            </a:pPr>
+            <a:r>
+              <a:rPr lang="en-GB" dirty="0"/>
+              <a:t> Creates binary columns for     each category </a:t>
+            </a:r>
           </a:p>
         </p:txBody>
       </p:sp>
@@ -13521,10 +13444,10 @@
       </p:sp>
       <p:pic>
         <p:nvPicPr>
-          <p:cNvPr id="2" name="Picture 1">
-            <a:extLst>
-              <a:ext uri="{FF2B5EF4-FFF2-40B4-BE49-F238E27FC236}">
-                <a16:creationId xmlns:a16="http://schemas.microsoft.com/office/drawing/2014/main" id="{DB287A00-4396-259B-6778-90B11634B9D6}"/>
+          <p:cNvPr id="4" name="Picture 3">
+            <a:extLst>
+              <a:ext uri="{FF2B5EF4-FFF2-40B4-BE49-F238E27FC236}">
+                <a16:creationId xmlns:a16="http://schemas.microsoft.com/office/drawing/2014/main" id="{D2B17D0D-C09F-4C72-CFFC-F7FB19487DF1}"/>
               </a:ext>
             </a:extLst>
           </p:cNvPr>
@@ -13541,8 +13464,8 @@
         </p:blipFill>
         <p:spPr>
           <a:xfrm>
-            <a:off x="342901" y="3457549"/>
-            <a:ext cx="4644268" cy="1613820"/>
+            <a:off x="4284530" y="5241648"/>
+            <a:ext cx="5456656" cy="1896113"/>
           </a:xfrm>
           <a:prstGeom prst="rect">
             <a:avLst/>
@@ -13551,10 +13474,10 @@
       </p:pic>
       <p:pic>
         <p:nvPicPr>
-          <p:cNvPr id="5" name="Picture 4">
-            <a:extLst>
-              <a:ext uri="{FF2B5EF4-FFF2-40B4-BE49-F238E27FC236}">
-                <a16:creationId xmlns:a16="http://schemas.microsoft.com/office/drawing/2014/main" id="{90087D73-8155-C0C3-3FE7-F95F65EA020B}"/>
+          <p:cNvPr id="8" name="Picture 7">
+            <a:extLst>
+              <a:ext uri="{FF2B5EF4-FFF2-40B4-BE49-F238E27FC236}">
+                <a16:creationId xmlns:a16="http://schemas.microsoft.com/office/drawing/2014/main" id="{7ECE89BA-4F64-2498-A460-13A97BF3C1FA}"/>
               </a:ext>
             </a:extLst>
           </p:cNvPr>
@@ -13571,8 +13494,8 @@
         </p:blipFill>
         <p:spPr>
           <a:xfrm>
-            <a:off x="5352240" y="3399162"/>
-            <a:ext cx="4221510" cy="1672208"/>
+            <a:off x="4284530" y="2548956"/>
+            <a:ext cx="4594775" cy="1820064"/>
           </a:xfrm>
           <a:prstGeom prst="rect">
             <a:avLst/>
@@ -13581,10 +13504,10 @@
       </p:pic>
       <p:sp>
         <p:nvSpPr>
-          <p:cNvPr id="7" name="TextBox 6">
-            <a:extLst>
-              <a:ext uri="{FF2B5EF4-FFF2-40B4-BE49-F238E27FC236}">
-                <a16:creationId xmlns:a16="http://schemas.microsoft.com/office/drawing/2014/main" id="{F657270A-BE15-2A19-8E0E-DF108633CB1E}"/>
+          <p:cNvPr id="9" name="TextBox 8">
+            <a:extLst>
+              <a:ext uri="{FF2B5EF4-FFF2-40B4-BE49-F238E27FC236}">
+                <a16:creationId xmlns:a16="http://schemas.microsoft.com/office/drawing/2014/main" id="{3056A06A-42DB-2B74-8A1A-93A488B4E6C9}"/>
               </a:ext>
             </a:extLst>
           </p:cNvPr>
@@ -13593,8 +13516,8 @@
         </p:nvSpPr>
         <p:spPr>
           <a:xfrm>
-            <a:off x="-331637" y="2900181"/>
-            <a:ext cx="4611329" cy="523220"/>
+            <a:off x="282197" y="5348359"/>
+            <a:ext cx="3302074" cy="523220"/>
           </a:xfrm>
           <a:prstGeom prst="rect">
             <a:avLst/>
@@ -13610,22 +13533,17 @@
             <a:pPr algn="r"/>
             <a:r>
               <a:rPr lang="en-GB" sz="2800" dirty="0"/>
-              <a:t>Random </a:t>
-            </a:r>
-            <a:r>
-              <a:rPr lang="en-GB" sz="2800" dirty="0" err="1"/>
-              <a:t>overSampler</a:t>
-            </a:r>
-            <a:endParaRPr lang="en-GB" sz="2800" dirty="0"/>
+              <a:t>RandomOverSampler</a:t>
+            </a:r>
           </a:p>
         </p:txBody>
       </p:sp>
       <p:sp>
         <p:nvSpPr>
-          <p:cNvPr id="12" name="TextBox 11">
-            <a:extLst>
-              <a:ext uri="{FF2B5EF4-FFF2-40B4-BE49-F238E27FC236}">
-                <a16:creationId xmlns:a16="http://schemas.microsoft.com/office/drawing/2014/main" id="{0F83C00D-1FF1-8EC6-389A-FC1E2B62099D}"/>
+          <p:cNvPr id="10" name="TextBox 9">
+            <a:extLst>
+              <a:ext uri="{FF2B5EF4-FFF2-40B4-BE49-F238E27FC236}">
+                <a16:creationId xmlns:a16="http://schemas.microsoft.com/office/drawing/2014/main" id="{77C21060-E1C1-4219-E3FE-746D498A58DA}"/>
               </a:ext>
             </a:extLst>
           </p:cNvPr>
@@ -13634,7 +13552,7 @@
         </p:nvSpPr>
         <p:spPr>
           <a:xfrm>
-            <a:off x="6863227" y="2914768"/>
+            <a:off x="494439" y="2833301"/>
             <a:ext cx="1199535" cy="523220"/>
           </a:xfrm>
           <a:prstGeom prst="rect">
@@ -13657,10 +13575,10 @@
       </p:sp>
       <p:pic>
         <p:nvPicPr>
-          <p:cNvPr id="13" name="Picture 12">
-            <a:extLst>
-              <a:ext uri="{FF2B5EF4-FFF2-40B4-BE49-F238E27FC236}">
-                <a16:creationId xmlns:a16="http://schemas.microsoft.com/office/drawing/2014/main" id="{34A6F794-397C-0F7A-7DD6-D233EFBF5F5E}"/>
+          <p:cNvPr id="11" name="Picture 10">
+            <a:extLst>
+              <a:ext uri="{FF2B5EF4-FFF2-40B4-BE49-F238E27FC236}">
+                <a16:creationId xmlns:a16="http://schemas.microsoft.com/office/drawing/2014/main" id="{3454D7FC-1E95-2F69-C2E1-2772B6B5A262}"/>
               </a:ext>
             </a:extLst>
           </p:cNvPr>
@@ -13677,8 +13595,8 @@
         </p:blipFill>
         <p:spPr>
           <a:xfrm>
-            <a:off x="6431584" y="5836164"/>
-            <a:ext cx="2217612" cy="655377"/>
+            <a:off x="6344388" y="4441682"/>
+            <a:ext cx="1336940" cy="476227"/>
           </a:xfrm>
           <a:prstGeom prst="rect">
             <a:avLst/>
@@ -13687,10 +13605,10 @@
       </p:pic>
       <p:pic>
         <p:nvPicPr>
-          <p:cNvPr id="14" name="Picture 13">
-            <a:extLst>
-              <a:ext uri="{FF2B5EF4-FFF2-40B4-BE49-F238E27FC236}">
-                <a16:creationId xmlns:a16="http://schemas.microsoft.com/office/drawing/2014/main" id="{E6D4EA88-1292-5220-A208-356E43C01D81}"/>
+          <p:cNvPr id="15" name="Picture 14">
+            <a:extLst>
+              <a:ext uri="{FF2B5EF4-FFF2-40B4-BE49-F238E27FC236}">
+                <a16:creationId xmlns:a16="http://schemas.microsoft.com/office/drawing/2014/main" id="{4D88A727-898D-9880-891F-D0285DE9EDE6}"/>
               </a:ext>
             </a:extLst>
           </p:cNvPr>
@@ -13707,14 +13625,121 @@
         </p:blipFill>
         <p:spPr>
           <a:xfrm>
-            <a:off x="1335577" y="5836164"/>
-            <a:ext cx="2377646" cy="647756"/>
+            <a:off x="6368851" y="7203863"/>
+            <a:ext cx="1430192" cy="476227"/>
           </a:xfrm>
           <a:prstGeom prst="rect">
             <a:avLst/>
           </a:prstGeom>
         </p:spPr>
       </p:pic>
+      <p:sp>
+        <p:nvSpPr>
+          <p:cNvPr id="16" name="TextBox 15">
+            <a:extLst>
+              <a:ext uri="{FF2B5EF4-FFF2-40B4-BE49-F238E27FC236}">
+                <a16:creationId xmlns:a16="http://schemas.microsoft.com/office/drawing/2014/main" id="{E2F9D77F-A2A2-975B-B8CC-BA7C8409689E}"/>
+              </a:ext>
+            </a:extLst>
+          </p:cNvPr>
+          <p:cNvSpPr txBox="1"/>
+          <p:nvPr/>
+        </p:nvSpPr>
+        <p:spPr>
+          <a:xfrm>
+            <a:off x="95233" y="6350384"/>
+            <a:ext cx="4189297" cy="923330"/>
+          </a:xfrm>
+          <a:prstGeom prst="rect">
+            <a:avLst/>
+          </a:prstGeom>
+          <a:noFill/>
+        </p:spPr>
+        <p:txBody>
+          <a:bodyPr wrap="square" rtlCol="0">
+            <a:spAutoFit/>
+          </a:bodyPr>
+          <a:lstStyle/>
+          <a:p>
+            <a:pPr marL="285750" indent="-285750">
+              <a:buFont typeface="Arial" panose="020B0604020202020204" pitchFamily="34" charset="0"/>
+              <a:buChar char="•"/>
+            </a:pPr>
+            <a:r>
+              <a:rPr lang="en-GB" dirty="0"/>
+              <a:t>No creation of synthetic samples</a:t>
+            </a:r>
+          </a:p>
+          <a:p>
+            <a:pPr marL="285750" indent="-285750">
+              <a:buFont typeface="Arial" panose="020B0604020202020204" pitchFamily="34" charset="0"/>
+              <a:buChar char="•"/>
+            </a:pPr>
+            <a:r>
+              <a:rPr lang="en-GB" dirty="0"/>
+              <a:t>uses existing data, duplicates samples.</a:t>
+            </a:r>
+          </a:p>
+          <a:p>
+            <a:r>
+              <a:rPr lang="en-GB" dirty="0"/>
+              <a:t>                </a:t>
+            </a:r>
+          </a:p>
+        </p:txBody>
+      </p:sp>
+      <p:sp>
+        <p:nvSpPr>
+          <p:cNvPr id="17" name="TextBox 16">
+            <a:extLst>
+              <a:ext uri="{FF2B5EF4-FFF2-40B4-BE49-F238E27FC236}">
+                <a16:creationId xmlns:a16="http://schemas.microsoft.com/office/drawing/2014/main" id="{F402CA93-C411-42CA-8E07-C6D50D2043CF}"/>
+              </a:ext>
+            </a:extLst>
+          </p:cNvPr>
+          <p:cNvSpPr txBox="1"/>
+          <p:nvPr/>
+        </p:nvSpPr>
+        <p:spPr>
+          <a:xfrm>
+            <a:off x="187337" y="3230452"/>
+            <a:ext cx="4385159" cy="1200329"/>
+          </a:xfrm>
+          <a:prstGeom prst="rect">
+            <a:avLst/>
+          </a:prstGeom>
+          <a:noFill/>
+        </p:spPr>
+        <p:txBody>
+          <a:bodyPr wrap="square" rtlCol="0">
+            <a:spAutoFit/>
+          </a:bodyPr>
+          <a:lstStyle/>
+          <a:p>
+            <a:endParaRPr lang="en-GB" dirty="0"/>
+          </a:p>
+          <a:p>
+            <a:pPr marL="285750" indent="-285750">
+              <a:buFont typeface="Arial" panose="020B0604020202020204" pitchFamily="34" charset="0"/>
+              <a:buChar char="•"/>
+            </a:pPr>
+            <a:r>
+              <a:rPr lang="en-GB" dirty="0"/>
+              <a:t>It creates synthetic, diverse samples.</a:t>
+            </a:r>
+          </a:p>
+          <a:p>
+            <a:pPr marL="285750" indent="-285750">
+              <a:buFont typeface="Arial" panose="020B0604020202020204" pitchFamily="34" charset="0"/>
+              <a:buChar char="•"/>
+            </a:pPr>
+            <a:r>
+              <a:rPr lang="en-GB" dirty="0"/>
+              <a:t>Effective in handling class imbalance by introducing new information.</a:t>
+            </a:r>
+          </a:p>
+        </p:txBody>
+      </p:sp>
     </p:spTree>
     <p:extLst>
       <p:ext uri="{BB962C8B-B14F-4D97-AF65-F5344CB8AC3E}">
@@ -15248,8 +15273,8 @@
         </p:nvSpPr>
         <p:spPr>
           <a:xfrm>
-            <a:off x="308753" y="1143553"/>
-            <a:ext cx="9569239" cy="1077218"/>
+            <a:off x="1478101" y="1204958"/>
+            <a:ext cx="5969130" cy="584775"/>
           </a:xfrm>
           <a:prstGeom prst="rect">
             <a:avLst/>
@@ -15264,20 +15289,8 @@
           <a:p>
             <a:pPr algn="ctr"/>
             <a:r>
-              <a:rPr lang="en-GB" sz="3200" dirty="0" err="1"/>
-              <a:t>K_Nearest</a:t>
-            </a:r>
-            <a:r>
               <a:rPr lang="en-GB" sz="3200" dirty="0"/>
-              <a:t> </a:t>
-            </a:r>
-            <a:r>
-              <a:rPr lang="en-GB" sz="3200" dirty="0" err="1"/>
-              <a:t>neighbors</a:t>
-            </a:r>
-            <a:r>
-              <a:rPr lang="en-GB" sz="3200" dirty="0"/>
-              <a:t> Model And Logistic Regression Model</a:t>
+              <a:t>Evaluation of Models</a:t>
             </a:r>
           </a:p>
         </p:txBody>
@@ -15309,102 +15322,290 @@
       </p:sp>
       <p:sp>
         <p:nvSpPr>
-          <p:cNvPr id="4" name="Arrow: Right 5">
-            <a:extLst>
-              <a:ext uri="{FF2B5EF4-FFF2-40B4-BE49-F238E27FC236}">
-                <a16:creationId xmlns:a16="http://schemas.microsoft.com/office/drawing/2014/main" id="{535EED88-5866-123F-58A0-966702E594E9}"/>
-              </a:ext>
-            </a:extLst>
-          </p:cNvPr>
-          <p:cNvSpPr/>
+          <p:cNvPr id="2" name="Title 1">
+            <a:extLst>
+              <a:ext uri="{FF2B5EF4-FFF2-40B4-BE49-F238E27FC236}">
+                <a16:creationId xmlns:a16="http://schemas.microsoft.com/office/drawing/2014/main" id="{4A34A8C2-9497-38DC-9914-B9EB677E6073}"/>
+              </a:ext>
+            </a:extLst>
+          </p:cNvPr>
+          <p:cNvSpPr>
+            <a:spLocks noGrp="1"/>
+          </p:cNvSpPr>
+          <p:nvPr>
+            <p:ph type="title"/>
+          </p:nvPr>
+        </p:nvSpPr>
+        <p:spPr>
+          <a:xfrm>
+            <a:off x="588818" y="322857"/>
+            <a:ext cx="10515600" cy="1325563"/>
+          </a:xfrm>
+        </p:spPr>
+        <p:txBody>
+          <a:bodyPr/>
+          <a:lstStyle/>
+          <a:p>
+            <a:r>
+              <a:rPr lang="en-GB" dirty="0"/>
+              <a:t>Evaluation Of Models</a:t>
+            </a:r>
+          </a:p>
+        </p:txBody>
+      </p:sp>
+      <p:sp>
+        <p:nvSpPr>
+          <p:cNvPr id="5" name="Content Placeholder 2">
+            <a:extLst>
+              <a:ext uri="{FF2B5EF4-FFF2-40B4-BE49-F238E27FC236}">
+                <a16:creationId xmlns:a16="http://schemas.microsoft.com/office/drawing/2014/main" id="{78BF78A8-01EF-3FAA-1E25-C8DEB3374D83}"/>
+              </a:ext>
+            </a:extLst>
+          </p:cNvPr>
+          <p:cNvSpPr txBox="1">
+            <a:spLocks/>
+          </p:cNvSpPr>
           <p:nvPr/>
         </p:nvSpPr>
         <p:spPr>
           <a:xfrm>
-            <a:off x="5955158" y="3786525"/>
-            <a:ext cx="709126" cy="195943"/>
+            <a:off x="2309017" y="2113969"/>
+            <a:ext cx="5138214" cy="850009"/>
           </a:xfrm>
-          <a:prstGeom prst="rightArrow">
+          <a:prstGeom prst="rect">
             <a:avLst/>
           </a:prstGeom>
         </p:spPr>
-        <p:style>
-          <a:lnRef idx="2">
-            <a:schemeClr val="accent1">
-              <a:shade val="15000"/>
-            </a:schemeClr>
-          </a:lnRef>
-          <a:fillRef idx="1">
-            <a:schemeClr val="accent1"/>
-          </a:fillRef>
-          <a:effectRef idx="0">
-            <a:schemeClr val="accent1"/>
-          </a:effectRef>
-          <a:fontRef idx="minor">
-            <a:schemeClr val="lt1"/>
-          </a:fontRef>
-        </p:style>
         <p:txBody>
-          <a:bodyPr rtlCol="0" anchor="ctr"/>
-          <a:lstStyle/>
-          <a:p>
-            <a:pPr algn="ctr"/>
-            <a:endParaRPr lang="en-GB"/>
-          </a:p>
-        </p:txBody>
-      </p:sp>
-      <p:sp>
-        <p:nvSpPr>
-          <p:cNvPr id="8" name="Arrow: Right 6">
-            <a:extLst>
-              <a:ext uri="{FF2B5EF4-FFF2-40B4-BE49-F238E27FC236}">
-                <a16:creationId xmlns:a16="http://schemas.microsoft.com/office/drawing/2014/main" id="{BA981362-93A3-92CE-6DE5-7DF311D012C4}"/>
-              </a:ext>
-            </a:extLst>
-          </p:cNvPr>
-          <p:cNvSpPr/>
-          <p:nvPr/>
-        </p:nvSpPr>
-        <p:spPr>
-          <a:xfrm>
-            <a:off x="5988739" y="5572442"/>
-            <a:ext cx="709126" cy="195943"/>
-          </a:xfrm>
-          <a:prstGeom prst="rightArrow">
-            <a:avLst/>
-          </a:prstGeom>
-        </p:spPr>
-        <p:style>
-          <a:lnRef idx="2">
-            <a:schemeClr val="accent1">
-              <a:shade val="15000"/>
-            </a:schemeClr>
-          </a:lnRef>
-          <a:fillRef idx="1">
-            <a:schemeClr val="accent1"/>
-          </a:fillRef>
-          <a:effectRef idx="0">
-            <a:schemeClr val="accent1"/>
-          </a:effectRef>
-          <a:fontRef idx="minor">
-            <a:schemeClr val="lt1"/>
-          </a:fontRef>
-        </p:style>
-        <p:txBody>
-          <a:bodyPr rtlCol="0" anchor="ctr"/>
-          <a:lstStyle/>
-          <a:p>
-            <a:pPr algn="ctr"/>
-            <a:endParaRPr lang="en-GB"/>
+          <a:bodyPr/>
+          <a:lstStyle>
+            <a:lvl1pPr marL="228600" indent="-228600" algn="l" defTabSz="914400" rtl="0" eaLnBrk="1" latinLnBrk="0" hangingPunct="1">
+              <a:lnSpc>
+                <a:spcPct val="90000"/>
+              </a:lnSpc>
+              <a:spcBef>
+                <a:spcPts val="1000"/>
+              </a:spcBef>
+              <a:buFont typeface="Arial" panose="020B0604020202020204" pitchFamily="34" charset="0"/>
+              <a:buChar char="•"/>
+              <a:defRPr sz="2800" kern="1200">
+                <a:solidFill>
+                  <a:schemeClr val="tx1">
+                    <a:lumMod val="75000"/>
+                    <a:lumOff val="25000"/>
+                  </a:schemeClr>
+                </a:solidFill>
+                <a:latin typeface="+mn-lt"/>
+                <a:ea typeface="+mn-ea"/>
+                <a:cs typeface="+mn-cs"/>
+              </a:defRPr>
+            </a:lvl1pPr>
+            <a:lvl2pPr marL="685800" indent="-228600" algn="l" defTabSz="914400" rtl="0" eaLnBrk="1" latinLnBrk="0" hangingPunct="1">
+              <a:lnSpc>
+                <a:spcPct val="90000"/>
+              </a:lnSpc>
+              <a:spcBef>
+                <a:spcPts val="500"/>
+              </a:spcBef>
+              <a:buFont typeface="Arial" panose="020B0604020202020204" pitchFamily="34" charset="0"/>
+              <a:buChar char="•"/>
+              <a:defRPr sz="2400" kern="1200">
+                <a:solidFill>
+                  <a:schemeClr val="tx1">
+                    <a:lumMod val="75000"/>
+                    <a:lumOff val="25000"/>
+                  </a:schemeClr>
+                </a:solidFill>
+                <a:latin typeface="+mn-lt"/>
+                <a:ea typeface="+mn-ea"/>
+                <a:cs typeface="+mn-cs"/>
+              </a:defRPr>
+            </a:lvl2pPr>
+            <a:lvl3pPr marL="1143000" indent="-228600" algn="l" defTabSz="914400" rtl="0" eaLnBrk="1" latinLnBrk="0" hangingPunct="1">
+              <a:lnSpc>
+                <a:spcPct val="90000"/>
+              </a:lnSpc>
+              <a:spcBef>
+                <a:spcPts val="500"/>
+              </a:spcBef>
+              <a:buFont typeface="Arial" panose="020B0604020202020204" pitchFamily="34" charset="0"/>
+              <a:buChar char="•"/>
+              <a:defRPr sz="2000" kern="1200">
+                <a:solidFill>
+                  <a:schemeClr val="tx1">
+                    <a:lumMod val="75000"/>
+                    <a:lumOff val="25000"/>
+                  </a:schemeClr>
+                </a:solidFill>
+                <a:latin typeface="+mn-lt"/>
+                <a:ea typeface="+mn-ea"/>
+                <a:cs typeface="+mn-cs"/>
+              </a:defRPr>
+            </a:lvl3pPr>
+            <a:lvl4pPr marL="1600200" indent="-228600" algn="l" defTabSz="914400" rtl="0" eaLnBrk="1" latinLnBrk="0" hangingPunct="1">
+              <a:lnSpc>
+                <a:spcPct val="90000"/>
+              </a:lnSpc>
+              <a:spcBef>
+                <a:spcPts val="500"/>
+              </a:spcBef>
+              <a:buFont typeface="Arial" panose="020B0604020202020204" pitchFamily="34" charset="0"/>
+              <a:buChar char="•"/>
+              <a:defRPr sz="1800" kern="1200">
+                <a:solidFill>
+                  <a:schemeClr val="tx1">
+                    <a:lumMod val="75000"/>
+                    <a:lumOff val="25000"/>
+                  </a:schemeClr>
+                </a:solidFill>
+                <a:latin typeface="+mn-lt"/>
+                <a:ea typeface="+mn-ea"/>
+                <a:cs typeface="+mn-cs"/>
+              </a:defRPr>
+            </a:lvl4pPr>
+            <a:lvl5pPr marL="2057400" indent="-228600" algn="l" defTabSz="914400" rtl="0" eaLnBrk="1" latinLnBrk="0" hangingPunct="1">
+              <a:lnSpc>
+                <a:spcPct val="90000"/>
+              </a:lnSpc>
+              <a:spcBef>
+                <a:spcPts val="500"/>
+              </a:spcBef>
+              <a:buFont typeface="Arial" panose="020B0604020202020204" pitchFamily="34" charset="0"/>
+              <a:buChar char="•"/>
+              <a:defRPr sz="1800" kern="1200">
+                <a:solidFill>
+                  <a:schemeClr val="tx1">
+                    <a:lumMod val="75000"/>
+                    <a:lumOff val="25000"/>
+                  </a:schemeClr>
+                </a:solidFill>
+                <a:latin typeface="+mn-lt"/>
+                <a:ea typeface="+mn-ea"/>
+                <a:cs typeface="+mn-cs"/>
+              </a:defRPr>
+            </a:lvl5pPr>
+            <a:lvl6pPr marL="2514600" indent="-228600" algn="l" defTabSz="914400" rtl="0" eaLnBrk="1" latinLnBrk="0" hangingPunct="1">
+              <a:lnSpc>
+                <a:spcPct val="90000"/>
+              </a:lnSpc>
+              <a:spcBef>
+                <a:spcPts val="500"/>
+              </a:spcBef>
+              <a:buFont typeface="Arial" panose="020B0604020202020204" pitchFamily="34" charset="0"/>
+              <a:buChar char="•"/>
+              <a:defRPr sz="1800" kern="1200">
+                <a:solidFill>
+                  <a:schemeClr val="tx1"/>
+                </a:solidFill>
+                <a:latin typeface="+mn-lt"/>
+                <a:ea typeface="+mn-ea"/>
+                <a:cs typeface="+mn-cs"/>
+              </a:defRPr>
+            </a:lvl6pPr>
+            <a:lvl7pPr marL="2971800" indent="-228600" algn="l" defTabSz="914400" rtl="0" eaLnBrk="1" latinLnBrk="0" hangingPunct="1">
+              <a:lnSpc>
+                <a:spcPct val="90000"/>
+              </a:lnSpc>
+              <a:spcBef>
+                <a:spcPts val="500"/>
+              </a:spcBef>
+              <a:buFont typeface="Arial" panose="020B0604020202020204" pitchFamily="34" charset="0"/>
+              <a:buChar char="•"/>
+              <a:defRPr sz="1800" kern="1200">
+                <a:solidFill>
+                  <a:schemeClr val="tx1"/>
+                </a:solidFill>
+                <a:latin typeface="+mn-lt"/>
+                <a:ea typeface="+mn-ea"/>
+                <a:cs typeface="+mn-cs"/>
+              </a:defRPr>
+            </a:lvl7pPr>
+            <a:lvl8pPr marL="3429000" indent="-228600" algn="l" defTabSz="914400" rtl="0" eaLnBrk="1" latinLnBrk="0" hangingPunct="1">
+              <a:lnSpc>
+                <a:spcPct val="90000"/>
+              </a:lnSpc>
+              <a:spcBef>
+                <a:spcPts val="500"/>
+              </a:spcBef>
+              <a:buFont typeface="Arial" panose="020B0604020202020204" pitchFamily="34" charset="0"/>
+              <a:buChar char="•"/>
+              <a:defRPr sz="1800" kern="1200">
+                <a:solidFill>
+                  <a:schemeClr val="tx1"/>
+                </a:solidFill>
+                <a:latin typeface="+mn-lt"/>
+                <a:ea typeface="+mn-ea"/>
+                <a:cs typeface="+mn-cs"/>
+              </a:defRPr>
+            </a:lvl8pPr>
+            <a:lvl9pPr marL="3886200" indent="-228600" algn="l" defTabSz="914400" rtl="0" eaLnBrk="1" latinLnBrk="0" hangingPunct="1">
+              <a:lnSpc>
+                <a:spcPct val="90000"/>
+              </a:lnSpc>
+              <a:spcBef>
+                <a:spcPts val="500"/>
+              </a:spcBef>
+              <a:buFont typeface="Arial" panose="020B0604020202020204" pitchFamily="34" charset="0"/>
+              <a:buChar char="•"/>
+              <a:defRPr sz="1800" kern="1200">
+                <a:solidFill>
+                  <a:schemeClr val="tx1"/>
+                </a:solidFill>
+                <a:latin typeface="+mn-lt"/>
+                <a:ea typeface="+mn-ea"/>
+                <a:cs typeface="+mn-cs"/>
+              </a:defRPr>
+            </a:lvl9pPr>
+          </a:lstStyle>
+          <a:p>
+            <a:pPr marL="0" indent="0">
+              <a:buFont typeface="Arial" panose="020B0604020202020204" pitchFamily="34" charset="0"/>
+              <a:buNone/>
+            </a:pPr>
+            <a:r>
+              <a:rPr lang="en-GB" dirty="0"/>
+              <a:t>Metrices to evaluate Models</a:t>
+            </a:r>
+          </a:p>
+          <a:p>
+            <a:pPr marL="0" indent="0">
+              <a:buFont typeface="Arial" panose="020B0604020202020204" pitchFamily="34" charset="0"/>
+              <a:buNone/>
+            </a:pPr>
+            <a:endParaRPr lang="en-GB" dirty="0"/>
+          </a:p>
+          <a:p>
+            <a:pPr marL="0" indent="0">
+              <a:buFont typeface="Arial" panose="020B0604020202020204" pitchFamily="34" charset="0"/>
+              <a:buNone/>
+            </a:pPr>
+            <a:endParaRPr lang="en-GB" dirty="0"/>
+          </a:p>
+          <a:p>
+            <a:pPr marL="0" indent="0">
+              <a:buFont typeface="Arial" panose="020B0604020202020204" pitchFamily="34" charset="0"/>
+              <a:buNone/>
+            </a:pPr>
+            <a:endParaRPr lang="en-GB" dirty="0"/>
+          </a:p>
+          <a:p>
+            <a:pPr marL="0" indent="0">
+              <a:buFont typeface="Arial" panose="020B0604020202020204" pitchFamily="34" charset="0"/>
+              <a:buNone/>
+            </a:pPr>
+            <a:endParaRPr lang="en-GB" dirty="0"/>
+          </a:p>
+          <a:p>
+            <a:endParaRPr lang="en-GB" dirty="0"/>
           </a:p>
         </p:txBody>
       </p:sp>
       <p:pic>
         <p:nvPicPr>
-          <p:cNvPr id="9" name="Picture 8">
-            <a:extLst>
-              <a:ext uri="{FF2B5EF4-FFF2-40B4-BE49-F238E27FC236}">
-                <a16:creationId xmlns:a16="http://schemas.microsoft.com/office/drawing/2014/main" id="{5FBEFA33-4D01-F6B7-C70D-327A7B97DCE1}"/>
+          <p:cNvPr id="7" name="Picture 6">
+            <a:extLst>
+              <a:ext uri="{FF2B5EF4-FFF2-40B4-BE49-F238E27FC236}">
+                <a16:creationId xmlns:a16="http://schemas.microsoft.com/office/drawing/2014/main" id="{5373135D-56E5-9489-494A-76881ADA6D71}"/>
               </a:ext>
             </a:extLst>
           </p:cNvPr>
@@ -15421,8 +15622,8 @@
         </p:blipFill>
         <p:spPr>
           <a:xfrm>
-            <a:off x="6870045" y="2418105"/>
-            <a:ext cx="2616855" cy="2609929"/>
+            <a:off x="4767701" y="3553897"/>
+            <a:ext cx="5249534" cy="956312"/>
           </a:xfrm>
           <a:prstGeom prst="rect">
             <a:avLst/>
@@ -15431,10 +15632,10 @@
       </p:pic>
       <p:pic>
         <p:nvPicPr>
-          <p:cNvPr id="10" name="Picture 9">
-            <a:extLst>
-              <a:ext uri="{FF2B5EF4-FFF2-40B4-BE49-F238E27FC236}">
-                <a16:creationId xmlns:a16="http://schemas.microsoft.com/office/drawing/2014/main" id="{6D7061EA-40AD-6BCC-0050-9D3A995DD66A}"/>
+          <p:cNvPr id="12" name="Picture 11">
+            <a:extLst>
+              <a:ext uri="{FF2B5EF4-FFF2-40B4-BE49-F238E27FC236}">
+                <a16:creationId xmlns:a16="http://schemas.microsoft.com/office/drawing/2014/main" id="{6DB83A99-444D-1152-8CC6-F57BD636C896}"/>
               </a:ext>
             </a:extLst>
           </p:cNvPr>
@@ -15451,8 +15652,8 @@
         </p:blipFill>
         <p:spPr>
           <a:xfrm>
-            <a:off x="183477" y="2702919"/>
-            <a:ext cx="5575521" cy="3553028"/>
+            <a:off x="732263" y="5115365"/>
+            <a:ext cx="3735350" cy="944150"/>
           </a:xfrm>
           <a:prstGeom prst="rect">
             <a:avLst/>
@@ -15461,10 +15662,10 @@
       </p:pic>
       <p:pic>
         <p:nvPicPr>
-          <p:cNvPr id="11" name="Picture 10">
-            <a:extLst>
-              <a:ext uri="{FF2B5EF4-FFF2-40B4-BE49-F238E27FC236}">
-                <a16:creationId xmlns:a16="http://schemas.microsoft.com/office/drawing/2014/main" id="{CEB02443-4F2C-CB2F-8449-7551097D8B1F}"/>
+          <p:cNvPr id="13" name="Picture 12">
+            <a:extLst>
+              <a:ext uri="{FF2B5EF4-FFF2-40B4-BE49-F238E27FC236}">
+                <a16:creationId xmlns:a16="http://schemas.microsoft.com/office/drawing/2014/main" id="{13E4D700-B8F3-1D25-CAEA-F99A71CD0407}"/>
               </a:ext>
             </a:extLst>
           </p:cNvPr>
@@ -15481,8 +15682,38 @@
         </p:blipFill>
         <p:spPr>
           <a:xfrm>
-            <a:off x="6943259" y="5010930"/>
-            <a:ext cx="2543641" cy="2314225"/>
+            <a:off x="600288" y="3570841"/>
+            <a:ext cx="3650966" cy="988128"/>
+          </a:xfrm>
+          <a:prstGeom prst="rect">
+            <a:avLst/>
+          </a:prstGeom>
+        </p:spPr>
+      </p:pic>
+      <p:pic>
+        <p:nvPicPr>
+          <p:cNvPr id="14" name="Picture 13">
+            <a:extLst>
+              <a:ext uri="{FF2B5EF4-FFF2-40B4-BE49-F238E27FC236}">
+                <a16:creationId xmlns:a16="http://schemas.microsoft.com/office/drawing/2014/main" id="{43D20A3B-7FFA-EF53-4C9F-26520ABF8C8E}"/>
+              </a:ext>
+            </a:extLst>
+          </p:cNvPr>
+          <p:cNvPicPr>
+            <a:picLocks noChangeAspect="1"/>
+          </p:cNvPicPr>
+          <p:nvPr/>
+        </p:nvPicPr>
+        <p:blipFill>
+          <a:blip r:embed="rId6"/>
+          <a:stretch>
+            <a:fillRect/>
+          </a:stretch>
+        </p:blipFill>
+        <p:spPr>
+          <a:xfrm>
+            <a:off x="4791555" y="5208421"/>
+            <a:ext cx="4942903" cy="944150"/>
           </a:xfrm>
           <a:prstGeom prst="rect">
             <a:avLst/>
@@ -16143,36 +16374,6 @@
           </a:p>
         </p:txBody>
       </p:sp>
-      <p:pic>
-        <p:nvPicPr>
-          <p:cNvPr id="4" name="Picture 3">
-            <a:extLst>
-              <a:ext uri="{FF2B5EF4-FFF2-40B4-BE49-F238E27FC236}">
-                <a16:creationId xmlns:a16="http://schemas.microsoft.com/office/drawing/2014/main" id="{C50A6F3A-E6C5-12D1-109D-7E7AEA03EA87}"/>
-              </a:ext>
-            </a:extLst>
-          </p:cNvPr>
-          <p:cNvPicPr>
-            <a:picLocks noChangeAspect="1"/>
-          </p:cNvPicPr>
-          <p:nvPr/>
-        </p:nvPicPr>
-        <p:blipFill>
-          <a:blip r:embed="rId3"/>
-          <a:stretch>
-            <a:fillRect/>
-          </a:stretch>
-        </p:blipFill>
-        <p:spPr>
-          <a:xfrm>
-            <a:off x="733125" y="1618384"/>
-            <a:ext cx="4913965" cy="3329077"/>
-          </a:xfrm>
-          <a:prstGeom prst="rect">
-            <a:avLst/>
-          </a:prstGeom>
-        </p:spPr>
-      </p:pic>
       <p:sp>
         <p:nvSpPr>
           <p:cNvPr id="6" name="Arrow: Right 5">
@@ -16219,66 +16420,6 @@
           </a:p>
         </p:txBody>
       </p:sp>
-      <p:pic>
-        <p:nvPicPr>
-          <p:cNvPr id="7" name="Picture 6">
-            <a:extLst>
-              <a:ext uri="{FF2B5EF4-FFF2-40B4-BE49-F238E27FC236}">
-                <a16:creationId xmlns:a16="http://schemas.microsoft.com/office/drawing/2014/main" id="{39D7F80F-0D9B-2699-D3C6-457C467BED2A}"/>
-              </a:ext>
-            </a:extLst>
-          </p:cNvPr>
-          <p:cNvPicPr>
-            <a:picLocks noChangeAspect="1"/>
-          </p:cNvPicPr>
-          <p:nvPr/>
-        </p:nvPicPr>
-        <p:blipFill>
-          <a:blip r:embed="rId4"/>
-          <a:stretch>
-            <a:fillRect/>
-          </a:stretch>
-        </p:blipFill>
-        <p:spPr>
-          <a:xfrm>
-            <a:off x="6737438" y="1475997"/>
-            <a:ext cx="2212272" cy="1981486"/>
-          </a:xfrm>
-          <a:prstGeom prst="rect">
-            <a:avLst/>
-          </a:prstGeom>
-        </p:spPr>
-      </p:pic>
-      <p:pic>
-        <p:nvPicPr>
-          <p:cNvPr id="8" name="Picture 7">
-            <a:extLst>
-              <a:ext uri="{FF2B5EF4-FFF2-40B4-BE49-F238E27FC236}">
-                <a16:creationId xmlns:a16="http://schemas.microsoft.com/office/drawing/2014/main" id="{A7FAAAC4-C471-F241-04F6-8B7A57FA4CAC}"/>
-              </a:ext>
-            </a:extLst>
-          </p:cNvPr>
-          <p:cNvPicPr>
-            <a:picLocks noChangeAspect="1"/>
-          </p:cNvPicPr>
-          <p:nvPr/>
-        </p:nvPicPr>
-        <p:blipFill>
-          <a:blip r:embed="rId5"/>
-          <a:stretch>
-            <a:fillRect/>
-          </a:stretch>
-        </p:blipFill>
-        <p:spPr>
-          <a:xfrm>
-            <a:off x="6923718" y="3454452"/>
-            <a:ext cx="2047996" cy="1965967"/>
-          </a:xfrm>
-          <a:prstGeom prst="rect">
-            <a:avLst/>
-          </a:prstGeom>
-        </p:spPr>
-      </p:pic>
       <p:sp>
         <p:nvSpPr>
           <p:cNvPr id="9" name="Arrow: Right 10">
@@ -16325,12 +16466,102 @@
           </a:p>
         </p:txBody>
       </p:sp>
+      <p:pic>
+        <p:nvPicPr>
+          <p:cNvPr id="5" name="Picture 4">
+            <a:extLst>
+              <a:ext uri="{FF2B5EF4-FFF2-40B4-BE49-F238E27FC236}">
+                <a16:creationId xmlns:a16="http://schemas.microsoft.com/office/drawing/2014/main" id="{665D1823-6FB1-3041-7DB3-D0311FD7B404}"/>
+              </a:ext>
+            </a:extLst>
+          </p:cNvPr>
+          <p:cNvPicPr>
+            <a:picLocks noChangeAspect="1"/>
+          </p:cNvPicPr>
+          <p:nvPr/>
+        </p:nvPicPr>
+        <p:blipFill>
+          <a:blip r:embed="rId3"/>
+          <a:stretch>
+            <a:fillRect/>
+          </a:stretch>
+        </p:blipFill>
+        <p:spPr>
+          <a:xfrm>
+            <a:off x="334022" y="1989625"/>
+            <a:ext cx="4821970" cy="3127928"/>
+          </a:xfrm>
+          <a:prstGeom prst="rect">
+            <a:avLst/>
+          </a:prstGeom>
+        </p:spPr>
+      </p:pic>
+      <p:pic>
+        <p:nvPicPr>
+          <p:cNvPr id="12" name="Picture 11">
+            <a:extLst>
+              <a:ext uri="{FF2B5EF4-FFF2-40B4-BE49-F238E27FC236}">
+                <a16:creationId xmlns:a16="http://schemas.microsoft.com/office/drawing/2014/main" id="{4E4FCF34-A635-AFAA-78EB-EC67DB483841}"/>
+              </a:ext>
+            </a:extLst>
+          </p:cNvPr>
+          <p:cNvPicPr>
+            <a:picLocks noChangeAspect="1"/>
+          </p:cNvPicPr>
+          <p:nvPr/>
+        </p:nvPicPr>
+        <p:blipFill>
+          <a:blip r:embed="rId4"/>
+          <a:stretch>
+            <a:fillRect/>
+          </a:stretch>
+        </p:blipFill>
+        <p:spPr>
+          <a:xfrm>
+            <a:off x="6759224" y="1750583"/>
+            <a:ext cx="1676887" cy="1579835"/>
+          </a:xfrm>
+          <a:prstGeom prst="rect">
+            <a:avLst/>
+          </a:prstGeom>
+        </p:spPr>
+      </p:pic>
+      <p:pic>
+        <p:nvPicPr>
+          <p:cNvPr id="13" name="Picture 12">
+            <a:extLst>
+              <a:ext uri="{FF2B5EF4-FFF2-40B4-BE49-F238E27FC236}">
+                <a16:creationId xmlns:a16="http://schemas.microsoft.com/office/drawing/2014/main" id="{F9EF9AED-7CD9-E30D-0F86-89EC4218BB5A}"/>
+              </a:ext>
+            </a:extLst>
+          </p:cNvPr>
+          <p:cNvPicPr>
+            <a:picLocks noChangeAspect="1"/>
+          </p:cNvPicPr>
+          <p:nvPr/>
+        </p:nvPicPr>
+        <p:blipFill>
+          <a:blip r:embed="rId5"/>
+          <a:stretch>
+            <a:fillRect/>
+          </a:stretch>
+        </p:blipFill>
+        <p:spPr>
+          <a:xfrm>
+            <a:off x="7002348" y="3525394"/>
+            <a:ext cx="1433763" cy="1704584"/>
+          </a:xfrm>
+          <a:prstGeom prst="rect">
+            <a:avLst/>
+          </a:prstGeom>
+        </p:spPr>
+      </p:pic>
       <p:sp>
         <p:nvSpPr>
-          <p:cNvPr id="10" name="TextBox 9">
-            <a:extLst>
-              <a:ext uri="{FF2B5EF4-FFF2-40B4-BE49-F238E27FC236}">
-                <a16:creationId xmlns:a16="http://schemas.microsoft.com/office/drawing/2014/main" id="{D12E71A1-E474-9438-C9CC-96D23C7B1E10}"/>
+          <p:cNvPr id="14" name="TextBox 13">
+            <a:extLst>
+              <a:ext uri="{FF2B5EF4-FFF2-40B4-BE49-F238E27FC236}">
+                <a16:creationId xmlns:a16="http://schemas.microsoft.com/office/drawing/2014/main" id="{DE4DCEFD-DDAE-6885-60F6-B3DE195B859F}"/>
               </a:ext>
             </a:extLst>
           </p:cNvPr>
@@ -16339,7 +16570,7 @@
         </p:nvSpPr>
         <p:spPr>
           <a:xfrm>
-            <a:off x="147710" y="5456100"/>
+            <a:off x="219208" y="5411458"/>
             <a:ext cx="9755035" cy="923330"/>
           </a:xfrm>
           <a:prstGeom prst="rect">
@@ -16358,18 +16589,22 @@
               <a:buChar char="•"/>
             </a:pPr>
             <a:r>
+              <a:rPr lang="en-GB" b="1" dirty="0"/>
+              <a:t>In Decision Tree Model </a:t>
+            </a:r>
+            <a:r>
               <a:rPr lang="en-GB" dirty="0"/>
-              <a:t>In Decision Tree Model 52 people who actually have Stroke, model  is predicting them as they don’t have stroke while 67 are those who actually do not have stroke and model is predicting them as they have stroke.</a:t>
+              <a:t>51 people who actually have Stroke, model  is predicting them as they don’t have stroke while 55 are those who actually do not have stroke and model is predicting them as they have stroke. </a:t>
             </a:r>
           </a:p>
         </p:txBody>
       </p:sp>
       <p:sp>
         <p:nvSpPr>
-          <p:cNvPr id="11" name="TextBox 10">
-            <a:extLst>
-              <a:ext uri="{FF2B5EF4-FFF2-40B4-BE49-F238E27FC236}">
-                <a16:creationId xmlns:a16="http://schemas.microsoft.com/office/drawing/2014/main" id="{BDBA4C28-D89B-6739-15E0-C90D2BB717D3}"/>
+          <p:cNvPr id="15" name="TextBox 14">
+            <a:extLst>
+              <a:ext uri="{FF2B5EF4-FFF2-40B4-BE49-F238E27FC236}">
+                <a16:creationId xmlns:a16="http://schemas.microsoft.com/office/drawing/2014/main" id="{DE022E67-0DEC-BDCF-9F73-80C49E221E00}"/>
               </a:ext>
             </a:extLst>
           </p:cNvPr>
@@ -16378,8 +16613,8 @@
         </p:nvSpPr>
         <p:spPr>
           <a:xfrm>
-            <a:off x="122957" y="6338671"/>
-            <a:ext cx="9755035" cy="1200329"/>
+            <a:off x="219209" y="6537828"/>
+            <a:ext cx="9291004" cy="1200329"/>
           </a:xfrm>
           <a:prstGeom prst="rect">
             <a:avLst/>
@@ -16397,8 +16632,12 @@
               <a:buChar char="•"/>
             </a:pPr>
             <a:r>
+              <a:rPr lang="en-GB" b="1" dirty="0"/>
+              <a:t>In Random Forest Model </a:t>
+            </a:r>
+            <a:r>
               <a:rPr lang="en-GB" dirty="0"/>
-              <a:t>In Random Forest Model 59 people who actually have Stroke, model  is predicting them as they don’t have stroke while 13 are those who actually do not have stroke and model is predicting them as they have stroke.</a:t>
+              <a:t>57 people who actually have Stroke, model  is predicting them as they don’t have stroke while 18 are those who actually do not have stroke and model is predicting them as they have stroke.</a:t>
             </a:r>
           </a:p>
           <a:p>
@@ -16869,7 +17108,7 @@
         <p:spPr>
           <a:xfrm>
             <a:off x="308753" y="814937"/>
-            <a:ext cx="9569239" cy="584775"/>
+            <a:ext cx="9569239" cy="1077218"/>
           </a:xfrm>
           <a:prstGeom prst="rect">
             <a:avLst/>
@@ -16884,14 +17123,20 @@
           <a:p>
             <a:pPr algn="ctr"/>
             <a:r>
-              <a:rPr lang="en-GB" sz="3200" i="0" dirty="0">
-                <a:solidFill>
-                  <a:srgbClr val="000000"/>
-                </a:solidFill>
-                <a:effectLst/>
-                <a:latin typeface="Helvetica Neue"/>
-              </a:rPr>
-              <a:t>Support Vector Machine (SVM) </a:t>
+              <a:rPr lang="en-GB" sz="3200" dirty="0" err="1"/>
+              <a:t>K_Nearest</a:t>
+            </a:r>
+            <a:r>
+              <a:rPr lang="en-GB" sz="3200" dirty="0"/>
+              <a:t> </a:t>
+            </a:r>
+            <a:r>
+              <a:rPr lang="en-GB" sz="3200" dirty="0" err="1"/>
+              <a:t>neighbors</a:t>
+            </a:r>
+            <a:r>
+              <a:rPr lang="en-GB" sz="3200" dirty="0"/>
+              <a:t> Model And Logistic Regression Model</a:t>
             </a:r>
           </a:p>
         </p:txBody>
@@ -16921,66 +17166,6 @@
           </a:p>
         </p:txBody>
       </p:sp>
-      <p:pic>
-        <p:nvPicPr>
-          <p:cNvPr id="16" name="Picture 15">
-            <a:extLst>
-              <a:ext uri="{FF2B5EF4-FFF2-40B4-BE49-F238E27FC236}">
-                <a16:creationId xmlns:a16="http://schemas.microsoft.com/office/drawing/2014/main" id="{6C05F6DF-CA9B-6F73-4A23-C822330C0EB7}"/>
-              </a:ext>
-            </a:extLst>
-          </p:cNvPr>
-          <p:cNvPicPr>
-            <a:picLocks noChangeAspect="1"/>
-          </p:cNvPicPr>
-          <p:nvPr/>
-        </p:nvPicPr>
-        <p:blipFill>
-          <a:blip r:embed="rId3"/>
-          <a:stretch>
-            <a:fillRect/>
-          </a:stretch>
-        </p:blipFill>
-        <p:spPr>
-          <a:xfrm>
-            <a:off x="308753" y="2271842"/>
-            <a:ext cx="5545544" cy="1929670"/>
-          </a:xfrm>
-          <a:prstGeom prst="rect">
-            <a:avLst/>
-          </a:prstGeom>
-        </p:spPr>
-      </p:pic>
-      <p:pic>
-        <p:nvPicPr>
-          <p:cNvPr id="17" name="Picture 16">
-            <a:extLst>
-              <a:ext uri="{FF2B5EF4-FFF2-40B4-BE49-F238E27FC236}">
-                <a16:creationId xmlns:a16="http://schemas.microsoft.com/office/drawing/2014/main" id="{CC23EE9C-A551-762D-6A73-5F4699ADE886}"/>
-              </a:ext>
-            </a:extLst>
-          </p:cNvPr>
-          <p:cNvPicPr>
-            <a:picLocks noChangeAspect="1"/>
-          </p:cNvPicPr>
-          <p:nvPr/>
-        </p:nvPicPr>
-        <p:blipFill>
-          <a:blip r:embed="rId4"/>
-          <a:stretch>
-            <a:fillRect/>
-          </a:stretch>
-        </p:blipFill>
-        <p:spPr>
-          <a:xfrm>
-            <a:off x="7496139" y="2319902"/>
-            <a:ext cx="2113829" cy="2082189"/>
-          </a:xfrm>
-          <a:prstGeom prst="rect">
-            <a:avLst/>
-          </a:prstGeom>
-        </p:spPr>
-      </p:pic>
       <p:sp>
         <p:nvSpPr>
           <p:cNvPr id="18" name="Arrow: Right 20">
@@ -16995,7 +17180,7 @@
         </p:nvSpPr>
         <p:spPr>
           <a:xfrm>
-            <a:off x="6081249" y="3161215"/>
+            <a:off x="5618506" y="3161215"/>
             <a:ext cx="1238783" cy="338406"/>
           </a:xfrm>
           <a:prstGeom prst="rightArrow">
@@ -17027,701 +17212,12 @@
           </a:p>
         </p:txBody>
       </p:sp>
-      <p:sp>
-        <p:nvSpPr>
-          <p:cNvPr id="19" name="TextBox 18">
-            <a:extLst>
-              <a:ext uri="{FF2B5EF4-FFF2-40B4-BE49-F238E27FC236}">
-                <a16:creationId xmlns:a16="http://schemas.microsoft.com/office/drawing/2014/main" id="{BD3EF26E-BCF3-D032-4332-5709CBEFF155}"/>
-              </a:ext>
-            </a:extLst>
-          </p:cNvPr>
-          <p:cNvSpPr txBox="1"/>
-          <p:nvPr/>
-        </p:nvSpPr>
-        <p:spPr>
-          <a:xfrm>
-            <a:off x="2041394" y="4947075"/>
-            <a:ext cx="5754311" cy="923330"/>
-          </a:xfrm>
-          <a:prstGeom prst="rect">
-            <a:avLst/>
-          </a:prstGeom>
-          <a:noFill/>
-        </p:spPr>
-        <p:txBody>
-          <a:bodyPr wrap="square" rtlCol="0">
-            <a:spAutoFit/>
-          </a:bodyPr>
-          <a:lstStyle/>
-          <a:p>
-            <a:r>
-              <a:rPr lang="en-GB" dirty="0"/>
-              <a:t>SVM with Oversampled Data shows some promising results with a recall for Stroke1 81% and with 12 FN. Though the number of FP is quite High.  </a:t>
-            </a:r>
-          </a:p>
-        </p:txBody>
-      </p:sp>
-    </p:spTree>
-    <p:extLst>
-      <p:ext uri="{BB962C8B-B14F-4D97-AF65-F5344CB8AC3E}">
-        <p14:creationId xmlns:p14="http://schemas.microsoft.com/office/powerpoint/2010/main" val="2888708004"/>
-      </p:ext>
-    </p:extLst>
-  </p:cSld>
-  <p:clrMapOvr>
-    <a:masterClrMapping/>
-  </p:clrMapOvr>
-</p:sld>
-</file>
-
-<file path=ppt/slides/slide18.xml><?xml version="1.0" encoding="utf-8"?>
-<p:sld xmlns:a="http://schemas.openxmlformats.org/drawingml/2006/main" xmlns:r="http://schemas.openxmlformats.org/officeDocument/2006/relationships" xmlns:p="http://schemas.openxmlformats.org/presentationml/2006/main">
-  <p:cSld>
-    <p:bg>
-      <p:bgPr>
-        <a:solidFill>
-          <a:schemeClr val="bg1"/>
-        </a:solidFill>
-        <a:effectLst/>
-      </p:bgPr>
-    </p:bg>
-    <p:spTree>
-      <p:nvGrpSpPr>
-        <p:cNvPr id="1" name="">
-          <a:extLst>
-            <a:ext uri="{FF2B5EF4-FFF2-40B4-BE49-F238E27FC236}">
-              <a16:creationId xmlns:a16="http://schemas.microsoft.com/office/drawing/2014/main" id="{25771B89-78F3-1078-2389-E52B3BBADD7C}"/>
-            </a:ext>
-          </a:extLst>
-        </p:cNvPr>
-        <p:cNvGrpSpPr/>
-        <p:nvPr/>
-      </p:nvGrpSpPr>
-      <p:grpSpPr>
-        <a:xfrm>
-          <a:off x="0" y="0"/>
-          <a:ext cx="0" cy="0"/>
-          <a:chOff x="0" y="0"/>
-          <a:chExt cx="0" cy="0"/>
-        </a:xfrm>
-      </p:grpSpPr>
-      <p:sp>
-        <p:nvSpPr>
-          <p:cNvPr id="27" name="Rectangle 26">
-            <a:extLst>
-              <a:ext uri="{FF2B5EF4-FFF2-40B4-BE49-F238E27FC236}">
-                <a16:creationId xmlns:a16="http://schemas.microsoft.com/office/drawing/2014/main" id="{719AD404-EC56-A956-8381-EC360FC873AD}"/>
-              </a:ext>
-              <a:ext uri="{C183D7F6-B498-43B3-948B-1728B52AA6E4}">
-                <adec:decorative xmlns:adec="http://schemas.microsoft.com/office/drawing/2017/decorative" val="1"/>
-              </a:ext>
-            </a:extLst>
-          </p:cNvPr>
-          <p:cNvSpPr>
-            <a:spLocks noGrp="1" noRot="1" noChangeAspect="1" noMove="1" noResize="1" noEditPoints="1" noAdjustHandles="1" noChangeArrowheads="1" noChangeShapeType="1" noTextEdit="1"/>
-          </p:cNvSpPr>
-          <p:nvPr>
-            <p:extLst>
-              <p:ext uri="{386F3935-93C4-4BCD-93E2-E3B085C9AB24}">
-                <p16:designElem xmlns:p16="http://schemas.microsoft.com/office/powerpoint/2015/main" val="1"/>
-              </p:ext>
-            </p:extLst>
-          </p:nvPr>
-        </p:nvSpPr>
-        <p:spPr>
-          <a:xfrm>
-            <a:off x="0" y="0"/>
-            <a:ext cx="10058400" cy="7772400"/>
-          </a:xfrm>
-          <a:prstGeom prst="rect">
-            <a:avLst/>
-          </a:prstGeom>
-          <a:solidFill>
-            <a:schemeClr val="bg1"/>
-          </a:solidFill>
-          <a:ln>
-            <a:noFill/>
-          </a:ln>
-        </p:spPr>
-        <p:style>
-          <a:lnRef idx="2">
-            <a:schemeClr val="accent1">
-              <a:shade val="50000"/>
-            </a:schemeClr>
-          </a:lnRef>
-          <a:fillRef idx="1">
-            <a:schemeClr val="accent1"/>
-          </a:fillRef>
-          <a:effectRef idx="0">
-            <a:schemeClr val="accent1"/>
-          </a:effectRef>
-          <a:fontRef idx="minor">
-            <a:schemeClr val="lt1"/>
-          </a:fontRef>
-        </p:style>
-        <p:txBody>
-          <a:bodyPr rtlCol="0" anchor="ctr"/>
-          <a:lstStyle/>
-          <a:p>
-            <a:pPr algn="ctr"/>
-            <a:endParaRPr lang="en-US" dirty="0"/>
-          </a:p>
-        </p:txBody>
-      </p:sp>
-      <p:sp>
-        <p:nvSpPr>
-          <p:cNvPr id="29" name="Freeform: Shape 28">
-            <a:extLst>
-              <a:ext uri="{FF2B5EF4-FFF2-40B4-BE49-F238E27FC236}">
-                <a16:creationId xmlns:a16="http://schemas.microsoft.com/office/drawing/2014/main" id="{FB028C8D-A210-553F-8D54-15230B23320F}"/>
-              </a:ext>
-              <a:ext uri="{C183D7F6-B498-43B3-948B-1728B52AA6E4}">
-                <adec:decorative xmlns:adec="http://schemas.microsoft.com/office/drawing/2017/decorative" val="1"/>
-              </a:ext>
-            </a:extLst>
-          </p:cNvPr>
-          <p:cNvSpPr>
-            <a:spLocks noGrp="1" noRot="1" noChangeAspect="1" noMove="1" noResize="1" noEditPoints="1" noAdjustHandles="1" noChangeArrowheads="1" noChangeShapeType="1" noTextEdit="1"/>
-          </p:cNvSpPr>
-          <p:nvPr>
-            <p:extLst>
-              <p:ext uri="{386F3935-93C4-4BCD-93E2-E3B085C9AB24}">
-                <p16:designElem xmlns:p16="http://schemas.microsoft.com/office/powerpoint/2015/main" val="1"/>
-              </p:ext>
-            </p:extLst>
-          </p:nvPr>
-        </p:nvSpPr>
-        <p:spPr>
-          <a:xfrm rot="18900000" flipH="1">
-            <a:off x="-310328" y="-287492"/>
-            <a:ext cx="1507800" cy="1560586"/>
-          </a:xfrm>
-          <a:custGeom>
-            <a:avLst/>
-            <a:gdLst>
-              <a:gd name="connsiteX0" fmla="*/ 0 w 1827638"/>
-              <a:gd name="connsiteY0" fmla="*/ 987379 h 1376989"/>
-              <a:gd name="connsiteX1" fmla="*/ 987379 w 1827638"/>
-              <a:gd name="connsiteY1" fmla="*/ 0 h 1376989"/>
-              <a:gd name="connsiteX2" fmla="*/ 1827638 w 1827638"/>
-              <a:gd name="connsiteY2" fmla="*/ 840260 h 1376989"/>
-              <a:gd name="connsiteX3" fmla="*/ 1827638 w 1827638"/>
-              <a:gd name="connsiteY3" fmla="*/ 1376989 h 1376989"/>
-              <a:gd name="connsiteX4" fmla="*/ 0 w 1827638"/>
-              <a:gd name="connsiteY4" fmla="*/ 1376989 h 1376989"/>
-            </a:gdLst>
-            <a:ahLst/>
-            <a:cxnLst>
-              <a:cxn ang="0">
-                <a:pos x="connsiteX0" y="connsiteY0"/>
-              </a:cxn>
-              <a:cxn ang="0">
-                <a:pos x="connsiteX1" y="connsiteY1"/>
-              </a:cxn>
-              <a:cxn ang="0">
-                <a:pos x="connsiteX2" y="connsiteY2"/>
-              </a:cxn>
-              <a:cxn ang="0">
-                <a:pos x="connsiteX3" y="connsiteY3"/>
-              </a:cxn>
-              <a:cxn ang="0">
-                <a:pos x="connsiteX4" y="connsiteY4"/>
-              </a:cxn>
-            </a:cxnLst>
-            <a:rect l="l" t="t" r="r" b="b"/>
-            <a:pathLst>
-              <a:path w="1827638" h="1376989">
-                <a:moveTo>
-                  <a:pt x="0" y="987379"/>
-                </a:moveTo>
-                <a:lnTo>
-                  <a:pt x="987379" y="0"/>
-                </a:lnTo>
-                <a:lnTo>
-                  <a:pt x="1827638" y="840260"/>
-                </a:lnTo>
-                <a:lnTo>
-                  <a:pt x="1827638" y="1376989"/>
-                </a:lnTo>
-                <a:lnTo>
-                  <a:pt x="0" y="1376989"/>
-                </a:lnTo>
-                <a:close/>
-              </a:path>
-            </a:pathLst>
-          </a:custGeom>
-          <a:solidFill>
-            <a:schemeClr val="accent1">
-              <a:alpha val="30000"/>
-            </a:schemeClr>
-          </a:solidFill>
-          <a:ln>
-            <a:noFill/>
-          </a:ln>
-        </p:spPr>
-        <p:style>
-          <a:lnRef idx="2">
-            <a:schemeClr val="accent1">
-              <a:shade val="50000"/>
-            </a:schemeClr>
-          </a:lnRef>
-          <a:fillRef idx="1">
-            <a:schemeClr val="accent1"/>
-          </a:fillRef>
-          <a:effectRef idx="0">
-            <a:schemeClr val="accent1"/>
-          </a:effectRef>
-          <a:fontRef idx="minor">
-            <a:schemeClr val="lt1"/>
-          </a:fontRef>
-        </p:style>
-        <p:txBody>
-          <a:bodyPr rtlCol="0" anchor="ctr"/>
-          <a:lstStyle/>
-          <a:p>
-            <a:pPr algn="ctr"/>
-            <a:endParaRPr lang="en-US" dirty="0"/>
-          </a:p>
-        </p:txBody>
-      </p:sp>
-      <p:sp>
-        <p:nvSpPr>
-          <p:cNvPr id="31" name="Rectangle 30">
-            <a:extLst>
-              <a:ext uri="{FF2B5EF4-FFF2-40B4-BE49-F238E27FC236}">
-                <a16:creationId xmlns:a16="http://schemas.microsoft.com/office/drawing/2014/main" id="{B51533BF-0111-11BD-DD70-6E53B41D825A}"/>
-              </a:ext>
-              <a:ext uri="{C183D7F6-B498-43B3-948B-1728B52AA6E4}">
-                <adec:decorative xmlns:adec="http://schemas.microsoft.com/office/drawing/2017/decorative" val="1"/>
-              </a:ext>
-            </a:extLst>
-          </p:cNvPr>
-          <p:cNvSpPr>
-            <a:spLocks noGrp="1" noRot="1" noChangeAspect="1" noMove="1" noResize="1" noEditPoints="1" noAdjustHandles="1" noChangeArrowheads="1" noChangeShapeType="1" noTextEdit="1"/>
-          </p:cNvSpPr>
-          <p:nvPr>
-            <p:extLst>
-              <p:ext uri="{386F3935-93C4-4BCD-93E2-E3B085C9AB24}">
-                <p16:designElem xmlns:p16="http://schemas.microsoft.com/office/powerpoint/2015/main" val="1"/>
-              </p:ext>
-            </p:extLst>
-          </p:nvPr>
-        </p:nvSpPr>
-        <p:spPr>
-          <a:xfrm rot="18900000" flipH="1">
-            <a:off x="735603" y="478432"/>
-            <a:ext cx="532429" cy="731417"/>
-          </a:xfrm>
-          <a:prstGeom prst="rect">
-            <a:avLst/>
-          </a:prstGeom>
-          <a:solidFill>
-            <a:schemeClr val="accent1">
-              <a:alpha val="30000"/>
-            </a:schemeClr>
-          </a:solidFill>
-          <a:ln>
-            <a:noFill/>
-          </a:ln>
-        </p:spPr>
-        <p:style>
-          <a:lnRef idx="2">
-            <a:schemeClr val="accent1">
-              <a:shade val="50000"/>
-            </a:schemeClr>
-          </a:lnRef>
-          <a:fillRef idx="1">
-            <a:schemeClr val="accent1"/>
-          </a:fillRef>
-          <a:effectRef idx="0">
-            <a:schemeClr val="accent1"/>
-          </a:effectRef>
-          <a:fontRef idx="minor">
-            <a:schemeClr val="lt1"/>
-          </a:fontRef>
-        </p:style>
-        <p:txBody>
-          <a:bodyPr rtlCol="0" anchor="ctr"/>
-          <a:lstStyle/>
-          <a:p>
-            <a:pPr algn="ctr"/>
-            <a:endParaRPr lang="en-US"/>
-          </a:p>
-        </p:txBody>
-      </p:sp>
-      <p:sp>
-        <p:nvSpPr>
-          <p:cNvPr id="33" name="Rectangle 32">
-            <a:extLst>
-              <a:ext uri="{FF2B5EF4-FFF2-40B4-BE49-F238E27FC236}">
-                <a16:creationId xmlns:a16="http://schemas.microsoft.com/office/drawing/2014/main" id="{04FD91C9-485D-30B6-4EBA-F726CEE6C2E7}"/>
-              </a:ext>
-              <a:ext uri="{C183D7F6-B498-43B3-948B-1728B52AA6E4}">
-                <adec:decorative xmlns:adec="http://schemas.microsoft.com/office/drawing/2017/decorative" val="1"/>
-              </a:ext>
-            </a:extLst>
-          </p:cNvPr>
-          <p:cNvSpPr>
-            <a:spLocks noGrp="1" noRot="1" noChangeAspect="1" noMove="1" noResize="1" noEditPoints="1" noAdjustHandles="1" noChangeArrowheads="1" noChangeShapeType="1" noTextEdit="1"/>
-          </p:cNvSpPr>
-          <p:nvPr>
-            <p:extLst>
-              <p:ext uri="{386F3935-93C4-4BCD-93E2-E3B085C9AB24}">
-                <p16:designElem xmlns:p16="http://schemas.microsoft.com/office/powerpoint/2015/main" val="1"/>
-              </p:ext>
-            </p:extLst>
-          </p:nvPr>
-        </p:nvSpPr>
-        <p:spPr>
-          <a:xfrm rot="18900000" flipH="1">
-            <a:off x="8285872" y="742492"/>
-            <a:ext cx="567165" cy="779134"/>
-          </a:xfrm>
-          <a:prstGeom prst="rect">
-            <a:avLst/>
-          </a:prstGeom>
-          <a:solidFill>
-            <a:schemeClr val="accent4">
-              <a:alpha val="30000"/>
-            </a:schemeClr>
-          </a:solidFill>
-          <a:ln>
-            <a:noFill/>
-          </a:ln>
-        </p:spPr>
-        <p:style>
-          <a:lnRef idx="2">
-            <a:schemeClr val="accent1">
-              <a:shade val="50000"/>
-            </a:schemeClr>
-          </a:lnRef>
-          <a:fillRef idx="1">
-            <a:schemeClr val="accent1"/>
-          </a:fillRef>
-          <a:effectRef idx="0">
-            <a:schemeClr val="accent1"/>
-          </a:effectRef>
-          <a:fontRef idx="minor">
-            <a:schemeClr val="lt1"/>
-          </a:fontRef>
-        </p:style>
-        <p:txBody>
-          <a:bodyPr rtlCol="0" anchor="ctr"/>
-          <a:lstStyle/>
-          <a:p>
-            <a:pPr algn="ctr"/>
-            <a:endParaRPr lang="en-US"/>
-          </a:p>
-        </p:txBody>
-      </p:sp>
-      <p:sp>
-        <p:nvSpPr>
-          <p:cNvPr id="35" name="Freeform: Shape 34">
-            <a:extLst>
-              <a:ext uri="{FF2B5EF4-FFF2-40B4-BE49-F238E27FC236}">
-                <a16:creationId xmlns:a16="http://schemas.microsoft.com/office/drawing/2014/main" id="{3A207A45-550B-69DF-3581-86563D3EA77F}"/>
-              </a:ext>
-              <a:ext uri="{C183D7F6-B498-43B3-948B-1728B52AA6E4}">
-                <adec:decorative xmlns:adec="http://schemas.microsoft.com/office/drawing/2017/decorative" val="1"/>
-              </a:ext>
-            </a:extLst>
-          </p:cNvPr>
-          <p:cNvSpPr>
-            <a:spLocks noGrp="1" noRot="1" noChangeAspect="1" noMove="1" noResize="1" noEditPoints="1" noAdjustHandles="1" noChangeArrowheads="1" noChangeShapeType="1" noTextEdit="1"/>
-          </p:cNvSpPr>
-          <p:nvPr>
-            <p:extLst>
-              <p:ext uri="{386F3935-93C4-4BCD-93E2-E3B085C9AB24}">
-                <p16:designElem xmlns:p16="http://schemas.microsoft.com/office/powerpoint/2015/main" val="1"/>
-              </p:ext>
-            </p:extLst>
-          </p:nvPr>
-        </p:nvSpPr>
-        <p:spPr>
-          <a:xfrm rot="10800000" flipH="1">
-            <a:off x="7719230" y="0"/>
-            <a:ext cx="2339170" cy="1678281"/>
-          </a:xfrm>
-          <a:custGeom>
-            <a:avLst/>
-            <a:gdLst>
-              <a:gd name="connsiteX0" fmla="*/ 2835357 w 2835357"/>
-              <a:gd name="connsiteY0" fmla="*/ 1480837 h 1480837"/>
-              <a:gd name="connsiteX1" fmla="*/ 0 w 2835357"/>
-              <a:gd name="connsiteY1" fmla="*/ 1480837 h 1480837"/>
-              <a:gd name="connsiteX2" fmla="*/ 1552727 w 2835357"/>
-              <a:gd name="connsiteY2" fmla="*/ 0 h 1480837"/>
-              <a:gd name="connsiteX3" fmla="*/ 2835357 w 2835357"/>
-              <a:gd name="connsiteY3" fmla="*/ 1223245 h 1480837"/>
-            </a:gdLst>
-            <a:ahLst/>
-            <a:cxnLst>
-              <a:cxn ang="0">
-                <a:pos x="connsiteX0" y="connsiteY0"/>
-              </a:cxn>
-              <a:cxn ang="0">
-                <a:pos x="connsiteX1" y="connsiteY1"/>
-              </a:cxn>
-              <a:cxn ang="0">
-                <a:pos x="connsiteX2" y="connsiteY2"/>
-              </a:cxn>
-              <a:cxn ang="0">
-                <a:pos x="connsiteX3" y="connsiteY3"/>
-              </a:cxn>
-            </a:cxnLst>
-            <a:rect l="l" t="t" r="r" b="b"/>
-            <a:pathLst>
-              <a:path w="2835357" h="1480837">
-                <a:moveTo>
-                  <a:pt x="2835357" y="1480837"/>
-                </a:moveTo>
-                <a:lnTo>
-                  <a:pt x="0" y="1480837"/>
-                </a:lnTo>
-                <a:lnTo>
-                  <a:pt x="1552727" y="0"/>
-                </a:lnTo>
-                <a:lnTo>
-                  <a:pt x="2835357" y="1223245"/>
-                </a:lnTo>
-                <a:close/>
-              </a:path>
-            </a:pathLst>
-          </a:custGeom>
-          <a:solidFill>
-            <a:schemeClr val="accent4">
-              <a:alpha val="30000"/>
-            </a:schemeClr>
-          </a:solidFill>
-          <a:ln>
-            <a:noFill/>
-          </a:ln>
-        </p:spPr>
-        <p:style>
-          <a:lnRef idx="2">
-            <a:schemeClr val="accent1">
-              <a:shade val="50000"/>
-            </a:schemeClr>
-          </a:lnRef>
-          <a:fillRef idx="1">
-            <a:schemeClr val="accent1"/>
-          </a:fillRef>
-          <a:effectRef idx="0">
-            <a:schemeClr val="accent1"/>
-          </a:effectRef>
-          <a:fontRef idx="minor">
-            <a:schemeClr val="lt1"/>
-          </a:fontRef>
-        </p:style>
-        <p:txBody>
-          <a:bodyPr wrap="square" rtlCol="0" anchor="ctr">
-            <a:noAutofit/>
-          </a:bodyPr>
-          <a:lstStyle/>
-          <a:p>
-            <a:pPr algn="ctr"/>
-            <a:endParaRPr lang="en-US" dirty="0"/>
-          </a:p>
-        </p:txBody>
-      </p:sp>
-      <p:sp>
-        <p:nvSpPr>
-          <p:cNvPr id="37" name="Isosceles Triangle 36">
-            <a:extLst>
-              <a:ext uri="{FF2B5EF4-FFF2-40B4-BE49-F238E27FC236}">
-                <a16:creationId xmlns:a16="http://schemas.microsoft.com/office/drawing/2014/main" id="{A6C14D16-CF93-A95A-986D-92E1B9B065EF}"/>
-              </a:ext>
-              <a:ext uri="{C183D7F6-B498-43B3-948B-1728B52AA6E4}">
-                <adec:decorative xmlns:adec="http://schemas.microsoft.com/office/drawing/2017/decorative" val="1"/>
-              </a:ext>
-            </a:extLst>
-          </p:cNvPr>
-          <p:cNvSpPr>
-            <a:spLocks noGrp="1" noRot="1" noChangeAspect="1" noMove="1" noResize="1" noEditPoints="1" noAdjustHandles="1" noChangeArrowheads="1" noChangeShapeType="1" noTextEdit="1"/>
-          </p:cNvSpPr>
-          <p:nvPr>
-            <p:extLst>
-              <p:ext uri="{386F3935-93C4-4BCD-93E2-E3B085C9AB24}">
-                <p16:designElem xmlns:p16="http://schemas.microsoft.com/office/powerpoint/2015/main" val="1"/>
-              </p:ext>
-            </p:extLst>
-          </p:nvPr>
-        </p:nvSpPr>
-        <p:spPr>
-          <a:xfrm flipH="1">
-            <a:off x="6580483" y="6930901"/>
-            <a:ext cx="1232974" cy="841499"/>
-          </a:xfrm>
-          <a:prstGeom prst="triangle">
-            <a:avLst/>
-          </a:prstGeom>
-          <a:solidFill>
-            <a:schemeClr val="accent1">
-              <a:alpha val="30000"/>
-            </a:schemeClr>
-          </a:solidFill>
-          <a:ln>
-            <a:noFill/>
-          </a:ln>
-        </p:spPr>
-        <p:style>
-          <a:lnRef idx="2">
-            <a:schemeClr val="accent1">
-              <a:shade val="50000"/>
-            </a:schemeClr>
-          </a:lnRef>
-          <a:fillRef idx="1">
-            <a:schemeClr val="accent1"/>
-          </a:fillRef>
-          <a:effectRef idx="0">
-            <a:schemeClr val="accent1"/>
-          </a:effectRef>
-          <a:fontRef idx="minor">
-            <a:schemeClr val="lt1"/>
-          </a:fontRef>
-        </p:style>
-        <p:txBody>
-          <a:bodyPr rtlCol="0" anchor="ctr"/>
-          <a:lstStyle/>
-          <a:p>
-            <a:pPr algn="ctr"/>
-            <a:endParaRPr lang="en-US"/>
-          </a:p>
-        </p:txBody>
-      </p:sp>
-      <p:sp>
-        <p:nvSpPr>
-          <p:cNvPr id="39" name="Isosceles Triangle 38">
-            <a:extLst>
-              <a:ext uri="{FF2B5EF4-FFF2-40B4-BE49-F238E27FC236}">
-                <a16:creationId xmlns:a16="http://schemas.microsoft.com/office/drawing/2014/main" id="{752A1C17-3FE1-5971-3B19-C6A942101EFD}"/>
-              </a:ext>
-              <a:ext uri="{C183D7F6-B498-43B3-948B-1728B52AA6E4}">
-                <adec:decorative xmlns:adec="http://schemas.microsoft.com/office/drawing/2017/decorative" val="1"/>
-              </a:ext>
-            </a:extLst>
-          </p:cNvPr>
-          <p:cNvSpPr>
-            <a:spLocks noGrp="1" noRot="1" noChangeAspect="1" noMove="1" noResize="1" noEditPoints="1" noAdjustHandles="1" noChangeArrowheads="1" noChangeShapeType="1" noTextEdit="1"/>
-          </p:cNvSpPr>
-          <p:nvPr>
-            <p:extLst>
-              <p:ext uri="{386F3935-93C4-4BCD-93E2-E3B085C9AB24}">
-                <p16:designElem xmlns:p16="http://schemas.microsoft.com/office/powerpoint/2015/main" val="1"/>
-              </p:ext>
-            </p:extLst>
-          </p:nvPr>
-        </p:nvSpPr>
-        <p:spPr>
-          <a:xfrm flipH="1">
-            <a:off x="6273366" y="7313562"/>
-            <a:ext cx="672294" cy="458838"/>
-          </a:xfrm>
-          <a:prstGeom prst="triangle">
-            <a:avLst/>
-          </a:prstGeom>
-          <a:solidFill>
-            <a:schemeClr val="accent1">
-              <a:alpha val="30000"/>
-            </a:schemeClr>
-          </a:solidFill>
-          <a:ln>
-            <a:noFill/>
-          </a:ln>
-        </p:spPr>
-        <p:style>
-          <a:lnRef idx="2">
-            <a:schemeClr val="accent1">
-              <a:shade val="50000"/>
-            </a:schemeClr>
-          </a:lnRef>
-          <a:fillRef idx="1">
-            <a:schemeClr val="accent1"/>
-          </a:fillRef>
-          <a:effectRef idx="0">
-            <a:schemeClr val="accent1"/>
-          </a:effectRef>
-          <a:fontRef idx="minor">
-            <a:schemeClr val="lt1"/>
-          </a:fontRef>
-        </p:style>
-        <p:txBody>
-          <a:bodyPr rtlCol="0" anchor="ctr"/>
-          <a:lstStyle/>
-          <a:p>
-            <a:pPr algn="ctr"/>
-            <a:endParaRPr lang="en-US"/>
-          </a:p>
-        </p:txBody>
-      </p:sp>
-      <p:sp>
-        <p:nvSpPr>
-          <p:cNvPr id="3" name="Picture Placeholder 2">
-            <a:extLst>
-              <a:ext uri="{FF2B5EF4-FFF2-40B4-BE49-F238E27FC236}">
-                <a16:creationId xmlns:a16="http://schemas.microsoft.com/office/drawing/2014/main" id="{C6C5F52C-B3E8-F44E-AD27-F062435C97E1}"/>
-              </a:ext>
-            </a:extLst>
-          </p:cNvPr>
-          <p:cNvSpPr>
-            <a:spLocks noGrp="1"/>
-          </p:cNvSpPr>
-          <p:nvPr>
-            <p:ph type="pic" sz="quarter" idx="11"/>
-          </p:nvPr>
-        </p:nvSpPr>
-        <p:spPr/>
-        <p:txBody>
-          <a:bodyPr/>
-          <a:lstStyle/>
-          <a:p>
-            <a:endParaRPr lang="en-US"/>
-          </a:p>
-        </p:txBody>
-      </p:sp>
-      <p:sp>
-        <p:nvSpPr>
-          <p:cNvPr id="2" name="TextBox 1">
-            <a:extLst>
-              <a:ext uri="{FF2B5EF4-FFF2-40B4-BE49-F238E27FC236}">
-                <a16:creationId xmlns:a16="http://schemas.microsoft.com/office/drawing/2014/main" id="{5C6D6D19-40D6-AFA6-B06A-CC5797480E68}"/>
-              </a:ext>
-            </a:extLst>
-          </p:cNvPr>
-          <p:cNvSpPr txBox="1"/>
-          <p:nvPr/>
-        </p:nvSpPr>
-        <p:spPr>
-          <a:xfrm>
-            <a:off x="333506" y="800209"/>
-            <a:ext cx="9569239" cy="584775"/>
-          </a:xfrm>
-          <a:prstGeom prst="rect">
-            <a:avLst/>
-          </a:prstGeom>
-          <a:noFill/>
-        </p:spPr>
-        <p:txBody>
-          <a:bodyPr wrap="square" rtlCol="0">
-            <a:spAutoFit/>
-          </a:bodyPr>
-          <a:lstStyle/>
-          <a:p>
-            <a:pPr algn="ctr"/>
-            <a:r>
-              <a:rPr lang="en-GB" sz="3200" dirty="0"/>
-              <a:t>Decision Tree Model And Random Forest Model</a:t>
-            </a:r>
-          </a:p>
-        </p:txBody>
-      </p:sp>
       <p:pic>
         <p:nvPicPr>
-          <p:cNvPr id="4" name="Picture 3">
-            <a:extLst>
-              <a:ext uri="{FF2B5EF4-FFF2-40B4-BE49-F238E27FC236}">
-                <a16:creationId xmlns:a16="http://schemas.microsoft.com/office/drawing/2014/main" id="{9AD562D1-94B8-2D39-AD0A-6CDEC757A29A}"/>
+          <p:cNvPr id="2" name="Picture 1">
+            <a:extLst>
+              <a:ext uri="{FF2B5EF4-FFF2-40B4-BE49-F238E27FC236}">
+                <a16:creationId xmlns:a16="http://schemas.microsoft.com/office/drawing/2014/main" id="{58A5F330-39D2-3D35-DAA7-5FD67B112930}"/>
               </a:ext>
             </a:extLst>
           </p:cNvPr>
@@ -17738,8 +17234,68 @@
         </p:blipFill>
         <p:spPr>
           <a:xfrm>
-            <a:off x="733125" y="1618384"/>
-            <a:ext cx="4913965" cy="3329077"/>
+            <a:off x="529595" y="2608020"/>
+            <a:ext cx="4243818" cy="3123978"/>
+          </a:xfrm>
+          <a:prstGeom prst="rect">
+            <a:avLst/>
+          </a:prstGeom>
+        </p:spPr>
+      </p:pic>
+      <p:pic>
+        <p:nvPicPr>
+          <p:cNvPr id="4" name="Picture 3">
+            <a:extLst>
+              <a:ext uri="{FF2B5EF4-FFF2-40B4-BE49-F238E27FC236}">
+                <a16:creationId xmlns:a16="http://schemas.microsoft.com/office/drawing/2014/main" id="{EB711DD9-C270-7C5F-8751-62C8576EE663}"/>
+              </a:ext>
+            </a:extLst>
+          </p:cNvPr>
+          <p:cNvPicPr>
+            <a:picLocks noChangeAspect="1"/>
+          </p:cNvPicPr>
+          <p:nvPr/>
+        </p:nvPicPr>
+        <p:blipFill>
+          <a:blip r:embed="rId4"/>
+          <a:stretch>
+            <a:fillRect/>
+          </a:stretch>
+        </p:blipFill>
+        <p:spPr>
+          <a:xfrm>
+            <a:off x="7564582" y="4367481"/>
+            <a:ext cx="1862091" cy="2167686"/>
+          </a:xfrm>
+          <a:prstGeom prst="rect">
+            <a:avLst/>
+          </a:prstGeom>
+        </p:spPr>
+      </p:pic>
+      <p:pic>
+        <p:nvPicPr>
+          <p:cNvPr id="5" name="Picture 4">
+            <a:extLst>
+              <a:ext uri="{FF2B5EF4-FFF2-40B4-BE49-F238E27FC236}">
+                <a16:creationId xmlns:a16="http://schemas.microsoft.com/office/drawing/2014/main" id="{04ED5590-897C-F7CE-3F65-2AD8DCB4654A}"/>
+              </a:ext>
+            </a:extLst>
+          </p:cNvPr>
+          <p:cNvPicPr>
+            <a:picLocks noChangeAspect="1"/>
+          </p:cNvPicPr>
+          <p:nvPr/>
+        </p:nvPicPr>
+        <p:blipFill>
+          <a:blip r:embed="rId5"/>
+          <a:stretch>
+            <a:fillRect/>
+          </a:stretch>
+        </p:blipFill>
+        <p:spPr>
+          <a:xfrm>
+            <a:off x="7564582" y="1705602"/>
+            <a:ext cx="1786525" cy="2241505"/>
           </a:xfrm>
           <a:prstGeom prst="rect">
             <a:avLst/>
@@ -17748,10 +17304,10 @@
       </p:pic>
       <p:sp>
         <p:nvSpPr>
-          <p:cNvPr id="6" name="Arrow: Right 5">
-            <a:extLst>
-              <a:ext uri="{FF2B5EF4-FFF2-40B4-BE49-F238E27FC236}">
-                <a16:creationId xmlns:a16="http://schemas.microsoft.com/office/drawing/2014/main" id="{F9B0E4F8-7F82-0561-FAC8-B6A07A97764E}"/>
+          <p:cNvPr id="7" name="Arrow: Right 20">
+            <a:extLst>
+              <a:ext uri="{FF2B5EF4-FFF2-40B4-BE49-F238E27FC236}">
+                <a16:creationId xmlns:a16="http://schemas.microsoft.com/office/drawing/2014/main" id="{ED145A00-D596-CDF3-4477-97DB04DA0FC2}"/>
               </a:ext>
             </a:extLst>
           </p:cNvPr>
@@ -17760,8 +17316,8 @@
         </p:nvSpPr>
         <p:spPr>
           <a:xfrm>
-            <a:off x="5734214" y="2733643"/>
-            <a:ext cx="930935" cy="149324"/>
+            <a:off x="5650591" y="4949906"/>
+            <a:ext cx="1238783" cy="338406"/>
           </a:xfrm>
           <a:prstGeom prst="rightArrow">
             <a:avLst/>
@@ -17792,118 +17348,12 @@
           </a:p>
         </p:txBody>
       </p:sp>
-      <p:pic>
-        <p:nvPicPr>
-          <p:cNvPr id="7" name="Picture 6">
-            <a:extLst>
-              <a:ext uri="{FF2B5EF4-FFF2-40B4-BE49-F238E27FC236}">
-                <a16:creationId xmlns:a16="http://schemas.microsoft.com/office/drawing/2014/main" id="{DAC8BDED-72F8-13D0-8E49-E06BBA25C9DD}"/>
-              </a:ext>
-            </a:extLst>
-          </p:cNvPr>
-          <p:cNvPicPr>
-            <a:picLocks noChangeAspect="1"/>
-          </p:cNvPicPr>
-          <p:nvPr/>
-        </p:nvPicPr>
-        <p:blipFill>
-          <a:blip r:embed="rId4"/>
-          <a:stretch>
-            <a:fillRect/>
-          </a:stretch>
-        </p:blipFill>
-        <p:spPr>
-          <a:xfrm>
-            <a:off x="6737438" y="1475997"/>
-            <a:ext cx="2212272" cy="1981486"/>
-          </a:xfrm>
-          <a:prstGeom prst="rect">
-            <a:avLst/>
-          </a:prstGeom>
-        </p:spPr>
-      </p:pic>
-      <p:pic>
-        <p:nvPicPr>
-          <p:cNvPr id="8" name="Picture 7">
-            <a:extLst>
-              <a:ext uri="{FF2B5EF4-FFF2-40B4-BE49-F238E27FC236}">
-                <a16:creationId xmlns:a16="http://schemas.microsoft.com/office/drawing/2014/main" id="{E99A1F55-C470-D2D8-969B-7158BE808805}"/>
-              </a:ext>
-            </a:extLst>
-          </p:cNvPr>
-          <p:cNvPicPr>
-            <a:picLocks noChangeAspect="1"/>
-          </p:cNvPicPr>
-          <p:nvPr/>
-        </p:nvPicPr>
-        <p:blipFill>
-          <a:blip r:embed="rId5"/>
-          <a:stretch>
-            <a:fillRect/>
-          </a:stretch>
-        </p:blipFill>
-        <p:spPr>
-          <a:xfrm>
-            <a:off x="6923718" y="3454452"/>
-            <a:ext cx="2047996" cy="1965967"/>
-          </a:xfrm>
-          <a:prstGeom prst="rect">
-            <a:avLst/>
-          </a:prstGeom>
-        </p:spPr>
-      </p:pic>
-      <p:sp>
-        <p:nvSpPr>
-          <p:cNvPr id="9" name="Arrow: Right 10">
-            <a:extLst>
-              <a:ext uri="{FF2B5EF4-FFF2-40B4-BE49-F238E27FC236}">
-                <a16:creationId xmlns:a16="http://schemas.microsoft.com/office/drawing/2014/main" id="{F5905672-9F34-93EA-CF1A-8E933E0B9490}"/>
-              </a:ext>
-            </a:extLst>
-          </p:cNvPr>
-          <p:cNvSpPr/>
-          <p:nvPr/>
-        </p:nvSpPr>
-        <p:spPr>
-          <a:xfrm>
-            <a:off x="5798855" y="3724781"/>
-            <a:ext cx="930935" cy="149324"/>
-          </a:xfrm>
-          <a:prstGeom prst="rightArrow">
-            <a:avLst/>
-          </a:prstGeom>
-        </p:spPr>
-        <p:style>
-          <a:lnRef idx="2">
-            <a:schemeClr val="accent1">
-              <a:shade val="15000"/>
-            </a:schemeClr>
-          </a:lnRef>
-          <a:fillRef idx="1">
-            <a:schemeClr val="accent1"/>
-          </a:fillRef>
-          <a:effectRef idx="0">
-            <a:schemeClr val="accent1"/>
-          </a:effectRef>
-          <a:fontRef idx="minor">
-            <a:schemeClr val="lt1"/>
-          </a:fontRef>
-        </p:style>
-        <p:txBody>
-          <a:bodyPr rtlCol="0" anchor="ctr"/>
-          <a:lstStyle/>
-          <a:p>
-            <a:pPr algn="ctr"/>
-            <a:endParaRPr lang="en-GB"/>
-          </a:p>
-        </p:txBody>
-      </p:sp>
       <p:sp>
         <p:nvSpPr>
           <p:cNvPr id="10" name="TextBox 9">
             <a:extLst>
               <a:ext uri="{FF2B5EF4-FFF2-40B4-BE49-F238E27FC236}">
-                <a16:creationId xmlns:a16="http://schemas.microsoft.com/office/drawing/2014/main" id="{6B0162B6-1551-B150-781C-8B2AFDB1537D}"/>
+                <a16:creationId xmlns:a16="http://schemas.microsoft.com/office/drawing/2014/main" id="{47A9BE98-C96E-3B41-928A-CE985A8C8E3E}"/>
               </a:ext>
             </a:extLst>
           </p:cNvPr>
@@ -17912,8 +17362,8 @@
         </p:nvSpPr>
         <p:spPr>
           <a:xfrm>
-            <a:off x="147710" y="5456100"/>
-            <a:ext cx="9755035" cy="923330"/>
+            <a:off x="567790" y="6051002"/>
+            <a:ext cx="6083577" cy="1292662"/>
           </a:xfrm>
           <a:prstGeom prst="rect">
             <a:avLst/>
@@ -17926,52 +17376,19 @@
           </a:bodyPr>
           <a:lstStyle/>
           <a:p>
-            <a:pPr marL="285750" indent="-285750">
-              <a:buFont typeface="Arial" panose="020B0604020202020204" pitchFamily="34" charset="0"/>
-              <a:buChar char="•"/>
-            </a:pPr>
+            <a:r>
+              <a:rPr lang="en-GB" sz="1400" b="1" dirty="0"/>
+              <a:t>KNN Model(Smote), </a:t>
+            </a:r>
+            <a:r>
+              <a:rPr lang="en-GB" sz="1400" dirty="0"/>
+              <a:t>with  30 people who actually have Stroke, model  is predicting them as they don’t have stroke while 228 are those who actually do not have stroke and model is predicting them as they have stroke. </a:t>
+            </a:r>
+          </a:p>
+          <a:p>
             <a:r>
               <a:rPr lang="en-GB" dirty="0"/>
-              <a:t>In Decision Tree Model 52 people who actually have Stroke, model  is predicting them as they don’t have stroke while 67 are those who actually do not have stroke and model is predicting them as they have stroke.</a:t>
-            </a:r>
-          </a:p>
-        </p:txBody>
-      </p:sp>
-      <p:sp>
-        <p:nvSpPr>
-          <p:cNvPr id="11" name="TextBox 10">
-            <a:extLst>
-              <a:ext uri="{FF2B5EF4-FFF2-40B4-BE49-F238E27FC236}">
-                <a16:creationId xmlns:a16="http://schemas.microsoft.com/office/drawing/2014/main" id="{81282414-83C4-FDFB-E63C-2C3D854D911A}"/>
-              </a:ext>
-            </a:extLst>
-          </p:cNvPr>
-          <p:cNvSpPr txBox="1"/>
-          <p:nvPr/>
-        </p:nvSpPr>
-        <p:spPr>
-          <a:xfrm>
-            <a:off x="122957" y="6338671"/>
-            <a:ext cx="9755035" cy="1200329"/>
-          </a:xfrm>
-          <a:prstGeom prst="rect">
-            <a:avLst/>
-          </a:prstGeom>
-          <a:noFill/>
-        </p:spPr>
-        <p:txBody>
-          <a:bodyPr wrap="square" rtlCol="0">
-            <a:spAutoFit/>
-          </a:bodyPr>
-          <a:lstStyle/>
-          <a:p>
-            <a:pPr marL="285750" indent="-285750">
-              <a:buFont typeface="Arial" panose="020B0604020202020204" pitchFamily="34" charset="0"/>
-              <a:buChar char="•"/>
-            </a:pPr>
-            <a:r>
-              <a:rPr lang="en-GB" dirty="0"/>
-              <a:t>In Random Forest Model 59 people who actually have Stroke, model  is predicting them as they don’t have stroke while 13 are those who actually do not have stroke and model is predicting them as they have stroke.</a:t>
+              <a:t>Logistic Regression Model (Oversampled): FN is 16 ,FP is 309</a:t>
             </a:r>
           </a:p>
           <a:p>
@@ -17982,7 +17399,7 @@
     </p:spTree>
     <p:extLst>
       <p:ext uri="{BB962C8B-B14F-4D97-AF65-F5344CB8AC3E}">
-        <p14:creationId xmlns:p14="http://schemas.microsoft.com/office/powerpoint/2010/main" val="3151952891"/>
+        <p14:creationId xmlns:p14="http://schemas.microsoft.com/office/powerpoint/2010/main" val="2888708004"/>
       </p:ext>
     </p:extLst>
   </p:cSld>
@@ -17992,7 +17409,7 @@
 </p:sld>
 </file>
 
-<file path=ppt/slides/slide19.xml><?xml version="1.0" encoding="utf-8"?>
+<file path=ppt/slides/slide18.xml><?xml version="1.0" encoding="utf-8"?>
 <p:sld xmlns:a="http://schemas.openxmlformats.org/drawingml/2006/main" xmlns:r="http://schemas.openxmlformats.org/officeDocument/2006/relationships" xmlns:p="http://schemas.openxmlformats.org/presentationml/2006/main">
   <p:cSld>
     <p:bg>
@@ -18494,66 +17911,6 @@
           </a:p>
         </p:txBody>
       </p:sp>
-      <p:pic>
-        <p:nvPicPr>
-          <p:cNvPr id="16" name="Picture 15">
-            <a:extLst>
-              <a:ext uri="{FF2B5EF4-FFF2-40B4-BE49-F238E27FC236}">
-                <a16:creationId xmlns:a16="http://schemas.microsoft.com/office/drawing/2014/main" id="{41A21678-87BA-5B8C-8D23-B8B711E81B73}"/>
-              </a:ext>
-            </a:extLst>
-          </p:cNvPr>
-          <p:cNvPicPr>
-            <a:picLocks noChangeAspect="1"/>
-          </p:cNvPicPr>
-          <p:nvPr/>
-        </p:nvPicPr>
-        <p:blipFill>
-          <a:blip r:embed="rId3"/>
-          <a:stretch>
-            <a:fillRect/>
-          </a:stretch>
-        </p:blipFill>
-        <p:spPr>
-          <a:xfrm>
-            <a:off x="308753" y="2271842"/>
-            <a:ext cx="5545544" cy="1929670"/>
-          </a:xfrm>
-          <a:prstGeom prst="rect">
-            <a:avLst/>
-          </a:prstGeom>
-        </p:spPr>
-      </p:pic>
-      <p:pic>
-        <p:nvPicPr>
-          <p:cNvPr id="17" name="Picture 16">
-            <a:extLst>
-              <a:ext uri="{FF2B5EF4-FFF2-40B4-BE49-F238E27FC236}">
-                <a16:creationId xmlns:a16="http://schemas.microsoft.com/office/drawing/2014/main" id="{1DB68035-A77C-F69E-C40C-BCA8299775E5}"/>
-              </a:ext>
-            </a:extLst>
-          </p:cNvPr>
-          <p:cNvPicPr>
-            <a:picLocks noChangeAspect="1"/>
-          </p:cNvPicPr>
-          <p:nvPr/>
-        </p:nvPicPr>
-        <p:blipFill>
-          <a:blip r:embed="rId4"/>
-          <a:stretch>
-            <a:fillRect/>
-          </a:stretch>
-        </p:blipFill>
-        <p:spPr>
-          <a:xfrm>
-            <a:off x="7496139" y="2319902"/>
-            <a:ext cx="2113829" cy="2082189"/>
-          </a:xfrm>
-          <a:prstGeom prst="rect">
-            <a:avLst/>
-          </a:prstGeom>
-        </p:spPr>
-      </p:pic>
       <p:sp>
         <p:nvSpPr>
           <p:cNvPr id="18" name="Arrow: Right 20">
@@ -18568,7 +17925,7 @@
         </p:nvSpPr>
         <p:spPr>
           <a:xfrm>
-            <a:off x="6081249" y="3161215"/>
+            <a:off x="5864682" y="3522160"/>
             <a:ext cx="1238783" cy="338406"/>
           </a:xfrm>
           <a:prstGeom prst="rightArrow">
@@ -18602,10 +17959,10 @@
       </p:sp>
       <p:sp>
         <p:nvSpPr>
-          <p:cNvPr id="19" name="TextBox 18">
-            <a:extLst>
-              <a:ext uri="{FF2B5EF4-FFF2-40B4-BE49-F238E27FC236}">
-                <a16:creationId xmlns:a16="http://schemas.microsoft.com/office/drawing/2014/main" id="{CED22466-95B4-A975-053C-E5CAD3B7C2EE}"/>
+          <p:cNvPr id="2" name="TextBox 1">
+            <a:extLst>
+              <a:ext uri="{FF2B5EF4-FFF2-40B4-BE49-F238E27FC236}">
+                <a16:creationId xmlns:a16="http://schemas.microsoft.com/office/drawing/2014/main" id="{CC1D5DB6-9EDE-F3E8-F893-0FAEF03EE8F4}"/>
               </a:ext>
             </a:extLst>
           </p:cNvPr>
@@ -18614,8 +17971,8 @@
         </p:nvSpPr>
         <p:spPr>
           <a:xfrm>
-            <a:off x="2041394" y="4947075"/>
-            <a:ext cx="5754311" cy="923330"/>
+            <a:off x="1957899" y="5608161"/>
+            <a:ext cx="6705600" cy="923330"/>
           </a:xfrm>
           <a:prstGeom prst="rect">
             <a:avLst/>
@@ -18629,12 +17986,76 @@
           <a:lstStyle/>
           <a:p>
             <a:r>
+              <a:rPr lang="en-GB" b="1" dirty="0"/>
+              <a:t>SVM with Oversampled Data </a:t>
+            </a:r>
+            <a:r>
               <a:rPr lang="en-GB" dirty="0"/>
-              <a:t>SVM with Oversampled Data shows some promising results with a recall for Stroke1 81% and with 12 FN. Though the number of FP is quite High.  </a:t>
+              <a:t>shows some promising results with a recall for Stroke1 77% and with 14 FN. Though the number of FP is High.  </a:t>
             </a:r>
           </a:p>
         </p:txBody>
       </p:sp>
+      <p:pic>
+        <p:nvPicPr>
+          <p:cNvPr id="4" name="Picture 3">
+            <a:extLst>
+              <a:ext uri="{FF2B5EF4-FFF2-40B4-BE49-F238E27FC236}">
+                <a16:creationId xmlns:a16="http://schemas.microsoft.com/office/drawing/2014/main" id="{6E3FB56E-170C-F886-5758-E3F33C2D73A1}"/>
+              </a:ext>
+            </a:extLst>
+          </p:cNvPr>
+          <p:cNvPicPr>
+            <a:picLocks noChangeAspect="1"/>
+          </p:cNvPicPr>
+          <p:nvPr/>
+        </p:nvPicPr>
+        <p:blipFill>
+          <a:blip r:embed="rId3"/>
+          <a:stretch>
+            <a:fillRect/>
+          </a:stretch>
+        </p:blipFill>
+        <p:spPr>
+          <a:xfrm>
+            <a:off x="308753" y="2632328"/>
+            <a:ext cx="5029199" cy="1842222"/>
+          </a:xfrm>
+          <a:prstGeom prst="rect">
+            <a:avLst/>
+          </a:prstGeom>
+        </p:spPr>
+      </p:pic>
+      <p:pic>
+        <p:nvPicPr>
+          <p:cNvPr id="5" name="Picture 4">
+            <a:extLst>
+              <a:ext uri="{FF2B5EF4-FFF2-40B4-BE49-F238E27FC236}">
+                <a16:creationId xmlns:a16="http://schemas.microsoft.com/office/drawing/2014/main" id="{77C6D20E-DB41-EA7B-8F85-119C52A19290}"/>
+              </a:ext>
+            </a:extLst>
+          </p:cNvPr>
+          <p:cNvPicPr>
+            <a:picLocks noChangeAspect="1"/>
+          </p:cNvPicPr>
+          <p:nvPr/>
+        </p:nvPicPr>
+        <p:blipFill>
+          <a:blip r:embed="rId4"/>
+          <a:stretch>
+            <a:fillRect/>
+          </a:stretch>
+        </p:blipFill>
+        <p:spPr>
+          <a:xfrm>
+            <a:off x="7333382" y="2242252"/>
+            <a:ext cx="2325382" cy="2857506"/>
+          </a:xfrm>
+          <a:prstGeom prst="rect">
+            <a:avLst/>
+          </a:prstGeom>
+        </p:spPr>
+      </p:pic>
     </p:spTree>
     <p:extLst>
       <p:ext uri="{BB962C8B-B14F-4D97-AF65-F5344CB8AC3E}">
@@ -18648,721 +18069,7 @@
 </p:sld>
 </file>
 
-<file path=ppt/slides/slide2.xml><?xml version="1.0" encoding="utf-8"?>
-<p:sld xmlns:a="http://schemas.openxmlformats.org/drawingml/2006/main" xmlns:r="http://schemas.openxmlformats.org/officeDocument/2006/relationships" xmlns:p="http://schemas.openxmlformats.org/presentationml/2006/main">
-  <p:cSld>
-    <p:bg>
-      <p:bgPr>
-        <a:solidFill>
-          <a:schemeClr val="bg1"/>
-        </a:solidFill>
-        <a:effectLst/>
-      </p:bgPr>
-    </p:bg>
-    <p:spTree>
-      <p:nvGrpSpPr>
-        <p:cNvPr id="1" name="">
-          <a:extLst>
-            <a:ext uri="{FF2B5EF4-FFF2-40B4-BE49-F238E27FC236}">
-              <a16:creationId xmlns:a16="http://schemas.microsoft.com/office/drawing/2014/main" id="{02984243-06AA-7503-EAE6-C43F12132B68}"/>
-            </a:ext>
-          </a:extLst>
-        </p:cNvPr>
-        <p:cNvGrpSpPr/>
-        <p:nvPr/>
-      </p:nvGrpSpPr>
-      <p:grpSpPr>
-        <a:xfrm>
-          <a:off x="0" y="0"/>
-          <a:ext cx="0" cy="0"/>
-          <a:chOff x="0" y="0"/>
-          <a:chExt cx="0" cy="0"/>
-        </a:xfrm>
-      </p:grpSpPr>
-      <p:sp>
-        <p:nvSpPr>
-          <p:cNvPr id="27" name="Rectangle 26">
-            <a:extLst>
-              <a:ext uri="{FF2B5EF4-FFF2-40B4-BE49-F238E27FC236}">
-                <a16:creationId xmlns:a16="http://schemas.microsoft.com/office/drawing/2014/main" id="{73CDEEF2-1AB3-80D1-CDA4-608C51A8E1C7}"/>
-              </a:ext>
-              <a:ext uri="{C183D7F6-B498-43B3-948B-1728B52AA6E4}">
-                <adec:decorative xmlns:adec="http://schemas.microsoft.com/office/drawing/2017/decorative" val="1"/>
-              </a:ext>
-            </a:extLst>
-          </p:cNvPr>
-          <p:cNvSpPr>
-            <a:spLocks noGrp="1" noRot="1" noChangeAspect="1" noMove="1" noResize="1" noEditPoints="1" noAdjustHandles="1" noChangeArrowheads="1" noChangeShapeType="1" noTextEdit="1"/>
-          </p:cNvSpPr>
-          <p:nvPr>
-            <p:extLst>
-              <p:ext uri="{386F3935-93C4-4BCD-93E2-E3B085C9AB24}">
-                <p16:designElem xmlns:p16="http://schemas.microsoft.com/office/powerpoint/2015/main" val="1"/>
-              </p:ext>
-            </p:extLst>
-          </p:nvPr>
-        </p:nvSpPr>
-        <p:spPr>
-          <a:xfrm>
-            <a:off x="0" y="0"/>
-            <a:ext cx="10058400" cy="7772400"/>
-          </a:xfrm>
-          <a:prstGeom prst="rect">
-            <a:avLst/>
-          </a:prstGeom>
-          <a:solidFill>
-            <a:schemeClr val="bg1"/>
-          </a:solidFill>
-          <a:ln>
-            <a:noFill/>
-          </a:ln>
-        </p:spPr>
-        <p:style>
-          <a:lnRef idx="2">
-            <a:schemeClr val="accent1">
-              <a:shade val="50000"/>
-            </a:schemeClr>
-          </a:lnRef>
-          <a:fillRef idx="1">
-            <a:schemeClr val="accent1"/>
-          </a:fillRef>
-          <a:effectRef idx="0">
-            <a:schemeClr val="accent1"/>
-          </a:effectRef>
-          <a:fontRef idx="minor">
-            <a:schemeClr val="lt1"/>
-          </a:fontRef>
-        </p:style>
-        <p:txBody>
-          <a:bodyPr rtlCol="0" anchor="ctr"/>
-          <a:lstStyle/>
-          <a:p>
-            <a:pPr algn="ctr"/>
-            <a:endParaRPr lang="en-US" dirty="0"/>
-          </a:p>
-        </p:txBody>
-      </p:sp>
-      <p:sp>
-        <p:nvSpPr>
-          <p:cNvPr id="29" name="Freeform: Shape 28">
-            <a:extLst>
-              <a:ext uri="{FF2B5EF4-FFF2-40B4-BE49-F238E27FC236}">
-                <a16:creationId xmlns:a16="http://schemas.microsoft.com/office/drawing/2014/main" id="{7C7D98AB-74B6-9E79-6551-31459B530EA0}"/>
-              </a:ext>
-              <a:ext uri="{C183D7F6-B498-43B3-948B-1728B52AA6E4}">
-                <adec:decorative xmlns:adec="http://schemas.microsoft.com/office/drawing/2017/decorative" val="1"/>
-              </a:ext>
-            </a:extLst>
-          </p:cNvPr>
-          <p:cNvSpPr>
-            <a:spLocks noGrp="1" noRot="1" noChangeAspect="1" noMove="1" noResize="1" noEditPoints="1" noAdjustHandles="1" noChangeArrowheads="1" noChangeShapeType="1" noTextEdit="1"/>
-          </p:cNvSpPr>
-          <p:nvPr>
-            <p:extLst>
-              <p:ext uri="{386F3935-93C4-4BCD-93E2-E3B085C9AB24}">
-                <p16:designElem xmlns:p16="http://schemas.microsoft.com/office/powerpoint/2015/main" val="1"/>
-              </p:ext>
-            </p:extLst>
-          </p:nvPr>
-        </p:nvSpPr>
-        <p:spPr>
-          <a:xfrm rot="18900000" flipH="1">
-            <a:off x="-310328" y="-287492"/>
-            <a:ext cx="1507800" cy="1560586"/>
-          </a:xfrm>
-          <a:custGeom>
-            <a:avLst/>
-            <a:gdLst>
-              <a:gd name="connsiteX0" fmla="*/ 0 w 1827638"/>
-              <a:gd name="connsiteY0" fmla="*/ 987379 h 1376989"/>
-              <a:gd name="connsiteX1" fmla="*/ 987379 w 1827638"/>
-              <a:gd name="connsiteY1" fmla="*/ 0 h 1376989"/>
-              <a:gd name="connsiteX2" fmla="*/ 1827638 w 1827638"/>
-              <a:gd name="connsiteY2" fmla="*/ 840260 h 1376989"/>
-              <a:gd name="connsiteX3" fmla="*/ 1827638 w 1827638"/>
-              <a:gd name="connsiteY3" fmla="*/ 1376989 h 1376989"/>
-              <a:gd name="connsiteX4" fmla="*/ 0 w 1827638"/>
-              <a:gd name="connsiteY4" fmla="*/ 1376989 h 1376989"/>
-            </a:gdLst>
-            <a:ahLst/>
-            <a:cxnLst>
-              <a:cxn ang="0">
-                <a:pos x="connsiteX0" y="connsiteY0"/>
-              </a:cxn>
-              <a:cxn ang="0">
-                <a:pos x="connsiteX1" y="connsiteY1"/>
-              </a:cxn>
-              <a:cxn ang="0">
-                <a:pos x="connsiteX2" y="connsiteY2"/>
-              </a:cxn>
-              <a:cxn ang="0">
-                <a:pos x="connsiteX3" y="connsiteY3"/>
-              </a:cxn>
-              <a:cxn ang="0">
-                <a:pos x="connsiteX4" y="connsiteY4"/>
-              </a:cxn>
-            </a:cxnLst>
-            <a:rect l="l" t="t" r="r" b="b"/>
-            <a:pathLst>
-              <a:path w="1827638" h="1376989">
-                <a:moveTo>
-                  <a:pt x="0" y="987379"/>
-                </a:moveTo>
-                <a:lnTo>
-                  <a:pt x="987379" y="0"/>
-                </a:lnTo>
-                <a:lnTo>
-                  <a:pt x="1827638" y="840260"/>
-                </a:lnTo>
-                <a:lnTo>
-                  <a:pt x="1827638" y="1376989"/>
-                </a:lnTo>
-                <a:lnTo>
-                  <a:pt x="0" y="1376989"/>
-                </a:lnTo>
-                <a:close/>
-              </a:path>
-            </a:pathLst>
-          </a:custGeom>
-          <a:solidFill>
-            <a:schemeClr val="accent1">
-              <a:alpha val="30000"/>
-            </a:schemeClr>
-          </a:solidFill>
-          <a:ln>
-            <a:noFill/>
-          </a:ln>
-        </p:spPr>
-        <p:style>
-          <a:lnRef idx="2">
-            <a:schemeClr val="accent1">
-              <a:shade val="50000"/>
-            </a:schemeClr>
-          </a:lnRef>
-          <a:fillRef idx="1">
-            <a:schemeClr val="accent1"/>
-          </a:fillRef>
-          <a:effectRef idx="0">
-            <a:schemeClr val="accent1"/>
-          </a:effectRef>
-          <a:fontRef idx="minor">
-            <a:schemeClr val="lt1"/>
-          </a:fontRef>
-        </p:style>
-        <p:txBody>
-          <a:bodyPr rtlCol="0" anchor="ctr"/>
-          <a:lstStyle/>
-          <a:p>
-            <a:pPr algn="ctr"/>
-            <a:endParaRPr lang="en-US" dirty="0"/>
-          </a:p>
-        </p:txBody>
-      </p:sp>
-      <p:sp>
-        <p:nvSpPr>
-          <p:cNvPr id="31" name="Rectangle 30">
-            <a:extLst>
-              <a:ext uri="{FF2B5EF4-FFF2-40B4-BE49-F238E27FC236}">
-                <a16:creationId xmlns:a16="http://schemas.microsoft.com/office/drawing/2014/main" id="{E02A97E4-FFF3-59F6-2E50-A49A1B875210}"/>
-              </a:ext>
-              <a:ext uri="{C183D7F6-B498-43B3-948B-1728B52AA6E4}">
-                <adec:decorative xmlns:adec="http://schemas.microsoft.com/office/drawing/2017/decorative" val="1"/>
-              </a:ext>
-            </a:extLst>
-          </p:cNvPr>
-          <p:cNvSpPr>
-            <a:spLocks noGrp="1" noRot="1" noChangeAspect="1" noMove="1" noResize="1" noEditPoints="1" noAdjustHandles="1" noChangeArrowheads="1" noChangeShapeType="1" noTextEdit="1"/>
-          </p:cNvSpPr>
-          <p:nvPr>
-            <p:extLst>
-              <p:ext uri="{386F3935-93C4-4BCD-93E2-E3B085C9AB24}">
-                <p16:designElem xmlns:p16="http://schemas.microsoft.com/office/powerpoint/2015/main" val="1"/>
-              </p:ext>
-            </p:extLst>
-          </p:nvPr>
-        </p:nvSpPr>
-        <p:spPr>
-          <a:xfrm rot="18900000" flipH="1">
-            <a:off x="735603" y="478432"/>
-            <a:ext cx="532429" cy="731417"/>
-          </a:xfrm>
-          <a:prstGeom prst="rect">
-            <a:avLst/>
-          </a:prstGeom>
-          <a:solidFill>
-            <a:schemeClr val="accent1">
-              <a:alpha val="30000"/>
-            </a:schemeClr>
-          </a:solidFill>
-          <a:ln>
-            <a:noFill/>
-          </a:ln>
-        </p:spPr>
-        <p:style>
-          <a:lnRef idx="2">
-            <a:schemeClr val="accent1">
-              <a:shade val="50000"/>
-            </a:schemeClr>
-          </a:lnRef>
-          <a:fillRef idx="1">
-            <a:schemeClr val="accent1"/>
-          </a:fillRef>
-          <a:effectRef idx="0">
-            <a:schemeClr val="accent1"/>
-          </a:effectRef>
-          <a:fontRef idx="minor">
-            <a:schemeClr val="lt1"/>
-          </a:fontRef>
-        </p:style>
-        <p:txBody>
-          <a:bodyPr rtlCol="0" anchor="ctr"/>
-          <a:lstStyle/>
-          <a:p>
-            <a:pPr algn="ctr"/>
-            <a:endParaRPr lang="en-US"/>
-          </a:p>
-        </p:txBody>
-      </p:sp>
-      <p:sp>
-        <p:nvSpPr>
-          <p:cNvPr id="33" name="Rectangle 32">
-            <a:extLst>
-              <a:ext uri="{FF2B5EF4-FFF2-40B4-BE49-F238E27FC236}">
-                <a16:creationId xmlns:a16="http://schemas.microsoft.com/office/drawing/2014/main" id="{7D5189F2-CEF8-E33C-1F6D-25FADC8721D8}"/>
-              </a:ext>
-              <a:ext uri="{C183D7F6-B498-43B3-948B-1728B52AA6E4}">
-                <adec:decorative xmlns:adec="http://schemas.microsoft.com/office/drawing/2017/decorative" val="1"/>
-              </a:ext>
-            </a:extLst>
-          </p:cNvPr>
-          <p:cNvSpPr>
-            <a:spLocks noGrp="1" noRot="1" noChangeAspect="1" noMove="1" noResize="1" noEditPoints="1" noAdjustHandles="1" noChangeArrowheads="1" noChangeShapeType="1" noTextEdit="1"/>
-          </p:cNvSpPr>
-          <p:nvPr>
-            <p:extLst>
-              <p:ext uri="{386F3935-93C4-4BCD-93E2-E3B085C9AB24}">
-                <p16:designElem xmlns:p16="http://schemas.microsoft.com/office/powerpoint/2015/main" val="1"/>
-              </p:ext>
-            </p:extLst>
-          </p:nvPr>
-        </p:nvSpPr>
-        <p:spPr>
-          <a:xfrm rot="18900000" flipH="1">
-            <a:off x="8285872" y="742492"/>
-            <a:ext cx="567165" cy="779134"/>
-          </a:xfrm>
-          <a:prstGeom prst="rect">
-            <a:avLst/>
-          </a:prstGeom>
-          <a:solidFill>
-            <a:schemeClr val="accent4">
-              <a:alpha val="30000"/>
-            </a:schemeClr>
-          </a:solidFill>
-          <a:ln>
-            <a:noFill/>
-          </a:ln>
-        </p:spPr>
-        <p:style>
-          <a:lnRef idx="2">
-            <a:schemeClr val="accent1">
-              <a:shade val="50000"/>
-            </a:schemeClr>
-          </a:lnRef>
-          <a:fillRef idx="1">
-            <a:schemeClr val="accent1"/>
-          </a:fillRef>
-          <a:effectRef idx="0">
-            <a:schemeClr val="accent1"/>
-          </a:effectRef>
-          <a:fontRef idx="minor">
-            <a:schemeClr val="lt1"/>
-          </a:fontRef>
-        </p:style>
-        <p:txBody>
-          <a:bodyPr rtlCol="0" anchor="ctr"/>
-          <a:lstStyle/>
-          <a:p>
-            <a:pPr algn="ctr"/>
-            <a:endParaRPr lang="en-US"/>
-          </a:p>
-        </p:txBody>
-      </p:sp>
-      <p:sp>
-        <p:nvSpPr>
-          <p:cNvPr id="35" name="Freeform: Shape 34">
-            <a:extLst>
-              <a:ext uri="{FF2B5EF4-FFF2-40B4-BE49-F238E27FC236}">
-                <a16:creationId xmlns:a16="http://schemas.microsoft.com/office/drawing/2014/main" id="{88944EF9-2B55-2555-0F0D-1F9070FAB8F6}"/>
-              </a:ext>
-              <a:ext uri="{C183D7F6-B498-43B3-948B-1728B52AA6E4}">
-                <adec:decorative xmlns:adec="http://schemas.microsoft.com/office/drawing/2017/decorative" val="1"/>
-              </a:ext>
-            </a:extLst>
-          </p:cNvPr>
-          <p:cNvSpPr>
-            <a:spLocks noGrp="1" noRot="1" noChangeAspect="1" noMove="1" noResize="1" noEditPoints="1" noAdjustHandles="1" noChangeArrowheads="1" noChangeShapeType="1" noTextEdit="1"/>
-          </p:cNvSpPr>
-          <p:nvPr>
-            <p:extLst>
-              <p:ext uri="{386F3935-93C4-4BCD-93E2-E3B085C9AB24}">
-                <p16:designElem xmlns:p16="http://schemas.microsoft.com/office/powerpoint/2015/main" val="1"/>
-              </p:ext>
-            </p:extLst>
-          </p:nvPr>
-        </p:nvSpPr>
-        <p:spPr>
-          <a:xfrm rot="10800000" flipH="1">
-            <a:off x="7719230" y="0"/>
-            <a:ext cx="2339170" cy="1678281"/>
-          </a:xfrm>
-          <a:custGeom>
-            <a:avLst/>
-            <a:gdLst>
-              <a:gd name="connsiteX0" fmla="*/ 2835357 w 2835357"/>
-              <a:gd name="connsiteY0" fmla="*/ 1480837 h 1480837"/>
-              <a:gd name="connsiteX1" fmla="*/ 0 w 2835357"/>
-              <a:gd name="connsiteY1" fmla="*/ 1480837 h 1480837"/>
-              <a:gd name="connsiteX2" fmla="*/ 1552727 w 2835357"/>
-              <a:gd name="connsiteY2" fmla="*/ 0 h 1480837"/>
-              <a:gd name="connsiteX3" fmla="*/ 2835357 w 2835357"/>
-              <a:gd name="connsiteY3" fmla="*/ 1223245 h 1480837"/>
-            </a:gdLst>
-            <a:ahLst/>
-            <a:cxnLst>
-              <a:cxn ang="0">
-                <a:pos x="connsiteX0" y="connsiteY0"/>
-              </a:cxn>
-              <a:cxn ang="0">
-                <a:pos x="connsiteX1" y="connsiteY1"/>
-              </a:cxn>
-              <a:cxn ang="0">
-                <a:pos x="connsiteX2" y="connsiteY2"/>
-              </a:cxn>
-              <a:cxn ang="0">
-                <a:pos x="connsiteX3" y="connsiteY3"/>
-              </a:cxn>
-            </a:cxnLst>
-            <a:rect l="l" t="t" r="r" b="b"/>
-            <a:pathLst>
-              <a:path w="2835357" h="1480837">
-                <a:moveTo>
-                  <a:pt x="2835357" y="1480837"/>
-                </a:moveTo>
-                <a:lnTo>
-                  <a:pt x="0" y="1480837"/>
-                </a:lnTo>
-                <a:lnTo>
-                  <a:pt x="1552727" y="0"/>
-                </a:lnTo>
-                <a:lnTo>
-                  <a:pt x="2835357" y="1223245"/>
-                </a:lnTo>
-                <a:close/>
-              </a:path>
-            </a:pathLst>
-          </a:custGeom>
-          <a:solidFill>
-            <a:schemeClr val="accent4">
-              <a:alpha val="30000"/>
-            </a:schemeClr>
-          </a:solidFill>
-          <a:ln>
-            <a:noFill/>
-          </a:ln>
-        </p:spPr>
-        <p:style>
-          <a:lnRef idx="2">
-            <a:schemeClr val="accent1">
-              <a:shade val="50000"/>
-            </a:schemeClr>
-          </a:lnRef>
-          <a:fillRef idx="1">
-            <a:schemeClr val="accent1"/>
-          </a:fillRef>
-          <a:effectRef idx="0">
-            <a:schemeClr val="accent1"/>
-          </a:effectRef>
-          <a:fontRef idx="minor">
-            <a:schemeClr val="lt1"/>
-          </a:fontRef>
-        </p:style>
-        <p:txBody>
-          <a:bodyPr wrap="square" rtlCol="0" anchor="ctr">
-            <a:noAutofit/>
-          </a:bodyPr>
-          <a:lstStyle/>
-          <a:p>
-            <a:pPr algn="ctr"/>
-            <a:endParaRPr lang="en-US" dirty="0"/>
-          </a:p>
-        </p:txBody>
-      </p:sp>
-      <p:sp>
-        <p:nvSpPr>
-          <p:cNvPr id="37" name="Isosceles Triangle 36">
-            <a:extLst>
-              <a:ext uri="{FF2B5EF4-FFF2-40B4-BE49-F238E27FC236}">
-                <a16:creationId xmlns:a16="http://schemas.microsoft.com/office/drawing/2014/main" id="{39D0DBA3-22C1-A7AD-5B65-E017A98F619A}"/>
-              </a:ext>
-              <a:ext uri="{C183D7F6-B498-43B3-948B-1728B52AA6E4}">
-                <adec:decorative xmlns:adec="http://schemas.microsoft.com/office/drawing/2017/decorative" val="1"/>
-              </a:ext>
-            </a:extLst>
-          </p:cNvPr>
-          <p:cNvSpPr>
-            <a:spLocks noGrp="1" noRot="1" noChangeAspect="1" noMove="1" noResize="1" noEditPoints="1" noAdjustHandles="1" noChangeArrowheads="1" noChangeShapeType="1" noTextEdit="1"/>
-          </p:cNvSpPr>
-          <p:nvPr>
-            <p:extLst>
-              <p:ext uri="{386F3935-93C4-4BCD-93E2-E3B085C9AB24}">
-                <p16:designElem xmlns:p16="http://schemas.microsoft.com/office/powerpoint/2015/main" val="1"/>
-              </p:ext>
-            </p:extLst>
-          </p:nvPr>
-        </p:nvSpPr>
-        <p:spPr>
-          <a:xfrm flipH="1">
-            <a:off x="6580483" y="6930901"/>
-            <a:ext cx="1232974" cy="841499"/>
-          </a:xfrm>
-          <a:prstGeom prst="triangle">
-            <a:avLst/>
-          </a:prstGeom>
-          <a:solidFill>
-            <a:schemeClr val="accent1">
-              <a:alpha val="30000"/>
-            </a:schemeClr>
-          </a:solidFill>
-          <a:ln>
-            <a:noFill/>
-          </a:ln>
-        </p:spPr>
-        <p:style>
-          <a:lnRef idx="2">
-            <a:schemeClr val="accent1">
-              <a:shade val="50000"/>
-            </a:schemeClr>
-          </a:lnRef>
-          <a:fillRef idx="1">
-            <a:schemeClr val="accent1"/>
-          </a:fillRef>
-          <a:effectRef idx="0">
-            <a:schemeClr val="accent1"/>
-          </a:effectRef>
-          <a:fontRef idx="minor">
-            <a:schemeClr val="lt1"/>
-          </a:fontRef>
-        </p:style>
-        <p:txBody>
-          <a:bodyPr rtlCol="0" anchor="ctr"/>
-          <a:lstStyle/>
-          <a:p>
-            <a:pPr algn="ctr"/>
-            <a:endParaRPr lang="en-US"/>
-          </a:p>
-        </p:txBody>
-      </p:sp>
-      <p:sp>
-        <p:nvSpPr>
-          <p:cNvPr id="39" name="Isosceles Triangle 38">
-            <a:extLst>
-              <a:ext uri="{FF2B5EF4-FFF2-40B4-BE49-F238E27FC236}">
-                <a16:creationId xmlns:a16="http://schemas.microsoft.com/office/drawing/2014/main" id="{11E4C121-B4D1-7C55-C58B-079744362B58}"/>
-              </a:ext>
-              <a:ext uri="{C183D7F6-B498-43B3-948B-1728B52AA6E4}">
-                <adec:decorative xmlns:adec="http://schemas.microsoft.com/office/drawing/2017/decorative" val="1"/>
-              </a:ext>
-            </a:extLst>
-          </p:cNvPr>
-          <p:cNvSpPr>
-            <a:spLocks noGrp="1" noRot="1" noChangeAspect="1" noMove="1" noResize="1" noEditPoints="1" noAdjustHandles="1" noChangeArrowheads="1" noChangeShapeType="1" noTextEdit="1"/>
-          </p:cNvSpPr>
-          <p:nvPr>
-            <p:extLst>
-              <p:ext uri="{386F3935-93C4-4BCD-93E2-E3B085C9AB24}">
-                <p16:designElem xmlns:p16="http://schemas.microsoft.com/office/powerpoint/2015/main" val="1"/>
-              </p:ext>
-            </p:extLst>
-          </p:nvPr>
-        </p:nvSpPr>
-        <p:spPr>
-          <a:xfrm flipH="1">
-            <a:off x="6273366" y="7313562"/>
-            <a:ext cx="672294" cy="458838"/>
-          </a:xfrm>
-          <a:prstGeom prst="triangle">
-            <a:avLst/>
-          </a:prstGeom>
-          <a:solidFill>
-            <a:schemeClr val="accent1">
-              <a:alpha val="30000"/>
-            </a:schemeClr>
-          </a:solidFill>
-          <a:ln>
-            <a:noFill/>
-          </a:ln>
-        </p:spPr>
-        <p:style>
-          <a:lnRef idx="2">
-            <a:schemeClr val="accent1">
-              <a:shade val="50000"/>
-            </a:schemeClr>
-          </a:lnRef>
-          <a:fillRef idx="1">
-            <a:schemeClr val="accent1"/>
-          </a:fillRef>
-          <a:effectRef idx="0">
-            <a:schemeClr val="accent1"/>
-          </a:effectRef>
-          <a:fontRef idx="minor">
-            <a:schemeClr val="lt1"/>
-          </a:fontRef>
-        </p:style>
-        <p:txBody>
-          <a:bodyPr rtlCol="0" anchor="ctr"/>
-          <a:lstStyle/>
-          <a:p>
-            <a:pPr algn="ctr"/>
-            <a:endParaRPr lang="en-US"/>
-          </a:p>
-        </p:txBody>
-      </p:sp>
-      <p:sp>
-        <p:nvSpPr>
-          <p:cNvPr id="6" name="TextBox 5">
-            <a:extLst>
-              <a:ext uri="{FF2B5EF4-FFF2-40B4-BE49-F238E27FC236}">
-                <a16:creationId xmlns:a16="http://schemas.microsoft.com/office/drawing/2014/main" id="{4F82D9C0-7538-351C-DD92-6383E4364DC0}"/>
-              </a:ext>
-            </a:extLst>
-          </p:cNvPr>
-          <p:cNvSpPr txBox="1"/>
-          <p:nvPr/>
-        </p:nvSpPr>
-        <p:spPr>
-          <a:xfrm>
-            <a:off x="1528411" y="1573218"/>
-            <a:ext cx="7086600" cy="584775"/>
-          </a:xfrm>
-          <a:prstGeom prst="rect">
-            <a:avLst/>
-          </a:prstGeom>
-          <a:noFill/>
-        </p:spPr>
-        <p:txBody>
-          <a:bodyPr wrap="square" rtlCol="0">
-            <a:spAutoFit/>
-          </a:bodyPr>
-          <a:lstStyle/>
-          <a:p>
-            <a:pPr algn="ctr"/>
-            <a:r>
-              <a:rPr lang="en-US" sz="3200" b="1" dirty="0">
-                <a:latin typeface="+mj-lt"/>
-              </a:rPr>
-              <a:t>Table of Content</a:t>
-            </a:r>
-          </a:p>
-        </p:txBody>
-      </p:sp>
-      <p:sp>
-        <p:nvSpPr>
-          <p:cNvPr id="7" name="TextBox 6">
-            <a:extLst>
-              <a:ext uri="{FF2B5EF4-FFF2-40B4-BE49-F238E27FC236}">
-                <a16:creationId xmlns:a16="http://schemas.microsoft.com/office/drawing/2014/main" id="{716ECDE0-EB0A-BB9E-DDD2-7D61E6AD8FDA}"/>
-              </a:ext>
-            </a:extLst>
-          </p:cNvPr>
-          <p:cNvSpPr txBox="1"/>
-          <p:nvPr/>
-        </p:nvSpPr>
-        <p:spPr>
-          <a:xfrm>
-            <a:off x="2158869" y="2762815"/>
-            <a:ext cx="6886575" cy="2677656"/>
-          </a:xfrm>
-          <a:prstGeom prst="rect">
-            <a:avLst/>
-          </a:prstGeom>
-          <a:noFill/>
-        </p:spPr>
-        <p:txBody>
-          <a:bodyPr wrap="square" rtlCol="0">
-            <a:spAutoFit/>
-          </a:bodyPr>
-          <a:lstStyle/>
-          <a:p>
-            <a:pPr marL="342900" indent="-342900">
-              <a:buAutoNum type="arabicPeriod"/>
-            </a:pPr>
-            <a:r>
-              <a:rPr lang="en-US" sz="2800" dirty="0"/>
-              <a:t>Introduction</a:t>
-            </a:r>
-          </a:p>
-          <a:p>
-            <a:pPr marL="342900" indent="-342900">
-              <a:buAutoNum type="arabicPeriod"/>
-            </a:pPr>
-            <a:r>
-              <a:rPr lang="en-US" sz="2800" dirty="0"/>
-              <a:t>Data Cleaning – SQL</a:t>
-            </a:r>
-          </a:p>
-          <a:p>
-            <a:pPr marL="342900" indent="-342900">
-              <a:buAutoNum type="arabicPeriod"/>
-            </a:pPr>
-            <a:r>
-              <a:rPr lang="en-US" sz="2800" dirty="0"/>
-              <a:t>Visualization – Python Matplotlib &amp; Pandas </a:t>
-            </a:r>
-          </a:p>
-          <a:p>
-            <a:pPr marL="342900" indent="-342900">
-              <a:buAutoNum type="arabicPeriod"/>
-            </a:pPr>
-            <a:r>
-              <a:rPr lang="en-US" sz="2800" dirty="0"/>
-              <a:t>Supervised Machine Learning Models</a:t>
-            </a:r>
-          </a:p>
-          <a:p>
-            <a:pPr marL="342900" indent="-342900">
-              <a:buAutoNum type="arabicPeriod"/>
-            </a:pPr>
-            <a:r>
-              <a:rPr lang="en-US" sz="2800" dirty="0"/>
-              <a:t>Model Optimizations </a:t>
-            </a:r>
-          </a:p>
-          <a:p>
-            <a:pPr marL="342900" indent="-342900">
-              <a:buAutoNum type="arabicPeriod"/>
-            </a:pPr>
-            <a:r>
-              <a:rPr lang="en-US" sz="2800" dirty="0"/>
-              <a:t>Result &amp; Conclusion</a:t>
-            </a:r>
-          </a:p>
-        </p:txBody>
-      </p:sp>
-    </p:spTree>
-    <p:extLst>
-      <p:ext uri="{BB962C8B-B14F-4D97-AF65-F5344CB8AC3E}">
-        <p14:creationId xmlns:p14="http://schemas.microsoft.com/office/powerpoint/2010/main" val="523771182"/>
-      </p:ext>
-    </p:extLst>
-  </p:cSld>
-  <p:clrMapOvr>
-    <a:masterClrMapping/>
-  </p:clrMapOvr>
-</p:sld>
-</file>
-
-<file path=ppt/slides/slide20.xml><?xml version="1.0" encoding="utf-8"?>
+<file path=ppt/slides/slide19.xml><?xml version="1.0" encoding="utf-8"?>
 <p:sld xmlns:a="http://schemas.openxmlformats.org/drawingml/2006/main" xmlns:r="http://schemas.openxmlformats.org/officeDocument/2006/relationships" xmlns:p="http://schemas.openxmlformats.org/presentationml/2006/main">
   <p:cSld>
     <p:bg>
@@ -20502,7 +19209,721 @@
 </p:sld>
 </file>
 
-<file path=ppt/slides/slide21.xml><?xml version="1.0" encoding="utf-8"?>
+<file path=ppt/slides/slide2.xml><?xml version="1.0" encoding="utf-8"?>
+<p:sld xmlns:a="http://schemas.openxmlformats.org/drawingml/2006/main" xmlns:r="http://schemas.openxmlformats.org/officeDocument/2006/relationships" xmlns:p="http://schemas.openxmlformats.org/presentationml/2006/main">
+  <p:cSld>
+    <p:bg>
+      <p:bgPr>
+        <a:solidFill>
+          <a:schemeClr val="bg1"/>
+        </a:solidFill>
+        <a:effectLst/>
+      </p:bgPr>
+    </p:bg>
+    <p:spTree>
+      <p:nvGrpSpPr>
+        <p:cNvPr id="1" name="">
+          <a:extLst>
+            <a:ext uri="{FF2B5EF4-FFF2-40B4-BE49-F238E27FC236}">
+              <a16:creationId xmlns:a16="http://schemas.microsoft.com/office/drawing/2014/main" id="{02984243-06AA-7503-EAE6-C43F12132B68}"/>
+            </a:ext>
+          </a:extLst>
+        </p:cNvPr>
+        <p:cNvGrpSpPr/>
+        <p:nvPr/>
+      </p:nvGrpSpPr>
+      <p:grpSpPr>
+        <a:xfrm>
+          <a:off x="0" y="0"/>
+          <a:ext cx="0" cy="0"/>
+          <a:chOff x="0" y="0"/>
+          <a:chExt cx="0" cy="0"/>
+        </a:xfrm>
+      </p:grpSpPr>
+      <p:sp>
+        <p:nvSpPr>
+          <p:cNvPr id="27" name="Rectangle 26">
+            <a:extLst>
+              <a:ext uri="{FF2B5EF4-FFF2-40B4-BE49-F238E27FC236}">
+                <a16:creationId xmlns:a16="http://schemas.microsoft.com/office/drawing/2014/main" id="{73CDEEF2-1AB3-80D1-CDA4-608C51A8E1C7}"/>
+              </a:ext>
+              <a:ext uri="{C183D7F6-B498-43B3-948B-1728B52AA6E4}">
+                <adec:decorative xmlns:adec="http://schemas.microsoft.com/office/drawing/2017/decorative" val="1"/>
+              </a:ext>
+            </a:extLst>
+          </p:cNvPr>
+          <p:cNvSpPr>
+            <a:spLocks noGrp="1" noRot="1" noChangeAspect="1" noMove="1" noResize="1" noEditPoints="1" noAdjustHandles="1" noChangeArrowheads="1" noChangeShapeType="1" noTextEdit="1"/>
+          </p:cNvSpPr>
+          <p:nvPr>
+            <p:extLst>
+              <p:ext uri="{386F3935-93C4-4BCD-93E2-E3B085C9AB24}">
+                <p16:designElem xmlns:p16="http://schemas.microsoft.com/office/powerpoint/2015/main" val="1"/>
+              </p:ext>
+            </p:extLst>
+          </p:nvPr>
+        </p:nvSpPr>
+        <p:spPr>
+          <a:xfrm>
+            <a:off x="0" y="0"/>
+            <a:ext cx="10058400" cy="7772400"/>
+          </a:xfrm>
+          <a:prstGeom prst="rect">
+            <a:avLst/>
+          </a:prstGeom>
+          <a:solidFill>
+            <a:schemeClr val="bg1"/>
+          </a:solidFill>
+          <a:ln>
+            <a:noFill/>
+          </a:ln>
+        </p:spPr>
+        <p:style>
+          <a:lnRef idx="2">
+            <a:schemeClr val="accent1">
+              <a:shade val="50000"/>
+            </a:schemeClr>
+          </a:lnRef>
+          <a:fillRef idx="1">
+            <a:schemeClr val="accent1"/>
+          </a:fillRef>
+          <a:effectRef idx="0">
+            <a:schemeClr val="accent1"/>
+          </a:effectRef>
+          <a:fontRef idx="minor">
+            <a:schemeClr val="lt1"/>
+          </a:fontRef>
+        </p:style>
+        <p:txBody>
+          <a:bodyPr rtlCol="0" anchor="ctr"/>
+          <a:lstStyle/>
+          <a:p>
+            <a:pPr algn="ctr"/>
+            <a:endParaRPr lang="en-US" dirty="0"/>
+          </a:p>
+        </p:txBody>
+      </p:sp>
+      <p:sp>
+        <p:nvSpPr>
+          <p:cNvPr id="29" name="Freeform: Shape 28">
+            <a:extLst>
+              <a:ext uri="{FF2B5EF4-FFF2-40B4-BE49-F238E27FC236}">
+                <a16:creationId xmlns:a16="http://schemas.microsoft.com/office/drawing/2014/main" id="{7C7D98AB-74B6-9E79-6551-31459B530EA0}"/>
+              </a:ext>
+              <a:ext uri="{C183D7F6-B498-43B3-948B-1728B52AA6E4}">
+                <adec:decorative xmlns:adec="http://schemas.microsoft.com/office/drawing/2017/decorative" val="1"/>
+              </a:ext>
+            </a:extLst>
+          </p:cNvPr>
+          <p:cNvSpPr>
+            <a:spLocks noGrp="1" noRot="1" noChangeAspect="1" noMove="1" noResize="1" noEditPoints="1" noAdjustHandles="1" noChangeArrowheads="1" noChangeShapeType="1" noTextEdit="1"/>
+          </p:cNvSpPr>
+          <p:nvPr>
+            <p:extLst>
+              <p:ext uri="{386F3935-93C4-4BCD-93E2-E3B085C9AB24}">
+                <p16:designElem xmlns:p16="http://schemas.microsoft.com/office/powerpoint/2015/main" val="1"/>
+              </p:ext>
+            </p:extLst>
+          </p:nvPr>
+        </p:nvSpPr>
+        <p:spPr>
+          <a:xfrm rot="18900000" flipH="1">
+            <a:off x="-310328" y="-287492"/>
+            <a:ext cx="1507800" cy="1560586"/>
+          </a:xfrm>
+          <a:custGeom>
+            <a:avLst/>
+            <a:gdLst>
+              <a:gd name="connsiteX0" fmla="*/ 0 w 1827638"/>
+              <a:gd name="connsiteY0" fmla="*/ 987379 h 1376989"/>
+              <a:gd name="connsiteX1" fmla="*/ 987379 w 1827638"/>
+              <a:gd name="connsiteY1" fmla="*/ 0 h 1376989"/>
+              <a:gd name="connsiteX2" fmla="*/ 1827638 w 1827638"/>
+              <a:gd name="connsiteY2" fmla="*/ 840260 h 1376989"/>
+              <a:gd name="connsiteX3" fmla="*/ 1827638 w 1827638"/>
+              <a:gd name="connsiteY3" fmla="*/ 1376989 h 1376989"/>
+              <a:gd name="connsiteX4" fmla="*/ 0 w 1827638"/>
+              <a:gd name="connsiteY4" fmla="*/ 1376989 h 1376989"/>
+            </a:gdLst>
+            <a:ahLst/>
+            <a:cxnLst>
+              <a:cxn ang="0">
+                <a:pos x="connsiteX0" y="connsiteY0"/>
+              </a:cxn>
+              <a:cxn ang="0">
+                <a:pos x="connsiteX1" y="connsiteY1"/>
+              </a:cxn>
+              <a:cxn ang="0">
+                <a:pos x="connsiteX2" y="connsiteY2"/>
+              </a:cxn>
+              <a:cxn ang="0">
+                <a:pos x="connsiteX3" y="connsiteY3"/>
+              </a:cxn>
+              <a:cxn ang="0">
+                <a:pos x="connsiteX4" y="connsiteY4"/>
+              </a:cxn>
+            </a:cxnLst>
+            <a:rect l="l" t="t" r="r" b="b"/>
+            <a:pathLst>
+              <a:path w="1827638" h="1376989">
+                <a:moveTo>
+                  <a:pt x="0" y="987379"/>
+                </a:moveTo>
+                <a:lnTo>
+                  <a:pt x="987379" y="0"/>
+                </a:lnTo>
+                <a:lnTo>
+                  <a:pt x="1827638" y="840260"/>
+                </a:lnTo>
+                <a:lnTo>
+                  <a:pt x="1827638" y="1376989"/>
+                </a:lnTo>
+                <a:lnTo>
+                  <a:pt x="0" y="1376989"/>
+                </a:lnTo>
+                <a:close/>
+              </a:path>
+            </a:pathLst>
+          </a:custGeom>
+          <a:solidFill>
+            <a:schemeClr val="accent1">
+              <a:alpha val="30000"/>
+            </a:schemeClr>
+          </a:solidFill>
+          <a:ln>
+            <a:noFill/>
+          </a:ln>
+        </p:spPr>
+        <p:style>
+          <a:lnRef idx="2">
+            <a:schemeClr val="accent1">
+              <a:shade val="50000"/>
+            </a:schemeClr>
+          </a:lnRef>
+          <a:fillRef idx="1">
+            <a:schemeClr val="accent1"/>
+          </a:fillRef>
+          <a:effectRef idx="0">
+            <a:schemeClr val="accent1"/>
+          </a:effectRef>
+          <a:fontRef idx="minor">
+            <a:schemeClr val="lt1"/>
+          </a:fontRef>
+        </p:style>
+        <p:txBody>
+          <a:bodyPr rtlCol="0" anchor="ctr"/>
+          <a:lstStyle/>
+          <a:p>
+            <a:pPr algn="ctr"/>
+            <a:endParaRPr lang="en-US" dirty="0"/>
+          </a:p>
+        </p:txBody>
+      </p:sp>
+      <p:sp>
+        <p:nvSpPr>
+          <p:cNvPr id="31" name="Rectangle 30">
+            <a:extLst>
+              <a:ext uri="{FF2B5EF4-FFF2-40B4-BE49-F238E27FC236}">
+                <a16:creationId xmlns:a16="http://schemas.microsoft.com/office/drawing/2014/main" id="{E02A97E4-FFF3-59F6-2E50-A49A1B875210}"/>
+              </a:ext>
+              <a:ext uri="{C183D7F6-B498-43B3-948B-1728B52AA6E4}">
+                <adec:decorative xmlns:adec="http://schemas.microsoft.com/office/drawing/2017/decorative" val="1"/>
+              </a:ext>
+            </a:extLst>
+          </p:cNvPr>
+          <p:cNvSpPr>
+            <a:spLocks noGrp="1" noRot="1" noChangeAspect="1" noMove="1" noResize="1" noEditPoints="1" noAdjustHandles="1" noChangeArrowheads="1" noChangeShapeType="1" noTextEdit="1"/>
+          </p:cNvSpPr>
+          <p:nvPr>
+            <p:extLst>
+              <p:ext uri="{386F3935-93C4-4BCD-93E2-E3B085C9AB24}">
+                <p16:designElem xmlns:p16="http://schemas.microsoft.com/office/powerpoint/2015/main" val="1"/>
+              </p:ext>
+            </p:extLst>
+          </p:nvPr>
+        </p:nvSpPr>
+        <p:spPr>
+          <a:xfrm rot="18900000" flipH="1">
+            <a:off x="735603" y="478432"/>
+            <a:ext cx="532429" cy="731417"/>
+          </a:xfrm>
+          <a:prstGeom prst="rect">
+            <a:avLst/>
+          </a:prstGeom>
+          <a:solidFill>
+            <a:schemeClr val="accent1">
+              <a:alpha val="30000"/>
+            </a:schemeClr>
+          </a:solidFill>
+          <a:ln>
+            <a:noFill/>
+          </a:ln>
+        </p:spPr>
+        <p:style>
+          <a:lnRef idx="2">
+            <a:schemeClr val="accent1">
+              <a:shade val="50000"/>
+            </a:schemeClr>
+          </a:lnRef>
+          <a:fillRef idx="1">
+            <a:schemeClr val="accent1"/>
+          </a:fillRef>
+          <a:effectRef idx="0">
+            <a:schemeClr val="accent1"/>
+          </a:effectRef>
+          <a:fontRef idx="minor">
+            <a:schemeClr val="lt1"/>
+          </a:fontRef>
+        </p:style>
+        <p:txBody>
+          <a:bodyPr rtlCol="0" anchor="ctr"/>
+          <a:lstStyle/>
+          <a:p>
+            <a:pPr algn="ctr"/>
+            <a:endParaRPr lang="en-US"/>
+          </a:p>
+        </p:txBody>
+      </p:sp>
+      <p:sp>
+        <p:nvSpPr>
+          <p:cNvPr id="33" name="Rectangle 32">
+            <a:extLst>
+              <a:ext uri="{FF2B5EF4-FFF2-40B4-BE49-F238E27FC236}">
+                <a16:creationId xmlns:a16="http://schemas.microsoft.com/office/drawing/2014/main" id="{7D5189F2-CEF8-E33C-1F6D-25FADC8721D8}"/>
+              </a:ext>
+              <a:ext uri="{C183D7F6-B498-43B3-948B-1728B52AA6E4}">
+                <adec:decorative xmlns:adec="http://schemas.microsoft.com/office/drawing/2017/decorative" val="1"/>
+              </a:ext>
+            </a:extLst>
+          </p:cNvPr>
+          <p:cNvSpPr>
+            <a:spLocks noGrp="1" noRot="1" noChangeAspect="1" noMove="1" noResize="1" noEditPoints="1" noAdjustHandles="1" noChangeArrowheads="1" noChangeShapeType="1" noTextEdit="1"/>
+          </p:cNvSpPr>
+          <p:nvPr>
+            <p:extLst>
+              <p:ext uri="{386F3935-93C4-4BCD-93E2-E3B085C9AB24}">
+                <p16:designElem xmlns:p16="http://schemas.microsoft.com/office/powerpoint/2015/main" val="1"/>
+              </p:ext>
+            </p:extLst>
+          </p:nvPr>
+        </p:nvSpPr>
+        <p:spPr>
+          <a:xfrm rot="18900000" flipH="1">
+            <a:off x="8285872" y="742492"/>
+            <a:ext cx="567165" cy="779134"/>
+          </a:xfrm>
+          <a:prstGeom prst="rect">
+            <a:avLst/>
+          </a:prstGeom>
+          <a:solidFill>
+            <a:schemeClr val="accent4">
+              <a:alpha val="30000"/>
+            </a:schemeClr>
+          </a:solidFill>
+          <a:ln>
+            <a:noFill/>
+          </a:ln>
+        </p:spPr>
+        <p:style>
+          <a:lnRef idx="2">
+            <a:schemeClr val="accent1">
+              <a:shade val="50000"/>
+            </a:schemeClr>
+          </a:lnRef>
+          <a:fillRef idx="1">
+            <a:schemeClr val="accent1"/>
+          </a:fillRef>
+          <a:effectRef idx="0">
+            <a:schemeClr val="accent1"/>
+          </a:effectRef>
+          <a:fontRef idx="minor">
+            <a:schemeClr val="lt1"/>
+          </a:fontRef>
+        </p:style>
+        <p:txBody>
+          <a:bodyPr rtlCol="0" anchor="ctr"/>
+          <a:lstStyle/>
+          <a:p>
+            <a:pPr algn="ctr"/>
+            <a:endParaRPr lang="en-US"/>
+          </a:p>
+        </p:txBody>
+      </p:sp>
+      <p:sp>
+        <p:nvSpPr>
+          <p:cNvPr id="35" name="Freeform: Shape 34">
+            <a:extLst>
+              <a:ext uri="{FF2B5EF4-FFF2-40B4-BE49-F238E27FC236}">
+                <a16:creationId xmlns:a16="http://schemas.microsoft.com/office/drawing/2014/main" id="{88944EF9-2B55-2555-0F0D-1F9070FAB8F6}"/>
+              </a:ext>
+              <a:ext uri="{C183D7F6-B498-43B3-948B-1728B52AA6E4}">
+                <adec:decorative xmlns:adec="http://schemas.microsoft.com/office/drawing/2017/decorative" val="1"/>
+              </a:ext>
+            </a:extLst>
+          </p:cNvPr>
+          <p:cNvSpPr>
+            <a:spLocks noGrp="1" noRot="1" noChangeAspect="1" noMove="1" noResize="1" noEditPoints="1" noAdjustHandles="1" noChangeArrowheads="1" noChangeShapeType="1" noTextEdit="1"/>
+          </p:cNvSpPr>
+          <p:nvPr>
+            <p:extLst>
+              <p:ext uri="{386F3935-93C4-4BCD-93E2-E3B085C9AB24}">
+                <p16:designElem xmlns:p16="http://schemas.microsoft.com/office/powerpoint/2015/main" val="1"/>
+              </p:ext>
+            </p:extLst>
+          </p:nvPr>
+        </p:nvSpPr>
+        <p:spPr>
+          <a:xfrm rot="10800000" flipH="1">
+            <a:off x="7719230" y="0"/>
+            <a:ext cx="2339170" cy="1678281"/>
+          </a:xfrm>
+          <a:custGeom>
+            <a:avLst/>
+            <a:gdLst>
+              <a:gd name="connsiteX0" fmla="*/ 2835357 w 2835357"/>
+              <a:gd name="connsiteY0" fmla="*/ 1480837 h 1480837"/>
+              <a:gd name="connsiteX1" fmla="*/ 0 w 2835357"/>
+              <a:gd name="connsiteY1" fmla="*/ 1480837 h 1480837"/>
+              <a:gd name="connsiteX2" fmla="*/ 1552727 w 2835357"/>
+              <a:gd name="connsiteY2" fmla="*/ 0 h 1480837"/>
+              <a:gd name="connsiteX3" fmla="*/ 2835357 w 2835357"/>
+              <a:gd name="connsiteY3" fmla="*/ 1223245 h 1480837"/>
+            </a:gdLst>
+            <a:ahLst/>
+            <a:cxnLst>
+              <a:cxn ang="0">
+                <a:pos x="connsiteX0" y="connsiteY0"/>
+              </a:cxn>
+              <a:cxn ang="0">
+                <a:pos x="connsiteX1" y="connsiteY1"/>
+              </a:cxn>
+              <a:cxn ang="0">
+                <a:pos x="connsiteX2" y="connsiteY2"/>
+              </a:cxn>
+              <a:cxn ang="0">
+                <a:pos x="connsiteX3" y="connsiteY3"/>
+              </a:cxn>
+            </a:cxnLst>
+            <a:rect l="l" t="t" r="r" b="b"/>
+            <a:pathLst>
+              <a:path w="2835357" h="1480837">
+                <a:moveTo>
+                  <a:pt x="2835357" y="1480837"/>
+                </a:moveTo>
+                <a:lnTo>
+                  <a:pt x="0" y="1480837"/>
+                </a:lnTo>
+                <a:lnTo>
+                  <a:pt x="1552727" y="0"/>
+                </a:lnTo>
+                <a:lnTo>
+                  <a:pt x="2835357" y="1223245"/>
+                </a:lnTo>
+                <a:close/>
+              </a:path>
+            </a:pathLst>
+          </a:custGeom>
+          <a:solidFill>
+            <a:schemeClr val="accent4">
+              <a:alpha val="30000"/>
+            </a:schemeClr>
+          </a:solidFill>
+          <a:ln>
+            <a:noFill/>
+          </a:ln>
+        </p:spPr>
+        <p:style>
+          <a:lnRef idx="2">
+            <a:schemeClr val="accent1">
+              <a:shade val="50000"/>
+            </a:schemeClr>
+          </a:lnRef>
+          <a:fillRef idx="1">
+            <a:schemeClr val="accent1"/>
+          </a:fillRef>
+          <a:effectRef idx="0">
+            <a:schemeClr val="accent1"/>
+          </a:effectRef>
+          <a:fontRef idx="minor">
+            <a:schemeClr val="lt1"/>
+          </a:fontRef>
+        </p:style>
+        <p:txBody>
+          <a:bodyPr wrap="square" rtlCol="0" anchor="ctr">
+            <a:noAutofit/>
+          </a:bodyPr>
+          <a:lstStyle/>
+          <a:p>
+            <a:pPr algn="ctr"/>
+            <a:endParaRPr lang="en-US" dirty="0"/>
+          </a:p>
+        </p:txBody>
+      </p:sp>
+      <p:sp>
+        <p:nvSpPr>
+          <p:cNvPr id="37" name="Isosceles Triangle 36">
+            <a:extLst>
+              <a:ext uri="{FF2B5EF4-FFF2-40B4-BE49-F238E27FC236}">
+                <a16:creationId xmlns:a16="http://schemas.microsoft.com/office/drawing/2014/main" id="{39D0DBA3-22C1-A7AD-5B65-E017A98F619A}"/>
+              </a:ext>
+              <a:ext uri="{C183D7F6-B498-43B3-948B-1728B52AA6E4}">
+                <adec:decorative xmlns:adec="http://schemas.microsoft.com/office/drawing/2017/decorative" val="1"/>
+              </a:ext>
+            </a:extLst>
+          </p:cNvPr>
+          <p:cNvSpPr>
+            <a:spLocks noGrp="1" noRot="1" noChangeAspect="1" noMove="1" noResize="1" noEditPoints="1" noAdjustHandles="1" noChangeArrowheads="1" noChangeShapeType="1" noTextEdit="1"/>
+          </p:cNvSpPr>
+          <p:nvPr>
+            <p:extLst>
+              <p:ext uri="{386F3935-93C4-4BCD-93E2-E3B085C9AB24}">
+                <p16:designElem xmlns:p16="http://schemas.microsoft.com/office/powerpoint/2015/main" val="1"/>
+              </p:ext>
+            </p:extLst>
+          </p:nvPr>
+        </p:nvSpPr>
+        <p:spPr>
+          <a:xfrm flipH="1">
+            <a:off x="6580483" y="6930901"/>
+            <a:ext cx="1232974" cy="841499"/>
+          </a:xfrm>
+          <a:prstGeom prst="triangle">
+            <a:avLst/>
+          </a:prstGeom>
+          <a:solidFill>
+            <a:schemeClr val="accent1">
+              <a:alpha val="30000"/>
+            </a:schemeClr>
+          </a:solidFill>
+          <a:ln>
+            <a:noFill/>
+          </a:ln>
+        </p:spPr>
+        <p:style>
+          <a:lnRef idx="2">
+            <a:schemeClr val="accent1">
+              <a:shade val="50000"/>
+            </a:schemeClr>
+          </a:lnRef>
+          <a:fillRef idx="1">
+            <a:schemeClr val="accent1"/>
+          </a:fillRef>
+          <a:effectRef idx="0">
+            <a:schemeClr val="accent1"/>
+          </a:effectRef>
+          <a:fontRef idx="minor">
+            <a:schemeClr val="lt1"/>
+          </a:fontRef>
+        </p:style>
+        <p:txBody>
+          <a:bodyPr rtlCol="0" anchor="ctr"/>
+          <a:lstStyle/>
+          <a:p>
+            <a:pPr algn="ctr"/>
+            <a:endParaRPr lang="en-US"/>
+          </a:p>
+        </p:txBody>
+      </p:sp>
+      <p:sp>
+        <p:nvSpPr>
+          <p:cNvPr id="39" name="Isosceles Triangle 38">
+            <a:extLst>
+              <a:ext uri="{FF2B5EF4-FFF2-40B4-BE49-F238E27FC236}">
+                <a16:creationId xmlns:a16="http://schemas.microsoft.com/office/drawing/2014/main" id="{11E4C121-B4D1-7C55-C58B-079744362B58}"/>
+              </a:ext>
+              <a:ext uri="{C183D7F6-B498-43B3-948B-1728B52AA6E4}">
+                <adec:decorative xmlns:adec="http://schemas.microsoft.com/office/drawing/2017/decorative" val="1"/>
+              </a:ext>
+            </a:extLst>
+          </p:cNvPr>
+          <p:cNvSpPr>
+            <a:spLocks noGrp="1" noRot="1" noChangeAspect="1" noMove="1" noResize="1" noEditPoints="1" noAdjustHandles="1" noChangeArrowheads="1" noChangeShapeType="1" noTextEdit="1"/>
+          </p:cNvSpPr>
+          <p:nvPr>
+            <p:extLst>
+              <p:ext uri="{386F3935-93C4-4BCD-93E2-E3B085C9AB24}">
+                <p16:designElem xmlns:p16="http://schemas.microsoft.com/office/powerpoint/2015/main" val="1"/>
+              </p:ext>
+            </p:extLst>
+          </p:nvPr>
+        </p:nvSpPr>
+        <p:spPr>
+          <a:xfrm flipH="1">
+            <a:off x="6273366" y="7313562"/>
+            <a:ext cx="672294" cy="458838"/>
+          </a:xfrm>
+          <a:prstGeom prst="triangle">
+            <a:avLst/>
+          </a:prstGeom>
+          <a:solidFill>
+            <a:schemeClr val="accent1">
+              <a:alpha val="30000"/>
+            </a:schemeClr>
+          </a:solidFill>
+          <a:ln>
+            <a:noFill/>
+          </a:ln>
+        </p:spPr>
+        <p:style>
+          <a:lnRef idx="2">
+            <a:schemeClr val="accent1">
+              <a:shade val="50000"/>
+            </a:schemeClr>
+          </a:lnRef>
+          <a:fillRef idx="1">
+            <a:schemeClr val="accent1"/>
+          </a:fillRef>
+          <a:effectRef idx="0">
+            <a:schemeClr val="accent1"/>
+          </a:effectRef>
+          <a:fontRef idx="minor">
+            <a:schemeClr val="lt1"/>
+          </a:fontRef>
+        </p:style>
+        <p:txBody>
+          <a:bodyPr rtlCol="0" anchor="ctr"/>
+          <a:lstStyle/>
+          <a:p>
+            <a:pPr algn="ctr"/>
+            <a:endParaRPr lang="en-US"/>
+          </a:p>
+        </p:txBody>
+      </p:sp>
+      <p:sp>
+        <p:nvSpPr>
+          <p:cNvPr id="6" name="TextBox 5">
+            <a:extLst>
+              <a:ext uri="{FF2B5EF4-FFF2-40B4-BE49-F238E27FC236}">
+                <a16:creationId xmlns:a16="http://schemas.microsoft.com/office/drawing/2014/main" id="{4F82D9C0-7538-351C-DD92-6383E4364DC0}"/>
+              </a:ext>
+            </a:extLst>
+          </p:cNvPr>
+          <p:cNvSpPr txBox="1"/>
+          <p:nvPr/>
+        </p:nvSpPr>
+        <p:spPr>
+          <a:xfrm>
+            <a:off x="1528411" y="1573218"/>
+            <a:ext cx="7086600" cy="584775"/>
+          </a:xfrm>
+          <a:prstGeom prst="rect">
+            <a:avLst/>
+          </a:prstGeom>
+          <a:noFill/>
+        </p:spPr>
+        <p:txBody>
+          <a:bodyPr wrap="square" rtlCol="0">
+            <a:spAutoFit/>
+          </a:bodyPr>
+          <a:lstStyle/>
+          <a:p>
+            <a:pPr algn="ctr"/>
+            <a:r>
+              <a:rPr lang="en-US" sz="3200" b="1" dirty="0">
+                <a:latin typeface="+mj-lt"/>
+              </a:rPr>
+              <a:t>Table of Content</a:t>
+            </a:r>
+          </a:p>
+        </p:txBody>
+      </p:sp>
+      <p:sp>
+        <p:nvSpPr>
+          <p:cNvPr id="7" name="TextBox 6">
+            <a:extLst>
+              <a:ext uri="{FF2B5EF4-FFF2-40B4-BE49-F238E27FC236}">
+                <a16:creationId xmlns:a16="http://schemas.microsoft.com/office/drawing/2014/main" id="{716ECDE0-EB0A-BB9E-DDD2-7D61E6AD8FDA}"/>
+              </a:ext>
+            </a:extLst>
+          </p:cNvPr>
+          <p:cNvSpPr txBox="1"/>
+          <p:nvPr/>
+        </p:nvSpPr>
+        <p:spPr>
+          <a:xfrm>
+            <a:off x="2158869" y="2762815"/>
+            <a:ext cx="6886575" cy="2677656"/>
+          </a:xfrm>
+          <a:prstGeom prst="rect">
+            <a:avLst/>
+          </a:prstGeom>
+          <a:noFill/>
+        </p:spPr>
+        <p:txBody>
+          <a:bodyPr wrap="square" rtlCol="0">
+            <a:spAutoFit/>
+          </a:bodyPr>
+          <a:lstStyle/>
+          <a:p>
+            <a:pPr marL="342900" indent="-342900">
+              <a:buAutoNum type="arabicPeriod"/>
+            </a:pPr>
+            <a:r>
+              <a:rPr lang="en-US" sz="2800" dirty="0"/>
+              <a:t>Introduction</a:t>
+            </a:r>
+          </a:p>
+          <a:p>
+            <a:pPr marL="342900" indent="-342900">
+              <a:buAutoNum type="arabicPeriod"/>
+            </a:pPr>
+            <a:r>
+              <a:rPr lang="en-US" sz="2800" dirty="0"/>
+              <a:t>Data Cleaning – SQL</a:t>
+            </a:r>
+          </a:p>
+          <a:p>
+            <a:pPr marL="342900" indent="-342900">
+              <a:buAutoNum type="arabicPeriod"/>
+            </a:pPr>
+            <a:r>
+              <a:rPr lang="en-US" sz="2800" dirty="0"/>
+              <a:t>Visualization – Python Matplotlib &amp; Pandas </a:t>
+            </a:r>
+          </a:p>
+          <a:p>
+            <a:pPr marL="342900" indent="-342900">
+              <a:buAutoNum type="arabicPeriod"/>
+            </a:pPr>
+            <a:r>
+              <a:rPr lang="en-US" sz="2800" dirty="0"/>
+              <a:t>Supervised Machine Learning Models</a:t>
+            </a:r>
+          </a:p>
+          <a:p>
+            <a:pPr marL="342900" indent="-342900">
+              <a:buAutoNum type="arabicPeriod"/>
+            </a:pPr>
+            <a:r>
+              <a:rPr lang="en-US" sz="2800" dirty="0"/>
+              <a:t>Model Optimizations </a:t>
+            </a:r>
+          </a:p>
+          <a:p>
+            <a:pPr marL="342900" indent="-342900">
+              <a:buAutoNum type="arabicPeriod"/>
+            </a:pPr>
+            <a:r>
+              <a:rPr lang="en-US" sz="2800" dirty="0"/>
+              <a:t>Result &amp; Conclusion</a:t>
+            </a:r>
+          </a:p>
+        </p:txBody>
+      </p:sp>
+    </p:spTree>
+    <p:extLst>
+      <p:ext uri="{BB962C8B-B14F-4D97-AF65-F5344CB8AC3E}">
+        <p14:creationId xmlns:p14="http://schemas.microsoft.com/office/powerpoint/2010/main" val="523771182"/>
+      </p:ext>
+    </p:extLst>
+  </p:cSld>
+  <p:clrMapOvr>
+    <a:masterClrMapping/>
+  </p:clrMapOvr>
+</p:sld>
+</file>
+
+<file path=ppt/slides/slide20.xml><?xml version="1.0" encoding="utf-8"?>
 <p:sld xmlns:a="http://schemas.openxmlformats.org/drawingml/2006/main" xmlns:r="http://schemas.openxmlformats.org/officeDocument/2006/relationships" xmlns:p="http://schemas.openxmlformats.org/presentationml/2006/main">
   <p:cSld>
     <p:bg>
@@ -21479,7 +20900,7 @@
 </p:sld>
 </file>
 
-<file path=ppt/slides/slide22.xml><?xml version="1.0" encoding="utf-8"?>
+<file path=ppt/slides/slide21.xml><?xml version="1.0" encoding="utf-8"?>
 <p:sld xmlns:a="http://schemas.openxmlformats.org/drawingml/2006/main" xmlns:r="http://schemas.openxmlformats.org/officeDocument/2006/relationships" xmlns:p="http://schemas.openxmlformats.org/presentationml/2006/main">
   <p:cSld>
     <p:bg>
@@ -22451,7 +21872,7 @@
 </p:sld>
 </file>
 
-<file path=ppt/slides/slide23.xml><?xml version="1.0" encoding="utf-8"?>
+<file path=ppt/slides/slide22.xml><?xml version="1.0" encoding="utf-8"?>
 <p:sld xmlns:a="http://schemas.openxmlformats.org/drawingml/2006/main" xmlns:r="http://schemas.openxmlformats.org/officeDocument/2006/relationships" xmlns:p="http://schemas.openxmlformats.org/presentationml/2006/main">
   <p:cSld>
     <p:bg>
@@ -23358,7 +22779,7 @@
 </p:sld>
 </file>
 
-<file path=ppt/slides/slide24.xml><?xml version="1.0" encoding="utf-8"?>
+<file path=ppt/slides/slide23.xml><?xml version="1.0" encoding="utf-8"?>
 <p:sld xmlns:a="http://schemas.openxmlformats.org/drawingml/2006/main" xmlns:r="http://schemas.openxmlformats.org/officeDocument/2006/relationships" xmlns:p="http://schemas.openxmlformats.org/presentationml/2006/main">
   <p:cSld>
     <p:bg>
@@ -24023,7 +23444,7 @@
 </p:sld>
 </file>
 
-<file path=ppt/slides/slide25.xml><?xml version="1.0" encoding="utf-8"?>
+<file path=ppt/slides/slide24.xml><?xml version="1.0" encoding="utf-8"?>
 <p:sld xmlns:a="http://schemas.openxmlformats.org/drawingml/2006/main" xmlns:r="http://schemas.openxmlformats.org/officeDocument/2006/relationships" xmlns:p="http://schemas.openxmlformats.org/presentationml/2006/main">
   <p:cSld>
     <p:bg>
@@ -32682,15 +32103,6 @@
 </file>
 
 <file path=customXml/item1.xml><?xml version="1.0" encoding="utf-8"?>
-<?mso-contentType ?>
-<FormTemplates xmlns="http://schemas.microsoft.com/sharepoint/v3/contenttype/forms">
-  <Display>DocumentLibraryForm</Display>
-  <Edit>DocumentLibraryForm</Edit>
-  <New>DocumentLibraryForm</New>
-</FormTemplates>
-</file>
-
-<file path=customXml/item2.xml><?xml version="1.0" encoding="utf-8"?>
 <ct:contentTypeSchema xmlns:ct="http://schemas.microsoft.com/office/2006/metadata/contentType" xmlns:ma="http://schemas.microsoft.com/office/2006/metadata/properties/metaAttributes" ct:_="" ma:_="" ma:contentTypeName="Document" ma:contentTypeID="0x01010079F111ED35F8CC479449609E8A0923A6" ma:contentTypeVersion="12" ma:contentTypeDescription="Create a new document." ma:contentTypeScope="" ma:versionID="426e97fa315356fffbdcd9876fe988c2">
   <xsd:schema xmlns:xsd="http://www.w3.org/2001/XMLSchema" xmlns:xs="http://www.w3.org/2001/XMLSchema" xmlns:p="http://schemas.microsoft.com/office/2006/metadata/properties" xmlns:ns2="71af3243-3dd4-4a8d-8c0d-dd76da1f02a5" xmlns:ns3="16c05727-aa75-4e4a-9b5f-8a80a1165891" targetNamespace="http://schemas.microsoft.com/office/2006/metadata/properties" ma:root="true" ma:fieldsID="14b8f0def80e6d70ce3def20c90759ae" ns2:_="" ns3:_="">
     <xsd:import namespace="71af3243-3dd4-4a8d-8c0d-dd76da1f02a5"/>
@@ -32911,6 +32323,15 @@
 </ct:contentTypeSchema>
 </file>
 
+<file path=customXml/item2.xml><?xml version="1.0" encoding="utf-8"?>
+<?mso-contentType ?>
+<FormTemplates xmlns="http://schemas.microsoft.com/sharepoint/v3/contenttype/forms">
+  <Display>DocumentLibraryForm</Display>
+  <Edit>DocumentLibraryForm</Edit>
+  <New>DocumentLibraryForm</New>
+</FormTemplates>
+</file>
+
 <file path=customXml/item3.xml><?xml version="1.0" encoding="utf-8"?>
 <p:properties xmlns:p="http://schemas.microsoft.com/office/2006/metadata/properties" xmlns:xsi="http://www.w3.org/2001/XMLSchema-instance" xmlns:pc="http://schemas.microsoft.com/office/infopath/2007/PartnerControls">
   <documentManagement>
@@ -32921,14 +32342,6 @@
 </file>
 
 <file path=customXml/itemProps1.xml><?xml version="1.0" encoding="utf-8"?>
-<ds:datastoreItem xmlns:ds="http://schemas.openxmlformats.org/officeDocument/2006/customXml" ds:itemID="{D9EAC644-7B36-4B02-AE6A-271637DE6193}">
-  <ds:schemaRefs>
-    <ds:schemaRef ds:uri="http://schemas.microsoft.com/sharepoint/v3/contenttype/forms"/>
-  </ds:schemaRefs>
-</ds:datastoreItem>
-</file>
-
-<file path=customXml/itemProps2.xml><?xml version="1.0" encoding="utf-8"?>
 <ds:datastoreItem xmlns:ds="http://schemas.openxmlformats.org/officeDocument/2006/customXml" ds:itemID="{5D82FBE3-5E95-4B7A-88C0-B7BB58A96823}">
   <ds:schemaRefs>
     <ds:schemaRef ds:uri="http://schemas.microsoft.com/office/2006/metadata/contentType"/>
@@ -32947,6 +32360,14 @@
 </ds:datastoreItem>
 </file>
 
+<file path=customXml/itemProps2.xml><?xml version="1.0" encoding="utf-8"?>
+<ds:datastoreItem xmlns:ds="http://schemas.openxmlformats.org/officeDocument/2006/customXml" ds:itemID="{D9EAC644-7B36-4B02-AE6A-271637DE6193}">
+  <ds:schemaRefs>
+    <ds:schemaRef ds:uri="http://schemas.microsoft.com/sharepoint/v3/contenttype/forms"/>
+  </ds:schemaRefs>
+</ds:datastoreItem>
+</file>
+
 <file path=customXml/itemProps3.xml><?xml version="1.0" encoding="utf-8"?>
 <ds:datastoreItem xmlns:ds="http://schemas.openxmlformats.org/officeDocument/2006/customXml" ds:itemID="{581AEECB-7CBF-41B6-B304-895A4D5BDF0F}">
   <ds:schemaRefs>

--- a/Presentation/Project4_presentation_draft.pptx
+++ b/Presentation/Project4_presentation_draft.pptx
@@ -14420,7 +14420,7 @@
         </p:spPr>
         <p:txBody>
           <a:bodyPr>
-            <a:normAutofit fontScale="92500" lnSpcReduction="20000"/>
+            <a:normAutofit/>
           </a:bodyPr>
           <a:lstStyle>
             <a:lvl1pPr marL="228600" indent="-228600" algn="l" defTabSz="914400" rtl="0" eaLnBrk="1" latinLnBrk="0" hangingPunct="1">
@@ -14603,7 +14603,7 @@
           </a:lstStyle>
           <a:p>
             <a:r>
-              <a:rPr lang="en-GB" dirty="0"/>
+              <a:rPr lang="en-GB" sz="2000" dirty="0"/>
               <a:t>Logistic Regression Model</a:t>
             </a:r>
           </a:p>
@@ -14613,57 +14613,57 @@
               <a:buNone/>
             </a:pPr>
             <a:r>
-              <a:rPr lang="en-GB" dirty="0"/>
+              <a:rPr lang="en-GB" sz="1600" dirty="0"/>
               <a:t>  </a:t>
             </a:r>
             <a:r>
-              <a:rPr lang="en-GB" dirty="0" err="1"/>
+              <a:rPr lang="en-GB" sz="1600" dirty="0" err="1"/>
               <a:t>Model_LR</a:t>
             </a:r>
             <a:r>
-              <a:rPr lang="en-GB" dirty="0"/>
+              <a:rPr lang="en-GB" sz="1600" dirty="0"/>
               <a:t> = </a:t>
             </a:r>
             <a:r>
-              <a:rPr lang="en-GB" dirty="0" err="1"/>
+              <a:rPr lang="en-GB" sz="1600" dirty="0" err="1"/>
               <a:t>LogisticRegression</a:t>
             </a:r>
             <a:r>
-              <a:rPr lang="en-GB" dirty="0"/>
+              <a:rPr lang="en-GB" sz="1600" dirty="0"/>
               <a:t>(solver='</a:t>
             </a:r>
             <a:r>
-              <a:rPr lang="en-GB" dirty="0" err="1"/>
+              <a:rPr lang="en-GB" sz="1600" dirty="0" err="1"/>
               <a:t>lbfgs</a:t>
             </a:r>
             <a:r>
-              <a:rPr lang="en-GB" dirty="0"/>
+              <a:rPr lang="en-GB" sz="1600" dirty="0"/>
               <a:t>’, </a:t>
             </a:r>
             <a:r>
-              <a:rPr lang="en-GB" dirty="0" err="1"/>
+              <a:rPr lang="en-GB" sz="1600" dirty="0" err="1"/>
               <a:t>max_iter</a:t>
             </a:r>
             <a:r>
-              <a:rPr lang="en-GB" dirty="0"/>
+              <a:rPr lang="en-GB" sz="1600" dirty="0"/>
               <a:t>=200,random_state=78)</a:t>
             </a:r>
           </a:p>
           <a:p>
             <a:r>
-              <a:rPr lang="en-GB" dirty="0" err="1"/>
+              <a:rPr lang="en-GB" sz="2000" dirty="0" err="1"/>
               <a:t>K_nearest</a:t>
             </a:r>
             <a:r>
-              <a:rPr lang="en-GB" dirty="0"/>
+              <a:rPr lang="en-GB" sz="2000" dirty="0"/>
               <a:t> </a:t>
             </a:r>
             <a:r>
-              <a:rPr lang="en-GB" dirty="0" err="1"/>
+              <a:rPr lang="en-GB" sz="2000" dirty="0" err="1"/>
               <a:t>neighbors</a:t>
             </a:r>
             <a:r>
-              <a:rPr lang="en-GB" dirty="0"/>
+              <a:rPr lang="en-GB" sz="2000" dirty="0"/>
               <a:t> </a:t>
             </a:r>
           </a:p>
@@ -14673,41 +14673,41 @@
               <a:buNone/>
             </a:pPr>
             <a:r>
-              <a:rPr lang="en-GB" dirty="0"/>
+              <a:rPr lang="en-GB" sz="2000" dirty="0"/>
               <a:t>             </a:t>
             </a:r>
             <a:r>
+              <a:rPr lang="en-GB" sz="1600" dirty="0" err="1"/>
+              <a:t>Model_knn</a:t>
+            </a:r>
+            <a:r>
+              <a:rPr lang="en-GB" sz="1600" dirty="0"/>
+              <a:t> = </a:t>
+            </a:r>
+            <a:r>
+              <a:rPr lang="en-GB" sz="1600" dirty="0" err="1"/>
+              <a:t>KNeighborsClassifier</a:t>
+            </a:r>
+            <a:r>
+              <a:rPr lang="en-GB" sz="1600" dirty="0"/>
+              <a:t>(</a:t>
+            </a:r>
+            <a:r>
+              <a:rPr lang="en-GB" sz="1600" dirty="0" err="1"/>
+              <a:t>n_neighbors</a:t>
+            </a:r>
+            <a:r>
+              <a:rPr lang="en-GB" sz="1600" dirty="0"/>
+              <a:t>=5)</a:t>
+            </a:r>
+          </a:p>
+          <a:p>
+            <a:r>
               <a:rPr lang="en-GB" sz="2000" dirty="0" err="1"/>
-              <a:t>Model_knn</a:t>
+              <a:t>Descision</a:t>
             </a:r>
             <a:r>
               <a:rPr lang="en-GB" sz="2000" dirty="0"/>
-              <a:t> = </a:t>
-            </a:r>
-            <a:r>
-              <a:rPr lang="en-GB" sz="2000" dirty="0" err="1"/>
-              <a:t>KNeighborsClassifier</a:t>
-            </a:r>
-            <a:r>
-              <a:rPr lang="en-GB" sz="2000" dirty="0"/>
-              <a:t>(</a:t>
-            </a:r>
-            <a:r>
-              <a:rPr lang="en-GB" sz="2000" dirty="0" err="1"/>
-              <a:t>n_neighbors</a:t>
-            </a:r>
-            <a:r>
-              <a:rPr lang="en-GB" sz="2000" dirty="0"/>
-              <a:t>=5)</a:t>
-            </a:r>
-          </a:p>
-          <a:p>
-            <a:r>
-              <a:rPr lang="en-GB" dirty="0" err="1"/>
-              <a:t>Descision</a:t>
-            </a:r>
-            <a:r>
-              <a:rPr lang="en-GB" dirty="0"/>
               <a:t> Tree</a:t>
             </a:r>
           </a:p>
@@ -14717,29 +14717,29 @@
               <a:buNone/>
             </a:pPr>
             <a:r>
-              <a:rPr lang="en-GB" dirty="0"/>
+              <a:rPr lang="en-GB" sz="2000" dirty="0"/>
               <a:t>	</a:t>
             </a:r>
             <a:r>
-              <a:rPr lang="en-GB" sz="2000" dirty="0" err="1"/>
+              <a:rPr lang="en-GB" sz="1600" dirty="0" err="1"/>
               <a:t>model_DT</a:t>
             </a:r>
             <a:r>
+              <a:rPr lang="en-GB" sz="1600" dirty="0"/>
+              <a:t> = </a:t>
+            </a:r>
+            <a:r>
+              <a:rPr lang="en-GB" sz="1600" dirty="0" err="1"/>
+              <a:t>tree.DecisionTreeClassifier</a:t>
+            </a:r>
+            <a:r>
+              <a:rPr lang="en-GB" sz="1600" dirty="0"/>
+              <a:t>()</a:t>
+            </a:r>
+          </a:p>
+          <a:p>
+            <a:r>
               <a:rPr lang="en-GB" sz="2000" dirty="0"/>
-              <a:t> = </a:t>
-            </a:r>
-            <a:r>
-              <a:rPr lang="en-GB" sz="2000" dirty="0" err="1"/>
-              <a:t>tree.DecisionTreeClassifier</a:t>
-            </a:r>
-            <a:r>
-              <a:rPr lang="en-GB" sz="2000" dirty="0"/>
-              <a:t>()</a:t>
-            </a:r>
-          </a:p>
-          <a:p>
-            <a:r>
-              <a:rPr lang="en-GB" dirty="0"/>
               <a:t>Random Forest</a:t>
             </a:r>
           </a:p>
@@ -14749,45 +14749,45 @@
               <a:buNone/>
             </a:pPr>
             <a:r>
-              <a:rPr lang="en-GB" dirty="0"/>
+              <a:rPr lang="en-GB" sz="2000" dirty="0"/>
               <a:t>	</a:t>
             </a:r>
             <a:r>
-              <a:rPr lang="en-GB" sz="2200" dirty="0" err="1"/>
+              <a:rPr lang="en-GB" sz="1600" dirty="0" err="1"/>
               <a:t>rf_model</a:t>
             </a:r>
             <a:r>
-              <a:rPr lang="en-GB" sz="2200" dirty="0"/>
+              <a:rPr lang="en-GB" sz="1600" dirty="0"/>
               <a:t> = </a:t>
             </a:r>
             <a:r>
-              <a:rPr lang="en-GB" sz="2200" dirty="0" err="1"/>
+              <a:rPr lang="en-GB" sz="1600" dirty="0" err="1"/>
               <a:t>RandomForestClassifier</a:t>
             </a:r>
             <a:r>
-              <a:rPr lang="en-GB" sz="2200" dirty="0"/>
+              <a:rPr lang="en-GB" sz="1600" dirty="0"/>
               <a:t>(</a:t>
             </a:r>
             <a:r>
-              <a:rPr lang="en-GB" sz="2200" dirty="0" err="1"/>
+              <a:rPr lang="en-GB" sz="1600" dirty="0" err="1"/>
               <a:t>n_estimators</a:t>
             </a:r>
             <a:r>
-              <a:rPr lang="en-GB" sz="2200" dirty="0"/>
+              <a:rPr lang="en-GB" sz="1600" dirty="0"/>
               <a:t>=500, </a:t>
             </a:r>
             <a:r>
-              <a:rPr lang="en-GB" sz="2200" dirty="0" err="1"/>
+              <a:rPr lang="en-GB" sz="1600" dirty="0" err="1"/>
               <a:t>random_state</a:t>
             </a:r>
             <a:r>
-              <a:rPr lang="en-GB" sz="2200" dirty="0"/>
+              <a:rPr lang="en-GB" sz="1600" dirty="0"/>
               <a:t>=78)</a:t>
             </a:r>
           </a:p>
           <a:p>
             <a:r>
-              <a:rPr lang="en-GB" dirty="0"/>
+              <a:rPr lang="en-GB" sz="2000" dirty="0"/>
               <a:t>Support Vector Machine (SVM)</a:t>
             </a:r>
           </a:p>
@@ -14797,15 +14797,15 @@
               <a:buNone/>
             </a:pPr>
             <a:r>
-              <a:rPr lang="en-GB" dirty="0"/>
+              <a:rPr lang="en-GB" sz="2000" dirty="0"/>
               <a:t>	</a:t>
             </a:r>
             <a:r>
-              <a:rPr lang="en-GB" sz="2200" dirty="0" err="1"/>
+              <a:rPr lang="en-GB" sz="1600" dirty="0" err="1"/>
               <a:t>model_svm</a:t>
             </a:r>
             <a:r>
-              <a:rPr lang="en-GB" sz="2200" dirty="0"/>
+              <a:rPr lang="en-GB" sz="1600" dirty="0"/>
               <a:t> = SVC(kernel='linear')</a:t>
             </a:r>
           </a:p>
@@ -22655,7 +22655,7 @@
         </p:blipFill>
         <p:spPr bwMode="auto">
           <a:xfrm>
-            <a:off x="2292397" y="1979959"/>
+            <a:off x="2524400" y="2213309"/>
             <a:ext cx="3265236" cy="2088232"/>
           </a:xfrm>
           <a:prstGeom prst="rect">
@@ -32103,6 +32103,15 @@
 </file>
 
 <file path=customXml/item1.xml><?xml version="1.0" encoding="utf-8"?>
+<?mso-contentType ?>
+<FormTemplates xmlns="http://schemas.microsoft.com/sharepoint/v3/contenttype/forms">
+  <Display>DocumentLibraryForm</Display>
+  <Edit>DocumentLibraryForm</Edit>
+  <New>DocumentLibraryForm</New>
+</FormTemplates>
+</file>
+
+<file path=customXml/item2.xml><?xml version="1.0" encoding="utf-8"?>
 <ct:contentTypeSchema xmlns:ct="http://schemas.microsoft.com/office/2006/metadata/contentType" xmlns:ma="http://schemas.microsoft.com/office/2006/metadata/properties/metaAttributes" ct:_="" ma:_="" ma:contentTypeName="Document" ma:contentTypeID="0x01010079F111ED35F8CC479449609E8A0923A6" ma:contentTypeVersion="12" ma:contentTypeDescription="Create a new document." ma:contentTypeScope="" ma:versionID="426e97fa315356fffbdcd9876fe988c2">
   <xsd:schema xmlns:xsd="http://www.w3.org/2001/XMLSchema" xmlns:xs="http://www.w3.org/2001/XMLSchema" xmlns:p="http://schemas.microsoft.com/office/2006/metadata/properties" xmlns:ns2="71af3243-3dd4-4a8d-8c0d-dd76da1f02a5" xmlns:ns3="16c05727-aa75-4e4a-9b5f-8a80a1165891" targetNamespace="http://schemas.microsoft.com/office/2006/metadata/properties" ma:root="true" ma:fieldsID="14b8f0def80e6d70ce3def20c90759ae" ns2:_="" ns3:_="">
     <xsd:import namespace="71af3243-3dd4-4a8d-8c0d-dd76da1f02a5"/>
@@ -32323,15 +32332,6 @@
 </ct:contentTypeSchema>
 </file>
 
-<file path=customXml/item2.xml><?xml version="1.0" encoding="utf-8"?>
-<?mso-contentType ?>
-<FormTemplates xmlns="http://schemas.microsoft.com/sharepoint/v3/contenttype/forms">
-  <Display>DocumentLibraryForm</Display>
-  <Edit>DocumentLibraryForm</Edit>
-  <New>DocumentLibraryForm</New>
-</FormTemplates>
-</file>
-
 <file path=customXml/item3.xml><?xml version="1.0" encoding="utf-8"?>
 <p:properties xmlns:p="http://schemas.microsoft.com/office/2006/metadata/properties" xmlns:xsi="http://www.w3.org/2001/XMLSchema-instance" xmlns:pc="http://schemas.microsoft.com/office/infopath/2007/PartnerControls">
   <documentManagement>
@@ -32342,6 +32342,14 @@
 </file>
 
 <file path=customXml/itemProps1.xml><?xml version="1.0" encoding="utf-8"?>
+<ds:datastoreItem xmlns:ds="http://schemas.openxmlformats.org/officeDocument/2006/customXml" ds:itemID="{D9EAC644-7B36-4B02-AE6A-271637DE6193}">
+  <ds:schemaRefs>
+    <ds:schemaRef ds:uri="http://schemas.microsoft.com/sharepoint/v3/contenttype/forms"/>
+  </ds:schemaRefs>
+</ds:datastoreItem>
+</file>
+
+<file path=customXml/itemProps2.xml><?xml version="1.0" encoding="utf-8"?>
 <ds:datastoreItem xmlns:ds="http://schemas.openxmlformats.org/officeDocument/2006/customXml" ds:itemID="{5D82FBE3-5E95-4B7A-88C0-B7BB58A96823}">
   <ds:schemaRefs>
     <ds:schemaRef ds:uri="http://schemas.microsoft.com/office/2006/metadata/contentType"/>
@@ -32360,14 +32368,6 @@
 </ds:datastoreItem>
 </file>
 
-<file path=customXml/itemProps2.xml><?xml version="1.0" encoding="utf-8"?>
-<ds:datastoreItem xmlns:ds="http://schemas.openxmlformats.org/officeDocument/2006/customXml" ds:itemID="{D9EAC644-7B36-4B02-AE6A-271637DE6193}">
-  <ds:schemaRefs>
-    <ds:schemaRef ds:uri="http://schemas.microsoft.com/sharepoint/v3/contenttype/forms"/>
-  </ds:schemaRefs>
-</ds:datastoreItem>
-</file>
-
 <file path=customXml/itemProps3.xml><?xml version="1.0" encoding="utf-8"?>
 <ds:datastoreItem xmlns:ds="http://schemas.openxmlformats.org/officeDocument/2006/customXml" ds:itemID="{581AEECB-7CBF-41B6-B304-895A4D5BDF0F}">
   <ds:schemaRefs>
